--- a/20240722 NAF Intro.pptx
+++ b/20240722 NAF Intro.pptx
@@ -5,15 +5,17 @@
     <p:sldMasterId id="2147483648" r:id="rId1"/>
   </p:sldMasterIdLst>
   <p:notesMasterIdLst>
-    <p:notesMasterId r:id="rId8"/>
+    <p:notesMasterId r:id="rId10"/>
   </p:notesMasterIdLst>
   <p:sldIdLst>
     <p:sldId id="256" r:id="rId2"/>
-    <p:sldId id="259" r:id="rId3"/>
-    <p:sldId id="258" r:id="rId4"/>
-    <p:sldId id="263" r:id="rId5"/>
-    <p:sldId id="257" r:id="rId6"/>
-    <p:sldId id="262" r:id="rId7"/>
+    <p:sldId id="265" r:id="rId3"/>
+    <p:sldId id="264" r:id="rId4"/>
+    <p:sldId id="259" r:id="rId5"/>
+    <p:sldId id="258" r:id="rId6"/>
+    <p:sldId id="263" r:id="rId7"/>
+    <p:sldId id="257" r:id="rId8"/>
+    <p:sldId id="262" r:id="rId9"/>
   </p:sldIdLst>
   <p:sldSz cx="12192000" cy="6858000"/>
   <p:notesSz cx="6858000" cy="9144000"/>
@@ -202,7 +204,7 @@
           <a:p>
             <a:fld id="{4299902A-6DB3-4A13-9B91-BEABFDA2FC16}" type="datetimeFigureOut">
               <a:rPr lang="en-US" smtClean="0"/>
-              <a:t>6/21/2024</a:t>
+              <a:t>7/17/2024</a:t>
             </a:fld>
             <a:endParaRPr lang="en-US"/>
           </a:p>
@@ -2487,6 +2489,624 @@
           <p:cNvPr id="2" name="Title 1">
             <a:extLst>
               <a:ext uri="{FF2B5EF4-FFF2-40B4-BE49-F238E27FC236}">
+                <a16:creationId xmlns:a16="http://schemas.microsoft.com/office/drawing/2014/main" id="{28C8E0A3-D444-001B-F6EF-2BF1ED77CE1A}"/>
+              </a:ext>
+            </a:extLst>
+          </p:cNvPr>
+          <p:cNvSpPr>
+            <a:spLocks noGrp="1"/>
+          </p:cNvSpPr>
+          <p:nvPr>
+            <p:ph type="title"/>
+          </p:nvPr>
+        </p:nvSpPr>
+        <p:spPr>
+          <a:xfrm>
+            <a:off x="0" y="144617"/>
+            <a:ext cx="11938000" cy="800128"/>
+          </a:xfrm>
+        </p:spPr>
+        <p:txBody>
+          <a:bodyPr>
+            <a:noAutofit/>
+          </a:bodyPr>
+          <a:lstStyle/>
+          <a:p>
+            <a:r>
+              <a:rPr lang="en-US" sz="3200" dirty="0"/>
+              <a:t>Polyelectrolyte behavior is dictated by three main interactions</a:t>
+            </a:r>
+          </a:p>
+        </p:txBody>
+      </p:sp>
+      <p:sp>
+        <p:nvSpPr>
+          <p:cNvPr id="3" name="Content Placeholder 2">
+            <a:extLst>
+              <a:ext uri="{FF2B5EF4-FFF2-40B4-BE49-F238E27FC236}">
+                <a16:creationId xmlns:a16="http://schemas.microsoft.com/office/drawing/2014/main" id="{53B7D9A4-BB5A-5444-77E0-99CDE035C2D3}"/>
+              </a:ext>
+            </a:extLst>
+          </p:cNvPr>
+          <p:cNvSpPr>
+            <a:spLocks noGrp="1"/>
+          </p:cNvSpPr>
+          <p:nvPr>
+            <p:ph idx="1"/>
+          </p:nvPr>
+        </p:nvSpPr>
+        <p:spPr/>
+        <p:txBody>
+          <a:bodyPr/>
+          <a:lstStyle/>
+          <a:p>
+            <a:r>
+              <a:rPr lang="en-US" dirty="0"/>
+              <a:t>Elasticity – polymer chains are formed by a series of connected monomers</a:t>
+            </a:r>
+          </a:p>
+          <a:p>
+            <a:r>
+              <a:rPr lang="en-US" dirty="0"/>
+              <a:t>Hydrophobicity – van der Waals interactions between monomers and solvent</a:t>
+            </a:r>
+          </a:p>
+          <a:p>
+            <a:r>
+              <a:rPr lang="en-US" dirty="0"/>
+              <a:t>Electrostatics – charged monomeric groups and dissolved salt ions</a:t>
+            </a:r>
+          </a:p>
+        </p:txBody>
+      </p:sp>
+      <p:sp>
+        <p:nvSpPr>
+          <p:cNvPr id="4" name="Slide Number Placeholder 3">
+            <a:extLst>
+              <a:ext uri="{FF2B5EF4-FFF2-40B4-BE49-F238E27FC236}">
+                <a16:creationId xmlns:a16="http://schemas.microsoft.com/office/drawing/2014/main" id="{C299AD9A-E8EC-17A9-98C9-115B5334CF13}"/>
+              </a:ext>
+            </a:extLst>
+          </p:cNvPr>
+          <p:cNvSpPr>
+            <a:spLocks noGrp="1"/>
+          </p:cNvSpPr>
+          <p:nvPr>
+            <p:ph type="sldNum" sz="quarter" idx="12"/>
+          </p:nvPr>
+        </p:nvSpPr>
+        <p:spPr/>
+        <p:txBody>
+          <a:bodyPr/>
+          <a:lstStyle/>
+          <a:p>
+            <a:fld id="{5911C0E6-D9CE-431C-92CB-BB39B872F930}" type="slidenum">
+              <a:rPr lang="en-US" smtClean="0"/>
+              <a:t>2</a:t>
+            </a:fld>
+            <a:endParaRPr lang="en-US"/>
+          </a:p>
+        </p:txBody>
+      </p:sp>
+    </p:spTree>
+    <p:extLst>
+      <p:ext uri="{BB962C8B-B14F-4D97-AF65-F5344CB8AC3E}">
+        <p14:creationId xmlns:p14="http://schemas.microsoft.com/office/powerpoint/2010/main" val="2790075328"/>
+      </p:ext>
+    </p:extLst>
+  </p:cSld>
+  <p:clrMapOvr>
+    <a:masterClrMapping/>
+  </p:clrMapOvr>
+</p:sld>
+</file>
+
+<file path=ppt/slides/slide3.xml><?xml version="1.0" encoding="utf-8"?>
+<p:sld xmlns:a="http://schemas.openxmlformats.org/drawingml/2006/main" xmlns:r="http://schemas.openxmlformats.org/officeDocument/2006/relationships" xmlns:p="http://schemas.openxmlformats.org/presentationml/2006/main">
+  <p:cSld>
+    <p:spTree>
+      <p:nvGrpSpPr>
+        <p:cNvPr id="1" name=""/>
+        <p:cNvGrpSpPr/>
+        <p:nvPr/>
+      </p:nvGrpSpPr>
+      <p:grpSpPr>
+        <a:xfrm>
+          <a:off x="0" y="0"/>
+          <a:ext cx="0" cy="0"/>
+          <a:chOff x="0" y="0"/>
+          <a:chExt cx="0" cy="0"/>
+        </a:xfrm>
+      </p:grpSpPr>
+      <p:sp>
+        <p:nvSpPr>
+          <p:cNvPr id="2" name="Title 1">
+            <a:extLst>
+              <a:ext uri="{FF2B5EF4-FFF2-40B4-BE49-F238E27FC236}">
+                <a16:creationId xmlns:a16="http://schemas.microsoft.com/office/drawing/2014/main" id="{96553A4A-D76A-2A8C-1FFD-2A108445B7F8}"/>
+              </a:ext>
+            </a:extLst>
+          </p:cNvPr>
+          <p:cNvSpPr>
+            <a:spLocks noGrp="1"/>
+          </p:cNvSpPr>
+          <p:nvPr>
+            <p:ph type="title"/>
+          </p:nvPr>
+        </p:nvSpPr>
+        <p:spPr>
+          <a:xfrm>
+            <a:off x="-1" y="144617"/>
+            <a:ext cx="12005733" cy="800128"/>
+          </a:xfrm>
+        </p:spPr>
+        <p:txBody>
+          <a:bodyPr>
+            <a:noAutofit/>
+          </a:bodyPr>
+          <a:lstStyle/>
+          <a:p>
+            <a:r>
+              <a:rPr lang="en-US" sz="3600" dirty="0"/>
+              <a:t>These interactions influence polyelectrolyte morphology</a:t>
+            </a:r>
+          </a:p>
+        </p:txBody>
+      </p:sp>
+      <mc:AlternateContent xmlns:mc="http://schemas.openxmlformats.org/markup-compatibility/2006">
+        <mc:Choice xmlns:a14="http://schemas.microsoft.com/office/drawing/2010/main" Requires="a14">
+          <p:sp>
+            <p:nvSpPr>
+              <p:cNvPr id="3" name="Content Placeholder 2">
+                <a:extLst>
+                  <a:ext uri="{FF2B5EF4-FFF2-40B4-BE49-F238E27FC236}">
+                    <a16:creationId xmlns:a16="http://schemas.microsoft.com/office/drawing/2014/main" id="{EB21881E-6879-9FD8-6548-5A30B51A779D}"/>
+                  </a:ext>
+                </a:extLst>
+              </p:cNvPr>
+              <p:cNvSpPr>
+                <a:spLocks noGrp="1"/>
+              </p:cNvSpPr>
+              <p:nvPr>
+                <p:ph idx="1"/>
+              </p:nvPr>
+            </p:nvSpPr>
+            <p:spPr>
+              <a:xfrm>
+                <a:off x="491067" y="1317947"/>
+                <a:ext cx="7306733" cy="1712843"/>
+              </a:xfrm>
+            </p:spPr>
+            <p:txBody>
+              <a:bodyPr>
+                <a:noAutofit/>
+              </a:bodyPr>
+              <a:lstStyle/>
+              <a:p>
+                <a:r>
+                  <a:rPr lang="en-US" sz="1600" dirty="0"/>
+                  <a:t>Competition between hydrophobicity, long-range electrostatics, and polymer elasticity can lead to complex morphologies</a:t>
+                </a:r>
+              </a:p>
+              <a:p>
+                <a:pPr lvl="1"/>
+                <a:r>
+                  <a:rPr lang="en-US" sz="1600" dirty="0"/>
+                  <a:t>These factors can be tuned by monomer chemistry </a:t>
+                </a:r>
+              </a:p>
+              <a:p>
+                <a:pPr lvl="2"/>
+                <a:r>
+                  <a:rPr lang="en-US" sz="1600" dirty="0"/>
+                  <a:t>E.g., Backbone charge density </a:t>
+                </a:r>
+                <a14:m>
+                  <m:oMath xmlns:m="http://schemas.openxmlformats.org/officeDocument/2006/math">
+                    <m:r>
+                      <a:rPr lang="en-US" sz="1600" b="0" i="1" smtClean="0">
+                        <a:latin typeface="Cambria Math" panose="02040503050406030204" pitchFamily="18" charset="0"/>
+                      </a:rPr>
+                      <m:t>𝛼</m:t>
+                    </m:r>
+                  </m:oMath>
+                </a14:m>
+                <a:r>
+                  <a:rPr lang="en-US" sz="1600" dirty="0"/>
+                  <a:t>, Flory—Huggins interaction parameter </a:t>
+                </a:r>
+                <a14:m>
+                  <m:oMath xmlns:m="http://schemas.openxmlformats.org/officeDocument/2006/math">
+                    <m:r>
+                      <a:rPr lang="en-US" sz="1600" b="0" i="1" smtClean="0">
+                        <a:latin typeface="Cambria Math" panose="02040503050406030204" pitchFamily="18" charset="0"/>
+                      </a:rPr>
+                      <m:t>𝜒</m:t>
+                    </m:r>
+                  </m:oMath>
+                </a14:m>
+                <a:r>
+                  <a:rPr lang="en-US" sz="1600" dirty="0"/>
+                  <a:t>, </a:t>
+                </a:r>
+              </a:p>
+              <a:p>
+                <a:endParaRPr lang="en-US" sz="1600" dirty="0"/>
+              </a:p>
+              <a:p>
+                <a:endParaRPr lang="en-US" sz="1600" dirty="0"/>
+              </a:p>
+            </p:txBody>
+          </p:sp>
+        </mc:Choice>
+        <mc:Fallback>
+          <p:sp>
+            <p:nvSpPr>
+              <p:cNvPr id="3" name="Content Placeholder 2">
+                <a:extLst>
+                  <a:ext uri="{FF2B5EF4-FFF2-40B4-BE49-F238E27FC236}">
+                    <a16:creationId xmlns:a16="http://schemas.microsoft.com/office/drawing/2014/main" id="{EB21881E-6879-9FD8-6548-5A30B51A779D}"/>
+                  </a:ext>
+                </a:extLst>
+              </p:cNvPr>
+              <p:cNvSpPr>
+                <a:spLocks noGrp="1" noRot="1" noChangeAspect="1" noMove="1" noResize="1" noEditPoints="1" noAdjustHandles="1" noChangeArrowheads="1" noChangeShapeType="1" noTextEdit="1"/>
+              </p:cNvSpPr>
+              <p:nvPr>
+                <p:ph idx="1"/>
+              </p:nvPr>
+            </p:nvSpPr>
+            <p:spPr>
+              <a:xfrm>
+                <a:off x="491067" y="1317947"/>
+                <a:ext cx="7306733" cy="1712843"/>
+              </a:xfrm>
+              <a:blipFill>
+                <a:blip r:embed="rId2"/>
+                <a:stretch>
+                  <a:fillRect l="-334" t="-1423" r="-1085" b="-6050"/>
+                </a:stretch>
+              </a:blipFill>
+            </p:spPr>
+            <p:txBody>
+              <a:bodyPr/>
+              <a:lstStyle/>
+              <a:p>
+                <a:r>
+                  <a:rPr lang="en-US">
+                    <a:noFill/>
+                  </a:rPr>
+                  <a:t> </a:t>
+                </a:r>
+              </a:p>
+            </p:txBody>
+          </p:sp>
+        </mc:Fallback>
+      </mc:AlternateContent>
+      <p:sp>
+        <p:nvSpPr>
+          <p:cNvPr id="4" name="Slide Number Placeholder 3">
+            <a:extLst>
+              <a:ext uri="{FF2B5EF4-FFF2-40B4-BE49-F238E27FC236}">
+                <a16:creationId xmlns:a16="http://schemas.microsoft.com/office/drawing/2014/main" id="{05466836-4901-42E5-0F6C-82E2CD4D8C66}"/>
+              </a:ext>
+            </a:extLst>
+          </p:cNvPr>
+          <p:cNvSpPr>
+            <a:spLocks noGrp="1"/>
+          </p:cNvSpPr>
+          <p:nvPr>
+            <p:ph type="sldNum" sz="quarter" idx="12"/>
+          </p:nvPr>
+        </p:nvSpPr>
+        <p:spPr/>
+        <p:txBody>
+          <a:bodyPr/>
+          <a:lstStyle/>
+          <a:p>
+            <a:fld id="{5911C0E6-D9CE-431C-92CB-BB39B872F930}" type="slidenum">
+              <a:rPr lang="en-US" smtClean="0"/>
+              <a:t>3</a:t>
+            </a:fld>
+            <a:endParaRPr lang="en-US"/>
+          </a:p>
+        </p:txBody>
+      </p:sp>
+      <p:pic>
+        <p:nvPicPr>
+          <p:cNvPr id="1028" name="Picture 4">
+            <a:extLst>
+              <a:ext uri="{FF2B5EF4-FFF2-40B4-BE49-F238E27FC236}">
+                <a16:creationId xmlns:a16="http://schemas.microsoft.com/office/drawing/2014/main" id="{50D9F423-322A-72F3-7C43-B055016FD768}"/>
+              </a:ext>
+            </a:extLst>
+          </p:cNvPr>
+          <p:cNvPicPr>
+            <a:picLocks noChangeAspect="1" noChangeArrowheads="1"/>
+          </p:cNvPicPr>
+          <p:nvPr/>
+        </p:nvPicPr>
+        <p:blipFill>
+          <a:blip r:embed="rId3">
+            <a:extLst>
+              <a:ext uri="{28A0092B-C50C-407E-A947-70E740481C1C}">
+                <a14:useLocalDpi xmlns:a14="http://schemas.microsoft.com/office/drawing/2010/main" val="0"/>
+              </a:ext>
+            </a:extLst>
+          </a:blip>
+          <a:srcRect/>
+          <a:stretch>
+            <a:fillRect/>
+          </a:stretch>
+        </p:blipFill>
+        <p:spPr bwMode="auto">
+          <a:xfrm>
+            <a:off x="8302383" y="1080219"/>
+            <a:ext cx="3190302" cy="2473791"/>
+          </a:xfrm>
+          <a:prstGeom prst="rect">
+            <a:avLst/>
+          </a:prstGeom>
+          <a:noFill/>
+          <a:extLst>
+            <a:ext uri="{909E8E84-426E-40DD-AFC4-6F175D3DCCD1}">
+              <a14:hiddenFill xmlns:a14="http://schemas.microsoft.com/office/drawing/2010/main">
+                <a:solidFill>
+                  <a:srgbClr val="FFFFFF"/>
+                </a:solidFill>
+              </a14:hiddenFill>
+            </a:ext>
+          </a:extLst>
+        </p:spPr>
+      </p:pic>
+      <p:grpSp>
+        <p:nvGrpSpPr>
+          <p:cNvPr id="6" name="Group 5">
+            <a:extLst>
+              <a:ext uri="{FF2B5EF4-FFF2-40B4-BE49-F238E27FC236}">
+                <a16:creationId xmlns:a16="http://schemas.microsoft.com/office/drawing/2014/main" id="{D6AB7392-CAD9-D6C5-96F9-168DD75D8BB3}"/>
+              </a:ext>
+            </a:extLst>
+          </p:cNvPr>
+          <p:cNvGrpSpPr/>
+          <p:nvPr/>
+        </p:nvGrpSpPr>
+        <p:grpSpPr>
+          <a:xfrm>
+            <a:off x="1966259" y="3738676"/>
+            <a:ext cx="6456081" cy="2982799"/>
+            <a:chOff x="5238625" y="3522620"/>
+            <a:chExt cx="6456081" cy="2982799"/>
+          </a:xfrm>
+        </p:grpSpPr>
+        <p:pic>
+          <p:nvPicPr>
+            <p:cNvPr id="1026" name="Picture 2">
+              <a:extLst>
+                <a:ext uri="{FF2B5EF4-FFF2-40B4-BE49-F238E27FC236}">
+                  <a16:creationId xmlns:a16="http://schemas.microsoft.com/office/drawing/2014/main" id="{A104E029-F174-178E-FB4B-281C47966C75}"/>
+                </a:ext>
+              </a:extLst>
+            </p:cNvPr>
+            <p:cNvPicPr>
+              <a:picLocks noChangeAspect="1" noChangeArrowheads="1"/>
+            </p:cNvPicPr>
+            <p:nvPr/>
+          </p:nvPicPr>
+          <p:blipFill>
+            <a:blip r:embed="rId4">
+              <a:extLst>
+                <a:ext uri="{28A0092B-C50C-407E-A947-70E740481C1C}">
+                  <a14:useLocalDpi xmlns:a14="http://schemas.microsoft.com/office/drawing/2010/main" val="0"/>
+                </a:ext>
+              </a:extLst>
+            </a:blip>
+            <a:srcRect/>
+            <a:stretch>
+              <a:fillRect/>
+            </a:stretch>
+          </p:blipFill>
+          <p:spPr bwMode="auto">
+            <a:xfrm>
+              <a:off x="5238625" y="3861174"/>
+              <a:ext cx="6456081" cy="2644245"/>
+            </a:xfrm>
+            <a:prstGeom prst="rect">
+              <a:avLst/>
+            </a:prstGeom>
+            <a:noFill/>
+            <a:extLst>
+              <a:ext uri="{909E8E84-426E-40DD-AFC4-6F175D3DCCD1}">
+                <a14:hiddenFill xmlns:a14="http://schemas.microsoft.com/office/drawing/2010/main">
+                  <a:solidFill>
+                    <a:srgbClr val="FFFFFF"/>
+                  </a:solidFill>
+                </a14:hiddenFill>
+              </a:ext>
+            </a:extLst>
+          </p:spPr>
+        </p:pic>
+        <mc:AlternateContent xmlns:mc="http://schemas.openxmlformats.org/markup-compatibility/2006">
+          <mc:Choice xmlns:a14="http://schemas.microsoft.com/office/drawing/2010/main" Requires="a14">
+            <p:sp>
+              <p:nvSpPr>
+                <p:cNvPr id="5" name="TextBox 4">
+                  <a:extLst>
+                    <a:ext uri="{FF2B5EF4-FFF2-40B4-BE49-F238E27FC236}">
+                      <a16:creationId xmlns:a16="http://schemas.microsoft.com/office/drawing/2014/main" id="{31200FE2-958D-BCCC-7049-2444FC7FB703}"/>
+                    </a:ext>
+                  </a:extLst>
+                </p:cNvPr>
+                <p:cNvSpPr txBox="1"/>
+                <p:nvPr/>
+              </p:nvSpPr>
+              <p:spPr>
+                <a:xfrm>
+                  <a:off x="7173506" y="3522620"/>
+                  <a:ext cx="3107267" cy="338554"/>
+                </a:xfrm>
+                <a:prstGeom prst="rect">
+                  <a:avLst/>
+                </a:prstGeom>
+                <a:noFill/>
+              </p:spPr>
+              <p:txBody>
+                <a:bodyPr wrap="square" rtlCol="0">
+                  <a:spAutoFit/>
+                </a:bodyPr>
+                <a:lstStyle/>
+                <a:p>
+                  <a:pPr algn="ctr"/>
+                  <a:r>
+                    <a:rPr lang="en-US" sz="1600" dirty="0"/>
+                    <a:t>(For </a:t>
+                  </a:r>
+                  <a14:m>
+                    <m:oMath xmlns:m="http://schemas.openxmlformats.org/officeDocument/2006/math">
+                      <m:r>
+                        <a:rPr lang="en-US" sz="1600" b="0" i="1" smtClean="0">
+                          <a:latin typeface="Cambria Math" panose="02040503050406030204" pitchFamily="18" charset="0"/>
+                        </a:rPr>
+                        <m:t>𝛼</m:t>
+                      </m:r>
+                      <m:r>
+                        <a:rPr lang="en-US" sz="1600" b="0" i="1" smtClean="0">
+                          <a:latin typeface="Cambria Math" panose="02040503050406030204" pitchFamily="18" charset="0"/>
+                        </a:rPr>
+                        <m:t>=0.4</m:t>
+                      </m:r>
+                    </m:oMath>
+                  </a14:m>
+                  <a:r>
+                    <a:rPr lang="en-US" sz="1600" dirty="0"/>
+                    <a:t>)</a:t>
+                  </a:r>
+                </a:p>
+              </p:txBody>
+            </p:sp>
+          </mc:Choice>
+          <mc:Fallback>
+            <p:sp>
+              <p:nvSpPr>
+                <p:cNvPr id="5" name="TextBox 4">
+                  <a:extLst>
+                    <a:ext uri="{FF2B5EF4-FFF2-40B4-BE49-F238E27FC236}">
+                      <a16:creationId xmlns:a16="http://schemas.microsoft.com/office/drawing/2014/main" id="{31200FE2-958D-BCCC-7049-2444FC7FB703}"/>
+                    </a:ext>
+                  </a:extLst>
+                </p:cNvPr>
+                <p:cNvSpPr txBox="1">
+                  <a:spLocks noRot="1" noChangeAspect="1" noMove="1" noResize="1" noEditPoints="1" noAdjustHandles="1" noChangeArrowheads="1" noChangeShapeType="1" noTextEdit="1"/>
+                </p:cNvSpPr>
+                <p:nvPr/>
+              </p:nvSpPr>
+              <p:spPr>
+                <a:xfrm>
+                  <a:off x="7173506" y="3522620"/>
+                  <a:ext cx="3107267" cy="338554"/>
+                </a:xfrm>
+                <a:prstGeom prst="rect">
+                  <a:avLst/>
+                </a:prstGeom>
+                <a:blipFill>
+                  <a:blip r:embed="rId5"/>
+                  <a:stretch>
+                    <a:fillRect t="-5357" b="-21429"/>
+                  </a:stretch>
+                </a:blipFill>
+              </p:spPr>
+              <p:txBody>
+                <a:bodyPr/>
+                <a:lstStyle/>
+                <a:p>
+                  <a:r>
+                    <a:rPr lang="en-US">
+                      <a:noFill/>
+                    </a:rPr>
+                    <a:t> </a:t>
+                  </a:r>
+                </a:p>
+              </p:txBody>
+            </p:sp>
+          </mc:Fallback>
+        </mc:AlternateContent>
+      </p:grpSp>
+      <p:sp>
+        <p:nvSpPr>
+          <p:cNvPr id="8" name="TextBox 7">
+            <a:extLst>
+              <a:ext uri="{FF2B5EF4-FFF2-40B4-BE49-F238E27FC236}">
+                <a16:creationId xmlns:a16="http://schemas.microsoft.com/office/drawing/2014/main" id="{77F3D4C9-7B1A-9709-5B6D-4D81F5F3D0BE}"/>
+              </a:ext>
+            </a:extLst>
+          </p:cNvPr>
+          <p:cNvSpPr txBox="1"/>
+          <p:nvPr/>
+        </p:nvSpPr>
+        <p:spPr>
+          <a:xfrm>
+            <a:off x="491067" y="3369344"/>
+            <a:ext cx="9406467" cy="338554"/>
+          </a:xfrm>
+          <a:prstGeom prst="rect">
+            <a:avLst/>
+          </a:prstGeom>
+          <a:noFill/>
+        </p:spPr>
+        <p:txBody>
+          <a:bodyPr wrap="square">
+            <a:spAutoFit/>
+          </a:bodyPr>
+          <a:lstStyle/>
+          <a:p>
+            <a:pPr marL="285750" indent="-285750">
+              <a:buFont typeface="Arial" panose="020B0604020202020204" pitchFamily="34" charset="0"/>
+              <a:buChar char="•"/>
+            </a:pPr>
+            <a:r>
+              <a:rPr lang="en-US" sz="1600" dirty="0">
+                <a:latin typeface="Lucida grande" panose="020B0502040204020203"/>
+              </a:rPr>
+              <a:t>A robust theoretical framework can provide molecular details, such as density distributions</a:t>
+            </a:r>
+          </a:p>
+        </p:txBody>
+      </p:sp>
+    </p:spTree>
+    <p:extLst>
+      <p:ext uri="{BB962C8B-B14F-4D97-AF65-F5344CB8AC3E}">
+        <p14:creationId xmlns:p14="http://schemas.microsoft.com/office/powerpoint/2010/main" val="1303275791"/>
+      </p:ext>
+    </p:extLst>
+  </p:cSld>
+  <p:clrMapOvr>
+    <a:masterClrMapping/>
+  </p:clrMapOvr>
+</p:sld>
+</file>
+
+<file path=ppt/slides/slide4.xml><?xml version="1.0" encoding="utf-8"?>
+<p:sld xmlns:a="http://schemas.openxmlformats.org/drawingml/2006/main" xmlns:r="http://schemas.openxmlformats.org/officeDocument/2006/relationships" xmlns:p="http://schemas.openxmlformats.org/presentationml/2006/main">
+  <p:cSld>
+    <p:spTree>
+      <p:nvGrpSpPr>
+        <p:cNvPr id="1" name=""/>
+        <p:cNvGrpSpPr/>
+        <p:nvPr/>
+      </p:nvGrpSpPr>
+      <p:grpSpPr>
+        <a:xfrm>
+          <a:off x="0" y="0"/>
+          <a:ext cx="0" cy="0"/>
+          <a:chOff x="0" y="0"/>
+          <a:chExt cx="0" cy="0"/>
+        </a:xfrm>
+      </p:grpSpPr>
+      <p:sp>
+        <p:nvSpPr>
+          <p:cNvPr id="2" name="Title 1">
+            <a:extLst>
+              <a:ext uri="{FF2B5EF4-FFF2-40B4-BE49-F238E27FC236}">
                 <a16:creationId xmlns:a16="http://schemas.microsoft.com/office/drawing/2014/main" id="{CA0C75CC-A6F4-70DB-60D2-325B3425A73B}"/>
               </a:ext>
             </a:extLst>
@@ -2548,7 +3168,7 @@
                   <a:spcPts val="600"/>
                 </a:spcAft>
               </a:pPr>
-              <a:t>2</a:t>
+              <a:t>4</a:t>
             </a:fld>
             <a:endParaRPr lang="en-US"/>
           </a:p>
@@ -3050,7 +3670,7 @@
 </p:sld>
 </file>
 
-<file path=ppt/slides/slide3.xml><?xml version="1.0" encoding="utf-8"?>
+<file path=ppt/slides/slide5.xml><?xml version="1.0" encoding="utf-8"?>
 <p:sld xmlns:a="http://schemas.openxmlformats.org/drawingml/2006/main" xmlns:r="http://schemas.openxmlformats.org/officeDocument/2006/relationships" xmlns:p="http://schemas.openxmlformats.org/presentationml/2006/main">
   <p:cSld>
     <p:spTree>
@@ -3118,7 +3738,7 @@
           <a:p>
             <a:fld id="{5911C0E6-D9CE-431C-92CB-BB39B872F930}" type="slidenum">
               <a:rPr lang="en-US" smtClean="0"/>
-              <a:t>3</a:t>
+              <a:t>5</a:t>
             </a:fld>
             <a:endParaRPr lang="en-US"/>
           </a:p>
@@ -5547,7 +6167,7 @@
 </p:sld>
 </file>
 
-<file path=ppt/slides/slide4.xml><?xml version="1.0" encoding="utf-8"?>
+<file path=ppt/slides/slide6.xml><?xml version="1.0" encoding="utf-8"?>
 <p:sld xmlns:a="http://schemas.openxmlformats.org/drawingml/2006/main" xmlns:r="http://schemas.openxmlformats.org/officeDocument/2006/relationships" xmlns:p="http://schemas.openxmlformats.org/presentationml/2006/main">
   <p:cSld>
     <p:spTree>
@@ -5713,7 +6333,7 @@
           <a:p>
             <a:fld id="{B40DB54C-0C58-4481-B5FF-5C3F14CFF9B3}" type="slidenum">
               <a:rPr lang="en-US" smtClean="0"/>
-              <a:t>4</a:t>
+              <a:t>6</a:t>
             </a:fld>
             <a:endParaRPr lang="en-US"/>
           </a:p>
@@ -5888,7 +6508,7 @@
 </p:sld>
 </file>
 
-<file path=ppt/slides/slide5.xml><?xml version="1.0" encoding="utf-8"?>
+<file path=ppt/slides/slide7.xml><?xml version="1.0" encoding="utf-8"?>
 <p:sld xmlns:a="http://schemas.openxmlformats.org/drawingml/2006/main" xmlns:r="http://schemas.openxmlformats.org/officeDocument/2006/relationships" xmlns:p="http://schemas.openxmlformats.org/presentationml/2006/main">
   <p:cSld>
     <p:spTree>
@@ -5963,7 +6583,7 @@
           <a:p>
             <a:fld id="{5911C0E6-D9CE-431C-92CB-BB39B872F930}" type="slidenum">
               <a:rPr lang="en-US" smtClean="0"/>
-              <a:t>5</a:t>
+              <a:t>7</a:t>
             </a:fld>
             <a:endParaRPr lang="en-US"/>
           </a:p>
@@ -6400,7 +7020,7 @@
 </p:sld>
 </file>
 
-<file path=ppt/slides/slide6.xml><?xml version="1.0" encoding="utf-8"?>
+<file path=ppt/slides/slide8.xml><?xml version="1.0" encoding="utf-8"?>
 <p:sld xmlns:a="http://schemas.openxmlformats.org/drawingml/2006/main" xmlns:r="http://schemas.openxmlformats.org/officeDocument/2006/relationships" xmlns:p="http://schemas.openxmlformats.org/presentationml/2006/main">
   <p:cSld>
     <p:spTree>
@@ -6520,7 +7140,7 @@
           <a:p>
             <a:fld id="{5911C0E6-D9CE-431C-92CB-BB39B872F930}" type="slidenum">
               <a:rPr lang="en-US" smtClean="0"/>
-              <a:t>6</a:t>
+              <a:t>8</a:t>
             </a:fld>
             <a:endParaRPr lang="en-US"/>
           </a:p>

--- a/20240722 NAF Intro.pptx
+++ b/20240722 NAF Intro.pptx
@@ -5,17 +5,20 @@
     <p:sldMasterId id="2147483648" r:id="rId1"/>
   </p:sldMasterIdLst>
   <p:notesMasterIdLst>
-    <p:notesMasterId r:id="rId10"/>
+    <p:notesMasterId r:id="rId13"/>
   </p:notesMasterIdLst>
   <p:sldIdLst>
     <p:sldId id="256" r:id="rId2"/>
-    <p:sldId id="265" r:id="rId3"/>
-    <p:sldId id="264" r:id="rId4"/>
-    <p:sldId id="259" r:id="rId5"/>
-    <p:sldId id="258" r:id="rId6"/>
-    <p:sldId id="263" r:id="rId7"/>
-    <p:sldId id="257" r:id="rId8"/>
-    <p:sldId id="262" r:id="rId9"/>
+    <p:sldId id="266" r:id="rId3"/>
+    <p:sldId id="265" r:id="rId4"/>
+    <p:sldId id="264" r:id="rId5"/>
+    <p:sldId id="268" r:id="rId6"/>
+    <p:sldId id="259" r:id="rId7"/>
+    <p:sldId id="258" r:id="rId8"/>
+    <p:sldId id="263" r:id="rId9"/>
+    <p:sldId id="257" r:id="rId10"/>
+    <p:sldId id="262" r:id="rId11"/>
+    <p:sldId id="267" r:id="rId12"/>
   </p:sldIdLst>
   <p:sldSz cx="12192000" cy="6858000"/>
   <p:notesSz cx="6858000" cy="9144000"/>
@@ -204,7 +207,7 @@
           <a:p>
             <a:fld id="{4299902A-6DB3-4A13-9B91-BEABFDA2FC16}" type="datetimeFigureOut">
               <a:rPr lang="en-US" smtClean="0"/>
-              <a:t>7/17/2024</a:t>
+              <a:t>7/18/2024</a:t>
             </a:fld>
             <a:endParaRPr lang="en-US"/>
           </a:p>
@@ -2467,6 +2470,1291 @@
 </p:sld>
 </file>
 
+<file path=ppt/slides/slide10.xml><?xml version="1.0" encoding="utf-8"?>
+<p:sld xmlns:a="http://schemas.openxmlformats.org/drawingml/2006/main" xmlns:r="http://schemas.openxmlformats.org/officeDocument/2006/relationships" xmlns:p="http://schemas.openxmlformats.org/presentationml/2006/main">
+  <p:cSld>
+    <p:spTree>
+      <p:nvGrpSpPr>
+        <p:cNvPr id="1" name=""/>
+        <p:cNvGrpSpPr/>
+        <p:nvPr/>
+      </p:nvGrpSpPr>
+      <p:grpSpPr>
+        <a:xfrm>
+          <a:off x="0" y="0"/>
+          <a:ext cx="0" cy="0"/>
+          <a:chOff x="0" y="0"/>
+          <a:chExt cx="0" cy="0"/>
+        </a:xfrm>
+      </p:grpSpPr>
+      <p:pic>
+        <p:nvPicPr>
+          <p:cNvPr id="2054" name="Picture 6">
+            <a:extLst>
+              <a:ext uri="{FF2B5EF4-FFF2-40B4-BE49-F238E27FC236}">
+                <a16:creationId xmlns:a16="http://schemas.microsoft.com/office/drawing/2014/main" id="{3E1E651E-3BA3-0D7D-1999-D17F6CE0E2CC}"/>
+              </a:ext>
+            </a:extLst>
+          </p:cNvPr>
+          <p:cNvPicPr>
+            <a:picLocks noChangeAspect="1" noChangeArrowheads="1"/>
+          </p:cNvPicPr>
+          <p:nvPr/>
+        </p:nvPicPr>
+        <p:blipFill rotWithShape="1">
+          <a:blip r:embed="rId2">
+            <a:extLst>
+              <a:ext uri="{28A0092B-C50C-407E-A947-70E740481C1C}">
+                <a14:useLocalDpi xmlns:a14="http://schemas.microsoft.com/office/drawing/2010/main" val="0"/>
+              </a:ext>
+            </a:extLst>
+          </a:blip>
+          <a:srcRect l="50952" t="10684"/>
+          <a:stretch/>
+        </p:blipFill>
+        <p:spPr bwMode="auto">
+          <a:xfrm>
+            <a:off x="147265" y="1741785"/>
+            <a:ext cx="2563133" cy="2167033"/>
+          </a:xfrm>
+          <a:prstGeom prst="rect">
+            <a:avLst/>
+          </a:prstGeom>
+          <a:noFill/>
+          <a:extLst>
+            <a:ext uri="{909E8E84-426E-40DD-AFC4-6F175D3DCCD1}">
+              <a14:hiddenFill xmlns:a14="http://schemas.microsoft.com/office/drawing/2010/main">
+                <a:solidFill>
+                  <a:srgbClr val="FFFFFF"/>
+                </a:solidFill>
+              </a14:hiddenFill>
+            </a:ext>
+          </a:extLst>
+        </p:spPr>
+      </p:pic>
+      <p:sp>
+        <p:nvSpPr>
+          <p:cNvPr id="2" name="Title 1">
+            <a:extLst>
+              <a:ext uri="{FF2B5EF4-FFF2-40B4-BE49-F238E27FC236}">
+                <a16:creationId xmlns:a16="http://schemas.microsoft.com/office/drawing/2014/main" id="{4041FD49-51CB-4608-A3ED-30B7E304CBD6}"/>
+              </a:ext>
+            </a:extLst>
+          </p:cNvPr>
+          <p:cNvSpPr>
+            <a:spLocks noGrp="1"/>
+          </p:cNvSpPr>
+          <p:nvPr>
+            <p:ph type="title"/>
+          </p:nvPr>
+        </p:nvSpPr>
+        <p:spPr/>
+        <p:txBody>
+          <a:bodyPr>
+            <a:normAutofit/>
+          </a:bodyPr>
+          <a:lstStyle/>
+          <a:p>
+            <a:r>
+              <a:rPr lang="en-US" dirty="0"/>
+              <a:t>Sidechain only    </a:t>
+            </a:r>
+            <a:r>
+              <a:rPr lang="en-US" sz="2400" dirty="0"/>
+              <a:t>(Continuous Gaussian Chain)</a:t>
+            </a:r>
+            <a:endParaRPr lang="en-US" dirty="0"/>
+          </a:p>
+        </p:txBody>
+      </p:sp>
+      <p:sp>
+        <p:nvSpPr>
+          <p:cNvPr id="3" name="Slide Number Placeholder 2">
+            <a:extLst>
+              <a:ext uri="{FF2B5EF4-FFF2-40B4-BE49-F238E27FC236}">
+                <a16:creationId xmlns:a16="http://schemas.microsoft.com/office/drawing/2014/main" id="{0D80111F-C31C-4236-B41A-2BA68657A3E1}"/>
+              </a:ext>
+            </a:extLst>
+          </p:cNvPr>
+          <p:cNvSpPr>
+            <a:spLocks noGrp="1"/>
+          </p:cNvSpPr>
+          <p:nvPr>
+            <p:ph type="sldNum" sz="quarter" idx="12"/>
+          </p:nvPr>
+        </p:nvSpPr>
+        <p:spPr/>
+        <p:txBody>
+          <a:bodyPr/>
+          <a:lstStyle/>
+          <a:p>
+            <a:fld id="{5911C0E6-D9CE-431C-92CB-BB39B872F930}" type="slidenum">
+              <a:rPr lang="en-US" smtClean="0"/>
+              <a:t>10</a:t>
+            </a:fld>
+            <a:endParaRPr lang="en-US"/>
+          </a:p>
+        </p:txBody>
+      </p:sp>
+      <p:sp>
+        <p:nvSpPr>
+          <p:cNvPr id="6" name="TextBox 5">
+            <a:extLst>
+              <a:ext uri="{FF2B5EF4-FFF2-40B4-BE49-F238E27FC236}">
+                <a16:creationId xmlns:a16="http://schemas.microsoft.com/office/drawing/2014/main" id="{B44CD19D-D4BC-EABE-4DBB-8BD723B2ECE7}"/>
+              </a:ext>
+            </a:extLst>
+          </p:cNvPr>
+          <p:cNvSpPr txBox="1"/>
+          <p:nvPr/>
+        </p:nvSpPr>
+        <p:spPr>
+          <a:xfrm>
+            <a:off x="2034077" y="1265288"/>
+            <a:ext cx="1625600" cy="369332"/>
+          </a:xfrm>
+          <a:prstGeom prst="rect">
+            <a:avLst/>
+          </a:prstGeom>
+          <a:noFill/>
+        </p:spPr>
+        <p:txBody>
+          <a:bodyPr wrap="square" rtlCol="0">
+            <a:spAutoFit/>
+          </a:bodyPr>
+          <a:lstStyle/>
+          <a:p>
+            <a:pPr algn="ctr"/>
+            <a:r>
+              <a:rPr lang="en-US" dirty="0"/>
+              <a:t>0.100 M</a:t>
+            </a:r>
+          </a:p>
+        </p:txBody>
+      </p:sp>
+      <p:sp>
+        <p:nvSpPr>
+          <p:cNvPr id="8" name="TextBox 7">
+            <a:extLst>
+              <a:ext uri="{FF2B5EF4-FFF2-40B4-BE49-F238E27FC236}">
+                <a16:creationId xmlns:a16="http://schemas.microsoft.com/office/drawing/2014/main" id="{7EFDBFF7-5F91-79C6-D4F1-4EF337CB565F}"/>
+              </a:ext>
+            </a:extLst>
+          </p:cNvPr>
+          <p:cNvSpPr txBox="1"/>
+          <p:nvPr/>
+        </p:nvSpPr>
+        <p:spPr>
+          <a:xfrm>
+            <a:off x="5960533" y="1252109"/>
+            <a:ext cx="5918200" cy="5355312"/>
+          </a:xfrm>
+          <a:prstGeom prst="rect">
+            <a:avLst/>
+          </a:prstGeom>
+          <a:noFill/>
+        </p:spPr>
+        <p:txBody>
+          <a:bodyPr wrap="square" rtlCol="0">
+            <a:spAutoFit/>
+          </a:bodyPr>
+          <a:lstStyle/>
+          <a:p>
+            <a:pPr marL="285750" indent="-285750">
+              <a:spcAft>
+                <a:spcPts val="1200"/>
+              </a:spcAft>
+              <a:buFont typeface="Arial" panose="020B0604020202020204" pitchFamily="34" charset="0"/>
+              <a:buChar char="•"/>
+            </a:pPr>
+            <a:r>
+              <a:rPr lang="en-US" sz="1600" dirty="0"/>
+              <a:t>In CV data, reaction goes to completion by 0.5 V (vs. RHE) </a:t>
+            </a:r>
+          </a:p>
+          <a:p>
+            <a:pPr marL="742950" lvl="1" indent="-285750">
+              <a:spcAft>
+                <a:spcPts val="1200"/>
+              </a:spcAft>
+              <a:buFont typeface="Arial" panose="020B0604020202020204" pitchFamily="34" charset="0"/>
+              <a:buChar char="•"/>
+            </a:pPr>
+            <a:r>
+              <a:rPr lang="en-US" sz="1600" dirty="0"/>
+              <a:t>Surface charge (metal) ~10 </a:t>
+            </a:r>
+            <a:r>
+              <a:rPr lang="en-US" sz="1600" dirty="0" err="1"/>
+              <a:t>uC</a:t>
+            </a:r>
+            <a:r>
+              <a:rPr lang="en-US" sz="1600" dirty="0"/>
+              <a:t>/cm</a:t>
+            </a:r>
+            <a:r>
+              <a:rPr lang="en-US" sz="1600" baseline="30000" dirty="0"/>
+              <a:t>2</a:t>
+            </a:r>
+            <a:r>
+              <a:rPr lang="en-US" sz="1600" dirty="0"/>
+              <a:t> according to Saha &amp; </a:t>
+            </a:r>
+            <a:r>
+              <a:rPr lang="en-US" sz="1600" dirty="0" err="1"/>
+              <a:t>Zenyuk</a:t>
+            </a:r>
+            <a:r>
+              <a:rPr lang="en-US" sz="1600" dirty="0"/>
+              <a:t>. </a:t>
+            </a:r>
+            <a:r>
+              <a:rPr lang="en-US" sz="1600" i="1" dirty="0"/>
+              <a:t>JPCC</a:t>
+            </a:r>
+            <a:r>
+              <a:rPr lang="en-US" sz="1600" dirty="0"/>
+              <a:t>. 2021.</a:t>
+            </a:r>
+          </a:p>
+          <a:p>
+            <a:pPr marL="285750" indent="-285750">
+              <a:spcAft>
+                <a:spcPts val="1200"/>
+              </a:spcAft>
+              <a:buFont typeface="Arial" panose="020B0604020202020204" pitchFamily="34" charset="0"/>
+              <a:buChar char="•"/>
+            </a:pPr>
+            <a:r>
+              <a:rPr lang="en-US" sz="1600" dirty="0"/>
+              <a:t>(Top) SCFT free energies as a function of D. </a:t>
+            </a:r>
+          </a:p>
+          <a:p>
+            <a:pPr marL="742950" lvl="1" indent="-285750">
+              <a:spcAft>
+                <a:spcPts val="1200"/>
+              </a:spcAft>
+              <a:buFont typeface="Arial" panose="020B0604020202020204" pitchFamily="34" charset="0"/>
+              <a:buChar char="•"/>
+            </a:pPr>
+            <a:r>
+              <a:rPr lang="en-US" sz="1600" dirty="0"/>
+              <a:t>(Top right) Free energies for 1—10 </a:t>
+            </a:r>
+            <a:r>
+              <a:rPr lang="en-US" sz="1600" dirty="0" err="1"/>
+              <a:t>uC</a:t>
+            </a:r>
+            <a:r>
+              <a:rPr lang="en-US" sz="1600" dirty="0"/>
+              <a:t>/cm</a:t>
+            </a:r>
+            <a:r>
+              <a:rPr lang="en-US" sz="1600" baseline="30000" dirty="0"/>
+              <a:t>2</a:t>
+            </a:r>
+            <a:r>
+              <a:rPr lang="en-US" sz="1600" dirty="0"/>
+              <a:t> colored. Small D is favorable at low charges, becomes unfavorable as surface charge reaches ~7 </a:t>
+            </a:r>
+            <a:r>
+              <a:rPr lang="en-US" sz="1600" dirty="0" err="1"/>
+              <a:t>uC</a:t>
+            </a:r>
+            <a:r>
+              <a:rPr lang="en-US" sz="1600" dirty="0"/>
+              <a:t>/cm</a:t>
+            </a:r>
+            <a:r>
+              <a:rPr lang="en-US" sz="1600" baseline="30000" dirty="0"/>
+              <a:t>2</a:t>
+            </a:r>
+          </a:p>
+          <a:p>
+            <a:pPr marL="285750" indent="-285750">
+              <a:spcAft>
+                <a:spcPts val="1200"/>
+              </a:spcAft>
+              <a:buFont typeface="Arial" panose="020B0604020202020204" pitchFamily="34" charset="0"/>
+              <a:buChar char="•"/>
+            </a:pPr>
+            <a:r>
+              <a:rPr lang="en-US" sz="1600" dirty="0"/>
+              <a:t>(Bottom right) Normalized contributions to free energy for 1—10 </a:t>
+            </a:r>
+            <a:r>
+              <a:rPr lang="en-US" sz="1600" dirty="0" err="1"/>
+              <a:t>uC</a:t>
+            </a:r>
+            <a:r>
+              <a:rPr lang="en-US" sz="1600" dirty="0"/>
+              <a:t>/cm</a:t>
+            </a:r>
+            <a:r>
+              <a:rPr lang="en-US" sz="1600" baseline="30000" dirty="0"/>
+              <a:t>2</a:t>
+            </a:r>
+            <a:r>
+              <a:rPr lang="en-US" sz="1600" dirty="0"/>
+              <a:t>. Contributions that equal 1 at D = 2.0 are the dominant interactions.</a:t>
+            </a:r>
+          </a:p>
+          <a:p>
+            <a:pPr marL="742950" lvl="1" indent="-285750">
+              <a:spcAft>
+                <a:spcPts val="1200"/>
+              </a:spcAft>
+              <a:buFont typeface="Arial" panose="020B0604020202020204" pitchFamily="34" charset="0"/>
+              <a:buChar char="•"/>
+            </a:pPr>
+            <a:r>
+              <a:rPr lang="en-US" sz="1600" dirty="0"/>
+              <a:t>U: Hydrophobicity; W+S: Elastic/Polymer; Electrostatic</a:t>
+            </a:r>
+          </a:p>
+          <a:p>
+            <a:pPr marL="742950" lvl="1" indent="-285750">
+              <a:spcAft>
+                <a:spcPts val="1200"/>
+              </a:spcAft>
+              <a:buFont typeface="Arial" panose="020B0604020202020204" pitchFamily="34" charset="0"/>
+              <a:buChar char="•"/>
+            </a:pPr>
+            <a:r>
+              <a:rPr lang="en-US" sz="1600" dirty="0"/>
+              <a:t>For &lt; 10 </a:t>
+            </a:r>
+            <a:r>
+              <a:rPr lang="en-US" sz="1600" dirty="0" err="1"/>
+              <a:t>uC</a:t>
+            </a:r>
+            <a:r>
+              <a:rPr lang="en-US" sz="1600" dirty="0"/>
+              <a:t>/cm</a:t>
+            </a:r>
+            <a:r>
+              <a:rPr lang="en-US" sz="1600" baseline="30000" dirty="0"/>
+              <a:t>2</a:t>
+            </a:r>
+            <a:r>
+              <a:rPr lang="en-US" sz="1600" dirty="0"/>
+              <a:t>, electrostatic interactions outweigh elastic penalties and lower D is favorable. At 10 </a:t>
+            </a:r>
+            <a:r>
+              <a:rPr lang="en-US" sz="1600" dirty="0" err="1"/>
+              <a:t>uC</a:t>
+            </a:r>
+            <a:r>
+              <a:rPr lang="en-US" sz="1600" dirty="0"/>
+              <a:t>/cm</a:t>
+            </a:r>
+            <a:r>
+              <a:rPr lang="en-US" sz="1600" baseline="30000" dirty="0"/>
+              <a:t>2</a:t>
+            </a:r>
+            <a:r>
+              <a:rPr lang="en-US" sz="1600" dirty="0"/>
+              <a:t>, elastic penalties become dominant and higher D is favorable.</a:t>
+            </a:r>
+          </a:p>
+          <a:p>
+            <a:pPr marL="742950" lvl="1" indent="-285750">
+              <a:spcAft>
+                <a:spcPts val="1200"/>
+              </a:spcAft>
+              <a:buFont typeface="Arial" panose="020B0604020202020204" pitchFamily="34" charset="0"/>
+              <a:buChar char="•"/>
+            </a:pPr>
+            <a:r>
+              <a:rPr lang="en-US" sz="1600" dirty="0"/>
+              <a:t>Takeaway: competition between elastic stretching of sidearms and electrostatic attraction balances at 7 </a:t>
+            </a:r>
+            <a:r>
+              <a:rPr lang="en-US" sz="1600" dirty="0" err="1"/>
+              <a:t>uC</a:t>
+            </a:r>
+            <a:r>
+              <a:rPr lang="en-US" sz="1600" dirty="0"/>
+              <a:t>/cm</a:t>
+            </a:r>
+            <a:r>
+              <a:rPr lang="en-US" sz="1600" baseline="30000" dirty="0"/>
+              <a:t>2</a:t>
+            </a:r>
+            <a:r>
+              <a:rPr lang="en-US" sz="1600" dirty="0"/>
+              <a:t> (very roughly 0.5 V)</a:t>
+            </a:r>
+          </a:p>
+        </p:txBody>
+      </p:sp>
+      <p:cxnSp>
+        <p:nvCxnSpPr>
+          <p:cNvPr id="5" name="Straight Arrow Connector 4">
+            <a:extLst>
+              <a:ext uri="{FF2B5EF4-FFF2-40B4-BE49-F238E27FC236}">
+                <a16:creationId xmlns:a16="http://schemas.microsoft.com/office/drawing/2014/main" id="{0609E4A2-C662-A860-0ED2-969666D65595}"/>
+              </a:ext>
+            </a:extLst>
+          </p:cNvPr>
+          <p:cNvCxnSpPr>
+            <a:cxnSpLocks/>
+          </p:cNvCxnSpPr>
+          <p:nvPr/>
+        </p:nvCxnSpPr>
+        <p:spPr>
+          <a:xfrm flipV="1">
+            <a:off x="817208" y="2628106"/>
+            <a:ext cx="469725" cy="592129"/>
+          </a:xfrm>
+          <a:prstGeom prst="straightConnector1">
+            <a:avLst/>
+          </a:prstGeom>
+          <a:ln w="12700">
+            <a:solidFill>
+              <a:schemeClr val="tx1"/>
+            </a:solidFill>
+            <a:tailEnd type="triangle"/>
+          </a:ln>
+        </p:spPr>
+        <p:style>
+          <a:lnRef idx="1">
+            <a:schemeClr val="accent1"/>
+          </a:lnRef>
+          <a:fillRef idx="0">
+            <a:schemeClr val="accent1"/>
+          </a:fillRef>
+          <a:effectRef idx="0">
+            <a:schemeClr val="accent1"/>
+          </a:effectRef>
+          <a:fontRef idx="minor">
+            <a:schemeClr val="tx1"/>
+          </a:fontRef>
+        </p:style>
+      </p:cxnSp>
+      <p:pic>
+        <p:nvPicPr>
+          <p:cNvPr id="7" name="Picture 6">
+            <a:extLst>
+              <a:ext uri="{FF2B5EF4-FFF2-40B4-BE49-F238E27FC236}">
+                <a16:creationId xmlns:a16="http://schemas.microsoft.com/office/drawing/2014/main" id="{269111BB-B02A-B2A7-0A90-AA2E0709EA5F}"/>
+              </a:ext>
+            </a:extLst>
+          </p:cNvPr>
+          <p:cNvPicPr>
+            <a:picLocks noChangeAspect="1"/>
+          </p:cNvPicPr>
+          <p:nvPr/>
+        </p:nvPicPr>
+        <p:blipFill>
+          <a:blip r:embed="rId3"/>
+          <a:stretch>
+            <a:fillRect/>
+          </a:stretch>
+        </p:blipFill>
+        <p:spPr>
+          <a:xfrm>
+            <a:off x="1359755" y="2510489"/>
+            <a:ext cx="186227" cy="117617"/>
+          </a:xfrm>
+          <a:prstGeom prst="rect">
+            <a:avLst/>
+          </a:prstGeom>
+        </p:spPr>
+      </p:pic>
+      <p:pic>
+        <p:nvPicPr>
+          <p:cNvPr id="2060" name="Picture 12">
+            <a:extLst>
+              <a:ext uri="{FF2B5EF4-FFF2-40B4-BE49-F238E27FC236}">
+                <a16:creationId xmlns:a16="http://schemas.microsoft.com/office/drawing/2014/main" id="{452A0448-CA0E-3717-9DB6-5DE4D9499E86}"/>
+              </a:ext>
+            </a:extLst>
+          </p:cNvPr>
+          <p:cNvPicPr>
+            <a:picLocks noChangeAspect="1" noChangeArrowheads="1"/>
+          </p:cNvPicPr>
+          <p:nvPr/>
+        </p:nvPicPr>
+        <p:blipFill>
+          <a:blip r:embed="rId4">
+            <a:extLst>
+              <a:ext uri="{28A0092B-C50C-407E-A947-70E740481C1C}">
+                <a14:useLocalDpi xmlns:a14="http://schemas.microsoft.com/office/drawing/2010/main" val="0"/>
+              </a:ext>
+            </a:extLst>
+          </a:blip>
+          <a:srcRect/>
+          <a:stretch>
+            <a:fillRect/>
+          </a:stretch>
+        </p:blipFill>
+        <p:spPr bwMode="auto">
+          <a:xfrm>
+            <a:off x="2709385" y="1685420"/>
+            <a:ext cx="2853215" cy="2234165"/>
+          </a:xfrm>
+          <a:prstGeom prst="rect">
+            <a:avLst/>
+          </a:prstGeom>
+          <a:noFill/>
+          <a:extLst>
+            <a:ext uri="{909E8E84-426E-40DD-AFC4-6F175D3DCCD1}">
+              <a14:hiddenFill xmlns:a14="http://schemas.microsoft.com/office/drawing/2010/main">
+                <a:solidFill>
+                  <a:srgbClr val="FFFFFF"/>
+                </a:solidFill>
+              </a14:hiddenFill>
+            </a:ext>
+          </a:extLst>
+        </p:spPr>
+      </p:pic>
+      <p:pic>
+        <p:nvPicPr>
+          <p:cNvPr id="2064" name="Picture 16">
+            <a:extLst>
+              <a:ext uri="{FF2B5EF4-FFF2-40B4-BE49-F238E27FC236}">
+                <a16:creationId xmlns:a16="http://schemas.microsoft.com/office/drawing/2014/main" id="{2A8E24F7-B5EA-8404-3398-4F0936DEF97E}"/>
+              </a:ext>
+            </a:extLst>
+          </p:cNvPr>
+          <p:cNvPicPr>
+            <a:picLocks noChangeAspect="1" noChangeArrowheads="1"/>
+          </p:cNvPicPr>
+          <p:nvPr/>
+        </p:nvPicPr>
+        <p:blipFill>
+          <a:blip r:embed="rId5">
+            <a:extLst>
+              <a:ext uri="{28A0092B-C50C-407E-A947-70E740481C1C}">
+                <a14:useLocalDpi xmlns:a14="http://schemas.microsoft.com/office/drawing/2010/main" val="0"/>
+              </a:ext>
+            </a:extLst>
+          </a:blip>
+          <a:srcRect/>
+          <a:stretch>
+            <a:fillRect/>
+          </a:stretch>
+        </p:blipFill>
+        <p:spPr bwMode="auto">
+          <a:xfrm>
+            <a:off x="220189" y="4002396"/>
+            <a:ext cx="5253375" cy="2340367"/>
+          </a:xfrm>
+          <a:prstGeom prst="rect">
+            <a:avLst/>
+          </a:prstGeom>
+          <a:noFill/>
+          <a:extLst>
+            <a:ext uri="{909E8E84-426E-40DD-AFC4-6F175D3DCCD1}">
+              <a14:hiddenFill xmlns:a14="http://schemas.microsoft.com/office/drawing/2010/main">
+                <a:solidFill>
+                  <a:srgbClr val="FFFFFF"/>
+                </a:solidFill>
+              </a14:hiddenFill>
+            </a:ext>
+          </a:extLst>
+        </p:spPr>
+      </p:pic>
+      <p:cxnSp>
+        <p:nvCxnSpPr>
+          <p:cNvPr id="4" name="Straight Arrow Connector 3">
+            <a:extLst>
+              <a:ext uri="{FF2B5EF4-FFF2-40B4-BE49-F238E27FC236}">
+                <a16:creationId xmlns:a16="http://schemas.microsoft.com/office/drawing/2014/main" id="{56245EA5-6F5D-6DE8-41E3-7F1BFBFA4E31}"/>
+              </a:ext>
+            </a:extLst>
+          </p:cNvPr>
+          <p:cNvCxnSpPr>
+            <a:cxnSpLocks/>
+          </p:cNvCxnSpPr>
+          <p:nvPr/>
+        </p:nvCxnSpPr>
+        <p:spPr>
+          <a:xfrm flipH="1">
+            <a:off x="2641600" y="3552298"/>
+            <a:ext cx="299513" cy="423633"/>
+          </a:xfrm>
+          <a:prstGeom prst="straightConnector1">
+            <a:avLst/>
+          </a:prstGeom>
+          <a:ln w="12700">
+            <a:solidFill>
+              <a:schemeClr val="tx1"/>
+            </a:solidFill>
+            <a:tailEnd type="triangle"/>
+          </a:ln>
+        </p:spPr>
+        <p:style>
+          <a:lnRef idx="1">
+            <a:schemeClr val="accent1"/>
+          </a:lnRef>
+          <a:fillRef idx="0">
+            <a:schemeClr val="accent1"/>
+          </a:fillRef>
+          <a:effectRef idx="0">
+            <a:schemeClr val="accent1"/>
+          </a:effectRef>
+          <a:fontRef idx="minor">
+            <a:schemeClr val="tx1"/>
+          </a:fontRef>
+        </p:style>
+      </p:cxnSp>
+      <p:sp>
+        <p:nvSpPr>
+          <p:cNvPr id="11" name="Rectangle 10">
+            <a:extLst>
+              <a:ext uri="{FF2B5EF4-FFF2-40B4-BE49-F238E27FC236}">
+                <a16:creationId xmlns:a16="http://schemas.microsoft.com/office/drawing/2014/main" id="{E7A378AA-3B9A-ED9B-82D9-A207EAFDA209}"/>
+              </a:ext>
+            </a:extLst>
+          </p:cNvPr>
+          <p:cNvSpPr/>
+          <p:nvPr/>
+        </p:nvSpPr>
+        <p:spPr>
+          <a:xfrm>
+            <a:off x="2941113" y="2673842"/>
+            <a:ext cx="878456" cy="878456"/>
+          </a:xfrm>
+          <a:prstGeom prst="rect">
+            <a:avLst/>
+          </a:prstGeom>
+          <a:noFill/>
+          <a:ln w="28575">
+            <a:solidFill>
+              <a:schemeClr val="tx1"/>
+            </a:solidFill>
+          </a:ln>
+        </p:spPr>
+        <p:style>
+          <a:lnRef idx="2">
+            <a:schemeClr val="accent1">
+              <a:shade val="15000"/>
+            </a:schemeClr>
+          </a:lnRef>
+          <a:fillRef idx="1">
+            <a:schemeClr val="accent1"/>
+          </a:fillRef>
+          <a:effectRef idx="0">
+            <a:schemeClr val="accent1"/>
+          </a:effectRef>
+          <a:fontRef idx="minor">
+            <a:schemeClr val="lt1"/>
+          </a:fontRef>
+        </p:style>
+        <p:txBody>
+          <a:bodyPr rtlCol="0" anchor="ctr"/>
+          <a:lstStyle/>
+          <a:p>
+            <a:pPr algn="ctr"/>
+            <a:endParaRPr lang="en-US"/>
+          </a:p>
+        </p:txBody>
+      </p:sp>
+    </p:spTree>
+    <p:extLst>
+      <p:ext uri="{BB962C8B-B14F-4D97-AF65-F5344CB8AC3E}">
+        <p14:creationId xmlns:p14="http://schemas.microsoft.com/office/powerpoint/2010/main" val="2878993254"/>
+      </p:ext>
+    </p:extLst>
+  </p:cSld>
+  <p:clrMapOvr>
+    <a:masterClrMapping/>
+  </p:clrMapOvr>
+</p:sld>
+</file>
+
+<file path=ppt/slides/slide11.xml><?xml version="1.0" encoding="utf-8"?>
+<p:sld xmlns:a="http://schemas.openxmlformats.org/drawingml/2006/main" xmlns:r="http://schemas.openxmlformats.org/officeDocument/2006/relationships" xmlns:p="http://schemas.openxmlformats.org/presentationml/2006/main">
+  <p:cSld>
+    <p:spTree>
+      <p:nvGrpSpPr>
+        <p:cNvPr id="1" name=""/>
+        <p:cNvGrpSpPr/>
+        <p:nvPr/>
+      </p:nvGrpSpPr>
+      <p:grpSpPr>
+        <a:xfrm>
+          <a:off x="0" y="0"/>
+          <a:ext cx="0" cy="0"/>
+          <a:chOff x="0" y="0"/>
+          <a:chExt cx="0" cy="0"/>
+        </a:xfrm>
+      </p:grpSpPr>
+      <p:sp>
+        <p:nvSpPr>
+          <p:cNvPr id="2" name="Title 1">
+            <a:extLst>
+              <a:ext uri="{FF2B5EF4-FFF2-40B4-BE49-F238E27FC236}">
+                <a16:creationId xmlns:a16="http://schemas.microsoft.com/office/drawing/2014/main" id="{0460D435-6CE6-CC08-1100-F94AFF21912C}"/>
+              </a:ext>
+            </a:extLst>
+          </p:cNvPr>
+          <p:cNvSpPr>
+            <a:spLocks noGrp="1"/>
+          </p:cNvSpPr>
+          <p:nvPr>
+            <p:ph type="title"/>
+          </p:nvPr>
+        </p:nvSpPr>
+        <p:spPr/>
+        <p:txBody>
+          <a:bodyPr/>
+          <a:lstStyle/>
+          <a:p>
+            <a:endParaRPr lang="en-US"/>
+          </a:p>
+        </p:txBody>
+      </p:sp>
+      <p:sp>
+        <p:nvSpPr>
+          <p:cNvPr id="3" name="Slide Number Placeholder 2">
+            <a:extLst>
+              <a:ext uri="{FF2B5EF4-FFF2-40B4-BE49-F238E27FC236}">
+                <a16:creationId xmlns:a16="http://schemas.microsoft.com/office/drawing/2014/main" id="{4C2A977D-29F9-4A50-DCAF-0D53CAF21B41}"/>
+              </a:ext>
+            </a:extLst>
+          </p:cNvPr>
+          <p:cNvSpPr>
+            <a:spLocks noGrp="1"/>
+          </p:cNvSpPr>
+          <p:nvPr>
+            <p:ph type="sldNum" sz="quarter" idx="12"/>
+          </p:nvPr>
+        </p:nvSpPr>
+        <p:spPr/>
+        <p:txBody>
+          <a:bodyPr/>
+          <a:lstStyle/>
+          <a:p>
+            <a:fld id="{5911C0E6-D9CE-431C-92CB-BB39B872F930}" type="slidenum">
+              <a:rPr lang="en-US" smtClean="0"/>
+              <a:t>11</a:t>
+            </a:fld>
+            <a:endParaRPr lang="en-US"/>
+          </a:p>
+        </p:txBody>
+      </p:sp>
+      <p:grpSp>
+        <p:nvGrpSpPr>
+          <p:cNvPr id="25" name="Group 24">
+            <a:extLst>
+              <a:ext uri="{FF2B5EF4-FFF2-40B4-BE49-F238E27FC236}">
+                <a16:creationId xmlns:a16="http://schemas.microsoft.com/office/drawing/2014/main" id="{9B270D85-5959-A30E-41AC-116B99F88414}"/>
+              </a:ext>
+            </a:extLst>
+          </p:cNvPr>
+          <p:cNvGrpSpPr/>
+          <p:nvPr/>
+        </p:nvGrpSpPr>
+        <p:grpSpPr>
+          <a:xfrm>
+            <a:off x="459115" y="5284669"/>
+            <a:ext cx="9698967" cy="1559234"/>
+            <a:chOff x="611252" y="4175563"/>
+            <a:chExt cx="9698967" cy="1559234"/>
+          </a:xfrm>
+        </p:grpSpPr>
+        <p:grpSp>
+          <p:nvGrpSpPr>
+            <p:cNvPr id="19" name="Group 18">
+              <a:extLst>
+                <a:ext uri="{FF2B5EF4-FFF2-40B4-BE49-F238E27FC236}">
+                  <a16:creationId xmlns:a16="http://schemas.microsoft.com/office/drawing/2014/main" id="{79761517-9595-2390-AD91-3794692D7D6E}"/>
+                </a:ext>
+              </a:extLst>
+            </p:cNvPr>
+            <p:cNvGrpSpPr/>
+            <p:nvPr/>
+          </p:nvGrpSpPr>
+          <p:grpSpPr>
+            <a:xfrm>
+              <a:off x="611252" y="4175563"/>
+              <a:ext cx="9698967" cy="1559234"/>
+              <a:chOff x="814452" y="4273896"/>
+              <a:chExt cx="9698967" cy="1559234"/>
+            </a:xfrm>
+          </p:grpSpPr>
+          <p:pic>
+            <p:nvPicPr>
+              <p:cNvPr id="7" name="Picture 2">
+                <a:extLst>
+                  <a:ext uri="{FF2B5EF4-FFF2-40B4-BE49-F238E27FC236}">
+                    <a16:creationId xmlns:a16="http://schemas.microsoft.com/office/drawing/2014/main" id="{0B79A49B-7367-A429-8DB3-50D84FDB3696}"/>
+                  </a:ext>
+                </a:extLst>
+              </p:cNvPr>
+              <p:cNvPicPr>
+                <a:picLocks noChangeAspect="1" noChangeArrowheads="1"/>
+              </p:cNvPicPr>
+              <p:nvPr/>
+            </p:nvPicPr>
+            <p:blipFill rotWithShape="1">
+              <a:blip r:embed="rId2">
+                <a:extLst>
+                  <a:ext uri="{28A0092B-C50C-407E-A947-70E740481C1C}">
+                    <a14:useLocalDpi xmlns:a14="http://schemas.microsoft.com/office/drawing/2010/main" val="0"/>
+                  </a:ext>
+                </a:extLst>
+              </a:blip>
+              <a:srcRect l="36396" t="43350" r="31748"/>
+              <a:stretch/>
+            </p:blipFill>
+            <p:spPr bwMode="auto">
+              <a:xfrm>
+                <a:off x="6637868" y="4326692"/>
+                <a:ext cx="2056649" cy="1497971"/>
+              </a:xfrm>
+              <a:prstGeom prst="rect">
+                <a:avLst/>
+              </a:prstGeom>
+              <a:noFill/>
+              <a:extLst>
+                <a:ext uri="{909E8E84-426E-40DD-AFC4-6F175D3DCCD1}">
+                  <a14:hiddenFill xmlns:a14="http://schemas.microsoft.com/office/drawing/2010/main">
+                    <a:solidFill>
+                      <a:srgbClr val="FFFFFF"/>
+                    </a:solidFill>
+                  </a14:hiddenFill>
+                </a:ext>
+              </a:extLst>
+            </p:spPr>
+          </p:pic>
+          <p:pic>
+            <p:nvPicPr>
+              <p:cNvPr id="14" name="Picture 13">
+                <a:extLst>
+                  <a:ext uri="{FF2B5EF4-FFF2-40B4-BE49-F238E27FC236}">
+                    <a16:creationId xmlns:a16="http://schemas.microsoft.com/office/drawing/2014/main" id="{894630D6-E09D-344A-2CA8-D40B042A64A0}"/>
+                  </a:ext>
+                </a:extLst>
+              </p:cNvPr>
+              <p:cNvPicPr>
+                <a:picLocks noChangeAspect="1"/>
+              </p:cNvPicPr>
+              <p:nvPr/>
+            </p:nvPicPr>
+            <p:blipFill rotWithShape="1">
+              <a:blip r:embed="rId3"/>
+              <a:srcRect l="36296" r="32491"/>
+              <a:stretch/>
+            </p:blipFill>
+            <p:spPr>
+              <a:xfrm>
+                <a:off x="4810502" y="4283254"/>
+                <a:ext cx="2015209" cy="1530229"/>
+              </a:xfrm>
+              <a:prstGeom prst="rect">
+                <a:avLst/>
+              </a:prstGeom>
+            </p:spPr>
+          </p:pic>
+          <p:pic>
+            <p:nvPicPr>
+              <p:cNvPr id="17" name="Picture 2">
+                <a:extLst>
+                  <a:ext uri="{FF2B5EF4-FFF2-40B4-BE49-F238E27FC236}">
+                    <a16:creationId xmlns:a16="http://schemas.microsoft.com/office/drawing/2014/main" id="{1B9C9F2A-F3C2-71C3-9D2A-91623CAA3BC7}"/>
+                  </a:ext>
+                </a:extLst>
+              </p:cNvPr>
+              <p:cNvPicPr>
+                <a:picLocks noChangeAspect="1" noChangeArrowheads="1"/>
+              </p:cNvPicPr>
+              <p:nvPr/>
+            </p:nvPicPr>
+            <p:blipFill rotWithShape="1">
+              <a:blip r:embed="rId2">
+                <a:extLst>
+                  <a:ext uri="{28A0092B-C50C-407E-A947-70E740481C1C}">
+                    <a14:useLocalDpi xmlns:a14="http://schemas.microsoft.com/office/drawing/2010/main" val="0"/>
+                  </a:ext>
+                </a:extLst>
+              </a:blip>
+              <a:srcRect l="71272" t="43350"/>
+              <a:stretch/>
+            </p:blipFill>
+            <p:spPr bwMode="auto">
+              <a:xfrm>
+                <a:off x="8658687" y="4335159"/>
+                <a:ext cx="1854732" cy="1497971"/>
+              </a:xfrm>
+              <a:prstGeom prst="rect">
+                <a:avLst/>
+              </a:prstGeom>
+              <a:noFill/>
+              <a:extLst>
+                <a:ext uri="{909E8E84-426E-40DD-AFC4-6F175D3DCCD1}">
+                  <a14:hiddenFill xmlns:a14="http://schemas.microsoft.com/office/drawing/2010/main">
+                    <a:solidFill>
+                      <a:srgbClr val="FFFFFF"/>
+                    </a:solidFill>
+                  </a14:hiddenFill>
+                </a:ext>
+              </a:extLst>
+            </p:spPr>
+          </p:pic>
+          <p:pic>
+            <p:nvPicPr>
+              <p:cNvPr id="18" name="Picture 2">
+                <a:extLst>
+                  <a:ext uri="{FF2B5EF4-FFF2-40B4-BE49-F238E27FC236}">
+                    <a16:creationId xmlns:a16="http://schemas.microsoft.com/office/drawing/2014/main" id="{1339580A-9260-1F50-665C-7FA5DA460316}"/>
+                  </a:ext>
+                </a:extLst>
+              </p:cNvPr>
+              <p:cNvPicPr>
+                <a:picLocks noChangeAspect="1" noChangeArrowheads="1"/>
+              </p:cNvPicPr>
+              <p:nvPr/>
+            </p:nvPicPr>
+            <p:blipFill rotWithShape="1">
+              <a:blip r:embed="rId2">
+                <a:extLst>
+                  <a:ext uri="{28A0092B-C50C-407E-A947-70E740481C1C}">
+                    <a14:useLocalDpi xmlns:a14="http://schemas.microsoft.com/office/drawing/2010/main" val="0"/>
+                  </a:ext>
+                </a:extLst>
+              </a:blip>
+              <a:srcRect t="43350" r="63211"/>
+              <a:stretch/>
+            </p:blipFill>
+            <p:spPr bwMode="auto">
+              <a:xfrm>
+                <a:off x="2665527" y="4315512"/>
+                <a:ext cx="2375148" cy="1497971"/>
+              </a:xfrm>
+              <a:prstGeom prst="rect">
+                <a:avLst/>
+              </a:prstGeom>
+              <a:noFill/>
+              <a:extLst>
+                <a:ext uri="{909E8E84-426E-40DD-AFC4-6F175D3DCCD1}">
+                  <a14:hiddenFill xmlns:a14="http://schemas.microsoft.com/office/drawing/2010/main">
+                    <a:solidFill>
+                      <a:srgbClr val="FFFFFF"/>
+                    </a:solidFill>
+                  </a14:hiddenFill>
+                </a:ext>
+              </a:extLst>
+            </p:spPr>
+          </p:pic>
+          <p:pic>
+            <p:nvPicPr>
+              <p:cNvPr id="15" name="Picture 14">
+                <a:extLst>
+                  <a:ext uri="{FF2B5EF4-FFF2-40B4-BE49-F238E27FC236}">
+                    <a16:creationId xmlns:a16="http://schemas.microsoft.com/office/drawing/2014/main" id="{C97EBA11-4E1E-5B1B-79B2-B76E44DA24B6}"/>
+                  </a:ext>
+                </a:extLst>
+              </p:cNvPr>
+              <p:cNvPicPr>
+                <a:picLocks noChangeAspect="1"/>
+              </p:cNvPicPr>
+              <p:nvPr/>
+            </p:nvPicPr>
+            <p:blipFill rotWithShape="1">
+              <a:blip r:embed="rId3"/>
+              <a:srcRect r="63856"/>
+              <a:stretch/>
+            </p:blipFill>
+            <p:spPr>
+              <a:xfrm>
+                <a:off x="814452" y="4273896"/>
+                <a:ext cx="2333561" cy="1530229"/>
+              </a:xfrm>
+              <a:prstGeom prst="rect">
+                <a:avLst/>
+              </a:prstGeom>
+            </p:spPr>
+          </p:pic>
+        </p:grpSp>
+        <p:sp>
+          <p:nvSpPr>
+            <p:cNvPr id="20" name="Rectangle 19">
+              <a:extLst>
+                <a:ext uri="{FF2B5EF4-FFF2-40B4-BE49-F238E27FC236}">
+                  <a16:creationId xmlns:a16="http://schemas.microsoft.com/office/drawing/2014/main" id="{CFD875D9-34F8-7CBA-D7C2-5E97825F7304}"/>
+                </a:ext>
+              </a:extLst>
+            </p:cNvPr>
+            <p:cNvSpPr/>
+            <p:nvPr/>
+          </p:nvSpPr>
+          <p:spPr>
+            <a:xfrm>
+              <a:off x="2099733" y="4348010"/>
+              <a:ext cx="757767" cy="592667"/>
+            </a:xfrm>
+            <a:prstGeom prst="rect">
+              <a:avLst/>
+            </a:prstGeom>
+            <a:solidFill>
+              <a:schemeClr val="bg1"/>
+            </a:solidFill>
+            <a:ln>
+              <a:solidFill>
+                <a:schemeClr val="bg1"/>
+              </a:solidFill>
+            </a:ln>
+          </p:spPr>
+          <p:style>
+            <a:lnRef idx="2">
+              <a:schemeClr val="accent1">
+                <a:shade val="15000"/>
+              </a:schemeClr>
+            </a:lnRef>
+            <a:fillRef idx="1">
+              <a:schemeClr val="accent1"/>
+            </a:fillRef>
+            <a:effectRef idx="0">
+              <a:schemeClr val="accent1"/>
+            </a:effectRef>
+            <a:fontRef idx="minor">
+              <a:schemeClr val="lt1"/>
+            </a:fontRef>
+          </p:style>
+          <p:txBody>
+            <a:bodyPr rtlCol="0" anchor="ctr"/>
+            <a:lstStyle/>
+            <a:p>
+              <a:pPr algn="ctr"/>
+              <a:endParaRPr lang="en-US"/>
+            </a:p>
+          </p:txBody>
+        </p:sp>
+        <p:sp>
+          <p:nvSpPr>
+            <p:cNvPr id="21" name="Rectangle 20">
+              <a:extLst>
+                <a:ext uri="{FF2B5EF4-FFF2-40B4-BE49-F238E27FC236}">
+                  <a16:creationId xmlns:a16="http://schemas.microsoft.com/office/drawing/2014/main" id="{AF272D29-9B87-6533-EE33-E2FA6BD02935}"/>
+                </a:ext>
+              </a:extLst>
+            </p:cNvPr>
+            <p:cNvSpPr/>
+            <p:nvPr/>
+          </p:nvSpPr>
+          <p:spPr>
+            <a:xfrm>
+              <a:off x="3950808" y="4348009"/>
+              <a:ext cx="757767" cy="592667"/>
+            </a:xfrm>
+            <a:prstGeom prst="rect">
+              <a:avLst/>
+            </a:prstGeom>
+            <a:solidFill>
+              <a:schemeClr val="bg1"/>
+            </a:solidFill>
+            <a:ln>
+              <a:solidFill>
+                <a:schemeClr val="bg1"/>
+              </a:solidFill>
+            </a:ln>
+          </p:spPr>
+          <p:style>
+            <a:lnRef idx="2">
+              <a:schemeClr val="accent1">
+                <a:shade val="15000"/>
+              </a:schemeClr>
+            </a:lnRef>
+            <a:fillRef idx="1">
+              <a:schemeClr val="accent1"/>
+            </a:fillRef>
+            <a:effectRef idx="0">
+              <a:schemeClr val="accent1"/>
+            </a:effectRef>
+            <a:fontRef idx="minor">
+              <a:schemeClr val="lt1"/>
+            </a:fontRef>
+          </p:style>
+          <p:txBody>
+            <a:bodyPr rtlCol="0" anchor="ctr"/>
+            <a:lstStyle/>
+            <a:p>
+              <a:pPr algn="ctr"/>
+              <a:endParaRPr lang="en-US"/>
+            </a:p>
+          </p:txBody>
+        </p:sp>
+        <p:sp>
+          <p:nvSpPr>
+            <p:cNvPr id="22" name="Rectangle 21">
+              <a:extLst>
+                <a:ext uri="{FF2B5EF4-FFF2-40B4-BE49-F238E27FC236}">
+                  <a16:creationId xmlns:a16="http://schemas.microsoft.com/office/drawing/2014/main" id="{6559BC34-0C4B-4FF2-E360-60AACCF15739}"/>
+                </a:ext>
+              </a:extLst>
+            </p:cNvPr>
+            <p:cNvSpPr/>
+            <p:nvPr/>
+          </p:nvSpPr>
+          <p:spPr>
+            <a:xfrm>
+              <a:off x="5801058" y="4301140"/>
+              <a:ext cx="757767" cy="592667"/>
+            </a:xfrm>
+            <a:prstGeom prst="rect">
+              <a:avLst/>
+            </a:prstGeom>
+            <a:solidFill>
+              <a:schemeClr val="bg1"/>
+            </a:solidFill>
+            <a:ln>
+              <a:solidFill>
+                <a:schemeClr val="bg1"/>
+              </a:solidFill>
+            </a:ln>
+          </p:spPr>
+          <p:style>
+            <a:lnRef idx="2">
+              <a:schemeClr val="accent1">
+                <a:shade val="15000"/>
+              </a:schemeClr>
+            </a:lnRef>
+            <a:fillRef idx="1">
+              <a:schemeClr val="accent1"/>
+            </a:fillRef>
+            <a:effectRef idx="0">
+              <a:schemeClr val="accent1"/>
+            </a:effectRef>
+            <a:fontRef idx="minor">
+              <a:schemeClr val="lt1"/>
+            </a:fontRef>
+          </p:style>
+          <p:txBody>
+            <a:bodyPr rtlCol="0" anchor="ctr"/>
+            <a:lstStyle/>
+            <a:p>
+              <a:pPr algn="ctr"/>
+              <a:endParaRPr lang="en-US"/>
+            </a:p>
+          </p:txBody>
+        </p:sp>
+        <p:sp>
+          <p:nvSpPr>
+            <p:cNvPr id="23" name="Rectangle 22">
+              <a:extLst>
+                <a:ext uri="{FF2B5EF4-FFF2-40B4-BE49-F238E27FC236}">
+                  <a16:creationId xmlns:a16="http://schemas.microsoft.com/office/drawing/2014/main" id="{03853556-30ED-DBE2-0BC9-23042C65A201}"/>
+                </a:ext>
+              </a:extLst>
+            </p:cNvPr>
+            <p:cNvSpPr/>
+            <p:nvPr/>
+          </p:nvSpPr>
+          <p:spPr>
+            <a:xfrm>
+              <a:off x="7641128" y="4335685"/>
+              <a:ext cx="757767" cy="592667"/>
+            </a:xfrm>
+            <a:prstGeom prst="rect">
+              <a:avLst/>
+            </a:prstGeom>
+            <a:solidFill>
+              <a:schemeClr val="bg1"/>
+            </a:solidFill>
+            <a:ln>
+              <a:solidFill>
+                <a:schemeClr val="bg1"/>
+              </a:solidFill>
+            </a:ln>
+          </p:spPr>
+          <p:style>
+            <a:lnRef idx="2">
+              <a:schemeClr val="accent1">
+                <a:shade val="15000"/>
+              </a:schemeClr>
+            </a:lnRef>
+            <a:fillRef idx="1">
+              <a:schemeClr val="accent1"/>
+            </a:fillRef>
+            <a:effectRef idx="0">
+              <a:schemeClr val="accent1"/>
+            </a:effectRef>
+            <a:fontRef idx="minor">
+              <a:schemeClr val="lt1"/>
+            </a:fontRef>
+          </p:style>
+          <p:txBody>
+            <a:bodyPr rtlCol="0" anchor="ctr"/>
+            <a:lstStyle/>
+            <a:p>
+              <a:pPr algn="ctr"/>
+              <a:endParaRPr lang="en-US"/>
+            </a:p>
+          </p:txBody>
+        </p:sp>
+        <p:sp>
+          <p:nvSpPr>
+            <p:cNvPr id="24" name="Rectangle 23">
+              <a:extLst>
+                <a:ext uri="{FF2B5EF4-FFF2-40B4-BE49-F238E27FC236}">
+                  <a16:creationId xmlns:a16="http://schemas.microsoft.com/office/drawing/2014/main" id="{939B7204-6E6C-7CE0-A07E-A7FA0EFBD9FF}"/>
+                </a:ext>
+              </a:extLst>
+            </p:cNvPr>
+            <p:cNvSpPr/>
+            <p:nvPr/>
+          </p:nvSpPr>
+          <p:spPr>
+            <a:xfrm>
+              <a:off x="9407570" y="4335684"/>
+              <a:ext cx="757767" cy="592667"/>
+            </a:xfrm>
+            <a:prstGeom prst="rect">
+              <a:avLst/>
+            </a:prstGeom>
+            <a:solidFill>
+              <a:schemeClr val="bg1"/>
+            </a:solidFill>
+            <a:ln>
+              <a:solidFill>
+                <a:schemeClr val="bg1"/>
+              </a:solidFill>
+            </a:ln>
+          </p:spPr>
+          <p:style>
+            <a:lnRef idx="2">
+              <a:schemeClr val="accent1">
+                <a:shade val="15000"/>
+              </a:schemeClr>
+            </a:lnRef>
+            <a:fillRef idx="1">
+              <a:schemeClr val="accent1"/>
+            </a:fillRef>
+            <a:effectRef idx="0">
+              <a:schemeClr val="accent1"/>
+            </a:effectRef>
+            <a:fontRef idx="minor">
+              <a:schemeClr val="lt1"/>
+            </a:fontRef>
+          </p:style>
+          <p:txBody>
+            <a:bodyPr rtlCol="0" anchor="ctr"/>
+            <a:lstStyle/>
+            <a:p>
+              <a:pPr algn="ctr"/>
+              <a:endParaRPr lang="en-US"/>
+            </a:p>
+          </p:txBody>
+        </p:sp>
+      </p:grpSp>
+    </p:spTree>
+    <p:extLst>
+      <p:ext uri="{BB962C8B-B14F-4D97-AF65-F5344CB8AC3E}">
+        <p14:creationId xmlns:p14="http://schemas.microsoft.com/office/powerpoint/2010/main" val="3778250124"/>
+      </p:ext>
+    </p:extLst>
+  </p:cSld>
+  <p:clrMapOvr>
+    <a:masterClrMapping/>
+  </p:clrMapOvr>
+</p:sld>
+</file>
+
 <file path=ppt/slides/slide2.xml><?xml version="1.0" encoding="utf-8"?>
 <p:sld xmlns:a="http://schemas.openxmlformats.org/drawingml/2006/main" xmlns:r="http://schemas.openxmlformats.org/officeDocument/2006/relationships" xmlns:p="http://schemas.openxmlformats.org/presentationml/2006/main">
   <p:cSld>
@@ -2489,7 +3777,7 @@
           <p:cNvPr id="2" name="Title 1">
             <a:extLst>
               <a:ext uri="{FF2B5EF4-FFF2-40B4-BE49-F238E27FC236}">
-                <a16:creationId xmlns:a16="http://schemas.microsoft.com/office/drawing/2014/main" id="{28C8E0A3-D444-001B-F6EF-2BF1ED77CE1A}"/>
+                <a16:creationId xmlns:a16="http://schemas.microsoft.com/office/drawing/2014/main" id="{8400C646-953A-0B40-03D7-8D9E27BDF6ED}"/>
               </a:ext>
             </a:extLst>
           </p:cNvPr>
@@ -2500,21 +3788,14 @@
             <p:ph type="title"/>
           </p:nvPr>
         </p:nvSpPr>
-        <p:spPr>
-          <a:xfrm>
-            <a:off x="0" y="144617"/>
-            <a:ext cx="11938000" cy="800128"/>
-          </a:xfrm>
-        </p:spPr>
+        <p:spPr/>
         <p:txBody>
-          <a:bodyPr>
-            <a:noAutofit/>
-          </a:bodyPr>
+          <a:bodyPr/>
           <a:lstStyle/>
           <a:p>
             <a:r>
-              <a:rPr lang="en-US" sz="3200" dirty="0"/>
-              <a:t>Polyelectrolyte behavior is dictated by three main interactions</a:t>
+              <a:rPr lang="en-US" dirty="0"/>
+              <a:t>Outline</a:t>
             </a:r>
           </a:p>
         </p:txBody>
@@ -2524,7 +3805,7 @@
           <p:cNvPr id="3" name="Content Placeholder 2">
             <a:extLst>
               <a:ext uri="{FF2B5EF4-FFF2-40B4-BE49-F238E27FC236}">
-                <a16:creationId xmlns:a16="http://schemas.microsoft.com/office/drawing/2014/main" id="{53B7D9A4-BB5A-5444-77E0-99CDE035C2D3}"/>
+                <a16:creationId xmlns:a16="http://schemas.microsoft.com/office/drawing/2014/main" id="{3A9D8C51-9A99-2808-ABCF-D195507DBDCB}"/>
               </a:ext>
             </a:extLst>
           </p:cNvPr>
@@ -2535,26 +3816,69 @@
             <p:ph idx="1"/>
           </p:nvPr>
         </p:nvSpPr>
-        <p:spPr/>
+        <p:spPr>
+          <a:xfrm>
+            <a:off x="838200" y="1247101"/>
+            <a:ext cx="10515600" cy="5109249"/>
+          </a:xfrm>
+        </p:spPr>
         <p:txBody>
-          <a:bodyPr/>
+          <a:bodyPr>
+            <a:normAutofit/>
+          </a:bodyPr>
           <a:lstStyle/>
           <a:p>
             <a:r>
               <a:rPr lang="en-US" dirty="0"/>
-              <a:t>Elasticity – polymer chains are formed by a series of connected monomers</a:t>
-            </a:r>
-          </a:p>
-          <a:p>
+              <a:t>Overview of polyelectrolytes</a:t>
+            </a:r>
+          </a:p>
+          <a:p>
+            <a:pPr lvl="1"/>
             <a:r>
               <a:rPr lang="en-US" dirty="0"/>
-              <a:t>Hydrophobicity – van der Waals interactions between monomers and solvent</a:t>
-            </a:r>
-          </a:p>
-          <a:p>
+              <a:t>What are the key interactions that need to be accounted for?</a:t>
+            </a:r>
+          </a:p>
+          <a:p>
+            <a:pPr lvl="1"/>
             <a:r>
               <a:rPr lang="en-US" dirty="0"/>
-              <a:t>Electrostatics – charged monomeric groups and dissolved salt ions</a:t>
+              <a:t>Why is the interplay between these interactions important?</a:t>
+            </a:r>
+          </a:p>
+          <a:p>
+            <a:pPr lvl="1"/>
+            <a:endParaRPr lang="en-US" dirty="0"/>
+          </a:p>
+          <a:p>
+            <a:r>
+              <a:rPr lang="en-US" dirty="0"/>
+              <a:t>Overview of our theory</a:t>
+            </a:r>
+          </a:p>
+          <a:p>
+            <a:pPr lvl="1"/>
+            <a:r>
+              <a:rPr lang="en-US" dirty="0"/>
+              <a:t>What kind of insight can theory provide to polyelectrolyte systems?</a:t>
+            </a:r>
+          </a:p>
+          <a:p>
+            <a:pPr lvl="1"/>
+            <a:endParaRPr lang="en-US" dirty="0"/>
+          </a:p>
+          <a:p>
+            <a:r>
+              <a:rPr lang="en-US" dirty="0"/>
+              <a:t>Proposal for application to PEM—Pt interface</a:t>
+            </a:r>
+          </a:p>
+          <a:p>
+            <a:pPr lvl="1"/>
+            <a:r>
+              <a:rPr lang="en-US" dirty="0"/>
+              <a:t>What can our theory provide on the mechanism of Pt poisoning?</a:t>
             </a:r>
           </a:p>
         </p:txBody>
@@ -2564,7 +3888,7 @@
           <p:cNvPr id="4" name="Slide Number Placeholder 3">
             <a:extLst>
               <a:ext uri="{FF2B5EF4-FFF2-40B4-BE49-F238E27FC236}">
-                <a16:creationId xmlns:a16="http://schemas.microsoft.com/office/drawing/2014/main" id="{C299AD9A-E8EC-17A9-98C9-115B5334CF13}"/>
+                <a16:creationId xmlns:a16="http://schemas.microsoft.com/office/drawing/2014/main" id="{2350098C-F47F-BC8A-B1D5-67947EA4DB0E}"/>
               </a:ext>
             </a:extLst>
           </p:cNvPr>
@@ -2591,7 +3915,7 @@
     </p:spTree>
     <p:extLst>
       <p:ext uri="{BB962C8B-B14F-4D97-AF65-F5344CB8AC3E}">
-        <p14:creationId xmlns:p14="http://schemas.microsoft.com/office/powerpoint/2010/main" val="2790075328"/>
+        <p14:creationId xmlns:p14="http://schemas.microsoft.com/office/powerpoint/2010/main" val="246702502"/>
       </p:ext>
     </p:extLst>
   </p:cSld>
@@ -2623,7 +3947,7 @@
           <p:cNvPr id="2" name="Title 1">
             <a:extLst>
               <a:ext uri="{FF2B5EF4-FFF2-40B4-BE49-F238E27FC236}">
-                <a16:creationId xmlns:a16="http://schemas.microsoft.com/office/drawing/2014/main" id="{96553A4A-D76A-2A8C-1FFD-2A108445B7F8}"/>
+                <a16:creationId xmlns:a16="http://schemas.microsoft.com/office/drawing/2014/main" id="{28C8E0A3-D444-001B-F6EF-2BF1ED77CE1A}"/>
               </a:ext>
             </a:extLst>
           </p:cNvPr>
@@ -2636,8 +3960,8 @@
         </p:nvSpPr>
         <p:spPr>
           <a:xfrm>
-            <a:off x="-1" y="144617"/>
-            <a:ext cx="12005733" cy="800128"/>
+            <a:off x="0" y="144617"/>
+            <a:ext cx="11938000" cy="800128"/>
           </a:xfrm>
         </p:spPr>
         <p:txBody>
@@ -2647,148 +3971,58 @@
           <a:lstStyle/>
           <a:p>
             <a:r>
-              <a:rPr lang="en-US" sz="3600" dirty="0"/>
-              <a:t>These interactions influence polyelectrolyte morphology</a:t>
+              <a:rPr lang="en-US" sz="3200" dirty="0"/>
+              <a:t>Polyelectrolyte behavior is controlled by three main interactions</a:t>
             </a:r>
           </a:p>
         </p:txBody>
       </p:sp>
-      <mc:AlternateContent xmlns:mc="http://schemas.openxmlformats.org/markup-compatibility/2006">
-        <mc:Choice xmlns:a14="http://schemas.microsoft.com/office/drawing/2010/main" Requires="a14">
-          <p:sp>
-            <p:nvSpPr>
-              <p:cNvPr id="3" name="Content Placeholder 2">
-                <a:extLst>
-                  <a:ext uri="{FF2B5EF4-FFF2-40B4-BE49-F238E27FC236}">
-                    <a16:creationId xmlns:a16="http://schemas.microsoft.com/office/drawing/2014/main" id="{EB21881E-6879-9FD8-6548-5A30B51A779D}"/>
-                  </a:ext>
-                </a:extLst>
-              </p:cNvPr>
-              <p:cNvSpPr>
-                <a:spLocks noGrp="1"/>
-              </p:cNvSpPr>
-              <p:nvPr>
-                <p:ph idx="1"/>
-              </p:nvPr>
-            </p:nvSpPr>
-            <p:spPr>
-              <a:xfrm>
-                <a:off x="491067" y="1317947"/>
-                <a:ext cx="7306733" cy="1712843"/>
-              </a:xfrm>
-            </p:spPr>
-            <p:txBody>
-              <a:bodyPr>
-                <a:noAutofit/>
-              </a:bodyPr>
-              <a:lstStyle/>
-              <a:p>
-                <a:r>
-                  <a:rPr lang="en-US" sz="1600" dirty="0"/>
-                  <a:t>Competition between hydrophobicity, long-range electrostatics, and polymer elasticity can lead to complex morphologies</a:t>
-                </a:r>
-              </a:p>
-              <a:p>
-                <a:pPr lvl="1"/>
-                <a:r>
-                  <a:rPr lang="en-US" sz="1600" dirty="0"/>
-                  <a:t>These factors can be tuned by monomer chemistry </a:t>
-                </a:r>
-              </a:p>
-              <a:p>
-                <a:pPr lvl="2"/>
-                <a:r>
-                  <a:rPr lang="en-US" sz="1600" dirty="0"/>
-                  <a:t>E.g., Backbone charge density </a:t>
-                </a:r>
-                <a14:m>
-                  <m:oMath xmlns:m="http://schemas.openxmlformats.org/officeDocument/2006/math">
-                    <m:r>
-                      <a:rPr lang="en-US" sz="1600" b="0" i="1" smtClean="0">
-                        <a:latin typeface="Cambria Math" panose="02040503050406030204" pitchFamily="18" charset="0"/>
-                      </a:rPr>
-                      <m:t>𝛼</m:t>
-                    </m:r>
-                  </m:oMath>
-                </a14:m>
-                <a:r>
-                  <a:rPr lang="en-US" sz="1600" dirty="0"/>
-                  <a:t>, Flory—Huggins interaction parameter </a:t>
-                </a:r>
-                <a14:m>
-                  <m:oMath xmlns:m="http://schemas.openxmlformats.org/officeDocument/2006/math">
-                    <m:r>
-                      <a:rPr lang="en-US" sz="1600" b="0" i="1" smtClean="0">
-                        <a:latin typeface="Cambria Math" panose="02040503050406030204" pitchFamily="18" charset="0"/>
-                      </a:rPr>
-                      <m:t>𝜒</m:t>
-                    </m:r>
-                  </m:oMath>
-                </a14:m>
-                <a:r>
-                  <a:rPr lang="en-US" sz="1600" dirty="0"/>
-                  <a:t>, </a:t>
-                </a:r>
-              </a:p>
-              <a:p>
-                <a:endParaRPr lang="en-US" sz="1600" dirty="0"/>
-              </a:p>
-              <a:p>
-                <a:endParaRPr lang="en-US" sz="1600" dirty="0"/>
-              </a:p>
-            </p:txBody>
-          </p:sp>
-        </mc:Choice>
-        <mc:Fallback>
-          <p:sp>
-            <p:nvSpPr>
-              <p:cNvPr id="3" name="Content Placeholder 2">
-                <a:extLst>
-                  <a:ext uri="{FF2B5EF4-FFF2-40B4-BE49-F238E27FC236}">
-                    <a16:creationId xmlns:a16="http://schemas.microsoft.com/office/drawing/2014/main" id="{EB21881E-6879-9FD8-6548-5A30B51A779D}"/>
-                  </a:ext>
-                </a:extLst>
-              </p:cNvPr>
-              <p:cNvSpPr>
-                <a:spLocks noGrp="1" noRot="1" noChangeAspect="1" noMove="1" noResize="1" noEditPoints="1" noAdjustHandles="1" noChangeArrowheads="1" noChangeShapeType="1" noTextEdit="1"/>
-              </p:cNvSpPr>
-              <p:nvPr>
-                <p:ph idx="1"/>
-              </p:nvPr>
-            </p:nvSpPr>
-            <p:spPr>
-              <a:xfrm>
-                <a:off x="491067" y="1317947"/>
-                <a:ext cx="7306733" cy="1712843"/>
-              </a:xfrm>
-              <a:blipFill>
-                <a:blip r:embed="rId2"/>
-                <a:stretch>
-                  <a:fillRect l="-334" t="-1423" r="-1085" b="-6050"/>
-                </a:stretch>
-              </a:blipFill>
-            </p:spPr>
-            <p:txBody>
-              <a:bodyPr/>
-              <a:lstStyle/>
-              <a:p>
-                <a:r>
-                  <a:rPr lang="en-US">
-                    <a:noFill/>
-                  </a:rPr>
-                  <a:t> </a:t>
-                </a:r>
-              </a:p>
-            </p:txBody>
-          </p:sp>
-        </mc:Fallback>
-      </mc:AlternateContent>
+      <p:sp>
+        <p:nvSpPr>
+          <p:cNvPr id="3" name="Content Placeholder 2">
+            <a:extLst>
+              <a:ext uri="{FF2B5EF4-FFF2-40B4-BE49-F238E27FC236}">
+                <a16:creationId xmlns:a16="http://schemas.microsoft.com/office/drawing/2014/main" id="{53B7D9A4-BB5A-5444-77E0-99CDE035C2D3}"/>
+              </a:ext>
+            </a:extLst>
+          </p:cNvPr>
+          <p:cNvSpPr>
+            <a:spLocks noGrp="1"/>
+          </p:cNvSpPr>
+          <p:nvPr>
+            <p:ph idx="1"/>
+          </p:nvPr>
+        </p:nvSpPr>
+        <p:spPr/>
+        <p:txBody>
+          <a:bodyPr/>
+          <a:lstStyle/>
+          <a:p>
+            <a:r>
+              <a:rPr lang="en-US" dirty="0"/>
+              <a:t>Elasticity – polymer chains are formed by a series of connected monomers</a:t>
+            </a:r>
+          </a:p>
+          <a:p>
+            <a:r>
+              <a:rPr lang="en-US" dirty="0"/>
+              <a:t>Hydrophobicity – van der Waals interactions between monomers and solvent</a:t>
+            </a:r>
+          </a:p>
+          <a:p>
+            <a:r>
+              <a:rPr lang="en-US" dirty="0"/>
+              <a:t>Electrostatics – charged monomeric groups and dissolved salt ions</a:t>
+            </a:r>
+          </a:p>
+        </p:txBody>
+      </p:sp>
       <p:sp>
         <p:nvSpPr>
           <p:cNvPr id="4" name="Slide Number Placeholder 3">
             <a:extLst>
               <a:ext uri="{FF2B5EF4-FFF2-40B4-BE49-F238E27FC236}">
-                <a16:creationId xmlns:a16="http://schemas.microsoft.com/office/drawing/2014/main" id="{05466836-4901-42E5-0F6C-82E2CD4D8C66}"/>
+                <a16:creationId xmlns:a16="http://schemas.microsoft.com/office/drawing/2014/main" id="{C299AD9A-E8EC-17A9-98C9-115B5334CF13}"/>
               </a:ext>
             </a:extLst>
           </p:cNvPr>
@@ -2812,270 +4046,10 @@
           </a:p>
         </p:txBody>
       </p:sp>
-      <p:pic>
-        <p:nvPicPr>
-          <p:cNvPr id="1028" name="Picture 4">
-            <a:extLst>
-              <a:ext uri="{FF2B5EF4-FFF2-40B4-BE49-F238E27FC236}">
-                <a16:creationId xmlns:a16="http://schemas.microsoft.com/office/drawing/2014/main" id="{50D9F423-322A-72F3-7C43-B055016FD768}"/>
-              </a:ext>
-            </a:extLst>
-          </p:cNvPr>
-          <p:cNvPicPr>
-            <a:picLocks noChangeAspect="1" noChangeArrowheads="1"/>
-          </p:cNvPicPr>
-          <p:nvPr/>
-        </p:nvPicPr>
-        <p:blipFill>
-          <a:blip r:embed="rId3">
-            <a:extLst>
-              <a:ext uri="{28A0092B-C50C-407E-A947-70E740481C1C}">
-                <a14:useLocalDpi xmlns:a14="http://schemas.microsoft.com/office/drawing/2010/main" val="0"/>
-              </a:ext>
-            </a:extLst>
-          </a:blip>
-          <a:srcRect/>
-          <a:stretch>
-            <a:fillRect/>
-          </a:stretch>
-        </p:blipFill>
-        <p:spPr bwMode="auto">
-          <a:xfrm>
-            <a:off x="8302383" y="1080219"/>
-            <a:ext cx="3190302" cy="2473791"/>
-          </a:xfrm>
-          <a:prstGeom prst="rect">
-            <a:avLst/>
-          </a:prstGeom>
-          <a:noFill/>
-          <a:extLst>
-            <a:ext uri="{909E8E84-426E-40DD-AFC4-6F175D3DCCD1}">
-              <a14:hiddenFill xmlns:a14="http://schemas.microsoft.com/office/drawing/2010/main">
-                <a:solidFill>
-                  <a:srgbClr val="FFFFFF"/>
-                </a:solidFill>
-              </a14:hiddenFill>
-            </a:ext>
-          </a:extLst>
-        </p:spPr>
-      </p:pic>
-      <p:grpSp>
-        <p:nvGrpSpPr>
-          <p:cNvPr id="6" name="Group 5">
-            <a:extLst>
-              <a:ext uri="{FF2B5EF4-FFF2-40B4-BE49-F238E27FC236}">
-                <a16:creationId xmlns:a16="http://schemas.microsoft.com/office/drawing/2014/main" id="{D6AB7392-CAD9-D6C5-96F9-168DD75D8BB3}"/>
-              </a:ext>
-            </a:extLst>
-          </p:cNvPr>
-          <p:cNvGrpSpPr/>
-          <p:nvPr/>
-        </p:nvGrpSpPr>
-        <p:grpSpPr>
-          <a:xfrm>
-            <a:off x="1966259" y="3738676"/>
-            <a:ext cx="6456081" cy="2982799"/>
-            <a:chOff x="5238625" y="3522620"/>
-            <a:chExt cx="6456081" cy="2982799"/>
-          </a:xfrm>
-        </p:grpSpPr>
-        <p:pic>
-          <p:nvPicPr>
-            <p:cNvPr id="1026" name="Picture 2">
-              <a:extLst>
-                <a:ext uri="{FF2B5EF4-FFF2-40B4-BE49-F238E27FC236}">
-                  <a16:creationId xmlns:a16="http://schemas.microsoft.com/office/drawing/2014/main" id="{A104E029-F174-178E-FB4B-281C47966C75}"/>
-                </a:ext>
-              </a:extLst>
-            </p:cNvPr>
-            <p:cNvPicPr>
-              <a:picLocks noChangeAspect="1" noChangeArrowheads="1"/>
-            </p:cNvPicPr>
-            <p:nvPr/>
-          </p:nvPicPr>
-          <p:blipFill>
-            <a:blip r:embed="rId4">
-              <a:extLst>
-                <a:ext uri="{28A0092B-C50C-407E-A947-70E740481C1C}">
-                  <a14:useLocalDpi xmlns:a14="http://schemas.microsoft.com/office/drawing/2010/main" val="0"/>
-                </a:ext>
-              </a:extLst>
-            </a:blip>
-            <a:srcRect/>
-            <a:stretch>
-              <a:fillRect/>
-            </a:stretch>
-          </p:blipFill>
-          <p:spPr bwMode="auto">
-            <a:xfrm>
-              <a:off x="5238625" y="3861174"/>
-              <a:ext cx="6456081" cy="2644245"/>
-            </a:xfrm>
-            <a:prstGeom prst="rect">
-              <a:avLst/>
-            </a:prstGeom>
-            <a:noFill/>
-            <a:extLst>
-              <a:ext uri="{909E8E84-426E-40DD-AFC4-6F175D3DCCD1}">
-                <a14:hiddenFill xmlns:a14="http://schemas.microsoft.com/office/drawing/2010/main">
-                  <a:solidFill>
-                    <a:srgbClr val="FFFFFF"/>
-                  </a:solidFill>
-                </a14:hiddenFill>
-              </a:ext>
-            </a:extLst>
-          </p:spPr>
-        </p:pic>
-        <mc:AlternateContent xmlns:mc="http://schemas.openxmlformats.org/markup-compatibility/2006">
-          <mc:Choice xmlns:a14="http://schemas.microsoft.com/office/drawing/2010/main" Requires="a14">
-            <p:sp>
-              <p:nvSpPr>
-                <p:cNvPr id="5" name="TextBox 4">
-                  <a:extLst>
-                    <a:ext uri="{FF2B5EF4-FFF2-40B4-BE49-F238E27FC236}">
-                      <a16:creationId xmlns:a16="http://schemas.microsoft.com/office/drawing/2014/main" id="{31200FE2-958D-BCCC-7049-2444FC7FB703}"/>
-                    </a:ext>
-                  </a:extLst>
-                </p:cNvPr>
-                <p:cNvSpPr txBox="1"/>
-                <p:nvPr/>
-              </p:nvSpPr>
-              <p:spPr>
-                <a:xfrm>
-                  <a:off x="7173506" y="3522620"/>
-                  <a:ext cx="3107267" cy="338554"/>
-                </a:xfrm>
-                <a:prstGeom prst="rect">
-                  <a:avLst/>
-                </a:prstGeom>
-                <a:noFill/>
-              </p:spPr>
-              <p:txBody>
-                <a:bodyPr wrap="square" rtlCol="0">
-                  <a:spAutoFit/>
-                </a:bodyPr>
-                <a:lstStyle/>
-                <a:p>
-                  <a:pPr algn="ctr"/>
-                  <a:r>
-                    <a:rPr lang="en-US" sz="1600" dirty="0"/>
-                    <a:t>(For </a:t>
-                  </a:r>
-                  <a14:m>
-                    <m:oMath xmlns:m="http://schemas.openxmlformats.org/officeDocument/2006/math">
-                      <m:r>
-                        <a:rPr lang="en-US" sz="1600" b="0" i="1" smtClean="0">
-                          <a:latin typeface="Cambria Math" panose="02040503050406030204" pitchFamily="18" charset="0"/>
-                        </a:rPr>
-                        <m:t>𝛼</m:t>
-                      </m:r>
-                      <m:r>
-                        <a:rPr lang="en-US" sz="1600" b="0" i="1" smtClean="0">
-                          <a:latin typeface="Cambria Math" panose="02040503050406030204" pitchFamily="18" charset="0"/>
-                        </a:rPr>
-                        <m:t>=0.4</m:t>
-                      </m:r>
-                    </m:oMath>
-                  </a14:m>
-                  <a:r>
-                    <a:rPr lang="en-US" sz="1600" dirty="0"/>
-                    <a:t>)</a:t>
-                  </a:r>
-                </a:p>
-              </p:txBody>
-            </p:sp>
-          </mc:Choice>
-          <mc:Fallback>
-            <p:sp>
-              <p:nvSpPr>
-                <p:cNvPr id="5" name="TextBox 4">
-                  <a:extLst>
-                    <a:ext uri="{FF2B5EF4-FFF2-40B4-BE49-F238E27FC236}">
-                      <a16:creationId xmlns:a16="http://schemas.microsoft.com/office/drawing/2014/main" id="{31200FE2-958D-BCCC-7049-2444FC7FB703}"/>
-                    </a:ext>
-                  </a:extLst>
-                </p:cNvPr>
-                <p:cNvSpPr txBox="1">
-                  <a:spLocks noRot="1" noChangeAspect="1" noMove="1" noResize="1" noEditPoints="1" noAdjustHandles="1" noChangeArrowheads="1" noChangeShapeType="1" noTextEdit="1"/>
-                </p:cNvSpPr>
-                <p:nvPr/>
-              </p:nvSpPr>
-              <p:spPr>
-                <a:xfrm>
-                  <a:off x="7173506" y="3522620"/>
-                  <a:ext cx="3107267" cy="338554"/>
-                </a:xfrm>
-                <a:prstGeom prst="rect">
-                  <a:avLst/>
-                </a:prstGeom>
-                <a:blipFill>
-                  <a:blip r:embed="rId5"/>
-                  <a:stretch>
-                    <a:fillRect t="-5357" b="-21429"/>
-                  </a:stretch>
-                </a:blipFill>
-              </p:spPr>
-              <p:txBody>
-                <a:bodyPr/>
-                <a:lstStyle/>
-                <a:p>
-                  <a:r>
-                    <a:rPr lang="en-US">
-                      <a:noFill/>
-                    </a:rPr>
-                    <a:t> </a:t>
-                  </a:r>
-                </a:p>
-              </p:txBody>
-            </p:sp>
-          </mc:Fallback>
-        </mc:AlternateContent>
-      </p:grpSp>
-      <p:sp>
-        <p:nvSpPr>
-          <p:cNvPr id="8" name="TextBox 7">
-            <a:extLst>
-              <a:ext uri="{FF2B5EF4-FFF2-40B4-BE49-F238E27FC236}">
-                <a16:creationId xmlns:a16="http://schemas.microsoft.com/office/drawing/2014/main" id="{77F3D4C9-7B1A-9709-5B6D-4D81F5F3D0BE}"/>
-              </a:ext>
-            </a:extLst>
-          </p:cNvPr>
-          <p:cNvSpPr txBox="1"/>
-          <p:nvPr/>
-        </p:nvSpPr>
-        <p:spPr>
-          <a:xfrm>
-            <a:off x="491067" y="3369344"/>
-            <a:ext cx="9406467" cy="338554"/>
-          </a:xfrm>
-          <a:prstGeom prst="rect">
-            <a:avLst/>
-          </a:prstGeom>
-          <a:noFill/>
-        </p:spPr>
-        <p:txBody>
-          <a:bodyPr wrap="square">
-            <a:spAutoFit/>
-          </a:bodyPr>
-          <a:lstStyle/>
-          <a:p>
-            <a:pPr marL="285750" indent="-285750">
-              <a:buFont typeface="Arial" panose="020B0604020202020204" pitchFamily="34" charset="0"/>
-              <a:buChar char="•"/>
-            </a:pPr>
-            <a:r>
-              <a:rPr lang="en-US" sz="1600" dirty="0">
-                <a:latin typeface="Lucida grande" panose="020B0502040204020203"/>
-              </a:rPr>
-              <a:t>A robust theoretical framework can provide molecular details, such as density distributions</a:t>
-            </a:r>
-          </a:p>
-        </p:txBody>
-      </p:sp>
     </p:spTree>
     <p:extLst>
       <p:ext uri="{BB962C8B-B14F-4D97-AF65-F5344CB8AC3E}">
-        <p14:creationId xmlns:p14="http://schemas.microsoft.com/office/powerpoint/2010/main" val="1303275791"/>
+        <p14:creationId xmlns:p14="http://schemas.microsoft.com/office/powerpoint/2010/main" val="2790075328"/>
       </p:ext>
     </p:extLst>
   </p:cSld>
@@ -3107,6 +4081,405 @@
           <p:cNvPr id="2" name="Title 1">
             <a:extLst>
               <a:ext uri="{FF2B5EF4-FFF2-40B4-BE49-F238E27FC236}">
+                <a16:creationId xmlns:a16="http://schemas.microsoft.com/office/drawing/2014/main" id="{96553A4A-D76A-2A8C-1FFD-2A108445B7F8}"/>
+              </a:ext>
+            </a:extLst>
+          </p:cNvPr>
+          <p:cNvSpPr>
+            <a:spLocks noGrp="1"/>
+          </p:cNvSpPr>
+          <p:nvPr>
+            <p:ph type="title"/>
+          </p:nvPr>
+        </p:nvSpPr>
+        <p:spPr>
+          <a:xfrm>
+            <a:off x="-1" y="144617"/>
+            <a:ext cx="12005733" cy="800128"/>
+          </a:xfrm>
+        </p:spPr>
+        <p:txBody>
+          <a:bodyPr>
+            <a:noAutofit/>
+          </a:bodyPr>
+          <a:lstStyle/>
+          <a:p>
+            <a:r>
+              <a:rPr lang="en-US" sz="3600" dirty="0"/>
+              <a:t>These interactions dictate polyelectrolyte morphology</a:t>
+            </a:r>
+          </a:p>
+        </p:txBody>
+      </p:sp>
+      <p:sp>
+        <p:nvSpPr>
+          <p:cNvPr id="3" name="Content Placeholder 2">
+            <a:extLst>
+              <a:ext uri="{FF2B5EF4-FFF2-40B4-BE49-F238E27FC236}">
+                <a16:creationId xmlns:a16="http://schemas.microsoft.com/office/drawing/2014/main" id="{EB21881E-6879-9FD8-6548-5A30B51A779D}"/>
+              </a:ext>
+            </a:extLst>
+          </p:cNvPr>
+          <p:cNvSpPr>
+            <a:spLocks noGrp="1"/>
+          </p:cNvSpPr>
+          <p:nvPr>
+            <p:ph idx="1"/>
+          </p:nvPr>
+        </p:nvSpPr>
+        <p:spPr>
+          <a:xfrm>
+            <a:off x="491066" y="1317948"/>
+            <a:ext cx="11345333" cy="365126"/>
+          </a:xfrm>
+        </p:spPr>
+        <p:txBody>
+          <a:bodyPr>
+            <a:noAutofit/>
+          </a:bodyPr>
+          <a:lstStyle/>
+          <a:p>
+            <a:r>
+              <a:rPr lang="en-US" sz="1800" dirty="0"/>
+              <a:t>Competition between hydrophobicity, long-range electrostatics, and polymer elasticity can lead to complex morphologies</a:t>
+            </a:r>
+          </a:p>
+        </p:txBody>
+      </p:sp>
+      <p:sp>
+        <p:nvSpPr>
+          <p:cNvPr id="4" name="Slide Number Placeholder 3">
+            <a:extLst>
+              <a:ext uri="{FF2B5EF4-FFF2-40B4-BE49-F238E27FC236}">
+                <a16:creationId xmlns:a16="http://schemas.microsoft.com/office/drawing/2014/main" id="{05466836-4901-42E5-0F6C-82E2CD4D8C66}"/>
+              </a:ext>
+            </a:extLst>
+          </p:cNvPr>
+          <p:cNvSpPr>
+            <a:spLocks noGrp="1"/>
+          </p:cNvSpPr>
+          <p:nvPr>
+            <p:ph type="sldNum" sz="quarter" idx="12"/>
+          </p:nvPr>
+        </p:nvSpPr>
+        <p:spPr/>
+        <p:txBody>
+          <a:bodyPr/>
+          <a:lstStyle/>
+          <a:p>
+            <a:fld id="{5911C0E6-D9CE-431C-92CB-BB39B872F930}" type="slidenum">
+              <a:rPr lang="en-US" smtClean="0"/>
+              <a:t>4</a:t>
+            </a:fld>
+            <a:endParaRPr lang="en-US"/>
+          </a:p>
+        </p:txBody>
+      </p:sp>
+      <p:sp>
+        <p:nvSpPr>
+          <p:cNvPr id="8" name="TextBox 7">
+            <a:extLst>
+              <a:ext uri="{FF2B5EF4-FFF2-40B4-BE49-F238E27FC236}">
+                <a16:creationId xmlns:a16="http://schemas.microsoft.com/office/drawing/2014/main" id="{77F3D4C9-7B1A-9709-5B6D-4D81F5F3D0BE}"/>
+              </a:ext>
+            </a:extLst>
+          </p:cNvPr>
+          <p:cNvSpPr txBox="1"/>
+          <p:nvPr/>
+        </p:nvSpPr>
+        <p:spPr>
+          <a:xfrm>
+            <a:off x="575733" y="4912687"/>
+            <a:ext cx="9406467" cy="584775"/>
+          </a:xfrm>
+          <a:prstGeom prst="rect">
+            <a:avLst/>
+          </a:prstGeom>
+          <a:noFill/>
+        </p:spPr>
+        <p:txBody>
+          <a:bodyPr wrap="square">
+            <a:spAutoFit/>
+          </a:bodyPr>
+          <a:lstStyle/>
+          <a:p>
+            <a:pPr marL="285750" indent="-285750">
+              <a:buFont typeface="Arial" panose="020B0604020202020204" pitchFamily="34" charset="0"/>
+              <a:buChar char="•"/>
+            </a:pPr>
+            <a:r>
+              <a:rPr lang="en-US" sz="1600" dirty="0">
+                <a:latin typeface="Lucida grande" panose="020B0502040204020203"/>
+              </a:rPr>
+              <a:t>A robust theoretical framework can provide molecular details, such as mechanisms for morphological transitions</a:t>
+            </a:r>
+          </a:p>
+        </p:txBody>
+      </p:sp>
+      <p:pic>
+        <p:nvPicPr>
+          <p:cNvPr id="41" name="Picture 40">
+            <a:extLst>
+              <a:ext uri="{FF2B5EF4-FFF2-40B4-BE49-F238E27FC236}">
+                <a16:creationId xmlns:a16="http://schemas.microsoft.com/office/drawing/2014/main" id="{B5D71C4B-E26F-0E8D-9F1F-C7CB959B37DA}"/>
+              </a:ext>
+            </a:extLst>
+          </p:cNvPr>
+          <p:cNvPicPr>
+            <a:picLocks noChangeAspect="1"/>
+          </p:cNvPicPr>
+          <p:nvPr/>
+        </p:nvPicPr>
+        <p:blipFill>
+          <a:blip r:embed="rId2"/>
+          <a:stretch>
+            <a:fillRect/>
+          </a:stretch>
+        </p:blipFill>
+        <p:spPr>
+          <a:xfrm>
+            <a:off x="990600" y="2047672"/>
+            <a:ext cx="9699577" cy="1560711"/>
+          </a:xfrm>
+          <a:prstGeom prst="rect">
+            <a:avLst/>
+          </a:prstGeom>
+        </p:spPr>
+      </p:pic>
+    </p:spTree>
+    <p:extLst>
+      <p:ext uri="{BB962C8B-B14F-4D97-AF65-F5344CB8AC3E}">
+        <p14:creationId xmlns:p14="http://schemas.microsoft.com/office/powerpoint/2010/main" val="1303275791"/>
+      </p:ext>
+    </p:extLst>
+  </p:cSld>
+  <p:clrMapOvr>
+    <a:masterClrMapping/>
+  </p:clrMapOvr>
+</p:sld>
+</file>
+
+<file path=ppt/slides/slide5.xml><?xml version="1.0" encoding="utf-8"?>
+<p:sld xmlns:a="http://schemas.openxmlformats.org/drawingml/2006/main" xmlns:r="http://schemas.openxmlformats.org/officeDocument/2006/relationships" xmlns:p="http://schemas.openxmlformats.org/presentationml/2006/main">
+  <p:cSld>
+    <p:spTree>
+      <p:nvGrpSpPr>
+        <p:cNvPr id="1" name=""/>
+        <p:cNvGrpSpPr/>
+        <p:nvPr/>
+      </p:nvGrpSpPr>
+      <p:grpSpPr>
+        <a:xfrm>
+          <a:off x="0" y="0"/>
+          <a:ext cx="0" cy="0"/>
+          <a:chOff x="0" y="0"/>
+          <a:chExt cx="0" cy="0"/>
+        </a:xfrm>
+      </p:grpSpPr>
+      <p:sp>
+        <p:nvSpPr>
+          <p:cNvPr id="2" name="Title 1">
+            <a:extLst>
+              <a:ext uri="{FF2B5EF4-FFF2-40B4-BE49-F238E27FC236}">
+                <a16:creationId xmlns:a16="http://schemas.microsoft.com/office/drawing/2014/main" id="{836071FD-6635-BAD6-D2C1-F0B397CCEF68}"/>
+              </a:ext>
+            </a:extLst>
+          </p:cNvPr>
+          <p:cNvSpPr>
+            <a:spLocks noGrp="1"/>
+          </p:cNvSpPr>
+          <p:nvPr>
+            <p:ph type="title"/>
+          </p:nvPr>
+        </p:nvSpPr>
+        <p:spPr/>
+        <p:txBody>
+          <a:bodyPr/>
+          <a:lstStyle/>
+          <a:p>
+            <a:endParaRPr lang="en-US"/>
+          </a:p>
+        </p:txBody>
+      </p:sp>
+      <p:sp>
+        <p:nvSpPr>
+          <p:cNvPr id="3" name="Content Placeholder 2">
+            <a:extLst>
+              <a:ext uri="{FF2B5EF4-FFF2-40B4-BE49-F238E27FC236}">
+                <a16:creationId xmlns:a16="http://schemas.microsoft.com/office/drawing/2014/main" id="{5B8A2657-DB72-932A-3F7B-000A5E6E213E}"/>
+              </a:ext>
+            </a:extLst>
+          </p:cNvPr>
+          <p:cNvSpPr>
+            <a:spLocks noGrp="1"/>
+          </p:cNvSpPr>
+          <p:nvPr>
+            <p:ph idx="1"/>
+          </p:nvPr>
+        </p:nvSpPr>
+        <p:spPr/>
+        <p:txBody>
+          <a:bodyPr/>
+          <a:lstStyle/>
+          <a:p>
+            <a:endParaRPr lang="en-US"/>
+          </a:p>
+        </p:txBody>
+      </p:sp>
+      <p:sp>
+        <p:nvSpPr>
+          <p:cNvPr id="4" name="Slide Number Placeholder 3">
+            <a:extLst>
+              <a:ext uri="{FF2B5EF4-FFF2-40B4-BE49-F238E27FC236}">
+                <a16:creationId xmlns:a16="http://schemas.microsoft.com/office/drawing/2014/main" id="{64754678-AA10-9DB7-A181-45FB86B9C320}"/>
+              </a:ext>
+            </a:extLst>
+          </p:cNvPr>
+          <p:cNvSpPr>
+            <a:spLocks noGrp="1"/>
+          </p:cNvSpPr>
+          <p:nvPr>
+            <p:ph type="sldNum" sz="quarter" idx="12"/>
+          </p:nvPr>
+        </p:nvSpPr>
+        <p:spPr/>
+        <p:txBody>
+          <a:bodyPr/>
+          <a:lstStyle/>
+          <a:p>
+            <a:fld id="{5911C0E6-D9CE-431C-92CB-BB39B872F930}" type="slidenum">
+              <a:rPr lang="en-US" smtClean="0"/>
+              <a:t>5</a:t>
+            </a:fld>
+            <a:endParaRPr lang="en-US"/>
+          </a:p>
+        </p:txBody>
+      </p:sp>
+      <p:pic>
+        <p:nvPicPr>
+          <p:cNvPr id="42" name="Picture 41">
+            <a:extLst>
+              <a:ext uri="{FF2B5EF4-FFF2-40B4-BE49-F238E27FC236}">
+                <a16:creationId xmlns:a16="http://schemas.microsoft.com/office/drawing/2014/main" id="{2D26A261-6C53-A543-AE6A-1A5068D76214}"/>
+              </a:ext>
+            </a:extLst>
+          </p:cNvPr>
+          <p:cNvPicPr>
+            <a:picLocks noChangeAspect="1"/>
+          </p:cNvPicPr>
+          <p:nvPr/>
+        </p:nvPicPr>
+        <p:blipFill>
+          <a:blip r:embed="rId2"/>
+          <a:stretch>
+            <a:fillRect/>
+          </a:stretch>
+        </p:blipFill>
+        <p:spPr>
+          <a:xfrm>
+            <a:off x="1077683" y="3455983"/>
+            <a:ext cx="9699577" cy="1560711"/>
+          </a:xfrm>
+          <a:prstGeom prst="rect">
+            <a:avLst/>
+          </a:prstGeom>
+        </p:spPr>
+      </p:pic>
+      <p:pic>
+        <p:nvPicPr>
+          <p:cNvPr id="43" name="Picture 42">
+            <a:extLst>
+              <a:ext uri="{FF2B5EF4-FFF2-40B4-BE49-F238E27FC236}">
+                <a16:creationId xmlns:a16="http://schemas.microsoft.com/office/drawing/2014/main" id="{58C7A46E-0B94-A46C-D0EF-CD318F584FCC}"/>
+              </a:ext>
+            </a:extLst>
+          </p:cNvPr>
+          <p:cNvPicPr>
+            <a:picLocks noChangeAspect="1"/>
+          </p:cNvPicPr>
+          <p:nvPr/>
+        </p:nvPicPr>
+        <p:blipFill>
+          <a:blip r:embed="rId2"/>
+          <a:stretch>
+            <a:fillRect/>
+          </a:stretch>
+        </p:blipFill>
+        <p:spPr>
+          <a:xfrm>
+            <a:off x="1246211" y="3696389"/>
+            <a:ext cx="9699577" cy="1560711"/>
+          </a:xfrm>
+          <a:prstGeom prst="rect">
+            <a:avLst/>
+          </a:prstGeom>
+        </p:spPr>
+      </p:pic>
+      <p:pic>
+        <p:nvPicPr>
+          <p:cNvPr id="44" name="Picture 43">
+            <a:extLst>
+              <a:ext uri="{FF2B5EF4-FFF2-40B4-BE49-F238E27FC236}">
+                <a16:creationId xmlns:a16="http://schemas.microsoft.com/office/drawing/2014/main" id="{763649D9-B107-C047-4824-99D7C4BB36FF}"/>
+              </a:ext>
+            </a:extLst>
+          </p:cNvPr>
+          <p:cNvPicPr>
+            <a:picLocks noChangeAspect="1"/>
+          </p:cNvPicPr>
+          <p:nvPr/>
+        </p:nvPicPr>
+        <p:blipFill>
+          <a:blip r:embed="rId2"/>
+          <a:stretch>
+            <a:fillRect/>
+          </a:stretch>
+        </p:blipFill>
+        <p:spPr>
+          <a:xfrm>
+            <a:off x="1061555" y="5104700"/>
+            <a:ext cx="9699577" cy="1560711"/>
+          </a:xfrm>
+          <a:prstGeom prst="rect">
+            <a:avLst/>
+          </a:prstGeom>
+        </p:spPr>
+      </p:pic>
+    </p:spTree>
+    <p:extLst>
+      <p:ext uri="{BB962C8B-B14F-4D97-AF65-F5344CB8AC3E}">
+        <p14:creationId xmlns:p14="http://schemas.microsoft.com/office/powerpoint/2010/main" val="1281480545"/>
+      </p:ext>
+    </p:extLst>
+  </p:cSld>
+  <p:clrMapOvr>
+    <a:masterClrMapping/>
+  </p:clrMapOvr>
+</p:sld>
+</file>
+
+<file path=ppt/slides/slide6.xml><?xml version="1.0" encoding="utf-8"?>
+<p:sld xmlns:a="http://schemas.openxmlformats.org/drawingml/2006/main" xmlns:r="http://schemas.openxmlformats.org/officeDocument/2006/relationships" xmlns:p="http://schemas.openxmlformats.org/presentationml/2006/main">
+  <p:cSld>
+    <p:spTree>
+      <p:nvGrpSpPr>
+        <p:cNvPr id="1" name=""/>
+        <p:cNvGrpSpPr/>
+        <p:nvPr/>
+      </p:nvGrpSpPr>
+      <p:grpSpPr>
+        <a:xfrm>
+          <a:off x="0" y="0"/>
+          <a:ext cx="0" cy="0"/>
+          <a:chOff x="0" y="0"/>
+          <a:chExt cx="0" cy="0"/>
+        </a:xfrm>
+      </p:grpSpPr>
+      <p:sp>
+        <p:nvSpPr>
+          <p:cNvPr id="2" name="Title 1">
+            <a:extLst>
+              <a:ext uri="{FF2B5EF4-FFF2-40B4-BE49-F238E27FC236}">
                 <a16:creationId xmlns:a16="http://schemas.microsoft.com/office/drawing/2014/main" id="{CA0C75CC-A6F4-70DB-60D2-325B3425A73B}"/>
               </a:ext>
             </a:extLst>
@@ -3168,7 +4541,7 @@
                   <a:spcPts val="600"/>
                 </a:spcAft>
               </a:pPr>
-              <a:t>4</a:t>
+              <a:t>6</a:t>
             </a:fld>
             <a:endParaRPr lang="en-US"/>
           </a:p>
@@ -3670,7 +5043,7 @@
 </p:sld>
 </file>
 
-<file path=ppt/slides/slide5.xml><?xml version="1.0" encoding="utf-8"?>
+<file path=ppt/slides/slide7.xml><?xml version="1.0" encoding="utf-8"?>
 <p:sld xmlns:a="http://schemas.openxmlformats.org/drawingml/2006/main" xmlns:r="http://schemas.openxmlformats.org/officeDocument/2006/relationships" xmlns:p="http://schemas.openxmlformats.org/presentationml/2006/main">
   <p:cSld>
     <p:spTree>
@@ -3738,7 +5111,7 @@
           <a:p>
             <a:fld id="{5911C0E6-D9CE-431C-92CB-BB39B872F930}" type="slidenum">
               <a:rPr lang="en-US" smtClean="0"/>
-              <a:t>5</a:t>
+              <a:t>7</a:t>
             </a:fld>
             <a:endParaRPr lang="en-US"/>
           </a:p>
@@ -6167,7 +7540,7 @@
 </p:sld>
 </file>
 
-<file path=ppt/slides/slide6.xml><?xml version="1.0" encoding="utf-8"?>
+<file path=ppt/slides/slide8.xml><?xml version="1.0" encoding="utf-8"?>
 <p:sld xmlns:a="http://schemas.openxmlformats.org/drawingml/2006/main" xmlns:r="http://schemas.openxmlformats.org/officeDocument/2006/relationships" xmlns:p="http://schemas.openxmlformats.org/presentationml/2006/main">
   <p:cSld>
     <p:spTree>
@@ -6333,7 +7706,7 @@
           <a:p>
             <a:fld id="{B40DB54C-0C58-4481-B5FF-5C3F14CFF9B3}" type="slidenum">
               <a:rPr lang="en-US" smtClean="0"/>
-              <a:t>6</a:t>
+              <a:t>8</a:t>
             </a:fld>
             <a:endParaRPr lang="en-US"/>
           </a:p>
@@ -6508,7 +7881,7 @@
 </p:sld>
 </file>
 
-<file path=ppt/slides/slide7.xml><?xml version="1.0" encoding="utf-8"?>
+<file path=ppt/slides/slide9.xml><?xml version="1.0" encoding="utf-8"?>
 <p:sld xmlns:a="http://schemas.openxmlformats.org/drawingml/2006/main" xmlns:r="http://schemas.openxmlformats.org/officeDocument/2006/relationships" xmlns:p="http://schemas.openxmlformats.org/presentationml/2006/main">
   <p:cSld>
     <p:spTree>
@@ -6583,7 +7956,7 @@
           <a:p>
             <a:fld id="{5911C0E6-D9CE-431C-92CB-BB39B872F930}" type="slidenum">
               <a:rPr lang="en-US" smtClean="0"/>
-              <a:t>7</a:t>
+              <a:t>9</a:t>
             </a:fld>
             <a:endParaRPr lang="en-US"/>
           </a:p>
@@ -7011,702 +8384,6 @@
     <p:extLst>
       <p:ext uri="{BB962C8B-B14F-4D97-AF65-F5344CB8AC3E}">
         <p14:creationId xmlns:p14="http://schemas.microsoft.com/office/powerpoint/2010/main" val="3762529990"/>
-      </p:ext>
-    </p:extLst>
-  </p:cSld>
-  <p:clrMapOvr>
-    <a:masterClrMapping/>
-  </p:clrMapOvr>
-</p:sld>
-</file>
-
-<file path=ppt/slides/slide8.xml><?xml version="1.0" encoding="utf-8"?>
-<p:sld xmlns:a="http://schemas.openxmlformats.org/drawingml/2006/main" xmlns:r="http://schemas.openxmlformats.org/officeDocument/2006/relationships" xmlns:p="http://schemas.openxmlformats.org/presentationml/2006/main">
-  <p:cSld>
-    <p:spTree>
-      <p:nvGrpSpPr>
-        <p:cNvPr id="1" name=""/>
-        <p:cNvGrpSpPr/>
-        <p:nvPr/>
-      </p:nvGrpSpPr>
-      <p:grpSpPr>
-        <a:xfrm>
-          <a:off x="0" y="0"/>
-          <a:ext cx="0" cy="0"/>
-          <a:chOff x="0" y="0"/>
-          <a:chExt cx="0" cy="0"/>
-        </a:xfrm>
-      </p:grpSpPr>
-      <p:pic>
-        <p:nvPicPr>
-          <p:cNvPr id="2054" name="Picture 6">
-            <a:extLst>
-              <a:ext uri="{FF2B5EF4-FFF2-40B4-BE49-F238E27FC236}">
-                <a16:creationId xmlns:a16="http://schemas.microsoft.com/office/drawing/2014/main" id="{3E1E651E-3BA3-0D7D-1999-D17F6CE0E2CC}"/>
-              </a:ext>
-            </a:extLst>
-          </p:cNvPr>
-          <p:cNvPicPr>
-            <a:picLocks noChangeAspect="1" noChangeArrowheads="1"/>
-          </p:cNvPicPr>
-          <p:nvPr/>
-        </p:nvPicPr>
-        <p:blipFill rotWithShape="1">
-          <a:blip r:embed="rId2">
-            <a:extLst>
-              <a:ext uri="{28A0092B-C50C-407E-A947-70E740481C1C}">
-                <a14:useLocalDpi xmlns:a14="http://schemas.microsoft.com/office/drawing/2010/main" val="0"/>
-              </a:ext>
-            </a:extLst>
-          </a:blip>
-          <a:srcRect l="50952" t="10684"/>
-          <a:stretch/>
-        </p:blipFill>
-        <p:spPr bwMode="auto">
-          <a:xfrm>
-            <a:off x="147265" y="1741785"/>
-            <a:ext cx="2563133" cy="2167033"/>
-          </a:xfrm>
-          <a:prstGeom prst="rect">
-            <a:avLst/>
-          </a:prstGeom>
-          <a:noFill/>
-          <a:extLst>
-            <a:ext uri="{909E8E84-426E-40DD-AFC4-6F175D3DCCD1}">
-              <a14:hiddenFill xmlns:a14="http://schemas.microsoft.com/office/drawing/2010/main">
-                <a:solidFill>
-                  <a:srgbClr val="FFFFFF"/>
-                </a:solidFill>
-              </a14:hiddenFill>
-            </a:ext>
-          </a:extLst>
-        </p:spPr>
-      </p:pic>
-      <p:sp>
-        <p:nvSpPr>
-          <p:cNvPr id="2" name="Title 1">
-            <a:extLst>
-              <a:ext uri="{FF2B5EF4-FFF2-40B4-BE49-F238E27FC236}">
-                <a16:creationId xmlns:a16="http://schemas.microsoft.com/office/drawing/2014/main" id="{4041FD49-51CB-4608-A3ED-30B7E304CBD6}"/>
-              </a:ext>
-            </a:extLst>
-          </p:cNvPr>
-          <p:cNvSpPr>
-            <a:spLocks noGrp="1"/>
-          </p:cNvSpPr>
-          <p:nvPr>
-            <p:ph type="title"/>
-          </p:nvPr>
-        </p:nvSpPr>
-        <p:spPr/>
-        <p:txBody>
-          <a:bodyPr>
-            <a:normAutofit/>
-          </a:bodyPr>
-          <a:lstStyle/>
-          <a:p>
-            <a:r>
-              <a:rPr lang="en-US" dirty="0"/>
-              <a:t>Sidechain only    </a:t>
-            </a:r>
-            <a:r>
-              <a:rPr lang="en-US" sz="2400" dirty="0"/>
-              <a:t>(Continuous Gaussian Chain)</a:t>
-            </a:r>
-            <a:endParaRPr lang="en-US" dirty="0"/>
-          </a:p>
-        </p:txBody>
-      </p:sp>
-      <p:sp>
-        <p:nvSpPr>
-          <p:cNvPr id="3" name="Slide Number Placeholder 2">
-            <a:extLst>
-              <a:ext uri="{FF2B5EF4-FFF2-40B4-BE49-F238E27FC236}">
-                <a16:creationId xmlns:a16="http://schemas.microsoft.com/office/drawing/2014/main" id="{0D80111F-C31C-4236-B41A-2BA68657A3E1}"/>
-              </a:ext>
-            </a:extLst>
-          </p:cNvPr>
-          <p:cNvSpPr>
-            <a:spLocks noGrp="1"/>
-          </p:cNvSpPr>
-          <p:nvPr>
-            <p:ph type="sldNum" sz="quarter" idx="12"/>
-          </p:nvPr>
-        </p:nvSpPr>
-        <p:spPr/>
-        <p:txBody>
-          <a:bodyPr/>
-          <a:lstStyle/>
-          <a:p>
-            <a:fld id="{5911C0E6-D9CE-431C-92CB-BB39B872F930}" type="slidenum">
-              <a:rPr lang="en-US" smtClean="0"/>
-              <a:t>8</a:t>
-            </a:fld>
-            <a:endParaRPr lang="en-US"/>
-          </a:p>
-        </p:txBody>
-      </p:sp>
-      <p:sp>
-        <p:nvSpPr>
-          <p:cNvPr id="6" name="TextBox 5">
-            <a:extLst>
-              <a:ext uri="{FF2B5EF4-FFF2-40B4-BE49-F238E27FC236}">
-                <a16:creationId xmlns:a16="http://schemas.microsoft.com/office/drawing/2014/main" id="{B44CD19D-D4BC-EABE-4DBB-8BD723B2ECE7}"/>
-              </a:ext>
-            </a:extLst>
-          </p:cNvPr>
-          <p:cNvSpPr txBox="1"/>
-          <p:nvPr/>
-        </p:nvSpPr>
-        <p:spPr>
-          <a:xfrm>
-            <a:off x="2034077" y="1265288"/>
-            <a:ext cx="1625600" cy="369332"/>
-          </a:xfrm>
-          <a:prstGeom prst="rect">
-            <a:avLst/>
-          </a:prstGeom>
-          <a:noFill/>
-        </p:spPr>
-        <p:txBody>
-          <a:bodyPr wrap="square" rtlCol="0">
-            <a:spAutoFit/>
-          </a:bodyPr>
-          <a:lstStyle/>
-          <a:p>
-            <a:pPr algn="ctr"/>
-            <a:r>
-              <a:rPr lang="en-US" dirty="0"/>
-              <a:t>0.100 M</a:t>
-            </a:r>
-          </a:p>
-        </p:txBody>
-      </p:sp>
-      <p:sp>
-        <p:nvSpPr>
-          <p:cNvPr id="8" name="TextBox 7">
-            <a:extLst>
-              <a:ext uri="{FF2B5EF4-FFF2-40B4-BE49-F238E27FC236}">
-                <a16:creationId xmlns:a16="http://schemas.microsoft.com/office/drawing/2014/main" id="{7EFDBFF7-5F91-79C6-D4F1-4EF337CB565F}"/>
-              </a:ext>
-            </a:extLst>
-          </p:cNvPr>
-          <p:cNvSpPr txBox="1"/>
-          <p:nvPr/>
-        </p:nvSpPr>
-        <p:spPr>
-          <a:xfrm>
-            <a:off x="5960533" y="1252109"/>
-            <a:ext cx="5918200" cy="5355312"/>
-          </a:xfrm>
-          <a:prstGeom prst="rect">
-            <a:avLst/>
-          </a:prstGeom>
-          <a:noFill/>
-        </p:spPr>
-        <p:txBody>
-          <a:bodyPr wrap="square" rtlCol="0">
-            <a:spAutoFit/>
-          </a:bodyPr>
-          <a:lstStyle/>
-          <a:p>
-            <a:pPr marL="285750" indent="-285750">
-              <a:spcAft>
-                <a:spcPts val="1200"/>
-              </a:spcAft>
-              <a:buFont typeface="Arial" panose="020B0604020202020204" pitchFamily="34" charset="0"/>
-              <a:buChar char="•"/>
-            </a:pPr>
-            <a:r>
-              <a:rPr lang="en-US" sz="1600" dirty="0"/>
-              <a:t>In CV data, reaction goes to completion by 0.5 V (vs. RHE) </a:t>
-            </a:r>
-          </a:p>
-          <a:p>
-            <a:pPr marL="742950" lvl="1" indent="-285750">
-              <a:spcAft>
-                <a:spcPts val="1200"/>
-              </a:spcAft>
-              <a:buFont typeface="Arial" panose="020B0604020202020204" pitchFamily="34" charset="0"/>
-              <a:buChar char="•"/>
-            </a:pPr>
-            <a:r>
-              <a:rPr lang="en-US" sz="1600" dirty="0"/>
-              <a:t>Surface charge (metal) ~10 </a:t>
-            </a:r>
-            <a:r>
-              <a:rPr lang="en-US" sz="1600" dirty="0" err="1"/>
-              <a:t>uC</a:t>
-            </a:r>
-            <a:r>
-              <a:rPr lang="en-US" sz="1600" dirty="0"/>
-              <a:t>/cm</a:t>
-            </a:r>
-            <a:r>
-              <a:rPr lang="en-US" sz="1600" baseline="30000" dirty="0"/>
-              <a:t>2</a:t>
-            </a:r>
-            <a:r>
-              <a:rPr lang="en-US" sz="1600" dirty="0"/>
-              <a:t> according to Saha &amp; </a:t>
-            </a:r>
-            <a:r>
-              <a:rPr lang="en-US" sz="1600" dirty="0" err="1"/>
-              <a:t>Zenyuk</a:t>
-            </a:r>
-            <a:r>
-              <a:rPr lang="en-US" sz="1600" dirty="0"/>
-              <a:t>. </a:t>
-            </a:r>
-            <a:r>
-              <a:rPr lang="en-US" sz="1600" i="1" dirty="0"/>
-              <a:t>JPCC</a:t>
-            </a:r>
-            <a:r>
-              <a:rPr lang="en-US" sz="1600" dirty="0"/>
-              <a:t>. 2021.</a:t>
-            </a:r>
-          </a:p>
-          <a:p>
-            <a:pPr marL="285750" indent="-285750">
-              <a:spcAft>
-                <a:spcPts val="1200"/>
-              </a:spcAft>
-              <a:buFont typeface="Arial" panose="020B0604020202020204" pitchFamily="34" charset="0"/>
-              <a:buChar char="•"/>
-            </a:pPr>
-            <a:r>
-              <a:rPr lang="en-US" sz="1600" dirty="0"/>
-              <a:t>(Top) SCFT free energies as a function of D. </a:t>
-            </a:r>
-          </a:p>
-          <a:p>
-            <a:pPr marL="742950" lvl="1" indent="-285750">
-              <a:spcAft>
-                <a:spcPts val="1200"/>
-              </a:spcAft>
-              <a:buFont typeface="Arial" panose="020B0604020202020204" pitchFamily="34" charset="0"/>
-              <a:buChar char="•"/>
-            </a:pPr>
-            <a:r>
-              <a:rPr lang="en-US" sz="1600" dirty="0"/>
-              <a:t>(Top right) Free energies for 1—10 </a:t>
-            </a:r>
-            <a:r>
-              <a:rPr lang="en-US" sz="1600" dirty="0" err="1"/>
-              <a:t>uC</a:t>
-            </a:r>
-            <a:r>
-              <a:rPr lang="en-US" sz="1600" dirty="0"/>
-              <a:t>/cm</a:t>
-            </a:r>
-            <a:r>
-              <a:rPr lang="en-US" sz="1600" baseline="30000" dirty="0"/>
-              <a:t>2</a:t>
-            </a:r>
-            <a:r>
-              <a:rPr lang="en-US" sz="1600" dirty="0"/>
-              <a:t> colored. Small D is favorable at low charges, becomes unfavorable as surface charge reaches ~7 </a:t>
-            </a:r>
-            <a:r>
-              <a:rPr lang="en-US" sz="1600" dirty="0" err="1"/>
-              <a:t>uC</a:t>
-            </a:r>
-            <a:r>
-              <a:rPr lang="en-US" sz="1600" dirty="0"/>
-              <a:t>/cm</a:t>
-            </a:r>
-            <a:r>
-              <a:rPr lang="en-US" sz="1600" baseline="30000" dirty="0"/>
-              <a:t>2</a:t>
-            </a:r>
-          </a:p>
-          <a:p>
-            <a:pPr marL="285750" indent="-285750">
-              <a:spcAft>
-                <a:spcPts val="1200"/>
-              </a:spcAft>
-              <a:buFont typeface="Arial" panose="020B0604020202020204" pitchFamily="34" charset="0"/>
-              <a:buChar char="•"/>
-            </a:pPr>
-            <a:r>
-              <a:rPr lang="en-US" sz="1600" dirty="0"/>
-              <a:t>(Bottom right) Normalized contributions to free energy for 1—10 </a:t>
-            </a:r>
-            <a:r>
-              <a:rPr lang="en-US" sz="1600" dirty="0" err="1"/>
-              <a:t>uC</a:t>
-            </a:r>
-            <a:r>
-              <a:rPr lang="en-US" sz="1600" dirty="0"/>
-              <a:t>/cm</a:t>
-            </a:r>
-            <a:r>
-              <a:rPr lang="en-US" sz="1600" baseline="30000" dirty="0"/>
-              <a:t>2</a:t>
-            </a:r>
-            <a:r>
-              <a:rPr lang="en-US" sz="1600" dirty="0"/>
-              <a:t>. Contributions that equal 1 at D = 2.0 are the dominant interactions.</a:t>
-            </a:r>
-          </a:p>
-          <a:p>
-            <a:pPr marL="742950" lvl="1" indent="-285750">
-              <a:spcAft>
-                <a:spcPts val="1200"/>
-              </a:spcAft>
-              <a:buFont typeface="Arial" panose="020B0604020202020204" pitchFamily="34" charset="0"/>
-              <a:buChar char="•"/>
-            </a:pPr>
-            <a:r>
-              <a:rPr lang="en-US" sz="1600" dirty="0"/>
-              <a:t>U: Hydrophobicity; W+S: Elastic/Polymer; Electrostatic</a:t>
-            </a:r>
-          </a:p>
-          <a:p>
-            <a:pPr marL="742950" lvl="1" indent="-285750">
-              <a:spcAft>
-                <a:spcPts val="1200"/>
-              </a:spcAft>
-              <a:buFont typeface="Arial" panose="020B0604020202020204" pitchFamily="34" charset="0"/>
-              <a:buChar char="•"/>
-            </a:pPr>
-            <a:r>
-              <a:rPr lang="en-US" sz="1600" dirty="0"/>
-              <a:t>For &lt; 10 </a:t>
-            </a:r>
-            <a:r>
-              <a:rPr lang="en-US" sz="1600" dirty="0" err="1"/>
-              <a:t>uC</a:t>
-            </a:r>
-            <a:r>
-              <a:rPr lang="en-US" sz="1600" dirty="0"/>
-              <a:t>/cm</a:t>
-            </a:r>
-            <a:r>
-              <a:rPr lang="en-US" sz="1600" baseline="30000" dirty="0"/>
-              <a:t>2</a:t>
-            </a:r>
-            <a:r>
-              <a:rPr lang="en-US" sz="1600" dirty="0"/>
-              <a:t>, electrostatic interactions outweigh elastic penalties and lower D is favorable. At 10 </a:t>
-            </a:r>
-            <a:r>
-              <a:rPr lang="en-US" sz="1600" dirty="0" err="1"/>
-              <a:t>uC</a:t>
-            </a:r>
-            <a:r>
-              <a:rPr lang="en-US" sz="1600" dirty="0"/>
-              <a:t>/cm</a:t>
-            </a:r>
-            <a:r>
-              <a:rPr lang="en-US" sz="1600" baseline="30000" dirty="0"/>
-              <a:t>2</a:t>
-            </a:r>
-            <a:r>
-              <a:rPr lang="en-US" sz="1600" dirty="0"/>
-              <a:t>, elastic penalties become dominant and higher D is favorable.</a:t>
-            </a:r>
-          </a:p>
-          <a:p>
-            <a:pPr marL="742950" lvl="1" indent="-285750">
-              <a:spcAft>
-                <a:spcPts val="1200"/>
-              </a:spcAft>
-              <a:buFont typeface="Arial" panose="020B0604020202020204" pitchFamily="34" charset="0"/>
-              <a:buChar char="•"/>
-            </a:pPr>
-            <a:r>
-              <a:rPr lang="en-US" sz="1600" dirty="0"/>
-              <a:t>Takeaway: competition between elastic stretching of sidearms and electrostatic attraction balances at 7 </a:t>
-            </a:r>
-            <a:r>
-              <a:rPr lang="en-US" sz="1600" dirty="0" err="1"/>
-              <a:t>uC</a:t>
-            </a:r>
-            <a:r>
-              <a:rPr lang="en-US" sz="1600" dirty="0"/>
-              <a:t>/cm</a:t>
-            </a:r>
-            <a:r>
-              <a:rPr lang="en-US" sz="1600" baseline="30000" dirty="0"/>
-              <a:t>2</a:t>
-            </a:r>
-            <a:r>
-              <a:rPr lang="en-US" sz="1600" dirty="0"/>
-              <a:t> (very roughly 0.5 V)</a:t>
-            </a:r>
-          </a:p>
-        </p:txBody>
-      </p:sp>
-      <p:cxnSp>
-        <p:nvCxnSpPr>
-          <p:cNvPr id="5" name="Straight Arrow Connector 4">
-            <a:extLst>
-              <a:ext uri="{FF2B5EF4-FFF2-40B4-BE49-F238E27FC236}">
-                <a16:creationId xmlns:a16="http://schemas.microsoft.com/office/drawing/2014/main" id="{0609E4A2-C662-A860-0ED2-969666D65595}"/>
-              </a:ext>
-            </a:extLst>
-          </p:cNvPr>
-          <p:cNvCxnSpPr>
-            <a:cxnSpLocks/>
-          </p:cNvCxnSpPr>
-          <p:nvPr/>
-        </p:nvCxnSpPr>
-        <p:spPr>
-          <a:xfrm flipV="1">
-            <a:off x="817208" y="2628106"/>
-            <a:ext cx="469725" cy="592129"/>
-          </a:xfrm>
-          <a:prstGeom prst="straightConnector1">
-            <a:avLst/>
-          </a:prstGeom>
-          <a:ln w="12700">
-            <a:solidFill>
-              <a:schemeClr val="tx1"/>
-            </a:solidFill>
-            <a:tailEnd type="triangle"/>
-          </a:ln>
-        </p:spPr>
-        <p:style>
-          <a:lnRef idx="1">
-            <a:schemeClr val="accent1"/>
-          </a:lnRef>
-          <a:fillRef idx="0">
-            <a:schemeClr val="accent1"/>
-          </a:fillRef>
-          <a:effectRef idx="0">
-            <a:schemeClr val="accent1"/>
-          </a:effectRef>
-          <a:fontRef idx="minor">
-            <a:schemeClr val="tx1"/>
-          </a:fontRef>
-        </p:style>
-      </p:cxnSp>
-      <p:pic>
-        <p:nvPicPr>
-          <p:cNvPr id="7" name="Picture 6">
-            <a:extLst>
-              <a:ext uri="{FF2B5EF4-FFF2-40B4-BE49-F238E27FC236}">
-                <a16:creationId xmlns:a16="http://schemas.microsoft.com/office/drawing/2014/main" id="{269111BB-B02A-B2A7-0A90-AA2E0709EA5F}"/>
-              </a:ext>
-            </a:extLst>
-          </p:cNvPr>
-          <p:cNvPicPr>
-            <a:picLocks noChangeAspect="1"/>
-          </p:cNvPicPr>
-          <p:nvPr/>
-        </p:nvPicPr>
-        <p:blipFill>
-          <a:blip r:embed="rId3"/>
-          <a:stretch>
-            <a:fillRect/>
-          </a:stretch>
-        </p:blipFill>
-        <p:spPr>
-          <a:xfrm>
-            <a:off x="1359755" y="2510489"/>
-            <a:ext cx="186227" cy="117617"/>
-          </a:xfrm>
-          <a:prstGeom prst="rect">
-            <a:avLst/>
-          </a:prstGeom>
-        </p:spPr>
-      </p:pic>
-      <p:pic>
-        <p:nvPicPr>
-          <p:cNvPr id="2060" name="Picture 12">
-            <a:extLst>
-              <a:ext uri="{FF2B5EF4-FFF2-40B4-BE49-F238E27FC236}">
-                <a16:creationId xmlns:a16="http://schemas.microsoft.com/office/drawing/2014/main" id="{452A0448-CA0E-3717-9DB6-5DE4D9499E86}"/>
-              </a:ext>
-            </a:extLst>
-          </p:cNvPr>
-          <p:cNvPicPr>
-            <a:picLocks noChangeAspect="1" noChangeArrowheads="1"/>
-          </p:cNvPicPr>
-          <p:nvPr/>
-        </p:nvPicPr>
-        <p:blipFill>
-          <a:blip r:embed="rId4">
-            <a:extLst>
-              <a:ext uri="{28A0092B-C50C-407E-A947-70E740481C1C}">
-                <a14:useLocalDpi xmlns:a14="http://schemas.microsoft.com/office/drawing/2010/main" val="0"/>
-              </a:ext>
-            </a:extLst>
-          </a:blip>
-          <a:srcRect/>
-          <a:stretch>
-            <a:fillRect/>
-          </a:stretch>
-        </p:blipFill>
-        <p:spPr bwMode="auto">
-          <a:xfrm>
-            <a:off x="2709385" y="1685420"/>
-            <a:ext cx="2853215" cy="2234165"/>
-          </a:xfrm>
-          <a:prstGeom prst="rect">
-            <a:avLst/>
-          </a:prstGeom>
-          <a:noFill/>
-          <a:extLst>
-            <a:ext uri="{909E8E84-426E-40DD-AFC4-6F175D3DCCD1}">
-              <a14:hiddenFill xmlns:a14="http://schemas.microsoft.com/office/drawing/2010/main">
-                <a:solidFill>
-                  <a:srgbClr val="FFFFFF"/>
-                </a:solidFill>
-              </a14:hiddenFill>
-            </a:ext>
-          </a:extLst>
-        </p:spPr>
-      </p:pic>
-      <p:pic>
-        <p:nvPicPr>
-          <p:cNvPr id="2064" name="Picture 16">
-            <a:extLst>
-              <a:ext uri="{FF2B5EF4-FFF2-40B4-BE49-F238E27FC236}">
-                <a16:creationId xmlns:a16="http://schemas.microsoft.com/office/drawing/2014/main" id="{2A8E24F7-B5EA-8404-3398-4F0936DEF97E}"/>
-              </a:ext>
-            </a:extLst>
-          </p:cNvPr>
-          <p:cNvPicPr>
-            <a:picLocks noChangeAspect="1" noChangeArrowheads="1"/>
-          </p:cNvPicPr>
-          <p:nvPr/>
-        </p:nvPicPr>
-        <p:blipFill>
-          <a:blip r:embed="rId5">
-            <a:extLst>
-              <a:ext uri="{28A0092B-C50C-407E-A947-70E740481C1C}">
-                <a14:useLocalDpi xmlns:a14="http://schemas.microsoft.com/office/drawing/2010/main" val="0"/>
-              </a:ext>
-            </a:extLst>
-          </a:blip>
-          <a:srcRect/>
-          <a:stretch>
-            <a:fillRect/>
-          </a:stretch>
-        </p:blipFill>
-        <p:spPr bwMode="auto">
-          <a:xfrm>
-            <a:off x="220189" y="4002396"/>
-            <a:ext cx="5253375" cy="2340367"/>
-          </a:xfrm>
-          <a:prstGeom prst="rect">
-            <a:avLst/>
-          </a:prstGeom>
-          <a:noFill/>
-          <a:extLst>
-            <a:ext uri="{909E8E84-426E-40DD-AFC4-6F175D3DCCD1}">
-              <a14:hiddenFill xmlns:a14="http://schemas.microsoft.com/office/drawing/2010/main">
-                <a:solidFill>
-                  <a:srgbClr val="FFFFFF"/>
-                </a:solidFill>
-              </a14:hiddenFill>
-            </a:ext>
-          </a:extLst>
-        </p:spPr>
-      </p:pic>
-      <p:cxnSp>
-        <p:nvCxnSpPr>
-          <p:cNvPr id="4" name="Straight Arrow Connector 3">
-            <a:extLst>
-              <a:ext uri="{FF2B5EF4-FFF2-40B4-BE49-F238E27FC236}">
-                <a16:creationId xmlns:a16="http://schemas.microsoft.com/office/drawing/2014/main" id="{56245EA5-6F5D-6DE8-41E3-7F1BFBFA4E31}"/>
-              </a:ext>
-            </a:extLst>
-          </p:cNvPr>
-          <p:cNvCxnSpPr>
-            <a:cxnSpLocks/>
-          </p:cNvCxnSpPr>
-          <p:nvPr/>
-        </p:nvCxnSpPr>
-        <p:spPr>
-          <a:xfrm flipH="1">
-            <a:off x="2641600" y="3552298"/>
-            <a:ext cx="299513" cy="423633"/>
-          </a:xfrm>
-          <a:prstGeom prst="straightConnector1">
-            <a:avLst/>
-          </a:prstGeom>
-          <a:ln w="12700">
-            <a:solidFill>
-              <a:schemeClr val="tx1"/>
-            </a:solidFill>
-            <a:tailEnd type="triangle"/>
-          </a:ln>
-        </p:spPr>
-        <p:style>
-          <a:lnRef idx="1">
-            <a:schemeClr val="accent1"/>
-          </a:lnRef>
-          <a:fillRef idx="0">
-            <a:schemeClr val="accent1"/>
-          </a:fillRef>
-          <a:effectRef idx="0">
-            <a:schemeClr val="accent1"/>
-          </a:effectRef>
-          <a:fontRef idx="minor">
-            <a:schemeClr val="tx1"/>
-          </a:fontRef>
-        </p:style>
-      </p:cxnSp>
-      <p:sp>
-        <p:nvSpPr>
-          <p:cNvPr id="11" name="Rectangle 10">
-            <a:extLst>
-              <a:ext uri="{FF2B5EF4-FFF2-40B4-BE49-F238E27FC236}">
-                <a16:creationId xmlns:a16="http://schemas.microsoft.com/office/drawing/2014/main" id="{E7A378AA-3B9A-ED9B-82D9-A207EAFDA209}"/>
-              </a:ext>
-            </a:extLst>
-          </p:cNvPr>
-          <p:cNvSpPr/>
-          <p:nvPr/>
-        </p:nvSpPr>
-        <p:spPr>
-          <a:xfrm>
-            <a:off x="2941113" y="2673842"/>
-            <a:ext cx="878456" cy="878456"/>
-          </a:xfrm>
-          <a:prstGeom prst="rect">
-            <a:avLst/>
-          </a:prstGeom>
-          <a:noFill/>
-          <a:ln w="28575">
-            <a:solidFill>
-              <a:schemeClr val="tx1"/>
-            </a:solidFill>
-          </a:ln>
-        </p:spPr>
-        <p:style>
-          <a:lnRef idx="2">
-            <a:schemeClr val="accent1">
-              <a:shade val="15000"/>
-            </a:schemeClr>
-          </a:lnRef>
-          <a:fillRef idx="1">
-            <a:schemeClr val="accent1"/>
-          </a:fillRef>
-          <a:effectRef idx="0">
-            <a:schemeClr val="accent1"/>
-          </a:effectRef>
-          <a:fontRef idx="minor">
-            <a:schemeClr val="lt1"/>
-          </a:fontRef>
-        </p:style>
-        <p:txBody>
-          <a:bodyPr rtlCol="0" anchor="ctr"/>
-          <a:lstStyle/>
-          <a:p>
-            <a:pPr algn="ctr"/>
-            <a:endParaRPr lang="en-US"/>
-          </a:p>
-        </p:txBody>
-      </p:sp>
-    </p:spTree>
-    <p:extLst>
-      <p:ext uri="{BB962C8B-B14F-4D97-AF65-F5344CB8AC3E}">
-        <p14:creationId xmlns:p14="http://schemas.microsoft.com/office/powerpoint/2010/main" val="2878993254"/>
       </p:ext>
     </p:extLst>
   </p:cSld>

--- a/20240722 NAF Intro.pptx
+++ b/20240722 NAF Intro.pptx
@@ -3979,46 +3979,6 @@
       </p:sp>
       <p:sp>
         <p:nvSpPr>
-          <p:cNvPr id="3" name="Content Placeholder 2">
-            <a:extLst>
-              <a:ext uri="{FF2B5EF4-FFF2-40B4-BE49-F238E27FC236}">
-                <a16:creationId xmlns:a16="http://schemas.microsoft.com/office/drawing/2014/main" id="{53B7D9A4-BB5A-5444-77E0-99CDE035C2D3}"/>
-              </a:ext>
-            </a:extLst>
-          </p:cNvPr>
-          <p:cNvSpPr>
-            <a:spLocks noGrp="1"/>
-          </p:cNvSpPr>
-          <p:nvPr>
-            <p:ph idx="1"/>
-          </p:nvPr>
-        </p:nvSpPr>
-        <p:spPr/>
-        <p:txBody>
-          <a:bodyPr/>
-          <a:lstStyle/>
-          <a:p>
-            <a:r>
-              <a:rPr lang="en-US" dirty="0"/>
-              <a:t>Elasticity – polymer chains are formed by a series of connected monomers</a:t>
-            </a:r>
-          </a:p>
-          <a:p>
-            <a:r>
-              <a:rPr lang="en-US" dirty="0"/>
-              <a:t>Hydrophobicity – van der Waals interactions between monomers and solvent</a:t>
-            </a:r>
-          </a:p>
-          <a:p>
-            <a:r>
-              <a:rPr lang="en-US" dirty="0"/>
-              <a:t>Electrostatics – charged monomeric groups and dissolved salt ions</a:t>
-            </a:r>
-          </a:p>
-        </p:txBody>
-      </p:sp>
-      <p:sp>
-        <p:nvSpPr>
           <p:cNvPr id="4" name="Slide Number Placeholder 3">
             <a:extLst>
               <a:ext uri="{FF2B5EF4-FFF2-40B4-BE49-F238E27FC236}">
@@ -4043,6 +4003,2670 @@
               <a:t>3</a:t>
             </a:fld>
             <a:endParaRPr lang="en-US"/>
+          </a:p>
+        </p:txBody>
+      </p:sp>
+      <p:sp>
+        <p:nvSpPr>
+          <p:cNvPr id="17" name="TextBox 16">
+            <a:extLst>
+              <a:ext uri="{FF2B5EF4-FFF2-40B4-BE49-F238E27FC236}">
+                <a16:creationId xmlns:a16="http://schemas.microsoft.com/office/drawing/2014/main" id="{78E85959-1280-DD0B-1B71-DE95399BFF74}"/>
+              </a:ext>
+            </a:extLst>
+          </p:cNvPr>
+          <p:cNvSpPr txBox="1"/>
+          <p:nvPr/>
+        </p:nvSpPr>
+        <p:spPr>
+          <a:xfrm>
+            <a:off x="888388" y="2123448"/>
+            <a:ext cx="9598153" cy="400110"/>
+          </a:xfrm>
+          <a:prstGeom prst="rect">
+            <a:avLst/>
+          </a:prstGeom>
+          <a:noFill/>
+        </p:spPr>
+        <p:txBody>
+          <a:bodyPr wrap="square">
+            <a:spAutoFit/>
+          </a:bodyPr>
+          <a:lstStyle/>
+          <a:p>
+            <a:pPr marL="285750" indent="-285750">
+              <a:buFont typeface="Arial" panose="020B0604020202020204" pitchFamily="34" charset="0"/>
+              <a:buChar char="•"/>
+            </a:pPr>
+            <a:r>
+              <a:rPr lang="en-US" sz="2000" dirty="0">
+                <a:latin typeface="Lucida grande" panose="020B0502040204020203"/>
+              </a:rPr>
+              <a:t>Electrostatics (repulsion) – charged monomeric groups and dissolved salt ions</a:t>
+            </a:r>
+          </a:p>
+        </p:txBody>
+      </p:sp>
+      <p:sp>
+        <p:nvSpPr>
+          <p:cNvPr id="19" name="TextBox 18">
+            <a:extLst>
+              <a:ext uri="{FF2B5EF4-FFF2-40B4-BE49-F238E27FC236}">
+                <a16:creationId xmlns:a16="http://schemas.microsoft.com/office/drawing/2014/main" id="{49A8F89A-ED00-9A66-BB32-CF4C5AEF305B}"/>
+              </a:ext>
+            </a:extLst>
+          </p:cNvPr>
+          <p:cNvSpPr txBox="1"/>
+          <p:nvPr/>
+        </p:nvSpPr>
+        <p:spPr>
+          <a:xfrm>
+            <a:off x="888389" y="1153741"/>
+            <a:ext cx="9762385" cy="400110"/>
+          </a:xfrm>
+          <a:prstGeom prst="rect">
+            <a:avLst/>
+          </a:prstGeom>
+          <a:noFill/>
+        </p:spPr>
+        <p:txBody>
+          <a:bodyPr wrap="square">
+            <a:spAutoFit/>
+          </a:bodyPr>
+          <a:lstStyle/>
+          <a:p>
+            <a:pPr marL="285750" indent="-285750">
+              <a:buFont typeface="Arial" panose="020B0604020202020204" pitchFamily="34" charset="0"/>
+              <a:buChar char="•"/>
+            </a:pPr>
+            <a:r>
+              <a:rPr lang="en-US" sz="2000" dirty="0">
+                <a:latin typeface="Lucida grande" panose="020B0502040204020203"/>
+              </a:rPr>
+              <a:t>Elasticity – polymer chains are formed by a series of connected monomers</a:t>
+            </a:r>
+          </a:p>
+        </p:txBody>
+      </p:sp>
+      <p:sp>
+        <p:nvSpPr>
+          <p:cNvPr id="21" name="TextBox 20">
+            <a:extLst>
+              <a:ext uri="{FF2B5EF4-FFF2-40B4-BE49-F238E27FC236}">
+                <a16:creationId xmlns:a16="http://schemas.microsoft.com/office/drawing/2014/main" id="{732F2E3C-5B3A-3AB9-4DD0-E833FA42EA46}"/>
+              </a:ext>
+            </a:extLst>
+          </p:cNvPr>
+          <p:cNvSpPr txBox="1"/>
+          <p:nvPr/>
+        </p:nvSpPr>
+        <p:spPr>
+          <a:xfrm>
+            <a:off x="888388" y="1625158"/>
+            <a:ext cx="10716172" cy="400110"/>
+          </a:xfrm>
+          <a:prstGeom prst="rect">
+            <a:avLst/>
+          </a:prstGeom>
+          <a:noFill/>
+        </p:spPr>
+        <p:txBody>
+          <a:bodyPr wrap="square">
+            <a:spAutoFit/>
+          </a:bodyPr>
+          <a:lstStyle/>
+          <a:p>
+            <a:pPr marL="285750" indent="-285750">
+              <a:buFont typeface="Arial" panose="020B0604020202020204" pitchFamily="34" charset="0"/>
+              <a:buChar char="•"/>
+            </a:pPr>
+            <a:r>
+              <a:rPr lang="en-US" sz="2000" dirty="0">
+                <a:latin typeface="Lucida grande" panose="020B0502040204020203"/>
+              </a:rPr>
+              <a:t>Hydrophobicity (attraction) – van der Waals interactions between monomers and solvent</a:t>
+            </a:r>
+          </a:p>
+        </p:txBody>
+      </p:sp>
+      <p:grpSp>
+        <p:nvGrpSpPr>
+          <p:cNvPr id="82" name="Group 81">
+            <a:extLst>
+              <a:ext uri="{FF2B5EF4-FFF2-40B4-BE49-F238E27FC236}">
+                <a16:creationId xmlns:a16="http://schemas.microsoft.com/office/drawing/2014/main" id="{2D459CE5-BC65-C666-2A63-8C888F350D31}"/>
+              </a:ext>
+            </a:extLst>
+          </p:cNvPr>
+          <p:cNvGrpSpPr/>
+          <p:nvPr/>
+        </p:nvGrpSpPr>
+        <p:grpSpPr>
+          <a:xfrm>
+            <a:off x="2974030" y="2801724"/>
+            <a:ext cx="3580411" cy="2324830"/>
+            <a:chOff x="3899213" y="3905717"/>
+            <a:chExt cx="3580411" cy="2324830"/>
+          </a:xfrm>
+        </p:grpSpPr>
+        <p:grpSp>
+          <p:nvGrpSpPr>
+            <p:cNvPr id="13" name="Group 12">
+              <a:extLst>
+                <a:ext uri="{FF2B5EF4-FFF2-40B4-BE49-F238E27FC236}">
+                  <a16:creationId xmlns:a16="http://schemas.microsoft.com/office/drawing/2014/main" id="{16677C4C-7400-1F6B-9F1C-C83A550AEE5A}"/>
+                </a:ext>
+              </a:extLst>
+            </p:cNvPr>
+            <p:cNvGrpSpPr/>
+            <p:nvPr/>
+          </p:nvGrpSpPr>
+          <p:grpSpPr>
+            <a:xfrm rot="2166680">
+              <a:off x="5244055" y="4179760"/>
+              <a:ext cx="855938" cy="1999940"/>
+              <a:chOff x="10128639" y="1461371"/>
+              <a:chExt cx="855938" cy="1999940"/>
+            </a:xfrm>
+          </p:grpSpPr>
+          <p:sp>
+            <p:nvSpPr>
+              <p:cNvPr id="10" name="Freeform: Shape 9">
+                <a:extLst>
+                  <a:ext uri="{FF2B5EF4-FFF2-40B4-BE49-F238E27FC236}">
+                    <a16:creationId xmlns:a16="http://schemas.microsoft.com/office/drawing/2014/main" id="{A2E7429E-6D6A-2674-A811-911A613AB544}"/>
+                  </a:ext>
+                </a:extLst>
+              </p:cNvPr>
+              <p:cNvSpPr/>
+              <p:nvPr/>
+            </p:nvSpPr>
+            <p:spPr>
+              <a:xfrm rot="1846016">
+                <a:off x="10305259" y="2060580"/>
+                <a:ext cx="679318" cy="347439"/>
+              </a:xfrm>
+              <a:custGeom>
+                <a:avLst/>
+                <a:gdLst>
+                  <a:gd name="connsiteX0" fmla="*/ 0 w 1331251"/>
+                  <a:gd name="connsiteY0" fmla="*/ 305030 h 347439"/>
+                  <a:gd name="connsiteX1" fmla="*/ 626533 w 1331251"/>
+                  <a:gd name="connsiteY1" fmla="*/ 230 h 347439"/>
+                  <a:gd name="connsiteX2" fmla="*/ 702733 w 1331251"/>
+                  <a:gd name="connsiteY2" fmla="*/ 347364 h 347439"/>
+                  <a:gd name="connsiteX3" fmla="*/ 1261533 w 1331251"/>
+                  <a:gd name="connsiteY3" fmla="*/ 34097 h 347439"/>
+                  <a:gd name="connsiteX4" fmla="*/ 1303866 w 1331251"/>
+                  <a:gd name="connsiteY4" fmla="*/ 321964 h 347439"/>
+                </a:gdLst>
+                <a:ahLst/>
+                <a:cxnLst>
+                  <a:cxn ang="0">
+                    <a:pos x="connsiteX0" y="connsiteY0"/>
+                  </a:cxn>
+                  <a:cxn ang="0">
+                    <a:pos x="connsiteX1" y="connsiteY1"/>
+                  </a:cxn>
+                  <a:cxn ang="0">
+                    <a:pos x="connsiteX2" y="connsiteY2"/>
+                  </a:cxn>
+                  <a:cxn ang="0">
+                    <a:pos x="connsiteX3" y="connsiteY3"/>
+                  </a:cxn>
+                  <a:cxn ang="0">
+                    <a:pos x="connsiteX4" y="connsiteY4"/>
+                  </a:cxn>
+                </a:cxnLst>
+                <a:rect l="l" t="t" r="r" b="b"/>
+                <a:pathLst>
+                  <a:path w="1331251" h="347439">
+                    <a:moveTo>
+                      <a:pt x="0" y="305030"/>
+                    </a:moveTo>
+                    <a:cubicBezTo>
+                      <a:pt x="254705" y="149102"/>
+                      <a:pt x="509411" y="-6826"/>
+                      <a:pt x="626533" y="230"/>
+                    </a:cubicBezTo>
+                    <a:cubicBezTo>
+                      <a:pt x="743655" y="7286"/>
+                      <a:pt x="596900" y="341720"/>
+                      <a:pt x="702733" y="347364"/>
+                    </a:cubicBezTo>
+                    <a:cubicBezTo>
+                      <a:pt x="808566" y="353009"/>
+                      <a:pt x="1161344" y="38330"/>
+                      <a:pt x="1261533" y="34097"/>
+                    </a:cubicBezTo>
+                    <a:cubicBezTo>
+                      <a:pt x="1361722" y="29864"/>
+                      <a:pt x="1332794" y="175914"/>
+                      <a:pt x="1303866" y="321964"/>
+                    </a:cubicBezTo>
+                  </a:path>
+                </a:pathLst>
+              </a:custGeom>
+              <a:noFill/>
+              <a:ln w="28575"/>
+            </p:spPr>
+            <p:style>
+              <a:lnRef idx="2">
+                <a:schemeClr val="accent1">
+                  <a:shade val="15000"/>
+                </a:schemeClr>
+              </a:lnRef>
+              <a:fillRef idx="1">
+                <a:schemeClr val="accent1"/>
+              </a:fillRef>
+              <a:effectRef idx="0">
+                <a:schemeClr val="accent1"/>
+              </a:effectRef>
+              <a:fontRef idx="minor">
+                <a:schemeClr val="lt1"/>
+              </a:fontRef>
+            </p:style>
+            <p:txBody>
+              <a:bodyPr rtlCol="0" anchor="ctr"/>
+              <a:lstStyle/>
+              <a:p>
+                <a:pPr algn="ctr"/>
+                <a:endParaRPr lang="en-US"/>
+              </a:p>
+            </p:txBody>
+          </p:sp>
+          <p:sp>
+            <p:nvSpPr>
+              <p:cNvPr id="11" name="Freeform: Shape 10">
+                <a:extLst>
+                  <a:ext uri="{FF2B5EF4-FFF2-40B4-BE49-F238E27FC236}">
+                    <a16:creationId xmlns:a16="http://schemas.microsoft.com/office/drawing/2014/main" id="{3B4A47E5-BFE6-0E48-1DFF-9DAA4718F0A5}"/>
+                  </a:ext>
+                </a:extLst>
+              </p:cNvPr>
+              <p:cNvSpPr/>
+              <p:nvPr/>
+            </p:nvSpPr>
+            <p:spPr>
+              <a:xfrm rot="18836409" flipV="1">
+                <a:off x="10116444" y="2832927"/>
+                <a:ext cx="967185" cy="289584"/>
+              </a:xfrm>
+              <a:custGeom>
+                <a:avLst/>
+                <a:gdLst>
+                  <a:gd name="connsiteX0" fmla="*/ 0 w 1331251"/>
+                  <a:gd name="connsiteY0" fmla="*/ 305030 h 347439"/>
+                  <a:gd name="connsiteX1" fmla="*/ 626533 w 1331251"/>
+                  <a:gd name="connsiteY1" fmla="*/ 230 h 347439"/>
+                  <a:gd name="connsiteX2" fmla="*/ 702733 w 1331251"/>
+                  <a:gd name="connsiteY2" fmla="*/ 347364 h 347439"/>
+                  <a:gd name="connsiteX3" fmla="*/ 1261533 w 1331251"/>
+                  <a:gd name="connsiteY3" fmla="*/ 34097 h 347439"/>
+                  <a:gd name="connsiteX4" fmla="*/ 1303866 w 1331251"/>
+                  <a:gd name="connsiteY4" fmla="*/ 321964 h 347439"/>
+                </a:gdLst>
+                <a:ahLst/>
+                <a:cxnLst>
+                  <a:cxn ang="0">
+                    <a:pos x="connsiteX0" y="connsiteY0"/>
+                  </a:cxn>
+                  <a:cxn ang="0">
+                    <a:pos x="connsiteX1" y="connsiteY1"/>
+                  </a:cxn>
+                  <a:cxn ang="0">
+                    <a:pos x="connsiteX2" y="connsiteY2"/>
+                  </a:cxn>
+                  <a:cxn ang="0">
+                    <a:pos x="connsiteX3" y="connsiteY3"/>
+                  </a:cxn>
+                  <a:cxn ang="0">
+                    <a:pos x="connsiteX4" y="connsiteY4"/>
+                  </a:cxn>
+                </a:cxnLst>
+                <a:rect l="l" t="t" r="r" b="b"/>
+                <a:pathLst>
+                  <a:path w="1331251" h="347439">
+                    <a:moveTo>
+                      <a:pt x="0" y="305030"/>
+                    </a:moveTo>
+                    <a:cubicBezTo>
+                      <a:pt x="254705" y="149102"/>
+                      <a:pt x="509411" y="-6826"/>
+                      <a:pt x="626533" y="230"/>
+                    </a:cubicBezTo>
+                    <a:cubicBezTo>
+                      <a:pt x="743655" y="7286"/>
+                      <a:pt x="596900" y="341720"/>
+                      <a:pt x="702733" y="347364"/>
+                    </a:cubicBezTo>
+                    <a:cubicBezTo>
+                      <a:pt x="808566" y="353009"/>
+                      <a:pt x="1161344" y="38330"/>
+                      <a:pt x="1261533" y="34097"/>
+                    </a:cubicBezTo>
+                    <a:cubicBezTo>
+                      <a:pt x="1361722" y="29864"/>
+                      <a:pt x="1332794" y="175914"/>
+                      <a:pt x="1303866" y="321964"/>
+                    </a:cubicBezTo>
+                  </a:path>
+                </a:pathLst>
+              </a:custGeom>
+              <a:noFill/>
+              <a:ln w="28575"/>
+            </p:spPr>
+            <p:style>
+              <a:lnRef idx="2">
+                <a:schemeClr val="accent1">
+                  <a:shade val="15000"/>
+                </a:schemeClr>
+              </a:lnRef>
+              <a:fillRef idx="1">
+                <a:schemeClr val="accent1"/>
+              </a:fillRef>
+              <a:effectRef idx="0">
+                <a:schemeClr val="accent1"/>
+              </a:effectRef>
+              <a:fontRef idx="minor">
+                <a:schemeClr val="lt1"/>
+              </a:fontRef>
+            </p:style>
+            <p:txBody>
+              <a:bodyPr rtlCol="0" anchor="ctr"/>
+              <a:lstStyle/>
+              <a:p>
+                <a:pPr algn="ctr"/>
+                <a:endParaRPr lang="en-US"/>
+              </a:p>
+            </p:txBody>
+          </p:sp>
+          <p:sp>
+            <p:nvSpPr>
+              <p:cNvPr id="12" name="Freeform: Shape 11">
+                <a:extLst>
+                  <a:ext uri="{FF2B5EF4-FFF2-40B4-BE49-F238E27FC236}">
+                    <a16:creationId xmlns:a16="http://schemas.microsoft.com/office/drawing/2014/main" id="{84839013-A414-1786-CD6C-ABDBAB49E0B4}"/>
+                  </a:ext>
+                </a:extLst>
+              </p:cNvPr>
+              <p:cNvSpPr/>
+              <p:nvPr/>
+            </p:nvSpPr>
+            <p:spPr>
+              <a:xfrm rot="18240908">
+                <a:off x="10160672" y="1636211"/>
+                <a:ext cx="666526" cy="347439"/>
+              </a:xfrm>
+              <a:custGeom>
+                <a:avLst/>
+                <a:gdLst>
+                  <a:gd name="connsiteX0" fmla="*/ 0 w 1331251"/>
+                  <a:gd name="connsiteY0" fmla="*/ 305030 h 347439"/>
+                  <a:gd name="connsiteX1" fmla="*/ 626533 w 1331251"/>
+                  <a:gd name="connsiteY1" fmla="*/ 230 h 347439"/>
+                  <a:gd name="connsiteX2" fmla="*/ 702733 w 1331251"/>
+                  <a:gd name="connsiteY2" fmla="*/ 347364 h 347439"/>
+                  <a:gd name="connsiteX3" fmla="*/ 1261533 w 1331251"/>
+                  <a:gd name="connsiteY3" fmla="*/ 34097 h 347439"/>
+                  <a:gd name="connsiteX4" fmla="*/ 1303866 w 1331251"/>
+                  <a:gd name="connsiteY4" fmla="*/ 321964 h 347439"/>
+                </a:gdLst>
+                <a:ahLst/>
+                <a:cxnLst>
+                  <a:cxn ang="0">
+                    <a:pos x="connsiteX0" y="connsiteY0"/>
+                  </a:cxn>
+                  <a:cxn ang="0">
+                    <a:pos x="connsiteX1" y="connsiteY1"/>
+                  </a:cxn>
+                  <a:cxn ang="0">
+                    <a:pos x="connsiteX2" y="connsiteY2"/>
+                  </a:cxn>
+                  <a:cxn ang="0">
+                    <a:pos x="connsiteX3" y="connsiteY3"/>
+                  </a:cxn>
+                  <a:cxn ang="0">
+                    <a:pos x="connsiteX4" y="connsiteY4"/>
+                  </a:cxn>
+                </a:cxnLst>
+                <a:rect l="l" t="t" r="r" b="b"/>
+                <a:pathLst>
+                  <a:path w="1331251" h="347439">
+                    <a:moveTo>
+                      <a:pt x="0" y="305030"/>
+                    </a:moveTo>
+                    <a:cubicBezTo>
+                      <a:pt x="254705" y="149102"/>
+                      <a:pt x="509411" y="-6826"/>
+                      <a:pt x="626533" y="230"/>
+                    </a:cubicBezTo>
+                    <a:cubicBezTo>
+                      <a:pt x="743655" y="7286"/>
+                      <a:pt x="596900" y="341720"/>
+                      <a:pt x="702733" y="347364"/>
+                    </a:cubicBezTo>
+                    <a:cubicBezTo>
+                      <a:pt x="808566" y="353009"/>
+                      <a:pt x="1161344" y="38330"/>
+                      <a:pt x="1261533" y="34097"/>
+                    </a:cubicBezTo>
+                    <a:cubicBezTo>
+                      <a:pt x="1361722" y="29864"/>
+                      <a:pt x="1332794" y="175914"/>
+                      <a:pt x="1303866" y="321964"/>
+                    </a:cubicBezTo>
+                  </a:path>
+                </a:pathLst>
+              </a:custGeom>
+              <a:noFill/>
+              <a:ln w="28575"/>
+            </p:spPr>
+            <p:style>
+              <a:lnRef idx="2">
+                <a:schemeClr val="accent1">
+                  <a:shade val="15000"/>
+                </a:schemeClr>
+              </a:lnRef>
+              <a:fillRef idx="1">
+                <a:schemeClr val="accent1"/>
+              </a:fillRef>
+              <a:effectRef idx="0">
+                <a:schemeClr val="accent1"/>
+              </a:effectRef>
+              <a:fontRef idx="minor">
+                <a:schemeClr val="lt1"/>
+              </a:fontRef>
+            </p:style>
+            <p:txBody>
+              <a:bodyPr rtlCol="0" anchor="ctr"/>
+              <a:lstStyle/>
+              <a:p>
+                <a:pPr algn="ctr"/>
+                <a:endParaRPr lang="en-US"/>
+              </a:p>
+            </p:txBody>
+          </p:sp>
+          <p:sp>
+            <p:nvSpPr>
+              <p:cNvPr id="5" name="Oval 4">
+                <a:extLst>
+                  <a:ext uri="{FF2B5EF4-FFF2-40B4-BE49-F238E27FC236}">
+                    <a16:creationId xmlns:a16="http://schemas.microsoft.com/office/drawing/2014/main" id="{4DE539E9-558A-5369-FD6F-47D4F6FD9383}"/>
+                  </a:ext>
+                </a:extLst>
+              </p:cNvPr>
+              <p:cNvSpPr/>
+              <p:nvPr/>
+            </p:nvSpPr>
+            <p:spPr>
+              <a:xfrm>
+                <a:off x="10261601" y="2048934"/>
+                <a:ext cx="220133" cy="220133"/>
+              </a:xfrm>
+              <a:prstGeom prst="ellipse">
+                <a:avLst/>
+              </a:prstGeom>
+              <a:solidFill>
+                <a:schemeClr val="bg2"/>
+              </a:solidFill>
+              <a:ln w="19050">
+                <a:solidFill>
+                  <a:schemeClr val="tx1"/>
+                </a:solidFill>
+              </a:ln>
+            </p:spPr>
+            <p:style>
+              <a:lnRef idx="2">
+                <a:schemeClr val="accent1">
+                  <a:shade val="15000"/>
+                </a:schemeClr>
+              </a:lnRef>
+              <a:fillRef idx="1">
+                <a:schemeClr val="accent1"/>
+              </a:fillRef>
+              <a:effectRef idx="0">
+                <a:schemeClr val="accent1"/>
+              </a:effectRef>
+              <a:fontRef idx="minor">
+                <a:schemeClr val="lt1"/>
+              </a:fontRef>
+            </p:style>
+            <p:txBody>
+              <a:bodyPr rtlCol="0" anchor="ctr"/>
+              <a:lstStyle/>
+              <a:p>
+                <a:pPr algn="ctr"/>
+                <a:endParaRPr lang="en-US" sz="2000"/>
+              </a:p>
+            </p:txBody>
+          </p:sp>
+          <p:sp>
+            <p:nvSpPr>
+              <p:cNvPr id="6" name="Oval 5">
+                <a:extLst>
+                  <a:ext uri="{FF2B5EF4-FFF2-40B4-BE49-F238E27FC236}">
+                    <a16:creationId xmlns:a16="http://schemas.microsoft.com/office/drawing/2014/main" id="{8635BD87-5E01-4CC9-BD0B-3DCA44A59B38}"/>
+                  </a:ext>
+                </a:extLst>
+              </p:cNvPr>
+              <p:cNvSpPr/>
+              <p:nvPr/>
+            </p:nvSpPr>
+            <p:spPr>
+              <a:xfrm>
+                <a:off x="10761132" y="2508149"/>
+                <a:ext cx="220133" cy="220133"/>
+              </a:xfrm>
+              <a:prstGeom prst="ellipse">
+                <a:avLst/>
+              </a:prstGeom>
+              <a:solidFill>
+                <a:schemeClr val="bg2"/>
+              </a:solidFill>
+              <a:ln w="19050">
+                <a:solidFill>
+                  <a:schemeClr val="tx1"/>
+                </a:solidFill>
+              </a:ln>
+            </p:spPr>
+            <p:style>
+              <a:lnRef idx="2">
+                <a:schemeClr val="accent1">
+                  <a:shade val="15000"/>
+                </a:schemeClr>
+              </a:lnRef>
+              <a:fillRef idx="1">
+                <a:schemeClr val="accent1"/>
+              </a:fillRef>
+              <a:effectRef idx="0">
+                <a:schemeClr val="accent1"/>
+              </a:effectRef>
+              <a:fontRef idx="minor">
+                <a:schemeClr val="lt1"/>
+              </a:fontRef>
+            </p:style>
+            <p:txBody>
+              <a:bodyPr rtlCol="0" anchor="ctr"/>
+              <a:lstStyle/>
+              <a:p>
+                <a:pPr algn="ctr"/>
+                <a:endParaRPr lang="en-US" sz="2000" dirty="0"/>
+              </a:p>
+            </p:txBody>
+          </p:sp>
+          <p:sp>
+            <p:nvSpPr>
+              <p:cNvPr id="7" name="Oval 6">
+                <a:extLst>
+                  <a:ext uri="{FF2B5EF4-FFF2-40B4-BE49-F238E27FC236}">
+                    <a16:creationId xmlns:a16="http://schemas.microsoft.com/office/drawing/2014/main" id="{54D1F2E7-86F4-2792-9ECA-71A7084F77CA}"/>
+                  </a:ext>
+                </a:extLst>
+              </p:cNvPr>
+              <p:cNvSpPr/>
+              <p:nvPr/>
+            </p:nvSpPr>
+            <p:spPr>
+              <a:xfrm>
+                <a:off x="10737905" y="1461371"/>
+                <a:ext cx="220133" cy="220133"/>
+              </a:xfrm>
+              <a:prstGeom prst="ellipse">
+                <a:avLst/>
+              </a:prstGeom>
+              <a:solidFill>
+                <a:schemeClr val="bg2"/>
+              </a:solidFill>
+              <a:ln w="19050">
+                <a:solidFill>
+                  <a:schemeClr val="tx1"/>
+                </a:solidFill>
+              </a:ln>
+            </p:spPr>
+            <p:style>
+              <a:lnRef idx="2">
+                <a:schemeClr val="accent1">
+                  <a:shade val="15000"/>
+                </a:schemeClr>
+              </a:lnRef>
+              <a:fillRef idx="1">
+                <a:schemeClr val="accent1"/>
+              </a:fillRef>
+              <a:effectRef idx="0">
+                <a:schemeClr val="accent1"/>
+              </a:effectRef>
+              <a:fontRef idx="minor">
+                <a:schemeClr val="lt1"/>
+              </a:fontRef>
+            </p:style>
+            <p:txBody>
+              <a:bodyPr rtlCol="0" anchor="ctr"/>
+              <a:lstStyle/>
+              <a:p>
+                <a:pPr algn="ctr"/>
+                <a:endParaRPr lang="en-US" sz="2000"/>
+              </a:p>
+            </p:txBody>
+          </p:sp>
+          <p:sp>
+            <p:nvSpPr>
+              <p:cNvPr id="8" name="Oval 7">
+                <a:extLst>
+                  <a:ext uri="{FF2B5EF4-FFF2-40B4-BE49-F238E27FC236}">
+                    <a16:creationId xmlns:a16="http://schemas.microsoft.com/office/drawing/2014/main" id="{CB102F6B-E5D1-039E-D06F-FE7289DCBA05}"/>
+                  </a:ext>
+                </a:extLst>
+              </p:cNvPr>
+              <p:cNvSpPr/>
+              <p:nvPr/>
+            </p:nvSpPr>
+            <p:spPr>
+              <a:xfrm>
+                <a:off x="10128639" y="3135221"/>
+                <a:ext cx="220133" cy="220133"/>
+              </a:xfrm>
+              <a:prstGeom prst="ellipse">
+                <a:avLst/>
+              </a:prstGeom>
+              <a:solidFill>
+                <a:schemeClr val="bg2"/>
+              </a:solidFill>
+              <a:ln w="19050">
+                <a:solidFill>
+                  <a:schemeClr val="tx1"/>
+                </a:solidFill>
+              </a:ln>
+            </p:spPr>
+            <p:style>
+              <a:lnRef idx="2">
+                <a:schemeClr val="accent1">
+                  <a:shade val="15000"/>
+                </a:schemeClr>
+              </a:lnRef>
+              <a:fillRef idx="1">
+                <a:schemeClr val="accent1"/>
+              </a:fillRef>
+              <a:effectRef idx="0">
+                <a:schemeClr val="accent1"/>
+              </a:effectRef>
+              <a:fontRef idx="minor">
+                <a:schemeClr val="lt1"/>
+              </a:fontRef>
+            </p:style>
+            <p:txBody>
+              <a:bodyPr rtlCol="0" anchor="ctr"/>
+              <a:lstStyle/>
+              <a:p>
+                <a:pPr algn="ctr"/>
+                <a:endParaRPr lang="en-US" sz="2000"/>
+              </a:p>
+            </p:txBody>
+          </p:sp>
+        </p:grpSp>
+        <p:sp>
+          <p:nvSpPr>
+            <p:cNvPr id="22" name="Oval 21">
+              <a:extLst>
+                <a:ext uri="{FF2B5EF4-FFF2-40B4-BE49-F238E27FC236}">
+                  <a16:creationId xmlns:a16="http://schemas.microsoft.com/office/drawing/2014/main" id="{CC15523F-3743-94C5-5A4C-555E99DEC192}"/>
+                </a:ext>
+              </a:extLst>
+            </p:cNvPr>
+            <p:cNvSpPr/>
+            <p:nvPr/>
+          </p:nvSpPr>
+          <p:spPr>
+            <a:xfrm>
+              <a:off x="4506689" y="4933883"/>
+              <a:ext cx="168828" cy="168828"/>
+            </a:xfrm>
+            <a:prstGeom prst="ellipse">
+              <a:avLst/>
+            </a:prstGeom>
+            <a:solidFill>
+              <a:schemeClr val="accent3"/>
+            </a:solidFill>
+            <a:ln w="19050"/>
+          </p:spPr>
+          <p:style>
+            <a:lnRef idx="2">
+              <a:schemeClr val="accent1">
+                <a:shade val="15000"/>
+              </a:schemeClr>
+            </a:lnRef>
+            <a:fillRef idx="1">
+              <a:schemeClr val="accent1"/>
+            </a:fillRef>
+            <a:effectRef idx="0">
+              <a:schemeClr val="accent1"/>
+            </a:effectRef>
+            <a:fontRef idx="minor">
+              <a:schemeClr val="lt1"/>
+            </a:fontRef>
+          </p:style>
+          <p:txBody>
+            <a:bodyPr rtlCol="0" anchor="ctr"/>
+            <a:lstStyle/>
+            <a:p>
+              <a:pPr algn="ctr"/>
+              <a:endParaRPr lang="en-US"/>
+            </a:p>
+          </p:txBody>
+        </p:sp>
+        <p:sp>
+          <p:nvSpPr>
+            <p:cNvPr id="25" name="Oval 24">
+              <a:extLst>
+                <a:ext uri="{FF2B5EF4-FFF2-40B4-BE49-F238E27FC236}">
+                  <a16:creationId xmlns:a16="http://schemas.microsoft.com/office/drawing/2014/main" id="{A256BC09-6F56-9DFC-6F4B-D3FDE0236CDC}"/>
+                </a:ext>
+              </a:extLst>
+            </p:cNvPr>
+            <p:cNvSpPr/>
+            <p:nvPr/>
+          </p:nvSpPr>
+          <p:spPr>
+            <a:xfrm>
+              <a:off x="4422275" y="5920507"/>
+              <a:ext cx="168828" cy="168828"/>
+            </a:xfrm>
+            <a:prstGeom prst="ellipse">
+              <a:avLst/>
+            </a:prstGeom>
+            <a:solidFill>
+              <a:schemeClr val="accent3"/>
+            </a:solidFill>
+            <a:ln w="19050"/>
+          </p:spPr>
+          <p:style>
+            <a:lnRef idx="2">
+              <a:schemeClr val="accent1">
+                <a:shade val="15000"/>
+              </a:schemeClr>
+            </a:lnRef>
+            <a:fillRef idx="1">
+              <a:schemeClr val="accent1"/>
+            </a:fillRef>
+            <a:effectRef idx="0">
+              <a:schemeClr val="accent1"/>
+            </a:effectRef>
+            <a:fontRef idx="minor">
+              <a:schemeClr val="lt1"/>
+            </a:fontRef>
+          </p:style>
+          <p:txBody>
+            <a:bodyPr rtlCol="0" anchor="ctr"/>
+            <a:lstStyle/>
+            <a:p>
+              <a:pPr algn="ctr"/>
+              <a:endParaRPr lang="en-US"/>
+            </a:p>
+          </p:txBody>
+        </p:sp>
+        <p:sp>
+          <p:nvSpPr>
+            <p:cNvPr id="26" name="Oval 25">
+              <a:extLst>
+                <a:ext uri="{FF2B5EF4-FFF2-40B4-BE49-F238E27FC236}">
+                  <a16:creationId xmlns:a16="http://schemas.microsoft.com/office/drawing/2014/main" id="{F50F3320-F06E-F4AE-F3E7-A8F66CC72173}"/>
+                </a:ext>
+              </a:extLst>
+            </p:cNvPr>
+            <p:cNvSpPr/>
+            <p:nvPr/>
+          </p:nvSpPr>
+          <p:spPr>
+            <a:xfrm>
+              <a:off x="5130022" y="4295762"/>
+              <a:ext cx="168828" cy="168828"/>
+            </a:xfrm>
+            <a:prstGeom prst="ellipse">
+              <a:avLst/>
+            </a:prstGeom>
+            <a:solidFill>
+              <a:schemeClr val="accent3"/>
+            </a:solidFill>
+            <a:ln w="19050"/>
+          </p:spPr>
+          <p:style>
+            <a:lnRef idx="2">
+              <a:schemeClr val="accent1">
+                <a:shade val="15000"/>
+              </a:schemeClr>
+            </a:lnRef>
+            <a:fillRef idx="1">
+              <a:schemeClr val="accent1"/>
+            </a:fillRef>
+            <a:effectRef idx="0">
+              <a:schemeClr val="accent1"/>
+            </a:effectRef>
+            <a:fontRef idx="minor">
+              <a:schemeClr val="lt1"/>
+            </a:fontRef>
+          </p:style>
+          <p:txBody>
+            <a:bodyPr rtlCol="0" anchor="ctr"/>
+            <a:lstStyle/>
+            <a:p>
+              <a:pPr algn="ctr"/>
+              <a:endParaRPr lang="en-US"/>
+            </a:p>
+          </p:txBody>
+        </p:sp>
+        <p:sp>
+          <p:nvSpPr>
+            <p:cNvPr id="27" name="Oval 26">
+              <a:extLst>
+                <a:ext uri="{FF2B5EF4-FFF2-40B4-BE49-F238E27FC236}">
+                  <a16:creationId xmlns:a16="http://schemas.microsoft.com/office/drawing/2014/main" id="{EA333714-DEA6-9E78-1F8C-96296BEA17E7}"/>
+                </a:ext>
+              </a:extLst>
+            </p:cNvPr>
+            <p:cNvSpPr/>
+            <p:nvPr/>
+          </p:nvSpPr>
+          <p:spPr>
+            <a:xfrm>
+              <a:off x="6416837" y="5523274"/>
+              <a:ext cx="168828" cy="168828"/>
+            </a:xfrm>
+            <a:prstGeom prst="ellipse">
+              <a:avLst/>
+            </a:prstGeom>
+            <a:solidFill>
+              <a:schemeClr val="accent3"/>
+            </a:solidFill>
+            <a:ln w="19050"/>
+          </p:spPr>
+          <p:style>
+            <a:lnRef idx="2">
+              <a:schemeClr val="accent1">
+                <a:shade val="15000"/>
+              </a:schemeClr>
+            </a:lnRef>
+            <a:fillRef idx="1">
+              <a:schemeClr val="accent1"/>
+            </a:fillRef>
+            <a:effectRef idx="0">
+              <a:schemeClr val="accent1"/>
+            </a:effectRef>
+            <a:fontRef idx="minor">
+              <a:schemeClr val="lt1"/>
+            </a:fontRef>
+          </p:style>
+          <p:txBody>
+            <a:bodyPr rtlCol="0" anchor="ctr"/>
+            <a:lstStyle/>
+            <a:p>
+              <a:pPr algn="ctr"/>
+              <a:endParaRPr lang="en-US"/>
+            </a:p>
+          </p:txBody>
+        </p:sp>
+        <p:sp>
+          <p:nvSpPr>
+            <p:cNvPr id="28" name="Oval 27">
+              <a:extLst>
+                <a:ext uri="{FF2B5EF4-FFF2-40B4-BE49-F238E27FC236}">
+                  <a16:creationId xmlns:a16="http://schemas.microsoft.com/office/drawing/2014/main" id="{B8701155-DAA8-9D1F-979A-D6EC75AA2313}"/>
+                </a:ext>
+              </a:extLst>
+            </p:cNvPr>
+            <p:cNvSpPr/>
+            <p:nvPr/>
+          </p:nvSpPr>
+          <p:spPr>
+            <a:xfrm>
+              <a:off x="5248179" y="5069074"/>
+              <a:ext cx="168828" cy="168828"/>
+            </a:xfrm>
+            <a:prstGeom prst="ellipse">
+              <a:avLst/>
+            </a:prstGeom>
+            <a:solidFill>
+              <a:schemeClr val="accent3"/>
+            </a:solidFill>
+            <a:ln w="19050"/>
+          </p:spPr>
+          <p:style>
+            <a:lnRef idx="2">
+              <a:schemeClr val="accent1">
+                <a:shade val="15000"/>
+              </a:schemeClr>
+            </a:lnRef>
+            <a:fillRef idx="1">
+              <a:schemeClr val="accent1"/>
+            </a:fillRef>
+            <a:effectRef idx="0">
+              <a:schemeClr val="accent1"/>
+            </a:effectRef>
+            <a:fontRef idx="minor">
+              <a:schemeClr val="lt1"/>
+            </a:fontRef>
+          </p:style>
+          <p:txBody>
+            <a:bodyPr rtlCol="0" anchor="ctr"/>
+            <a:lstStyle/>
+            <a:p>
+              <a:pPr algn="ctr"/>
+              <a:endParaRPr lang="en-US"/>
+            </a:p>
+          </p:txBody>
+        </p:sp>
+        <p:sp>
+          <p:nvSpPr>
+            <p:cNvPr id="29" name="Oval 28">
+              <a:extLst>
+                <a:ext uri="{FF2B5EF4-FFF2-40B4-BE49-F238E27FC236}">
+                  <a16:creationId xmlns:a16="http://schemas.microsoft.com/office/drawing/2014/main" id="{01DEC2E7-EAD4-D3F6-2553-BE925BEDFEC7}"/>
+                </a:ext>
+              </a:extLst>
+            </p:cNvPr>
+            <p:cNvSpPr/>
+            <p:nvPr/>
+          </p:nvSpPr>
+          <p:spPr>
+            <a:xfrm>
+              <a:off x="6637084" y="4035240"/>
+              <a:ext cx="168828" cy="168828"/>
+            </a:xfrm>
+            <a:prstGeom prst="ellipse">
+              <a:avLst/>
+            </a:prstGeom>
+            <a:solidFill>
+              <a:schemeClr val="accent3"/>
+            </a:solidFill>
+            <a:ln w="19050"/>
+          </p:spPr>
+          <p:style>
+            <a:lnRef idx="2">
+              <a:schemeClr val="accent1">
+                <a:shade val="15000"/>
+              </a:schemeClr>
+            </a:lnRef>
+            <a:fillRef idx="1">
+              <a:schemeClr val="accent1"/>
+            </a:fillRef>
+            <a:effectRef idx="0">
+              <a:schemeClr val="accent1"/>
+            </a:effectRef>
+            <a:fontRef idx="minor">
+              <a:schemeClr val="lt1"/>
+            </a:fontRef>
+          </p:style>
+          <p:txBody>
+            <a:bodyPr rtlCol="0" anchor="ctr"/>
+            <a:lstStyle/>
+            <a:p>
+              <a:pPr algn="ctr"/>
+              <a:endParaRPr lang="en-US"/>
+            </a:p>
+          </p:txBody>
+        </p:sp>
+        <p:sp>
+          <p:nvSpPr>
+            <p:cNvPr id="30" name="Oval 29">
+              <a:extLst>
+                <a:ext uri="{FF2B5EF4-FFF2-40B4-BE49-F238E27FC236}">
+                  <a16:creationId xmlns:a16="http://schemas.microsoft.com/office/drawing/2014/main" id="{574BC797-B045-EAAA-50E3-7F15BAC17C9A}"/>
+                </a:ext>
+              </a:extLst>
+            </p:cNvPr>
+            <p:cNvSpPr/>
+            <p:nvPr/>
+          </p:nvSpPr>
+          <p:spPr>
+            <a:xfrm>
+              <a:off x="5452638" y="6061719"/>
+              <a:ext cx="168828" cy="168828"/>
+            </a:xfrm>
+            <a:prstGeom prst="ellipse">
+              <a:avLst/>
+            </a:prstGeom>
+            <a:solidFill>
+              <a:schemeClr val="accent3"/>
+            </a:solidFill>
+            <a:ln w="19050"/>
+          </p:spPr>
+          <p:style>
+            <a:lnRef idx="2">
+              <a:schemeClr val="accent1">
+                <a:shade val="15000"/>
+              </a:schemeClr>
+            </a:lnRef>
+            <a:fillRef idx="1">
+              <a:schemeClr val="accent1"/>
+            </a:fillRef>
+            <a:effectRef idx="0">
+              <a:schemeClr val="accent1"/>
+            </a:effectRef>
+            <a:fontRef idx="minor">
+              <a:schemeClr val="lt1"/>
+            </a:fontRef>
+          </p:style>
+          <p:txBody>
+            <a:bodyPr rtlCol="0" anchor="ctr"/>
+            <a:lstStyle/>
+            <a:p>
+              <a:pPr algn="ctr"/>
+              <a:endParaRPr lang="en-US"/>
+            </a:p>
+          </p:txBody>
+        </p:sp>
+        <p:cxnSp>
+          <p:nvCxnSpPr>
+            <p:cNvPr id="34" name="Straight Arrow Connector 33">
+              <a:extLst>
+                <a:ext uri="{FF2B5EF4-FFF2-40B4-BE49-F238E27FC236}">
+                  <a16:creationId xmlns:a16="http://schemas.microsoft.com/office/drawing/2014/main" id="{76F1B202-7C52-2797-DF6B-A77B98AA0FA3}"/>
+                </a:ext>
+              </a:extLst>
+            </p:cNvPr>
+            <p:cNvCxnSpPr>
+              <a:cxnSpLocks/>
+            </p:cNvCxnSpPr>
+            <p:nvPr/>
+          </p:nvCxnSpPr>
+          <p:spPr>
+            <a:xfrm>
+              <a:off x="5288608" y="4464590"/>
+              <a:ext cx="256798" cy="242842"/>
+            </a:xfrm>
+            <a:prstGeom prst="straightConnector1">
+              <a:avLst/>
+            </a:prstGeom>
+            <a:ln w="38100">
+              <a:solidFill>
+                <a:schemeClr val="accent3">
+                  <a:lumMod val="60000"/>
+                  <a:lumOff val="40000"/>
+                </a:schemeClr>
+              </a:solidFill>
+              <a:tailEnd type="triangle"/>
+            </a:ln>
+          </p:spPr>
+          <p:style>
+            <a:lnRef idx="1">
+              <a:schemeClr val="accent1"/>
+            </a:lnRef>
+            <a:fillRef idx="0">
+              <a:schemeClr val="accent1"/>
+            </a:fillRef>
+            <a:effectRef idx="0">
+              <a:schemeClr val="accent1"/>
+            </a:effectRef>
+            <a:fontRef idx="minor">
+              <a:schemeClr val="tx1"/>
+            </a:fontRef>
+          </p:style>
+        </p:cxnSp>
+        <p:cxnSp>
+          <p:nvCxnSpPr>
+            <p:cNvPr id="36" name="Straight Arrow Connector 35">
+              <a:extLst>
+                <a:ext uri="{FF2B5EF4-FFF2-40B4-BE49-F238E27FC236}">
+                  <a16:creationId xmlns:a16="http://schemas.microsoft.com/office/drawing/2014/main" id="{1DF9F648-9455-CFE9-5B14-DF84BC9C03DC}"/>
+                </a:ext>
+              </a:extLst>
+            </p:cNvPr>
+            <p:cNvCxnSpPr>
+              <a:cxnSpLocks/>
+            </p:cNvCxnSpPr>
+            <p:nvPr/>
+          </p:nvCxnSpPr>
+          <p:spPr>
+            <a:xfrm>
+              <a:off x="4652706" y="5124850"/>
+              <a:ext cx="187560" cy="251850"/>
+            </a:xfrm>
+            <a:prstGeom prst="straightConnector1">
+              <a:avLst/>
+            </a:prstGeom>
+            <a:ln w="38100">
+              <a:solidFill>
+                <a:schemeClr val="accent3">
+                  <a:lumMod val="60000"/>
+                  <a:lumOff val="40000"/>
+                </a:schemeClr>
+              </a:solidFill>
+              <a:tailEnd type="triangle"/>
+            </a:ln>
+          </p:spPr>
+          <p:style>
+            <a:lnRef idx="1">
+              <a:schemeClr val="accent1"/>
+            </a:lnRef>
+            <a:fillRef idx="0">
+              <a:schemeClr val="accent1"/>
+            </a:fillRef>
+            <a:effectRef idx="0">
+              <a:schemeClr val="accent1"/>
+            </a:effectRef>
+            <a:fontRef idx="minor">
+              <a:schemeClr val="tx1"/>
+            </a:fontRef>
+          </p:style>
+        </p:cxnSp>
+        <p:cxnSp>
+          <p:nvCxnSpPr>
+            <p:cNvPr id="38" name="Straight Arrow Connector 37">
+              <a:extLst>
+                <a:ext uri="{FF2B5EF4-FFF2-40B4-BE49-F238E27FC236}">
+                  <a16:creationId xmlns:a16="http://schemas.microsoft.com/office/drawing/2014/main" id="{2B124CCB-FA14-8242-FB7C-5CFEC8599F13}"/>
+                </a:ext>
+              </a:extLst>
+            </p:cNvPr>
+            <p:cNvCxnSpPr>
+              <a:cxnSpLocks/>
+            </p:cNvCxnSpPr>
+            <p:nvPr/>
+          </p:nvCxnSpPr>
+          <p:spPr>
+            <a:xfrm flipH="1">
+              <a:off x="6514913" y="4235796"/>
+              <a:ext cx="141504" cy="256074"/>
+            </a:xfrm>
+            <a:prstGeom prst="straightConnector1">
+              <a:avLst/>
+            </a:prstGeom>
+            <a:ln w="38100">
+              <a:solidFill>
+                <a:schemeClr val="accent3">
+                  <a:lumMod val="60000"/>
+                  <a:lumOff val="40000"/>
+                </a:schemeClr>
+              </a:solidFill>
+              <a:tailEnd type="triangle"/>
+            </a:ln>
+          </p:spPr>
+          <p:style>
+            <a:lnRef idx="1">
+              <a:schemeClr val="accent1"/>
+            </a:lnRef>
+            <a:fillRef idx="0">
+              <a:schemeClr val="accent1"/>
+            </a:fillRef>
+            <a:effectRef idx="0">
+              <a:schemeClr val="accent1"/>
+            </a:effectRef>
+            <a:fontRef idx="minor">
+              <a:schemeClr val="tx1"/>
+            </a:fontRef>
+          </p:style>
+        </p:cxnSp>
+        <p:cxnSp>
+          <p:nvCxnSpPr>
+            <p:cNvPr id="40" name="Straight Arrow Connector 39">
+              <a:extLst>
+                <a:ext uri="{FF2B5EF4-FFF2-40B4-BE49-F238E27FC236}">
+                  <a16:creationId xmlns:a16="http://schemas.microsoft.com/office/drawing/2014/main" id="{CBB3D3AC-BE84-2C70-B27A-F0E24BCAD96F}"/>
+                </a:ext>
+              </a:extLst>
+            </p:cNvPr>
+            <p:cNvCxnSpPr>
+              <a:cxnSpLocks/>
+            </p:cNvCxnSpPr>
+            <p:nvPr/>
+          </p:nvCxnSpPr>
+          <p:spPr>
+            <a:xfrm flipV="1">
+              <a:off x="4642835" y="5760676"/>
+              <a:ext cx="207302" cy="159831"/>
+            </a:xfrm>
+            <a:prstGeom prst="straightConnector1">
+              <a:avLst/>
+            </a:prstGeom>
+            <a:ln w="38100">
+              <a:solidFill>
+                <a:schemeClr val="accent3">
+                  <a:lumMod val="60000"/>
+                  <a:lumOff val="40000"/>
+                </a:schemeClr>
+              </a:solidFill>
+              <a:tailEnd type="triangle"/>
+            </a:ln>
+          </p:spPr>
+          <p:style>
+            <a:lnRef idx="1">
+              <a:schemeClr val="accent1"/>
+            </a:lnRef>
+            <a:fillRef idx="0">
+              <a:schemeClr val="accent1"/>
+            </a:fillRef>
+            <a:effectRef idx="0">
+              <a:schemeClr val="accent1"/>
+            </a:effectRef>
+            <a:fontRef idx="minor">
+              <a:schemeClr val="tx1"/>
+            </a:fontRef>
+          </p:style>
+        </p:cxnSp>
+        <p:cxnSp>
+          <p:nvCxnSpPr>
+            <p:cNvPr id="42" name="Straight Arrow Connector 41">
+              <a:extLst>
+                <a:ext uri="{FF2B5EF4-FFF2-40B4-BE49-F238E27FC236}">
+                  <a16:creationId xmlns:a16="http://schemas.microsoft.com/office/drawing/2014/main" id="{F6242C85-A398-1978-E937-51D52363BED4}"/>
+                </a:ext>
+              </a:extLst>
+            </p:cNvPr>
+            <p:cNvCxnSpPr>
+              <a:cxnSpLocks/>
+            </p:cNvCxnSpPr>
+            <p:nvPr/>
+          </p:nvCxnSpPr>
+          <p:spPr>
+            <a:xfrm>
+              <a:off x="5428015" y="5215834"/>
+              <a:ext cx="256798" cy="189122"/>
+            </a:xfrm>
+            <a:prstGeom prst="straightConnector1">
+              <a:avLst/>
+            </a:prstGeom>
+            <a:ln w="38100">
+              <a:solidFill>
+                <a:schemeClr val="accent3">
+                  <a:lumMod val="60000"/>
+                  <a:lumOff val="40000"/>
+                </a:schemeClr>
+              </a:solidFill>
+              <a:tailEnd type="triangle"/>
+            </a:ln>
+          </p:spPr>
+          <p:style>
+            <a:lnRef idx="1">
+              <a:schemeClr val="accent1"/>
+            </a:lnRef>
+            <a:fillRef idx="0">
+              <a:schemeClr val="accent1"/>
+            </a:fillRef>
+            <a:effectRef idx="0">
+              <a:schemeClr val="accent1"/>
+            </a:effectRef>
+            <a:fontRef idx="minor">
+              <a:schemeClr val="tx1"/>
+            </a:fontRef>
+          </p:style>
+        </p:cxnSp>
+        <p:cxnSp>
+          <p:nvCxnSpPr>
+            <p:cNvPr id="46" name="Straight Arrow Connector 45">
+              <a:extLst>
+                <a:ext uri="{FF2B5EF4-FFF2-40B4-BE49-F238E27FC236}">
+                  <a16:creationId xmlns:a16="http://schemas.microsoft.com/office/drawing/2014/main" id="{78EBDD9F-D5B0-7F67-E15F-8E927CCCFD88}"/>
+                </a:ext>
+              </a:extLst>
+            </p:cNvPr>
+            <p:cNvCxnSpPr>
+              <a:cxnSpLocks/>
+            </p:cNvCxnSpPr>
+            <p:nvPr/>
+          </p:nvCxnSpPr>
+          <p:spPr>
+            <a:xfrm flipV="1">
+              <a:off x="5621466" y="5703907"/>
+              <a:ext cx="139329" cy="299563"/>
+            </a:xfrm>
+            <a:prstGeom prst="straightConnector1">
+              <a:avLst/>
+            </a:prstGeom>
+            <a:ln w="38100">
+              <a:solidFill>
+                <a:schemeClr val="accent3">
+                  <a:lumMod val="60000"/>
+                  <a:lumOff val="40000"/>
+                </a:schemeClr>
+              </a:solidFill>
+              <a:tailEnd type="triangle"/>
+            </a:ln>
+          </p:spPr>
+          <p:style>
+            <a:lnRef idx="1">
+              <a:schemeClr val="accent1"/>
+            </a:lnRef>
+            <a:fillRef idx="0">
+              <a:schemeClr val="accent1"/>
+            </a:fillRef>
+            <a:effectRef idx="0">
+              <a:schemeClr val="accent1"/>
+            </a:effectRef>
+            <a:fontRef idx="minor">
+              <a:schemeClr val="tx1"/>
+            </a:fontRef>
+          </p:style>
+        </p:cxnSp>
+        <p:cxnSp>
+          <p:nvCxnSpPr>
+            <p:cNvPr id="49" name="Straight Arrow Connector 48">
+              <a:extLst>
+                <a:ext uri="{FF2B5EF4-FFF2-40B4-BE49-F238E27FC236}">
+                  <a16:creationId xmlns:a16="http://schemas.microsoft.com/office/drawing/2014/main" id="{71C71BB5-498C-64D5-562B-3539040A1D95}"/>
+                </a:ext>
+              </a:extLst>
+            </p:cNvPr>
+            <p:cNvCxnSpPr>
+              <a:cxnSpLocks/>
+            </p:cNvCxnSpPr>
+            <p:nvPr/>
+          </p:nvCxnSpPr>
+          <p:spPr>
+            <a:xfrm flipH="1" flipV="1">
+              <a:off x="6000010" y="5557356"/>
+              <a:ext cx="333751" cy="22455"/>
+            </a:xfrm>
+            <a:prstGeom prst="straightConnector1">
+              <a:avLst/>
+            </a:prstGeom>
+            <a:ln w="38100">
+              <a:solidFill>
+                <a:schemeClr val="accent3">
+                  <a:lumMod val="60000"/>
+                  <a:lumOff val="40000"/>
+                </a:schemeClr>
+              </a:solidFill>
+              <a:tailEnd type="triangle"/>
+            </a:ln>
+          </p:spPr>
+          <p:style>
+            <a:lnRef idx="1">
+              <a:schemeClr val="accent1"/>
+            </a:lnRef>
+            <a:fillRef idx="0">
+              <a:schemeClr val="accent1"/>
+            </a:fillRef>
+            <a:effectRef idx="0">
+              <a:schemeClr val="accent1"/>
+            </a:effectRef>
+            <a:fontRef idx="minor">
+              <a:schemeClr val="tx1"/>
+            </a:fontRef>
+          </p:style>
+        </p:cxnSp>
+        <p:sp>
+          <p:nvSpPr>
+            <p:cNvPr id="54" name="Oval 53">
+              <a:extLst>
+                <a:ext uri="{FF2B5EF4-FFF2-40B4-BE49-F238E27FC236}">
+                  <a16:creationId xmlns:a16="http://schemas.microsoft.com/office/drawing/2014/main" id="{0AC76DE6-4717-4DB0-0784-FBEEC93910F8}"/>
+                </a:ext>
+              </a:extLst>
+            </p:cNvPr>
+            <p:cNvSpPr/>
+            <p:nvPr/>
+          </p:nvSpPr>
+          <p:spPr>
+            <a:xfrm>
+              <a:off x="6382189" y="4589489"/>
+              <a:ext cx="91440" cy="91440"/>
+            </a:xfrm>
+            <a:prstGeom prst="ellipse">
+              <a:avLst/>
+            </a:prstGeom>
+            <a:solidFill>
+              <a:schemeClr val="accent2"/>
+            </a:solidFill>
+            <a:ln w="12700"/>
+          </p:spPr>
+          <p:style>
+            <a:lnRef idx="2">
+              <a:schemeClr val="accent1">
+                <a:shade val="15000"/>
+              </a:schemeClr>
+            </a:lnRef>
+            <a:fillRef idx="1">
+              <a:schemeClr val="accent1"/>
+            </a:fillRef>
+            <a:effectRef idx="0">
+              <a:schemeClr val="accent1"/>
+            </a:effectRef>
+            <a:fontRef idx="minor">
+              <a:schemeClr val="lt1"/>
+            </a:fontRef>
+          </p:style>
+          <p:txBody>
+            <a:bodyPr rtlCol="0" anchor="ctr"/>
+            <a:lstStyle/>
+            <a:p>
+              <a:pPr algn="ctr"/>
+              <a:endParaRPr lang="en-US"/>
+            </a:p>
+          </p:txBody>
+        </p:sp>
+        <p:sp>
+          <p:nvSpPr>
+            <p:cNvPr id="55" name="Oval 54">
+              <a:extLst>
+                <a:ext uri="{FF2B5EF4-FFF2-40B4-BE49-F238E27FC236}">
+                  <a16:creationId xmlns:a16="http://schemas.microsoft.com/office/drawing/2014/main" id="{A198CD4D-C0B6-CC21-A425-7DBE059236F5}"/>
+                </a:ext>
+              </a:extLst>
+            </p:cNvPr>
+            <p:cNvSpPr/>
+            <p:nvPr/>
+          </p:nvSpPr>
+          <p:spPr>
+            <a:xfrm>
+              <a:off x="5785736" y="5447432"/>
+              <a:ext cx="91440" cy="91440"/>
+            </a:xfrm>
+            <a:prstGeom prst="ellipse">
+              <a:avLst/>
+            </a:prstGeom>
+            <a:solidFill>
+              <a:schemeClr val="accent2"/>
+            </a:solidFill>
+            <a:ln w="12700"/>
+          </p:spPr>
+          <p:style>
+            <a:lnRef idx="2">
+              <a:schemeClr val="accent1">
+                <a:shade val="15000"/>
+              </a:schemeClr>
+            </a:lnRef>
+            <a:fillRef idx="1">
+              <a:schemeClr val="accent1"/>
+            </a:fillRef>
+            <a:effectRef idx="0">
+              <a:schemeClr val="accent1"/>
+            </a:effectRef>
+            <a:fontRef idx="minor">
+              <a:schemeClr val="lt1"/>
+            </a:fontRef>
+          </p:style>
+          <p:txBody>
+            <a:bodyPr rtlCol="0" anchor="ctr"/>
+            <a:lstStyle/>
+            <a:p>
+              <a:pPr algn="ctr"/>
+              <a:endParaRPr lang="en-US" dirty="0"/>
+            </a:p>
+          </p:txBody>
+        </p:sp>
+        <p:sp>
+          <p:nvSpPr>
+            <p:cNvPr id="56" name="Oval 55">
+              <a:extLst>
+                <a:ext uri="{FF2B5EF4-FFF2-40B4-BE49-F238E27FC236}">
+                  <a16:creationId xmlns:a16="http://schemas.microsoft.com/office/drawing/2014/main" id="{9879BA41-69D4-D57C-CA10-1C88C7343159}"/>
+                </a:ext>
+              </a:extLst>
+            </p:cNvPr>
+            <p:cNvSpPr/>
+            <p:nvPr/>
+          </p:nvSpPr>
+          <p:spPr>
+            <a:xfrm>
+              <a:off x="4661427" y="4418870"/>
+              <a:ext cx="91440" cy="91440"/>
+            </a:xfrm>
+            <a:prstGeom prst="ellipse">
+              <a:avLst/>
+            </a:prstGeom>
+            <a:solidFill>
+              <a:schemeClr val="accent2"/>
+            </a:solidFill>
+            <a:ln w="12700"/>
+          </p:spPr>
+          <p:style>
+            <a:lnRef idx="2">
+              <a:schemeClr val="accent1">
+                <a:shade val="15000"/>
+              </a:schemeClr>
+            </a:lnRef>
+            <a:fillRef idx="1">
+              <a:schemeClr val="accent1"/>
+            </a:fillRef>
+            <a:effectRef idx="0">
+              <a:schemeClr val="accent1"/>
+            </a:effectRef>
+            <a:fontRef idx="minor">
+              <a:schemeClr val="lt1"/>
+            </a:fontRef>
+          </p:style>
+          <p:txBody>
+            <a:bodyPr rtlCol="0" anchor="ctr"/>
+            <a:lstStyle/>
+            <a:p>
+              <a:pPr algn="ctr"/>
+              <a:endParaRPr lang="en-US"/>
+            </a:p>
+          </p:txBody>
+        </p:sp>
+        <p:sp>
+          <p:nvSpPr>
+            <p:cNvPr id="57" name="Oval 56">
+              <a:extLst>
+                <a:ext uri="{FF2B5EF4-FFF2-40B4-BE49-F238E27FC236}">
+                  <a16:creationId xmlns:a16="http://schemas.microsoft.com/office/drawing/2014/main" id="{33B9514F-4219-DB91-9433-16A30D5516B2}"/>
+                </a:ext>
+              </a:extLst>
+            </p:cNvPr>
+            <p:cNvSpPr/>
+            <p:nvPr/>
+          </p:nvSpPr>
+          <p:spPr>
+            <a:xfrm>
+              <a:off x="6800765" y="5568583"/>
+              <a:ext cx="91440" cy="91440"/>
+            </a:xfrm>
+            <a:prstGeom prst="ellipse">
+              <a:avLst/>
+            </a:prstGeom>
+            <a:solidFill>
+              <a:schemeClr val="accent2"/>
+            </a:solidFill>
+            <a:ln w="12700"/>
+          </p:spPr>
+          <p:style>
+            <a:lnRef idx="2">
+              <a:schemeClr val="accent1">
+                <a:shade val="15000"/>
+              </a:schemeClr>
+            </a:lnRef>
+            <a:fillRef idx="1">
+              <a:schemeClr val="accent1"/>
+            </a:fillRef>
+            <a:effectRef idx="0">
+              <a:schemeClr val="accent1"/>
+            </a:effectRef>
+            <a:fontRef idx="minor">
+              <a:schemeClr val="lt1"/>
+            </a:fontRef>
+          </p:style>
+          <p:txBody>
+            <a:bodyPr rtlCol="0" anchor="ctr"/>
+            <a:lstStyle/>
+            <a:p>
+              <a:pPr algn="ctr"/>
+              <a:endParaRPr lang="en-US"/>
+            </a:p>
+          </p:txBody>
+        </p:sp>
+        <p:sp>
+          <p:nvSpPr>
+            <p:cNvPr id="58" name="Oval 57">
+              <a:extLst>
+                <a:ext uri="{FF2B5EF4-FFF2-40B4-BE49-F238E27FC236}">
+                  <a16:creationId xmlns:a16="http://schemas.microsoft.com/office/drawing/2014/main" id="{A9B72B26-89B5-BCE4-5AC2-927D7124B64B}"/>
+                </a:ext>
+              </a:extLst>
+            </p:cNvPr>
+            <p:cNvSpPr/>
+            <p:nvPr/>
+          </p:nvSpPr>
+          <p:spPr>
+            <a:xfrm>
+              <a:off x="7388184" y="3986489"/>
+              <a:ext cx="91440" cy="91440"/>
+            </a:xfrm>
+            <a:prstGeom prst="ellipse">
+              <a:avLst/>
+            </a:prstGeom>
+            <a:solidFill>
+              <a:schemeClr val="accent2"/>
+            </a:solidFill>
+            <a:ln w="12700"/>
+          </p:spPr>
+          <p:style>
+            <a:lnRef idx="2">
+              <a:schemeClr val="accent1">
+                <a:shade val="15000"/>
+              </a:schemeClr>
+            </a:lnRef>
+            <a:fillRef idx="1">
+              <a:schemeClr val="accent1"/>
+            </a:fillRef>
+            <a:effectRef idx="0">
+              <a:schemeClr val="accent1"/>
+            </a:effectRef>
+            <a:fontRef idx="minor">
+              <a:schemeClr val="lt1"/>
+            </a:fontRef>
+          </p:style>
+          <p:txBody>
+            <a:bodyPr rtlCol="0" anchor="ctr"/>
+            <a:lstStyle/>
+            <a:p>
+              <a:pPr algn="ctr"/>
+              <a:endParaRPr lang="en-US"/>
+            </a:p>
+          </p:txBody>
+        </p:sp>
+        <p:sp>
+          <p:nvSpPr>
+            <p:cNvPr id="59" name="Oval 58">
+              <a:extLst>
+                <a:ext uri="{FF2B5EF4-FFF2-40B4-BE49-F238E27FC236}">
+                  <a16:creationId xmlns:a16="http://schemas.microsoft.com/office/drawing/2014/main" id="{A17172AE-3EC4-929A-CD2F-6C06792BD1B6}"/>
+                </a:ext>
+              </a:extLst>
+            </p:cNvPr>
+            <p:cNvSpPr/>
+            <p:nvPr/>
+          </p:nvSpPr>
+          <p:spPr>
+            <a:xfrm>
+              <a:off x="6514913" y="5056613"/>
+              <a:ext cx="91440" cy="91440"/>
+            </a:xfrm>
+            <a:prstGeom prst="ellipse">
+              <a:avLst/>
+            </a:prstGeom>
+            <a:solidFill>
+              <a:schemeClr val="accent1"/>
+            </a:solidFill>
+            <a:ln w="12700"/>
+          </p:spPr>
+          <p:style>
+            <a:lnRef idx="2">
+              <a:schemeClr val="accent1">
+                <a:shade val="15000"/>
+              </a:schemeClr>
+            </a:lnRef>
+            <a:fillRef idx="1">
+              <a:schemeClr val="accent1"/>
+            </a:fillRef>
+            <a:effectRef idx="0">
+              <a:schemeClr val="accent1"/>
+            </a:effectRef>
+            <a:fontRef idx="minor">
+              <a:schemeClr val="lt1"/>
+            </a:fontRef>
+          </p:style>
+          <p:txBody>
+            <a:bodyPr rtlCol="0" anchor="ctr"/>
+            <a:lstStyle/>
+            <a:p>
+              <a:pPr algn="ctr"/>
+              <a:endParaRPr lang="en-US"/>
+            </a:p>
+          </p:txBody>
+        </p:sp>
+        <p:sp>
+          <p:nvSpPr>
+            <p:cNvPr id="60" name="Oval 59">
+              <a:extLst>
+                <a:ext uri="{FF2B5EF4-FFF2-40B4-BE49-F238E27FC236}">
+                  <a16:creationId xmlns:a16="http://schemas.microsoft.com/office/drawing/2014/main" id="{4EA95E3B-D232-5ACD-2F67-90DED5EDDC31}"/>
+                </a:ext>
+              </a:extLst>
+            </p:cNvPr>
+            <p:cNvSpPr/>
+            <p:nvPr/>
+          </p:nvSpPr>
+          <p:spPr>
+            <a:xfrm>
+              <a:off x="6254508" y="4018804"/>
+              <a:ext cx="91440" cy="91440"/>
+            </a:xfrm>
+            <a:prstGeom prst="ellipse">
+              <a:avLst/>
+            </a:prstGeom>
+            <a:solidFill>
+              <a:schemeClr val="accent1"/>
+            </a:solidFill>
+            <a:ln w="12700"/>
+          </p:spPr>
+          <p:style>
+            <a:lnRef idx="2">
+              <a:schemeClr val="accent1">
+                <a:shade val="15000"/>
+              </a:schemeClr>
+            </a:lnRef>
+            <a:fillRef idx="1">
+              <a:schemeClr val="accent1"/>
+            </a:fillRef>
+            <a:effectRef idx="0">
+              <a:schemeClr val="accent1"/>
+            </a:effectRef>
+            <a:fontRef idx="minor">
+              <a:schemeClr val="lt1"/>
+            </a:fontRef>
+          </p:style>
+          <p:txBody>
+            <a:bodyPr rtlCol="0" anchor="ctr"/>
+            <a:lstStyle/>
+            <a:p>
+              <a:pPr algn="ctr"/>
+              <a:endParaRPr lang="en-US"/>
+            </a:p>
+          </p:txBody>
+        </p:sp>
+        <p:sp>
+          <p:nvSpPr>
+            <p:cNvPr id="61" name="Oval 60">
+              <a:extLst>
+                <a:ext uri="{FF2B5EF4-FFF2-40B4-BE49-F238E27FC236}">
+                  <a16:creationId xmlns:a16="http://schemas.microsoft.com/office/drawing/2014/main" id="{BCD50764-B82B-5C26-D067-DD6E48353B12}"/>
+                </a:ext>
+              </a:extLst>
+            </p:cNvPr>
+            <p:cNvSpPr/>
+            <p:nvPr/>
+          </p:nvSpPr>
+          <p:spPr>
+            <a:xfrm>
+              <a:off x="4985418" y="4765416"/>
+              <a:ext cx="91440" cy="91440"/>
+            </a:xfrm>
+            <a:prstGeom prst="ellipse">
+              <a:avLst/>
+            </a:prstGeom>
+            <a:solidFill>
+              <a:schemeClr val="accent1"/>
+            </a:solidFill>
+            <a:ln w="12700"/>
+          </p:spPr>
+          <p:style>
+            <a:lnRef idx="2">
+              <a:schemeClr val="accent1">
+                <a:shade val="15000"/>
+              </a:schemeClr>
+            </a:lnRef>
+            <a:fillRef idx="1">
+              <a:schemeClr val="accent1"/>
+            </a:fillRef>
+            <a:effectRef idx="0">
+              <a:schemeClr val="accent1"/>
+            </a:effectRef>
+            <a:fontRef idx="minor">
+              <a:schemeClr val="lt1"/>
+            </a:fontRef>
+          </p:style>
+          <p:txBody>
+            <a:bodyPr rtlCol="0" anchor="ctr"/>
+            <a:lstStyle/>
+            <a:p>
+              <a:pPr algn="ctr"/>
+              <a:endParaRPr lang="en-US"/>
+            </a:p>
+          </p:txBody>
+        </p:sp>
+        <p:sp>
+          <p:nvSpPr>
+            <p:cNvPr id="62" name="Oval 61">
+              <a:extLst>
+                <a:ext uri="{FF2B5EF4-FFF2-40B4-BE49-F238E27FC236}">
+                  <a16:creationId xmlns:a16="http://schemas.microsoft.com/office/drawing/2014/main" id="{64DEBC58-008B-278E-F748-61EBC55B3CBE}"/>
+                </a:ext>
+              </a:extLst>
+            </p:cNvPr>
+            <p:cNvSpPr/>
+            <p:nvPr/>
+          </p:nvSpPr>
+          <p:spPr>
+            <a:xfrm>
+              <a:off x="6062222" y="4891015"/>
+              <a:ext cx="91440" cy="91440"/>
+            </a:xfrm>
+            <a:prstGeom prst="ellipse">
+              <a:avLst/>
+            </a:prstGeom>
+            <a:solidFill>
+              <a:schemeClr val="accent1"/>
+            </a:solidFill>
+            <a:ln w="12700"/>
+          </p:spPr>
+          <p:style>
+            <a:lnRef idx="2">
+              <a:schemeClr val="accent1">
+                <a:shade val="15000"/>
+              </a:schemeClr>
+            </a:lnRef>
+            <a:fillRef idx="1">
+              <a:schemeClr val="accent1"/>
+            </a:fillRef>
+            <a:effectRef idx="0">
+              <a:schemeClr val="accent1"/>
+            </a:effectRef>
+            <a:fontRef idx="minor">
+              <a:schemeClr val="lt1"/>
+            </a:fontRef>
+          </p:style>
+          <p:txBody>
+            <a:bodyPr rtlCol="0" anchor="ctr"/>
+            <a:lstStyle/>
+            <a:p>
+              <a:pPr algn="ctr"/>
+              <a:endParaRPr lang="en-US"/>
+            </a:p>
+          </p:txBody>
+        </p:sp>
+        <p:sp>
+          <p:nvSpPr>
+            <p:cNvPr id="63" name="Oval 62">
+              <a:extLst>
+                <a:ext uri="{FF2B5EF4-FFF2-40B4-BE49-F238E27FC236}">
+                  <a16:creationId xmlns:a16="http://schemas.microsoft.com/office/drawing/2014/main" id="{06F60CA9-D72A-4C97-F77E-3C22ACAEA87C}"/>
+                </a:ext>
+              </a:extLst>
+            </p:cNvPr>
+            <p:cNvSpPr/>
+            <p:nvPr/>
+          </p:nvSpPr>
+          <p:spPr>
+            <a:xfrm>
+              <a:off x="6121165" y="6025755"/>
+              <a:ext cx="91440" cy="91440"/>
+            </a:xfrm>
+            <a:prstGeom prst="ellipse">
+              <a:avLst/>
+            </a:prstGeom>
+            <a:solidFill>
+              <a:schemeClr val="accent1"/>
+            </a:solidFill>
+            <a:ln w="12700"/>
+          </p:spPr>
+          <p:style>
+            <a:lnRef idx="2">
+              <a:schemeClr val="accent1">
+                <a:shade val="15000"/>
+              </a:schemeClr>
+            </a:lnRef>
+            <a:fillRef idx="1">
+              <a:schemeClr val="accent1"/>
+            </a:fillRef>
+            <a:effectRef idx="0">
+              <a:schemeClr val="accent1"/>
+            </a:effectRef>
+            <a:fontRef idx="minor">
+              <a:schemeClr val="lt1"/>
+            </a:fontRef>
+          </p:style>
+          <p:txBody>
+            <a:bodyPr rtlCol="0" anchor="ctr"/>
+            <a:lstStyle/>
+            <a:p>
+              <a:pPr algn="ctr"/>
+              <a:endParaRPr lang="en-US"/>
+            </a:p>
+          </p:txBody>
+        </p:sp>
+        <p:sp>
+          <p:nvSpPr>
+            <p:cNvPr id="64" name="Oval 63">
+              <a:extLst>
+                <a:ext uri="{FF2B5EF4-FFF2-40B4-BE49-F238E27FC236}">
+                  <a16:creationId xmlns:a16="http://schemas.microsoft.com/office/drawing/2014/main" id="{CAF56A12-6B63-6ECB-CCE3-2D4A0807224C}"/>
+                </a:ext>
+              </a:extLst>
+            </p:cNvPr>
+            <p:cNvSpPr/>
+            <p:nvPr/>
+          </p:nvSpPr>
+          <p:spPr>
+            <a:xfrm>
+              <a:off x="4311244" y="5488371"/>
+              <a:ext cx="91440" cy="91440"/>
+            </a:xfrm>
+            <a:prstGeom prst="ellipse">
+              <a:avLst/>
+            </a:prstGeom>
+            <a:solidFill>
+              <a:schemeClr val="accent1"/>
+            </a:solidFill>
+            <a:ln w="12700"/>
+          </p:spPr>
+          <p:style>
+            <a:lnRef idx="2">
+              <a:schemeClr val="accent1">
+                <a:shade val="15000"/>
+              </a:schemeClr>
+            </a:lnRef>
+            <a:fillRef idx="1">
+              <a:schemeClr val="accent1"/>
+            </a:fillRef>
+            <a:effectRef idx="0">
+              <a:schemeClr val="accent1"/>
+            </a:effectRef>
+            <a:fontRef idx="minor">
+              <a:schemeClr val="lt1"/>
+            </a:fontRef>
+          </p:style>
+          <p:txBody>
+            <a:bodyPr rtlCol="0" anchor="ctr"/>
+            <a:lstStyle/>
+            <a:p>
+              <a:pPr algn="ctr"/>
+              <a:endParaRPr lang="en-US"/>
+            </a:p>
+          </p:txBody>
+        </p:sp>
+        <p:sp>
+          <p:nvSpPr>
+            <p:cNvPr id="65" name="Oval 64">
+              <a:extLst>
+                <a:ext uri="{FF2B5EF4-FFF2-40B4-BE49-F238E27FC236}">
+                  <a16:creationId xmlns:a16="http://schemas.microsoft.com/office/drawing/2014/main" id="{A726649F-582E-1996-1000-8612A60E81DA}"/>
+                </a:ext>
+              </a:extLst>
+            </p:cNvPr>
+            <p:cNvSpPr/>
+            <p:nvPr/>
+          </p:nvSpPr>
+          <p:spPr>
+            <a:xfrm>
+              <a:off x="3899213" y="5192182"/>
+              <a:ext cx="91440" cy="91440"/>
+            </a:xfrm>
+            <a:prstGeom prst="ellipse">
+              <a:avLst/>
+            </a:prstGeom>
+            <a:solidFill>
+              <a:schemeClr val="accent2"/>
+            </a:solidFill>
+            <a:ln w="12700"/>
+          </p:spPr>
+          <p:style>
+            <a:lnRef idx="2">
+              <a:schemeClr val="accent1">
+                <a:shade val="15000"/>
+              </a:schemeClr>
+            </a:lnRef>
+            <a:fillRef idx="1">
+              <a:schemeClr val="accent1"/>
+            </a:fillRef>
+            <a:effectRef idx="0">
+              <a:schemeClr val="accent1"/>
+            </a:effectRef>
+            <a:fontRef idx="minor">
+              <a:schemeClr val="lt1"/>
+            </a:fontRef>
+          </p:style>
+          <p:txBody>
+            <a:bodyPr rtlCol="0" anchor="ctr"/>
+            <a:lstStyle/>
+            <a:p>
+              <a:pPr algn="ctr"/>
+              <a:endParaRPr lang="en-US"/>
+            </a:p>
+          </p:txBody>
+        </p:sp>
+        <p:sp>
+          <p:nvSpPr>
+            <p:cNvPr id="66" name="Oval 65">
+              <a:extLst>
+                <a:ext uri="{FF2B5EF4-FFF2-40B4-BE49-F238E27FC236}">
+                  <a16:creationId xmlns:a16="http://schemas.microsoft.com/office/drawing/2014/main" id="{07E82682-E447-468D-2CC2-DEAFEA09CAE7}"/>
+                </a:ext>
+              </a:extLst>
+            </p:cNvPr>
+            <p:cNvSpPr/>
+            <p:nvPr/>
+          </p:nvSpPr>
+          <p:spPr>
+            <a:xfrm>
+              <a:off x="5163297" y="3905717"/>
+              <a:ext cx="91440" cy="91440"/>
+            </a:xfrm>
+            <a:prstGeom prst="ellipse">
+              <a:avLst/>
+            </a:prstGeom>
+            <a:solidFill>
+              <a:schemeClr val="accent2"/>
+            </a:solidFill>
+            <a:ln w="12700"/>
+          </p:spPr>
+          <p:style>
+            <a:lnRef idx="2">
+              <a:schemeClr val="accent1">
+                <a:shade val="15000"/>
+              </a:schemeClr>
+            </a:lnRef>
+            <a:fillRef idx="1">
+              <a:schemeClr val="accent1"/>
+            </a:fillRef>
+            <a:effectRef idx="0">
+              <a:schemeClr val="accent1"/>
+            </a:effectRef>
+            <a:fontRef idx="minor">
+              <a:schemeClr val="lt1"/>
+            </a:fontRef>
+          </p:style>
+          <p:txBody>
+            <a:bodyPr rtlCol="0" anchor="ctr"/>
+            <a:lstStyle/>
+            <a:p>
+              <a:pPr algn="ctr"/>
+              <a:endParaRPr lang="en-US"/>
+            </a:p>
+          </p:txBody>
+        </p:sp>
+        <p:sp>
+          <p:nvSpPr>
+            <p:cNvPr id="67" name="Oval 66">
+              <a:extLst>
+                <a:ext uri="{FF2B5EF4-FFF2-40B4-BE49-F238E27FC236}">
+                  <a16:creationId xmlns:a16="http://schemas.microsoft.com/office/drawing/2014/main" id="{0EA2942B-D1A5-B3DE-F363-8011D39B22E3}"/>
+                </a:ext>
+              </a:extLst>
+            </p:cNvPr>
+            <p:cNvSpPr/>
+            <p:nvPr/>
+          </p:nvSpPr>
+          <p:spPr>
+            <a:xfrm>
+              <a:off x="5163297" y="5557356"/>
+              <a:ext cx="91440" cy="91440"/>
+            </a:xfrm>
+            <a:prstGeom prst="ellipse">
+              <a:avLst/>
+            </a:prstGeom>
+            <a:solidFill>
+              <a:schemeClr val="accent1"/>
+            </a:solidFill>
+            <a:ln w="12700"/>
+          </p:spPr>
+          <p:style>
+            <a:lnRef idx="2">
+              <a:schemeClr val="accent1">
+                <a:shade val="15000"/>
+              </a:schemeClr>
+            </a:lnRef>
+            <a:fillRef idx="1">
+              <a:schemeClr val="accent1"/>
+            </a:fillRef>
+            <a:effectRef idx="0">
+              <a:schemeClr val="accent1"/>
+            </a:effectRef>
+            <a:fontRef idx="minor">
+              <a:schemeClr val="lt1"/>
+            </a:fontRef>
+          </p:style>
+          <p:txBody>
+            <a:bodyPr rtlCol="0" anchor="ctr"/>
+            <a:lstStyle/>
+            <a:p>
+              <a:pPr algn="ctr"/>
+              <a:endParaRPr lang="en-US"/>
+            </a:p>
+          </p:txBody>
+        </p:sp>
+        <p:cxnSp>
+          <p:nvCxnSpPr>
+            <p:cNvPr id="68" name="Straight Arrow Connector 67">
+              <a:extLst>
+                <a:ext uri="{FF2B5EF4-FFF2-40B4-BE49-F238E27FC236}">
+                  <a16:creationId xmlns:a16="http://schemas.microsoft.com/office/drawing/2014/main" id="{7E985F08-1AC8-F9E1-273C-328FB26BFE52}"/>
+                </a:ext>
+              </a:extLst>
+            </p:cNvPr>
+            <p:cNvCxnSpPr>
+              <a:cxnSpLocks/>
+            </p:cNvCxnSpPr>
+            <p:nvPr/>
+          </p:nvCxnSpPr>
+          <p:spPr>
+            <a:xfrm flipH="1">
+              <a:off x="5901012" y="4751530"/>
+              <a:ext cx="444936" cy="613421"/>
+            </a:xfrm>
+            <a:prstGeom prst="straightConnector1">
+              <a:avLst/>
+            </a:prstGeom>
+            <a:ln w="38100">
+              <a:solidFill>
+                <a:schemeClr val="accent2">
+                  <a:lumMod val="60000"/>
+                  <a:lumOff val="40000"/>
+                </a:schemeClr>
+              </a:solidFill>
+              <a:headEnd type="triangle" w="med" len="med"/>
+              <a:tailEnd type="triangle" w="med" len="med"/>
+            </a:ln>
+          </p:spPr>
+          <p:style>
+            <a:lnRef idx="1">
+              <a:schemeClr val="accent1"/>
+            </a:lnRef>
+            <a:fillRef idx="0">
+              <a:schemeClr val="accent1"/>
+            </a:fillRef>
+            <a:effectRef idx="0">
+              <a:schemeClr val="accent1"/>
+            </a:effectRef>
+            <a:fontRef idx="minor">
+              <a:schemeClr val="tx1"/>
+            </a:fontRef>
+          </p:style>
+        </p:cxnSp>
+      </p:grpSp>
+      <p:grpSp>
+        <p:nvGrpSpPr>
+          <p:cNvPr id="81" name="Group 80">
+            <a:extLst>
+              <a:ext uri="{FF2B5EF4-FFF2-40B4-BE49-F238E27FC236}">
+                <a16:creationId xmlns:a16="http://schemas.microsoft.com/office/drawing/2014/main" id="{06FD0724-50FC-3526-9927-FA4B694F390A}"/>
+              </a:ext>
+            </a:extLst>
+          </p:cNvPr>
+          <p:cNvGrpSpPr/>
+          <p:nvPr/>
+        </p:nvGrpSpPr>
+        <p:grpSpPr>
+          <a:xfrm>
+            <a:off x="7569589" y="3151581"/>
+            <a:ext cx="1564313" cy="1738551"/>
+            <a:chOff x="8816475" y="3821976"/>
+            <a:chExt cx="1564313" cy="1738551"/>
+          </a:xfrm>
+        </p:grpSpPr>
+        <p:sp>
+          <p:nvSpPr>
+            <p:cNvPr id="23" name="Oval 22">
+              <a:extLst>
+                <a:ext uri="{FF2B5EF4-FFF2-40B4-BE49-F238E27FC236}">
+                  <a16:creationId xmlns:a16="http://schemas.microsoft.com/office/drawing/2014/main" id="{36C3546F-6F70-8D35-0B67-9D86C3852F26}"/>
+                </a:ext>
+              </a:extLst>
+            </p:cNvPr>
+            <p:cNvSpPr/>
+            <p:nvPr/>
+          </p:nvSpPr>
+          <p:spPr>
+            <a:xfrm>
+              <a:off x="8850754" y="4365246"/>
+              <a:ext cx="168828" cy="168828"/>
+            </a:xfrm>
+            <a:prstGeom prst="ellipse">
+              <a:avLst/>
+            </a:prstGeom>
+            <a:solidFill>
+              <a:schemeClr val="accent3"/>
+            </a:solidFill>
+            <a:ln w="19050"/>
+          </p:spPr>
+          <p:style>
+            <a:lnRef idx="2">
+              <a:schemeClr val="accent1">
+                <a:shade val="15000"/>
+              </a:schemeClr>
+            </a:lnRef>
+            <a:fillRef idx="1">
+              <a:schemeClr val="accent1"/>
+            </a:fillRef>
+            <a:effectRef idx="0">
+              <a:schemeClr val="accent1"/>
+            </a:effectRef>
+            <a:fontRef idx="minor">
+              <a:schemeClr val="lt1"/>
+            </a:fontRef>
+          </p:style>
+          <p:txBody>
+            <a:bodyPr rtlCol="0" anchor="ctr"/>
+            <a:lstStyle/>
+            <a:p>
+              <a:pPr algn="ctr"/>
+              <a:endParaRPr lang="en-US" sz="1600"/>
+            </a:p>
+          </p:txBody>
+        </p:sp>
+        <p:sp>
+          <p:nvSpPr>
+            <p:cNvPr id="24" name="Oval 23">
+              <a:extLst>
+                <a:ext uri="{FF2B5EF4-FFF2-40B4-BE49-F238E27FC236}">
+                  <a16:creationId xmlns:a16="http://schemas.microsoft.com/office/drawing/2014/main" id="{CDAF8AF0-104F-9D82-4310-5C8F7DB979E7}"/>
+                </a:ext>
+              </a:extLst>
+            </p:cNvPr>
+            <p:cNvSpPr/>
+            <p:nvPr/>
+          </p:nvSpPr>
+          <p:spPr>
+            <a:xfrm rot="2166680">
+              <a:off x="8816475" y="3884323"/>
+              <a:ext cx="220133" cy="220133"/>
+            </a:xfrm>
+            <a:prstGeom prst="ellipse">
+              <a:avLst/>
+            </a:prstGeom>
+            <a:solidFill>
+              <a:schemeClr val="bg2"/>
+            </a:solidFill>
+            <a:ln w="19050">
+              <a:solidFill>
+                <a:schemeClr val="tx1"/>
+              </a:solidFill>
+            </a:ln>
+          </p:spPr>
+          <p:style>
+            <a:lnRef idx="2">
+              <a:schemeClr val="accent1">
+                <a:shade val="15000"/>
+              </a:schemeClr>
+            </a:lnRef>
+            <a:fillRef idx="1">
+              <a:schemeClr val="accent1"/>
+            </a:fillRef>
+            <a:effectRef idx="0">
+              <a:schemeClr val="accent1"/>
+            </a:effectRef>
+            <a:fontRef idx="minor">
+              <a:schemeClr val="lt1"/>
+            </a:fontRef>
+          </p:style>
+          <p:txBody>
+            <a:bodyPr rtlCol="0" anchor="ctr"/>
+            <a:lstStyle/>
+            <a:p>
+              <a:pPr algn="ctr"/>
+              <a:endParaRPr lang="en-US"/>
+            </a:p>
+          </p:txBody>
+        </p:sp>
+        <p:sp>
+          <p:nvSpPr>
+            <p:cNvPr id="52" name="Oval 51">
+              <a:extLst>
+                <a:ext uri="{FF2B5EF4-FFF2-40B4-BE49-F238E27FC236}">
+                  <a16:creationId xmlns:a16="http://schemas.microsoft.com/office/drawing/2014/main" id="{7CF3971A-2BF5-51B2-00CA-95F8F0BCE540}"/>
+                </a:ext>
+              </a:extLst>
+            </p:cNvPr>
+            <p:cNvSpPr/>
+            <p:nvPr/>
+          </p:nvSpPr>
+          <p:spPr>
+            <a:xfrm>
+              <a:off x="8889448" y="4890376"/>
+              <a:ext cx="91440" cy="91440"/>
+            </a:xfrm>
+            <a:prstGeom prst="ellipse">
+              <a:avLst/>
+            </a:prstGeom>
+            <a:solidFill>
+              <a:schemeClr val="accent1"/>
+            </a:solidFill>
+            <a:ln w="12700"/>
+          </p:spPr>
+          <p:style>
+            <a:lnRef idx="2">
+              <a:schemeClr val="accent1">
+                <a:shade val="15000"/>
+              </a:schemeClr>
+            </a:lnRef>
+            <a:fillRef idx="1">
+              <a:schemeClr val="accent1"/>
+            </a:fillRef>
+            <a:effectRef idx="0">
+              <a:schemeClr val="accent1"/>
+            </a:effectRef>
+            <a:fontRef idx="minor">
+              <a:schemeClr val="lt1"/>
+            </a:fontRef>
+          </p:style>
+          <p:txBody>
+            <a:bodyPr rtlCol="0" anchor="ctr"/>
+            <a:lstStyle/>
+            <a:p>
+              <a:pPr algn="ctr"/>
+              <a:endParaRPr lang="en-US" sz="1600"/>
+            </a:p>
+          </p:txBody>
+        </p:sp>
+        <p:sp>
+          <p:nvSpPr>
+            <p:cNvPr id="53" name="Oval 52">
+              <a:extLst>
+                <a:ext uri="{FF2B5EF4-FFF2-40B4-BE49-F238E27FC236}">
+                  <a16:creationId xmlns:a16="http://schemas.microsoft.com/office/drawing/2014/main" id="{502CEFB2-A055-58E2-31D9-1195DF39DAE2}"/>
+                </a:ext>
+              </a:extLst>
+            </p:cNvPr>
+            <p:cNvSpPr/>
+            <p:nvPr/>
+          </p:nvSpPr>
+          <p:spPr>
+            <a:xfrm>
+              <a:off x="8889448" y="5347348"/>
+              <a:ext cx="91440" cy="91440"/>
+            </a:xfrm>
+            <a:prstGeom prst="ellipse">
+              <a:avLst/>
+            </a:prstGeom>
+            <a:solidFill>
+              <a:schemeClr val="accent2"/>
+            </a:solidFill>
+            <a:ln w="12700"/>
+          </p:spPr>
+          <p:style>
+            <a:lnRef idx="2">
+              <a:schemeClr val="accent1">
+                <a:shade val="15000"/>
+              </a:schemeClr>
+            </a:lnRef>
+            <a:fillRef idx="1">
+              <a:schemeClr val="accent1"/>
+            </a:fillRef>
+            <a:effectRef idx="0">
+              <a:schemeClr val="accent1"/>
+            </a:effectRef>
+            <a:fontRef idx="minor">
+              <a:schemeClr val="lt1"/>
+            </a:fontRef>
+          </p:style>
+          <p:txBody>
+            <a:bodyPr rtlCol="0" anchor="ctr"/>
+            <a:lstStyle/>
+            <a:p>
+              <a:pPr algn="ctr"/>
+              <a:endParaRPr lang="en-US" sz="1600"/>
+            </a:p>
+          </p:txBody>
+        </p:sp>
+        <p:sp>
+          <p:nvSpPr>
+            <p:cNvPr id="77" name="TextBox 76">
+              <a:extLst>
+                <a:ext uri="{FF2B5EF4-FFF2-40B4-BE49-F238E27FC236}">
+                  <a16:creationId xmlns:a16="http://schemas.microsoft.com/office/drawing/2014/main" id="{5FD10B0B-9C59-B512-CDD4-94E7DCED1B11}"/>
+                </a:ext>
+              </a:extLst>
+            </p:cNvPr>
+            <p:cNvSpPr txBox="1"/>
+            <p:nvPr/>
+          </p:nvSpPr>
+          <p:spPr>
+            <a:xfrm>
+              <a:off x="9144974" y="3821976"/>
+              <a:ext cx="1235814" cy="338554"/>
+            </a:xfrm>
+            <a:prstGeom prst="rect">
+              <a:avLst/>
+            </a:prstGeom>
+            <a:noFill/>
+          </p:spPr>
+          <p:txBody>
+            <a:bodyPr wrap="square">
+              <a:spAutoFit/>
+            </a:bodyPr>
+            <a:lstStyle/>
+            <a:p>
+              <a:pPr algn="ctr"/>
+              <a:r>
+                <a:rPr lang="en-US" sz="1600" dirty="0">
+                  <a:latin typeface="Lucida grande" panose="020B0502040204020203"/>
+                </a:rPr>
+                <a:t>Monomer</a:t>
+              </a:r>
+            </a:p>
+          </p:txBody>
+        </p:sp>
+        <p:sp>
+          <p:nvSpPr>
+            <p:cNvPr id="78" name="TextBox 77">
+              <a:extLst>
+                <a:ext uri="{FF2B5EF4-FFF2-40B4-BE49-F238E27FC236}">
+                  <a16:creationId xmlns:a16="http://schemas.microsoft.com/office/drawing/2014/main" id="{6E50B520-9A8A-545B-AF39-83D208DC5020}"/>
+                </a:ext>
+              </a:extLst>
+            </p:cNvPr>
+            <p:cNvSpPr txBox="1"/>
+            <p:nvPr/>
+          </p:nvSpPr>
+          <p:spPr>
+            <a:xfrm>
+              <a:off x="9288410" y="4267818"/>
+              <a:ext cx="948945" cy="338554"/>
+            </a:xfrm>
+            <a:prstGeom prst="rect">
+              <a:avLst/>
+            </a:prstGeom>
+            <a:noFill/>
+          </p:spPr>
+          <p:txBody>
+            <a:bodyPr wrap="square">
+              <a:spAutoFit/>
+            </a:bodyPr>
+            <a:lstStyle/>
+            <a:p>
+              <a:pPr algn="ctr"/>
+              <a:r>
+                <a:rPr lang="en-US" sz="1600" dirty="0">
+                  <a:latin typeface="Lucida grande" panose="020B0502040204020203"/>
+                </a:rPr>
+                <a:t>Solvent</a:t>
+              </a:r>
+            </a:p>
+          </p:txBody>
+        </p:sp>
+        <mc:AlternateContent xmlns:mc="http://schemas.openxmlformats.org/markup-compatibility/2006">
+          <mc:Choice xmlns:a14="http://schemas.microsoft.com/office/drawing/2010/main" Requires="a14">
+            <p:sp>
+              <p:nvSpPr>
+                <p:cNvPr id="79" name="TextBox 78">
+                  <a:extLst>
+                    <a:ext uri="{FF2B5EF4-FFF2-40B4-BE49-F238E27FC236}">
+                      <a16:creationId xmlns:a16="http://schemas.microsoft.com/office/drawing/2014/main" id="{ADB1891D-8D04-95BF-52BD-E23E89605DCB}"/>
+                    </a:ext>
+                  </a:extLst>
+                </p:cNvPr>
+                <p:cNvSpPr txBox="1"/>
+                <p:nvPr/>
+              </p:nvSpPr>
+              <p:spPr>
+                <a:xfrm>
+                  <a:off x="9288409" y="4776131"/>
+                  <a:ext cx="948945" cy="338554"/>
+                </a:xfrm>
+                <a:prstGeom prst="rect">
+                  <a:avLst/>
+                </a:prstGeom>
+                <a:noFill/>
+              </p:spPr>
+              <p:txBody>
+                <a:bodyPr wrap="square">
+                  <a:spAutoFit/>
+                </a:bodyPr>
+                <a:lstStyle/>
+                <a:p>
+                  <a:pPr algn="ctr"/>
+                  <a14:m>
+                    <m:oMathPara xmlns:m="http://schemas.openxmlformats.org/officeDocument/2006/math">
+                      <m:oMathParaPr>
+                        <m:jc m:val="centerGroup"/>
+                      </m:oMathParaPr>
+                      <m:oMath xmlns:m="http://schemas.openxmlformats.org/officeDocument/2006/math">
+                        <m:r>
+                          <a:rPr lang="en-US" sz="1600" i="1" dirty="0" smtClean="0">
+                            <a:latin typeface="Cambria Math" panose="02040503050406030204" pitchFamily="18" charset="0"/>
+                          </a:rPr>
+                          <m:t>+</m:t>
+                        </m:r>
+                      </m:oMath>
+                    </m:oMathPara>
+                  </a14:m>
+                  <a:endParaRPr lang="en-US" sz="1600" dirty="0">
+                    <a:latin typeface="Lucida grande" panose="020B0502040204020203"/>
+                  </a:endParaRPr>
+                </a:p>
+              </p:txBody>
+            </p:sp>
+          </mc:Choice>
+          <mc:Fallback>
+            <p:sp>
+              <p:nvSpPr>
+                <p:cNvPr id="79" name="TextBox 78">
+                  <a:extLst>
+                    <a:ext uri="{FF2B5EF4-FFF2-40B4-BE49-F238E27FC236}">
+                      <a16:creationId xmlns:a16="http://schemas.microsoft.com/office/drawing/2014/main" id="{ADB1891D-8D04-95BF-52BD-E23E89605DCB}"/>
+                    </a:ext>
+                  </a:extLst>
+                </p:cNvPr>
+                <p:cNvSpPr txBox="1">
+                  <a:spLocks noRot="1" noChangeAspect="1" noMove="1" noResize="1" noEditPoints="1" noAdjustHandles="1" noChangeArrowheads="1" noChangeShapeType="1" noTextEdit="1"/>
+                </p:cNvSpPr>
+                <p:nvPr/>
+              </p:nvSpPr>
+              <p:spPr>
+                <a:xfrm>
+                  <a:off x="9288409" y="4776131"/>
+                  <a:ext cx="948945" cy="338554"/>
+                </a:xfrm>
+                <a:prstGeom prst="rect">
+                  <a:avLst/>
+                </a:prstGeom>
+                <a:blipFill>
+                  <a:blip r:embed="rId2"/>
+                  <a:stretch>
+                    <a:fillRect/>
+                  </a:stretch>
+                </a:blipFill>
+              </p:spPr>
+              <p:txBody>
+                <a:bodyPr/>
+                <a:lstStyle/>
+                <a:p>
+                  <a:r>
+                    <a:rPr lang="en-US">
+                      <a:noFill/>
+                    </a:rPr>
+                    <a:t> </a:t>
+                  </a:r>
+                </a:p>
+              </p:txBody>
+            </p:sp>
+          </mc:Fallback>
+        </mc:AlternateContent>
+        <mc:AlternateContent xmlns:mc="http://schemas.openxmlformats.org/markup-compatibility/2006">
+          <mc:Choice xmlns:a14="http://schemas.microsoft.com/office/drawing/2010/main" Requires="a14">
+            <p:sp>
+              <p:nvSpPr>
+                <p:cNvPr id="80" name="TextBox 79">
+                  <a:extLst>
+                    <a:ext uri="{FF2B5EF4-FFF2-40B4-BE49-F238E27FC236}">
+                      <a16:creationId xmlns:a16="http://schemas.microsoft.com/office/drawing/2014/main" id="{E6658ECC-4433-E1AE-08EE-ECF0A4650B1E}"/>
+                    </a:ext>
+                  </a:extLst>
+                </p:cNvPr>
+                <p:cNvSpPr txBox="1"/>
+                <p:nvPr/>
+              </p:nvSpPr>
+              <p:spPr>
+                <a:xfrm>
+                  <a:off x="9294837" y="5221973"/>
+                  <a:ext cx="948945" cy="338554"/>
+                </a:xfrm>
+                <a:prstGeom prst="rect">
+                  <a:avLst/>
+                </a:prstGeom>
+                <a:noFill/>
+              </p:spPr>
+              <p:txBody>
+                <a:bodyPr wrap="square">
+                  <a:spAutoFit/>
+                </a:bodyPr>
+                <a:lstStyle/>
+                <a:p>
+                  <a:pPr algn="ctr"/>
+                  <a14:m>
+                    <m:oMathPara xmlns:m="http://schemas.openxmlformats.org/officeDocument/2006/math">
+                      <m:oMathParaPr>
+                        <m:jc m:val="centerGroup"/>
+                      </m:oMathParaPr>
+                      <m:oMath xmlns:m="http://schemas.openxmlformats.org/officeDocument/2006/math">
+                        <m:r>
+                          <a:rPr lang="en-US" sz="1600" i="1" dirty="0" smtClean="0">
+                            <a:latin typeface="Cambria Math" panose="02040503050406030204" pitchFamily="18" charset="0"/>
+                          </a:rPr>
+                          <m:t>−</m:t>
+                        </m:r>
+                      </m:oMath>
+                    </m:oMathPara>
+                  </a14:m>
+                  <a:endParaRPr lang="en-US" sz="1600" dirty="0">
+                    <a:latin typeface="Lucida grande" panose="020B0502040204020203"/>
+                  </a:endParaRPr>
+                </a:p>
+              </p:txBody>
+            </p:sp>
+          </mc:Choice>
+          <mc:Fallback>
+            <p:sp>
+              <p:nvSpPr>
+                <p:cNvPr id="80" name="TextBox 79">
+                  <a:extLst>
+                    <a:ext uri="{FF2B5EF4-FFF2-40B4-BE49-F238E27FC236}">
+                      <a16:creationId xmlns:a16="http://schemas.microsoft.com/office/drawing/2014/main" id="{E6658ECC-4433-E1AE-08EE-ECF0A4650B1E}"/>
+                    </a:ext>
+                  </a:extLst>
+                </p:cNvPr>
+                <p:cNvSpPr txBox="1">
+                  <a:spLocks noRot="1" noChangeAspect="1" noMove="1" noResize="1" noEditPoints="1" noAdjustHandles="1" noChangeArrowheads="1" noChangeShapeType="1" noTextEdit="1"/>
+                </p:cNvSpPr>
+                <p:nvPr/>
+              </p:nvSpPr>
+              <p:spPr>
+                <a:xfrm>
+                  <a:off x="9294837" y="5221973"/>
+                  <a:ext cx="948945" cy="338554"/>
+                </a:xfrm>
+                <a:prstGeom prst="rect">
+                  <a:avLst/>
+                </a:prstGeom>
+                <a:blipFill>
+                  <a:blip r:embed="rId3"/>
+                  <a:stretch>
+                    <a:fillRect/>
+                  </a:stretch>
+                </a:blipFill>
+              </p:spPr>
+              <p:txBody>
+                <a:bodyPr/>
+                <a:lstStyle/>
+                <a:p>
+                  <a:r>
+                    <a:rPr lang="en-US">
+                      <a:noFill/>
+                    </a:rPr>
+                    <a:t> </a:t>
+                  </a:r>
+                </a:p>
+              </p:txBody>
+            </p:sp>
+          </mc:Fallback>
+        </mc:AlternateContent>
+      </p:grpSp>
+      <p:sp>
+        <p:nvSpPr>
+          <p:cNvPr id="83" name="TextBox 82">
+            <a:extLst>
+              <a:ext uri="{FF2B5EF4-FFF2-40B4-BE49-F238E27FC236}">
+                <a16:creationId xmlns:a16="http://schemas.microsoft.com/office/drawing/2014/main" id="{FE6C4E74-C8F8-9ADB-E1BB-31A64932F8EF}"/>
+              </a:ext>
+            </a:extLst>
+          </p:cNvPr>
+          <p:cNvSpPr txBox="1"/>
+          <p:nvPr/>
+        </p:nvSpPr>
+        <p:spPr>
+          <a:xfrm>
+            <a:off x="888388" y="5449876"/>
+            <a:ext cx="9985932" cy="707886"/>
+          </a:xfrm>
+          <a:prstGeom prst="rect">
+            <a:avLst/>
+          </a:prstGeom>
+          <a:noFill/>
+        </p:spPr>
+        <p:txBody>
+          <a:bodyPr wrap="square">
+            <a:spAutoFit/>
+          </a:bodyPr>
+          <a:lstStyle/>
+          <a:p>
+            <a:pPr marL="285750" indent="-285750">
+              <a:buFont typeface="Arial" panose="020B0604020202020204" pitchFamily="34" charset="0"/>
+              <a:buChar char="•"/>
+            </a:pPr>
+            <a:r>
+              <a:rPr lang="en-US" sz="2000" dirty="0">
+                <a:latin typeface="Lucida grande" panose="020B0502040204020203"/>
+              </a:rPr>
+              <a:t>The relative strengths of these interactions are determined by monomer chemistry (e.g., backbone, sidechain EW, etc.) and environment (e.g., temperature, humidity)</a:t>
+            </a:r>
           </a:p>
         </p:txBody>
       </p:sp>
@@ -4130,7 +6754,7 @@
         <p:spPr>
           <a:xfrm>
             <a:off x="491066" y="1317948"/>
-            <a:ext cx="11345333" cy="365126"/>
+            <a:ext cx="9900709" cy="365126"/>
           </a:xfrm>
         </p:spPr>
         <p:txBody>
@@ -4189,8 +6813,8 @@
         </p:nvSpPr>
         <p:spPr>
           <a:xfrm>
-            <a:off x="575733" y="4912687"/>
-            <a:ext cx="9406467" cy="584775"/>
+            <a:off x="575733" y="5798512"/>
+            <a:ext cx="8796867" cy="646331"/>
           </a:xfrm>
           <a:prstGeom prst="rect">
             <a:avLst/>
@@ -4208,7 +6832,7 @@
               <a:buChar char="•"/>
             </a:pPr>
             <a:r>
-              <a:rPr lang="en-US" sz="1600" dirty="0">
+              <a:rPr lang="en-US" dirty="0">
                 <a:latin typeface="Lucida grande" panose="020B0502040204020203"/>
               </a:rPr>
               <a:t>A robust theoretical framework can provide molecular details, such as mechanisms for morphological transitions</a:t>
@@ -4216,36 +6840,385 @@
           </a:p>
         </p:txBody>
       </p:sp>
-      <p:pic>
-        <p:nvPicPr>
-          <p:cNvPr id="41" name="Picture 40">
+      <mc:AlternateContent xmlns:mc="http://schemas.openxmlformats.org/markup-compatibility/2006">
+        <mc:Choice xmlns:a14="http://schemas.microsoft.com/office/drawing/2010/main" Requires="a14">
+          <p:sp>
+            <p:nvSpPr>
+              <p:cNvPr id="45" name="TextBox 44">
+                <a:extLst>
+                  <a:ext uri="{FF2B5EF4-FFF2-40B4-BE49-F238E27FC236}">
+                    <a16:creationId xmlns:a16="http://schemas.microsoft.com/office/drawing/2014/main" id="{D3E94312-CA39-4C58-D87C-0F855B738479}"/>
+                  </a:ext>
+                </a:extLst>
+              </p:cNvPr>
+              <p:cNvSpPr txBox="1"/>
+              <p:nvPr/>
+            </p:nvSpPr>
+            <p:spPr>
+              <a:xfrm>
+                <a:off x="1046516" y="2073750"/>
+                <a:ext cx="9598153" cy="369332"/>
+              </a:xfrm>
+              <a:prstGeom prst="rect">
+                <a:avLst/>
+              </a:prstGeom>
+              <a:noFill/>
+            </p:spPr>
+            <p:txBody>
+              <a:bodyPr wrap="square">
+                <a:spAutoFit/>
+              </a:bodyPr>
+              <a:lstStyle/>
+              <a:p>
+                <a:pPr marL="285750" indent="-285750">
+                  <a:buFont typeface="Arial" panose="020B0604020202020204" pitchFamily="34" charset="0"/>
+                  <a:buChar char="•"/>
+                </a:pPr>
+                <a:r>
+                  <a:rPr lang="en-US" dirty="0">
+                    <a:latin typeface="Lucida grande" panose="020B0502040204020203"/>
+                  </a:rPr>
+                  <a:t>Example: moderately charged brushes for decreasing hydrophobicities </a:t>
+                </a:r>
+                <a14:m>
+                  <m:oMath xmlns:m="http://schemas.openxmlformats.org/officeDocument/2006/math">
+                    <m:r>
+                      <a:rPr lang="en-US" b="0" i="1" smtClean="0">
+                        <a:latin typeface="Cambria Math" panose="02040503050406030204" pitchFamily="18" charset="0"/>
+                      </a:rPr>
+                      <m:t>𝜒</m:t>
+                    </m:r>
+                  </m:oMath>
+                </a14:m>
+                <a:endParaRPr lang="en-US" dirty="0">
+                  <a:latin typeface="Lucida grande" panose="020B0502040204020203"/>
+                </a:endParaRPr>
+              </a:p>
+            </p:txBody>
+          </p:sp>
+        </mc:Choice>
+        <mc:Fallback>
+          <p:sp>
+            <p:nvSpPr>
+              <p:cNvPr id="45" name="TextBox 44">
+                <a:extLst>
+                  <a:ext uri="{FF2B5EF4-FFF2-40B4-BE49-F238E27FC236}">
+                    <a16:creationId xmlns:a16="http://schemas.microsoft.com/office/drawing/2014/main" id="{D3E94312-CA39-4C58-D87C-0F855B738479}"/>
+                  </a:ext>
+                </a:extLst>
+              </p:cNvPr>
+              <p:cNvSpPr txBox="1">
+                <a:spLocks noRot="1" noChangeAspect="1" noMove="1" noResize="1" noEditPoints="1" noAdjustHandles="1" noChangeArrowheads="1" noChangeShapeType="1" noTextEdit="1"/>
+              </p:cNvSpPr>
+              <p:nvPr/>
+            </p:nvSpPr>
+            <p:spPr>
+              <a:xfrm>
+                <a:off x="1046516" y="2073750"/>
+                <a:ext cx="9598153" cy="369332"/>
+              </a:xfrm>
+              <a:prstGeom prst="rect">
+                <a:avLst/>
+              </a:prstGeom>
+              <a:blipFill>
+                <a:blip r:embed="rId2"/>
+                <a:stretch>
+                  <a:fillRect l="-445" t="-6557" b="-26230"/>
+                </a:stretch>
+              </a:blipFill>
+            </p:spPr>
+            <p:txBody>
+              <a:bodyPr/>
+              <a:lstStyle/>
+              <a:p>
+                <a:r>
+                  <a:rPr lang="en-US">
+                    <a:noFill/>
+                  </a:rPr>
+                  <a:t> </a:t>
+                </a:r>
+              </a:p>
+            </p:txBody>
+          </p:sp>
+        </mc:Fallback>
+      </mc:AlternateContent>
+      <p:grpSp>
+        <p:nvGrpSpPr>
+          <p:cNvPr id="49" name="Group 48">
             <a:extLst>
               <a:ext uri="{FF2B5EF4-FFF2-40B4-BE49-F238E27FC236}">
-                <a16:creationId xmlns:a16="http://schemas.microsoft.com/office/drawing/2014/main" id="{B5D71C4B-E26F-0E8D-9F1F-C7CB959B37DA}"/>
+                <a16:creationId xmlns:a16="http://schemas.microsoft.com/office/drawing/2014/main" id="{13DB47F4-7788-55D5-BB4B-1F788B4FCF0B}"/>
               </a:ext>
             </a:extLst>
           </p:cNvPr>
-          <p:cNvPicPr>
-            <a:picLocks noChangeAspect="1"/>
-          </p:cNvPicPr>
+          <p:cNvGrpSpPr/>
           <p:nvPr/>
-        </p:nvPicPr>
-        <p:blipFill>
-          <a:blip r:embed="rId2"/>
-          <a:stretch>
-            <a:fillRect/>
-          </a:stretch>
-        </p:blipFill>
+        </p:nvGrpSpPr>
+        <p:grpSpPr>
+          <a:xfrm>
+            <a:off x="945092" y="2703076"/>
+            <a:ext cx="9699577" cy="1743188"/>
+            <a:chOff x="945092" y="2703076"/>
+            <a:chExt cx="9699577" cy="1743188"/>
+          </a:xfrm>
+        </p:grpSpPr>
+        <p:pic>
+          <p:nvPicPr>
+            <p:cNvPr id="41" name="Picture 40">
+              <a:extLst>
+                <a:ext uri="{FF2B5EF4-FFF2-40B4-BE49-F238E27FC236}">
+                  <a16:creationId xmlns:a16="http://schemas.microsoft.com/office/drawing/2014/main" id="{B5D71C4B-E26F-0E8D-9F1F-C7CB959B37DA}"/>
+                </a:ext>
+              </a:extLst>
+            </p:cNvPr>
+            <p:cNvPicPr>
+              <a:picLocks noChangeAspect="1"/>
+            </p:cNvPicPr>
+            <p:nvPr/>
+          </p:nvPicPr>
+          <p:blipFill>
+            <a:blip r:embed="rId3"/>
+            <a:stretch>
+              <a:fillRect/>
+            </a:stretch>
+          </p:blipFill>
+          <p:spPr>
+            <a:xfrm>
+              <a:off x="945092" y="2885553"/>
+              <a:ext cx="9699577" cy="1560711"/>
+            </a:xfrm>
+            <a:prstGeom prst="rect">
+              <a:avLst/>
+            </a:prstGeom>
+          </p:spPr>
+        </p:pic>
+        <p:sp>
+          <p:nvSpPr>
+            <p:cNvPr id="46" name="Isosceles Triangle 45">
+              <a:extLst>
+                <a:ext uri="{FF2B5EF4-FFF2-40B4-BE49-F238E27FC236}">
+                  <a16:creationId xmlns:a16="http://schemas.microsoft.com/office/drawing/2014/main" id="{9BB0D265-5AAB-A11E-F82E-447DC61C3219}"/>
+                </a:ext>
+              </a:extLst>
+            </p:cNvPr>
+            <p:cNvSpPr/>
+            <p:nvPr/>
+          </p:nvSpPr>
+          <p:spPr>
+            <a:xfrm rot="5400000">
+              <a:off x="6177223" y="-1532928"/>
+              <a:ext cx="125420" cy="8676222"/>
+            </a:xfrm>
+            <a:prstGeom prst="triangle">
+              <a:avLst>
+                <a:gd name="adj" fmla="val 100000"/>
+              </a:avLst>
+            </a:prstGeom>
+            <a:solidFill>
+              <a:schemeClr val="bg1">
+                <a:lumMod val="95000"/>
+              </a:schemeClr>
+            </a:solidFill>
+            <a:ln>
+              <a:solidFill>
+                <a:schemeClr val="tx1"/>
+              </a:solidFill>
+            </a:ln>
+          </p:spPr>
+          <p:style>
+            <a:lnRef idx="2">
+              <a:schemeClr val="accent1">
+                <a:shade val="15000"/>
+              </a:schemeClr>
+            </a:lnRef>
+            <a:fillRef idx="1">
+              <a:schemeClr val="accent1"/>
+            </a:fillRef>
+            <a:effectRef idx="0">
+              <a:schemeClr val="accent1"/>
+            </a:effectRef>
+            <a:fontRef idx="minor">
+              <a:schemeClr val="lt1"/>
+            </a:fontRef>
+          </p:style>
+          <p:txBody>
+            <a:bodyPr rtlCol="0" anchor="ctr"/>
+            <a:lstStyle/>
+            <a:p>
+              <a:pPr algn="ctr"/>
+              <a:endParaRPr lang="en-US"/>
+            </a:p>
+          </p:txBody>
+        </p:sp>
+        <p:pic>
+          <p:nvPicPr>
+            <p:cNvPr id="48" name="Picture 47">
+              <a:extLst>
+                <a:ext uri="{FF2B5EF4-FFF2-40B4-BE49-F238E27FC236}">
+                  <a16:creationId xmlns:a16="http://schemas.microsoft.com/office/drawing/2014/main" id="{6251A9D0-6216-1C32-F6C1-362373B4C017}"/>
+                </a:ext>
+              </a:extLst>
+            </p:cNvPr>
+            <p:cNvPicPr>
+              <a:picLocks noChangeAspect="1"/>
+            </p:cNvPicPr>
+            <p:nvPr/>
+          </p:nvPicPr>
+          <p:blipFill>
+            <a:blip r:embed="rId4"/>
+            <a:stretch>
+              <a:fillRect/>
+            </a:stretch>
+          </p:blipFill>
+          <p:spPr>
+            <a:xfrm>
+              <a:off x="1656291" y="2703076"/>
+              <a:ext cx="157694" cy="170836"/>
+            </a:xfrm>
+            <a:prstGeom prst="rect">
+              <a:avLst/>
+            </a:prstGeom>
+          </p:spPr>
+        </p:pic>
+      </p:grpSp>
+      <p:sp>
+        <p:nvSpPr>
+          <p:cNvPr id="50" name="Rectangle 49">
+            <a:extLst>
+              <a:ext uri="{FF2B5EF4-FFF2-40B4-BE49-F238E27FC236}">
+                <a16:creationId xmlns:a16="http://schemas.microsoft.com/office/drawing/2014/main" id="{795FB434-8085-54DC-F260-18C98E9E890F}"/>
+              </a:ext>
+            </a:extLst>
+          </p:cNvPr>
+          <p:cNvSpPr/>
+          <p:nvPr/>
+        </p:nvSpPr>
         <p:spPr>
           <a:xfrm>
-            <a:off x="990600" y="2047672"/>
-            <a:ext cx="9699577" cy="1560711"/>
+            <a:off x="3276601" y="2934568"/>
+            <a:ext cx="1809750" cy="1418357"/>
           </a:xfrm>
           <a:prstGeom prst="rect">
             <a:avLst/>
           </a:prstGeom>
         </p:spPr>
-      </p:pic>
+        <p:style>
+          <a:lnRef idx="2">
+            <a:schemeClr val="accent1">
+              <a:shade val="15000"/>
+            </a:schemeClr>
+          </a:lnRef>
+          <a:fillRef idx="1">
+            <a:schemeClr val="accent1"/>
+          </a:fillRef>
+          <a:effectRef idx="0">
+            <a:schemeClr val="accent1"/>
+          </a:effectRef>
+          <a:fontRef idx="minor">
+            <a:schemeClr val="lt1"/>
+          </a:fontRef>
+        </p:style>
+        <p:txBody>
+          <a:bodyPr rtlCol="0" anchor="ctr"/>
+          <a:lstStyle/>
+          <a:p>
+            <a:pPr algn="ctr"/>
+            <a:endParaRPr lang="en-US"/>
+          </a:p>
+        </p:txBody>
+      </p:sp>
+      <p:sp>
+        <p:nvSpPr>
+          <p:cNvPr id="51" name="Rectangle 50">
+            <a:extLst>
+              <a:ext uri="{FF2B5EF4-FFF2-40B4-BE49-F238E27FC236}">
+                <a16:creationId xmlns:a16="http://schemas.microsoft.com/office/drawing/2014/main" id="{BB1B103A-F483-BD95-223D-F75F261B90F1}"/>
+              </a:ext>
+            </a:extLst>
+          </p:cNvPr>
+          <p:cNvSpPr/>
+          <p:nvPr/>
+        </p:nvSpPr>
+        <p:spPr>
+          <a:xfrm>
+            <a:off x="5153027" y="2921438"/>
+            <a:ext cx="1809751" cy="1418357"/>
+          </a:xfrm>
+          <a:prstGeom prst="rect">
+            <a:avLst/>
+          </a:prstGeom>
+        </p:spPr>
+        <p:style>
+          <a:lnRef idx="2">
+            <a:schemeClr val="accent1">
+              <a:shade val="15000"/>
+            </a:schemeClr>
+          </a:lnRef>
+          <a:fillRef idx="1">
+            <a:schemeClr val="accent1"/>
+          </a:fillRef>
+          <a:effectRef idx="0">
+            <a:schemeClr val="accent1"/>
+          </a:effectRef>
+          <a:fontRef idx="minor">
+            <a:schemeClr val="lt1"/>
+          </a:fontRef>
+        </p:style>
+        <p:txBody>
+          <a:bodyPr rtlCol="0" anchor="ctr"/>
+          <a:lstStyle/>
+          <a:p>
+            <a:pPr algn="ctr"/>
+            <a:endParaRPr lang="en-US"/>
+          </a:p>
+        </p:txBody>
+      </p:sp>
+      <p:sp>
+        <p:nvSpPr>
+          <p:cNvPr id="52" name="Rectangle 51">
+            <a:extLst>
+              <a:ext uri="{FF2B5EF4-FFF2-40B4-BE49-F238E27FC236}">
+                <a16:creationId xmlns:a16="http://schemas.microsoft.com/office/drawing/2014/main" id="{63BE2A0F-8EC3-C75D-57B0-955C5E45D963}"/>
+              </a:ext>
+            </a:extLst>
+          </p:cNvPr>
+          <p:cNvSpPr/>
+          <p:nvPr/>
+        </p:nvSpPr>
+        <p:spPr>
+          <a:xfrm>
+            <a:off x="6998734" y="2921438"/>
+            <a:ext cx="1809751" cy="1418357"/>
+          </a:xfrm>
+          <a:prstGeom prst="rect">
+            <a:avLst/>
+          </a:prstGeom>
+        </p:spPr>
+        <p:style>
+          <a:lnRef idx="2">
+            <a:schemeClr val="accent1">
+              <a:shade val="15000"/>
+            </a:schemeClr>
+          </a:lnRef>
+          <a:fillRef idx="1">
+            <a:schemeClr val="accent1"/>
+          </a:fillRef>
+          <a:effectRef idx="0">
+            <a:schemeClr val="accent1"/>
+          </a:effectRef>
+          <a:fontRef idx="minor">
+            <a:schemeClr val="lt1"/>
+          </a:fontRef>
+        </p:style>
+        <p:txBody>
+          <a:bodyPr rtlCol="0" anchor="ctr"/>
+          <a:lstStyle/>
+          <a:p>
+            <a:pPr algn="ctr"/>
+            <a:endParaRPr lang="en-US"/>
+          </a:p>
+        </p:txBody>
+      </p:sp>
     </p:spTree>
     <p:extLst>
       <p:ext uri="{BB962C8B-B14F-4D97-AF65-F5344CB8AC3E}">
@@ -8678,7 +11651,23 @@
       </a:bgFillStyleLst>
     </a:fmtScheme>
   </a:themeElements>
-  <a:objectDefaults/>
+  <a:objectDefaults>
+    <a:txDef>
+      <a:spPr>
+        <a:noFill/>
+      </a:spPr>
+      <a:bodyPr wrap="square">
+        <a:spAutoFit/>
+      </a:bodyPr>
+      <a:lstStyle>
+        <a:defPPr algn="l">
+          <a:defRPr sz="1800" dirty="0">
+            <a:latin typeface="Lucida grande" panose="020B0502040204020203"/>
+          </a:defRPr>
+        </a:defPPr>
+      </a:lstStyle>
+    </a:txDef>
+  </a:objectDefaults>
   <a:extraClrSchemeLst/>
   <a:extLst>
     <a:ext uri="{05A4C25C-085E-4340-85A3-A5531E510DB2}">

--- a/20240722 NAF Intro.pptx
+++ b/20240722 NAF Intro.pptx
@@ -6814,7 +6814,7 @@
         <p:spPr>
           <a:xfrm>
             <a:off x="575733" y="5798512"/>
-            <a:ext cx="8796867" cy="646331"/>
+            <a:ext cx="11130492" cy="646331"/>
           </a:xfrm>
           <a:prstGeom prst="rect">
             <a:avLst/>
@@ -6835,7 +6835,7 @@
               <a:rPr lang="en-US" dirty="0">
                 <a:latin typeface="Lucida grande" panose="020B0502040204020203"/>
               </a:rPr>
-              <a:t>A robust theoretical framework can provide molecular details, such as mechanisms for morphological transitions</a:t>
+              <a:t>A robust theoretical framework can provide molecular details such as mechanisms underlying morphological transitions</a:t>
             </a:r>
           </a:p>
         </p:txBody>

--- a/20240722 NAF Intro.pptx
+++ b/20240722 NAF Intro.pptx
@@ -3251,10 +3251,10 @@
         </p:nvGrpSpPr>
         <p:grpSpPr>
           <a:xfrm>
-            <a:off x="459115" y="5284669"/>
-            <a:ext cx="9698967" cy="1559234"/>
+            <a:off x="535315" y="3429000"/>
+            <a:ext cx="7900548" cy="1542507"/>
             <a:chOff x="611252" y="4175563"/>
-            <a:chExt cx="9698967" cy="1559234"/>
+            <a:chExt cx="7900548" cy="1542507"/>
           </a:xfrm>
         </p:grpSpPr>
         <p:grpSp>
@@ -3272,56 +3272,11 @@
           <p:grpSpPr>
             <a:xfrm>
               <a:off x="611252" y="4175563"/>
-              <a:ext cx="9698967" cy="1559234"/>
+              <a:ext cx="7900548" cy="1542507"/>
               <a:chOff x="814452" y="4273896"/>
-              <a:chExt cx="9698967" cy="1559234"/>
+              <a:chExt cx="7900548" cy="1542507"/>
             </a:xfrm>
           </p:grpSpPr>
-          <p:pic>
-            <p:nvPicPr>
-              <p:cNvPr id="7" name="Picture 2">
-                <a:extLst>
-                  <a:ext uri="{FF2B5EF4-FFF2-40B4-BE49-F238E27FC236}">
-                    <a16:creationId xmlns:a16="http://schemas.microsoft.com/office/drawing/2014/main" id="{0B79A49B-7367-A429-8DB3-50D84FDB3696}"/>
-                  </a:ext>
-                </a:extLst>
-              </p:cNvPr>
-              <p:cNvPicPr>
-                <a:picLocks noChangeAspect="1" noChangeArrowheads="1"/>
-              </p:cNvPicPr>
-              <p:nvPr/>
-            </p:nvPicPr>
-            <p:blipFill rotWithShape="1">
-              <a:blip r:embed="rId2">
-                <a:extLst>
-                  <a:ext uri="{28A0092B-C50C-407E-A947-70E740481C1C}">
-                    <a14:useLocalDpi xmlns:a14="http://schemas.microsoft.com/office/drawing/2010/main" val="0"/>
-                  </a:ext>
-                </a:extLst>
-              </a:blip>
-              <a:srcRect l="36396" t="43350" r="31748"/>
-              <a:stretch/>
-            </p:blipFill>
-            <p:spPr bwMode="auto">
-              <a:xfrm>
-                <a:off x="6637868" y="4326692"/>
-                <a:ext cx="2056649" cy="1497971"/>
-              </a:xfrm>
-              <a:prstGeom prst="rect">
-                <a:avLst/>
-              </a:prstGeom>
-              <a:noFill/>
-              <a:extLst>
-                <a:ext uri="{909E8E84-426E-40DD-AFC4-6F175D3DCCD1}">
-                  <a14:hiddenFill xmlns:a14="http://schemas.microsoft.com/office/drawing/2010/main">
-                    <a:solidFill>
-                      <a:srgbClr val="FFFFFF"/>
-                    </a:solidFill>
-                  </a14:hiddenFill>
-                </a:ext>
-              </a:extLst>
-            </p:spPr>
-          </p:pic>
           <p:pic>
             <p:nvPicPr>
               <p:cNvPr id="14" name="Picture 13">
@@ -3337,7 +3292,7 @@
               <p:nvPr/>
             </p:nvPicPr>
             <p:blipFill rotWithShape="1">
-              <a:blip r:embed="rId3"/>
+              <a:blip r:embed="rId2"/>
               <a:srcRect l="36296" r="32491"/>
               <a:stretch/>
             </p:blipFill>
@@ -3366,7 +3321,7 @@
               <p:nvPr/>
             </p:nvPicPr>
             <p:blipFill rotWithShape="1">
-              <a:blip r:embed="rId2">
+              <a:blip r:embed="rId3">
                 <a:extLst>
                   <a:ext uri="{28A0092B-C50C-407E-A947-70E740481C1C}">
                     <a14:useLocalDpi xmlns:a14="http://schemas.microsoft.com/office/drawing/2010/main" val="0"/>
@@ -3378,7 +3333,7 @@
             </p:blipFill>
             <p:spPr bwMode="auto">
               <a:xfrm>
-                <a:off x="8658687" y="4335159"/>
+                <a:off x="6860268" y="4318432"/>
                 <a:ext cx="1854732" cy="1497971"/>
               </a:xfrm>
               <a:prstGeom prst="rect">
@@ -3411,7 +3366,7 @@
               <p:nvPr/>
             </p:nvPicPr>
             <p:blipFill rotWithShape="1">
-              <a:blip r:embed="rId2">
+              <a:blip r:embed="rId3">
                 <a:extLst>
                   <a:ext uri="{28A0092B-C50C-407E-A947-70E740481C1C}">
                     <a14:useLocalDpi xmlns:a14="http://schemas.microsoft.com/office/drawing/2010/main" val="0"/>
@@ -3456,7 +3411,7 @@
               <p:nvPr/>
             </p:nvPicPr>
             <p:blipFill rotWithShape="1">
-              <a:blip r:embed="rId3"/>
+              <a:blip r:embed="rId2"/>
               <a:srcRect r="63856"/>
               <a:stretch/>
             </p:blipFill>
@@ -3635,60 +3590,6 @@
         </p:sp>
         <p:sp>
           <p:nvSpPr>
-            <p:cNvPr id="23" name="Rectangle 22">
-              <a:extLst>
-                <a:ext uri="{FF2B5EF4-FFF2-40B4-BE49-F238E27FC236}">
-                  <a16:creationId xmlns:a16="http://schemas.microsoft.com/office/drawing/2014/main" id="{03853556-30ED-DBE2-0BC9-23042C65A201}"/>
-                </a:ext>
-              </a:extLst>
-            </p:cNvPr>
-            <p:cNvSpPr/>
-            <p:nvPr/>
-          </p:nvSpPr>
-          <p:spPr>
-            <a:xfrm>
-              <a:off x="7641128" y="4335685"/>
-              <a:ext cx="757767" cy="592667"/>
-            </a:xfrm>
-            <a:prstGeom prst="rect">
-              <a:avLst/>
-            </a:prstGeom>
-            <a:solidFill>
-              <a:schemeClr val="bg1"/>
-            </a:solidFill>
-            <a:ln>
-              <a:solidFill>
-                <a:schemeClr val="bg1"/>
-              </a:solidFill>
-            </a:ln>
-          </p:spPr>
-          <p:style>
-            <a:lnRef idx="2">
-              <a:schemeClr val="accent1">
-                <a:shade val="15000"/>
-              </a:schemeClr>
-            </a:lnRef>
-            <a:fillRef idx="1">
-              <a:schemeClr val="accent1"/>
-            </a:fillRef>
-            <a:effectRef idx="0">
-              <a:schemeClr val="accent1"/>
-            </a:effectRef>
-            <a:fontRef idx="minor">
-              <a:schemeClr val="lt1"/>
-            </a:fontRef>
-          </p:style>
-          <p:txBody>
-            <a:bodyPr rtlCol="0" anchor="ctr"/>
-            <a:lstStyle/>
-            <a:p>
-              <a:pPr algn="ctr"/>
-              <a:endParaRPr lang="en-US"/>
-            </a:p>
-          </p:txBody>
-        </p:sp>
-        <p:sp>
-          <p:nvSpPr>
             <p:cNvPr id="24" name="Rectangle 23">
               <a:extLst>
                 <a:ext uri="{FF2B5EF4-FFF2-40B4-BE49-F238E27FC236}">
@@ -3701,7 +3602,7 @@
           </p:nvSpPr>
           <p:spPr>
             <a:xfrm>
-              <a:off x="9407570" y="4335684"/>
+              <a:off x="7622534" y="4354447"/>
               <a:ext cx="757767" cy="592667"/>
             </a:xfrm>
             <a:prstGeom prst="rect">
@@ -6702,6 +6603,73 @@
       </p:grpSpPr>
       <p:sp>
         <p:nvSpPr>
+          <p:cNvPr id="1039" name="TextBox 1038">
+            <a:extLst>
+              <a:ext uri="{FF2B5EF4-FFF2-40B4-BE49-F238E27FC236}">
+                <a16:creationId xmlns:a16="http://schemas.microsoft.com/office/drawing/2014/main" id="{F35A32E7-68B3-E7AE-00A2-8F5B0B593BF3}"/>
+              </a:ext>
+            </a:extLst>
+          </p:cNvPr>
+          <p:cNvSpPr txBox="1"/>
+          <p:nvPr/>
+        </p:nvSpPr>
+        <p:spPr>
+          <a:xfrm>
+            <a:off x="4819119" y="5849178"/>
+            <a:ext cx="2367492" cy="646331"/>
+          </a:xfrm>
+          <a:prstGeom prst="rect">
+            <a:avLst/>
+          </a:prstGeom>
+          <a:noFill/>
+        </p:spPr>
+        <p:txBody>
+          <a:bodyPr wrap="square">
+            <a:spAutoFit/>
+          </a:bodyPr>
+          <a:lstStyle/>
+          <a:p>
+            <a:pPr algn="ctr"/>
+            <a:r>
+              <a:rPr lang="en-US" dirty="0">
+                <a:latin typeface="Lucida grande" panose="020B0502040204020203"/>
+              </a:rPr>
+              <a:t>Microphase segregation</a:t>
+            </a:r>
+          </a:p>
+        </p:txBody>
+      </p:sp>
+      <p:pic>
+        <p:nvPicPr>
+          <p:cNvPr id="1037" name="Picture 1036">
+            <a:extLst>
+              <a:ext uri="{FF2B5EF4-FFF2-40B4-BE49-F238E27FC236}">
+                <a16:creationId xmlns:a16="http://schemas.microsoft.com/office/drawing/2014/main" id="{4633EBB7-CF33-1060-38F9-46685CA89C4A}"/>
+              </a:ext>
+            </a:extLst>
+          </p:cNvPr>
+          <p:cNvPicPr>
+            <a:picLocks noChangeAspect="1"/>
+          </p:cNvPicPr>
+          <p:nvPr/>
+        </p:nvPicPr>
+        <p:blipFill rotWithShape="1">
+          <a:blip r:embed="rId2"/>
+          <a:srcRect l="27794"/>
+          <a:stretch/>
+        </p:blipFill>
+        <p:spPr>
+          <a:xfrm>
+            <a:off x="4250630" y="4275197"/>
+            <a:ext cx="5545835" cy="1475690"/>
+          </a:xfrm>
+          <a:prstGeom prst="rect">
+            <a:avLst/>
+          </a:prstGeom>
+        </p:spPr>
+      </p:pic>
+      <p:sp>
+        <p:nvSpPr>
           <p:cNvPr id="2" name="Title 1">
             <a:extLst>
               <a:ext uri="{FF2B5EF4-FFF2-40B4-BE49-F238E27FC236}">
@@ -6753,8 +6721,8 @@
         </p:nvSpPr>
         <p:spPr>
           <a:xfrm>
-            <a:off x="491066" y="1317948"/>
-            <a:ext cx="9900709" cy="365126"/>
+            <a:off x="491066" y="1203648"/>
+            <a:ext cx="9900709" cy="1260308"/>
           </a:xfrm>
         </p:spPr>
         <p:txBody>
@@ -6813,8 +6781,8 @@
         </p:nvSpPr>
         <p:spPr>
           <a:xfrm>
-            <a:off x="575733" y="5798512"/>
-            <a:ext cx="11130492" cy="646331"/>
+            <a:off x="1420798" y="5845438"/>
+            <a:ext cx="2367492" cy="369332"/>
           </a:xfrm>
           <a:prstGeom prst="rect">
             <a:avLst/>
@@ -6827,15 +6795,12 @@
           </a:bodyPr>
           <a:lstStyle/>
           <a:p>
-            <a:pPr marL="285750" indent="-285750">
-              <a:buFont typeface="Arial" panose="020B0604020202020204" pitchFamily="34" charset="0"/>
-              <a:buChar char="•"/>
-            </a:pPr>
+            <a:pPr algn="ctr"/>
             <a:r>
               <a:rPr lang="en-US" dirty="0">
                 <a:latin typeface="Lucida grande" panose="020B0502040204020203"/>
               </a:rPr>
-              <a:t>A robust theoretical framework can provide molecular details such as mechanisms underlying morphological transitions</a:t>
+              <a:t>Attraction-dominated</a:t>
             </a:r>
           </a:p>
         </p:txBody>
@@ -6856,7 +6821,7 @@
             </p:nvSpPr>
             <p:spPr>
               <a:xfrm>
-                <a:off x="1046516" y="2073750"/>
+                <a:off x="1046516" y="1921350"/>
                 <a:ext cx="9598153" cy="369332"/>
               </a:xfrm>
               <a:prstGeom prst="rect">
@@ -6914,14 +6879,14 @@
             </p:nvSpPr>
             <p:spPr>
               <a:xfrm>
-                <a:off x="1046516" y="2073750"/>
+                <a:off x="1046516" y="1921350"/>
                 <a:ext cx="9598153" cy="369332"/>
               </a:xfrm>
               <a:prstGeom prst="rect">
                 <a:avLst/>
               </a:prstGeom>
               <a:blipFill>
-                <a:blip r:embed="rId2"/>
+                <a:blip r:embed="rId3"/>
                 <a:stretch>
                   <a:fillRect l="-445" t="-6557" b="-26230"/>
                 </a:stretch>
@@ -6944,10 +6909,10 @@
       </mc:AlternateContent>
       <p:grpSp>
         <p:nvGrpSpPr>
-          <p:cNvPr id="49" name="Group 48">
+          <p:cNvPr id="1024" name="Group 1023">
             <a:extLst>
               <a:ext uri="{FF2B5EF4-FFF2-40B4-BE49-F238E27FC236}">
-                <a16:creationId xmlns:a16="http://schemas.microsoft.com/office/drawing/2014/main" id="{13DB47F4-7788-55D5-BB4B-1F788B4FCF0B}"/>
+                <a16:creationId xmlns:a16="http://schemas.microsoft.com/office/drawing/2014/main" id="{4FE4C90A-D9F8-EBD9-6B39-6E4F37832073}"/>
               </a:ext>
             </a:extLst>
           </p:cNvPr>
@@ -6956,42 +6921,12 @@
         </p:nvGrpSpPr>
         <p:grpSpPr>
           <a:xfrm>
-            <a:off x="945092" y="2703076"/>
-            <a:ext cx="9699577" cy="1743188"/>
-            <a:chOff x="945092" y="2703076"/>
-            <a:chExt cx="9699577" cy="1743188"/>
+            <a:off x="1775884" y="2567672"/>
+            <a:ext cx="8167823" cy="1825590"/>
+            <a:chOff x="1813985" y="2681972"/>
+            <a:chExt cx="7876820" cy="1760548"/>
           </a:xfrm>
         </p:grpSpPr>
-        <p:pic>
-          <p:nvPicPr>
-            <p:cNvPr id="41" name="Picture 40">
-              <a:extLst>
-                <a:ext uri="{FF2B5EF4-FFF2-40B4-BE49-F238E27FC236}">
-                  <a16:creationId xmlns:a16="http://schemas.microsoft.com/office/drawing/2014/main" id="{B5D71C4B-E26F-0E8D-9F1F-C7CB959B37DA}"/>
-                </a:ext>
-              </a:extLst>
-            </p:cNvPr>
-            <p:cNvPicPr>
-              <a:picLocks noChangeAspect="1"/>
-            </p:cNvPicPr>
-            <p:nvPr/>
-          </p:nvPicPr>
-          <p:blipFill>
-            <a:blip r:embed="rId3"/>
-            <a:stretch>
-              <a:fillRect/>
-            </a:stretch>
-          </p:blipFill>
-          <p:spPr>
-            <a:xfrm>
-              <a:off x="945092" y="2885553"/>
-              <a:ext cx="9699577" cy="1560711"/>
-            </a:xfrm>
-            <a:prstGeom prst="rect">
-              <a:avLst/>
-            </a:prstGeom>
-          </p:spPr>
-        </p:pic>
         <p:sp>
           <p:nvSpPr>
             <p:cNvPr id="46" name="Isosceles Triangle 45">
@@ -7006,8 +6941,8 @@
           </p:nvSpPr>
           <p:spPr>
             <a:xfrm rot="5400000">
-              <a:off x="6177223" y="-1532928"/>
-              <a:ext cx="125420" cy="8676222"/>
+              <a:off x="6075360" y="-704498"/>
+              <a:ext cx="125420" cy="6973890"/>
             </a:xfrm>
             <a:prstGeom prst="triangle">
               <a:avLst>
@@ -7072,8 +7007,38 @@
           </p:blipFill>
           <p:spPr>
             <a:xfrm>
-              <a:off x="1656291" y="2703076"/>
+              <a:off x="2355322" y="2681972"/>
               <a:ext cx="157694" cy="170836"/>
+            </a:xfrm>
+            <a:prstGeom prst="rect">
+              <a:avLst/>
+            </a:prstGeom>
+          </p:spPr>
+        </p:pic>
+        <p:pic>
+          <p:nvPicPr>
+            <p:cNvPr id="63" name="Picture 62">
+              <a:extLst>
+                <a:ext uri="{FF2B5EF4-FFF2-40B4-BE49-F238E27FC236}">
+                  <a16:creationId xmlns:a16="http://schemas.microsoft.com/office/drawing/2014/main" id="{6AD08820-59DF-74D8-4808-ECDA1FC516A6}"/>
+                </a:ext>
+              </a:extLst>
+            </p:cNvPr>
+            <p:cNvPicPr>
+              <a:picLocks noChangeAspect="1"/>
+            </p:cNvPicPr>
+            <p:nvPr/>
+          </p:nvPicPr>
+          <p:blipFill>
+            <a:blip r:embed="rId5"/>
+            <a:stretch>
+              <a:fillRect/>
+            </a:stretch>
+          </p:blipFill>
+          <p:spPr>
+            <a:xfrm>
+              <a:off x="1813985" y="2904838"/>
+              <a:ext cx="7876820" cy="1537682"/>
             </a:xfrm>
             <a:prstGeom prst="rect">
               <a:avLst/>
@@ -7095,12 +7060,20 @@
         </p:nvSpPr>
         <p:spPr>
           <a:xfrm>
-            <a:off x="3276601" y="2934568"/>
-            <a:ext cx="1809750" cy="1418357"/>
+            <a:off x="4203005" y="2798772"/>
+            <a:ext cx="3836460" cy="3706803"/>
           </a:xfrm>
           <a:prstGeom prst="rect">
             <a:avLst/>
           </a:prstGeom>
+          <a:solidFill>
+            <a:schemeClr val="bg1"/>
+          </a:solidFill>
+          <a:ln>
+            <a:solidFill>
+              <a:schemeClr val="bg1"/>
+            </a:solidFill>
+          </a:ln>
         </p:spPr>
         <p:style>
           <a:lnRef idx="2">
@@ -7127,95 +7100,70 @@
           </a:p>
         </p:txBody>
       </p:sp>
-      <p:sp>
-        <p:nvSpPr>
-          <p:cNvPr id="51" name="Rectangle 50">
+      <p:pic>
+        <p:nvPicPr>
+          <p:cNvPr id="1036" name="Picture 1035">
             <a:extLst>
               <a:ext uri="{FF2B5EF4-FFF2-40B4-BE49-F238E27FC236}">
-                <a16:creationId xmlns:a16="http://schemas.microsoft.com/office/drawing/2014/main" id="{BB1B103A-F483-BD95-223D-F75F261B90F1}"/>
+                <a16:creationId xmlns:a16="http://schemas.microsoft.com/office/drawing/2014/main" id="{6C969A70-51BF-C06F-60CF-CC73117D0DBD}"/>
               </a:ext>
             </a:extLst>
           </p:cNvPr>
-          <p:cNvSpPr/>
+          <p:cNvPicPr>
+            <a:picLocks noChangeAspect="1"/>
+          </p:cNvPicPr>
           <p:nvPr/>
-        </p:nvSpPr>
+        </p:nvPicPr>
+        <p:blipFill rotWithShape="1">
+          <a:blip r:embed="rId2"/>
+          <a:srcRect r="88452"/>
+          <a:stretch/>
+        </p:blipFill>
         <p:spPr>
           <a:xfrm>
-            <a:off x="5153027" y="2921438"/>
-            <a:ext cx="1809751" cy="1418357"/>
+            <a:off x="2161089" y="4208522"/>
+            <a:ext cx="886911" cy="1475690"/>
           </a:xfrm>
           <a:prstGeom prst="rect">
             <a:avLst/>
           </a:prstGeom>
         </p:spPr>
-        <p:style>
-          <a:lnRef idx="2">
-            <a:schemeClr val="accent1">
-              <a:shade val="15000"/>
-            </a:schemeClr>
-          </a:lnRef>
-          <a:fillRef idx="1">
-            <a:schemeClr val="accent1"/>
-          </a:fillRef>
-          <a:effectRef idx="0">
-            <a:schemeClr val="accent1"/>
-          </a:effectRef>
-          <a:fontRef idx="minor">
-            <a:schemeClr val="lt1"/>
-          </a:fontRef>
-        </p:style>
-        <p:txBody>
-          <a:bodyPr rtlCol="0" anchor="ctr"/>
-          <a:lstStyle/>
-          <a:p>
-            <a:pPr algn="ctr"/>
-            <a:endParaRPr lang="en-US"/>
-          </a:p>
-        </p:txBody>
-      </p:sp>
+      </p:pic>
       <p:sp>
         <p:nvSpPr>
-          <p:cNvPr id="52" name="Rectangle 51">
+          <p:cNvPr id="1038" name="TextBox 1037">
             <a:extLst>
               <a:ext uri="{FF2B5EF4-FFF2-40B4-BE49-F238E27FC236}">
-                <a16:creationId xmlns:a16="http://schemas.microsoft.com/office/drawing/2014/main" id="{63BE2A0F-8EC3-C75D-57B0-955C5E45D963}"/>
+                <a16:creationId xmlns:a16="http://schemas.microsoft.com/office/drawing/2014/main" id="{6B4258D2-5525-4F91-4D14-13C296714A78}"/>
               </a:ext>
             </a:extLst>
           </p:cNvPr>
-          <p:cNvSpPr/>
+          <p:cNvSpPr txBox="1"/>
           <p:nvPr/>
         </p:nvSpPr>
         <p:spPr>
           <a:xfrm>
-            <a:off x="6998734" y="2921438"/>
-            <a:ext cx="1809751" cy="1418357"/>
+            <a:off x="7843308" y="5849178"/>
+            <a:ext cx="2367492" cy="369332"/>
           </a:xfrm>
           <a:prstGeom prst="rect">
             <a:avLst/>
           </a:prstGeom>
+          <a:noFill/>
         </p:spPr>
-        <p:style>
-          <a:lnRef idx="2">
-            <a:schemeClr val="accent1">
-              <a:shade val="15000"/>
-            </a:schemeClr>
-          </a:lnRef>
-          <a:fillRef idx="1">
-            <a:schemeClr val="accent1"/>
-          </a:fillRef>
-          <a:effectRef idx="0">
-            <a:schemeClr val="accent1"/>
-          </a:effectRef>
-          <a:fontRef idx="minor">
-            <a:schemeClr val="lt1"/>
-          </a:fontRef>
-        </p:style>
         <p:txBody>
-          <a:bodyPr rtlCol="0" anchor="ctr"/>
+          <a:bodyPr wrap="square">
+            <a:spAutoFit/>
+          </a:bodyPr>
           <a:lstStyle/>
           <a:p>
             <a:pPr algn="ctr"/>
-            <a:endParaRPr lang="en-US"/>
+            <a:r>
+              <a:rPr lang="en-US" dirty="0">
+                <a:latin typeface="Lucida grande" panose="020B0502040204020203"/>
+              </a:rPr>
+              <a:t>Repulsion-dominated</a:t>
+            </a:r>
           </a:p>
         </p:txBody>
       </p:sp>

--- a/20240722 NAF Intro.pptx
+++ b/20240722 NAF Intro.pptx
@@ -6634,7 +6634,7 @@
               <a:rPr lang="en-US" dirty="0">
                 <a:latin typeface="Lucida grande" panose="020B0502040204020203"/>
               </a:rPr>
-              <a:t>Microphase segregation</a:t>
+              <a:t>Microphase segregated</a:t>
             </a:r>
           </a:p>
         </p:txBody>
@@ -6781,8 +6781,8 @@
         </p:nvSpPr>
         <p:spPr>
           <a:xfrm>
-            <a:off x="1420798" y="5845438"/>
-            <a:ext cx="2367492" cy="369332"/>
+            <a:off x="1264165" y="5845438"/>
+            <a:ext cx="2524125" cy="646331"/>
           </a:xfrm>
           <a:prstGeom prst="rect">
             <a:avLst/>
@@ -6800,7 +6800,16 @@
               <a:rPr lang="en-US" dirty="0">
                 <a:latin typeface="Lucida grande" panose="020B0502040204020203"/>
               </a:rPr>
-              <a:t>Attraction-dominated</a:t>
+              <a:t>Fully condensed</a:t>
+            </a:r>
+          </a:p>
+          <a:p>
+            <a:pPr algn="ctr"/>
+            <a:r>
+              <a:rPr lang="en-US" dirty="0">
+                <a:latin typeface="Lucida grande" panose="020B0502040204020203"/>
+              </a:rPr>
+              <a:t>(Attraction-dominated)</a:t>
             </a:r>
           </a:p>
         </p:txBody>
@@ -7046,12 +7055,41 @@
           </p:spPr>
         </p:pic>
       </p:grpSp>
+      <p:pic>
+        <p:nvPicPr>
+          <p:cNvPr id="1036" name="Picture 1035">
+            <a:extLst>
+              <a:ext uri="{FF2B5EF4-FFF2-40B4-BE49-F238E27FC236}">
+                <a16:creationId xmlns:a16="http://schemas.microsoft.com/office/drawing/2014/main" id="{6C969A70-51BF-C06F-60CF-CC73117D0DBD}"/>
+              </a:ext>
+            </a:extLst>
+          </p:cNvPr>
+          <p:cNvPicPr>
+            <a:picLocks noChangeAspect="1"/>
+          </p:cNvPicPr>
+          <p:nvPr/>
+        </p:nvPicPr>
+        <p:blipFill rotWithShape="1">
+          <a:blip r:embed="rId2"/>
+          <a:srcRect r="88452"/>
+          <a:stretch/>
+        </p:blipFill>
+        <p:spPr>
+          <a:xfrm>
+            <a:off x="2161089" y="4208522"/>
+            <a:ext cx="886911" cy="1475690"/>
+          </a:xfrm>
+          <a:prstGeom prst="rect">
+            <a:avLst/>
+          </a:prstGeom>
+        </p:spPr>
+      </p:pic>
       <p:sp>
         <p:nvSpPr>
-          <p:cNvPr id="50" name="Rectangle 49">
+          <p:cNvPr id="1042" name="Rectangle 1041">
             <a:extLst>
               <a:ext uri="{FF2B5EF4-FFF2-40B4-BE49-F238E27FC236}">
-                <a16:creationId xmlns:a16="http://schemas.microsoft.com/office/drawing/2014/main" id="{795FB434-8085-54DC-F260-18C98E9E890F}"/>
+                <a16:creationId xmlns:a16="http://schemas.microsoft.com/office/drawing/2014/main" id="{B4EF8BA3-F8E7-4C71-D3F1-C144467E9D25}"/>
               </a:ext>
             </a:extLst>
           </p:cNvPr>
@@ -7060,8 +7098,8 @@
         </p:nvSpPr>
         <p:spPr>
           <a:xfrm>
-            <a:off x="4203005" y="2798772"/>
-            <a:ext cx="3836460" cy="3706803"/>
+            <a:off x="4181475" y="2798772"/>
+            <a:ext cx="3857625" cy="3914611"/>
           </a:xfrm>
           <a:prstGeom prst="rect">
             <a:avLst/>
@@ -7100,35 +7138,6 @@
           </a:p>
         </p:txBody>
       </p:sp>
-      <p:pic>
-        <p:nvPicPr>
-          <p:cNvPr id="1036" name="Picture 1035">
-            <a:extLst>
-              <a:ext uri="{FF2B5EF4-FFF2-40B4-BE49-F238E27FC236}">
-                <a16:creationId xmlns:a16="http://schemas.microsoft.com/office/drawing/2014/main" id="{6C969A70-51BF-C06F-60CF-CC73117D0DBD}"/>
-              </a:ext>
-            </a:extLst>
-          </p:cNvPr>
-          <p:cNvPicPr>
-            <a:picLocks noChangeAspect="1"/>
-          </p:cNvPicPr>
-          <p:nvPr/>
-        </p:nvPicPr>
-        <p:blipFill rotWithShape="1">
-          <a:blip r:embed="rId2"/>
-          <a:srcRect r="88452"/>
-          <a:stretch/>
-        </p:blipFill>
-        <p:spPr>
-          <a:xfrm>
-            <a:off x="2161089" y="4208522"/>
-            <a:ext cx="886911" cy="1475690"/>
-          </a:xfrm>
-          <a:prstGeom prst="rect">
-            <a:avLst/>
-          </a:prstGeom>
-        </p:spPr>
-      </p:pic>
       <p:sp>
         <p:nvSpPr>
           <p:cNvPr id="1038" name="TextBox 1037">
@@ -7143,8 +7152,8 @@
         </p:nvSpPr>
         <p:spPr>
           <a:xfrm>
-            <a:off x="7843308" y="5849178"/>
-            <a:ext cx="2367492" cy="369332"/>
+            <a:off x="7734300" y="5859910"/>
+            <a:ext cx="2524125" cy="646331"/>
           </a:xfrm>
           <a:prstGeom prst="rect">
             <a:avLst/>
@@ -7162,7 +7171,7 @@
               <a:rPr lang="en-US" dirty="0">
                 <a:latin typeface="Lucida grande" panose="020B0502040204020203"/>
               </a:rPr>
-              <a:t>Repulsion-dominated</a:t>
+              <a:t>Fully swollen (Repulsion-dominated)</a:t>
             </a:r>
           </a:p>
         </p:txBody>

--- a/20240722 NAF Intro.pptx
+++ b/20240722 NAF Intro.pptx
@@ -207,7 +207,7 @@
           <a:p>
             <a:fld id="{4299902A-6DB3-4A13-9B91-BEABFDA2FC16}" type="datetimeFigureOut">
               <a:rPr lang="en-US" smtClean="0"/>
-              <a:t>7/18/2024</a:t>
+              <a:t>7/19/2024</a:t>
             </a:fld>
             <a:endParaRPr lang="en-US"/>
           </a:p>
@@ -5718,8 +5718,8 @@
             </a:p>
           </p:txBody>
         </p:sp>
-        <mc:AlternateContent xmlns:mc="http://schemas.openxmlformats.org/markup-compatibility/2006">
-          <mc:Choice xmlns:a14="http://schemas.microsoft.com/office/drawing/2010/main" Requires="a14">
+        <mc:AlternateContent xmlns:mc="http://schemas.openxmlformats.org/markup-compatibility/2006" xmlns:a14="http://schemas.microsoft.com/office/drawing/2010/main">
+          <mc:Choice Requires="a14">
             <p:sp>
               <p:nvSpPr>
                 <p:cNvPr id="79" name="TextBox 78">
@@ -5771,7 +5771,7 @@
               </p:txBody>
             </p:sp>
           </mc:Choice>
-          <mc:Fallback>
+          <mc:Fallback xmlns="">
             <p:sp>
               <p:nvSpPr>
                 <p:cNvPr id="79" name="TextBox 78">
@@ -5816,8 +5816,8 @@
             </p:sp>
           </mc:Fallback>
         </mc:AlternateContent>
-        <mc:AlternateContent xmlns:mc="http://schemas.openxmlformats.org/markup-compatibility/2006">
-          <mc:Choice xmlns:a14="http://schemas.microsoft.com/office/drawing/2010/main" Requires="a14">
+        <mc:AlternateContent xmlns:mc="http://schemas.openxmlformats.org/markup-compatibility/2006" xmlns:a14="http://schemas.microsoft.com/office/drawing/2010/main">
+          <mc:Choice Requires="a14">
             <p:sp>
               <p:nvSpPr>
                 <p:cNvPr id="80" name="TextBox 79">
@@ -5869,7 +5869,7 @@
               </p:txBody>
             </p:sp>
           </mc:Choice>
-          <mc:Fallback>
+          <mc:Fallback xmlns="">
             <p:sp>
               <p:nvSpPr>
                 <p:cNvPr id="80" name="TextBox 79">
@@ -7228,8 +7228,8 @@
           </a:p>
         </p:txBody>
       </p:sp>
-      <mc:AlternateContent xmlns:mc="http://schemas.openxmlformats.org/markup-compatibility/2006">
-        <mc:Choice xmlns:a14="http://schemas.microsoft.com/office/drawing/2010/main" Requires="a14">
+      <mc:AlternateContent xmlns:mc="http://schemas.openxmlformats.org/markup-compatibility/2006" xmlns:a14="http://schemas.microsoft.com/office/drawing/2010/main">
+        <mc:Choice Requires="a14">
           <p:sp>
             <p:nvSpPr>
               <p:cNvPr id="45" name="TextBox 44">
@@ -7285,7 +7285,7 @@
             </p:txBody>
           </p:sp>
         </mc:Choice>
-        <mc:Fallback>
+        <mc:Fallback xmlns="">
           <p:sp>
             <p:nvSpPr>
               <p:cNvPr id="45" name="TextBox 44">
@@ -8080,10 +8080,10 @@
       </p:grpSp>
       <p:grpSp>
         <p:nvGrpSpPr>
-          <p:cNvPr id="29" name="Group 28">
+          <p:cNvPr id="11" name="Group 10">
             <a:extLst>
               <a:ext uri="{FF2B5EF4-FFF2-40B4-BE49-F238E27FC236}">
-                <a16:creationId xmlns:a16="http://schemas.microsoft.com/office/drawing/2014/main" id="{DC83E389-91EB-2462-205B-3D983756651D}"/>
+                <a16:creationId xmlns:a16="http://schemas.microsoft.com/office/drawing/2014/main" id="{4033FF2E-E1D7-190C-5F79-86B297E6BEA2}"/>
               </a:ext>
             </a:extLst>
           </p:cNvPr>
@@ -8091,19 +8091,574 @@
           <p:nvPr/>
         </p:nvGrpSpPr>
         <p:grpSpPr>
-          <a:xfrm rot="2166680">
-            <a:off x="8856196" y="4010930"/>
-            <a:ext cx="855938" cy="1999940"/>
-            <a:chOff x="10128639" y="1461371"/>
-            <a:chExt cx="855938" cy="1999940"/>
+          <a:xfrm>
+            <a:off x="7493580" y="3149863"/>
+            <a:ext cx="3580411" cy="2324830"/>
+            <a:chOff x="7500474" y="3358857"/>
+            <a:chExt cx="3580411" cy="2324830"/>
           </a:xfrm>
         </p:grpSpPr>
+        <p:grpSp>
+          <p:nvGrpSpPr>
+            <p:cNvPr id="29" name="Group 28">
+              <a:extLst>
+                <a:ext uri="{FF2B5EF4-FFF2-40B4-BE49-F238E27FC236}">
+                  <a16:creationId xmlns:a16="http://schemas.microsoft.com/office/drawing/2014/main" id="{DC83E389-91EB-2462-205B-3D983756651D}"/>
+                </a:ext>
+              </a:extLst>
+            </p:cNvPr>
+            <p:cNvGrpSpPr/>
+            <p:nvPr/>
+          </p:nvGrpSpPr>
+          <p:grpSpPr>
+            <a:xfrm rot="2166680">
+              <a:off x="8845316" y="3632900"/>
+              <a:ext cx="855938" cy="1999940"/>
+              <a:chOff x="10128639" y="1461371"/>
+              <a:chExt cx="855938" cy="1999940"/>
+            </a:xfrm>
+          </p:grpSpPr>
+          <p:sp>
+            <p:nvSpPr>
+              <p:cNvPr id="57" name="Freeform: Shape 56">
+                <a:extLst>
+                  <a:ext uri="{FF2B5EF4-FFF2-40B4-BE49-F238E27FC236}">
+                    <a16:creationId xmlns:a16="http://schemas.microsoft.com/office/drawing/2014/main" id="{26FE446D-0BB4-D959-568D-7B1EFE68AF57}"/>
+                  </a:ext>
+                </a:extLst>
+              </p:cNvPr>
+              <p:cNvSpPr/>
+              <p:nvPr/>
+            </p:nvSpPr>
+            <p:spPr>
+              <a:xfrm rot="1846016">
+                <a:off x="10305259" y="2060580"/>
+                <a:ext cx="679318" cy="347439"/>
+              </a:xfrm>
+              <a:custGeom>
+                <a:avLst/>
+                <a:gdLst>
+                  <a:gd name="connsiteX0" fmla="*/ 0 w 1331251"/>
+                  <a:gd name="connsiteY0" fmla="*/ 305030 h 347439"/>
+                  <a:gd name="connsiteX1" fmla="*/ 626533 w 1331251"/>
+                  <a:gd name="connsiteY1" fmla="*/ 230 h 347439"/>
+                  <a:gd name="connsiteX2" fmla="*/ 702733 w 1331251"/>
+                  <a:gd name="connsiteY2" fmla="*/ 347364 h 347439"/>
+                  <a:gd name="connsiteX3" fmla="*/ 1261533 w 1331251"/>
+                  <a:gd name="connsiteY3" fmla="*/ 34097 h 347439"/>
+                  <a:gd name="connsiteX4" fmla="*/ 1303866 w 1331251"/>
+                  <a:gd name="connsiteY4" fmla="*/ 321964 h 347439"/>
+                </a:gdLst>
+                <a:ahLst/>
+                <a:cxnLst>
+                  <a:cxn ang="0">
+                    <a:pos x="connsiteX0" y="connsiteY0"/>
+                  </a:cxn>
+                  <a:cxn ang="0">
+                    <a:pos x="connsiteX1" y="connsiteY1"/>
+                  </a:cxn>
+                  <a:cxn ang="0">
+                    <a:pos x="connsiteX2" y="connsiteY2"/>
+                  </a:cxn>
+                  <a:cxn ang="0">
+                    <a:pos x="connsiteX3" y="connsiteY3"/>
+                  </a:cxn>
+                  <a:cxn ang="0">
+                    <a:pos x="connsiteX4" y="connsiteY4"/>
+                  </a:cxn>
+                </a:cxnLst>
+                <a:rect l="l" t="t" r="r" b="b"/>
+                <a:pathLst>
+                  <a:path w="1331251" h="347439">
+                    <a:moveTo>
+                      <a:pt x="0" y="305030"/>
+                    </a:moveTo>
+                    <a:cubicBezTo>
+                      <a:pt x="254705" y="149102"/>
+                      <a:pt x="509411" y="-6826"/>
+                      <a:pt x="626533" y="230"/>
+                    </a:cubicBezTo>
+                    <a:cubicBezTo>
+                      <a:pt x="743655" y="7286"/>
+                      <a:pt x="596900" y="341720"/>
+                      <a:pt x="702733" y="347364"/>
+                    </a:cubicBezTo>
+                    <a:cubicBezTo>
+                      <a:pt x="808566" y="353009"/>
+                      <a:pt x="1161344" y="38330"/>
+                      <a:pt x="1261533" y="34097"/>
+                    </a:cubicBezTo>
+                    <a:cubicBezTo>
+                      <a:pt x="1361722" y="29864"/>
+                      <a:pt x="1332794" y="175914"/>
+                      <a:pt x="1303866" y="321964"/>
+                    </a:cubicBezTo>
+                  </a:path>
+                </a:pathLst>
+              </a:custGeom>
+              <a:noFill/>
+              <a:ln w="28575"/>
+            </p:spPr>
+            <p:style>
+              <a:lnRef idx="2">
+                <a:schemeClr val="accent1">
+                  <a:shade val="15000"/>
+                </a:schemeClr>
+              </a:lnRef>
+              <a:fillRef idx="1">
+                <a:schemeClr val="accent1"/>
+              </a:fillRef>
+              <a:effectRef idx="0">
+                <a:schemeClr val="accent1"/>
+              </a:effectRef>
+              <a:fontRef idx="minor">
+                <a:schemeClr val="lt1"/>
+              </a:fontRef>
+            </p:style>
+            <p:txBody>
+              <a:bodyPr rtlCol="0" anchor="ctr"/>
+              <a:lstStyle/>
+              <a:p>
+                <a:pPr algn="ctr"/>
+                <a:endParaRPr lang="en-US"/>
+              </a:p>
+            </p:txBody>
+          </p:sp>
+          <p:sp>
+            <p:nvSpPr>
+              <p:cNvPr id="58" name="Freeform: Shape 57">
+                <a:extLst>
+                  <a:ext uri="{FF2B5EF4-FFF2-40B4-BE49-F238E27FC236}">
+                    <a16:creationId xmlns:a16="http://schemas.microsoft.com/office/drawing/2014/main" id="{7DBA5C62-57A9-9E55-3C30-6FBC92FB6D2D}"/>
+                  </a:ext>
+                </a:extLst>
+              </p:cNvPr>
+              <p:cNvSpPr/>
+              <p:nvPr/>
+            </p:nvSpPr>
+            <p:spPr>
+              <a:xfrm rot="18836409" flipV="1">
+                <a:off x="10116444" y="2832927"/>
+                <a:ext cx="967185" cy="289584"/>
+              </a:xfrm>
+              <a:custGeom>
+                <a:avLst/>
+                <a:gdLst>
+                  <a:gd name="connsiteX0" fmla="*/ 0 w 1331251"/>
+                  <a:gd name="connsiteY0" fmla="*/ 305030 h 347439"/>
+                  <a:gd name="connsiteX1" fmla="*/ 626533 w 1331251"/>
+                  <a:gd name="connsiteY1" fmla="*/ 230 h 347439"/>
+                  <a:gd name="connsiteX2" fmla="*/ 702733 w 1331251"/>
+                  <a:gd name="connsiteY2" fmla="*/ 347364 h 347439"/>
+                  <a:gd name="connsiteX3" fmla="*/ 1261533 w 1331251"/>
+                  <a:gd name="connsiteY3" fmla="*/ 34097 h 347439"/>
+                  <a:gd name="connsiteX4" fmla="*/ 1303866 w 1331251"/>
+                  <a:gd name="connsiteY4" fmla="*/ 321964 h 347439"/>
+                </a:gdLst>
+                <a:ahLst/>
+                <a:cxnLst>
+                  <a:cxn ang="0">
+                    <a:pos x="connsiteX0" y="connsiteY0"/>
+                  </a:cxn>
+                  <a:cxn ang="0">
+                    <a:pos x="connsiteX1" y="connsiteY1"/>
+                  </a:cxn>
+                  <a:cxn ang="0">
+                    <a:pos x="connsiteX2" y="connsiteY2"/>
+                  </a:cxn>
+                  <a:cxn ang="0">
+                    <a:pos x="connsiteX3" y="connsiteY3"/>
+                  </a:cxn>
+                  <a:cxn ang="0">
+                    <a:pos x="connsiteX4" y="connsiteY4"/>
+                  </a:cxn>
+                </a:cxnLst>
+                <a:rect l="l" t="t" r="r" b="b"/>
+                <a:pathLst>
+                  <a:path w="1331251" h="347439">
+                    <a:moveTo>
+                      <a:pt x="0" y="305030"/>
+                    </a:moveTo>
+                    <a:cubicBezTo>
+                      <a:pt x="254705" y="149102"/>
+                      <a:pt x="509411" y="-6826"/>
+                      <a:pt x="626533" y="230"/>
+                    </a:cubicBezTo>
+                    <a:cubicBezTo>
+                      <a:pt x="743655" y="7286"/>
+                      <a:pt x="596900" y="341720"/>
+                      <a:pt x="702733" y="347364"/>
+                    </a:cubicBezTo>
+                    <a:cubicBezTo>
+                      <a:pt x="808566" y="353009"/>
+                      <a:pt x="1161344" y="38330"/>
+                      <a:pt x="1261533" y="34097"/>
+                    </a:cubicBezTo>
+                    <a:cubicBezTo>
+                      <a:pt x="1361722" y="29864"/>
+                      <a:pt x="1332794" y="175914"/>
+                      <a:pt x="1303866" y="321964"/>
+                    </a:cubicBezTo>
+                  </a:path>
+                </a:pathLst>
+              </a:custGeom>
+              <a:noFill/>
+              <a:ln w="28575"/>
+            </p:spPr>
+            <p:style>
+              <a:lnRef idx="2">
+                <a:schemeClr val="accent1">
+                  <a:shade val="15000"/>
+                </a:schemeClr>
+              </a:lnRef>
+              <a:fillRef idx="1">
+                <a:schemeClr val="accent1"/>
+              </a:fillRef>
+              <a:effectRef idx="0">
+                <a:schemeClr val="accent1"/>
+              </a:effectRef>
+              <a:fontRef idx="minor">
+                <a:schemeClr val="lt1"/>
+              </a:fontRef>
+            </p:style>
+            <p:txBody>
+              <a:bodyPr rtlCol="0" anchor="ctr"/>
+              <a:lstStyle/>
+              <a:p>
+                <a:pPr algn="ctr"/>
+                <a:endParaRPr lang="en-US"/>
+              </a:p>
+            </p:txBody>
+          </p:sp>
+          <p:sp>
+            <p:nvSpPr>
+              <p:cNvPr id="59" name="Freeform: Shape 58">
+                <a:extLst>
+                  <a:ext uri="{FF2B5EF4-FFF2-40B4-BE49-F238E27FC236}">
+                    <a16:creationId xmlns:a16="http://schemas.microsoft.com/office/drawing/2014/main" id="{71E64F6E-0A10-8D34-F1C8-E03E3EA2D093}"/>
+                  </a:ext>
+                </a:extLst>
+              </p:cNvPr>
+              <p:cNvSpPr/>
+              <p:nvPr/>
+            </p:nvSpPr>
+            <p:spPr>
+              <a:xfrm rot="18240908">
+                <a:off x="10160672" y="1636211"/>
+                <a:ext cx="666526" cy="347439"/>
+              </a:xfrm>
+              <a:custGeom>
+                <a:avLst/>
+                <a:gdLst>
+                  <a:gd name="connsiteX0" fmla="*/ 0 w 1331251"/>
+                  <a:gd name="connsiteY0" fmla="*/ 305030 h 347439"/>
+                  <a:gd name="connsiteX1" fmla="*/ 626533 w 1331251"/>
+                  <a:gd name="connsiteY1" fmla="*/ 230 h 347439"/>
+                  <a:gd name="connsiteX2" fmla="*/ 702733 w 1331251"/>
+                  <a:gd name="connsiteY2" fmla="*/ 347364 h 347439"/>
+                  <a:gd name="connsiteX3" fmla="*/ 1261533 w 1331251"/>
+                  <a:gd name="connsiteY3" fmla="*/ 34097 h 347439"/>
+                  <a:gd name="connsiteX4" fmla="*/ 1303866 w 1331251"/>
+                  <a:gd name="connsiteY4" fmla="*/ 321964 h 347439"/>
+                </a:gdLst>
+                <a:ahLst/>
+                <a:cxnLst>
+                  <a:cxn ang="0">
+                    <a:pos x="connsiteX0" y="connsiteY0"/>
+                  </a:cxn>
+                  <a:cxn ang="0">
+                    <a:pos x="connsiteX1" y="connsiteY1"/>
+                  </a:cxn>
+                  <a:cxn ang="0">
+                    <a:pos x="connsiteX2" y="connsiteY2"/>
+                  </a:cxn>
+                  <a:cxn ang="0">
+                    <a:pos x="connsiteX3" y="connsiteY3"/>
+                  </a:cxn>
+                  <a:cxn ang="0">
+                    <a:pos x="connsiteX4" y="connsiteY4"/>
+                  </a:cxn>
+                </a:cxnLst>
+                <a:rect l="l" t="t" r="r" b="b"/>
+                <a:pathLst>
+                  <a:path w="1331251" h="347439">
+                    <a:moveTo>
+                      <a:pt x="0" y="305030"/>
+                    </a:moveTo>
+                    <a:cubicBezTo>
+                      <a:pt x="254705" y="149102"/>
+                      <a:pt x="509411" y="-6826"/>
+                      <a:pt x="626533" y="230"/>
+                    </a:cubicBezTo>
+                    <a:cubicBezTo>
+                      <a:pt x="743655" y="7286"/>
+                      <a:pt x="596900" y="341720"/>
+                      <a:pt x="702733" y="347364"/>
+                    </a:cubicBezTo>
+                    <a:cubicBezTo>
+                      <a:pt x="808566" y="353009"/>
+                      <a:pt x="1161344" y="38330"/>
+                      <a:pt x="1261533" y="34097"/>
+                    </a:cubicBezTo>
+                    <a:cubicBezTo>
+                      <a:pt x="1361722" y="29864"/>
+                      <a:pt x="1332794" y="175914"/>
+                      <a:pt x="1303866" y="321964"/>
+                    </a:cubicBezTo>
+                  </a:path>
+                </a:pathLst>
+              </a:custGeom>
+              <a:noFill/>
+              <a:ln w="28575"/>
+            </p:spPr>
+            <p:style>
+              <a:lnRef idx="2">
+                <a:schemeClr val="accent1">
+                  <a:shade val="15000"/>
+                </a:schemeClr>
+              </a:lnRef>
+              <a:fillRef idx="1">
+                <a:schemeClr val="accent1"/>
+              </a:fillRef>
+              <a:effectRef idx="0">
+                <a:schemeClr val="accent1"/>
+              </a:effectRef>
+              <a:fontRef idx="minor">
+                <a:schemeClr val="lt1"/>
+              </a:fontRef>
+            </p:style>
+            <p:txBody>
+              <a:bodyPr rtlCol="0" anchor="ctr"/>
+              <a:lstStyle/>
+              <a:p>
+                <a:pPr algn="ctr"/>
+                <a:endParaRPr lang="en-US"/>
+              </a:p>
+            </p:txBody>
+          </p:sp>
+          <p:sp>
+            <p:nvSpPr>
+              <p:cNvPr id="60" name="Oval 59">
+                <a:extLst>
+                  <a:ext uri="{FF2B5EF4-FFF2-40B4-BE49-F238E27FC236}">
+                    <a16:creationId xmlns:a16="http://schemas.microsoft.com/office/drawing/2014/main" id="{23A97F2B-D4B8-DAB1-49BA-6732892AF10F}"/>
+                  </a:ext>
+                </a:extLst>
+              </p:cNvPr>
+              <p:cNvSpPr/>
+              <p:nvPr/>
+            </p:nvSpPr>
+            <p:spPr>
+              <a:xfrm>
+                <a:off x="10261601" y="2048934"/>
+                <a:ext cx="220133" cy="220133"/>
+              </a:xfrm>
+              <a:prstGeom prst="ellipse">
+                <a:avLst/>
+              </a:prstGeom>
+              <a:solidFill>
+                <a:schemeClr val="bg2"/>
+              </a:solidFill>
+              <a:ln w="19050">
+                <a:solidFill>
+                  <a:schemeClr val="tx1"/>
+                </a:solidFill>
+              </a:ln>
+            </p:spPr>
+            <p:style>
+              <a:lnRef idx="2">
+                <a:schemeClr val="accent1">
+                  <a:shade val="15000"/>
+                </a:schemeClr>
+              </a:lnRef>
+              <a:fillRef idx="1">
+                <a:schemeClr val="accent1"/>
+              </a:fillRef>
+              <a:effectRef idx="0">
+                <a:schemeClr val="accent1"/>
+              </a:effectRef>
+              <a:fontRef idx="minor">
+                <a:schemeClr val="lt1"/>
+              </a:fontRef>
+            </p:style>
+            <p:txBody>
+              <a:bodyPr rtlCol="0" anchor="ctr"/>
+              <a:lstStyle/>
+              <a:p>
+                <a:pPr algn="ctr"/>
+                <a:endParaRPr lang="en-US" sz="2000"/>
+              </a:p>
+            </p:txBody>
+          </p:sp>
+          <p:sp>
+            <p:nvSpPr>
+              <p:cNvPr id="61" name="Oval 60">
+                <a:extLst>
+                  <a:ext uri="{FF2B5EF4-FFF2-40B4-BE49-F238E27FC236}">
+                    <a16:creationId xmlns:a16="http://schemas.microsoft.com/office/drawing/2014/main" id="{F33ABA59-B79A-6A4C-C97B-AFEE4E5F30B6}"/>
+                  </a:ext>
+                </a:extLst>
+              </p:cNvPr>
+              <p:cNvSpPr/>
+              <p:nvPr/>
+            </p:nvSpPr>
+            <p:spPr>
+              <a:xfrm>
+                <a:off x="10761132" y="2508149"/>
+                <a:ext cx="220133" cy="220133"/>
+              </a:xfrm>
+              <a:prstGeom prst="ellipse">
+                <a:avLst/>
+              </a:prstGeom>
+              <a:solidFill>
+                <a:schemeClr val="accent2"/>
+              </a:solidFill>
+              <a:ln w="19050">
+                <a:solidFill>
+                  <a:schemeClr val="tx1"/>
+                </a:solidFill>
+              </a:ln>
+            </p:spPr>
+            <p:style>
+              <a:lnRef idx="2">
+                <a:schemeClr val="accent1">
+                  <a:shade val="15000"/>
+                </a:schemeClr>
+              </a:lnRef>
+              <a:fillRef idx="1">
+                <a:schemeClr val="accent1"/>
+              </a:fillRef>
+              <a:effectRef idx="0">
+                <a:schemeClr val="accent1"/>
+              </a:effectRef>
+              <a:fontRef idx="minor">
+                <a:schemeClr val="lt1"/>
+              </a:fontRef>
+            </p:style>
+            <p:txBody>
+              <a:bodyPr rtlCol="0" anchor="ctr"/>
+              <a:lstStyle/>
+              <a:p>
+                <a:pPr algn="ctr"/>
+                <a:endParaRPr lang="en-US" sz="2000" dirty="0"/>
+              </a:p>
+            </p:txBody>
+          </p:sp>
+          <p:sp>
+            <p:nvSpPr>
+              <p:cNvPr id="62" name="Oval 61">
+                <a:extLst>
+                  <a:ext uri="{FF2B5EF4-FFF2-40B4-BE49-F238E27FC236}">
+                    <a16:creationId xmlns:a16="http://schemas.microsoft.com/office/drawing/2014/main" id="{F5EF0DE3-ADCE-686E-5C2A-17378286ED95}"/>
+                  </a:ext>
+                </a:extLst>
+              </p:cNvPr>
+              <p:cNvSpPr/>
+              <p:nvPr/>
+            </p:nvSpPr>
+            <p:spPr>
+              <a:xfrm>
+                <a:off x="10737905" y="1461371"/>
+                <a:ext cx="220133" cy="220133"/>
+              </a:xfrm>
+              <a:prstGeom prst="ellipse">
+                <a:avLst/>
+              </a:prstGeom>
+              <a:solidFill>
+                <a:schemeClr val="accent2"/>
+              </a:solidFill>
+              <a:ln w="19050">
+                <a:solidFill>
+                  <a:schemeClr val="tx1"/>
+                </a:solidFill>
+              </a:ln>
+            </p:spPr>
+            <p:style>
+              <a:lnRef idx="2">
+                <a:schemeClr val="accent1">
+                  <a:shade val="15000"/>
+                </a:schemeClr>
+              </a:lnRef>
+              <a:fillRef idx="1">
+                <a:schemeClr val="accent1"/>
+              </a:fillRef>
+              <a:effectRef idx="0">
+                <a:schemeClr val="accent1"/>
+              </a:effectRef>
+              <a:fontRef idx="minor">
+                <a:schemeClr val="lt1"/>
+              </a:fontRef>
+            </p:style>
+            <p:txBody>
+              <a:bodyPr rtlCol="0" anchor="ctr"/>
+              <a:lstStyle/>
+              <a:p>
+                <a:pPr algn="ctr"/>
+                <a:endParaRPr lang="en-US" sz="2000"/>
+              </a:p>
+            </p:txBody>
+          </p:sp>
+          <p:sp>
+            <p:nvSpPr>
+              <p:cNvPr id="63" name="Oval 62">
+                <a:extLst>
+                  <a:ext uri="{FF2B5EF4-FFF2-40B4-BE49-F238E27FC236}">
+                    <a16:creationId xmlns:a16="http://schemas.microsoft.com/office/drawing/2014/main" id="{357C71AE-1BF6-15D1-45FA-AC669D74E653}"/>
+                  </a:ext>
+                </a:extLst>
+              </p:cNvPr>
+              <p:cNvSpPr/>
+              <p:nvPr/>
+            </p:nvSpPr>
+            <p:spPr>
+              <a:xfrm>
+                <a:off x="10128639" y="3135221"/>
+                <a:ext cx="220133" cy="220133"/>
+              </a:xfrm>
+              <a:prstGeom prst="ellipse">
+                <a:avLst/>
+              </a:prstGeom>
+              <a:solidFill>
+                <a:schemeClr val="bg2"/>
+              </a:solidFill>
+              <a:ln w="19050">
+                <a:solidFill>
+                  <a:schemeClr val="tx1"/>
+                </a:solidFill>
+              </a:ln>
+            </p:spPr>
+            <p:style>
+              <a:lnRef idx="2">
+                <a:schemeClr val="accent1">
+                  <a:shade val="15000"/>
+                </a:schemeClr>
+              </a:lnRef>
+              <a:fillRef idx="1">
+                <a:schemeClr val="accent1"/>
+              </a:fillRef>
+              <a:effectRef idx="0">
+                <a:schemeClr val="accent1"/>
+              </a:effectRef>
+              <a:fontRef idx="minor">
+                <a:schemeClr val="lt1"/>
+              </a:fontRef>
+            </p:style>
+            <p:txBody>
+              <a:bodyPr rtlCol="0" anchor="ctr"/>
+              <a:lstStyle/>
+              <a:p>
+                <a:pPr algn="ctr"/>
+                <a:endParaRPr lang="en-US" sz="2000"/>
+              </a:p>
+            </p:txBody>
+          </p:sp>
+        </p:grpSp>
         <p:sp>
           <p:nvSpPr>
-            <p:cNvPr id="57" name="Freeform: Shape 56">
+            <p:cNvPr id="30" name="Oval 29">
               <a:extLst>
                 <a:ext uri="{FF2B5EF4-FFF2-40B4-BE49-F238E27FC236}">
-                  <a16:creationId xmlns:a16="http://schemas.microsoft.com/office/drawing/2014/main" id="{26FE446D-0BB4-D959-568D-7B1EFE68AF57}"/>
+                  <a16:creationId xmlns:a16="http://schemas.microsoft.com/office/drawing/2014/main" id="{2894B669-8284-F121-B861-16432B63475D}"/>
                 </a:ext>
               </a:extLst>
             </p:cNvPr>
@@ -8111,73 +8666,17 @@
             <p:nvPr/>
           </p:nvSpPr>
           <p:spPr>
-            <a:xfrm rot="1846016">
-              <a:off x="10305259" y="2060580"/>
-              <a:ext cx="679318" cy="347439"/>
+            <a:xfrm>
+              <a:off x="8107950" y="4387023"/>
+              <a:ext cx="168828" cy="168828"/>
             </a:xfrm>
-            <a:custGeom>
+            <a:prstGeom prst="ellipse">
               <a:avLst/>
-              <a:gdLst>
-                <a:gd name="connsiteX0" fmla="*/ 0 w 1331251"/>
-                <a:gd name="connsiteY0" fmla="*/ 305030 h 347439"/>
-                <a:gd name="connsiteX1" fmla="*/ 626533 w 1331251"/>
-                <a:gd name="connsiteY1" fmla="*/ 230 h 347439"/>
-                <a:gd name="connsiteX2" fmla="*/ 702733 w 1331251"/>
-                <a:gd name="connsiteY2" fmla="*/ 347364 h 347439"/>
-                <a:gd name="connsiteX3" fmla="*/ 1261533 w 1331251"/>
-                <a:gd name="connsiteY3" fmla="*/ 34097 h 347439"/>
-                <a:gd name="connsiteX4" fmla="*/ 1303866 w 1331251"/>
-                <a:gd name="connsiteY4" fmla="*/ 321964 h 347439"/>
-              </a:gdLst>
-              <a:ahLst/>
-              <a:cxnLst>
-                <a:cxn ang="0">
-                  <a:pos x="connsiteX0" y="connsiteY0"/>
-                </a:cxn>
-                <a:cxn ang="0">
-                  <a:pos x="connsiteX1" y="connsiteY1"/>
-                </a:cxn>
-                <a:cxn ang="0">
-                  <a:pos x="connsiteX2" y="connsiteY2"/>
-                </a:cxn>
-                <a:cxn ang="0">
-                  <a:pos x="connsiteX3" y="connsiteY3"/>
-                </a:cxn>
-                <a:cxn ang="0">
-                  <a:pos x="connsiteX4" y="connsiteY4"/>
-                </a:cxn>
-              </a:cxnLst>
-              <a:rect l="l" t="t" r="r" b="b"/>
-              <a:pathLst>
-                <a:path w="1331251" h="347439">
-                  <a:moveTo>
-                    <a:pt x="0" y="305030"/>
-                  </a:moveTo>
-                  <a:cubicBezTo>
-                    <a:pt x="254705" y="149102"/>
-                    <a:pt x="509411" y="-6826"/>
-                    <a:pt x="626533" y="230"/>
-                  </a:cubicBezTo>
-                  <a:cubicBezTo>
-                    <a:pt x="743655" y="7286"/>
-                    <a:pt x="596900" y="341720"/>
-                    <a:pt x="702733" y="347364"/>
-                  </a:cubicBezTo>
-                  <a:cubicBezTo>
-                    <a:pt x="808566" y="353009"/>
-                    <a:pt x="1161344" y="38330"/>
-                    <a:pt x="1261533" y="34097"/>
-                  </a:cubicBezTo>
-                  <a:cubicBezTo>
-                    <a:pt x="1361722" y="29864"/>
-                    <a:pt x="1332794" y="175914"/>
-                    <a:pt x="1303866" y="321964"/>
-                  </a:cubicBezTo>
-                </a:path>
-              </a:pathLst>
-            </a:custGeom>
-            <a:noFill/>
-            <a:ln w="28575"/>
+            </a:prstGeom>
+            <a:solidFill>
+              <a:schemeClr val="accent3"/>
+            </a:solidFill>
+            <a:ln w="19050"/>
           </p:spPr>
           <p:style>
             <a:lnRef idx="2">
@@ -8206,10 +8705,10 @@
         </p:sp>
         <p:sp>
           <p:nvSpPr>
-            <p:cNvPr id="58" name="Freeform: Shape 57">
+            <p:cNvPr id="31" name="Oval 30">
               <a:extLst>
                 <a:ext uri="{FF2B5EF4-FFF2-40B4-BE49-F238E27FC236}">
-                  <a16:creationId xmlns:a16="http://schemas.microsoft.com/office/drawing/2014/main" id="{7DBA5C62-57A9-9E55-3C30-6FBC92FB6D2D}"/>
+                  <a16:creationId xmlns:a16="http://schemas.microsoft.com/office/drawing/2014/main" id="{59BBE36C-D892-8B42-5070-7C05C1544B3B}"/>
                 </a:ext>
               </a:extLst>
             </p:cNvPr>
@@ -8217,73 +8716,17 @@
             <p:nvPr/>
           </p:nvSpPr>
           <p:spPr>
-            <a:xfrm rot="18836409" flipV="1">
-              <a:off x="10116444" y="2832927"/>
-              <a:ext cx="967185" cy="289584"/>
+            <a:xfrm>
+              <a:off x="8023536" y="5373647"/>
+              <a:ext cx="168828" cy="168828"/>
             </a:xfrm>
-            <a:custGeom>
+            <a:prstGeom prst="ellipse">
               <a:avLst/>
-              <a:gdLst>
-                <a:gd name="connsiteX0" fmla="*/ 0 w 1331251"/>
-                <a:gd name="connsiteY0" fmla="*/ 305030 h 347439"/>
-                <a:gd name="connsiteX1" fmla="*/ 626533 w 1331251"/>
-                <a:gd name="connsiteY1" fmla="*/ 230 h 347439"/>
-                <a:gd name="connsiteX2" fmla="*/ 702733 w 1331251"/>
-                <a:gd name="connsiteY2" fmla="*/ 347364 h 347439"/>
-                <a:gd name="connsiteX3" fmla="*/ 1261533 w 1331251"/>
-                <a:gd name="connsiteY3" fmla="*/ 34097 h 347439"/>
-                <a:gd name="connsiteX4" fmla="*/ 1303866 w 1331251"/>
-                <a:gd name="connsiteY4" fmla="*/ 321964 h 347439"/>
-              </a:gdLst>
-              <a:ahLst/>
-              <a:cxnLst>
-                <a:cxn ang="0">
-                  <a:pos x="connsiteX0" y="connsiteY0"/>
-                </a:cxn>
-                <a:cxn ang="0">
-                  <a:pos x="connsiteX1" y="connsiteY1"/>
-                </a:cxn>
-                <a:cxn ang="0">
-                  <a:pos x="connsiteX2" y="connsiteY2"/>
-                </a:cxn>
-                <a:cxn ang="0">
-                  <a:pos x="connsiteX3" y="connsiteY3"/>
-                </a:cxn>
-                <a:cxn ang="0">
-                  <a:pos x="connsiteX4" y="connsiteY4"/>
-                </a:cxn>
-              </a:cxnLst>
-              <a:rect l="l" t="t" r="r" b="b"/>
-              <a:pathLst>
-                <a:path w="1331251" h="347439">
-                  <a:moveTo>
-                    <a:pt x="0" y="305030"/>
-                  </a:moveTo>
-                  <a:cubicBezTo>
-                    <a:pt x="254705" y="149102"/>
-                    <a:pt x="509411" y="-6826"/>
-                    <a:pt x="626533" y="230"/>
-                  </a:cubicBezTo>
-                  <a:cubicBezTo>
-                    <a:pt x="743655" y="7286"/>
-                    <a:pt x="596900" y="341720"/>
-                    <a:pt x="702733" y="347364"/>
-                  </a:cubicBezTo>
-                  <a:cubicBezTo>
-                    <a:pt x="808566" y="353009"/>
-                    <a:pt x="1161344" y="38330"/>
-                    <a:pt x="1261533" y="34097"/>
-                  </a:cubicBezTo>
-                  <a:cubicBezTo>
-                    <a:pt x="1361722" y="29864"/>
-                    <a:pt x="1332794" y="175914"/>
-                    <a:pt x="1303866" y="321964"/>
-                  </a:cubicBezTo>
-                </a:path>
-              </a:pathLst>
-            </a:custGeom>
-            <a:noFill/>
-            <a:ln w="28575"/>
+            </a:prstGeom>
+            <a:solidFill>
+              <a:schemeClr val="accent3"/>
+            </a:solidFill>
+            <a:ln w="19050"/>
           </p:spPr>
           <p:style>
             <a:lnRef idx="2">
@@ -8312,10 +8755,10 @@
         </p:sp>
         <p:sp>
           <p:nvSpPr>
-            <p:cNvPr id="59" name="Freeform: Shape 58">
+            <p:cNvPr id="32" name="Oval 31">
               <a:extLst>
                 <a:ext uri="{FF2B5EF4-FFF2-40B4-BE49-F238E27FC236}">
-                  <a16:creationId xmlns:a16="http://schemas.microsoft.com/office/drawing/2014/main" id="{71E64F6E-0A10-8D34-F1C8-E03E3EA2D093}"/>
+                  <a16:creationId xmlns:a16="http://schemas.microsoft.com/office/drawing/2014/main" id="{DFDB1FFA-58EB-E2AE-FD23-EC668EA72F62}"/>
                 </a:ext>
               </a:extLst>
             </p:cNvPr>
@@ -8323,73 +8766,17 @@
             <p:nvPr/>
           </p:nvSpPr>
           <p:spPr>
-            <a:xfrm rot="18240908">
-              <a:off x="10160672" y="1636211"/>
-              <a:ext cx="666526" cy="347439"/>
+            <a:xfrm>
+              <a:off x="8731283" y="3748902"/>
+              <a:ext cx="168828" cy="168828"/>
             </a:xfrm>
-            <a:custGeom>
+            <a:prstGeom prst="ellipse">
               <a:avLst/>
-              <a:gdLst>
-                <a:gd name="connsiteX0" fmla="*/ 0 w 1331251"/>
-                <a:gd name="connsiteY0" fmla="*/ 305030 h 347439"/>
-                <a:gd name="connsiteX1" fmla="*/ 626533 w 1331251"/>
-                <a:gd name="connsiteY1" fmla="*/ 230 h 347439"/>
-                <a:gd name="connsiteX2" fmla="*/ 702733 w 1331251"/>
-                <a:gd name="connsiteY2" fmla="*/ 347364 h 347439"/>
-                <a:gd name="connsiteX3" fmla="*/ 1261533 w 1331251"/>
-                <a:gd name="connsiteY3" fmla="*/ 34097 h 347439"/>
-                <a:gd name="connsiteX4" fmla="*/ 1303866 w 1331251"/>
-                <a:gd name="connsiteY4" fmla="*/ 321964 h 347439"/>
-              </a:gdLst>
-              <a:ahLst/>
-              <a:cxnLst>
-                <a:cxn ang="0">
-                  <a:pos x="connsiteX0" y="connsiteY0"/>
-                </a:cxn>
-                <a:cxn ang="0">
-                  <a:pos x="connsiteX1" y="connsiteY1"/>
-                </a:cxn>
-                <a:cxn ang="0">
-                  <a:pos x="connsiteX2" y="connsiteY2"/>
-                </a:cxn>
-                <a:cxn ang="0">
-                  <a:pos x="connsiteX3" y="connsiteY3"/>
-                </a:cxn>
-                <a:cxn ang="0">
-                  <a:pos x="connsiteX4" y="connsiteY4"/>
-                </a:cxn>
-              </a:cxnLst>
-              <a:rect l="l" t="t" r="r" b="b"/>
-              <a:pathLst>
-                <a:path w="1331251" h="347439">
-                  <a:moveTo>
-                    <a:pt x="0" y="305030"/>
-                  </a:moveTo>
-                  <a:cubicBezTo>
-                    <a:pt x="254705" y="149102"/>
-                    <a:pt x="509411" y="-6826"/>
-                    <a:pt x="626533" y="230"/>
-                  </a:cubicBezTo>
-                  <a:cubicBezTo>
-                    <a:pt x="743655" y="7286"/>
-                    <a:pt x="596900" y="341720"/>
-                    <a:pt x="702733" y="347364"/>
-                  </a:cubicBezTo>
-                  <a:cubicBezTo>
-                    <a:pt x="808566" y="353009"/>
-                    <a:pt x="1161344" y="38330"/>
-                    <a:pt x="1261533" y="34097"/>
-                  </a:cubicBezTo>
-                  <a:cubicBezTo>
-                    <a:pt x="1361722" y="29864"/>
-                    <a:pt x="1332794" y="175914"/>
-                    <a:pt x="1303866" y="321964"/>
-                  </a:cubicBezTo>
-                </a:path>
-              </a:pathLst>
-            </a:custGeom>
-            <a:noFill/>
-            <a:ln w="28575"/>
+            </a:prstGeom>
+            <a:solidFill>
+              <a:schemeClr val="accent3"/>
+            </a:solidFill>
+            <a:ln w="19050"/>
           </p:spPr>
           <p:style>
             <a:lnRef idx="2">
@@ -8418,10 +8805,10 @@
         </p:sp>
         <p:sp>
           <p:nvSpPr>
-            <p:cNvPr id="60" name="Oval 59">
+            <p:cNvPr id="33" name="Oval 32">
               <a:extLst>
                 <a:ext uri="{FF2B5EF4-FFF2-40B4-BE49-F238E27FC236}">
-                  <a16:creationId xmlns:a16="http://schemas.microsoft.com/office/drawing/2014/main" id="{23A97F2B-D4B8-DAB1-49BA-6732892AF10F}"/>
+                  <a16:creationId xmlns:a16="http://schemas.microsoft.com/office/drawing/2014/main" id="{3055773D-6A30-2C38-9847-0ADE85F27392}"/>
                 </a:ext>
               </a:extLst>
             </p:cNvPr>
@@ -8430,20 +8817,16 @@
           </p:nvSpPr>
           <p:spPr>
             <a:xfrm>
-              <a:off x="10261601" y="2048934"/>
-              <a:ext cx="220133" cy="220133"/>
+              <a:off x="10018098" y="4976414"/>
+              <a:ext cx="168828" cy="168828"/>
             </a:xfrm>
             <a:prstGeom prst="ellipse">
               <a:avLst/>
             </a:prstGeom>
             <a:solidFill>
-              <a:schemeClr val="bg2"/>
+              <a:schemeClr val="accent3"/>
             </a:solidFill>
-            <a:ln w="19050">
-              <a:solidFill>
-                <a:schemeClr val="tx1"/>
-              </a:solidFill>
-            </a:ln>
+            <a:ln w="19050"/>
           </p:spPr>
           <p:style>
             <a:lnRef idx="2">
@@ -8466,16 +8849,16 @@
             <a:lstStyle/>
             <a:p>
               <a:pPr algn="ctr"/>
-              <a:endParaRPr lang="en-US" sz="2000"/>
+              <a:endParaRPr lang="en-US"/>
             </a:p>
           </p:txBody>
         </p:sp>
         <p:sp>
           <p:nvSpPr>
-            <p:cNvPr id="61" name="Oval 60">
+            <p:cNvPr id="34" name="Oval 33">
               <a:extLst>
                 <a:ext uri="{FF2B5EF4-FFF2-40B4-BE49-F238E27FC236}">
-                  <a16:creationId xmlns:a16="http://schemas.microsoft.com/office/drawing/2014/main" id="{F33ABA59-B79A-6A4C-C97B-AFEE4E5F30B6}"/>
+                  <a16:creationId xmlns:a16="http://schemas.microsoft.com/office/drawing/2014/main" id="{630F0D1C-E66D-6892-B619-826199C40DAC}"/>
                 </a:ext>
               </a:extLst>
             </p:cNvPr>
@@ -8484,20 +8867,16 @@
           </p:nvSpPr>
           <p:spPr>
             <a:xfrm>
-              <a:off x="10761132" y="2508149"/>
-              <a:ext cx="220133" cy="220133"/>
+              <a:off x="8849440" y="4522214"/>
+              <a:ext cx="168828" cy="168828"/>
             </a:xfrm>
             <a:prstGeom prst="ellipse">
               <a:avLst/>
             </a:prstGeom>
             <a:solidFill>
-              <a:schemeClr val="accent2"/>
+              <a:schemeClr val="accent3"/>
             </a:solidFill>
-            <a:ln w="19050">
-              <a:solidFill>
-                <a:schemeClr val="tx1"/>
-              </a:solidFill>
-            </a:ln>
+            <a:ln w="19050"/>
           </p:spPr>
           <p:style>
             <a:lnRef idx="2">
@@ -8520,16 +8899,16 @@
             <a:lstStyle/>
             <a:p>
               <a:pPr algn="ctr"/>
-              <a:endParaRPr lang="en-US" sz="2000" dirty="0"/>
+              <a:endParaRPr lang="en-US"/>
             </a:p>
           </p:txBody>
         </p:sp>
         <p:sp>
           <p:nvSpPr>
-            <p:cNvPr id="62" name="Oval 61">
+            <p:cNvPr id="35" name="Oval 34">
               <a:extLst>
                 <a:ext uri="{FF2B5EF4-FFF2-40B4-BE49-F238E27FC236}">
-                  <a16:creationId xmlns:a16="http://schemas.microsoft.com/office/drawing/2014/main" id="{F5EF0DE3-ADCE-686E-5C2A-17378286ED95}"/>
+                  <a16:creationId xmlns:a16="http://schemas.microsoft.com/office/drawing/2014/main" id="{81DD34DD-5095-04E1-CFB7-B38CD3C5708D}"/>
                 </a:ext>
               </a:extLst>
             </p:cNvPr>
@@ -8538,20 +8917,16 @@
           </p:nvSpPr>
           <p:spPr>
             <a:xfrm>
-              <a:off x="10737905" y="1461371"/>
-              <a:ext cx="220133" cy="220133"/>
+              <a:off x="10238345" y="3488380"/>
+              <a:ext cx="168828" cy="168828"/>
             </a:xfrm>
             <a:prstGeom prst="ellipse">
               <a:avLst/>
             </a:prstGeom>
             <a:solidFill>
-              <a:schemeClr val="accent2"/>
+              <a:schemeClr val="accent3"/>
             </a:solidFill>
-            <a:ln w="19050">
-              <a:solidFill>
-                <a:schemeClr val="tx1"/>
-              </a:solidFill>
-            </a:ln>
+            <a:ln w="19050"/>
           </p:spPr>
           <p:style>
             <a:lnRef idx="2">
@@ -8574,16 +8949,16 @@
             <a:lstStyle/>
             <a:p>
               <a:pPr algn="ctr"/>
-              <a:endParaRPr lang="en-US" sz="2000"/>
+              <a:endParaRPr lang="en-US"/>
             </a:p>
           </p:txBody>
         </p:sp>
         <p:sp>
           <p:nvSpPr>
-            <p:cNvPr id="63" name="Oval 62">
+            <p:cNvPr id="36" name="Oval 35">
               <a:extLst>
                 <a:ext uri="{FF2B5EF4-FFF2-40B4-BE49-F238E27FC236}">
-                  <a16:creationId xmlns:a16="http://schemas.microsoft.com/office/drawing/2014/main" id="{357C71AE-1BF6-15D1-45FA-AC669D74E653}"/>
+                  <a16:creationId xmlns:a16="http://schemas.microsoft.com/office/drawing/2014/main" id="{A8AB72AF-724B-E3B2-1E73-DE7AD2839847}"/>
                 </a:ext>
               </a:extLst>
             </p:cNvPr>
@@ -8592,20 +8967,16 @@
           </p:nvSpPr>
           <p:spPr>
             <a:xfrm>
-              <a:off x="10128639" y="3135221"/>
-              <a:ext cx="220133" cy="220133"/>
+              <a:off x="9053899" y="5514859"/>
+              <a:ext cx="168828" cy="168828"/>
             </a:xfrm>
             <a:prstGeom prst="ellipse">
               <a:avLst/>
             </a:prstGeom>
             <a:solidFill>
-              <a:schemeClr val="bg2"/>
+              <a:schemeClr val="accent3"/>
             </a:solidFill>
-            <a:ln w="19050">
-              <a:solidFill>
-                <a:schemeClr val="tx1"/>
-              </a:solidFill>
-            </a:ln>
+            <a:ln w="19050"/>
           </p:spPr>
           <p:style>
             <a:lnRef idx="2">
@@ -8628,961 +8999,611 @@
             <a:lstStyle/>
             <a:p>
               <a:pPr algn="ctr"/>
-              <a:endParaRPr lang="en-US" sz="2000"/>
+              <a:endParaRPr lang="en-US"/>
+            </a:p>
+          </p:txBody>
+        </p:sp>
+        <p:sp>
+          <p:nvSpPr>
+            <p:cNvPr id="44" name="Oval 43">
+              <a:extLst>
+                <a:ext uri="{FF2B5EF4-FFF2-40B4-BE49-F238E27FC236}">
+                  <a16:creationId xmlns:a16="http://schemas.microsoft.com/office/drawing/2014/main" id="{CE90F9B9-8034-929F-2C64-7A592C984657}"/>
+                </a:ext>
+              </a:extLst>
+            </p:cNvPr>
+            <p:cNvSpPr/>
+            <p:nvPr/>
+          </p:nvSpPr>
+          <p:spPr>
+            <a:xfrm>
+              <a:off x="8262688" y="3872010"/>
+              <a:ext cx="91440" cy="91440"/>
+            </a:xfrm>
+            <a:prstGeom prst="ellipse">
+              <a:avLst/>
+            </a:prstGeom>
+            <a:solidFill>
+              <a:schemeClr val="accent2"/>
+            </a:solidFill>
+            <a:ln w="12700"/>
+          </p:spPr>
+          <p:style>
+            <a:lnRef idx="2">
+              <a:schemeClr val="accent1">
+                <a:shade val="15000"/>
+              </a:schemeClr>
+            </a:lnRef>
+            <a:fillRef idx="1">
+              <a:schemeClr val="accent1"/>
+            </a:fillRef>
+            <a:effectRef idx="0">
+              <a:schemeClr val="accent1"/>
+            </a:effectRef>
+            <a:fontRef idx="minor">
+              <a:schemeClr val="lt1"/>
+            </a:fontRef>
+          </p:style>
+          <p:txBody>
+            <a:bodyPr rtlCol="0" anchor="ctr"/>
+            <a:lstStyle/>
+            <a:p>
+              <a:pPr algn="ctr"/>
+              <a:endParaRPr lang="en-US"/>
+            </a:p>
+          </p:txBody>
+        </p:sp>
+        <p:sp>
+          <p:nvSpPr>
+            <p:cNvPr id="45" name="Oval 44">
+              <a:extLst>
+                <a:ext uri="{FF2B5EF4-FFF2-40B4-BE49-F238E27FC236}">
+                  <a16:creationId xmlns:a16="http://schemas.microsoft.com/office/drawing/2014/main" id="{70766DE9-06AB-2244-A58B-4C02701CFF62}"/>
+                </a:ext>
+              </a:extLst>
+            </p:cNvPr>
+            <p:cNvSpPr/>
+            <p:nvPr/>
+          </p:nvSpPr>
+          <p:spPr>
+            <a:xfrm>
+              <a:off x="10402026" y="5021723"/>
+              <a:ext cx="91440" cy="91440"/>
+            </a:xfrm>
+            <a:prstGeom prst="ellipse">
+              <a:avLst/>
+            </a:prstGeom>
+            <a:solidFill>
+              <a:schemeClr val="accent2"/>
+            </a:solidFill>
+            <a:ln w="12700"/>
+          </p:spPr>
+          <p:style>
+            <a:lnRef idx="2">
+              <a:schemeClr val="accent1">
+                <a:shade val="15000"/>
+              </a:schemeClr>
+            </a:lnRef>
+            <a:fillRef idx="1">
+              <a:schemeClr val="accent1"/>
+            </a:fillRef>
+            <a:effectRef idx="0">
+              <a:schemeClr val="accent1"/>
+            </a:effectRef>
+            <a:fontRef idx="minor">
+              <a:schemeClr val="lt1"/>
+            </a:fontRef>
+          </p:style>
+          <p:txBody>
+            <a:bodyPr rtlCol="0" anchor="ctr"/>
+            <a:lstStyle/>
+            <a:p>
+              <a:pPr algn="ctr"/>
+              <a:endParaRPr lang="en-US"/>
+            </a:p>
+          </p:txBody>
+        </p:sp>
+        <p:sp>
+          <p:nvSpPr>
+            <p:cNvPr id="46" name="Oval 45">
+              <a:extLst>
+                <a:ext uri="{FF2B5EF4-FFF2-40B4-BE49-F238E27FC236}">
+                  <a16:creationId xmlns:a16="http://schemas.microsoft.com/office/drawing/2014/main" id="{6F392225-45C9-4252-D5EB-6BB27B9B465D}"/>
+                </a:ext>
+              </a:extLst>
+            </p:cNvPr>
+            <p:cNvSpPr/>
+            <p:nvPr/>
+          </p:nvSpPr>
+          <p:spPr>
+            <a:xfrm>
+              <a:off x="10989445" y="3439629"/>
+              <a:ext cx="91440" cy="91440"/>
+            </a:xfrm>
+            <a:prstGeom prst="ellipse">
+              <a:avLst/>
+            </a:prstGeom>
+            <a:solidFill>
+              <a:schemeClr val="accent2"/>
+            </a:solidFill>
+            <a:ln w="12700"/>
+          </p:spPr>
+          <p:style>
+            <a:lnRef idx="2">
+              <a:schemeClr val="accent1">
+                <a:shade val="15000"/>
+              </a:schemeClr>
+            </a:lnRef>
+            <a:fillRef idx="1">
+              <a:schemeClr val="accent1"/>
+            </a:fillRef>
+            <a:effectRef idx="0">
+              <a:schemeClr val="accent1"/>
+            </a:effectRef>
+            <a:fontRef idx="minor">
+              <a:schemeClr val="lt1"/>
+            </a:fontRef>
+          </p:style>
+          <p:txBody>
+            <a:bodyPr rtlCol="0" anchor="ctr"/>
+            <a:lstStyle/>
+            <a:p>
+              <a:pPr algn="ctr"/>
+              <a:endParaRPr lang="en-US"/>
+            </a:p>
+          </p:txBody>
+        </p:sp>
+        <p:sp>
+          <p:nvSpPr>
+            <p:cNvPr id="47" name="Oval 46">
+              <a:extLst>
+                <a:ext uri="{FF2B5EF4-FFF2-40B4-BE49-F238E27FC236}">
+                  <a16:creationId xmlns:a16="http://schemas.microsoft.com/office/drawing/2014/main" id="{963A1538-517D-81E3-E30F-32705D5BD7F5}"/>
+                </a:ext>
+              </a:extLst>
+            </p:cNvPr>
+            <p:cNvSpPr/>
+            <p:nvPr/>
+          </p:nvSpPr>
+          <p:spPr>
+            <a:xfrm>
+              <a:off x="10116174" y="4509753"/>
+              <a:ext cx="91440" cy="91440"/>
+            </a:xfrm>
+            <a:prstGeom prst="ellipse">
+              <a:avLst/>
+            </a:prstGeom>
+            <a:solidFill>
+              <a:schemeClr val="accent1"/>
+            </a:solidFill>
+            <a:ln w="12700"/>
+          </p:spPr>
+          <p:style>
+            <a:lnRef idx="2">
+              <a:schemeClr val="accent1">
+                <a:shade val="15000"/>
+              </a:schemeClr>
+            </a:lnRef>
+            <a:fillRef idx="1">
+              <a:schemeClr val="accent1"/>
+            </a:fillRef>
+            <a:effectRef idx="0">
+              <a:schemeClr val="accent1"/>
+            </a:effectRef>
+            <a:fontRef idx="minor">
+              <a:schemeClr val="lt1"/>
+            </a:fontRef>
+          </p:style>
+          <p:txBody>
+            <a:bodyPr rtlCol="0" anchor="ctr"/>
+            <a:lstStyle/>
+            <a:p>
+              <a:pPr algn="ctr"/>
+              <a:endParaRPr lang="en-US"/>
+            </a:p>
+          </p:txBody>
+        </p:sp>
+        <p:sp>
+          <p:nvSpPr>
+            <p:cNvPr id="48" name="Oval 47">
+              <a:extLst>
+                <a:ext uri="{FF2B5EF4-FFF2-40B4-BE49-F238E27FC236}">
+                  <a16:creationId xmlns:a16="http://schemas.microsoft.com/office/drawing/2014/main" id="{913261CE-3831-64CA-FAAE-EEBE51442B4D}"/>
+                </a:ext>
+              </a:extLst>
+            </p:cNvPr>
+            <p:cNvSpPr/>
+            <p:nvPr/>
+          </p:nvSpPr>
+          <p:spPr>
+            <a:xfrm>
+              <a:off x="9855769" y="3471944"/>
+              <a:ext cx="91440" cy="91440"/>
+            </a:xfrm>
+            <a:prstGeom prst="ellipse">
+              <a:avLst/>
+            </a:prstGeom>
+            <a:solidFill>
+              <a:schemeClr val="accent1"/>
+            </a:solidFill>
+            <a:ln w="12700"/>
+          </p:spPr>
+          <p:style>
+            <a:lnRef idx="2">
+              <a:schemeClr val="accent1">
+                <a:shade val="15000"/>
+              </a:schemeClr>
+            </a:lnRef>
+            <a:fillRef idx="1">
+              <a:schemeClr val="accent1"/>
+            </a:fillRef>
+            <a:effectRef idx="0">
+              <a:schemeClr val="accent1"/>
+            </a:effectRef>
+            <a:fontRef idx="minor">
+              <a:schemeClr val="lt1"/>
+            </a:fontRef>
+          </p:style>
+          <p:txBody>
+            <a:bodyPr rtlCol="0" anchor="ctr"/>
+            <a:lstStyle/>
+            <a:p>
+              <a:pPr algn="ctr"/>
+              <a:endParaRPr lang="en-US"/>
+            </a:p>
+          </p:txBody>
+        </p:sp>
+        <p:sp>
+          <p:nvSpPr>
+            <p:cNvPr id="49" name="Oval 48">
+              <a:extLst>
+                <a:ext uri="{FF2B5EF4-FFF2-40B4-BE49-F238E27FC236}">
+                  <a16:creationId xmlns:a16="http://schemas.microsoft.com/office/drawing/2014/main" id="{E5CA9222-A26A-1C38-00E7-1FDE436C8651}"/>
+                </a:ext>
+              </a:extLst>
+            </p:cNvPr>
+            <p:cNvSpPr/>
+            <p:nvPr/>
+          </p:nvSpPr>
+          <p:spPr>
+            <a:xfrm>
+              <a:off x="8586679" y="4218556"/>
+              <a:ext cx="91440" cy="91440"/>
+            </a:xfrm>
+            <a:prstGeom prst="ellipse">
+              <a:avLst/>
+            </a:prstGeom>
+            <a:solidFill>
+              <a:schemeClr val="accent1"/>
+            </a:solidFill>
+            <a:ln w="12700"/>
+          </p:spPr>
+          <p:style>
+            <a:lnRef idx="2">
+              <a:schemeClr val="accent1">
+                <a:shade val="15000"/>
+              </a:schemeClr>
+            </a:lnRef>
+            <a:fillRef idx="1">
+              <a:schemeClr val="accent1"/>
+            </a:fillRef>
+            <a:effectRef idx="0">
+              <a:schemeClr val="accent1"/>
+            </a:effectRef>
+            <a:fontRef idx="minor">
+              <a:schemeClr val="lt1"/>
+            </a:fontRef>
+          </p:style>
+          <p:txBody>
+            <a:bodyPr rtlCol="0" anchor="ctr"/>
+            <a:lstStyle/>
+            <a:p>
+              <a:pPr algn="ctr"/>
+              <a:endParaRPr lang="en-US"/>
+            </a:p>
+          </p:txBody>
+        </p:sp>
+        <p:sp>
+          <p:nvSpPr>
+            <p:cNvPr id="50" name="Oval 49">
+              <a:extLst>
+                <a:ext uri="{FF2B5EF4-FFF2-40B4-BE49-F238E27FC236}">
+                  <a16:creationId xmlns:a16="http://schemas.microsoft.com/office/drawing/2014/main" id="{6191F91F-9E1F-3639-FB59-EB8EBEFB0E23}"/>
+                </a:ext>
+              </a:extLst>
+            </p:cNvPr>
+            <p:cNvSpPr/>
+            <p:nvPr/>
+          </p:nvSpPr>
+          <p:spPr>
+            <a:xfrm>
+              <a:off x="9663483" y="4344155"/>
+              <a:ext cx="91440" cy="91440"/>
+            </a:xfrm>
+            <a:prstGeom prst="ellipse">
+              <a:avLst/>
+            </a:prstGeom>
+            <a:solidFill>
+              <a:schemeClr val="accent1"/>
+            </a:solidFill>
+            <a:ln w="12700"/>
+          </p:spPr>
+          <p:style>
+            <a:lnRef idx="2">
+              <a:schemeClr val="accent1">
+                <a:shade val="15000"/>
+              </a:schemeClr>
+            </a:lnRef>
+            <a:fillRef idx="1">
+              <a:schemeClr val="accent1"/>
+            </a:fillRef>
+            <a:effectRef idx="0">
+              <a:schemeClr val="accent1"/>
+            </a:effectRef>
+            <a:fontRef idx="minor">
+              <a:schemeClr val="lt1"/>
+            </a:fontRef>
+          </p:style>
+          <p:txBody>
+            <a:bodyPr rtlCol="0" anchor="ctr"/>
+            <a:lstStyle/>
+            <a:p>
+              <a:pPr algn="ctr"/>
+              <a:endParaRPr lang="en-US"/>
+            </a:p>
+          </p:txBody>
+        </p:sp>
+        <p:sp>
+          <p:nvSpPr>
+            <p:cNvPr id="51" name="Oval 50">
+              <a:extLst>
+                <a:ext uri="{FF2B5EF4-FFF2-40B4-BE49-F238E27FC236}">
+                  <a16:creationId xmlns:a16="http://schemas.microsoft.com/office/drawing/2014/main" id="{38B810E2-01D3-D35D-ECD5-96C138B631F7}"/>
+                </a:ext>
+              </a:extLst>
+            </p:cNvPr>
+            <p:cNvSpPr/>
+            <p:nvPr/>
+          </p:nvSpPr>
+          <p:spPr>
+            <a:xfrm>
+              <a:off x="9722426" y="5478895"/>
+              <a:ext cx="91440" cy="91440"/>
+            </a:xfrm>
+            <a:prstGeom prst="ellipse">
+              <a:avLst/>
+            </a:prstGeom>
+            <a:solidFill>
+              <a:schemeClr val="accent1"/>
+            </a:solidFill>
+            <a:ln w="12700"/>
+          </p:spPr>
+          <p:style>
+            <a:lnRef idx="2">
+              <a:schemeClr val="accent1">
+                <a:shade val="15000"/>
+              </a:schemeClr>
+            </a:lnRef>
+            <a:fillRef idx="1">
+              <a:schemeClr val="accent1"/>
+            </a:fillRef>
+            <a:effectRef idx="0">
+              <a:schemeClr val="accent1"/>
+            </a:effectRef>
+            <a:fontRef idx="minor">
+              <a:schemeClr val="lt1"/>
+            </a:fontRef>
+          </p:style>
+          <p:txBody>
+            <a:bodyPr rtlCol="0" anchor="ctr"/>
+            <a:lstStyle/>
+            <a:p>
+              <a:pPr algn="ctr"/>
+              <a:endParaRPr lang="en-US"/>
+            </a:p>
+          </p:txBody>
+        </p:sp>
+        <p:sp>
+          <p:nvSpPr>
+            <p:cNvPr id="52" name="Oval 51">
+              <a:extLst>
+                <a:ext uri="{FF2B5EF4-FFF2-40B4-BE49-F238E27FC236}">
+                  <a16:creationId xmlns:a16="http://schemas.microsoft.com/office/drawing/2014/main" id="{3CA05364-72F2-8CB3-393A-CF6F28E2E033}"/>
+                </a:ext>
+              </a:extLst>
+            </p:cNvPr>
+            <p:cNvSpPr/>
+            <p:nvPr/>
+          </p:nvSpPr>
+          <p:spPr>
+            <a:xfrm>
+              <a:off x="7912505" y="4941511"/>
+              <a:ext cx="91440" cy="91440"/>
+            </a:xfrm>
+            <a:prstGeom prst="ellipse">
+              <a:avLst/>
+            </a:prstGeom>
+            <a:solidFill>
+              <a:schemeClr val="accent1"/>
+            </a:solidFill>
+            <a:ln w="12700"/>
+          </p:spPr>
+          <p:style>
+            <a:lnRef idx="2">
+              <a:schemeClr val="accent1">
+                <a:shade val="15000"/>
+              </a:schemeClr>
+            </a:lnRef>
+            <a:fillRef idx="1">
+              <a:schemeClr val="accent1"/>
+            </a:fillRef>
+            <a:effectRef idx="0">
+              <a:schemeClr val="accent1"/>
+            </a:effectRef>
+            <a:fontRef idx="minor">
+              <a:schemeClr val="lt1"/>
+            </a:fontRef>
+          </p:style>
+          <p:txBody>
+            <a:bodyPr rtlCol="0" anchor="ctr"/>
+            <a:lstStyle/>
+            <a:p>
+              <a:pPr algn="ctr"/>
+              <a:endParaRPr lang="en-US"/>
+            </a:p>
+          </p:txBody>
+        </p:sp>
+        <p:sp>
+          <p:nvSpPr>
+            <p:cNvPr id="53" name="Oval 52">
+              <a:extLst>
+                <a:ext uri="{FF2B5EF4-FFF2-40B4-BE49-F238E27FC236}">
+                  <a16:creationId xmlns:a16="http://schemas.microsoft.com/office/drawing/2014/main" id="{0E3B98C6-5373-55ED-15BB-4526A07F1E2C}"/>
+                </a:ext>
+              </a:extLst>
+            </p:cNvPr>
+            <p:cNvSpPr/>
+            <p:nvPr/>
+          </p:nvSpPr>
+          <p:spPr>
+            <a:xfrm>
+              <a:off x="7500474" y="4645322"/>
+              <a:ext cx="91440" cy="91440"/>
+            </a:xfrm>
+            <a:prstGeom prst="ellipse">
+              <a:avLst/>
+            </a:prstGeom>
+            <a:solidFill>
+              <a:schemeClr val="accent2"/>
+            </a:solidFill>
+            <a:ln w="12700"/>
+          </p:spPr>
+          <p:style>
+            <a:lnRef idx="2">
+              <a:schemeClr val="accent1">
+                <a:shade val="15000"/>
+              </a:schemeClr>
+            </a:lnRef>
+            <a:fillRef idx="1">
+              <a:schemeClr val="accent1"/>
+            </a:fillRef>
+            <a:effectRef idx="0">
+              <a:schemeClr val="accent1"/>
+            </a:effectRef>
+            <a:fontRef idx="minor">
+              <a:schemeClr val="lt1"/>
+            </a:fontRef>
+          </p:style>
+          <p:txBody>
+            <a:bodyPr rtlCol="0" anchor="ctr"/>
+            <a:lstStyle/>
+            <a:p>
+              <a:pPr algn="ctr"/>
+              <a:endParaRPr lang="en-US"/>
+            </a:p>
+          </p:txBody>
+        </p:sp>
+        <p:sp>
+          <p:nvSpPr>
+            <p:cNvPr id="54" name="Oval 53">
+              <a:extLst>
+                <a:ext uri="{FF2B5EF4-FFF2-40B4-BE49-F238E27FC236}">
+                  <a16:creationId xmlns:a16="http://schemas.microsoft.com/office/drawing/2014/main" id="{C14DA7DD-A4AF-7DE1-6CB9-AFCDB25E9B64}"/>
+                </a:ext>
+              </a:extLst>
+            </p:cNvPr>
+            <p:cNvSpPr/>
+            <p:nvPr/>
+          </p:nvSpPr>
+          <p:spPr>
+            <a:xfrm>
+              <a:off x="8764558" y="3358857"/>
+              <a:ext cx="91440" cy="91440"/>
+            </a:xfrm>
+            <a:prstGeom prst="ellipse">
+              <a:avLst/>
+            </a:prstGeom>
+            <a:solidFill>
+              <a:schemeClr val="accent2"/>
+            </a:solidFill>
+            <a:ln w="12700"/>
+          </p:spPr>
+          <p:style>
+            <a:lnRef idx="2">
+              <a:schemeClr val="accent1">
+                <a:shade val="15000"/>
+              </a:schemeClr>
+            </a:lnRef>
+            <a:fillRef idx="1">
+              <a:schemeClr val="accent1"/>
+            </a:fillRef>
+            <a:effectRef idx="0">
+              <a:schemeClr val="accent1"/>
+            </a:effectRef>
+            <a:fontRef idx="minor">
+              <a:schemeClr val="lt1"/>
+            </a:fontRef>
+          </p:style>
+          <p:txBody>
+            <a:bodyPr rtlCol="0" anchor="ctr"/>
+            <a:lstStyle/>
+            <a:p>
+              <a:pPr algn="ctr"/>
+              <a:endParaRPr lang="en-US"/>
+            </a:p>
+          </p:txBody>
+        </p:sp>
+        <p:sp>
+          <p:nvSpPr>
+            <p:cNvPr id="55" name="Oval 54">
+              <a:extLst>
+                <a:ext uri="{FF2B5EF4-FFF2-40B4-BE49-F238E27FC236}">
+                  <a16:creationId xmlns:a16="http://schemas.microsoft.com/office/drawing/2014/main" id="{B59C07CD-56AF-B222-B38F-3D864E36F468}"/>
+                </a:ext>
+              </a:extLst>
+            </p:cNvPr>
+            <p:cNvSpPr/>
+            <p:nvPr/>
+          </p:nvSpPr>
+          <p:spPr>
+            <a:xfrm>
+              <a:off x="8764558" y="5010496"/>
+              <a:ext cx="91440" cy="91440"/>
+            </a:xfrm>
+            <a:prstGeom prst="ellipse">
+              <a:avLst/>
+            </a:prstGeom>
+            <a:solidFill>
+              <a:schemeClr val="accent1"/>
+            </a:solidFill>
+            <a:ln w="12700"/>
+          </p:spPr>
+          <p:style>
+            <a:lnRef idx="2">
+              <a:schemeClr val="accent1">
+                <a:shade val="15000"/>
+              </a:schemeClr>
+            </a:lnRef>
+            <a:fillRef idx="1">
+              <a:schemeClr val="accent1"/>
+            </a:fillRef>
+            <a:effectRef idx="0">
+              <a:schemeClr val="accent1"/>
+            </a:effectRef>
+            <a:fontRef idx="minor">
+              <a:schemeClr val="lt1"/>
+            </a:fontRef>
+          </p:style>
+          <p:txBody>
+            <a:bodyPr rtlCol="0" anchor="ctr"/>
+            <a:lstStyle/>
+            <a:p>
+              <a:pPr algn="ctr"/>
+              <a:endParaRPr lang="en-US"/>
             </a:p>
           </p:txBody>
         </p:sp>
       </p:grpSp>
-      <p:sp>
-        <p:nvSpPr>
-          <p:cNvPr id="30" name="Oval 29">
-            <a:extLst>
-              <a:ext uri="{FF2B5EF4-FFF2-40B4-BE49-F238E27FC236}">
-                <a16:creationId xmlns:a16="http://schemas.microsoft.com/office/drawing/2014/main" id="{2894B669-8284-F121-B861-16432B63475D}"/>
-              </a:ext>
-            </a:extLst>
-          </p:cNvPr>
-          <p:cNvSpPr/>
-          <p:nvPr/>
-        </p:nvSpPr>
-        <p:spPr>
-          <a:xfrm>
-            <a:off x="8118830" y="4765053"/>
-            <a:ext cx="168828" cy="168828"/>
-          </a:xfrm>
-          <a:prstGeom prst="ellipse">
-            <a:avLst/>
-          </a:prstGeom>
-          <a:solidFill>
-            <a:schemeClr val="accent3"/>
-          </a:solidFill>
-          <a:ln w="19050"/>
-        </p:spPr>
-        <p:style>
-          <a:lnRef idx="2">
-            <a:schemeClr val="accent1">
-              <a:shade val="15000"/>
-            </a:schemeClr>
-          </a:lnRef>
-          <a:fillRef idx="1">
-            <a:schemeClr val="accent1"/>
-          </a:fillRef>
-          <a:effectRef idx="0">
-            <a:schemeClr val="accent1"/>
-          </a:effectRef>
-          <a:fontRef idx="minor">
-            <a:schemeClr val="lt1"/>
-          </a:fontRef>
-        </p:style>
-        <p:txBody>
-          <a:bodyPr rtlCol="0" anchor="ctr"/>
-          <a:lstStyle/>
-          <a:p>
-            <a:pPr algn="ctr"/>
-            <a:endParaRPr lang="en-US"/>
-          </a:p>
-        </p:txBody>
-      </p:sp>
-      <p:sp>
-        <p:nvSpPr>
-          <p:cNvPr id="31" name="Oval 30">
-            <a:extLst>
-              <a:ext uri="{FF2B5EF4-FFF2-40B4-BE49-F238E27FC236}">
-                <a16:creationId xmlns:a16="http://schemas.microsoft.com/office/drawing/2014/main" id="{59BBE36C-D892-8B42-5070-7C05C1544B3B}"/>
-              </a:ext>
-            </a:extLst>
-          </p:cNvPr>
-          <p:cNvSpPr/>
-          <p:nvPr/>
-        </p:nvSpPr>
-        <p:spPr>
-          <a:xfrm>
-            <a:off x="8034416" y="5751677"/>
-            <a:ext cx="168828" cy="168828"/>
-          </a:xfrm>
-          <a:prstGeom prst="ellipse">
-            <a:avLst/>
-          </a:prstGeom>
-          <a:solidFill>
-            <a:schemeClr val="accent3"/>
-          </a:solidFill>
-          <a:ln w="19050"/>
-        </p:spPr>
-        <p:style>
-          <a:lnRef idx="2">
-            <a:schemeClr val="accent1">
-              <a:shade val="15000"/>
-            </a:schemeClr>
-          </a:lnRef>
-          <a:fillRef idx="1">
-            <a:schemeClr val="accent1"/>
-          </a:fillRef>
-          <a:effectRef idx="0">
-            <a:schemeClr val="accent1"/>
-          </a:effectRef>
-          <a:fontRef idx="minor">
-            <a:schemeClr val="lt1"/>
-          </a:fontRef>
-        </p:style>
-        <p:txBody>
-          <a:bodyPr rtlCol="0" anchor="ctr"/>
-          <a:lstStyle/>
-          <a:p>
-            <a:pPr algn="ctr"/>
-            <a:endParaRPr lang="en-US"/>
-          </a:p>
-        </p:txBody>
-      </p:sp>
-      <p:sp>
-        <p:nvSpPr>
-          <p:cNvPr id="32" name="Oval 31">
-            <a:extLst>
-              <a:ext uri="{FF2B5EF4-FFF2-40B4-BE49-F238E27FC236}">
-                <a16:creationId xmlns:a16="http://schemas.microsoft.com/office/drawing/2014/main" id="{DFDB1FFA-58EB-E2AE-FD23-EC668EA72F62}"/>
-              </a:ext>
-            </a:extLst>
-          </p:cNvPr>
-          <p:cNvSpPr/>
-          <p:nvPr/>
-        </p:nvSpPr>
-        <p:spPr>
-          <a:xfrm>
-            <a:off x="8742163" y="4126932"/>
-            <a:ext cx="168828" cy="168828"/>
-          </a:xfrm>
-          <a:prstGeom prst="ellipse">
-            <a:avLst/>
-          </a:prstGeom>
-          <a:solidFill>
-            <a:schemeClr val="accent3"/>
-          </a:solidFill>
-          <a:ln w="19050"/>
-        </p:spPr>
-        <p:style>
-          <a:lnRef idx="2">
-            <a:schemeClr val="accent1">
-              <a:shade val="15000"/>
-            </a:schemeClr>
-          </a:lnRef>
-          <a:fillRef idx="1">
-            <a:schemeClr val="accent1"/>
-          </a:fillRef>
-          <a:effectRef idx="0">
-            <a:schemeClr val="accent1"/>
-          </a:effectRef>
-          <a:fontRef idx="minor">
-            <a:schemeClr val="lt1"/>
-          </a:fontRef>
-        </p:style>
-        <p:txBody>
-          <a:bodyPr rtlCol="0" anchor="ctr"/>
-          <a:lstStyle/>
-          <a:p>
-            <a:pPr algn="ctr"/>
-            <a:endParaRPr lang="en-US"/>
-          </a:p>
-        </p:txBody>
-      </p:sp>
-      <p:sp>
-        <p:nvSpPr>
-          <p:cNvPr id="33" name="Oval 32">
-            <a:extLst>
-              <a:ext uri="{FF2B5EF4-FFF2-40B4-BE49-F238E27FC236}">
-                <a16:creationId xmlns:a16="http://schemas.microsoft.com/office/drawing/2014/main" id="{3055773D-6A30-2C38-9847-0ADE85F27392}"/>
-              </a:ext>
-            </a:extLst>
-          </p:cNvPr>
-          <p:cNvSpPr/>
-          <p:nvPr/>
-        </p:nvSpPr>
-        <p:spPr>
-          <a:xfrm>
-            <a:off x="10028978" y="5354444"/>
-            <a:ext cx="168828" cy="168828"/>
-          </a:xfrm>
-          <a:prstGeom prst="ellipse">
-            <a:avLst/>
-          </a:prstGeom>
-          <a:solidFill>
-            <a:schemeClr val="accent3"/>
-          </a:solidFill>
-          <a:ln w="19050"/>
-        </p:spPr>
-        <p:style>
-          <a:lnRef idx="2">
-            <a:schemeClr val="accent1">
-              <a:shade val="15000"/>
-            </a:schemeClr>
-          </a:lnRef>
-          <a:fillRef idx="1">
-            <a:schemeClr val="accent1"/>
-          </a:fillRef>
-          <a:effectRef idx="0">
-            <a:schemeClr val="accent1"/>
-          </a:effectRef>
-          <a:fontRef idx="minor">
-            <a:schemeClr val="lt1"/>
-          </a:fontRef>
-        </p:style>
-        <p:txBody>
-          <a:bodyPr rtlCol="0" anchor="ctr"/>
-          <a:lstStyle/>
-          <a:p>
-            <a:pPr algn="ctr"/>
-            <a:endParaRPr lang="en-US"/>
-          </a:p>
-        </p:txBody>
-      </p:sp>
-      <p:sp>
-        <p:nvSpPr>
-          <p:cNvPr id="34" name="Oval 33">
-            <a:extLst>
-              <a:ext uri="{FF2B5EF4-FFF2-40B4-BE49-F238E27FC236}">
-                <a16:creationId xmlns:a16="http://schemas.microsoft.com/office/drawing/2014/main" id="{630F0D1C-E66D-6892-B619-826199C40DAC}"/>
-              </a:ext>
-            </a:extLst>
-          </p:cNvPr>
-          <p:cNvSpPr/>
-          <p:nvPr/>
-        </p:nvSpPr>
-        <p:spPr>
-          <a:xfrm>
-            <a:off x="8860320" y="4900244"/>
-            <a:ext cx="168828" cy="168828"/>
-          </a:xfrm>
-          <a:prstGeom prst="ellipse">
-            <a:avLst/>
-          </a:prstGeom>
-          <a:solidFill>
-            <a:schemeClr val="accent3"/>
-          </a:solidFill>
-          <a:ln w="19050"/>
-        </p:spPr>
-        <p:style>
-          <a:lnRef idx="2">
-            <a:schemeClr val="accent1">
-              <a:shade val="15000"/>
-            </a:schemeClr>
-          </a:lnRef>
-          <a:fillRef idx="1">
-            <a:schemeClr val="accent1"/>
-          </a:fillRef>
-          <a:effectRef idx="0">
-            <a:schemeClr val="accent1"/>
-          </a:effectRef>
-          <a:fontRef idx="minor">
-            <a:schemeClr val="lt1"/>
-          </a:fontRef>
-        </p:style>
-        <p:txBody>
-          <a:bodyPr rtlCol="0" anchor="ctr"/>
-          <a:lstStyle/>
-          <a:p>
-            <a:pPr algn="ctr"/>
-            <a:endParaRPr lang="en-US"/>
-          </a:p>
-        </p:txBody>
-      </p:sp>
-      <p:sp>
-        <p:nvSpPr>
-          <p:cNvPr id="35" name="Oval 34">
-            <a:extLst>
-              <a:ext uri="{FF2B5EF4-FFF2-40B4-BE49-F238E27FC236}">
-                <a16:creationId xmlns:a16="http://schemas.microsoft.com/office/drawing/2014/main" id="{81DD34DD-5095-04E1-CFB7-B38CD3C5708D}"/>
-              </a:ext>
-            </a:extLst>
-          </p:cNvPr>
-          <p:cNvSpPr/>
-          <p:nvPr/>
-        </p:nvSpPr>
-        <p:spPr>
-          <a:xfrm>
-            <a:off x="10249225" y="3866410"/>
-            <a:ext cx="168828" cy="168828"/>
-          </a:xfrm>
-          <a:prstGeom prst="ellipse">
-            <a:avLst/>
-          </a:prstGeom>
-          <a:solidFill>
-            <a:schemeClr val="accent3"/>
-          </a:solidFill>
-          <a:ln w="19050"/>
-        </p:spPr>
-        <p:style>
-          <a:lnRef idx="2">
-            <a:schemeClr val="accent1">
-              <a:shade val="15000"/>
-            </a:schemeClr>
-          </a:lnRef>
-          <a:fillRef idx="1">
-            <a:schemeClr val="accent1"/>
-          </a:fillRef>
-          <a:effectRef idx="0">
-            <a:schemeClr val="accent1"/>
-          </a:effectRef>
-          <a:fontRef idx="minor">
-            <a:schemeClr val="lt1"/>
-          </a:fontRef>
-        </p:style>
-        <p:txBody>
-          <a:bodyPr rtlCol="0" anchor="ctr"/>
-          <a:lstStyle/>
-          <a:p>
-            <a:pPr algn="ctr"/>
-            <a:endParaRPr lang="en-US"/>
-          </a:p>
-        </p:txBody>
-      </p:sp>
-      <p:sp>
-        <p:nvSpPr>
-          <p:cNvPr id="36" name="Oval 35">
-            <a:extLst>
-              <a:ext uri="{FF2B5EF4-FFF2-40B4-BE49-F238E27FC236}">
-                <a16:creationId xmlns:a16="http://schemas.microsoft.com/office/drawing/2014/main" id="{A8AB72AF-724B-E3B2-1E73-DE7AD2839847}"/>
-              </a:ext>
-            </a:extLst>
-          </p:cNvPr>
-          <p:cNvSpPr/>
-          <p:nvPr/>
-        </p:nvSpPr>
-        <p:spPr>
-          <a:xfrm>
-            <a:off x="9064779" y="5892889"/>
-            <a:ext cx="168828" cy="168828"/>
-          </a:xfrm>
-          <a:prstGeom prst="ellipse">
-            <a:avLst/>
-          </a:prstGeom>
-          <a:solidFill>
-            <a:schemeClr val="accent3"/>
-          </a:solidFill>
-          <a:ln w="19050"/>
-        </p:spPr>
-        <p:style>
-          <a:lnRef idx="2">
-            <a:schemeClr val="accent1">
-              <a:shade val="15000"/>
-            </a:schemeClr>
-          </a:lnRef>
-          <a:fillRef idx="1">
-            <a:schemeClr val="accent1"/>
-          </a:fillRef>
-          <a:effectRef idx="0">
-            <a:schemeClr val="accent1"/>
-          </a:effectRef>
-          <a:fontRef idx="minor">
-            <a:schemeClr val="lt1"/>
-          </a:fontRef>
-        </p:style>
-        <p:txBody>
-          <a:bodyPr rtlCol="0" anchor="ctr"/>
-          <a:lstStyle/>
-          <a:p>
-            <a:pPr algn="ctr"/>
-            <a:endParaRPr lang="en-US"/>
-          </a:p>
-        </p:txBody>
-      </p:sp>
-      <p:sp>
-        <p:nvSpPr>
-          <p:cNvPr id="44" name="Oval 43">
-            <a:extLst>
-              <a:ext uri="{FF2B5EF4-FFF2-40B4-BE49-F238E27FC236}">
-                <a16:creationId xmlns:a16="http://schemas.microsoft.com/office/drawing/2014/main" id="{CE90F9B9-8034-929F-2C64-7A592C984657}"/>
-              </a:ext>
-            </a:extLst>
-          </p:cNvPr>
-          <p:cNvSpPr/>
-          <p:nvPr/>
-        </p:nvSpPr>
-        <p:spPr>
-          <a:xfrm>
-            <a:off x="8273568" y="4250040"/>
-            <a:ext cx="91440" cy="91440"/>
-          </a:xfrm>
-          <a:prstGeom prst="ellipse">
-            <a:avLst/>
-          </a:prstGeom>
-          <a:solidFill>
-            <a:schemeClr val="accent2"/>
-          </a:solidFill>
-          <a:ln w="12700"/>
-        </p:spPr>
-        <p:style>
-          <a:lnRef idx="2">
-            <a:schemeClr val="accent1">
-              <a:shade val="15000"/>
-            </a:schemeClr>
-          </a:lnRef>
-          <a:fillRef idx="1">
-            <a:schemeClr val="accent1"/>
-          </a:fillRef>
-          <a:effectRef idx="0">
-            <a:schemeClr val="accent1"/>
-          </a:effectRef>
-          <a:fontRef idx="minor">
-            <a:schemeClr val="lt1"/>
-          </a:fontRef>
-        </p:style>
-        <p:txBody>
-          <a:bodyPr rtlCol="0" anchor="ctr"/>
-          <a:lstStyle/>
-          <a:p>
-            <a:pPr algn="ctr"/>
-            <a:endParaRPr lang="en-US"/>
-          </a:p>
-        </p:txBody>
-      </p:sp>
-      <p:sp>
-        <p:nvSpPr>
-          <p:cNvPr id="45" name="Oval 44">
-            <a:extLst>
-              <a:ext uri="{FF2B5EF4-FFF2-40B4-BE49-F238E27FC236}">
-                <a16:creationId xmlns:a16="http://schemas.microsoft.com/office/drawing/2014/main" id="{70766DE9-06AB-2244-A58B-4C02701CFF62}"/>
-              </a:ext>
-            </a:extLst>
-          </p:cNvPr>
-          <p:cNvSpPr/>
-          <p:nvPr/>
-        </p:nvSpPr>
-        <p:spPr>
-          <a:xfrm>
-            <a:off x="10412906" y="5399753"/>
-            <a:ext cx="91440" cy="91440"/>
-          </a:xfrm>
-          <a:prstGeom prst="ellipse">
-            <a:avLst/>
-          </a:prstGeom>
-          <a:solidFill>
-            <a:schemeClr val="accent2"/>
-          </a:solidFill>
-          <a:ln w="12700"/>
-        </p:spPr>
-        <p:style>
-          <a:lnRef idx="2">
-            <a:schemeClr val="accent1">
-              <a:shade val="15000"/>
-            </a:schemeClr>
-          </a:lnRef>
-          <a:fillRef idx="1">
-            <a:schemeClr val="accent1"/>
-          </a:fillRef>
-          <a:effectRef idx="0">
-            <a:schemeClr val="accent1"/>
-          </a:effectRef>
-          <a:fontRef idx="minor">
-            <a:schemeClr val="lt1"/>
-          </a:fontRef>
-        </p:style>
-        <p:txBody>
-          <a:bodyPr rtlCol="0" anchor="ctr"/>
-          <a:lstStyle/>
-          <a:p>
-            <a:pPr algn="ctr"/>
-            <a:endParaRPr lang="en-US"/>
-          </a:p>
-        </p:txBody>
-      </p:sp>
-      <p:sp>
-        <p:nvSpPr>
-          <p:cNvPr id="46" name="Oval 45">
-            <a:extLst>
-              <a:ext uri="{FF2B5EF4-FFF2-40B4-BE49-F238E27FC236}">
-                <a16:creationId xmlns:a16="http://schemas.microsoft.com/office/drawing/2014/main" id="{6F392225-45C9-4252-D5EB-6BB27B9B465D}"/>
-              </a:ext>
-            </a:extLst>
-          </p:cNvPr>
-          <p:cNvSpPr/>
-          <p:nvPr/>
-        </p:nvSpPr>
-        <p:spPr>
-          <a:xfrm>
-            <a:off x="11000325" y="3817659"/>
-            <a:ext cx="91440" cy="91440"/>
-          </a:xfrm>
-          <a:prstGeom prst="ellipse">
-            <a:avLst/>
-          </a:prstGeom>
-          <a:solidFill>
-            <a:schemeClr val="accent2"/>
-          </a:solidFill>
-          <a:ln w="12700"/>
-        </p:spPr>
-        <p:style>
-          <a:lnRef idx="2">
-            <a:schemeClr val="accent1">
-              <a:shade val="15000"/>
-            </a:schemeClr>
-          </a:lnRef>
-          <a:fillRef idx="1">
-            <a:schemeClr val="accent1"/>
-          </a:fillRef>
-          <a:effectRef idx="0">
-            <a:schemeClr val="accent1"/>
-          </a:effectRef>
-          <a:fontRef idx="minor">
-            <a:schemeClr val="lt1"/>
-          </a:fontRef>
-        </p:style>
-        <p:txBody>
-          <a:bodyPr rtlCol="0" anchor="ctr"/>
-          <a:lstStyle/>
-          <a:p>
-            <a:pPr algn="ctr"/>
-            <a:endParaRPr lang="en-US"/>
-          </a:p>
-        </p:txBody>
-      </p:sp>
-      <p:sp>
-        <p:nvSpPr>
-          <p:cNvPr id="47" name="Oval 46">
-            <a:extLst>
-              <a:ext uri="{FF2B5EF4-FFF2-40B4-BE49-F238E27FC236}">
-                <a16:creationId xmlns:a16="http://schemas.microsoft.com/office/drawing/2014/main" id="{963A1538-517D-81E3-E30F-32705D5BD7F5}"/>
-              </a:ext>
-            </a:extLst>
-          </p:cNvPr>
-          <p:cNvSpPr/>
-          <p:nvPr/>
-        </p:nvSpPr>
-        <p:spPr>
-          <a:xfrm>
-            <a:off x="10127054" y="4887783"/>
-            <a:ext cx="91440" cy="91440"/>
-          </a:xfrm>
-          <a:prstGeom prst="ellipse">
-            <a:avLst/>
-          </a:prstGeom>
-          <a:solidFill>
-            <a:schemeClr val="accent1"/>
-          </a:solidFill>
-          <a:ln w="12700"/>
-        </p:spPr>
-        <p:style>
-          <a:lnRef idx="2">
-            <a:schemeClr val="accent1">
-              <a:shade val="15000"/>
-            </a:schemeClr>
-          </a:lnRef>
-          <a:fillRef idx="1">
-            <a:schemeClr val="accent1"/>
-          </a:fillRef>
-          <a:effectRef idx="0">
-            <a:schemeClr val="accent1"/>
-          </a:effectRef>
-          <a:fontRef idx="minor">
-            <a:schemeClr val="lt1"/>
-          </a:fontRef>
-        </p:style>
-        <p:txBody>
-          <a:bodyPr rtlCol="0" anchor="ctr"/>
-          <a:lstStyle/>
-          <a:p>
-            <a:pPr algn="ctr"/>
-            <a:endParaRPr lang="en-US"/>
-          </a:p>
-        </p:txBody>
-      </p:sp>
-      <p:sp>
-        <p:nvSpPr>
-          <p:cNvPr id="48" name="Oval 47">
-            <a:extLst>
-              <a:ext uri="{FF2B5EF4-FFF2-40B4-BE49-F238E27FC236}">
-                <a16:creationId xmlns:a16="http://schemas.microsoft.com/office/drawing/2014/main" id="{913261CE-3831-64CA-FAAE-EEBE51442B4D}"/>
-              </a:ext>
-            </a:extLst>
-          </p:cNvPr>
-          <p:cNvSpPr/>
-          <p:nvPr/>
-        </p:nvSpPr>
-        <p:spPr>
-          <a:xfrm>
-            <a:off x="9866649" y="3849974"/>
-            <a:ext cx="91440" cy="91440"/>
-          </a:xfrm>
-          <a:prstGeom prst="ellipse">
-            <a:avLst/>
-          </a:prstGeom>
-          <a:solidFill>
-            <a:schemeClr val="accent1"/>
-          </a:solidFill>
-          <a:ln w="12700"/>
-        </p:spPr>
-        <p:style>
-          <a:lnRef idx="2">
-            <a:schemeClr val="accent1">
-              <a:shade val="15000"/>
-            </a:schemeClr>
-          </a:lnRef>
-          <a:fillRef idx="1">
-            <a:schemeClr val="accent1"/>
-          </a:fillRef>
-          <a:effectRef idx="0">
-            <a:schemeClr val="accent1"/>
-          </a:effectRef>
-          <a:fontRef idx="minor">
-            <a:schemeClr val="lt1"/>
-          </a:fontRef>
-        </p:style>
-        <p:txBody>
-          <a:bodyPr rtlCol="0" anchor="ctr"/>
-          <a:lstStyle/>
-          <a:p>
-            <a:pPr algn="ctr"/>
-            <a:endParaRPr lang="en-US"/>
-          </a:p>
-        </p:txBody>
-      </p:sp>
-      <p:sp>
-        <p:nvSpPr>
-          <p:cNvPr id="49" name="Oval 48">
-            <a:extLst>
-              <a:ext uri="{FF2B5EF4-FFF2-40B4-BE49-F238E27FC236}">
-                <a16:creationId xmlns:a16="http://schemas.microsoft.com/office/drawing/2014/main" id="{E5CA9222-A26A-1C38-00E7-1FDE436C8651}"/>
-              </a:ext>
-            </a:extLst>
-          </p:cNvPr>
-          <p:cNvSpPr/>
-          <p:nvPr/>
-        </p:nvSpPr>
-        <p:spPr>
-          <a:xfrm>
-            <a:off x="8597559" y="4596586"/>
-            <a:ext cx="91440" cy="91440"/>
-          </a:xfrm>
-          <a:prstGeom prst="ellipse">
-            <a:avLst/>
-          </a:prstGeom>
-          <a:solidFill>
-            <a:schemeClr val="accent1"/>
-          </a:solidFill>
-          <a:ln w="12700"/>
-        </p:spPr>
-        <p:style>
-          <a:lnRef idx="2">
-            <a:schemeClr val="accent1">
-              <a:shade val="15000"/>
-            </a:schemeClr>
-          </a:lnRef>
-          <a:fillRef idx="1">
-            <a:schemeClr val="accent1"/>
-          </a:fillRef>
-          <a:effectRef idx="0">
-            <a:schemeClr val="accent1"/>
-          </a:effectRef>
-          <a:fontRef idx="minor">
-            <a:schemeClr val="lt1"/>
-          </a:fontRef>
-        </p:style>
-        <p:txBody>
-          <a:bodyPr rtlCol="0" anchor="ctr"/>
-          <a:lstStyle/>
-          <a:p>
-            <a:pPr algn="ctr"/>
-            <a:endParaRPr lang="en-US"/>
-          </a:p>
-        </p:txBody>
-      </p:sp>
-      <p:sp>
-        <p:nvSpPr>
-          <p:cNvPr id="50" name="Oval 49">
-            <a:extLst>
-              <a:ext uri="{FF2B5EF4-FFF2-40B4-BE49-F238E27FC236}">
-                <a16:creationId xmlns:a16="http://schemas.microsoft.com/office/drawing/2014/main" id="{6191F91F-9E1F-3639-FB59-EB8EBEFB0E23}"/>
-              </a:ext>
-            </a:extLst>
-          </p:cNvPr>
-          <p:cNvSpPr/>
-          <p:nvPr/>
-        </p:nvSpPr>
-        <p:spPr>
-          <a:xfrm>
-            <a:off x="9674363" y="4722185"/>
-            <a:ext cx="91440" cy="91440"/>
-          </a:xfrm>
-          <a:prstGeom prst="ellipse">
-            <a:avLst/>
-          </a:prstGeom>
-          <a:solidFill>
-            <a:schemeClr val="accent1"/>
-          </a:solidFill>
-          <a:ln w="12700"/>
-        </p:spPr>
-        <p:style>
-          <a:lnRef idx="2">
-            <a:schemeClr val="accent1">
-              <a:shade val="15000"/>
-            </a:schemeClr>
-          </a:lnRef>
-          <a:fillRef idx="1">
-            <a:schemeClr val="accent1"/>
-          </a:fillRef>
-          <a:effectRef idx="0">
-            <a:schemeClr val="accent1"/>
-          </a:effectRef>
-          <a:fontRef idx="minor">
-            <a:schemeClr val="lt1"/>
-          </a:fontRef>
-        </p:style>
-        <p:txBody>
-          <a:bodyPr rtlCol="0" anchor="ctr"/>
-          <a:lstStyle/>
-          <a:p>
-            <a:pPr algn="ctr"/>
-            <a:endParaRPr lang="en-US"/>
-          </a:p>
-        </p:txBody>
-      </p:sp>
-      <p:sp>
-        <p:nvSpPr>
-          <p:cNvPr id="51" name="Oval 50">
-            <a:extLst>
-              <a:ext uri="{FF2B5EF4-FFF2-40B4-BE49-F238E27FC236}">
-                <a16:creationId xmlns:a16="http://schemas.microsoft.com/office/drawing/2014/main" id="{38B810E2-01D3-D35D-ECD5-96C138B631F7}"/>
-              </a:ext>
-            </a:extLst>
-          </p:cNvPr>
-          <p:cNvSpPr/>
-          <p:nvPr/>
-        </p:nvSpPr>
-        <p:spPr>
-          <a:xfrm>
-            <a:off x="9733306" y="5856925"/>
-            <a:ext cx="91440" cy="91440"/>
-          </a:xfrm>
-          <a:prstGeom prst="ellipse">
-            <a:avLst/>
-          </a:prstGeom>
-          <a:solidFill>
-            <a:schemeClr val="accent1"/>
-          </a:solidFill>
-          <a:ln w="12700"/>
-        </p:spPr>
-        <p:style>
-          <a:lnRef idx="2">
-            <a:schemeClr val="accent1">
-              <a:shade val="15000"/>
-            </a:schemeClr>
-          </a:lnRef>
-          <a:fillRef idx="1">
-            <a:schemeClr val="accent1"/>
-          </a:fillRef>
-          <a:effectRef idx="0">
-            <a:schemeClr val="accent1"/>
-          </a:effectRef>
-          <a:fontRef idx="minor">
-            <a:schemeClr val="lt1"/>
-          </a:fontRef>
-        </p:style>
-        <p:txBody>
-          <a:bodyPr rtlCol="0" anchor="ctr"/>
-          <a:lstStyle/>
-          <a:p>
-            <a:pPr algn="ctr"/>
-            <a:endParaRPr lang="en-US"/>
-          </a:p>
-        </p:txBody>
-      </p:sp>
-      <p:sp>
-        <p:nvSpPr>
-          <p:cNvPr id="52" name="Oval 51">
-            <a:extLst>
-              <a:ext uri="{FF2B5EF4-FFF2-40B4-BE49-F238E27FC236}">
-                <a16:creationId xmlns:a16="http://schemas.microsoft.com/office/drawing/2014/main" id="{3CA05364-72F2-8CB3-393A-CF6F28E2E033}"/>
-              </a:ext>
-            </a:extLst>
-          </p:cNvPr>
-          <p:cNvSpPr/>
-          <p:nvPr/>
-        </p:nvSpPr>
-        <p:spPr>
-          <a:xfrm>
-            <a:off x="7923385" y="5319541"/>
-            <a:ext cx="91440" cy="91440"/>
-          </a:xfrm>
-          <a:prstGeom prst="ellipse">
-            <a:avLst/>
-          </a:prstGeom>
-          <a:solidFill>
-            <a:schemeClr val="accent1"/>
-          </a:solidFill>
-          <a:ln w="12700"/>
-        </p:spPr>
-        <p:style>
-          <a:lnRef idx="2">
-            <a:schemeClr val="accent1">
-              <a:shade val="15000"/>
-            </a:schemeClr>
-          </a:lnRef>
-          <a:fillRef idx="1">
-            <a:schemeClr val="accent1"/>
-          </a:fillRef>
-          <a:effectRef idx="0">
-            <a:schemeClr val="accent1"/>
-          </a:effectRef>
-          <a:fontRef idx="minor">
-            <a:schemeClr val="lt1"/>
-          </a:fontRef>
-        </p:style>
-        <p:txBody>
-          <a:bodyPr rtlCol="0" anchor="ctr"/>
-          <a:lstStyle/>
-          <a:p>
-            <a:pPr algn="ctr"/>
-            <a:endParaRPr lang="en-US"/>
-          </a:p>
-        </p:txBody>
-      </p:sp>
-      <p:sp>
-        <p:nvSpPr>
-          <p:cNvPr id="53" name="Oval 52">
-            <a:extLst>
-              <a:ext uri="{FF2B5EF4-FFF2-40B4-BE49-F238E27FC236}">
-                <a16:creationId xmlns:a16="http://schemas.microsoft.com/office/drawing/2014/main" id="{0E3B98C6-5373-55ED-15BB-4526A07F1E2C}"/>
-              </a:ext>
-            </a:extLst>
-          </p:cNvPr>
-          <p:cNvSpPr/>
-          <p:nvPr/>
-        </p:nvSpPr>
-        <p:spPr>
-          <a:xfrm>
-            <a:off x="7511354" y="5023352"/>
-            <a:ext cx="91440" cy="91440"/>
-          </a:xfrm>
-          <a:prstGeom prst="ellipse">
-            <a:avLst/>
-          </a:prstGeom>
-          <a:solidFill>
-            <a:schemeClr val="accent2"/>
-          </a:solidFill>
-          <a:ln w="12700"/>
-        </p:spPr>
-        <p:style>
-          <a:lnRef idx="2">
-            <a:schemeClr val="accent1">
-              <a:shade val="15000"/>
-            </a:schemeClr>
-          </a:lnRef>
-          <a:fillRef idx="1">
-            <a:schemeClr val="accent1"/>
-          </a:fillRef>
-          <a:effectRef idx="0">
-            <a:schemeClr val="accent1"/>
-          </a:effectRef>
-          <a:fontRef idx="minor">
-            <a:schemeClr val="lt1"/>
-          </a:fontRef>
-        </p:style>
-        <p:txBody>
-          <a:bodyPr rtlCol="0" anchor="ctr"/>
-          <a:lstStyle/>
-          <a:p>
-            <a:pPr algn="ctr"/>
-            <a:endParaRPr lang="en-US"/>
-          </a:p>
-        </p:txBody>
-      </p:sp>
-      <p:sp>
-        <p:nvSpPr>
-          <p:cNvPr id="54" name="Oval 53">
-            <a:extLst>
-              <a:ext uri="{FF2B5EF4-FFF2-40B4-BE49-F238E27FC236}">
-                <a16:creationId xmlns:a16="http://schemas.microsoft.com/office/drawing/2014/main" id="{C14DA7DD-A4AF-7DE1-6CB9-AFCDB25E9B64}"/>
-              </a:ext>
-            </a:extLst>
-          </p:cNvPr>
-          <p:cNvSpPr/>
-          <p:nvPr/>
-        </p:nvSpPr>
-        <p:spPr>
-          <a:xfrm>
-            <a:off x="8775438" y="3736887"/>
-            <a:ext cx="91440" cy="91440"/>
-          </a:xfrm>
-          <a:prstGeom prst="ellipse">
-            <a:avLst/>
-          </a:prstGeom>
-          <a:solidFill>
-            <a:schemeClr val="accent2"/>
-          </a:solidFill>
-          <a:ln w="12700"/>
-        </p:spPr>
-        <p:style>
-          <a:lnRef idx="2">
-            <a:schemeClr val="accent1">
-              <a:shade val="15000"/>
-            </a:schemeClr>
-          </a:lnRef>
-          <a:fillRef idx="1">
-            <a:schemeClr val="accent1"/>
-          </a:fillRef>
-          <a:effectRef idx="0">
-            <a:schemeClr val="accent1"/>
-          </a:effectRef>
-          <a:fontRef idx="minor">
-            <a:schemeClr val="lt1"/>
-          </a:fontRef>
-        </p:style>
-        <p:txBody>
-          <a:bodyPr rtlCol="0" anchor="ctr"/>
-          <a:lstStyle/>
-          <a:p>
-            <a:pPr algn="ctr"/>
-            <a:endParaRPr lang="en-US"/>
-          </a:p>
-        </p:txBody>
-      </p:sp>
-      <p:sp>
-        <p:nvSpPr>
-          <p:cNvPr id="55" name="Oval 54">
-            <a:extLst>
-              <a:ext uri="{FF2B5EF4-FFF2-40B4-BE49-F238E27FC236}">
-                <a16:creationId xmlns:a16="http://schemas.microsoft.com/office/drawing/2014/main" id="{B59C07CD-56AF-B222-B38F-3D864E36F468}"/>
-              </a:ext>
-            </a:extLst>
-          </p:cNvPr>
-          <p:cNvSpPr/>
-          <p:nvPr/>
-        </p:nvSpPr>
-        <p:spPr>
-          <a:xfrm>
-            <a:off x="8775438" y="5388526"/>
-            <a:ext cx="91440" cy="91440"/>
-          </a:xfrm>
-          <a:prstGeom prst="ellipse">
-            <a:avLst/>
-          </a:prstGeom>
-          <a:solidFill>
-            <a:schemeClr val="accent1"/>
-          </a:solidFill>
-          <a:ln w="12700"/>
-        </p:spPr>
-        <p:style>
-          <a:lnRef idx="2">
-            <a:schemeClr val="accent1">
-              <a:shade val="15000"/>
-            </a:schemeClr>
-          </a:lnRef>
-          <a:fillRef idx="1">
-            <a:schemeClr val="accent1"/>
-          </a:fillRef>
-          <a:effectRef idx="0">
-            <a:schemeClr val="accent1"/>
-          </a:effectRef>
-          <a:fontRef idx="minor">
-            <a:schemeClr val="lt1"/>
-          </a:fontRef>
-        </p:style>
-        <p:txBody>
-          <a:bodyPr rtlCol="0" anchor="ctr"/>
-          <a:lstStyle/>
-          <a:p>
-            <a:pPr algn="ctr"/>
-            <a:endParaRPr lang="en-US"/>
-          </a:p>
-        </p:txBody>
-      </p:sp>
       <p:grpSp>
         <p:nvGrpSpPr>
           <p:cNvPr id="64" name="Group 63">
@@ -9597,7 +9618,7 @@
         </p:nvGrpSpPr>
         <p:grpSpPr>
           <a:xfrm rot="2166680">
-            <a:off x="1566223" y="3416783"/>
+            <a:off x="1566222" y="3250070"/>
             <a:ext cx="855938" cy="1999940"/>
             <a:chOff x="10128639" y="1461371"/>
             <a:chExt cx="855938" cy="1999940"/>
@@ -10152,10 +10173,10 @@
         </p:nvGrpSpPr>
         <p:grpSpPr>
           <a:xfrm>
-            <a:off x="1275343" y="5181639"/>
-            <a:ext cx="789625" cy="559213"/>
+            <a:off x="1291108" y="4946900"/>
+            <a:ext cx="681009" cy="627123"/>
             <a:chOff x="1264523" y="5690993"/>
-            <a:chExt cx="789625" cy="559213"/>
+            <a:chExt cx="681009" cy="627123"/>
           </a:xfrm>
         </p:grpSpPr>
         <p:sp>
@@ -10291,7 +10312,7 @@
           </p:blipFill>
           <p:spPr>
             <a:xfrm>
-              <a:off x="1559803" y="6003033"/>
+              <a:off x="1451187" y="6070943"/>
               <a:ext cx="494345" cy="247173"/>
             </a:xfrm>
             <a:prstGeom prst="rect">
@@ -10314,7 +10335,7 @@
         </p:nvGrpSpPr>
         <p:grpSpPr>
           <a:xfrm>
-            <a:off x="4132497" y="3407151"/>
+            <a:off x="4098051" y="3281522"/>
             <a:ext cx="2383637" cy="2195307"/>
             <a:chOff x="3884603" y="3832928"/>
             <a:chExt cx="2383637" cy="2195307"/>
@@ -11248,7 +11269,7 @@
         </p:blipFill>
         <p:spPr>
           <a:xfrm>
-            <a:off x="4231407" y="5857491"/>
+            <a:off x="3939011" y="5740852"/>
             <a:ext cx="586290" cy="325009"/>
           </a:xfrm>
           <a:prstGeom prst="rect">
@@ -11278,7 +11299,7 @@
         </p:blipFill>
         <p:spPr>
           <a:xfrm>
-            <a:off x="5475970" y="5863298"/>
+            <a:off x="6002742" y="5704589"/>
             <a:ext cx="586290" cy="319202"/>
           </a:xfrm>
           <a:prstGeom prst="rect">
@@ -11286,6 +11307,256 @@
           </a:prstGeom>
         </p:spPr>
       </p:pic>
+      <p:sp>
+        <p:nvSpPr>
+          <p:cNvPr id="3" name="TextBox 2">
+            <a:extLst>
+              <a:ext uri="{FF2B5EF4-FFF2-40B4-BE49-F238E27FC236}">
+                <a16:creationId xmlns:a16="http://schemas.microsoft.com/office/drawing/2014/main" id="{A939F5F9-63DB-22C9-A77A-183CFEE6DC63}"/>
+              </a:ext>
+            </a:extLst>
+          </p:cNvPr>
+          <p:cNvSpPr txBox="1"/>
+          <p:nvPr/>
+        </p:nvSpPr>
+        <p:spPr>
+          <a:xfrm>
+            <a:off x="683544" y="6090394"/>
+            <a:ext cx="2082800" cy="338554"/>
+          </a:xfrm>
+          <a:prstGeom prst="rect">
+            <a:avLst/>
+          </a:prstGeom>
+          <a:noFill/>
+        </p:spPr>
+        <p:txBody>
+          <a:bodyPr wrap="square" rtlCol="0">
+            <a:spAutoFit/>
+          </a:bodyPr>
+          <a:lstStyle/>
+          <a:p>
+            <a:pPr algn="ctr"/>
+            <a:r>
+              <a:rPr lang="en-US" sz="1600" dirty="0">
+                <a:latin typeface="Lucida grande" panose="020B0502040204020203"/>
+              </a:rPr>
+              <a:t>Polymer path</a:t>
+            </a:r>
+          </a:p>
+        </p:txBody>
+      </p:sp>
+      <p:sp>
+        <p:nvSpPr>
+          <p:cNvPr id="5" name="TextBox 4">
+            <a:extLst>
+              <a:ext uri="{FF2B5EF4-FFF2-40B4-BE49-F238E27FC236}">
+                <a16:creationId xmlns:a16="http://schemas.microsoft.com/office/drawing/2014/main" id="{7946BAF6-F9CE-F354-A090-740882B8DDD6}"/>
+              </a:ext>
+            </a:extLst>
+          </p:cNvPr>
+          <p:cNvSpPr txBox="1"/>
+          <p:nvPr/>
+        </p:nvSpPr>
+        <p:spPr>
+          <a:xfrm>
+            <a:off x="3118312" y="6087448"/>
+            <a:ext cx="2082800" cy="584775"/>
+          </a:xfrm>
+          <a:prstGeom prst="rect">
+            <a:avLst/>
+          </a:prstGeom>
+          <a:noFill/>
+        </p:spPr>
+        <p:txBody>
+          <a:bodyPr wrap="square" rtlCol="0">
+            <a:spAutoFit/>
+          </a:bodyPr>
+          <a:lstStyle/>
+          <a:p>
+            <a:pPr algn="ctr"/>
+            <a:r>
+              <a:rPr lang="en-US" sz="1600" dirty="0">
+                <a:latin typeface="Lucida grande" panose="020B0502040204020203"/>
+              </a:rPr>
+              <a:t>Local polymer volume fraction</a:t>
+            </a:r>
+          </a:p>
+        </p:txBody>
+      </p:sp>
+      <p:sp>
+        <p:nvSpPr>
+          <p:cNvPr id="7" name="TextBox 6">
+            <a:extLst>
+              <a:ext uri="{FF2B5EF4-FFF2-40B4-BE49-F238E27FC236}">
+                <a16:creationId xmlns:a16="http://schemas.microsoft.com/office/drawing/2014/main" id="{578F5729-21AC-8A77-7E4E-3E2041D1E675}"/>
+              </a:ext>
+            </a:extLst>
+          </p:cNvPr>
+          <p:cNvSpPr txBox="1"/>
+          <p:nvPr/>
+        </p:nvSpPr>
+        <p:spPr>
+          <a:xfrm>
+            <a:off x="5275670" y="6092286"/>
+            <a:ext cx="1915571" cy="584775"/>
+          </a:xfrm>
+          <a:prstGeom prst="rect">
+            <a:avLst/>
+          </a:prstGeom>
+          <a:noFill/>
+        </p:spPr>
+        <p:txBody>
+          <a:bodyPr wrap="square" rtlCol="0">
+            <a:spAutoFit/>
+          </a:bodyPr>
+          <a:lstStyle/>
+          <a:p>
+            <a:pPr algn="ctr"/>
+            <a:r>
+              <a:rPr lang="en-US" sz="1600" dirty="0">
+                <a:latin typeface="Lucida grande" panose="020B0502040204020203"/>
+              </a:rPr>
+              <a:t>Local solvent volume fraction</a:t>
+            </a:r>
+          </a:p>
+        </p:txBody>
+      </p:sp>
+      <p:pic>
+        <p:nvPicPr>
+          <p:cNvPr id="18" name="Picture 17">
+            <a:extLst>
+              <a:ext uri="{FF2B5EF4-FFF2-40B4-BE49-F238E27FC236}">
+                <a16:creationId xmlns:a16="http://schemas.microsoft.com/office/drawing/2014/main" id="{F5E5DD53-6A6E-C799-128D-CE0FC5F71579}"/>
+              </a:ext>
+            </a:extLst>
+          </p:cNvPr>
+          <p:cNvPicPr>
+            <a:picLocks noChangeAspect="1"/>
+          </p:cNvPicPr>
+          <p:nvPr/>
+        </p:nvPicPr>
+        <p:blipFill>
+          <a:blip r:embed="rId6"/>
+          <a:stretch>
+            <a:fillRect/>
+          </a:stretch>
+        </p:blipFill>
+        <p:spPr>
+          <a:xfrm>
+            <a:off x="7978232" y="5802762"/>
+            <a:ext cx="583304" cy="255484"/>
+          </a:xfrm>
+          <a:prstGeom prst="rect">
+            <a:avLst/>
+          </a:prstGeom>
+        </p:spPr>
+      </p:pic>
+      <p:sp>
+        <p:nvSpPr>
+          <p:cNvPr id="19" name="TextBox 18">
+            <a:extLst>
+              <a:ext uri="{FF2B5EF4-FFF2-40B4-BE49-F238E27FC236}">
+                <a16:creationId xmlns:a16="http://schemas.microsoft.com/office/drawing/2014/main" id="{DC58CE06-7374-F925-1656-6D03FA491C47}"/>
+              </a:ext>
+            </a:extLst>
+          </p:cNvPr>
+          <p:cNvSpPr txBox="1"/>
+          <p:nvPr/>
+        </p:nvSpPr>
+        <p:spPr>
+          <a:xfrm>
+            <a:off x="7354101" y="6090942"/>
+            <a:ext cx="1845354" cy="584775"/>
+          </a:xfrm>
+          <a:prstGeom prst="rect">
+            <a:avLst/>
+          </a:prstGeom>
+          <a:noFill/>
+        </p:spPr>
+        <p:txBody>
+          <a:bodyPr wrap="square" rtlCol="0">
+            <a:spAutoFit/>
+          </a:bodyPr>
+          <a:lstStyle/>
+          <a:p>
+            <a:pPr algn="ctr"/>
+            <a:r>
+              <a:rPr lang="en-US" sz="1600" dirty="0">
+                <a:latin typeface="Lucida grande" panose="020B0502040204020203"/>
+              </a:rPr>
+              <a:t>Local charge density</a:t>
+            </a:r>
+          </a:p>
+        </p:txBody>
+      </p:sp>
+      <p:pic>
+        <p:nvPicPr>
+          <p:cNvPr id="21" name="Picture 20">
+            <a:extLst>
+              <a:ext uri="{FF2B5EF4-FFF2-40B4-BE49-F238E27FC236}">
+                <a16:creationId xmlns:a16="http://schemas.microsoft.com/office/drawing/2014/main" id="{39AC72BE-3666-ED4C-616A-5AEC95755FC1}"/>
+              </a:ext>
+            </a:extLst>
+          </p:cNvPr>
+          <p:cNvPicPr>
+            <a:picLocks noChangeAspect="1"/>
+          </p:cNvPicPr>
+          <p:nvPr/>
+        </p:nvPicPr>
+        <p:blipFill>
+          <a:blip r:embed="rId7"/>
+          <a:stretch>
+            <a:fillRect/>
+          </a:stretch>
+        </p:blipFill>
+        <p:spPr>
+          <a:xfrm>
+            <a:off x="9599672" y="5812301"/>
+            <a:ext cx="826490" cy="273377"/>
+          </a:xfrm>
+          <a:prstGeom prst="rect">
+            <a:avLst/>
+          </a:prstGeom>
+        </p:spPr>
+      </p:pic>
+      <p:sp>
+        <p:nvSpPr>
+          <p:cNvPr id="22" name="TextBox 21">
+            <a:extLst>
+              <a:ext uri="{FF2B5EF4-FFF2-40B4-BE49-F238E27FC236}">
+                <a16:creationId xmlns:a16="http://schemas.microsoft.com/office/drawing/2014/main" id="{FA9CD616-DC85-C777-27C6-DDC6F3F3BE26}"/>
+              </a:ext>
+            </a:extLst>
+          </p:cNvPr>
+          <p:cNvSpPr txBox="1"/>
+          <p:nvPr/>
+        </p:nvSpPr>
+        <p:spPr>
+          <a:xfrm>
+            <a:off x="9056544" y="6088689"/>
+            <a:ext cx="2078147" cy="584775"/>
+          </a:xfrm>
+          <a:prstGeom prst="rect">
+            <a:avLst/>
+          </a:prstGeom>
+          <a:noFill/>
+        </p:spPr>
+        <p:txBody>
+          <a:bodyPr wrap="square" rtlCol="0">
+            <a:spAutoFit/>
+          </a:bodyPr>
+          <a:lstStyle/>
+          <a:p>
+            <a:pPr algn="ctr"/>
+            <a:r>
+              <a:rPr lang="en-US" sz="1600" dirty="0">
+                <a:latin typeface="Lucida grande" panose="020B0502040204020203"/>
+              </a:rPr>
+              <a:t>Coulomb operator (PB equation)</a:t>
+            </a:r>
+          </a:p>
+        </p:txBody>
+      </p:sp>
     </p:spTree>
     <p:extLst>
       <p:ext uri="{BB962C8B-B14F-4D97-AF65-F5344CB8AC3E}">

--- a/20240722 NAF Intro.pptx
+++ b/20240722 NAF Intro.pptx
@@ -2422,10 +2422,17 @@
           <a:lstStyle/>
           <a:p>
             <a:r>
+              <a:rPr lang="en-US" dirty="0"/>
+              <a:t>Polymer SCFT for Studying </a:t>
+            </a:r>
+            <a:r>
               <a:rPr lang="en-US" dirty="0" err="1"/>
               <a:t>Nafion</a:t>
             </a:r>
-            <a:endParaRPr lang="en-US" dirty="0"/>
+            <a:r>
+              <a:rPr lang="en-US" dirty="0"/>
+              <a:t> PEM morphologies</a:t>
+            </a:r>
           </a:p>
         </p:txBody>
       </p:sp>
@@ -2445,14 +2452,25 @@
             <p:ph type="subTitle" idx="1"/>
           </p:nvPr>
         </p:nvSpPr>
-        <p:spPr/>
+        <p:spPr>
+          <a:xfrm>
+            <a:off x="1524000" y="3796771"/>
+            <a:ext cx="9144000" cy="1655762"/>
+          </a:xfrm>
+        </p:spPr>
         <p:txBody>
           <a:bodyPr/>
           <a:lstStyle/>
           <a:p>
             <a:r>
               <a:rPr lang="en-US" dirty="0"/>
-              <a:t>Last updated 06/21/2024</a:t>
+              <a:t>07/22/2024</a:t>
+            </a:r>
+          </a:p>
+          <a:p>
+            <a:r>
+              <a:rPr lang="en-US" dirty="0"/>
+              <a:t>Takashi Yokokura, Wang Group</a:t>
             </a:r>
           </a:p>
         </p:txBody>
@@ -7764,10 +7782,10 @@
       </p:sp>
       <p:grpSp>
         <p:nvGrpSpPr>
-          <p:cNvPr id="27" name="Group 26">
+          <p:cNvPr id="75" name="Group 74">
             <a:extLst>
               <a:ext uri="{FF2B5EF4-FFF2-40B4-BE49-F238E27FC236}">
-                <a16:creationId xmlns:a16="http://schemas.microsoft.com/office/drawing/2014/main" id="{05170E47-6693-C677-FE0D-B66699D05BE9}"/>
+                <a16:creationId xmlns:a16="http://schemas.microsoft.com/office/drawing/2014/main" id="{0C31592C-B018-CF88-30ED-505B8BCF3763}"/>
               </a:ext>
             </a:extLst>
           </p:cNvPr>
@@ -7776,10 +7794,10 @@
         </p:nvGrpSpPr>
         <p:grpSpPr>
           <a:xfrm>
-            <a:off x="6790135" y="1383307"/>
-            <a:ext cx="3850480" cy="1608284"/>
-            <a:chOff x="5400675" y="1326157"/>
-            <a:chExt cx="3850480" cy="1608284"/>
+            <a:off x="2157013" y="1185546"/>
+            <a:ext cx="8483602" cy="820875"/>
+            <a:chOff x="2157013" y="1185546"/>
+            <a:chExt cx="8483602" cy="820875"/>
           </a:xfrm>
         </p:grpSpPr>
         <p:sp>
@@ -7796,7 +7814,7 @@
           </p:nvSpPr>
           <p:spPr>
             <a:xfrm>
-              <a:off x="5400675" y="1326157"/>
+              <a:off x="6790135" y="1383307"/>
               <a:ext cx="3850480" cy="369332"/>
             </a:xfrm>
             <a:prstGeom prst="rect">
@@ -7820,101 +7838,6 @@
             </a:p>
           </p:txBody>
         </p:sp>
-        <p:sp>
-          <p:nvSpPr>
-            <p:cNvPr id="9" name="TextBox 8">
-              <a:extLst>
-                <a:ext uri="{FF2B5EF4-FFF2-40B4-BE49-F238E27FC236}">
-                  <a16:creationId xmlns:a16="http://schemas.microsoft.com/office/drawing/2014/main" id="{029B93D9-880B-9E07-2D4E-D0A90952E987}"/>
-                </a:ext>
-              </a:extLst>
-            </p:cNvPr>
-            <p:cNvSpPr txBox="1"/>
-            <p:nvPr/>
-          </p:nvSpPr>
-          <p:spPr>
-            <a:xfrm>
-              <a:off x="5400675" y="1918930"/>
-              <a:ext cx="3850480" cy="369332"/>
-            </a:xfrm>
-            <a:prstGeom prst="rect">
-              <a:avLst/>
-            </a:prstGeom>
-            <a:noFill/>
-          </p:spPr>
-          <p:txBody>
-            <a:bodyPr wrap="square">
-              <a:spAutoFit/>
-            </a:bodyPr>
-            <a:lstStyle/>
-            <a:p>
-              <a:r>
-                <a:rPr lang="en-US" dirty="0">
-                  <a:latin typeface="Lucida grande" panose="020B0502040204020203"/>
-                </a:rPr>
-                <a:t>Hydrophobicity (Flory—Huggins)</a:t>
-              </a:r>
-            </a:p>
-          </p:txBody>
-        </p:sp>
-        <p:sp>
-          <p:nvSpPr>
-            <p:cNvPr id="10" name="TextBox 9">
-              <a:extLst>
-                <a:ext uri="{FF2B5EF4-FFF2-40B4-BE49-F238E27FC236}">
-                  <a16:creationId xmlns:a16="http://schemas.microsoft.com/office/drawing/2014/main" id="{E43CAF63-2321-308D-5049-BD2FEECD1A0C}"/>
-                </a:ext>
-              </a:extLst>
-            </p:cNvPr>
-            <p:cNvSpPr txBox="1"/>
-            <p:nvPr/>
-          </p:nvSpPr>
-          <p:spPr>
-            <a:xfrm>
-              <a:off x="5400675" y="2565109"/>
-              <a:ext cx="3850480" cy="369332"/>
-            </a:xfrm>
-            <a:prstGeom prst="rect">
-              <a:avLst/>
-            </a:prstGeom>
-            <a:noFill/>
-          </p:spPr>
-          <p:txBody>
-            <a:bodyPr wrap="square">
-              <a:spAutoFit/>
-            </a:bodyPr>
-            <a:lstStyle/>
-            <a:p>
-              <a:r>
-                <a:rPr lang="en-US" dirty="0">
-                  <a:latin typeface="Lucida grande" panose="020B0502040204020203"/>
-                </a:rPr>
-                <a:t>Long-range electrostatics</a:t>
-              </a:r>
-            </a:p>
-          </p:txBody>
-        </p:sp>
-      </p:grpSp>
-      <p:grpSp>
-        <p:nvGrpSpPr>
-          <p:cNvPr id="26" name="Group 25">
-            <a:extLst>
-              <a:ext uri="{FF2B5EF4-FFF2-40B4-BE49-F238E27FC236}">
-                <a16:creationId xmlns:a16="http://schemas.microsoft.com/office/drawing/2014/main" id="{DE187016-BF67-133D-E5B2-783B40083A9B}"/>
-              </a:ext>
-            </a:extLst>
-          </p:cNvPr>
-          <p:cNvGrpSpPr/>
-          <p:nvPr/>
-        </p:nvGrpSpPr>
-        <p:grpSpPr>
-          <a:xfrm>
-            <a:off x="2157013" y="1185546"/>
-            <a:ext cx="4566447" cy="1950400"/>
-            <a:chOff x="767553" y="1128396"/>
-            <a:chExt cx="4566447" cy="1950400"/>
-          </a:xfrm>
-        </p:grpSpPr>
         <p:pic>
           <p:nvPicPr>
             <p:cNvPr id="6" name="Picture 5">
@@ -7929,66 +7852,21 @@
             </p:cNvPicPr>
             <p:nvPr/>
           </p:nvPicPr>
-          <p:blipFill>
+          <p:blipFill rotWithShape="1">
             <a:blip r:embed="rId2"/>
-            <a:stretch>
-              <a:fillRect/>
-            </a:stretch>
+            <a:srcRect b="57912"/>
+            <a:stretch/>
           </p:blipFill>
           <p:spPr>
             <a:xfrm>
-              <a:off x="767553" y="1128396"/>
-              <a:ext cx="3765551" cy="1950400"/>
+              <a:off x="2157013" y="1185546"/>
+              <a:ext cx="3765551" cy="820875"/>
             </a:xfrm>
             <a:prstGeom prst="rect">
               <a:avLst/>
             </a:prstGeom>
           </p:spPr>
         </p:pic>
-        <p:cxnSp>
-          <p:nvCxnSpPr>
-            <p:cNvPr id="12" name="Straight Arrow Connector 11">
-              <a:extLst>
-                <a:ext uri="{FF2B5EF4-FFF2-40B4-BE49-F238E27FC236}">
-                  <a16:creationId xmlns:a16="http://schemas.microsoft.com/office/drawing/2014/main" id="{4B13BE2D-17C1-0B8C-C8E1-98386EA6ECD5}"/>
-                </a:ext>
-              </a:extLst>
-            </p:cNvPr>
-            <p:cNvCxnSpPr>
-              <a:cxnSpLocks/>
-            </p:cNvCxnSpPr>
-            <p:nvPr/>
-          </p:nvCxnSpPr>
-          <p:spPr>
-            <a:xfrm flipH="1">
-              <a:off x="4743450" y="2098675"/>
-              <a:ext cx="590550" cy="0"/>
-            </a:xfrm>
-            <a:prstGeom prst="straightConnector1">
-              <a:avLst/>
-            </a:prstGeom>
-            <a:ln w="19050">
-              <a:solidFill>
-                <a:schemeClr val="tx1"/>
-              </a:solidFill>
-              <a:tailEnd type="triangle"/>
-            </a:ln>
-          </p:spPr>
-          <p:style>
-            <a:lnRef idx="1">
-              <a:schemeClr val="accent1"/>
-            </a:lnRef>
-            <a:fillRef idx="0">
-              <a:schemeClr val="accent1"/>
-            </a:fillRef>
-            <a:effectRef idx="0">
-              <a:schemeClr val="accent1"/>
-            </a:effectRef>
-            <a:fontRef idx="minor">
-              <a:schemeClr val="tx1"/>
-            </a:fontRef>
-          </p:style>
-        </p:cxnSp>
         <p:cxnSp>
           <p:nvCxnSpPr>
             <p:cNvPr id="13" name="Straight Arrow Connector 12">
@@ -8005,51 +7883,7 @@
           </p:nvCxnSpPr>
           <p:spPr>
             <a:xfrm flipH="1">
-              <a:off x="4743450" y="1501775"/>
-              <a:ext cx="590550" cy="0"/>
-            </a:xfrm>
-            <a:prstGeom prst="straightConnector1">
-              <a:avLst/>
-            </a:prstGeom>
-            <a:ln w="19050">
-              <a:solidFill>
-                <a:schemeClr val="tx1"/>
-              </a:solidFill>
-              <a:tailEnd type="triangle"/>
-            </a:ln>
-          </p:spPr>
-          <p:style>
-            <a:lnRef idx="1">
-              <a:schemeClr val="accent1"/>
-            </a:lnRef>
-            <a:fillRef idx="0">
-              <a:schemeClr val="accent1"/>
-            </a:fillRef>
-            <a:effectRef idx="0">
-              <a:schemeClr val="accent1"/>
-            </a:effectRef>
-            <a:fontRef idx="minor">
-              <a:schemeClr val="tx1"/>
-            </a:fontRef>
-          </p:style>
-        </p:cxnSp>
-        <p:cxnSp>
-          <p:nvCxnSpPr>
-            <p:cNvPr id="14" name="Straight Arrow Connector 13">
-              <a:extLst>
-                <a:ext uri="{FF2B5EF4-FFF2-40B4-BE49-F238E27FC236}">
-                  <a16:creationId xmlns:a16="http://schemas.microsoft.com/office/drawing/2014/main" id="{F83DF2B2-509D-89B6-252F-D5F6A90339EA}"/>
-                </a:ext>
-              </a:extLst>
-            </p:cNvPr>
-            <p:cNvCxnSpPr>
-              <a:cxnSpLocks/>
-            </p:cNvCxnSpPr>
-            <p:nvPr/>
-          </p:nvCxnSpPr>
-          <p:spPr>
-            <a:xfrm flipH="1">
-              <a:off x="4743450" y="2752725"/>
+              <a:off x="6132910" y="1558925"/>
               <a:ext cx="590550" cy="0"/>
             </a:xfrm>
             <a:prstGeom prst="straightConnector1">
@@ -8080,10 +7914,10 @@
       </p:grpSp>
       <p:grpSp>
         <p:nvGrpSpPr>
-          <p:cNvPr id="11" name="Group 10">
+          <p:cNvPr id="78" name="Group 77">
             <a:extLst>
               <a:ext uri="{FF2B5EF4-FFF2-40B4-BE49-F238E27FC236}">
-                <a16:creationId xmlns:a16="http://schemas.microsoft.com/office/drawing/2014/main" id="{4033FF2E-E1D7-190C-5F79-86B297E6BEA2}"/>
+                <a16:creationId xmlns:a16="http://schemas.microsoft.com/office/drawing/2014/main" id="{8FE0C875-5DB7-6815-55C4-2642BFEE5D41}"/>
               </a:ext>
             </a:extLst>
           </p:cNvPr>
@@ -8092,18 +7926,18 @@
         </p:nvGrpSpPr>
         <p:grpSpPr>
           <a:xfrm>
-            <a:off x="7493580" y="3149863"/>
-            <a:ext cx="3580411" cy="2324830"/>
-            <a:chOff x="7500474" y="3358857"/>
-            <a:chExt cx="3580411" cy="2324830"/>
+            <a:off x="683544" y="3250070"/>
+            <a:ext cx="2082800" cy="3178878"/>
+            <a:chOff x="683544" y="3250070"/>
+            <a:chExt cx="2082800" cy="3178878"/>
           </a:xfrm>
         </p:grpSpPr>
         <p:grpSp>
           <p:nvGrpSpPr>
-            <p:cNvPr id="29" name="Group 28">
+            <p:cNvPr id="64" name="Group 63">
               <a:extLst>
                 <a:ext uri="{FF2B5EF4-FFF2-40B4-BE49-F238E27FC236}">
-                  <a16:creationId xmlns:a16="http://schemas.microsoft.com/office/drawing/2014/main" id="{DC83E389-91EB-2462-205B-3D983756651D}"/>
+                  <a16:creationId xmlns:a16="http://schemas.microsoft.com/office/drawing/2014/main" id="{4AA624C3-C889-EE54-C694-3EBC973C1560}"/>
                 </a:ext>
               </a:extLst>
             </p:cNvPr>
@@ -8112,7 +7946,7 @@
           </p:nvGrpSpPr>
           <p:grpSpPr>
             <a:xfrm rot="2166680">
-              <a:off x="8845316" y="3632900"/>
+              <a:off x="1566222" y="3250070"/>
               <a:ext cx="855938" cy="1999940"/>
               <a:chOff x="10128639" y="1461371"/>
               <a:chExt cx="855938" cy="1999940"/>
@@ -8120,10 +7954,10 @@
           </p:grpSpPr>
           <p:sp>
             <p:nvSpPr>
-              <p:cNvPr id="57" name="Freeform: Shape 56">
+              <p:cNvPr id="65" name="Freeform: Shape 64">
                 <a:extLst>
                   <a:ext uri="{FF2B5EF4-FFF2-40B4-BE49-F238E27FC236}">
-                    <a16:creationId xmlns:a16="http://schemas.microsoft.com/office/drawing/2014/main" id="{26FE446D-0BB4-D959-568D-7B1EFE68AF57}"/>
+                    <a16:creationId xmlns:a16="http://schemas.microsoft.com/office/drawing/2014/main" id="{8BA9C34C-C72C-2DA6-983A-4E394C18B5E3}"/>
                   </a:ext>
                 </a:extLst>
               </p:cNvPr>
@@ -8226,10 +8060,10 @@
           </p:sp>
           <p:sp>
             <p:nvSpPr>
-              <p:cNvPr id="58" name="Freeform: Shape 57">
+              <p:cNvPr id="66" name="Freeform: Shape 65">
                 <a:extLst>
                   <a:ext uri="{FF2B5EF4-FFF2-40B4-BE49-F238E27FC236}">
-                    <a16:creationId xmlns:a16="http://schemas.microsoft.com/office/drawing/2014/main" id="{7DBA5C62-57A9-9E55-3C30-6FBC92FB6D2D}"/>
+                    <a16:creationId xmlns:a16="http://schemas.microsoft.com/office/drawing/2014/main" id="{4EB9C5A0-F52A-BC8F-DE22-D24FDDAD2224}"/>
                   </a:ext>
                 </a:extLst>
               </p:cNvPr>
@@ -8332,10 +8166,10 @@
           </p:sp>
           <p:sp>
             <p:nvSpPr>
-              <p:cNvPr id="59" name="Freeform: Shape 58">
+              <p:cNvPr id="67" name="Freeform: Shape 66">
                 <a:extLst>
                   <a:ext uri="{FF2B5EF4-FFF2-40B4-BE49-F238E27FC236}">
-                    <a16:creationId xmlns:a16="http://schemas.microsoft.com/office/drawing/2014/main" id="{71E64F6E-0A10-8D34-F1C8-E03E3EA2D093}"/>
+                    <a16:creationId xmlns:a16="http://schemas.microsoft.com/office/drawing/2014/main" id="{C7B1ACA6-E1C6-810E-950B-991C4DE7E29D}"/>
                   </a:ext>
                 </a:extLst>
               </p:cNvPr>
@@ -8438,10 +8272,10 @@
           </p:sp>
           <p:sp>
             <p:nvSpPr>
-              <p:cNvPr id="60" name="Oval 59">
+              <p:cNvPr id="68" name="Oval 67">
                 <a:extLst>
                   <a:ext uri="{FF2B5EF4-FFF2-40B4-BE49-F238E27FC236}">
-                    <a16:creationId xmlns:a16="http://schemas.microsoft.com/office/drawing/2014/main" id="{23A97F2B-D4B8-DAB1-49BA-6732892AF10F}"/>
+                    <a16:creationId xmlns:a16="http://schemas.microsoft.com/office/drawing/2014/main" id="{D181D2A0-BCB7-04DD-2C6C-A394328C3B1F}"/>
                   </a:ext>
                 </a:extLst>
               </p:cNvPr>
@@ -8492,10 +8326,10 @@
           </p:sp>
           <p:sp>
             <p:nvSpPr>
-              <p:cNvPr id="61" name="Oval 60">
+              <p:cNvPr id="69" name="Oval 68">
                 <a:extLst>
                   <a:ext uri="{FF2B5EF4-FFF2-40B4-BE49-F238E27FC236}">
-                    <a16:creationId xmlns:a16="http://schemas.microsoft.com/office/drawing/2014/main" id="{F33ABA59-B79A-6A4C-C97B-AFEE4E5F30B6}"/>
+                    <a16:creationId xmlns:a16="http://schemas.microsoft.com/office/drawing/2014/main" id="{1159EBBC-BF40-E08B-9195-CF8CC12E002C}"/>
                   </a:ext>
                 </a:extLst>
               </p:cNvPr>
@@ -8511,7 +8345,7 @@
                 <a:avLst/>
               </a:prstGeom>
               <a:solidFill>
-                <a:schemeClr val="accent2"/>
+                <a:schemeClr val="bg2"/>
               </a:solidFill>
               <a:ln w="19050">
                 <a:solidFill>
@@ -8546,10 +8380,10 @@
           </p:sp>
           <p:sp>
             <p:nvSpPr>
-              <p:cNvPr id="62" name="Oval 61">
+              <p:cNvPr id="70" name="Oval 69">
                 <a:extLst>
                   <a:ext uri="{FF2B5EF4-FFF2-40B4-BE49-F238E27FC236}">
-                    <a16:creationId xmlns:a16="http://schemas.microsoft.com/office/drawing/2014/main" id="{F5EF0DE3-ADCE-686E-5C2A-17378286ED95}"/>
+                    <a16:creationId xmlns:a16="http://schemas.microsoft.com/office/drawing/2014/main" id="{1762E6D3-024E-CF88-CB4D-F9CD91EEE5D6}"/>
                   </a:ext>
                 </a:extLst>
               </p:cNvPr>
@@ -8565,7 +8399,7 @@
                 <a:avLst/>
               </a:prstGeom>
               <a:solidFill>
-                <a:schemeClr val="accent2"/>
+                <a:schemeClr val="bg2"/>
               </a:solidFill>
               <a:ln w="19050">
                 <a:solidFill>
@@ -8600,10 +8434,10 @@
           </p:sp>
           <p:sp>
             <p:nvSpPr>
-              <p:cNvPr id="63" name="Oval 62">
+              <p:cNvPr id="71" name="Oval 70">
                 <a:extLst>
                   <a:ext uri="{FF2B5EF4-FFF2-40B4-BE49-F238E27FC236}">
-                    <a16:creationId xmlns:a16="http://schemas.microsoft.com/office/drawing/2014/main" id="{357C71AE-1BF6-15D1-45FA-AC669D74E653}"/>
+                    <a16:creationId xmlns:a16="http://schemas.microsoft.com/office/drawing/2014/main" id="{DAC2633E-DE7D-3175-577F-F8D3DDF19DE5}"/>
                   </a:ext>
                 </a:extLst>
               </p:cNvPr>
@@ -8653,1700 +8487,12 @@
             </p:txBody>
           </p:sp>
         </p:grpSp>
-        <p:sp>
-          <p:nvSpPr>
-            <p:cNvPr id="30" name="Oval 29">
+        <p:grpSp>
+          <p:nvGrpSpPr>
+            <p:cNvPr id="80" name="Group 79">
               <a:extLst>
                 <a:ext uri="{FF2B5EF4-FFF2-40B4-BE49-F238E27FC236}">
-                  <a16:creationId xmlns:a16="http://schemas.microsoft.com/office/drawing/2014/main" id="{2894B669-8284-F121-B861-16432B63475D}"/>
-                </a:ext>
-              </a:extLst>
-            </p:cNvPr>
-            <p:cNvSpPr/>
-            <p:nvPr/>
-          </p:nvSpPr>
-          <p:spPr>
-            <a:xfrm>
-              <a:off x="8107950" y="4387023"/>
-              <a:ext cx="168828" cy="168828"/>
-            </a:xfrm>
-            <a:prstGeom prst="ellipse">
-              <a:avLst/>
-            </a:prstGeom>
-            <a:solidFill>
-              <a:schemeClr val="accent3"/>
-            </a:solidFill>
-            <a:ln w="19050"/>
-          </p:spPr>
-          <p:style>
-            <a:lnRef idx="2">
-              <a:schemeClr val="accent1">
-                <a:shade val="15000"/>
-              </a:schemeClr>
-            </a:lnRef>
-            <a:fillRef idx="1">
-              <a:schemeClr val="accent1"/>
-            </a:fillRef>
-            <a:effectRef idx="0">
-              <a:schemeClr val="accent1"/>
-            </a:effectRef>
-            <a:fontRef idx="minor">
-              <a:schemeClr val="lt1"/>
-            </a:fontRef>
-          </p:style>
-          <p:txBody>
-            <a:bodyPr rtlCol="0" anchor="ctr"/>
-            <a:lstStyle/>
-            <a:p>
-              <a:pPr algn="ctr"/>
-              <a:endParaRPr lang="en-US"/>
-            </a:p>
-          </p:txBody>
-        </p:sp>
-        <p:sp>
-          <p:nvSpPr>
-            <p:cNvPr id="31" name="Oval 30">
-              <a:extLst>
-                <a:ext uri="{FF2B5EF4-FFF2-40B4-BE49-F238E27FC236}">
-                  <a16:creationId xmlns:a16="http://schemas.microsoft.com/office/drawing/2014/main" id="{59BBE36C-D892-8B42-5070-7C05C1544B3B}"/>
-                </a:ext>
-              </a:extLst>
-            </p:cNvPr>
-            <p:cNvSpPr/>
-            <p:nvPr/>
-          </p:nvSpPr>
-          <p:spPr>
-            <a:xfrm>
-              <a:off x="8023536" y="5373647"/>
-              <a:ext cx="168828" cy="168828"/>
-            </a:xfrm>
-            <a:prstGeom prst="ellipse">
-              <a:avLst/>
-            </a:prstGeom>
-            <a:solidFill>
-              <a:schemeClr val="accent3"/>
-            </a:solidFill>
-            <a:ln w="19050"/>
-          </p:spPr>
-          <p:style>
-            <a:lnRef idx="2">
-              <a:schemeClr val="accent1">
-                <a:shade val="15000"/>
-              </a:schemeClr>
-            </a:lnRef>
-            <a:fillRef idx="1">
-              <a:schemeClr val="accent1"/>
-            </a:fillRef>
-            <a:effectRef idx="0">
-              <a:schemeClr val="accent1"/>
-            </a:effectRef>
-            <a:fontRef idx="minor">
-              <a:schemeClr val="lt1"/>
-            </a:fontRef>
-          </p:style>
-          <p:txBody>
-            <a:bodyPr rtlCol="0" anchor="ctr"/>
-            <a:lstStyle/>
-            <a:p>
-              <a:pPr algn="ctr"/>
-              <a:endParaRPr lang="en-US"/>
-            </a:p>
-          </p:txBody>
-        </p:sp>
-        <p:sp>
-          <p:nvSpPr>
-            <p:cNvPr id="32" name="Oval 31">
-              <a:extLst>
-                <a:ext uri="{FF2B5EF4-FFF2-40B4-BE49-F238E27FC236}">
-                  <a16:creationId xmlns:a16="http://schemas.microsoft.com/office/drawing/2014/main" id="{DFDB1FFA-58EB-E2AE-FD23-EC668EA72F62}"/>
-                </a:ext>
-              </a:extLst>
-            </p:cNvPr>
-            <p:cNvSpPr/>
-            <p:nvPr/>
-          </p:nvSpPr>
-          <p:spPr>
-            <a:xfrm>
-              <a:off x="8731283" y="3748902"/>
-              <a:ext cx="168828" cy="168828"/>
-            </a:xfrm>
-            <a:prstGeom prst="ellipse">
-              <a:avLst/>
-            </a:prstGeom>
-            <a:solidFill>
-              <a:schemeClr val="accent3"/>
-            </a:solidFill>
-            <a:ln w="19050"/>
-          </p:spPr>
-          <p:style>
-            <a:lnRef idx="2">
-              <a:schemeClr val="accent1">
-                <a:shade val="15000"/>
-              </a:schemeClr>
-            </a:lnRef>
-            <a:fillRef idx="1">
-              <a:schemeClr val="accent1"/>
-            </a:fillRef>
-            <a:effectRef idx="0">
-              <a:schemeClr val="accent1"/>
-            </a:effectRef>
-            <a:fontRef idx="minor">
-              <a:schemeClr val="lt1"/>
-            </a:fontRef>
-          </p:style>
-          <p:txBody>
-            <a:bodyPr rtlCol="0" anchor="ctr"/>
-            <a:lstStyle/>
-            <a:p>
-              <a:pPr algn="ctr"/>
-              <a:endParaRPr lang="en-US"/>
-            </a:p>
-          </p:txBody>
-        </p:sp>
-        <p:sp>
-          <p:nvSpPr>
-            <p:cNvPr id="33" name="Oval 32">
-              <a:extLst>
-                <a:ext uri="{FF2B5EF4-FFF2-40B4-BE49-F238E27FC236}">
-                  <a16:creationId xmlns:a16="http://schemas.microsoft.com/office/drawing/2014/main" id="{3055773D-6A30-2C38-9847-0ADE85F27392}"/>
-                </a:ext>
-              </a:extLst>
-            </p:cNvPr>
-            <p:cNvSpPr/>
-            <p:nvPr/>
-          </p:nvSpPr>
-          <p:spPr>
-            <a:xfrm>
-              <a:off x="10018098" y="4976414"/>
-              <a:ext cx="168828" cy="168828"/>
-            </a:xfrm>
-            <a:prstGeom prst="ellipse">
-              <a:avLst/>
-            </a:prstGeom>
-            <a:solidFill>
-              <a:schemeClr val="accent3"/>
-            </a:solidFill>
-            <a:ln w="19050"/>
-          </p:spPr>
-          <p:style>
-            <a:lnRef idx="2">
-              <a:schemeClr val="accent1">
-                <a:shade val="15000"/>
-              </a:schemeClr>
-            </a:lnRef>
-            <a:fillRef idx="1">
-              <a:schemeClr val="accent1"/>
-            </a:fillRef>
-            <a:effectRef idx="0">
-              <a:schemeClr val="accent1"/>
-            </a:effectRef>
-            <a:fontRef idx="minor">
-              <a:schemeClr val="lt1"/>
-            </a:fontRef>
-          </p:style>
-          <p:txBody>
-            <a:bodyPr rtlCol="0" anchor="ctr"/>
-            <a:lstStyle/>
-            <a:p>
-              <a:pPr algn="ctr"/>
-              <a:endParaRPr lang="en-US"/>
-            </a:p>
-          </p:txBody>
-        </p:sp>
-        <p:sp>
-          <p:nvSpPr>
-            <p:cNvPr id="34" name="Oval 33">
-              <a:extLst>
-                <a:ext uri="{FF2B5EF4-FFF2-40B4-BE49-F238E27FC236}">
-                  <a16:creationId xmlns:a16="http://schemas.microsoft.com/office/drawing/2014/main" id="{630F0D1C-E66D-6892-B619-826199C40DAC}"/>
-                </a:ext>
-              </a:extLst>
-            </p:cNvPr>
-            <p:cNvSpPr/>
-            <p:nvPr/>
-          </p:nvSpPr>
-          <p:spPr>
-            <a:xfrm>
-              <a:off x="8849440" y="4522214"/>
-              <a:ext cx="168828" cy="168828"/>
-            </a:xfrm>
-            <a:prstGeom prst="ellipse">
-              <a:avLst/>
-            </a:prstGeom>
-            <a:solidFill>
-              <a:schemeClr val="accent3"/>
-            </a:solidFill>
-            <a:ln w="19050"/>
-          </p:spPr>
-          <p:style>
-            <a:lnRef idx="2">
-              <a:schemeClr val="accent1">
-                <a:shade val="15000"/>
-              </a:schemeClr>
-            </a:lnRef>
-            <a:fillRef idx="1">
-              <a:schemeClr val="accent1"/>
-            </a:fillRef>
-            <a:effectRef idx="0">
-              <a:schemeClr val="accent1"/>
-            </a:effectRef>
-            <a:fontRef idx="minor">
-              <a:schemeClr val="lt1"/>
-            </a:fontRef>
-          </p:style>
-          <p:txBody>
-            <a:bodyPr rtlCol="0" anchor="ctr"/>
-            <a:lstStyle/>
-            <a:p>
-              <a:pPr algn="ctr"/>
-              <a:endParaRPr lang="en-US"/>
-            </a:p>
-          </p:txBody>
-        </p:sp>
-        <p:sp>
-          <p:nvSpPr>
-            <p:cNvPr id="35" name="Oval 34">
-              <a:extLst>
-                <a:ext uri="{FF2B5EF4-FFF2-40B4-BE49-F238E27FC236}">
-                  <a16:creationId xmlns:a16="http://schemas.microsoft.com/office/drawing/2014/main" id="{81DD34DD-5095-04E1-CFB7-B38CD3C5708D}"/>
-                </a:ext>
-              </a:extLst>
-            </p:cNvPr>
-            <p:cNvSpPr/>
-            <p:nvPr/>
-          </p:nvSpPr>
-          <p:spPr>
-            <a:xfrm>
-              <a:off x="10238345" y="3488380"/>
-              <a:ext cx="168828" cy="168828"/>
-            </a:xfrm>
-            <a:prstGeom prst="ellipse">
-              <a:avLst/>
-            </a:prstGeom>
-            <a:solidFill>
-              <a:schemeClr val="accent3"/>
-            </a:solidFill>
-            <a:ln w="19050"/>
-          </p:spPr>
-          <p:style>
-            <a:lnRef idx="2">
-              <a:schemeClr val="accent1">
-                <a:shade val="15000"/>
-              </a:schemeClr>
-            </a:lnRef>
-            <a:fillRef idx="1">
-              <a:schemeClr val="accent1"/>
-            </a:fillRef>
-            <a:effectRef idx="0">
-              <a:schemeClr val="accent1"/>
-            </a:effectRef>
-            <a:fontRef idx="minor">
-              <a:schemeClr val="lt1"/>
-            </a:fontRef>
-          </p:style>
-          <p:txBody>
-            <a:bodyPr rtlCol="0" anchor="ctr"/>
-            <a:lstStyle/>
-            <a:p>
-              <a:pPr algn="ctr"/>
-              <a:endParaRPr lang="en-US"/>
-            </a:p>
-          </p:txBody>
-        </p:sp>
-        <p:sp>
-          <p:nvSpPr>
-            <p:cNvPr id="36" name="Oval 35">
-              <a:extLst>
-                <a:ext uri="{FF2B5EF4-FFF2-40B4-BE49-F238E27FC236}">
-                  <a16:creationId xmlns:a16="http://schemas.microsoft.com/office/drawing/2014/main" id="{A8AB72AF-724B-E3B2-1E73-DE7AD2839847}"/>
-                </a:ext>
-              </a:extLst>
-            </p:cNvPr>
-            <p:cNvSpPr/>
-            <p:nvPr/>
-          </p:nvSpPr>
-          <p:spPr>
-            <a:xfrm>
-              <a:off x="9053899" y="5514859"/>
-              <a:ext cx="168828" cy="168828"/>
-            </a:xfrm>
-            <a:prstGeom prst="ellipse">
-              <a:avLst/>
-            </a:prstGeom>
-            <a:solidFill>
-              <a:schemeClr val="accent3"/>
-            </a:solidFill>
-            <a:ln w="19050"/>
-          </p:spPr>
-          <p:style>
-            <a:lnRef idx="2">
-              <a:schemeClr val="accent1">
-                <a:shade val="15000"/>
-              </a:schemeClr>
-            </a:lnRef>
-            <a:fillRef idx="1">
-              <a:schemeClr val="accent1"/>
-            </a:fillRef>
-            <a:effectRef idx="0">
-              <a:schemeClr val="accent1"/>
-            </a:effectRef>
-            <a:fontRef idx="minor">
-              <a:schemeClr val="lt1"/>
-            </a:fontRef>
-          </p:style>
-          <p:txBody>
-            <a:bodyPr rtlCol="0" anchor="ctr"/>
-            <a:lstStyle/>
-            <a:p>
-              <a:pPr algn="ctr"/>
-              <a:endParaRPr lang="en-US"/>
-            </a:p>
-          </p:txBody>
-        </p:sp>
-        <p:sp>
-          <p:nvSpPr>
-            <p:cNvPr id="44" name="Oval 43">
-              <a:extLst>
-                <a:ext uri="{FF2B5EF4-FFF2-40B4-BE49-F238E27FC236}">
-                  <a16:creationId xmlns:a16="http://schemas.microsoft.com/office/drawing/2014/main" id="{CE90F9B9-8034-929F-2C64-7A592C984657}"/>
-                </a:ext>
-              </a:extLst>
-            </p:cNvPr>
-            <p:cNvSpPr/>
-            <p:nvPr/>
-          </p:nvSpPr>
-          <p:spPr>
-            <a:xfrm>
-              <a:off x="8262688" y="3872010"/>
-              <a:ext cx="91440" cy="91440"/>
-            </a:xfrm>
-            <a:prstGeom prst="ellipse">
-              <a:avLst/>
-            </a:prstGeom>
-            <a:solidFill>
-              <a:schemeClr val="accent2"/>
-            </a:solidFill>
-            <a:ln w="12700"/>
-          </p:spPr>
-          <p:style>
-            <a:lnRef idx="2">
-              <a:schemeClr val="accent1">
-                <a:shade val="15000"/>
-              </a:schemeClr>
-            </a:lnRef>
-            <a:fillRef idx="1">
-              <a:schemeClr val="accent1"/>
-            </a:fillRef>
-            <a:effectRef idx="0">
-              <a:schemeClr val="accent1"/>
-            </a:effectRef>
-            <a:fontRef idx="minor">
-              <a:schemeClr val="lt1"/>
-            </a:fontRef>
-          </p:style>
-          <p:txBody>
-            <a:bodyPr rtlCol="0" anchor="ctr"/>
-            <a:lstStyle/>
-            <a:p>
-              <a:pPr algn="ctr"/>
-              <a:endParaRPr lang="en-US"/>
-            </a:p>
-          </p:txBody>
-        </p:sp>
-        <p:sp>
-          <p:nvSpPr>
-            <p:cNvPr id="45" name="Oval 44">
-              <a:extLst>
-                <a:ext uri="{FF2B5EF4-FFF2-40B4-BE49-F238E27FC236}">
-                  <a16:creationId xmlns:a16="http://schemas.microsoft.com/office/drawing/2014/main" id="{70766DE9-06AB-2244-A58B-4C02701CFF62}"/>
-                </a:ext>
-              </a:extLst>
-            </p:cNvPr>
-            <p:cNvSpPr/>
-            <p:nvPr/>
-          </p:nvSpPr>
-          <p:spPr>
-            <a:xfrm>
-              <a:off x="10402026" y="5021723"/>
-              <a:ext cx="91440" cy="91440"/>
-            </a:xfrm>
-            <a:prstGeom prst="ellipse">
-              <a:avLst/>
-            </a:prstGeom>
-            <a:solidFill>
-              <a:schemeClr val="accent2"/>
-            </a:solidFill>
-            <a:ln w="12700"/>
-          </p:spPr>
-          <p:style>
-            <a:lnRef idx="2">
-              <a:schemeClr val="accent1">
-                <a:shade val="15000"/>
-              </a:schemeClr>
-            </a:lnRef>
-            <a:fillRef idx="1">
-              <a:schemeClr val="accent1"/>
-            </a:fillRef>
-            <a:effectRef idx="0">
-              <a:schemeClr val="accent1"/>
-            </a:effectRef>
-            <a:fontRef idx="minor">
-              <a:schemeClr val="lt1"/>
-            </a:fontRef>
-          </p:style>
-          <p:txBody>
-            <a:bodyPr rtlCol="0" anchor="ctr"/>
-            <a:lstStyle/>
-            <a:p>
-              <a:pPr algn="ctr"/>
-              <a:endParaRPr lang="en-US"/>
-            </a:p>
-          </p:txBody>
-        </p:sp>
-        <p:sp>
-          <p:nvSpPr>
-            <p:cNvPr id="46" name="Oval 45">
-              <a:extLst>
-                <a:ext uri="{FF2B5EF4-FFF2-40B4-BE49-F238E27FC236}">
-                  <a16:creationId xmlns:a16="http://schemas.microsoft.com/office/drawing/2014/main" id="{6F392225-45C9-4252-D5EB-6BB27B9B465D}"/>
-                </a:ext>
-              </a:extLst>
-            </p:cNvPr>
-            <p:cNvSpPr/>
-            <p:nvPr/>
-          </p:nvSpPr>
-          <p:spPr>
-            <a:xfrm>
-              <a:off x="10989445" y="3439629"/>
-              <a:ext cx="91440" cy="91440"/>
-            </a:xfrm>
-            <a:prstGeom prst="ellipse">
-              <a:avLst/>
-            </a:prstGeom>
-            <a:solidFill>
-              <a:schemeClr val="accent2"/>
-            </a:solidFill>
-            <a:ln w="12700"/>
-          </p:spPr>
-          <p:style>
-            <a:lnRef idx="2">
-              <a:schemeClr val="accent1">
-                <a:shade val="15000"/>
-              </a:schemeClr>
-            </a:lnRef>
-            <a:fillRef idx="1">
-              <a:schemeClr val="accent1"/>
-            </a:fillRef>
-            <a:effectRef idx="0">
-              <a:schemeClr val="accent1"/>
-            </a:effectRef>
-            <a:fontRef idx="minor">
-              <a:schemeClr val="lt1"/>
-            </a:fontRef>
-          </p:style>
-          <p:txBody>
-            <a:bodyPr rtlCol="0" anchor="ctr"/>
-            <a:lstStyle/>
-            <a:p>
-              <a:pPr algn="ctr"/>
-              <a:endParaRPr lang="en-US"/>
-            </a:p>
-          </p:txBody>
-        </p:sp>
-        <p:sp>
-          <p:nvSpPr>
-            <p:cNvPr id="47" name="Oval 46">
-              <a:extLst>
-                <a:ext uri="{FF2B5EF4-FFF2-40B4-BE49-F238E27FC236}">
-                  <a16:creationId xmlns:a16="http://schemas.microsoft.com/office/drawing/2014/main" id="{963A1538-517D-81E3-E30F-32705D5BD7F5}"/>
-                </a:ext>
-              </a:extLst>
-            </p:cNvPr>
-            <p:cNvSpPr/>
-            <p:nvPr/>
-          </p:nvSpPr>
-          <p:spPr>
-            <a:xfrm>
-              <a:off x="10116174" y="4509753"/>
-              <a:ext cx="91440" cy="91440"/>
-            </a:xfrm>
-            <a:prstGeom prst="ellipse">
-              <a:avLst/>
-            </a:prstGeom>
-            <a:solidFill>
-              <a:schemeClr val="accent1"/>
-            </a:solidFill>
-            <a:ln w="12700"/>
-          </p:spPr>
-          <p:style>
-            <a:lnRef idx="2">
-              <a:schemeClr val="accent1">
-                <a:shade val="15000"/>
-              </a:schemeClr>
-            </a:lnRef>
-            <a:fillRef idx="1">
-              <a:schemeClr val="accent1"/>
-            </a:fillRef>
-            <a:effectRef idx="0">
-              <a:schemeClr val="accent1"/>
-            </a:effectRef>
-            <a:fontRef idx="minor">
-              <a:schemeClr val="lt1"/>
-            </a:fontRef>
-          </p:style>
-          <p:txBody>
-            <a:bodyPr rtlCol="0" anchor="ctr"/>
-            <a:lstStyle/>
-            <a:p>
-              <a:pPr algn="ctr"/>
-              <a:endParaRPr lang="en-US"/>
-            </a:p>
-          </p:txBody>
-        </p:sp>
-        <p:sp>
-          <p:nvSpPr>
-            <p:cNvPr id="48" name="Oval 47">
-              <a:extLst>
-                <a:ext uri="{FF2B5EF4-FFF2-40B4-BE49-F238E27FC236}">
-                  <a16:creationId xmlns:a16="http://schemas.microsoft.com/office/drawing/2014/main" id="{913261CE-3831-64CA-FAAE-EEBE51442B4D}"/>
-                </a:ext>
-              </a:extLst>
-            </p:cNvPr>
-            <p:cNvSpPr/>
-            <p:nvPr/>
-          </p:nvSpPr>
-          <p:spPr>
-            <a:xfrm>
-              <a:off x="9855769" y="3471944"/>
-              <a:ext cx="91440" cy="91440"/>
-            </a:xfrm>
-            <a:prstGeom prst="ellipse">
-              <a:avLst/>
-            </a:prstGeom>
-            <a:solidFill>
-              <a:schemeClr val="accent1"/>
-            </a:solidFill>
-            <a:ln w="12700"/>
-          </p:spPr>
-          <p:style>
-            <a:lnRef idx="2">
-              <a:schemeClr val="accent1">
-                <a:shade val="15000"/>
-              </a:schemeClr>
-            </a:lnRef>
-            <a:fillRef idx="1">
-              <a:schemeClr val="accent1"/>
-            </a:fillRef>
-            <a:effectRef idx="0">
-              <a:schemeClr val="accent1"/>
-            </a:effectRef>
-            <a:fontRef idx="minor">
-              <a:schemeClr val="lt1"/>
-            </a:fontRef>
-          </p:style>
-          <p:txBody>
-            <a:bodyPr rtlCol="0" anchor="ctr"/>
-            <a:lstStyle/>
-            <a:p>
-              <a:pPr algn="ctr"/>
-              <a:endParaRPr lang="en-US"/>
-            </a:p>
-          </p:txBody>
-        </p:sp>
-        <p:sp>
-          <p:nvSpPr>
-            <p:cNvPr id="49" name="Oval 48">
-              <a:extLst>
-                <a:ext uri="{FF2B5EF4-FFF2-40B4-BE49-F238E27FC236}">
-                  <a16:creationId xmlns:a16="http://schemas.microsoft.com/office/drawing/2014/main" id="{E5CA9222-A26A-1C38-00E7-1FDE436C8651}"/>
-                </a:ext>
-              </a:extLst>
-            </p:cNvPr>
-            <p:cNvSpPr/>
-            <p:nvPr/>
-          </p:nvSpPr>
-          <p:spPr>
-            <a:xfrm>
-              <a:off x="8586679" y="4218556"/>
-              <a:ext cx="91440" cy="91440"/>
-            </a:xfrm>
-            <a:prstGeom prst="ellipse">
-              <a:avLst/>
-            </a:prstGeom>
-            <a:solidFill>
-              <a:schemeClr val="accent1"/>
-            </a:solidFill>
-            <a:ln w="12700"/>
-          </p:spPr>
-          <p:style>
-            <a:lnRef idx="2">
-              <a:schemeClr val="accent1">
-                <a:shade val="15000"/>
-              </a:schemeClr>
-            </a:lnRef>
-            <a:fillRef idx="1">
-              <a:schemeClr val="accent1"/>
-            </a:fillRef>
-            <a:effectRef idx="0">
-              <a:schemeClr val="accent1"/>
-            </a:effectRef>
-            <a:fontRef idx="minor">
-              <a:schemeClr val="lt1"/>
-            </a:fontRef>
-          </p:style>
-          <p:txBody>
-            <a:bodyPr rtlCol="0" anchor="ctr"/>
-            <a:lstStyle/>
-            <a:p>
-              <a:pPr algn="ctr"/>
-              <a:endParaRPr lang="en-US"/>
-            </a:p>
-          </p:txBody>
-        </p:sp>
-        <p:sp>
-          <p:nvSpPr>
-            <p:cNvPr id="50" name="Oval 49">
-              <a:extLst>
-                <a:ext uri="{FF2B5EF4-FFF2-40B4-BE49-F238E27FC236}">
-                  <a16:creationId xmlns:a16="http://schemas.microsoft.com/office/drawing/2014/main" id="{6191F91F-9E1F-3639-FB59-EB8EBEFB0E23}"/>
-                </a:ext>
-              </a:extLst>
-            </p:cNvPr>
-            <p:cNvSpPr/>
-            <p:nvPr/>
-          </p:nvSpPr>
-          <p:spPr>
-            <a:xfrm>
-              <a:off x="9663483" y="4344155"/>
-              <a:ext cx="91440" cy="91440"/>
-            </a:xfrm>
-            <a:prstGeom prst="ellipse">
-              <a:avLst/>
-            </a:prstGeom>
-            <a:solidFill>
-              <a:schemeClr val="accent1"/>
-            </a:solidFill>
-            <a:ln w="12700"/>
-          </p:spPr>
-          <p:style>
-            <a:lnRef idx="2">
-              <a:schemeClr val="accent1">
-                <a:shade val="15000"/>
-              </a:schemeClr>
-            </a:lnRef>
-            <a:fillRef idx="1">
-              <a:schemeClr val="accent1"/>
-            </a:fillRef>
-            <a:effectRef idx="0">
-              <a:schemeClr val="accent1"/>
-            </a:effectRef>
-            <a:fontRef idx="minor">
-              <a:schemeClr val="lt1"/>
-            </a:fontRef>
-          </p:style>
-          <p:txBody>
-            <a:bodyPr rtlCol="0" anchor="ctr"/>
-            <a:lstStyle/>
-            <a:p>
-              <a:pPr algn="ctr"/>
-              <a:endParaRPr lang="en-US"/>
-            </a:p>
-          </p:txBody>
-        </p:sp>
-        <p:sp>
-          <p:nvSpPr>
-            <p:cNvPr id="51" name="Oval 50">
-              <a:extLst>
-                <a:ext uri="{FF2B5EF4-FFF2-40B4-BE49-F238E27FC236}">
-                  <a16:creationId xmlns:a16="http://schemas.microsoft.com/office/drawing/2014/main" id="{38B810E2-01D3-D35D-ECD5-96C138B631F7}"/>
-                </a:ext>
-              </a:extLst>
-            </p:cNvPr>
-            <p:cNvSpPr/>
-            <p:nvPr/>
-          </p:nvSpPr>
-          <p:spPr>
-            <a:xfrm>
-              <a:off x="9722426" y="5478895"/>
-              <a:ext cx="91440" cy="91440"/>
-            </a:xfrm>
-            <a:prstGeom prst="ellipse">
-              <a:avLst/>
-            </a:prstGeom>
-            <a:solidFill>
-              <a:schemeClr val="accent1"/>
-            </a:solidFill>
-            <a:ln w="12700"/>
-          </p:spPr>
-          <p:style>
-            <a:lnRef idx="2">
-              <a:schemeClr val="accent1">
-                <a:shade val="15000"/>
-              </a:schemeClr>
-            </a:lnRef>
-            <a:fillRef idx="1">
-              <a:schemeClr val="accent1"/>
-            </a:fillRef>
-            <a:effectRef idx="0">
-              <a:schemeClr val="accent1"/>
-            </a:effectRef>
-            <a:fontRef idx="minor">
-              <a:schemeClr val="lt1"/>
-            </a:fontRef>
-          </p:style>
-          <p:txBody>
-            <a:bodyPr rtlCol="0" anchor="ctr"/>
-            <a:lstStyle/>
-            <a:p>
-              <a:pPr algn="ctr"/>
-              <a:endParaRPr lang="en-US"/>
-            </a:p>
-          </p:txBody>
-        </p:sp>
-        <p:sp>
-          <p:nvSpPr>
-            <p:cNvPr id="52" name="Oval 51">
-              <a:extLst>
-                <a:ext uri="{FF2B5EF4-FFF2-40B4-BE49-F238E27FC236}">
-                  <a16:creationId xmlns:a16="http://schemas.microsoft.com/office/drawing/2014/main" id="{3CA05364-72F2-8CB3-393A-CF6F28E2E033}"/>
-                </a:ext>
-              </a:extLst>
-            </p:cNvPr>
-            <p:cNvSpPr/>
-            <p:nvPr/>
-          </p:nvSpPr>
-          <p:spPr>
-            <a:xfrm>
-              <a:off x="7912505" y="4941511"/>
-              <a:ext cx="91440" cy="91440"/>
-            </a:xfrm>
-            <a:prstGeom prst="ellipse">
-              <a:avLst/>
-            </a:prstGeom>
-            <a:solidFill>
-              <a:schemeClr val="accent1"/>
-            </a:solidFill>
-            <a:ln w="12700"/>
-          </p:spPr>
-          <p:style>
-            <a:lnRef idx="2">
-              <a:schemeClr val="accent1">
-                <a:shade val="15000"/>
-              </a:schemeClr>
-            </a:lnRef>
-            <a:fillRef idx="1">
-              <a:schemeClr val="accent1"/>
-            </a:fillRef>
-            <a:effectRef idx="0">
-              <a:schemeClr val="accent1"/>
-            </a:effectRef>
-            <a:fontRef idx="minor">
-              <a:schemeClr val="lt1"/>
-            </a:fontRef>
-          </p:style>
-          <p:txBody>
-            <a:bodyPr rtlCol="0" anchor="ctr"/>
-            <a:lstStyle/>
-            <a:p>
-              <a:pPr algn="ctr"/>
-              <a:endParaRPr lang="en-US"/>
-            </a:p>
-          </p:txBody>
-        </p:sp>
-        <p:sp>
-          <p:nvSpPr>
-            <p:cNvPr id="53" name="Oval 52">
-              <a:extLst>
-                <a:ext uri="{FF2B5EF4-FFF2-40B4-BE49-F238E27FC236}">
-                  <a16:creationId xmlns:a16="http://schemas.microsoft.com/office/drawing/2014/main" id="{0E3B98C6-5373-55ED-15BB-4526A07F1E2C}"/>
-                </a:ext>
-              </a:extLst>
-            </p:cNvPr>
-            <p:cNvSpPr/>
-            <p:nvPr/>
-          </p:nvSpPr>
-          <p:spPr>
-            <a:xfrm>
-              <a:off x="7500474" y="4645322"/>
-              <a:ext cx="91440" cy="91440"/>
-            </a:xfrm>
-            <a:prstGeom prst="ellipse">
-              <a:avLst/>
-            </a:prstGeom>
-            <a:solidFill>
-              <a:schemeClr val="accent2"/>
-            </a:solidFill>
-            <a:ln w="12700"/>
-          </p:spPr>
-          <p:style>
-            <a:lnRef idx="2">
-              <a:schemeClr val="accent1">
-                <a:shade val="15000"/>
-              </a:schemeClr>
-            </a:lnRef>
-            <a:fillRef idx="1">
-              <a:schemeClr val="accent1"/>
-            </a:fillRef>
-            <a:effectRef idx="0">
-              <a:schemeClr val="accent1"/>
-            </a:effectRef>
-            <a:fontRef idx="minor">
-              <a:schemeClr val="lt1"/>
-            </a:fontRef>
-          </p:style>
-          <p:txBody>
-            <a:bodyPr rtlCol="0" anchor="ctr"/>
-            <a:lstStyle/>
-            <a:p>
-              <a:pPr algn="ctr"/>
-              <a:endParaRPr lang="en-US"/>
-            </a:p>
-          </p:txBody>
-        </p:sp>
-        <p:sp>
-          <p:nvSpPr>
-            <p:cNvPr id="54" name="Oval 53">
-              <a:extLst>
-                <a:ext uri="{FF2B5EF4-FFF2-40B4-BE49-F238E27FC236}">
-                  <a16:creationId xmlns:a16="http://schemas.microsoft.com/office/drawing/2014/main" id="{C14DA7DD-A4AF-7DE1-6CB9-AFCDB25E9B64}"/>
-                </a:ext>
-              </a:extLst>
-            </p:cNvPr>
-            <p:cNvSpPr/>
-            <p:nvPr/>
-          </p:nvSpPr>
-          <p:spPr>
-            <a:xfrm>
-              <a:off x="8764558" y="3358857"/>
-              <a:ext cx="91440" cy="91440"/>
-            </a:xfrm>
-            <a:prstGeom prst="ellipse">
-              <a:avLst/>
-            </a:prstGeom>
-            <a:solidFill>
-              <a:schemeClr val="accent2"/>
-            </a:solidFill>
-            <a:ln w="12700"/>
-          </p:spPr>
-          <p:style>
-            <a:lnRef idx="2">
-              <a:schemeClr val="accent1">
-                <a:shade val="15000"/>
-              </a:schemeClr>
-            </a:lnRef>
-            <a:fillRef idx="1">
-              <a:schemeClr val="accent1"/>
-            </a:fillRef>
-            <a:effectRef idx="0">
-              <a:schemeClr val="accent1"/>
-            </a:effectRef>
-            <a:fontRef idx="minor">
-              <a:schemeClr val="lt1"/>
-            </a:fontRef>
-          </p:style>
-          <p:txBody>
-            <a:bodyPr rtlCol="0" anchor="ctr"/>
-            <a:lstStyle/>
-            <a:p>
-              <a:pPr algn="ctr"/>
-              <a:endParaRPr lang="en-US"/>
-            </a:p>
-          </p:txBody>
-        </p:sp>
-        <p:sp>
-          <p:nvSpPr>
-            <p:cNvPr id="55" name="Oval 54">
-              <a:extLst>
-                <a:ext uri="{FF2B5EF4-FFF2-40B4-BE49-F238E27FC236}">
-                  <a16:creationId xmlns:a16="http://schemas.microsoft.com/office/drawing/2014/main" id="{B59C07CD-56AF-B222-B38F-3D864E36F468}"/>
-                </a:ext>
-              </a:extLst>
-            </p:cNvPr>
-            <p:cNvSpPr/>
-            <p:nvPr/>
-          </p:nvSpPr>
-          <p:spPr>
-            <a:xfrm>
-              <a:off x="8764558" y="5010496"/>
-              <a:ext cx="91440" cy="91440"/>
-            </a:xfrm>
-            <a:prstGeom prst="ellipse">
-              <a:avLst/>
-            </a:prstGeom>
-            <a:solidFill>
-              <a:schemeClr val="accent1"/>
-            </a:solidFill>
-            <a:ln w="12700"/>
-          </p:spPr>
-          <p:style>
-            <a:lnRef idx="2">
-              <a:schemeClr val="accent1">
-                <a:shade val="15000"/>
-              </a:schemeClr>
-            </a:lnRef>
-            <a:fillRef idx="1">
-              <a:schemeClr val="accent1"/>
-            </a:fillRef>
-            <a:effectRef idx="0">
-              <a:schemeClr val="accent1"/>
-            </a:effectRef>
-            <a:fontRef idx="minor">
-              <a:schemeClr val="lt1"/>
-            </a:fontRef>
-          </p:style>
-          <p:txBody>
-            <a:bodyPr rtlCol="0" anchor="ctr"/>
-            <a:lstStyle/>
-            <a:p>
-              <a:pPr algn="ctr"/>
-              <a:endParaRPr lang="en-US"/>
-            </a:p>
-          </p:txBody>
-        </p:sp>
-      </p:grpSp>
-      <p:grpSp>
-        <p:nvGrpSpPr>
-          <p:cNvPr id="64" name="Group 63">
-            <a:extLst>
-              <a:ext uri="{FF2B5EF4-FFF2-40B4-BE49-F238E27FC236}">
-                <a16:creationId xmlns:a16="http://schemas.microsoft.com/office/drawing/2014/main" id="{4AA624C3-C889-EE54-C694-3EBC973C1560}"/>
-              </a:ext>
-            </a:extLst>
-          </p:cNvPr>
-          <p:cNvGrpSpPr/>
-          <p:nvPr/>
-        </p:nvGrpSpPr>
-        <p:grpSpPr>
-          <a:xfrm rot="2166680">
-            <a:off x="1566222" y="3250070"/>
-            <a:ext cx="855938" cy="1999940"/>
-            <a:chOff x="10128639" y="1461371"/>
-            <a:chExt cx="855938" cy="1999940"/>
-          </a:xfrm>
-        </p:grpSpPr>
-        <p:sp>
-          <p:nvSpPr>
-            <p:cNvPr id="65" name="Freeform: Shape 64">
-              <a:extLst>
-                <a:ext uri="{FF2B5EF4-FFF2-40B4-BE49-F238E27FC236}">
-                  <a16:creationId xmlns:a16="http://schemas.microsoft.com/office/drawing/2014/main" id="{8BA9C34C-C72C-2DA6-983A-4E394C18B5E3}"/>
-                </a:ext>
-              </a:extLst>
-            </p:cNvPr>
-            <p:cNvSpPr/>
-            <p:nvPr/>
-          </p:nvSpPr>
-          <p:spPr>
-            <a:xfrm rot="1846016">
-              <a:off x="10305259" y="2060580"/>
-              <a:ext cx="679318" cy="347439"/>
-            </a:xfrm>
-            <a:custGeom>
-              <a:avLst/>
-              <a:gdLst>
-                <a:gd name="connsiteX0" fmla="*/ 0 w 1331251"/>
-                <a:gd name="connsiteY0" fmla="*/ 305030 h 347439"/>
-                <a:gd name="connsiteX1" fmla="*/ 626533 w 1331251"/>
-                <a:gd name="connsiteY1" fmla="*/ 230 h 347439"/>
-                <a:gd name="connsiteX2" fmla="*/ 702733 w 1331251"/>
-                <a:gd name="connsiteY2" fmla="*/ 347364 h 347439"/>
-                <a:gd name="connsiteX3" fmla="*/ 1261533 w 1331251"/>
-                <a:gd name="connsiteY3" fmla="*/ 34097 h 347439"/>
-                <a:gd name="connsiteX4" fmla="*/ 1303866 w 1331251"/>
-                <a:gd name="connsiteY4" fmla="*/ 321964 h 347439"/>
-              </a:gdLst>
-              <a:ahLst/>
-              <a:cxnLst>
-                <a:cxn ang="0">
-                  <a:pos x="connsiteX0" y="connsiteY0"/>
-                </a:cxn>
-                <a:cxn ang="0">
-                  <a:pos x="connsiteX1" y="connsiteY1"/>
-                </a:cxn>
-                <a:cxn ang="0">
-                  <a:pos x="connsiteX2" y="connsiteY2"/>
-                </a:cxn>
-                <a:cxn ang="0">
-                  <a:pos x="connsiteX3" y="connsiteY3"/>
-                </a:cxn>
-                <a:cxn ang="0">
-                  <a:pos x="connsiteX4" y="connsiteY4"/>
-                </a:cxn>
-              </a:cxnLst>
-              <a:rect l="l" t="t" r="r" b="b"/>
-              <a:pathLst>
-                <a:path w="1331251" h="347439">
-                  <a:moveTo>
-                    <a:pt x="0" y="305030"/>
-                  </a:moveTo>
-                  <a:cubicBezTo>
-                    <a:pt x="254705" y="149102"/>
-                    <a:pt x="509411" y="-6826"/>
-                    <a:pt x="626533" y="230"/>
-                  </a:cubicBezTo>
-                  <a:cubicBezTo>
-                    <a:pt x="743655" y="7286"/>
-                    <a:pt x="596900" y="341720"/>
-                    <a:pt x="702733" y="347364"/>
-                  </a:cubicBezTo>
-                  <a:cubicBezTo>
-                    <a:pt x="808566" y="353009"/>
-                    <a:pt x="1161344" y="38330"/>
-                    <a:pt x="1261533" y="34097"/>
-                  </a:cubicBezTo>
-                  <a:cubicBezTo>
-                    <a:pt x="1361722" y="29864"/>
-                    <a:pt x="1332794" y="175914"/>
-                    <a:pt x="1303866" y="321964"/>
-                  </a:cubicBezTo>
-                </a:path>
-              </a:pathLst>
-            </a:custGeom>
-            <a:noFill/>
-            <a:ln w="28575"/>
-          </p:spPr>
-          <p:style>
-            <a:lnRef idx="2">
-              <a:schemeClr val="accent1">
-                <a:shade val="15000"/>
-              </a:schemeClr>
-            </a:lnRef>
-            <a:fillRef idx="1">
-              <a:schemeClr val="accent1"/>
-            </a:fillRef>
-            <a:effectRef idx="0">
-              <a:schemeClr val="accent1"/>
-            </a:effectRef>
-            <a:fontRef idx="minor">
-              <a:schemeClr val="lt1"/>
-            </a:fontRef>
-          </p:style>
-          <p:txBody>
-            <a:bodyPr rtlCol="0" anchor="ctr"/>
-            <a:lstStyle/>
-            <a:p>
-              <a:pPr algn="ctr"/>
-              <a:endParaRPr lang="en-US"/>
-            </a:p>
-          </p:txBody>
-        </p:sp>
-        <p:sp>
-          <p:nvSpPr>
-            <p:cNvPr id="66" name="Freeform: Shape 65">
-              <a:extLst>
-                <a:ext uri="{FF2B5EF4-FFF2-40B4-BE49-F238E27FC236}">
-                  <a16:creationId xmlns:a16="http://schemas.microsoft.com/office/drawing/2014/main" id="{4EB9C5A0-F52A-BC8F-DE22-D24FDDAD2224}"/>
-                </a:ext>
-              </a:extLst>
-            </p:cNvPr>
-            <p:cNvSpPr/>
-            <p:nvPr/>
-          </p:nvSpPr>
-          <p:spPr>
-            <a:xfrm rot="18836409" flipV="1">
-              <a:off x="10116444" y="2832927"/>
-              <a:ext cx="967185" cy="289584"/>
-            </a:xfrm>
-            <a:custGeom>
-              <a:avLst/>
-              <a:gdLst>
-                <a:gd name="connsiteX0" fmla="*/ 0 w 1331251"/>
-                <a:gd name="connsiteY0" fmla="*/ 305030 h 347439"/>
-                <a:gd name="connsiteX1" fmla="*/ 626533 w 1331251"/>
-                <a:gd name="connsiteY1" fmla="*/ 230 h 347439"/>
-                <a:gd name="connsiteX2" fmla="*/ 702733 w 1331251"/>
-                <a:gd name="connsiteY2" fmla="*/ 347364 h 347439"/>
-                <a:gd name="connsiteX3" fmla="*/ 1261533 w 1331251"/>
-                <a:gd name="connsiteY3" fmla="*/ 34097 h 347439"/>
-                <a:gd name="connsiteX4" fmla="*/ 1303866 w 1331251"/>
-                <a:gd name="connsiteY4" fmla="*/ 321964 h 347439"/>
-              </a:gdLst>
-              <a:ahLst/>
-              <a:cxnLst>
-                <a:cxn ang="0">
-                  <a:pos x="connsiteX0" y="connsiteY0"/>
-                </a:cxn>
-                <a:cxn ang="0">
-                  <a:pos x="connsiteX1" y="connsiteY1"/>
-                </a:cxn>
-                <a:cxn ang="0">
-                  <a:pos x="connsiteX2" y="connsiteY2"/>
-                </a:cxn>
-                <a:cxn ang="0">
-                  <a:pos x="connsiteX3" y="connsiteY3"/>
-                </a:cxn>
-                <a:cxn ang="0">
-                  <a:pos x="connsiteX4" y="connsiteY4"/>
-                </a:cxn>
-              </a:cxnLst>
-              <a:rect l="l" t="t" r="r" b="b"/>
-              <a:pathLst>
-                <a:path w="1331251" h="347439">
-                  <a:moveTo>
-                    <a:pt x="0" y="305030"/>
-                  </a:moveTo>
-                  <a:cubicBezTo>
-                    <a:pt x="254705" y="149102"/>
-                    <a:pt x="509411" y="-6826"/>
-                    <a:pt x="626533" y="230"/>
-                  </a:cubicBezTo>
-                  <a:cubicBezTo>
-                    <a:pt x="743655" y="7286"/>
-                    <a:pt x="596900" y="341720"/>
-                    <a:pt x="702733" y="347364"/>
-                  </a:cubicBezTo>
-                  <a:cubicBezTo>
-                    <a:pt x="808566" y="353009"/>
-                    <a:pt x="1161344" y="38330"/>
-                    <a:pt x="1261533" y="34097"/>
-                  </a:cubicBezTo>
-                  <a:cubicBezTo>
-                    <a:pt x="1361722" y="29864"/>
-                    <a:pt x="1332794" y="175914"/>
-                    <a:pt x="1303866" y="321964"/>
-                  </a:cubicBezTo>
-                </a:path>
-              </a:pathLst>
-            </a:custGeom>
-            <a:noFill/>
-            <a:ln w="28575"/>
-          </p:spPr>
-          <p:style>
-            <a:lnRef idx="2">
-              <a:schemeClr val="accent1">
-                <a:shade val="15000"/>
-              </a:schemeClr>
-            </a:lnRef>
-            <a:fillRef idx="1">
-              <a:schemeClr val="accent1"/>
-            </a:fillRef>
-            <a:effectRef idx="0">
-              <a:schemeClr val="accent1"/>
-            </a:effectRef>
-            <a:fontRef idx="minor">
-              <a:schemeClr val="lt1"/>
-            </a:fontRef>
-          </p:style>
-          <p:txBody>
-            <a:bodyPr rtlCol="0" anchor="ctr"/>
-            <a:lstStyle/>
-            <a:p>
-              <a:pPr algn="ctr"/>
-              <a:endParaRPr lang="en-US"/>
-            </a:p>
-          </p:txBody>
-        </p:sp>
-        <p:sp>
-          <p:nvSpPr>
-            <p:cNvPr id="67" name="Freeform: Shape 66">
-              <a:extLst>
-                <a:ext uri="{FF2B5EF4-FFF2-40B4-BE49-F238E27FC236}">
-                  <a16:creationId xmlns:a16="http://schemas.microsoft.com/office/drawing/2014/main" id="{C7B1ACA6-E1C6-810E-950B-991C4DE7E29D}"/>
-                </a:ext>
-              </a:extLst>
-            </p:cNvPr>
-            <p:cNvSpPr/>
-            <p:nvPr/>
-          </p:nvSpPr>
-          <p:spPr>
-            <a:xfrm rot="18240908">
-              <a:off x="10160672" y="1636211"/>
-              <a:ext cx="666526" cy="347439"/>
-            </a:xfrm>
-            <a:custGeom>
-              <a:avLst/>
-              <a:gdLst>
-                <a:gd name="connsiteX0" fmla="*/ 0 w 1331251"/>
-                <a:gd name="connsiteY0" fmla="*/ 305030 h 347439"/>
-                <a:gd name="connsiteX1" fmla="*/ 626533 w 1331251"/>
-                <a:gd name="connsiteY1" fmla="*/ 230 h 347439"/>
-                <a:gd name="connsiteX2" fmla="*/ 702733 w 1331251"/>
-                <a:gd name="connsiteY2" fmla="*/ 347364 h 347439"/>
-                <a:gd name="connsiteX3" fmla="*/ 1261533 w 1331251"/>
-                <a:gd name="connsiteY3" fmla="*/ 34097 h 347439"/>
-                <a:gd name="connsiteX4" fmla="*/ 1303866 w 1331251"/>
-                <a:gd name="connsiteY4" fmla="*/ 321964 h 347439"/>
-              </a:gdLst>
-              <a:ahLst/>
-              <a:cxnLst>
-                <a:cxn ang="0">
-                  <a:pos x="connsiteX0" y="connsiteY0"/>
-                </a:cxn>
-                <a:cxn ang="0">
-                  <a:pos x="connsiteX1" y="connsiteY1"/>
-                </a:cxn>
-                <a:cxn ang="0">
-                  <a:pos x="connsiteX2" y="connsiteY2"/>
-                </a:cxn>
-                <a:cxn ang="0">
-                  <a:pos x="connsiteX3" y="connsiteY3"/>
-                </a:cxn>
-                <a:cxn ang="0">
-                  <a:pos x="connsiteX4" y="connsiteY4"/>
-                </a:cxn>
-              </a:cxnLst>
-              <a:rect l="l" t="t" r="r" b="b"/>
-              <a:pathLst>
-                <a:path w="1331251" h="347439">
-                  <a:moveTo>
-                    <a:pt x="0" y="305030"/>
-                  </a:moveTo>
-                  <a:cubicBezTo>
-                    <a:pt x="254705" y="149102"/>
-                    <a:pt x="509411" y="-6826"/>
-                    <a:pt x="626533" y="230"/>
-                  </a:cubicBezTo>
-                  <a:cubicBezTo>
-                    <a:pt x="743655" y="7286"/>
-                    <a:pt x="596900" y="341720"/>
-                    <a:pt x="702733" y="347364"/>
-                  </a:cubicBezTo>
-                  <a:cubicBezTo>
-                    <a:pt x="808566" y="353009"/>
-                    <a:pt x="1161344" y="38330"/>
-                    <a:pt x="1261533" y="34097"/>
-                  </a:cubicBezTo>
-                  <a:cubicBezTo>
-                    <a:pt x="1361722" y="29864"/>
-                    <a:pt x="1332794" y="175914"/>
-                    <a:pt x="1303866" y="321964"/>
-                  </a:cubicBezTo>
-                </a:path>
-              </a:pathLst>
-            </a:custGeom>
-            <a:noFill/>
-            <a:ln w="28575"/>
-          </p:spPr>
-          <p:style>
-            <a:lnRef idx="2">
-              <a:schemeClr val="accent1">
-                <a:shade val="15000"/>
-              </a:schemeClr>
-            </a:lnRef>
-            <a:fillRef idx="1">
-              <a:schemeClr val="accent1"/>
-            </a:fillRef>
-            <a:effectRef idx="0">
-              <a:schemeClr val="accent1"/>
-            </a:effectRef>
-            <a:fontRef idx="minor">
-              <a:schemeClr val="lt1"/>
-            </a:fontRef>
-          </p:style>
-          <p:txBody>
-            <a:bodyPr rtlCol="0" anchor="ctr"/>
-            <a:lstStyle/>
-            <a:p>
-              <a:pPr algn="ctr"/>
-              <a:endParaRPr lang="en-US"/>
-            </a:p>
-          </p:txBody>
-        </p:sp>
-        <p:sp>
-          <p:nvSpPr>
-            <p:cNvPr id="68" name="Oval 67">
-              <a:extLst>
-                <a:ext uri="{FF2B5EF4-FFF2-40B4-BE49-F238E27FC236}">
-                  <a16:creationId xmlns:a16="http://schemas.microsoft.com/office/drawing/2014/main" id="{D181D2A0-BCB7-04DD-2C6C-A394328C3B1F}"/>
-                </a:ext>
-              </a:extLst>
-            </p:cNvPr>
-            <p:cNvSpPr/>
-            <p:nvPr/>
-          </p:nvSpPr>
-          <p:spPr>
-            <a:xfrm>
-              <a:off x="10261601" y="2048934"/>
-              <a:ext cx="220133" cy="220133"/>
-            </a:xfrm>
-            <a:prstGeom prst="ellipse">
-              <a:avLst/>
-            </a:prstGeom>
-            <a:solidFill>
-              <a:schemeClr val="bg2"/>
-            </a:solidFill>
-            <a:ln w="19050">
-              <a:solidFill>
-                <a:schemeClr val="tx1"/>
-              </a:solidFill>
-            </a:ln>
-          </p:spPr>
-          <p:style>
-            <a:lnRef idx="2">
-              <a:schemeClr val="accent1">
-                <a:shade val="15000"/>
-              </a:schemeClr>
-            </a:lnRef>
-            <a:fillRef idx="1">
-              <a:schemeClr val="accent1"/>
-            </a:fillRef>
-            <a:effectRef idx="0">
-              <a:schemeClr val="accent1"/>
-            </a:effectRef>
-            <a:fontRef idx="minor">
-              <a:schemeClr val="lt1"/>
-            </a:fontRef>
-          </p:style>
-          <p:txBody>
-            <a:bodyPr rtlCol="0" anchor="ctr"/>
-            <a:lstStyle/>
-            <a:p>
-              <a:pPr algn="ctr"/>
-              <a:endParaRPr lang="en-US" sz="2000"/>
-            </a:p>
-          </p:txBody>
-        </p:sp>
-        <p:sp>
-          <p:nvSpPr>
-            <p:cNvPr id="69" name="Oval 68">
-              <a:extLst>
-                <a:ext uri="{FF2B5EF4-FFF2-40B4-BE49-F238E27FC236}">
-                  <a16:creationId xmlns:a16="http://schemas.microsoft.com/office/drawing/2014/main" id="{1159EBBC-BF40-E08B-9195-CF8CC12E002C}"/>
-                </a:ext>
-              </a:extLst>
-            </p:cNvPr>
-            <p:cNvSpPr/>
-            <p:nvPr/>
-          </p:nvSpPr>
-          <p:spPr>
-            <a:xfrm>
-              <a:off x="10761132" y="2508149"/>
-              <a:ext cx="220133" cy="220133"/>
-            </a:xfrm>
-            <a:prstGeom prst="ellipse">
-              <a:avLst/>
-            </a:prstGeom>
-            <a:solidFill>
-              <a:schemeClr val="bg2"/>
-            </a:solidFill>
-            <a:ln w="19050">
-              <a:solidFill>
-                <a:schemeClr val="tx1"/>
-              </a:solidFill>
-            </a:ln>
-          </p:spPr>
-          <p:style>
-            <a:lnRef idx="2">
-              <a:schemeClr val="accent1">
-                <a:shade val="15000"/>
-              </a:schemeClr>
-            </a:lnRef>
-            <a:fillRef idx="1">
-              <a:schemeClr val="accent1"/>
-            </a:fillRef>
-            <a:effectRef idx="0">
-              <a:schemeClr val="accent1"/>
-            </a:effectRef>
-            <a:fontRef idx="minor">
-              <a:schemeClr val="lt1"/>
-            </a:fontRef>
-          </p:style>
-          <p:txBody>
-            <a:bodyPr rtlCol="0" anchor="ctr"/>
-            <a:lstStyle/>
-            <a:p>
-              <a:pPr algn="ctr"/>
-              <a:endParaRPr lang="en-US" sz="2000" dirty="0"/>
-            </a:p>
-          </p:txBody>
-        </p:sp>
-        <p:sp>
-          <p:nvSpPr>
-            <p:cNvPr id="70" name="Oval 69">
-              <a:extLst>
-                <a:ext uri="{FF2B5EF4-FFF2-40B4-BE49-F238E27FC236}">
-                  <a16:creationId xmlns:a16="http://schemas.microsoft.com/office/drawing/2014/main" id="{1762E6D3-024E-CF88-CB4D-F9CD91EEE5D6}"/>
-                </a:ext>
-              </a:extLst>
-            </p:cNvPr>
-            <p:cNvSpPr/>
-            <p:nvPr/>
-          </p:nvSpPr>
-          <p:spPr>
-            <a:xfrm>
-              <a:off x="10737905" y="1461371"/>
-              <a:ext cx="220133" cy="220133"/>
-            </a:xfrm>
-            <a:prstGeom prst="ellipse">
-              <a:avLst/>
-            </a:prstGeom>
-            <a:solidFill>
-              <a:schemeClr val="bg2"/>
-            </a:solidFill>
-            <a:ln w="19050">
-              <a:solidFill>
-                <a:schemeClr val="tx1"/>
-              </a:solidFill>
-            </a:ln>
-          </p:spPr>
-          <p:style>
-            <a:lnRef idx="2">
-              <a:schemeClr val="accent1">
-                <a:shade val="15000"/>
-              </a:schemeClr>
-            </a:lnRef>
-            <a:fillRef idx="1">
-              <a:schemeClr val="accent1"/>
-            </a:fillRef>
-            <a:effectRef idx="0">
-              <a:schemeClr val="accent1"/>
-            </a:effectRef>
-            <a:fontRef idx="minor">
-              <a:schemeClr val="lt1"/>
-            </a:fontRef>
-          </p:style>
-          <p:txBody>
-            <a:bodyPr rtlCol="0" anchor="ctr"/>
-            <a:lstStyle/>
-            <a:p>
-              <a:pPr algn="ctr"/>
-              <a:endParaRPr lang="en-US" sz="2000"/>
-            </a:p>
-          </p:txBody>
-        </p:sp>
-        <p:sp>
-          <p:nvSpPr>
-            <p:cNvPr id="71" name="Oval 70">
-              <a:extLst>
-                <a:ext uri="{FF2B5EF4-FFF2-40B4-BE49-F238E27FC236}">
-                  <a16:creationId xmlns:a16="http://schemas.microsoft.com/office/drawing/2014/main" id="{DAC2633E-DE7D-3175-577F-F8D3DDF19DE5}"/>
-                </a:ext>
-              </a:extLst>
-            </p:cNvPr>
-            <p:cNvSpPr/>
-            <p:nvPr/>
-          </p:nvSpPr>
-          <p:spPr>
-            <a:xfrm>
-              <a:off x="10128639" y="3135221"/>
-              <a:ext cx="220133" cy="220133"/>
-            </a:xfrm>
-            <a:prstGeom prst="ellipse">
-              <a:avLst/>
-            </a:prstGeom>
-            <a:solidFill>
-              <a:schemeClr val="bg2"/>
-            </a:solidFill>
-            <a:ln w="19050">
-              <a:solidFill>
-                <a:schemeClr val="tx1"/>
-              </a:solidFill>
-            </a:ln>
-          </p:spPr>
-          <p:style>
-            <a:lnRef idx="2">
-              <a:schemeClr val="accent1">
-                <a:shade val="15000"/>
-              </a:schemeClr>
-            </a:lnRef>
-            <a:fillRef idx="1">
-              <a:schemeClr val="accent1"/>
-            </a:fillRef>
-            <a:effectRef idx="0">
-              <a:schemeClr val="accent1"/>
-            </a:effectRef>
-            <a:fontRef idx="minor">
-              <a:schemeClr val="lt1"/>
-            </a:fontRef>
-          </p:style>
-          <p:txBody>
-            <a:bodyPr rtlCol="0" anchor="ctr"/>
-            <a:lstStyle/>
-            <a:p>
-              <a:pPr algn="ctr"/>
-              <a:endParaRPr lang="en-US" sz="2000"/>
-            </a:p>
-          </p:txBody>
-        </p:sp>
-      </p:grpSp>
-      <p:grpSp>
-        <p:nvGrpSpPr>
-          <p:cNvPr id="80" name="Group 79">
-            <a:extLst>
-              <a:ext uri="{FF2B5EF4-FFF2-40B4-BE49-F238E27FC236}">
-                <a16:creationId xmlns:a16="http://schemas.microsoft.com/office/drawing/2014/main" id="{FBDD3AF9-AD68-1BFA-AC6A-DDE4C6DEEAFB}"/>
-              </a:ext>
-            </a:extLst>
-          </p:cNvPr>
-          <p:cNvGrpSpPr/>
-          <p:nvPr/>
-        </p:nvGrpSpPr>
-        <p:grpSpPr>
-          <a:xfrm>
-            <a:off x="1291108" y="4946900"/>
-            <a:ext cx="681009" cy="627123"/>
-            <a:chOff x="1264523" y="5690993"/>
-            <a:chExt cx="681009" cy="627123"/>
-          </a:xfrm>
-        </p:grpSpPr>
-        <p:sp>
-          <p:nvSpPr>
-            <p:cNvPr id="77" name="Freeform: Shape 76">
-              <a:extLst>
-                <a:ext uri="{FF2B5EF4-FFF2-40B4-BE49-F238E27FC236}">
-                  <a16:creationId xmlns:a16="http://schemas.microsoft.com/office/drawing/2014/main" id="{44EC713F-DB51-66DE-5B4F-BB28A62B3D26}"/>
-                </a:ext>
-              </a:extLst>
-            </p:cNvPr>
-            <p:cNvSpPr/>
-            <p:nvPr/>
-          </p:nvSpPr>
-          <p:spPr>
-            <a:xfrm>
-              <a:off x="1264523" y="5690993"/>
-              <a:ext cx="590560" cy="225467"/>
-            </a:xfrm>
-            <a:custGeom>
-              <a:avLst/>
-              <a:gdLst>
-                <a:gd name="connsiteX0" fmla="*/ 0 w 628650"/>
-                <a:gd name="connsiteY0" fmla="*/ 161925 h 227595"/>
-                <a:gd name="connsiteX1" fmla="*/ 495300 w 628650"/>
-                <a:gd name="connsiteY1" fmla="*/ 219075 h 227595"/>
-                <a:gd name="connsiteX2" fmla="*/ 628650 w 628650"/>
-                <a:gd name="connsiteY2" fmla="*/ 0 h 227595"/>
-                <a:gd name="connsiteX0" fmla="*/ 0 w 622300"/>
-                <a:gd name="connsiteY0" fmla="*/ 85725 h 223035"/>
-                <a:gd name="connsiteX1" fmla="*/ 488950 w 622300"/>
-                <a:gd name="connsiteY1" fmla="*/ 219075 h 223035"/>
-                <a:gd name="connsiteX2" fmla="*/ 622300 w 622300"/>
-                <a:gd name="connsiteY2" fmla="*/ 0 h 223035"/>
-                <a:gd name="connsiteX0" fmla="*/ 0 w 622300"/>
-                <a:gd name="connsiteY0" fmla="*/ 85725 h 225467"/>
-                <a:gd name="connsiteX1" fmla="*/ 488950 w 622300"/>
-                <a:gd name="connsiteY1" fmla="*/ 219075 h 225467"/>
-                <a:gd name="connsiteX2" fmla="*/ 622300 w 622300"/>
-                <a:gd name="connsiteY2" fmla="*/ 0 h 225467"/>
-                <a:gd name="connsiteX0" fmla="*/ 0 w 590560"/>
-                <a:gd name="connsiteY0" fmla="*/ 85725 h 225467"/>
-                <a:gd name="connsiteX1" fmla="*/ 488950 w 590560"/>
-                <a:gd name="connsiteY1" fmla="*/ 219075 h 225467"/>
-                <a:gd name="connsiteX2" fmla="*/ 590550 w 590560"/>
-                <a:gd name="connsiteY2" fmla="*/ 0 h 225467"/>
-              </a:gdLst>
-              <a:ahLst/>
-              <a:cxnLst>
-                <a:cxn ang="0">
-                  <a:pos x="connsiteX0" y="connsiteY0"/>
-                </a:cxn>
-                <a:cxn ang="0">
-                  <a:pos x="connsiteX1" y="connsiteY1"/>
-                </a:cxn>
-                <a:cxn ang="0">
-                  <a:pos x="connsiteX2" y="connsiteY2"/>
-                </a:cxn>
-              </a:cxnLst>
-              <a:rect l="l" t="t" r="r" b="b"/>
-              <a:pathLst>
-                <a:path w="590560" h="225467">
-                  <a:moveTo>
-                    <a:pt x="0" y="85725"/>
-                  </a:moveTo>
-                  <a:cubicBezTo>
-                    <a:pt x="176212" y="184944"/>
-                    <a:pt x="384175" y="246063"/>
-                    <a:pt x="488950" y="219075"/>
-                  </a:cubicBezTo>
-                  <a:cubicBezTo>
-                    <a:pt x="593725" y="192088"/>
-                    <a:pt x="590550" y="0"/>
-                    <a:pt x="590550" y="0"/>
-                  </a:cubicBezTo>
-                </a:path>
-              </a:pathLst>
-            </a:custGeom>
-            <a:noFill/>
-            <a:ln w="20320">
-              <a:solidFill>
-                <a:schemeClr val="tx1"/>
-              </a:solidFill>
-              <a:prstDash val="sysDash"/>
-              <a:headEnd type="none" w="med" len="med"/>
-              <a:tailEnd type="triangle" w="med" len="med"/>
-            </a:ln>
-          </p:spPr>
-          <p:style>
-            <a:lnRef idx="2">
-              <a:schemeClr val="accent1">
-                <a:shade val="15000"/>
-              </a:schemeClr>
-            </a:lnRef>
-            <a:fillRef idx="1">
-              <a:schemeClr val="accent1"/>
-            </a:fillRef>
-            <a:effectRef idx="0">
-              <a:schemeClr val="accent1"/>
-            </a:effectRef>
-            <a:fontRef idx="minor">
-              <a:schemeClr val="lt1"/>
-            </a:fontRef>
-          </p:style>
-          <p:txBody>
-            <a:bodyPr rtlCol="0" anchor="ctr"/>
-            <a:lstStyle/>
-            <a:p>
-              <a:pPr algn="ctr"/>
-              <a:endParaRPr lang="en-US"/>
-            </a:p>
-          </p:txBody>
-        </p:sp>
-        <p:pic>
-          <p:nvPicPr>
-            <p:cNvPr id="79" name="Picture 78">
-              <a:extLst>
-                <a:ext uri="{FF2B5EF4-FFF2-40B4-BE49-F238E27FC236}">
-                  <a16:creationId xmlns:a16="http://schemas.microsoft.com/office/drawing/2014/main" id="{5FB08EF9-8DBB-D1BF-591C-67CC1AA8A918}"/>
-                </a:ext>
-              </a:extLst>
-            </p:cNvPr>
-            <p:cNvPicPr>
-              <a:picLocks noChangeAspect="1"/>
-            </p:cNvPicPr>
-            <p:nvPr/>
-          </p:nvPicPr>
-          <p:blipFill>
-            <a:blip r:embed="rId3"/>
-            <a:stretch>
-              <a:fillRect/>
-            </a:stretch>
-          </p:blipFill>
-          <p:spPr>
-            <a:xfrm>
-              <a:off x="1451187" y="6070943"/>
-              <a:ext cx="494345" cy="247173"/>
-            </a:xfrm>
-            <a:prstGeom prst="rect">
-              <a:avLst/>
-            </a:prstGeom>
-          </p:spPr>
-        </p:pic>
-      </p:grpSp>
-      <p:grpSp>
-        <p:nvGrpSpPr>
-          <p:cNvPr id="96" name="Group 95">
-            <a:extLst>
-              <a:ext uri="{FF2B5EF4-FFF2-40B4-BE49-F238E27FC236}">
-                <a16:creationId xmlns:a16="http://schemas.microsoft.com/office/drawing/2014/main" id="{0911F678-5B05-D679-3B9C-CBD1E7853C7A}"/>
-              </a:ext>
-            </a:extLst>
-          </p:cNvPr>
-          <p:cNvGrpSpPr/>
-          <p:nvPr/>
-        </p:nvGrpSpPr>
-        <p:grpSpPr>
-          <a:xfrm>
-            <a:off x="4098051" y="3281522"/>
-            <a:ext cx="2383637" cy="2195307"/>
-            <a:chOff x="3884603" y="3832928"/>
-            <a:chExt cx="2383637" cy="2195307"/>
-          </a:xfrm>
-        </p:grpSpPr>
-        <p:grpSp>
-          <p:nvGrpSpPr>
-            <p:cNvPr id="81" name="Group 80">
-              <a:extLst>
-                <a:ext uri="{FF2B5EF4-FFF2-40B4-BE49-F238E27FC236}">
-                  <a16:creationId xmlns:a16="http://schemas.microsoft.com/office/drawing/2014/main" id="{E0B89E99-DB56-D8C8-A95B-682D477D94C1}"/>
+                  <a16:creationId xmlns:a16="http://schemas.microsoft.com/office/drawing/2014/main" id="{FBDD3AF9-AD68-1BFA-AC6A-DDE4C6DEEAFB}"/>
                 </a:ext>
               </a:extLst>
             </p:cNvPr>
@@ -10354,19 +8500,19 @@
             <p:nvPr/>
           </p:nvGrpSpPr>
           <p:grpSpPr>
-            <a:xfrm rot="2166680">
-              <a:off x="4706383" y="3977448"/>
-              <a:ext cx="855939" cy="1999941"/>
-              <a:chOff x="10128639" y="1461371"/>
-              <a:chExt cx="855939" cy="1999941"/>
+            <a:xfrm>
+              <a:off x="1291108" y="4946900"/>
+              <a:ext cx="681009" cy="627123"/>
+              <a:chOff x="1264523" y="5690993"/>
+              <a:chExt cx="681009" cy="627123"/>
             </a:xfrm>
           </p:grpSpPr>
           <p:sp>
             <p:nvSpPr>
-              <p:cNvPr id="82" name="Freeform: Shape 81">
+              <p:cNvPr id="77" name="Freeform: Shape 76">
                 <a:extLst>
                   <a:ext uri="{FF2B5EF4-FFF2-40B4-BE49-F238E27FC236}">
-                    <a16:creationId xmlns:a16="http://schemas.microsoft.com/office/drawing/2014/main" id="{E0086073-E10A-03E8-5D08-2B30613100C1}"/>
+                    <a16:creationId xmlns:a16="http://schemas.microsoft.com/office/drawing/2014/main" id="{44EC713F-DB51-66DE-5B4F-BB28A62B3D26}"/>
                   </a:ext>
                 </a:extLst>
               </p:cNvPr>
@@ -10374,23 +8520,37 @@
               <p:nvPr/>
             </p:nvSpPr>
             <p:spPr>
-              <a:xfrm rot="1846016">
-                <a:off x="10305260" y="2060581"/>
-                <a:ext cx="679318" cy="347439"/>
+              <a:xfrm>
+                <a:off x="1264523" y="5690993"/>
+                <a:ext cx="590560" cy="225467"/>
               </a:xfrm>
               <a:custGeom>
                 <a:avLst/>
                 <a:gdLst>
-                  <a:gd name="connsiteX0" fmla="*/ 0 w 1331251"/>
-                  <a:gd name="connsiteY0" fmla="*/ 305030 h 347439"/>
-                  <a:gd name="connsiteX1" fmla="*/ 626533 w 1331251"/>
-                  <a:gd name="connsiteY1" fmla="*/ 230 h 347439"/>
-                  <a:gd name="connsiteX2" fmla="*/ 702733 w 1331251"/>
-                  <a:gd name="connsiteY2" fmla="*/ 347364 h 347439"/>
-                  <a:gd name="connsiteX3" fmla="*/ 1261533 w 1331251"/>
-                  <a:gd name="connsiteY3" fmla="*/ 34097 h 347439"/>
-                  <a:gd name="connsiteX4" fmla="*/ 1303866 w 1331251"/>
-                  <a:gd name="connsiteY4" fmla="*/ 321964 h 347439"/>
+                  <a:gd name="connsiteX0" fmla="*/ 0 w 628650"/>
+                  <a:gd name="connsiteY0" fmla="*/ 161925 h 227595"/>
+                  <a:gd name="connsiteX1" fmla="*/ 495300 w 628650"/>
+                  <a:gd name="connsiteY1" fmla="*/ 219075 h 227595"/>
+                  <a:gd name="connsiteX2" fmla="*/ 628650 w 628650"/>
+                  <a:gd name="connsiteY2" fmla="*/ 0 h 227595"/>
+                  <a:gd name="connsiteX0" fmla="*/ 0 w 622300"/>
+                  <a:gd name="connsiteY0" fmla="*/ 85725 h 223035"/>
+                  <a:gd name="connsiteX1" fmla="*/ 488950 w 622300"/>
+                  <a:gd name="connsiteY1" fmla="*/ 219075 h 223035"/>
+                  <a:gd name="connsiteX2" fmla="*/ 622300 w 622300"/>
+                  <a:gd name="connsiteY2" fmla="*/ 0 h 223035"/>
+                  <a:gd name="connsiteX0" fmla="*/ 0 w 622300"/>
+                  <a:gd name="connsiteY0" fmla="*/ 85725 h 225467"/>
+                  <a:gd name="connsiteX1" fmla="*/ 488950 w 622300"/>
+                  <a:gd name="connsiteY1" fmla="*/ 219075 h 225467"/>
+                  <a:gd name="connsiteX2" fmla="*/ 622300 w 622300"/>
+                  <a:gd name="connsiteY2" fmla="*/ 0 h 225467"/>
+                  <a:gd name="connsiteX0" fmla="*/ 0 w 590560"/>
+                  <a:gd name="connsiteY0" fmla="*/ 85725 h 225467"/>
+                  <a:gd name="connsiteX1" fmla="*/ 488950 w 590560"/>
+                  <a:gd name="connsiteY1" fmla="*/ 219075 h 225467"/>
+                  <a:gd name="connsiteX2" fmla="*/ 590550 w 590560"/>
+                  <a:gd name="connsiteY2" fmla="*/ 0 h 225467"/>
                 </a:gdLst>
                 <a:ahLst/>
                 <a:cxnLst>
@@ -10403,44 +8563,750 @@
                   <a:cxn ang="0">
                     <a:pos x="connsiteX2" y="connsiteY2"/>
                   </a:cxn>
-                  <a:cxn ang="0">
-                    <a:pos x="connsiteX3" y="connsiteY3"/>
-                  </a:cxn>
-                  <a:cxn ang="0">
-                    <a:pos x="connsiteX4" y="connsiteY4"/>
-                  </a:cxn>
                 </a:cxnLst>
                 <a:rect l="l" t="t" r="r" b="b"/>
                 <a:pathLst>
-                  <a:path w="1331251" h="347439">
+                  <a:path w="590560" h="225467">
                     <a:moveTo>
-                      <a:pt x="0" y="305030"/>
+                      <a:pt x="0" y="85725"/>
                     </a:moveTo>
                     <a:cubicBezTo>
-                      <a:pt x="254705" y="149102"/>
-                      <a:pt x="509411" y="-6826"/>
-                      <a:pt x="626533" y="230"/>
+                      <a:pt x="176212" y="184944"/>
+                      <a:pt x="384175" y="246063"/>
+                      <a:pt x="488950" y="219075"/>
                     </a:cubicBezTo>
                     <a:cubicBezTo>
-                      <a:pt x="743655" y="7286"/>
-                      <a:pt x="596900" y="341720"/>
-                      <a:pt x="702733" y="347364"/>
-                    </a:cubicBezTo>
-                    <a:cubicBezTo>
-                      <a:pt x="808566" y="353009"/>
-                      <a:pt x="1161344" y="38330"/>
-                      <a:pt x="1261533" y="34097"/>
-                    </a:cubicBezTo>
-                    <a:cubicBezTo>
-                      <a:pt x="1361722" y="29864"/>
-                      <a:pt x="1332794" y="175914"/>
-                      <a:pt x="1303866" y="321964"/>
+                      <a:pt x="593725" y="192088"/>
+                      <a:pt x="590550" y="0"/>
+                      <a:pt x="590550" y="0"/>
                     </a:cubicBezTo>
                   </a:path>
                 </a:pathLst>
               </a:custGeom>
               <a:noFill/>
-              <a:ln w="28575"/>
+              <a:ln w="20320">
+                <a:solidFill>
+                  <a:schemeClr val="tx1"/>
+                </a:solidFill>
+                <a:prstDash val="sysDash"/>
+                <a:headEnd type="none" w="med" len="med"/>
+                <a:tailEnd type="triangle" w="med" len="med"/>
+              </a:ln>
+            </p:spPr>
+            <p:style>
+              <a:lnRef idx="2">
+                <a:schemeClr val="accent1">
+                  <a:shade val="15000"/>
+                </a:schemeClr>
+              </a:lnRef>
+              <a:fillRef idx="1">
+                <a:schemeClr val="accent1"/>
+              </a:fillRef>
+              <a:effectRef idx="0">
+                <a:schemeClr val="accent1"/>
+              </a:effectRef>
+              <a:fontRef idx="minor">
+                <a:schemeClr val="lt1"/>
+              </a:fontRef>
+            </p:style>
+            <p:txBody>
+              <a:bodyPr rtlCol="0" anchor="ctr"/>
+              <a:lstStyle/>
+              <a:p>
+                <a:pPr algn="ctr"/>
+                <a:endParaRPr lang="en-US"/>
+              </a:p>
+            </p:txBody>
+          </p:sp>
+          <p:pic>
+            <p:nvPicPr>
+              <p:cNvPr id="79" name="Picture 78">
+                <a:extLst>
+                  <a:ext uri="{FF2B5EF4-FFF2-40B4-BE49-F238E27FC236}">
+                    <a16:creationId xmlns:a16="http://schemas.microsoft.com/office/drawing/2014/main" id="{5FB08EF9-8DBB-D1BF-591C-67CC1AA8A918}"/>
+                  </a:ext>
+                </a:extLst>
+              </p:cNvPr>
+              <p:cNvPicPr>
+                <a:picLocks noChangeAspect="1"/>
+              </p:cNvPicPr>
+              <p:nvPr/>
+            </p:nvPicPr>
+            <p:blipFill>
+              <a:blip r:embed="rId3"/>
+              <a:stretch>
+                <a:fillRect/>
+              </a:stretch>
+            </p:blipFill>
+            <p:spPr>
+              <a:xfrm>
+                <a:off x="1451187" y="6070943"/>
+                <a:ext cx="494345" cy="247173"/>
+              </a:xfrm>
+              <a:prstGeom prst="rect">
+                <a:avLst/>
+              </a:prstGeom>
+            </p:spPr>
+          </p:pic>
+        </p:grpSp>
+        <p:sp>
+          <p:nvSpPr>
+            <p:cNvPr id="3" name="TextBox 2">
+              <a:extLst>
+                <a:ext uri="{FF2B5EF4-FFF2-40B4-BE49-F238E27FC236}">
+                  <a16:creationId xmlns:a16="http://schemas.microsoft.com/office/drawing/2014/main" id="{A939F5F9-63DB-22C9-A77A-183CFEE6DC63}"/>
+                </a:ext>
+              </a:extLst>
+            </p:cNvPr>
+            <p:cNvSpPr txBox="1"/>
+            <p:nvPr/>
+          </p:nvSpPr>
+          <p:spPr>
+            <a:xfrm>
+              <a:off x="683544" y="6090394"/>
+              <a:ext cx="2082800" cy="338554"/>
+            </a:xfrm>
+            <a:prstGeom prst="rect">
+              <a:avLst/>
+            </a:prstGeom>
+            <a:noFill/>
+          </p:spPr>
+          <p:txBody>
+            <a:bodyPr wrap="square" rtlCol="0">
+              <a:spAutoFit/>
+            </a:bodyPr>
+            <a:lstStyle/>
+            <a:p>
+              <a:pPr algn="ctr"/>
+              <a:r>
+                <a:rPr lang="en-US" sz="1600" dirty="0">
+                  <a:latin typeface="Lucida grande" panose="020B0502040204020203"/>
+                </a:rPr>
+                <a:t>Polymer path</a:t>
+              </a:r>
+            </a:p>
+          </p:txBody>
+        </p:sp>
+      </p:grpSp>
+      <p:grpSp>
+        <p:nvGrpSpPr>
+          <p:cNvPr id="97" name="Group 96">
+            <a:extLst>
+              <a:ext uri="{FF2B5EF4-FFF2-40B4-BE49-F238E27FC236}">
+                <a16:creationId xmlns:a16="http://schemas.microsoft.com/office/drawing/2014/main" id="{45A0A8AF-16A6-4FFD-63C7-7EB0BAD052FF}"/>
+              </a:ext>
+            </a:extLst>
+          </p:cNvPr>
+          <p:cNvGrpSpPr/>
+          <p:nvPr/>
+        </p:nvGrpSpPr>
+        <p:grpSpPr>
+          <a:xfrm>
+            <a:off x="3118312" y="3281522"/>
+            <a:ext cx="4072929" cy="3395539"/>
+            <a:chOff x="3118312" y="3281522"/>
+            <a:chExt cx="4072929" cy="3395539"/>
+          </a:xfrm>
+        </p:grpSpPr>
+        <p:grpSp>
+          <p:nvGrpSpPr>
+            <p:cNvPr id="96" name="Group 95">
+              <a:extLst>
+                <a:ext uri="{FF2B5EF4-FFF2-40B4-BE49-F238E27FC236}">
+                  <a16:creationId xmlns:a16="http://schemas.microsoft.com/office/drawing/2014/main" id="{0911F678-5B05-D679-3B9C-CBD1E7853C7A}"/>
+                </a:ext>
+              </a:extLst>
+            </p:cNvPr>
+            <p:cNvGrpSpPr/>
+            <p:nvPr/>
+          </p:nvGrpSpPr>
+          <p:grpSpPr>
+            <a:xfrm>
+              <a:off x="4098051" y="3281522"/>
+              <a:ext cx="2383637" cy="2195307"/>
+              <a:chOff x="3884603" y="3832928"/>
+              <a:chExt cx="2383637" cy="2195307"/>
+            </a:xfrm>
+          </p:grpSpPr>
+          <p:grpSp>
+            <p:nvGrpSpPr>
+              <p:cNvPr id="81" name="Group 80">
+                <a:extLst>
+                  <a:ext uri="{FF2B5EF4-FFF2-40B4-BE49-F238E27FC236}">
+                    <a16:creationId xmlns:a16="http://schemas.microsoft.com/office/drawing/2014/main" id="{E0B89E99-DB56-D8C8-A95B-682D477D94C1}"/>
+                  </a:ext>
+                </a:extLst>
+              </p:cNvPr>
+              <p:cNvGrpSpPr/>
+              <p:nvPr/>
+            </p:nvGrpSpPr>
+            <p:grpSpPr>
+              <a:xfrm rot="2166680">
+                <a:off x="4706383" y="3977448"/>
+                <a:ext cx="855939" cy="1999941"/>
+                <a:chOff x="10128639" y="1461371"/>
+                <a:chExt cx="855939" cy="1999941"/>
+              </a:xfrm>
+            </p:grpSpPr>
+            <p:sp>
+              <p:nvSpPr>
+                <p:cNvPr id="82" name="Freeform: Shape 81">
+                  <a:extLst>
+                    <a:ext uri="{FF2B5EF4-FFF2-40B4-BE49-F238E27FC236}">
+                      <a16:creationId xmlns:a16="http://schemas.microsoft.com/office/drawing/2014/main" id="{E0086073-E10A-03E8-5D08-2B30613100C1}"/>
+                    </a:ext>
+                  </a:extLst>
+                </p:cNvPr>
+                <p:cNvSpPr/>
+                <p:nvPr/>
+              </p:nvSpPr>
+              <p:spPr>
+                <a:xfrm rot="1846016">
+                  <a:off x="10305260" y="2060581"/>
+                  <a:ext cx="679318" cy="347439"/>
+                </a:xfrm>
+                <a:custGeom>
+                  <a:avLst/>
+                  <a:gdLst>
+                    <a:gd name="connsiteX0" fmla="*/ 0 w 1331251"/>
+                    <a:gd name="connsiteY0" fmla="*/ 305030 h 347439"/>
+                    <a:gd name="connsiteX1" fmla="*/ 626533 w 1331251"/>
+                    <a:gd name="connsiteY1" fmla="*/ 230 h 347439"/>
+                    <a:gd name="connsiteX2" fmla="*/ 702733 w 1331251"/>
+                    <a:gd name="connsiteY2" fmla="*/ 347364 h 347439"/>
+                    <a:gd name="connsiteX3" fmla="*/ 1261533 w 1331251"/>
+                    <a:gd name="connsiteY3" fmla="*/ 34097 h 347439"/>
+                    <a:gd name="connsiteX4" fmla="*/ 1303866 w 1331251"/>
+                    <a:gd name="connsiteY4" fmla="*/ 321964 h 347439"/>
+                  </a:gdLst>
+                  <a:ahLst/>
+                  <a:cxnLst>
+                    <a:cxn ang="0">
+                      <a:pos x="connsiteX0" y="connsiteY0"/>
+                    </a:cxn>
+                    <a:cxn ang="0">
+                      <a:pos x="connsiteX1" y="connsiteY1"/>
+                    </a:cxn>
+                    <a:cxn ang="0">
+                      <a:pos x="connsiteX2" y="connsiteY2"/>
+                    </a:cxn>
+                    <a:cxn ang="0">
+                      <a:pos x="connsiteX3" y="connsiteY3"/>
+                    </a:cxn>
+                    <a:cxn ang="0">
+                      <a:pos x="connsiteX4" y="connsiteY4"/>
+                    </a:cxn>
+                  </a:cxnLst>
+                  <a:rect l="l" t="t" r="r" b="b"/>
+                  <a:pathLst>
+                    <a:path w="1331251" h="347439">
+                      <a:moveTo>
+                        <a:pt x="0" y="305030"/>
+                      </a:moveTo>
+                      <a:cubicBezTo>
+                        <a:pt x="254705" y="149102"/>
+                        <a:pt x="509411" y="-6826"/>
+                        <a:pt x="626533" y="230"/>
+                      </a:cubicBezTo>
+                      <a:cubicBezTo>
+                        <a:pt x="743655" y="7286"/>
+                        <a:pt x="596900" y="341720"/>
+                        <a:pt x="702733" y="347364"/>
+                      </a:cubicBezTo>
+                      <a:cubicBezTo>
+                        <a:pt x="808566" y="353009"/>
+                        <a:pt x="1161344" y="38330"/>
+                        <a:pt x="1261533" y="34097"/>
+                      </a:cubicBezTo>
+                      <a:cubicBezTo>
+                        <a:pt x="1361722" y="29864"/>
+                        <a:pt x="1332794" y="175914"/>
+                        <a:pt x="1303866" y="321964"/>
+                      </a:cubicBezTo>
+                    </a:path>
+                  </a:pathLst>
+                </a:custGeom>
+                <a:noFill/>
+                <a:ln w="28575"/>
+              </p:spPr>
+              <p:style>
+                <a:lnRef idx="2">
+                  <a:schemeClr val="accent1">
+                    <a:shade val="15000"/>
+                  </a:schemeClr>
+                </a:lnRef>
+                <a:fillRef idx="1">
+                  <a:schemeClr val="accent1"/>
+                </a:fillRef>
+                <a:effectRef idx="0">
+                  <a:schemeClr val="accent1"/>
+                </a:effectRef>
+                <a:fontRef idx="minor">
+                  <a:schemeClr val="lt1"/>
+                </a:fontRef>
+              </p:style>
+              <p:txBody>
+                <a:bodyPr rtlCol="0" anchor="ctr"/>
+                <a:lstStyle/>
+                <a:p>
+                  <a:pPr algn="ctr"/>
+                  <a:endParaRPr lang="en-US"/>
+                </a:p>
+              </p:txBody>
+            </p:sp>
+            <p:sp>
+              <p:nvSpPr>
+                <p:cNvPr id="83" name="Freeform: Shape 82">
+                  <a:extLst>
+                    <a:ext uri="{FF2B5EF4-FFF2-40B4-BE49-F238E27FC236}">
+                      <a16:creationId xmlns:a16="http://schemas.microsoft.com/office/drawing/2014/main" id="{8A096B4F-8944-1792-DB52-97FFA3C8651F}"/>
+                    </a:ext>
+                  </a:extLst>
+                </p:cNvPr>
+                <p:cNvSpPr/>
+                <p:nvPr/>
+              </p:nvSpPr>
+              <p:spPr>
+                <a:xfrm rot="18836409" flipV="1">
+                  <a:off x="10116444" y="2832928"/>
+                  <a:ext cx="967185" cy="289584"/>
+                </a:xfrm>
+                <a:custGeom>
+                  <a:avLst/>
+                  <a:gdLst>
+                    <a:gd name="connsiteX0" fmla="*/ 0 w 1331251"/>
+                    <a:gd name="connsiteY0" fmla="*/ 305030 h 347439"/>
+                    <a:gd name="connsiteX1" fmla="*/ 626533 w 1331251"/>
+                    <a:gd name="connsiteY1" fmla="*/ 230 h 347439"/>
+                    <a:gd name="connsiteX2" fmla="*/ 702733 w 1331251"/>
+                    <a:gd name="connsiteY2" fmla="*/ 347364 h 347439"/>
+                    <a:gd name="connsiteX3" fmla="*/ 1261533 w 1331251"/>
+                    <a:gd name="connsiteY3" fmla="*/ 34097 h 347439"/>
+                    <a:gd name="connsiteX4" fmla="*/ 1303866 w 1331251"/>
+                    <a:gd name="connsiteY4" fmla="*/ 321964 h 347439"/>
+                  </a:gdLst>
+                  <a:ahLst/>
+                  <a:cxnLst>
+                    <a:cxn ang="0">
+                      <a:pos x="connsiteX0" y="connsiteY0"/>
+                    </a:cxn>
+                    <a:cxn ang="0">
+                      <a:pos x="connsiteX1" y="connsiteY1"/>
+                    </a:cxn>
+                    <a:cxn ang="0">
+                      <a:pos x="connsiteX2" y="connsiteY2"/>
+                    </a:cxn>
+                    <a:cxn ang="0">
+                      <a:pos x="connsiteX3" y="connsiteY3"/>
+                    </a:cxn>
+                    <a:cxn ang="0">
+                      <a:pos x="connsiteX4" y="connsiteY4"/>
+                    </a:cxn>
+                  </a:cxnLst>
+                  <a:rect l="l" t="t" r="r" b="b"/>
+                  <a:pathLst>
+                    <a:path w="1331251" h="347439">
+                      <a:moveTo>
+                        <a:pt x="0" y="305030"/>
+                      </a:moveTo>
+                      <a:cubicBezTo>
+                        <a:pt x="254705" y="149102"/>
+                        <a:pt x="509411" y="-6826"/>
+                        <a:pt x="626533" y="230"/>
+                      </a:cubicBezTo>
+                      <a:cubicBezTo>
+                        <a:pt x="743655" y="7286"/>
+                        <a:pt x="596900" y="341720"/>
+                        <a:pt x="702733" y="347364"/>
+                      </a:cubicBezTo>
+                      <a:cubicBezTo>
+                        <a:pt x="808566" y="353009"/>
+                        <a:pt x="1161344" y="38330"/>
+                        <a:pt x="1261533" y="34097"/>
+                      </a:cubicBezTo>
+                      <a:cubicBezTo>
+                        <a:pt x="1361722" y="29864"/>
+                        <a:pt x="1332794" y="175914"/>
+                        <a:pt x="1303866" y="321964"/>
+                      </a:cubicBezTo>
+                    </a:path>
+                  </a:pathLst>
+                </a:custGeom>
+                <a:noFill/>
+                <a:ln w="28575"/>
+              </p:spPr>
+              <p:style>
+                <a:lnRef idx="2">
+                  <a:schemeClr val="accent1">
+                    <a:shade val="15000"/>
+                  </a:schemeClr>
+                </a:lnRef>
+                <a:fillRef idx="1">
+                  <a:schemeClr val="accent1"/>
+                </a:fillRef>
+                <a:effectRef idx="0">
+                  <a:schemeClr val="accent1"/>
+                </a:effectRef>
+                <a:fontRef idx="minor">
+                  <a:schemeClr val="lt1"/>
+                </a:fontRef>
+              </p:style>
+              <p:txBody>
+                <a:bodyPr rtlCol="0" anchor="ctr"/>
+                <a:lstStyle/>
+                <a:p>
+                  <a:pPr algn="ctr"/>
+                  <a:endParaRPr lang="en-US"/>
+                </a:p>
+              </p:txBody>
+            </p:sp>
+            <p:sp>
+              <p:nvSpPr>
+                <p:cNvPr id="84" name="Freeform: Shape 83">
+                  <a:extLst>
+                    <a:ext uri="{FF2B5EF4-FFF2-40B4-BE49-F238E27FC236}">
+                      <a16:creationId xmlns:a16="http://schemas.microsoft.com/office/drawing/2014/main" id="{5C3D73E8-9595-517A-2FF0-9EE97CE49EAB}"/>
+                    </a:ext>
+                  </a:extLst>
+                </p:cNvPr>
+                <p:cNvSpPr/>
+                <p:nvPr/>
+              </p:nvSpPr>
+              <p:spPr>
+                <a:xfrm rot="18240908">
+                  <a:off x="10160672" y="1636212"/>
+                  <a:ext cx="666526" cy="347439"/>
+                </a:xfrm>
+                <a:custGeom>
+                  <a:avLst/>
+                  <a:gdLst>
+                    <a:gd name="connsiteX0" fmla="*/ 0 w 1331251"/>
+                    <a:gd name="connsiteY0" fmla="*/ 305030 h 347439"/>
+                    <a:gd name="connsiteX1" fmla="*/ 626533 w 1331251"/>
+                    <a:gd name="connsiteY1" fmla="*/ 230 h 347439"/>
+                    <a:gd name="connsiteX2" fmla="*/ 702733 w 1331251"/>
+                    <a:gd name="connsiteY2" fmla="*/ 347364 h 347439"/>
+                    <a:gd name="connsiteX3" fmla="*/ 1261533 w 1331251"/>
+                    <a:gd name="connsiteY3" fmla="*/ 34097 h 347439"/>
+                    <a:gd name="connsiteX4" fmla="*/ 1303866 w 1331251"/>
+                    <a:gd name="connsiteY4" fmla="*/ 321964 h 347439"/>
+                  </a:gdLst>
+                  <a:ahLst/>
+                  <a:cxnLst>
+                    <a:cxn ang="0">
+                      <a:pos x="connsiteX0" y="connsiteY0"/>
+                    </a:cxn>
+                    <a:cxn ang="0">
+                      <a:pos x="connsiteX1" y="connsiteY1"/>
+                    </a:cxn>
+                    <a:cxn ang="0">
+                      <a:pos x="connsiteX2" y="connsiteY2"/>
+                    </a:cxn>
+                    <a:cxn ang="0">
+                      <a:pos x="connsiteX3" y="connsiteY3"/>
+                    </a:cxn>
+                    <a:cxn ang="0">
+                      <a:pos x="connsiteX4" y="connsiteY4"/>
+                    </a:cxn>
+                  </a:cxnLst>
+                  <a:rect l="l" t="t" r="r" b="b"/>
+                  <a:pathLst>
+                    <a:path w="1331251" h="347439">
+                      <a:moveTo>
+                        <a:pt x="0" y="305030"/>
+                      </a:moveTo>
+                      <a:cubicBezTo>
+                        <a:pt x="254705" y="149102"/>
+                        <a:pt x="509411" y="-6826"/>
+                        <a:pt x="626533" y="230"/>
+                      </a:cubicBezTo>
+                      <a:cubicBezTo>
+                        <a:pt x="743655" y="7286"/>
+                        <a:pt x="596900" y="341720"/>
+                        <a:pt x="702733" y="347364"/>
+                      </a:cubicBezTo>
+                      <a:cubicBezTo>
+                        <a:pt x="808566" y="353009"/>
+                        <a:pt x="1161344" y="38330"/>
+                        <a:pt x="1261533" y="34097"/>
+                      </a:cubicBezTo>
+                      <a:cubicBezTo>
+                        <a:pt x="1361722" y="29864"/>
+                        <a:pt x="1332794" y="175914"/>
+                        <a:pt x="1303866" y="321964"/>
+                      </a:cubicBezTo>
+                    </a:path>
+                  </a:pathLst>
+                </a:custGeom>
+                <a:noFill/>
+                <a:ln w="28575"/>
+              </p:spPr>
+              <p:style>
+                <a:lnRef idx="2">
+                  <a:schemeClr val="accent1">
+                    <a:shade val="15000"/>
+                  </a:schemeClr>
+                </a:lnRef>
+                <a:fillRef idx="1">
+                  <a:schemeClr val="accent1"/>
+                </a:fillRef>
+                <a:effectRef idx="0">
+                  <a:schemeClr val="accent1"/>
+                </a:effectRef>
+                <a:fontRef idx="minor">
+                  <a:schemeClr val="lt1"/>
+                </a:fontRef>
+              </p:style>
+              <p:txBody>
+                <a:bodyPr rtlCol="0" anchor="ctr"/>
+                <a:lstStyle/>
+                <a:p>
+                  <a:pPr algn="ctr"/>
+                  <a:endParaRPr lang="en-US"/>
+                </a:p>
+              </p:txBody>
+            </p:sp>
+            <p:sp>
+              <p:nvSpPr>
+                <p:cNvPr id="85" name="Oval 84">
+                  <a:extLst>
+                    <a:ext uri="{FF2B5EF4-FFF2-40B4-BE49-F238E27FC236}">
+                      <a16:creationId xmlns:a16="http://schemas.microsoft.com/office/drawing/2014/main" id="{396A842B-8D37-FE40-BF59-E6BEECDE469C}"/>
+                    </a:ext>
+                  </a:extLst>
+                </p:cNvPr>
+                <p:cNvSpPr/>
+                <p:nvPr/>
+              </p:nvSpPr>
+              <p:spPr>
+                <a:xfrm>
+                  <a:off x="10261601" y="2048935"/>
+                  <a:ext cx="220133" cy="220133"/>
+                </a:xfrm>
+                <a:prstGeom prst="ellipse">
+                  <a:avLst/>
+                </a:prstGeom>
+                <a:solidFill>
+                  <a:schemeClr val="bg2"/>
+                </a:solidFill>
+                <a:ln w="19050">
+                  <a:solidFill>
+                    <a:schemeClr val="tx1"/>
+                  </a:solidFill>
+                </a:ln>
+              </p:spPr>
+              <p:style>
+                <a:lnRef idx="2">
+                  <a:schemeClr val="accent1">
+                    <a:shade val="15000"/>
+                  </a:schemeClr>
+                </a:lnRef>
+                <a:fillRef idx="1">
+                  <a:schemeClr val="accent1"/>
+                </a:fillRef>
+                <a:effectRef idx="0">
+                  <a:schemeClr val="accent1"/>
+                </a:effectRef>
+                <a:fontRef idx="minor">
+                  <a:schemeClr val="lt1"/>
+                </a:fontRef>
+              </p:style>
+              <p:txBody>
+                <a:bodyPr rtlCol="0" anchor="ctr"/>
+                <a:lstStyle/>
+                <a:p>
+                  <a:pPr algn="ctr"/>
+                  <a:endParaRPr lang="en-US"/>
+                </a:p>
+              </p:txBody>
+            </p:sp>
+            <p:sp>
+              <p:nvSpPr>
+                <p:cNvPr id="86" name="Oval 85">
+                  <a:extLst>
+                    <a:ext uri="{FF2B5EF4-FFF2-40B4-BE49-F238E27FC236}">
+                      <a16:creationId xmlns:a16="http://schemas.microsoft.com/office/drawing/2014/main" id="{414AD391-76F3-0193-0C9B-B8085ABD3377}"/>
+                    </a:ext>
+                  </a:extLst>
+                </p:cNvPr>
+                <p:cNvSpPr/>
+                <p:nvPr/>
+              </p:nvSpPr>
+              <p:spPr>
+                <a:xfrm>
+                  <a:off x="10761132" y="2508149"/>
+                  <a:ext cx="220133" cy="220133"/>
+                </a:xfrm>
+                <a:prstGeom prst="ellipse">
+                  <a:avLst/>
+                </a:prstGeom>
+                <a:solidFill>
+                  <a:schemeClr val="bg2"/>
+                </a:solidFill>
+                <a:ln w="19050">
+                  <a:solidFill>
+                    <a:schemeClr val="tx1"/>
+                  </a:solidFill>
+                </a:ln>
+              </p:spPr>
+              <p:style>
+                <a:lnRef idx="2">
+                  <a:schemeClr val="accent1">
+                    <a:shade val="15000"/>
+                  </a:schemeClr>
+                </a:lnRef>
+                <a:fillRef idx="1">
+                  <a:schemeClr val="accent1"/>
+                </a:fillRef>
+                <a:effectRef idx="0">
+                  <a:schemeClr val="accent1"/>
+                </a:effectRef>
+                <a:fontRef idx="minor">
+                  <a:schemeClr val="lt1"/>
+                </a:fontRef>
+              </p:style>
+              <p:txBody>
+                <a:bodyPr rtlCol="0" anchor="ctr"/>
+                <a:lstStyle/>
+                <a:p>
+                  <a:pPr algn="ctr"/>
+                  <a:endParaRPr lang="en-US" dirty="0"/>
+                </a:p>
+              </p:txBody>
+            </p:sp>
+            <p:sp>
+              <p:nvSpPr>
+                <p:cNvPr id="87" name="Oval 86">
+                  <a:extLst>
+                    <a:ext uri="{FF2B5EF4-FFF2-40B4-BE49-F238E27FC236}">
+                      <a16:creationId xmlns:a16="http://schemas.microsoft.com/office/drawing/2014/main" id="{43E4D383-2377-F6B1-DE64-E5A8BB9D027A}"/>
+                    </a:ext>
+                  </a:extLst>
+                </p:cNvPr>
+                <p:cNvSpPr/>
+                <p:nvPr/>
+              </p:nvSpPr>
+              <p:spPr>
+                <a:xfrm>
+                  <a:off x="10737905" y="1461371"/>
+                  <a:ext cx="220133" cy="220133"/>
+                </a:xfrm>
+                <a:prstGeom prst="ellipse">
+                  <a:avLst/>
+                </a:prstGeom>
+                <a:solidFill>
+                  <a:schemeClr val="bg2"/>
+                </a:solidFill>
+                <a:ln w="19050">
+                  <a:solidFill>
+                    <a:schemeClr val="tx1"/>
+                  </a:solidFill>
+                </a:ln>
+              </p:spPr>
+              <p:style>
+                <a:lnRef idx="2">
+                  <a:schemeClr val="accent1">
+                    <a:shade val="15000"/>
+                  </a:schemeClr>
+                </a:lnRef>
+                <a:fillRef idx="1">
+                  <a:schemeClr val="accent1"/>
+                </a:fillRef>
+                <a:effectRef idx="0">
+                  <a:schemeClr val="accent1"/>
+                </a:effectRef>
+                <a:fontRef idx="minor">
+                  <a:schemeClr val="lt1"/>
+                </a:fontRef>
+              </p:style>
+              <p:txBody>
+                <a:bodyPr rtlCol="0" anchor="ctr"/>
+                <a:lstStyle/>
+                <a:p>
+                  <a:pPr algn="ctr"/>
+                  <a:endParaRPr lang="en-US"/>
+                </a:p>
+              </p:txBody>
+            </p:sp>
+            <p:sp>
+              <p:nvSpPr>
+                <p:cNvPr id="88" name="Oval 87">
+                  <a:extLst>
+                    <a:ext uri="{FF2B5EF4-FFF2-40B4-BE49-F238E27FC236}">
+                      <a16:creationId xmlns:a16="http://schemas.microsoft.com/office/drawing/2014/main" id="{8AC76D06-19F8-0ECC-B752-04C06F850364}"/>
+                    </a:ext>
+                  </a:extLst>
+                </p:cNvPr>
+                <p:cNvSpPr/>
+                <p:nvPr/>
+              </p:nvSpPr>
+              <p:spPr>
+                <a:xfrm>
+                  <a:off x="10128639" y="3135221"/>
+                  <a:ext cx="220133" cy="220133"/>
+                </a:xfrm>
+                <a:prstGeom prst="ellipse">
+                  <a:avLst/>
+                </a:prstGeom>
+                <a:solidFill>
+                  <a:schemeClr val="bg2"/>
+                </a:solidFill>
+                <a:ln w="19050">
+                  <a:solidFill>
+                    <a:schemeClr val="tx1"/>
+                  </a:solidFill>
+                </a:ln>
+              </p:spPr>
+              <p:style>
+                <a:lnRef idx="2">
+                  <a:schemeClr val="accent1">
+                    <a:shade val="15000"/>
+                  </a:schemeClr>
+                </a:lnRef>
+                <a:fillRef idx="1">
+                  <a:schemeClr val="accent1"/>
+                </a:fillRef>
+                <a:effectRef idx="0">
+                  <a:schemeClr val="accent1"/>
+                </a:effectRef>
+                <a:fontRef idx="minor">
+                  <a:schemeClr val="lt1"/>
+                </a:fontRef>
+              </p:style>
+              <p:txBody>
+                <a:bodyPr rtlCol="0" anchor="ctr"/>
+                <a:lstStyle/>
+                <a:p>
+                  <a:pPr algn="ctr"/>
+                  <a:endParaRPr lang="en-US"/>
+                </a:p>
+              </p:txBody>
+            </p:sp>
+          </p:grpSp>
+          <p:sp>
+            <p:nvSpPr>
+              <p:cNvPr id="89" name="Oval 88">
+                <a:extLst>
+                  <a:ext uri="{FF2B5EF4-FFF2-40B4-BE49-F238E27FC236}">
+                    <a16:creationId xmlns:a16="http://schemas.microsoft.com/office/drawing/2014/main" id="{69A8BEC2-282C-5C9D-3803-401C92C63874}"/>
+                  </a:ext>
+                </a:extLst>
+              </p:cNvPr>
+              <p:cNvSpPr/>
+              <p:nvPr/>
+            </p:nvSpPr>
+            <p:spPr>
+              <a:xfrm>
+                <a:off x="3969017" y="4731571"/>
+                <a:ext cx="168828" cy="168828"/>
+              </a:xfrm>
+              <a:prstGeom prst="ellipse">
+                <a:avLst/>
+              </a:prstGeom>
+              <a:solidFill>
+                <a:schemeClr val="accent3"/>
+              </a:solidFill>
+              <a:ln w="19050"/>
             </p:spPr>
             <p:style>
               <a:lnRef idx="2">
@@ -10469,10 +9335,10 @@
           </p:sp>
           <p:sp>
             <p:nvSpPr>
-              <p:cNvPr id="83" name="Freeform: Shape 82">
+              <p:cNvPr id="90" name="Oval 89">
                 <a:extLst>
                   <a:ext uri="{FF2B5EF4-FFF2-40B4-BE49-F238E27FC236}">
-                    <a16:creationId xmlns:a16="http://schemas.microsoft.com/office/drawing/2014/main" id="{8A096B4F-8944-1792-DB52-97FFA3C8651F}"/>
+                    <a16:creationId xmlns:a16="http://schemas.microsoft.com/office/drawing/2014/main" id="{91D36558-9F17-41D2-8C43-5581A070C955}"/>
                   </a:ext>
                 </a:extLst>
               </p:cNvPr>
@@ -10480,73 +9346,17 @@
               <p:nvPr/>
             </p:nvSpPr>
             <p:spPr>
-              <a:xfrm rot="18836409" flipV="1">
-                <a:off x="10116444" y="2832928"/>
-                <a:ext cx="967185" cy="289584"/>
+              <a:xfrm>
+                <a:off x="3884603" y="5718195"/>
+                <a:ext cx="168828" cy="168828"/>
               </a:xfrm>
-              <a:custGeom>
+              <a:prstGeom prst="ellipse">
                 <a:avLst/>
-                <a:gdLst>
-                  <a:gd name="connsiteX0" fmla="*/ 0 w 1331251"/>
-                  <a:gd name="connsiteY0" fmla="*/ 305030 h 347439"/>
-                  <a:gd name="connsiteX1" fmla="*/ 626533 w 1331251"/>
-                  <a:gd name="connsiteY1" fmla="*/ 230 h 347439"/>
-                  <a:gd name="connsiteX2" fmla="*/ 702733 w 1331251"/>
-                  <a:gd name="connsiteY2" fmla="*/ 347364 h 347439"/>
-                  <a:gd name="connsiteX3" fmla="*/ 1261533 w 1331251"/>
-                  <a:gd name="connsiteY3" fmla="*/ 34097 h 347439"/>
-                  <a:gd name="connsiteX4" fmla="*/ 1303866 w 1331251"/>
-                  <a:gd name="connsiteY4" fmla="*/ 321964 h 347439"/>
-                </a:gdLst>
-                <a:ahLst/>
-                <a:cxnLst>
-                  <a:cxn ang="0">
-                    <a:pos x="connsiteX0" y="connsiteY0"/>
-                  </a:cxn>
-                  <a:cxn ang="0">
-                    <a:pos x="connsiteX1" y="connsiteY1"/>
-                  </a:cxn>
-                  <a:cxn ang="0">
-                    <a:pos x="connsiteX2" y="connsiteY2"/>
-                  </a:cxn>
-                  <a:cxn ang="0">
-                    <a:pos x="connsiteX3" y="connsiteY3"/>
-                  </a:cxn>
-                  <a:cxn ang="0">
-                    <a:pos x="connsiteX4" y="connsiteY4"/>
-                  </a:cxn>
-                </a:cxnLst>
-                <a:rect l="l" t="t" r="r" b="b"/>
-                <a:pathLst>
-                  <a:path w="1331251" h="347439">
-                    <a:moveTo>
-                      <a:pt x="0" y="305030"/>
-                    </a:moveTo>
-                    <a:cubicBezTo>
-                      <a:pt x="254705" y="149102"/>
-                      <a:pt x="509411" y="-6826"/>
-                      <a:pt x="626533" y="230"/>
-                    </a:cubicBezTo>
-                    <a:cubicBezTo>
-                      <a:pt x="743655" y="7286"/>
-                      <a:pt x="596900" y="341720"/>
-                      <a:pt x="702733" y="347364"/>
-                    </a:cubicBezTo>
-                    <a:cubicBezTo>
-                      <a:pt x="808566" y="353009"/>
-                      <a:pt x="1161344" y="38330"/>
-                      <a:pt x="1261533" y="34097"/>
-                    </a:cubicBezTo>
-                    <a:cubicBezTo>
-                      <a:pt x="1361722" y="29864"/>
-                      <a:pt x="1332794" y="175914"/>
-                      <a:pt x="1303866" y="321964"/>
-                    </a:cubicBezTo>
-                  </a:path>
-                </a:pathLst>
-              </a:custGeom>
-              <a:noFill/>
-              <a:ln w="28575"/>
+              </a:prstGeom>
+              <a:solidFill>
+                <a:schemeClr val="accent3"/>
+              </a:solidFill>
+              <a:ln w="19050"/>
             </p:spPr>
             <p:style>
               <a:lnRef idx="2">
@@ -10575,10 +9385,10 @@
           </p:sp>
           <p:sp>
             <p:nvSpPr>
-              <p:cNvPr id="84" name="Freeform: Shape 83">
+              <p:cNvPr id="91" name="Oval 90">
                 <a:extLst>
                   <a:ext uri="{FF2B5EF4-FFF2-40B4-BE49-F238E27FC236}">
-                    <a16:creationId xmlns:a16="http://schemas.microsoft.com/office/drawing/2014/main" id="{5C3D73E8-9595-517A-2FF0-9EE97CE49EAB}"/>
+                    <a16:creationId xmlns:a16="http://schemas.microsoft.com/office/drawing/2014/main" id="{4B5CB64A-81BA-0B6E-BE02-9C6389CDC046}"/>
                   </a:ext>
                 </a:extLst>
               </p:cNvPr>
@@ -10586,73 +9396,17 @@
               <p:nvPr/>
             </p:nvSpPr>
             <p:spPr>
-              <a:xfrm rot="18240908">
-                <a:off x="10160672" y="1636212"/>
-                <a:ext cx="666526" cy="347439"/>
+              <a:xfrm>
+                <a:off x="4592350" y="4093450"/>
+                <a:ext cx="168828" cy="168828"/>
               </a:xfrm>
-              <a:custGeom>
+              <a:prstGeom prst="ellipse">
                 <a:avLst/>
-                <a:gdLst>
-                  <a:gd name="connsiteX0" fmla="*/ 0 w 1331251"/>
-                  <a:gd name="connsiteY0" fmla="*/ 305030 h 347439"/>
-                  <a:gd name="connsiteX1" fmla="*/ 626533 w 1331251"/>
-                  <a:gd name="connsiteY1" fmla="*/ 230 h 347439"/>
-                  <a:gd name="connsiteX2" fmla="*/ 702733 w 1331251"/>
-                  <a:gd name="connsiteY2" fmla="*/ 347364 h 347439"/>
-                  <a:gd name="connsiteX3" fmla="*/ 1261533 w 1331251"/>
-                  <a:gd name="connsiteY3" fmla="*/ 34097 h 347439"/>
-                  <a:gd name="connsiteX4" fmla="*/ 1303866 w 1331251"/>
-                  <a:gd name="connsiteY4" fmla="*/ 321964 h 347439"/>
-                </a:gdLst>
-                <a:ahLst/>
-                <a:cxnLst>
-                  <a:cxn ang="0">
-                    <a:pos x="connsiteX0" y="connsiteY0"/>
-                  </a:cxn>
-                  <a:cxn ang="0">
-                    <a:pos x="connsiteX1" y="connsiteY1"/>
-                  </a:cxn>
-                  <a:cxn ang="0">
-                    <a:pos x="connsiteX2" y="connsiteY2"/>
-                  </a:cxn>
-                  <a:cxn ang="0">
-                    <a:pos x="connsiteX3" y="connsiteY3"/>
-                  </a:cxn>
-                  <a:cxn ang="0">
-                    <a:pos x="connsiteX4" y="connsiteY4"/>
-                  </a:cxn>
-                </a:cxnLst>
-                <a:rect l="l" t="t" r="r" b="b"/>
-                <a:pathLst>
-                  <a:path w="1331251" h="347439">
-                    <a:moveTo>
-                      <a:pt x="0" y="305030"/>
-                    </a:moveTo>
-                    <a:cubicBezTo>
-                      <a:pt x="254705" y="149102"/>
-                      <a:pt x="509411" y="-6826"/>
-                      <a:pt x="626533" y="230"/>
-                    </a:cubicBezTo>
-                    <a:cubicBezTo>
-                      <a:pt x="743655" y="7286"/>
-                      <a:pt x="596900" y="341720"/>
-                      <a:pt x="702733" y="347364"/>
-                    </a:cubicBezTo>
-                    <a:cubicBezTo>
-                      <a:pt x="808566" y="353009"/>
-                      <a:pt x="1161344" y="38330"/>
-                      <a:pt x="1261533" y="34097"/>
-                    </a:cubicBezTo>
-                    <a:cubicBezTo>
-                      <a:pt x="1361722" y="29864"/>
-                      <a:pt x="1332794" y="175914"/>
-                      <a:pt x="1303866" y="321964"/>
-                    </a:cubicBezTo>
-                  </a:path>
-                </a:pathLst>
-              </a:custGeom>
-              <a:noFill/>
-              <a:ln w="28575"/>
+              </a:prstGeom>
+              <a:solidFill>
+                <a:schemeClr val="accent3"/>
+              </a:solidFill>
+              <a:ln w="19050"/>
             </p:spPr>
             <p:style>
               <a:lnRef idx="2">
@@ -10681,10 +9435,10 @@
           </p:sp>
           <p:sp>
             <p:nvSpPr>
-              <p:cNvPr id="85" name="Oval 84">
+              <p:cNvPr id="92" name="Oval 91">
                 <a:extLst>
                   <a:ext uri="{FF2B5EF4-FFF2-40B4-BE49-F238E27FC236}">
-                    <a16:creationId xmlns:a16="http://schemas.microsoft.com/office/drawing/2014/main" id="{396A842B-8D37-FE40-BF59-E6BEECDE469C}"/>
+                    <a16:creationId xmlns:a16="http://schemas.microsoft.com/office/drawing/2014/main" id="{647EACB1-9518-FECD-5A40-37A22F38F360}"/>
                   </a:ext>
                 </a:extLst>
               </p:cNvPr>
@@ -10693,20 +9447,16 @@
             </p:nvSpPr>
             <p:spPr>
               <a:xfrm>
-                <a:off x="10261601" y="2048935"/>
-                <a:ext cx="220133" cy="220133"/>
+                <a:off x="5879165" y="5320962"/>
+                <a:ext cx="168828" cy="168828"/>
               </a:xfrm>
               <a:prstGeom prst="ellipse">
                 <a:avLst/>
               </a:prstGeom>
               <a:solidFill>
-                <a:schemeClr val="bg2"/>
+                <a:schemeClr val="accent3"/>
               </a:solidFill>
-              <a:ln w="19050">
-                <a:solidFill>
-                  <a:schemeClr val="tx1"/>
-                </a:solidFill>
-              </a:ln>
+              <a:ln w="19050"/>
             </p:spPr>
             <p:style>
               <a:lnRef idx="2">
@@ -10735,10 +9485,10 @@
           </p:sp>
           <p:sp>
             <p:nvSpPr>
-              <p:cNvPr id="86" name="Oval 85">
+              <p:cNvPr id="93" name="Oval 92">
                 <a:extLst>
                   <a:ext uri="{FF2B5EF4-FFF2-40B4-BE49-F238E27FC236}">
-                    <a16:creationId xmlns:a16="http://schemas.microsoft.com/office/drawing/2014/main" id="{414AD391-76F3-0193-0C9B-B8085ABD3377}"/>
+                    <a16:creationId xmlns:a16="http://schemas.microsoft.com/office/drawing/2014/main" id="{1C3C7E99-1AE2-4A1D-4129-A133C8E9225F}"/>
                   </a:ext>
                 </a:extLst>
               </p:cNvPr>
@@ -10747,74 +9497,16 @@
             </p:nvSpPr>
             <p:spPr>
               <a:xfrm>
-                <a:off x="10761132" y="2508149"/>
-                <a:ext cx="220133" cy="220133"/>
+                <a:off x="4710507" y="4866762"/>
+                <a:ext cx="168828" cy="168828"/>
               </a:xfrm>
               <a:prstGeom prst="ellipse">
                 <a:avLst/>
               </a:prstGeom>
               <a:solidFill>
-                <a:schemeClr val="bg2"/>
+                <a:schemeClr val="accent3"/>
               </a:solidFill>
-              <a:ln w="19050">
-                <a:solidFill>
-                  <a:schemeClr val="tx1"/>
-                </a:solidFill>
-              </a:ln>
-            </p:spPr>
-            <p:style>
-              <a:lnRef idx="2">
-                <a:schemeClr val="accent1">
-                  <a:shade val="15000"/>
-                </a:schemeClr>
-              </a:lnRef>
-              <a:fillRef idx="1">
-                <a:schemeClr val="accent1"/>
-              </a:fillRef>
-              <a:effectRef idx="0">
-                <a:schemeClr val="accent1"/>
-              </a:effectRef>
-              <a:fontRef idx="minor">
-                <a:schemeClr val="lt1"/>
-              </a:fontRef>
-            </p:style>
-            <p:txBody>
-              <a:bodyPr rtlCol="0" anchor="ctr"/>
-              <a:lstStyle/>
-              <a:p>
-                <a:pPr algn="ctr"/>
-                <a:endParaRPr lang="en-US" dirty="0"/>
-              </a:p>
-            </p:txBody>
-          </p:sp>
-          <p:sp>
-            <p:nvSpPr>
-              <p:cNvPr id="87" name="Oval 86">
-                <a:extLst>
-                  <a:ext uri="{FF2B5EF4-FFF2-40B4-BE49-F238E27FC236}">
-                    <a16:creationId xmlns:a16="http://schemas.microsoft.com/office/drawing/2014/main" id="{43E4D383-2377-F6B1-DE64-E5A8BB9D027A}"/>
-                  </a:ext>
-                </a:extLst>
-              </p:cNvPr>
-              <p:cNvSpPr/>
-              <p:nvPr/>
-            </p:nvSpPr>
-            <p:spPr>
-              <a:xfrm>
-                <a:off x="10737905" y="1461371"/>
-                <a:ext cx="220133" cy="220133"/>
-              </a:xfrm>
-              <a:prstGeom prst="ellipse">
-                <a:avLst/>
-              </a:prstGeom>
-              <a:solidFill>
-                <a:schemeClr val="bg2"/>
-              </a:solidFill>
-              <a:ln w="19050">
-                <a:solidFill>
-                  <a:schemeClr val="tx1"/>
-                </a:solidFill>
-              </a:ln>
+              <a:ln w="19050"/>
             </p:spPr>
             <p:style>
               <a:lnRef idx="2">
@@ -10843,10 +9535,10 @@
           </p:sp>
           <p:sp>
             <p:nvSpPr>
-              <p:cNvPr id="88" name="Oval 87">
+              <p:cNvPr id="94" name="Oval 93">
                 <a:extLst>
                   <a:ext uri="{FF2B5EF4-FFF2-40B4-BE49-F238E27FC236}">
-                    <a16:creationId xmlns:a16="http://schemas.microsoft.com/office/drawing/2014/main" id="{8AC76D06-19F8-0ECC-B752-04C06F850364}"/>
+                    <a16:creationId xmlns:a16="http://schemas.microsoft.com/office/drawing/2014/main" id="{76039B4C-8CF2-C254-F5D5-4493991B1EF1}"/>
                   </a:ext>
                 </a:extLst>
               </p:cNvPr>
@@ -10855,20 +9547,66 @@
             </p:nvSpPr>
             <p:spPr>
               <a:xfrm>
-                <a:off x="10128639" y="3135221"/>
-                <a:ext cx="220133" cy="220133"/>
+                <a:off x="6099412" y="3832928"/>
+                <a:ext cx="168828" cy="168828"/>
               </a:xfrm>
               <a:prstGeom prst="ellipse">
                 <a:avLst/>
               </a:prstGeom>
               <a:solidFill>
-                <a:schemeClr val="bg2"/>
+                <a:schemeClr val="accent3"/>
               </a:solidFill>
-              <a:ln w="19050">
-                <a:solidFill>
-                  <a:schemeClr val="tx1"/>
-                </a:solidFill>
-              </a:ln>
+              <a:ln w="19050"/>
+            </p:spPr>
+            <p:style>
+              <a:lnRef idx="2">
+                <a:schemeClr val="accent1">
+                  <a:shade val="15000"/>
+                </a:schemeClr>
+              </a:lnRef>
+              <a:fillRef idx="1">
+                <a:schemeClr val="accent1"/>
+              </a:fillRef>
+              <a:effectRef idx="0">
+                <a:schemeClr val="accent1"/>
+              </a:effectRef>
+              <a:fontRef idx="minor">
+                <a:schemeClr val="lt1"/>
+              </a:fontRef>
+            </p:style>
+            <p:txBody>
+              <a:bodyPr rtlCol="0" anchor="ctr"/>
+              <a:lstStyle/>
+              <a:p>
+                <a:pPr algn="ctr"/>
+                <a:endParaRPr lang="en-US"/>
+              </a:p>
+            </p:txBody>
+          </p:sp>
+          <p:sp>
+            <p:nvSpPr>
+              <p:cNvPr id="95" name="Oval 94">
+                <a:extLst>
+                  <a:ext uri="{FF2B5EF4-FFF2-40B4-BE49-F238E27FC236}">
+                    <a16:creationId xmlns:a16="http://schemas.microsoft.com/office/drawing/2014/main" id="{8D4967EB-1C1F-E385-B62C-BE05973F2AD9}"/>
+                  </a:ext>
+                </a:extLst>
+              </p:cNvPr>
+              <p:cNvSpPr/>
+              <p:nvPr/>
+            </p:nvSpPr>
+            <p:spPr>
+              <a:xfrm>
+                <a:off x="4914966" y="5859407"/>
+                <a:ext cx="168828" cy="168828"/>
+              </a:xfrm>
+              <a:prstGeom prst="ellipse">
+                <a:avLst/>
+              </a:prstGeom>
+              <a:solidFill>
+                <a:schemeClr val="accent3"/>
+              </a:solidFill>
+              <a:ln w="19050"/>
             </p:spPr>
             <p:style>
               <a:lnRef idx="2">
@@ -10896,667 +9634,2088 @@
             </p:txBody>
           </p:sp>
         </p:grpSp>
-        <p:sp>
-          <p:nvSpPr>
-            <p:cNvPr id="89" name="Oval 88">
+        <p:pic>
+          <p:nvPicPr>
+            <p:cNvPr id="98" name="Picture 97">
               <a:extLst>
                 <a:ext uri="{FF2B5EF4-FFF2-40B4-BE49-F238E27FC236}">
-                  <a16:creationId xmlns:a16="http://schemas.microsoft.com/office/drawing/2014/main" id="{69A8BEC2-282C-5C9D-3803-401C92C63874}"/>
+                  <a16:creationId xmlns:a16="http://schemas.microsoft.com/office/drawing/2014/main" id="{EA727218-C4A3-F246-3A60-906B12AE0376}"/>
                 </a:ext>
               </a:extLst>
             </p:cNvPr>
-            <p:cNvSpPr/>
+            <p:cNvPicPr>
+              <a:picLocks noChangeAspect="1"/>
+            </p:cNvPicPr>
+            <p:nvPr/>
+          </p:nvPicPr>
+          <p:blipFill>
+            <a:blip r:embed="rId4"/>
+            <a:stretch>
+              <a:fillRect/>
+            </a:stretch>
+          </p:blipFill>
+          <p:spPr>
+            <a:xfrm>
+              <a:off x="3939011" y="5740852"/>
+              <a:ext cx="586290" cy="325009"/>
+            </a:xfrm>
+            <a:prstGeom prst="rect">
+              <a:avLst/>
+            </a:prstGeom>
+          </p:spPr>
+        </p:pic>
+        <p:pic>
+          <p:nvPicPr>
+            <p:cNvPr id="100" name="Picture 99">
+              <a:extLst>
+                <a:ext uri="{FF2B5EF4-FFF2-40B4-BE49-F238E27FC236}">
+                  <a16:creationId xmlns:a16="http://schemas.microsoft.com/office/drawing/2014/main" id="{B3A6209E-78A1-12EB-0750-F24A4C2FBC90}"/>
+                </a:ext>
+              </a:extLst>
+            </p:cNvPr>
+            <p:cNvPicPr>
+              <a:picLocks noChangeAspect="1"/>
+            </p:cNvPicPr>
+            <p:nvPr/>
+          </p:nvPicPr>
+          <p:blipFill>
+            <a:blip r:embed="rId5"/>
+            <a:stretch>
+              <a:fillRect/>
+            </a:stretch>
+          </p:blipFill>
+          <p:spPr>
+            <a:xfrm>
+              <a:off x="6002742" y="5704589"/>
+              <a:ext cx="586290" cy="319202"/>
+            </a:xfrm>
+            <a:prstGeom prst="rect">
+              <a:avLst/>
+            </a:prstGeom>
+          </p:spPr>
+        </p:pic>
+        <p:sp>
+          <p:nvSpPr>
+            <p:cNvPr id="5" name="TextBox 4">
+              <a:extLst>
+                <a:ext uri="{FF2B5EF4-FFF2-40B4-BE49-F238E27FC236}">
+                  <a16:creationId xmlns:a16="http://schemas.microsoft.com/office/drawing/2014/main" id="{7946BAF6-F9CE-F354-A090-740882B8DDD6}"/>
+                </a:ext>
+              </a:extLst>
+            </p:cNvPr>
+            <p:cNvSpPr txBox="1"/>
             <p:nvPr/>
           </p:nvSpPr>
           <p:spPr>
             <a:xfrm>
-              <a:off x="3969017" y="4731571"/>
-              <a:ext cx="168828" cy="168828"/>
+              <a:off x="3118312" y="6087448"/>
+              <a:ext cx="2082800" cy="584775"/>
             </a:xfrm>
-            <a:prstGeom prst="ellipse">
+            <a:prstGeom prst="rect">
               <a:avLst/>
             </a:prstGeom>
-            <a:solidFill>
-              <a:schemeClr val="accent3"/>
-            </a:solidFill>
-            <a:ln w="19050"/>
+            <a:noFill/>
+          </p:spPr>
+          <p:txBody>
+            <a:bodyPr wrap="square" rtlCol="0">
+              <a:spAutoFit/>
+            </a:bodyPr>
+            <a:lstStyle/>
+            <a:p>
+              <a:pPr algn="ctr"/>
+              <a:r>
+                <a:rPr lang="en-US" sz="1600" dirty="0">
+                  <a:latin typeface="Lucida grande" panose="020B0502040204020203"/>
+                </a:rPr>
+                <a:t>Local polymer volume fraction</a:t>
+              </a:r>
+            </a:p>
+          </p:txBody>
+        </p:sp>
+        <p:sp>
+          <p:nvSpPr>
+            <p:cNvPr id="7" name="TextBox 6">
+              <a:extLst>
+                <a:ext uri="{FF2B5EF4-FFF2-40B4-BE49-F238E27FC236}">
+                  <a16:creationId xmlns:a16="http://schemas.microsoft.com/office/drawing/2014/main" id="{578F5729-21AC-8A77-7E4E-3E2041D1E675}"/>
+                </a:ext>
+              </a:extLst>
+            </p:cNvPr>
+            <p:cNvSpPr txBox="1"/>
+            <p:nvPr/>
+          </p:nvSpPr>
+          <p:spPr>
+            <a:xfrm>
+              <a:off x="5275670" y="6092286"/>
+              <a:ext cx="1915571" cy="584775"/>
+            </a:xfrm>
+            <a:prstGeom prst="rect">
+              <a:avLst/>
+            </a:prstGeom>
+            <a:noFill/>
+          </p:spPr>
+          <p:txBody>
+            <a:bodyPr wrap="square" rtlCol="0">
+              <a:spAutoFit/>
+            </a:bodyPr>
+            <a:lstStyle/>
+            <a:p>
+              <a:pPr algn="ctr"/>
+              <a:r>
+                <a:rPr lang="en-US" sz="1600" dirty="0">
+                  <a:latin typeface="Lucida grande" panose="020B0502040204020203"/>
+                </a:rPr>
+                <a:t>Local solvent volume fraction</a:t>
+              </a:r>
+            </a:p>
+          </p:txBody>
+        </p:sp>
+      </p:grpSp>
+      <p:grpSp>
+        <p:nvGrpSpPr>
+          <p:cNvPr id="99" name="Group 98">
+            <a:extLst>
+              <a:ext uri="{FF2B5EF4-FFF2-40B4-BE49-F238E27FC236}">
+                <a16:creationId xmlns:a16="http://schemas.microsoft.com/office/drawing/2014/main" id="{402F8B8F-116B-4AA1-2DE9-FC64978E30E1}"/>
+              </a:ext>
+            </a:extLst>
+          </p:cNvPr>
+          <p:cNvGrpSpPr/>
+          <p:nvPr/>
+        </p:nvGrpSpPr>
+        <p:grpSpPr>
+          <a:xfrm>
+            <a:off x="7354101" y="3149863"/>
+            <a:ext cx="3780590" cy="3525854"/>
+            <a:chOff x="7354101" y="3149863"/>
+            <a:chExt cx="3780590" cy="3525854"/>
+          </a:xfrm>
+        </p:grpSpPr>
+        <p:grpSp>
+          <p:nvGrpSpPr>
+            <p:cNvPr id="11" name="Group 10">
+              <a:extLst>
+                <a:ext uri="{FF2B5EF4-FFF2-40B4-BE49-F238E27FC236}">
+                  <a16:creationId xmlns:a16="http://schemas.microsoft.com/office/drawing/2014/main" id="{4033FF2E-E1D7-190C-5F79-86B297E6BEA2}"/>
+                </a:ext>
+              </a:extLst>
+            </p:cNvPr>
+            <p:cNvGrpSpPr/>
+            <p:nvPr/>
+          </p:nvGrpSpPr>
+          <p:grpSpPr>
+            <a:xfrm>
+              <a:off x="7493580" y="3149863"/>
+              <a:ext cx="3580411" cy="2324830"/>
+              <a:chOff x="7500474" y="3358857"/>
+              <a:chExt cx="3580411" cy="2324830"/>
+            </a:xfrm>
+          </p:grpSpPr>
+          <p:grpSp>
+            <p:nvGrpSpPr>
+              <p:cNvPr id="29" name="Group 28">
+                <a:extLst>
+                  <a:ext uri="{FF2B5EF4-FFF2-40B4-BE49-F238E27FC236}">
+                    <a16:creationId xmlns:a16="http://schemas.microsoft.com/office/drawing/2014/main" id="{DC83E389-91EB-2462-205B-3D983756651D}"/>
+                  </a:ext>
+                </a:extLst>
+              </p:cNvPr>
+              <p:cNvGrpSpPr/>
+              <p:nvPr/>
+            </p:nvGrpSpPr>
+            <p:grpSpPr>
+              <a:xfrm rot="2166680">
+                <a:off x="8845316" y="3632900"/>
+                <a:ext cx="855938" cy="1999940"/>
+                <a:chOff x="10128639" y="1461371"/>
+                <a:chExt cx="855938" cy="1999940"/>
+              </a:xfrm>
+            </p:grpSpPr>
+            <p:sp>
+              <p:nvSpPr>
+                <p:cNvPr id="57" name="Freeform: Shape 56">
+                  <a:extLst>
+                    <a:ext uri="{FF2B5EF4-FFF2-40B4-BE49-F238E27FC236}">
+                      <a16:creationId xmlns:a16="http://schemas.microsoft.com/office/drawing/2014/main" id="{26FE446D-0BB4-D959-568D-7B1EFE68AF57}"/>
+                    </a:ext>
+                  </a:extLst>
+                </p:cNvPr>
+                <p:cNvSpPr/>
+                <p:nvPr/>
+              </p:nvSpPr>
+              <p:spPr>
+                <a:xfrm rot="1846016">
+                  <a:off x="10305259" y="2060580"/>
+                  <a:ext cx="679318" cy="347439"/>
+                </a:xfrm>
+                <a:custGeom>
+                  <a:avLst/>
+                  <a:gdLst>
+                    <a:gd name="connsiteX0" fmla="*/ 0 w 1331251"/>
+                    <a:gd name="connsiteY0" fmla="*/ 305030 h 347439"/>
+                    <a:gd name="connsiteX1" fmla="*/ 626533 w 1331251"/>
+                    <a:gd name="connsiteY1" fmla="*/ 230 h 347439"/>
+                    <a:gd name="connsiteX2" fmla="*/ 702733 w 1331251"/>
+                    <a:gd name="connsiteY2" fmla="*/ 347364 h 347439"/>
+                    <a:gd name="connsiteX3" fmla="*/ 1261533 w 1331251"/>
+                    <a:gd name="connsiteY3" fmla="*/ 34097 h 347439"/>
+                    <a:gd name="connsiteX4" fmla="*/ 1303866 w 1331251"/>
+                    <a:gd name="connsiteY4" fmla="*/ 321964 h 347439"/>
+                  </a:gdLst>
+                  <a:ahLst/>
+                  <a:cxnLst>
+                    <a:cxn ang="0">
+                      <a:pos x="connsiteX0" y="connsiteY0"/>
+                    </a:cxn>
+                    <a:cxn ang="0">
+                      <a:pos x="connsiteX1" y="connsiteY1"/>
+                    </a:cxn>
+                    <a:cxn ang="0">
+                      <a:pos x="connsiteX2" y="connsiteY2"/>
+                    </a:cxn>
+                    <a:cxn ang="0">
+                      <a:pos x="connsiteX3" y="connsiteY3"/>
+                    </a:cxn>
+                    <a:cxn ang="0">
+                      <a:pos x="connsiteX4" y="connsiteY4"/>
+                    </a:cxn>
+                  </a:cxnLst>
+                  <a:rect l="l" t="t" r="r" b="b"/>
+                  <a:pathLst>
+                    <a:path w="1331251" h="347439">
+                      <a:moveTo>
+                        <a:pt x="0" y="305030"/>
+                      </a:moveTo>
+                      <a:cubicBezTo>
+                        <a:pt x="254705" y="149102"/>
+                        <a:pt x="509411" y="-6826"/>
+                        <a:pt x="626533" y="230"/>
+                      </a:cubicBezTo>
+                      <a:cubicBezTo>
+                        <a:pt x="743655" y="7286"/>
+                        <a:pt x="596900" y="341720"/>
+                        <a:pt x="702733" y="347364"/>
+                      </a:cubicBezTo>
+                      <a:cubicBezTo>
+                        <a:pt x="808566" y="353009"/>
+                        <a:pt x="1161344" y="38330"/>
+                        <a:pt x="1261533" y="34097"/>
+                      </a:cubicBezTo>
+                      <a:cubicBezTo>
+                        <a:pt x="1361722" y="29864"/>
+                        <a:pt x="1332794" y="175914"/>
+                        <a:pt x="1303866" y="321964"/>
+                      </a:cubicBezTo>
+                    </a:path>
+                  </a:pathLst>
+                </a:custGeom>
+                <a:noFill/>
+                <a:ln w="28575"/>
+              </p:spPr>
+              <p:style>
+                <a:lnRef idx="2">
+                  <a:schemeClr val="accent1">
+                    <a:shade val="15000"/>
+                  </a:schemeClr>
+                </a:lnRef>
+                <a:fillRef idx="1">
+                  <a:schemeClr val="accent1"/>
+                </a:fillRef>
+                <a:effectRef idx="0">
+                  <a:schemeClr val="accent1"/>
+                </a:effectRef>
+                <a:fontRef idx="minor">
+                  <a:schemeClr val="lt1"/>
+                </a:fontRef>
+              </p:style>
+              <p:txBody>
+                <a:bodyPr rtlCol="0" anchor="ctr"/>
+                <a:lstStyle/>
+                <a:p>
+                  <a:pPr algn="ctr"/>
+                  <a:endParaRPr lang="en-US"/>
+                </a:p>
+              </p:txBody>
+            </p:sp>
+            <p:sp>
+              <p:nvSpPr>
+                <p:cNvPr id="58" name="Freeform: Shape 57">
+                  <a:extLst>
+                    <a:ext uri="{FF2B5EF4-FFF2-40B4-BE49-F238E27FC236}">
+                      <a16:creationId xmlns:a16="http://schemas.microsoft.com/office/drawing/2014/main" id="{7DBA5C62-57A9-9E55-3C30-6FBC92FB6D2D}"/>
+                    </a:ext>
+                  </a:extLst>
+                </p:cNvPr>
+                <p:cNvSpPr/>
+                <p:nvPr/>
+              </p:nvSpPr>
+              <p:spPr>
+                <a:xfrm rot="18836409" flipV="1">
+                  <a:off x="10116444" y="2832927"/>
+                  <a:ext cx="967185" cy="289584"/>
+                </a:xfrm>
+                <a:custGeom>
+                  <a:avLst/>
+                  <a:gdLst>
+                    <a:gd name="connsiteX0" fmla="*/ 0 w 1331251"/>
+                    <a:gd name="connsiteY0" fmla="*/ 305030 h 347439"/>
+                    <a:gd name="connsiteX1" fmla="*/ 626533 w 1331251"/>
+                    <a:gd name="connsiteY1" fmla="*/ 230 h 347439"/>
+                    <a:gd name="connsiteX2" fmla="*/ 702733 w 1331251"/>
+                    <a:gd name="connsiteY2" fmla="*/ 347364 h 347439"/>
+                    <a:gd name="connsiteX3" fmla="*/ 1261533 w 1331251"/>
+                    <a:gd name="connsiteY3" fmla="*/ 34097 h 347439"/>
+                    <a:gd name="connsiteX4" fmla="*/ 1303866 w 1331251"/>
+                    <a:gd name="connsiteY4" fmla="*/ 321964 h 347439"/>
+                  </a:gdLst>
+                  <a:ahLst/>
+                  <a:cxnLst>
+                    <a:cxn ang="0">
+                      <a:pos x="connsiteX0" y="connsiteY0"/>
+                    </a:cxn>
+                    <a:cxn ang="0">
+                      <a:pos x="connsiteX1" y="connsiteY1"/>
+                    </a:cxn>
+                    <a:cxn ang="0">
+                      <a:pos x="connsiteX2" y="connsiteY2"/>
+                    </a:cxn>
+                    <a:cxn ang="0">
+                      <a:pos x="connsiteX3" y="connsiteY3"/>
+                    </a:cxn>
+                    <a:cxn ang="0">
+                      <a:pos x="connsiteX4" y="connsiteY4"/>
+                    </a:cxn>
+                  </a:cxnLst>
+                  <a:rect l="l" t="t" r="r" b="b"/>
+                  <a:pathLst>
+                    <a:path w="1331251" h="347439">
+                      <a:moveTo>
+                        <a:pt x="0" y="305030"/>
+                      </a:moveTo>
+                      <a:cubicBezTo>
+                        <a:pt x="254705" y="149102"/>
+                        <a:pt x="509411" y="-6826"/>
+                        <a:pt x="626533" y="230"/>
+                      </a:cubicBezTo>
+                      <a:cubicBezTo>
+                        <a:pt x="743655" y="7286"/>
+                        <a:pt x="596900" y="341720"/>
+                        <a:pt x="702733" y="347364"/>
+                      </a:cubicBezTo>
+                      <a:cubicBezTo>
+                        <a:pt x="808566" y="353009"/>
+                        <a:pt x="1161344" y="38330"/>
+                        <a:pt x="1261533" y="34097"/>
+                      </a:cubicBezTo>
+                      <a:cubicBezTo>
+                        <a:pt x="1361722" y="29864"/>
+                        <a:pt x="1332794" y="175914"/>
+                        <a:pt x="1303866" y="321964"/>
+                      </a:cubicBezTo>
+                    </a:path>
+                  </a:pathLst>
+                </a:custGeom>
+                <a:noFill/>
+                <a:ln w="28575"/>
+              </p:spPr>
+              <p:style>
+                <a:lnRef idx="2">
+                  <a:schemeClr val="accent1">
+                    <a:shade val="15000"/>
+                  </a:schemeClr>
+                </a:lnRef>
+                <a:fillRef idx="1">
+                  <a:schemeClr val="accent1"/>
+                </a:fillRef>
+                <a:effectRef idx="0">
+                  <a:schemeClr val="accent1"/>
+                </a:effectRef>
+                <a:fontRef idx="minor">
+                  <a:schemeClr val="lt1"/>
+                </a:fontRef>
+              </p:style>
+              <p:txBody>
+                <a:bodyPr rtlCol="0" anchor="ctr"/>
+                <a:lstStyle/>
+                <a:p>
+                  <a:pPr algn="ctr"/>
+                  <a:endParaRPr lang="en-US"/>
+                </a:p>
+              </p:txBody>
+            </p:sp>
+            <p:sp>
+              <p:nvSpPr>
+                <p:cNvPr id="59" name="Freeform: Shape 58">
+                  <a:extLst>
+                    <a:ext uri="{FF2B5EF4-FFF2-40B4-BE49-F238E27FC236}">
+                      <a16:creationId xmlns:a16="http://schemas.microsoft.com/office/drawing/2014/main" id="{71E64F6E-0A10-8D34-F1C8-E03E3EA2D093}"/>
+                    </a:ext>
+                  </a:extLst>
+                </p:cNvPr>
+                <p:cNvSpPr/>
+                <p:nvPr/>
+              </p:nvSpPr>
+              <p:spPr>
+                <a:xfrm rot="18240908">
+                  <a:off x="10160672" y="1636211"/>
+                  <a:ext cx="666526" cy="347439"/>
+                </a:xfrm>
+                <a:custGeom>
+                  <a:avLst/>
+                  <a:gdLst>
+                    <a:gd name="connsiteX0" fmla="*/ 0 w 1331251"/>
+                    <a:gd name="connsiteY0" fmla="*/ 305030 h 347439"/>
+                    <a:gd name="connsiteX1" fmla="*/ 626533 w 1331251"/>
+                    <a:gd name="connsiteY1" fmla="*/ 230 h 347439"/>
+                    <a:gd name="connsiteX2" fmla="*/ 702733 w 1331251"/>
+                    <a:gd name="connsiteY2" fmla="*/ 347364 h 347439"/>
+                    <a:gd name="connsiteX3" fmla="*/ 1261533 w 1331251"/>
+                    <a:gd name="connsiteY3" fmla="*/ 34097 h 347439"/>
+                    <a:gd name="connsiteX4" fmla="*/ 1303866 w 1331251"/>
+                    <a:gd name="connsiteY4" fmla="*/ 321964 h 347439"/>
+                  </a:gdLst>
+                  <a:ahLst/>
+                  <a:cxnLst>
+                    <a:cxn ang="0">
+                      <a:pos x="connsiteX0" y="connsiteY0"/>
+                    </a:cxn>
+                    <a:cxn ang="0">
+                      <a:pos x="connsiteX1" y="connsiteY1"/>
+                    </a:cxn>
+                    <a:cxn ang="0">
+                      <a:pos x="connsiteX2" y="connsiteY2"/>
+                    </a:cxn>
+                    <a:cxn ang="0">
+                      <a:pos x="connsiteX3" y="connsiteY3"/>
+                    </a:cxn>
+                    <a:cxn ang="0">
+                      <a:pos x="connsiteX4" y="connsiteY4"/>
+                    </a:cxn>
+                  </a:cxnLst>
+                  <a:rect l="l" t="t" r="r" b="b"/>
+                  <a:pathLst>
+                    <a:path w="1331251" h="347439">
+                      <a:moveTo>
+                        <a:pt x="0" y="305030"/>
+                      </a:moveTo>
+                      <a:cubicBezTo>
+                        <a:pt x="254705" y="149102"/>
+                        <a:pt x="509411" y="-6826"/>
+                        <a:pt x="626533" y="230"/>
+                      </a:cubicBezTo>
+                      <a:cubicBezTo>
+                        <a:pt x="743655" y="7286"/>
+                        <a:pt x="596900" y="341720"/>
+                        <a:pt x="702733" y="347364"/>
+                      </a:cubicBezTo>
+                      <a:cubicBezTo>
+                        <a:pt x="808566" y="353009"/>
+                        <a:pt x="1161344" y="38330"/>
+                        <a:pt x="1261533" y="34097"/>
+                      </a:cubicBezTo>
+                      <a:cubicBezTo>
+                        <a:pt x="1361722" y="29864"/>
+                        <a:pt x="1332794" y="175914"/>
+                        <a:pt x="1303866" y="321964"/>
+                      </a:cubicBezTo>
+                    </a:path>
+                  </a:pathLst>
+                </a:custGeom>
+                <a:noFill/>
+                <a:ln w="28575"/>
+              </p:spPr>
+              <p:style>
+                <a:lnRef idx="2">
+                  <a:schemeClr val="accent1">
+                    <a:shade val="15000"/>
+                  </a:schemeClr>
+                </a:lnRef>
+                <a:fillRef idx="1">
+                  <a:schemeClr val="accent1"/>
+                </a:fillRef>
+                <a:effectRef idx="0">
+                  <a:schemeClr val="accent1"/>
+                </a:effectRef>
+                <a:fontRef idx="minor">
+                  <a:schemeClr val="lt1"/>
+                </a:fontRef>
+              </p:style>
+              <p:txBody>
+                <a:bodyPr rtlCol="0" anchor="ctr"/>
+                <a:lstStyle/>
+                <a:p>
+                  <a:pPr algn="ctr"/>
+                  <a:endParaRPr lang="en-US"/>
+                </a:p>
+              </p:txBody>
+            </p:sp>
+            <p:sp>
+              <p:nvSpPr>
+                <p:cNvPr id="60" name="Oval 59">
+                  <a:extLst>
+                    <a:ext uri="{FF2B5EF4-FFF2-40B4-BE49-F238E27FC236}">
+                      <a16:creationId xmlns:a16="http://schemas.microsoft.com/office/drawing/2014/main" id="{23A97F2B-D4B8-DAB1-49BA-6732892AF10F}"/>
+                    </a:ext>
+                  </a:extLst>
+                </p:cNvPr>
+                <p:cNvSpPr/>
+                <p:nvPr/>
+              </p:nvSpPr>
+              <p:spPr>
+                <a:xfrm>
+                  <a:off x="10261601" y="2048934"/>
+                  <a:ext cx="220133" cy="220133"/>
+                </a:xfrm>
+                <a:prstGeom prst="ellipse">
+                  <a:avLst/>
+                </a:prstGeom>
+                <a:solidFill>
+                  <a:schemeClr val="bg2"/>
+                </a:solidFill>
+                <a:ln w="19050">
+                  <a:solidFill>
+                    <a:schemeClr val="tx1"/>
+                  </a:solidFill>
+                </a:ln>
+              </p:spPr>
+              <p:style>
+                <a:lnRef idx="2">
+                  <a:schemeClr val="accent1">
+                    <a:shade val="15000"/>
+                  </a:schemeClr>
+                </a:lnRef>
+                <a:fillRef idx="1">
+                  <a:schemeClr val="accent1"/>
+                </a:fillRef>
+                <a:effectRef idx="0">
+                  <a:schemeClr val="accent1"/>
+                </a:effectRef>
+                <a:fontRef idx="minor">
+                  <a:schemeClr val="lt1"/>
+                </a:fontRef>
+              </p:style>
+              <p:txBody>
+                <a:bodyPr rtlCol="0" anchor="ctr"/>
+                <a:lstStyle/>
+                <a:p>
+                  <a:pPr algn="ctr"/>
+                  <a:endParaRPr lang="en-US" sz="2000"/>
+                </a:p>
+              </p:txBody>
+            </p:sp>
+            <p:sp>
+              <p:nvSpPr>
+                <p:cNvPr id="61" name="Oval 60">
+                  <a:extLst>
+                    <a:ext uri="{FF2B5EF4-FFF2-40B4-BE49-F238E27FC236}">
+                      <a16:creationId xmlns:a16="http://schemas.microsoft.com/office/drawing/2014/main" id="{F33ABA59-B79A-6A4C-C97B-AFEE4E5F30B6}"/>
+                    </a:ext>
+                  </a:extLst>
+                </p:cNvPr>
+                <p:cNvSpPr/>
+                <p:nvPr/>
+              </p:nvSpPr>
+              <p:spPr>
+                <a:xfrm>
+                  <a:off x="10761132" y="2508149"/>
+                  <a:ext cx="220133" cy="220133"/>
+                </a:xfrm>
+                <a:prstGeom prst="ellipse">
+                  <a:avLst/>
+                </a:prstGeom>
+                <a:solidFill>
+                  <a:schemeClr val="accent2"/>
+                </a:solidFill>
+                <a:ln w="19050">
+                  <a:solidFill>
+                    <a:schemeClr val="tx1"/>
+                  </a:solidFill>
+                </a:ln>
+              </p:spPr>
+              <p:style>
+                <a:lnRef idx="2">
+                  <a:schemeClr val="accent1">
+                    <a:shade val="15000"/>
+                  </a:schemeClr>
+                </a:lnRef>
+                <a:fillRef idx="1">
+                  <a:schemeClr val="accent1"/>
+                </a:fillRef>
+                <a:effectRef idx="0">
+                  <a:schemeClr val="accent1"/>
+                </a:effectRef>
+                <a:fontRef idx="minor">
+                  <a:schemeClr val="lt1"/>
+                </a:fontRef>
+              </p:style>
+              <p:txBody>
+                <a:bodyPr rtlCol="0" anchor="ctr"/>
+                <a:lstStyle/>
+                <a:p>
+                  <a:pPr algn="ctr"/>
+                  <a:endParaRPr lang="en-US" sz="2000" dirty="0"/>
+                </a:p>
+              </p:txBody>
+            </p:sp>
+            <p:sp>
+              <p:nvSpPr>
+                <p:cNvPr id="62" name="Oval 61">
+                  <a:extLst>
+                    <a:ext uri="{FF2B5EF4-FFF2-40B4-BE49-F238E27FC236}">
+                      <a16:creationId xmlns:a16="http://schemas.microsoft.com/office/drawing/2014/main" id="{F5EF0DE3-ADCE-686E-5C2A-17378286ED95}"/>
+                    </a:ext>
+                  </a:extLst>
+                </p:cNvPr>
+                <p:cNvSpPr/>
+                <p:nvPr/>
+              </p:nvSpPr>
+              <p:spPr>
+                <a:xfrm>
+                  <a:off x="10737905" y="1461371"/>
+                  <a:ext cx="220133" cy="220133"/>
+                </a:xfrm>
+                <a:prstGeom prst="ellipse">
+                  <a:avLst/>
+                </a:prstGeom>
+                <a:solidFill>
+                  <a:schemeClr val="accent2"/>
+                </a:solidFill>
+                <a:ln w="19050">
+                  <a:solidFill>
+                    <a:schemeClr val="tx1"/>
+                  </a:solidFill>
+                </a:ln>
+              </p:spPr>
+              <p:style>
+                <a:lnRef idx="2">
+                  <a:schemeClr val="accent1">
+                    <a:shade val="15000"/>
+                  </a:schemeClr>
+                </a:lnRef>
+                <a:fillRef idx="1">
+                  <a:schemeClr val="accent1"/>
+                </a:fillRef>
+                <a:effectRef idx="0">
+                  <a:schemeClr val="accent1"/>
+                </a:effectRef>
+                <a:fontRef idx="minor">
+                  <a:schemeClr val="lt1"/>
+                </a:fontRef>
+              </p:style>
+              <p:txBody>
+                <a:bodyPr rtlCol="0" anchor="ctr"/>
+                <a:lstStyle/>
+                <a:p>
+                  <a:pPr algn="ctr"/>
+                  <a:endParaRPr lang="en-US" sz="2000"/>
+                </a:p>
+              </p:txBody>
+            </p:sp>
+            <p:sp>
+              <p:nvSpPr>
+                <p:cNvPr id="63" name="Oval 62">
+                  <a:extLst>
+                    <a:ext uri="{FF2B5EF4-FFF2-40B4-BE49-F238E27FC236}">
+                      <a16:creationId xmlns:a16="http://schemas.microsoft.com/office/drawing/2014/main" id="{357C71AE-1BF6-15D1-45FA-AC669D74E653}"/>
+                    </a:ext>
+                  </a:extLst>
+                </p:cNvPr>
+                <p:cNvSpPr/>
+                <p:nvPr/>
+              </p:nvSpPr>
+              <p:spPr>
+                <a:xfrm>
+                  <a:off x="10128639" y="3135221"/>
+                  <a:ext cx="220133" cy="220133"/>
+                </a:xfrm>
+                <a:prstGeom prst="ellipse">
+                  <a:avLst/>
+                </a:prstGeom>
+                <a:solidFill>
+                  <a:schemeClr val="bg2"/>
+                </a:solidFill>
+                <a:ln w="19050">
+                  <a:solidFill>
+                    <a:schemeClr val="tx1"/>
+                  </a:solidFill>
+                </a:ln>
+              </p:spPr>
+              <p:style>
+                <a:lnRef idx="2">
+                  <a:schemeClr val="accent1">
+                    <a:shade val="15000"/>
+                  </a:schemeClr>
+                </a:lnRef>
+                <a:fillRef idx="1">
+                  <a:schemeClr val="accent1"/>
+                </a:fillRef>
+                <a:effectRef idx="0">
+                  <a:schemeClr val="accent1"/>
+                </a:effectRef>
+                <a:fontRef idx="minor">
+                  <a:schemeClr val="lt1"/>
+                </a:fontRef>
+              </p:style>
+              <p:txBody>
+                <a:bodyPr rtlCol="0" anchor="ctr"/>
+                <a:lstStyle/>
+                <a:p>
+                  <a:pPr algn="ctr"/>
+                  <a:endParaRPr lang="en-US" sz="2000"/>
+                </a:p>
+              </p:txBody>
+            </p:sp>
+          </p:grpSp>
+          <p:sp>
+            <p:nvSpPr>
+              <p:cNvPr id="30" name="Oval 29">
+                <a:extLst>
+                  <a:ext uri="{FF2B5EF4-FFF2-40B4-BE49-F238E27FC236}">
+                    <a16:creationId xmlns:a16="http://schemas.microsoft.com/office/drawing/2014/main" id="{2894B669-8284-F121-B861-16432B63475D}"/>
+                  </a:ext>
+                </a:extLst>
+              </p:cNvPr>
+              <p:cNvSpPr/>
+              <p:nvPr/>
+            </p:nvSpPr>
+            <p:spPr>
+              <a:xfrm>
+                <a:off x="8107950" y="4387023"/>
+                <a:ext cx="168828" cy="168828"/>
+              </a:xfrm>
+              <a:prstGeom prst="ellipse">
+                <a:avLst/>
+              </a:prstGeom>
+              <a:solidFill>
+                <a:schemeClr val="accent3"/>
+              </a:solidFill>
+              <a:ln w="19050"/>
+            </p:spPr>
+            <p:style>
+              <a:lnRef idx="2">
+                <a:schemeClr val="accent1">
+                  <a:shade val="15000"/>
+                </a:schemeClr>
+              </a:lnRef>
+              <a:fillRef idx="1">
+                <a:schemeClr val="accent1"/>
+              </a:fillRef>
+              <a:effectRef idx="0">
+                <a:schemeClr val="accent1"/>
+              </a:effectRef>
+              <a:fontRef idx="minor">
+                <a:schemeClr val="lt1"/>
+              </a:fontRef>
+            </p:style>
+            <p:txBody>
+              <a:bodyPr rtlCol="0" anchor="ctr"/>
+              <a:lstStyle/>
+              <a:p>
+                <a:pPr algn="ctr"/>
+                <a:endParaRPr lang="en-US"/>
+              </a:p>
+            </p:txBody>
+          </p:sp>
+          <p:sp>
+            <p:nvSpPr>
+              <p:cNvPr id="31" name="Oval 30">
+                <a:extLst>
+                  <a:ext uri="{FF2B5EF4-FFF2-40B4-BE49-F238E27FC236}">
+                    <a16:creationId xmlns:a16="http://schemas.microsoft.com/office/drawing/2014/main" id="{59BBE36C-D892-8B42-5070-7C05C1544B3B}"/>
+                  </a:ext>
+                </a:extLst>
+              </p:cNvPr>
+              <p:cNvSpPr/>
+              <p:nvPr/>
+            </p:nvSpPr>
+            <p:spPr>
+              <a:xfrm>
+                <a:off x="8023536" y="5373647"/>
+                <a:ext cx="168828" cy="168828"/>
+              </a:xfrm>
+              <a:prstGeom prst="ellipse">
+                <a:avLst/>
+              </a:prstGeom>
+              <a:solidFill>
+                <a:schemeClr val="accent3"/>
+              </a:solidFill>
+              <a:ln w="19050"/>
+            </p:spPr>
+            <p:style>
+              <a:lnRef idx="2">
+                <a:schemeClr val="accent1">
+                  <a:shade val="15000"/>
+                </a:schemeClr>
+              </a:lnRef>
+              <a:fillRef idx="1">
+                <a:schemeClr val="accent1"/>
+              </a:fillRef>
+              <a:effectRef idx="0">
+                <a:schemeClr val="accent1"/>
+              </a:effectRef>
+              <a:fontRef idx="minor">
+                <a:schemeClr val="lt1"/>
+              </a:fontRef>
+            </p:style>
+            <p:txBody>
+              <a:bodyPr rtlCol="0" anchor="ctr"/>
+              <a:lstStyle/>
+              <a:p>
+                <a:pPr algn="ctr"/>
+                <a:endParaRPr lang="en-US"/>
+              </a:p>
+            </p:txBody>
+          </p:sp>
+          <p:sp>
+            <p:nvSpPr>
+              <p:cNvPr id="32" name="Oval 31">
+                <a:extLst>
+                  <a:ext uri="{FF2B5EF4-FFF2-40B4-BE49-F238E27FC236}">
+                    <a16:creationId xmlns:a16="http://schemas.microsoft.com/office/drawing/2014/main" id="{DFDB1FFA-58EB-E2AE-FD23-EC668EA72F62}"/>
+                  </a:ext>
+                </a:extLst>
+              </p:cNvPr>
+              <p:cNvSpPr/>
+              <p:nvPr/>
+            </p:nvSpPr>
+            <p:spPr>
+              <a:xfrm>
+                <a:off x="8731283" y="3748902"/>
+                <a:ext cx="168828" cy="168828"/>
+              </a:xfrm>
+              <a:prstGeom prst="ellipse">
+                <a:avLst/>
+              </a:prstGeom>
+              <a:solidFill>
+                <a:schemeClr val="accent3"/>
+              </a:solidFill>
+              <a:ln w="19050"/>
+            </p:spPr>
+            <p:style>
+              <a:lnRef idx="2">
+                <a:schemeClr val="accent1">
+                  <a:shade val="15000"/>
+                </a:schemeClr>
+              </a:lnRef>
+              <a:fillRef idx="1">
+                <a:schemeClr val="accent1"/>
+              </a:fillRef>
+              <a:effectRef idx="0">
+                <a:schemeClr val="accent1"/>
+              </a:effectRef>
+              <a:fontRef idx="minor">
+                <a:schemeClr val="lt1"/>
+              </a:fontRef>
+            </p:style>
+            <p:txBody>
+              <a:bodyPr rtlCol="0" anchor="ctr"/>
+              <a:lstStyle/>
+              <a:p>
+                <a:pPr algn="ctr"/>
+                <a:endParaRPr lang="en-US"/>
+              </a:p>
+            </p:txBody>
+          </p:sp>
+          <p:sp>
+            <p:nvSpPr>
+              <p:cNvPr id="33" name="Oval 32">
+                <a:extLst>
+                  <a:ext uri="{FF2B5EF4-FFF2-40B4-BE49-F238E27FC236}">
+                    <a16:creationId xmlns:a16="http://schemas.microsoft.com/office/drawing/2014/main" id="{3055773D-6A30-2C38-9847-0ADE85F27392}"/>
+                  </a:ext>
+                </a:extLst>
+              </p:cNvPr>
+              <p:cNvSpPr/>
+              <p:nvPr/>
+            </p:nvSpPr>
+            <p:spPr>
+              <a:xfrm>
+                <a:off x="10018098" y="4976414"/>
+                <a:ext cx="168828" cy="168828"/>
+              </a:xfrm>
+              <a:prstGeom prst="ellipse">
+                <a:avLst/>
+              </a:prstGeom>
+              <a:solidFill>
+                <a:schemeClr val="accent3"/>
+              </a:solidFill>
+              <a:ln w="19050"/>
+            </p:spPr>
+            <p:style>
+              <a:lnRef idx="2">
+                <a:schemeClr val="accent1">
+                  <a:shade val="15000"/>
+                </a:schemeClr>
+              </a:lnRef>
+              <a:fillRef idx="1">
+                <a:schemeClr val="accent1"/>
+              </a:fillRef>
+              <a:effectRef idx="0">
+                <a:schemeClr val="accent1"/>
+              </a:effectRef>
+              <a:fontRef idx="minor">
+                <a:schemeClr val="lt1"/>
+              </a:fontRef>
+            </p:style>
+            <p:txBody>
+              <a:bodyPr rtlCol="0" anchor="ctr"/>
+              <a:lstStyle/>
+              <a:p>
+                <a:pPr algn="ctr"/>
+                <a:endParaRPr lang="en-US"/>
+              </a:p>
+            </p:txBody>
+          </p:sp>
+          <p:sp>
+            <p:nvSpPr>
+              <p:cNvPr id="34" name="Oval 33">
+                <a:extLst>
+                  <a:ext uri="{FF2B5EF4-FFF2-40B4-BE49-F238E27FC236}">
+                    <a16:creationId xmlns:a16="http://schemas.microsoft.com/office/drawing/2014/main" id="{630F0D1C-E66D-6892-B619-826199C40DAC}"/>
+                  </a:ext>
+                </a:extLst>
+              </p:cNvPr>
+              <p:cNvSpPr/>
+              <p:nvPr/>
+            </p:nvSpPr>
+            <p:spPr>
+              <a:xfrm>
+                <a:off x="8849440" y="4522214"/>
+                <a:ext cx="168828" cy="168828"/>
+              </a:xfrm>
+              <a:prstGeom prst="ellipse">
+                <a:avLst/>
+              </a:prstGeom>
+              <a:solidFill>
+                <a:schemeClr val="accent3"/>
+              </a:solidFill>
+              <a:ln w="19050"/>
+            </p:spPr>
+            <p:style>
+              <a:lnRef idx="2">
+                <a:schemeClr val="accent1">
+                  <a:shade val="15000"/>
+                </a:schemeClr>
+              </a:lnRef>
+              <a:fillRef idx="1">
+                <a:schemeClr val="accent1"/>
+              </a:fillRef>
+              <a:effectRef idx="0">
+                <a:schemeClr val="accent1"/>
+              </a:effectRef>
+              <a:fontRef idx="minor">
+                <a:schemeClr val="lt1"/>
+              </a:fontRef>
+            </p:style>
+            <p:txBody>
+              <a:bodyPr rtlCol="0" anchor="ctr"/>
+              <a:lstStyle/>
+              <a:p>
+                <a:pPr algn="ctr"/>
+                <a:endParaRPr lang="en-US"/>
+              </a:p>
+            </p:txBody>
+          </p:sp>
+          <p:sp>
+            <p:nvSpPr>
+              <p:cNvPr id="35" name="Oval 34">
+                <a:extLst>
+                  <a:ext uri="{FF2B5EF4-FFF2-40B4-BE49-F238E27FC236}">
+                    <a16:creationId xmlns:a16="http://schemas.microsoft.com/office/drawing/2014/main" id="{81DD34DD-5095-04E1-CFB7-B38CD3C5708D}"/>
+                  </a:ext>
+                </a:extLst>
+              </p:cNvPr>
+              <p:cNvSpPr/>
+              <p:nvPr/>
+            </p:nvSpPr>
+            <p:spPr>
+              <a:xfrm>
+                <a:off x="10238345" y="3488380"/>
+                <a:ext cx="168828" cy="168828"/>
+              </a:xfrm>
+              <a:prstGeom prst="ellipse">
+                <a:avLst/>
+              </a:prstGeom>
+              <a:solidFill>
+                <a:schemeClr val="accent3"/>
+              </a:solidFill>
+              <a:ln w="19050"/>
+            </p:spPr>
+            <p:style>
+              <a:lnRef idx="2">
+                <a:schemeClr val="accent1">
+                  <a:shade val="15000"/>
+                </a:schemeClr>
+              </a:lnRef>
+              <a:fillRef idx="1">
+                <a:schemeClr val="accent1"/>
+              </a:fillRef>
+              <a:effectRef idx="0">
+                <a:schemeClr val="accent1"/>
+              </a:effectRef>
+              <a:fontRef idx="minor">
+                <a:schemeClr val="lt1"/>
+              </a:fontRef>
+            </p:style>
+            <p:txBody>
+              <a:bodyPr rtlCol="0" anchor="ctr"/>
+              <a:lstStyle/>
+              <a:p>
+                <a:pPr algn="ctr"/>
+                <a:endParaRPr lang="en-US"/>
+              </a:p>
+            </p:txBody>
+          </p:sp>
+          <p:sp>
+            <p:nvSpPr>
+              <p:cNvPr id="36" name="Oval 35">
+                <a:extLst>
+                  <a:ext uri="{FF2B5EF4-FFF2-40B4-BE49-F238E27FC236}">
+                    <a16:creationId xmlns:a16="http://schemas.microsoft.com/office/drawing/2014/main" id="{A8AB72AF-724B-E3B2-1E73-DE7AD2839847}"/>
+                  </a:ext>
+                </a:extLst>
+              </p:cNvPr>
+              <p:cNvSpPr/>
+              <p:nvPr/>
+            </p:nvSpPr>
+            <p:spPr>
+              <a:xfrm>
+                <a:off x="9053899" y="5514859"/>
+                <a:ext cx="168828" cy="168828"/>
+              </a:xfrm>
+              <a:prstGeom prst="ellipse">
+                <a:avLst/>
+              </a:prstGeom>
+              <a:solidFill>
+                <a:schemeClr val="accent3"/>
+              </a:solidFill>
+              <a:ln w="19050"/>
+            </p:spPr>
+            <p:style>
+              <a:lnRef idx="2">
+                <a:schemeClr val="accent1">
+                  <a:shade val="15000"/>
+                </a:schemeClr>
+              </a:lnRef>
+              <a:fillRef idx="1">
+                <a:schemeClr val="accent1"/>
+              </a:fillRef>
+              <a:effectRef idx="0">
+                <a:schemeClr val="accent1"/>
+              </a:effectRef>
+              <a:fontRef idx="minor">
+                <a:schemeClr val="lt1"/>
+              </a:fontRef>
+            </p:style>
+            <p:txBody>
+              <a:bodyPr rtlCol="0" anchor="ctr"/>
+              <a:lstStyle/>
+              <a:p>
+                <a:pPr algn="ctr"/>
+                <a:endParaRPr lang="en-US"/>
+              </a:p>
+            </p:txBody>
+          </p:sp>
+          <p:sp>
+            <p:nvSpPr>
+              <p:cNvPr id="44" name="Oval 43">
+                <a:extLst>
+                  <a:ext uri="{FF2B5EF4-FFF2-40B4-BE49-F238E27FC236}">
+                    <a16:creationId xmlns:a16="http://schemas.microsoft.com/office/drawing/2014/main" id="{CE90F9B9-8034-929F-2C64-7A592C984657}"/>
+                  </a:ext>
+                </a:extLst>
+              </p:cNvPr>
+              <p:cNvSpPr/>
+              <p:nvPr/>
+            </p:nvSpPr>
+            <p:spPr>
+              <a:xfrm>
+                <a:off x="8262688" y="3872010"/>
+                <a:ext cx="91440" cy="91440"/>
+              </a:xfrm>
+              <a:prstGeom prst="ellipse">
+                <a:avLst/>
+              </a:prstGeom>
+              <a:solidFill>
+                <a:schemeClr val="accent2"/>
+              </a:solidFill>
+              <a:ln w="12700"/>
+            </p:spPr>
+            <p:style>
+              <a:lnRef idx="2">
+                <a:schemeClr val="accent1">
+                  <a:shade val="15000"/>
+                </a:schemeClr>
+              </a:lnRef>
+              <a:fillRef idx="1">
+                <a:schemeClr val="accent1"/>
+              </a:fillRef>
+              <a:effectRef idx="0">
+                <a:schemeClr val="accent1"/>
+              </a:effectRef>
+              <a:fontRef idx="minor">
+                <a:schemeClr val="lt1"/>
+              </a:fontRef>
+            </p:style>
+            <p:txBody>
+              <a:bodyPr rtlCol="0" anchor="ctr"/>
+              <a:lstStyle/>
+              <a:p>
+                <a:pPr algn="ctr"/>
+                <a:endParaRPr lang="en-US"/>
+              </a:p>
+            </p:txBody>
+          </p:sp>
+          <p:sp>
+            <p:nvSpPr>
+              <p:cNvPr id="45" name="Oval 44">
+                <a:extLst>
+                  <a:ext uri="{FF2B5EF4-FFF2-40B4-BE49-F238E27FC236}">
+                    <a16:creationId xmlns:a16="http://schemas.microsoft.com/office/drawing/2014/main" id="{70766DE9-06AB-2244-A58B-4C02701CFF62}"/>
+                  </a:ext>
+                </a:extLst>
+              </p:cNvPr>
+              <p:cNvSpPr/>
+              <p:nvPr/>
+            </p:nvSpPr>
+            <p:spPr>
+              <a:xfrm>
+                <a:off x="10402026" y="5021723"/>
+                <a:ext cx="91440" cy="91440"/>
+              </a:xfrm>
+              <a:prstGeom prst="ellipse">
+                <a:avLst/>
+              </a:prstGeom>
+              <a:solidFill>
+                <a:schemeClr val="accent2"/>
+              </a:solidFill>
+              <a:ln w="12700"/>
+            </p:spPr>
+            <p:style>
+              <a:lnRef idx="2">
+                <a:schemeClr val="accent1">
+                  <a:shade val="15000"/>
+                </a:schemeClr>
+              </a:lnRef>
+              <a:fillRef idx="1">
+                <a:schemeClr val="accent1"/>
+              </a:fillRef>
+              <a:effectRef idx="0">
+                <a:schemeClr val="accent1"/>
+              </a:effectRef>
+              <a:fontRef idx="minor">
+                <a:schemeClr val="lt1"/>
+              </a:fontRef>
+            </p:style>
+            <p:txBody>
+              <a:bodyPr rtlCol="0" anchor="ctr"/>
+              <a:lstStyle/>
+              <a:p>
+                <a:pPr algn="ctr"/>
+                <a:endParaRPr lang="en-US"/>
+              </a:p>
+            </p:txBody>
+          </p:sp>
+          <p:sp>
+            <p:nvSpPr>
+              <p:cNvPr id="46" name="Oval 45">
+                <a:extLst>
+                  <a:ext uri="{FF2B5EF4-FFF2-40B4-BE49-F238E27FC236}">
+                    <a16:creationId xmlns:a16="http://schemas.microsoft.com/office/drawing/2014/main" id="{6F392225-45C9-4252-D5EB-6BB27B9B465D}"/>
+                  </a:ext>
+                </a:extLst>
+              </p:cNvPr>
+              <p:cNvSpPr/>
+              <p:nvPr/>
+            </p:nvSpPr>
+            <p:spPr>
+              <a:xfrm>
+                <a:off x="10989445" y="3439629"/>
+                <a:ext cx="91440" cy="91440"/>
+              </a:xfrm>
+              <a:prstGeom prst="ellipse">
+                <a:avLst/>
+              </a:prstGeom>
+              <a:solidFill>
+                <a:schemeClr val="accent2"/>
+              </a:solidFill>
+              <a:ln w="12700"/>
+            </p:spPr>
+            <p:style>
+              <a:lnRef idx="2">
+                <a:schemeClr val="accent1">
+                  <a:shade val="15000"/>
+                </a:schemeClr>
+              </a:lnRef>
+              <a:fillRef idx="1">
+                <a:schemeClr val="accent1"/>
+              </a:fillRef>
+              <a:effectRef idx="0">
+                <a:schemeClr val="accent1"/>
+              </a:effectRef>
+              <a:fontRef idx="minor">
+                <a:schemeClr val="lt1"/>
+              </a:fontRef>
+            </p:style>
+            <p:txBody>
+              <a:bodyPr rtlCol="0" anchor="ctr"/>
+              <a:lstStyle/>
+              <a:p>
+                <a:pPr algn="ctr"/>
+                <a:endParaRPr lang="en-US"/>
+              </a:p>
+            </p:txBody>
+          </p:sp>
+          <p:sp>
+            <p:nvSpPr>
+              <p:cNvPr id="47" name="Oval 46">
+                <a:extLst>
+                  <a:ext uri="{FF2B5EF4-FFF2-40B4-BE49-F238E27FC236}">
+                    <a16:creationId xmlns:a16="http://schemas.microsoft.com/office/drawing/2014/main" id="{963A1538-517D-81E3-E30F-32705D5BD7F5}"/>
+                  </a:ext>
+                </a:extLst>
+              </p:cNvPr>
+              <p:cNvSpPr/>
+              <p:nvPr/>
+            </p:nvSpPr>
+            <p:spPr>
+              <a:xfrm>
+                <a:off x="10116174" y="4509753"/>
+                <a:ext cx="91440" cy="91440"/>
+              </a:xfrm>
+              <a:prstGeom prst="ellipse">
+                <a:avLst/>
+              </a:prstGeom>
+              <a:solidFill>
+                <a:schemeClr val="accent1"/>
+              </a:solidFill>
+              <a:ln w="12700"/>
+            </p:spPr>
+            <p:style>
+              <a:lnRef idx="2">
+                <a:schemeClr val="accent1">
+                  <a:shade val="15000"/>
+                </a:schemeClr>
+              </a:lnRef>
+              <a:fillRef idx="1">
+                <a:schemeClr val="accent1"/>
+              </a:fillRef>
+              <a:effectRef idx="0">
+                <a:schemeClr val="accent1"/>
+              </a:effectRef>
+              <a:fontRef idx="minor">
+                <a:schemeClr val="lt1"/>
+              </a:fontRef>
+            </p:style>
+            <p:txBody>
+              <a:bodyPr rtlCol="0" anchor="ctr"/>
+              <a:lstStyle/>
+              <a:p>
+                <a:pPr algn="ctr"/>
+                <a:endParaRPr lang="en-US"/>
+              </a:p>
+            </p:txBody>
+          </p:sp>
+          <p:sp>
+            <p:nvSpPr>
+              <p:cNvPr id="48" name="Oval 47">
+                <a:extLst>
+                  <a:ext uri="{FF2B5EF4-FFF2-40B4-BE49-F238E27FC236}">
+                    <a16:creationId xmlns:a16="http://schemas.microsoft.com/office/drawing/2014/main" id="{913261CE-3831-64CA-FAAE-EEBE51442B4D}"/>
+                  </a:ext>
+                </a:extLst>
+              </p:cNvPr>
+              <p:cNvSpPr/>
+              <p:nvPr/>
+            </p:nvSpPr>
+            <p:spPr>
+              <a:xfrm>
+                <a:off x="9855769" y="3471944"/>
+                <a:ext cx="91440" cy="91440"/>
+              </a:xfrm>
+              <a:prstGeom prst="ellipse">
+                <a:avLst/>
+              </a:prstGeom>
+              <a:solidFill>
+                <a:schemeClr val="accent1"/>
+              </a:solidFill>
+              <a:ln w="12700"/>
+            </p:spPr>
+            <p:style>
+              <a:lnRef idx="2">
+                <a:schemeClr val="accent1">
+                  <a:shade val="15000"/>
+                </a:schemeClr>
+              </a:lnRef>
+              <a:fillRef idx="1">
+                <a:schemeClr val="accent1"/>
+              </a:fillRef>
+              <a:effectRef idx="0">
+                <a:schemeClr val="accent1"/>
+              </a:effectRef>
+              <a:fontRef idx="minor">
+                <a:schemeClr val="lt1"/>
+              </a:fontRef>
+            </p:style>
+            <p:txBody>
+              <a:bodyPr rtlCol="0" anchor="ctr"/>
+              <a:lstStyle/>
+              <a:p>
+                <a:pPr algn="ctr"/>
+                <a:endParaRPr lang="en-US"/>
+              </a:p>
+            </p:txBody>
+          </p:sp>
+          <p:sp>
+            <p:nvSpPr>
+              <p:cNvPr id="49" name="Oval 48">
+                <a:extLst>
+                  <a:ext uri="{FF2B5EF4-FFF2-40B4-BE49-F238E27FC236}">
+                    <a16:creationId xmlns:a16="http://schemas.microsoft.com/office/drawing/2014/main" id="{E5CA9222-A26A-1C38-00E7-1FDE436C8651}"/>
+                  </a:ext>
+                </a:extLst>
+              </p:cNvPr>
+              <p:cNvSpPr/>
+              <p:nvPr/>
+            </p:nvSpPr>
+            <p:spPr>
+              <a:xfrm>
+                <a:off x="8586679" y="4218556"/>
+                <a:ext cx="91440" cy="91440"/>
+              </a:xfrm>
+              <a:prstGeom prst="ellipse">
+                <a:avLst/>
+              </a:prstGeom>
+              <a:solidFill>
+                <a:schemeClr val="accent1"/>
+              </a:solidFill>
+              <a:ln w="12700"/>
+            </p:spPr>
+            <p:style>
+              <a:lnRef idx="2">
+                <a:schemeClr val="accent1">
+                  <a:shade val="15000"/>
+                </a:schemeClr>
+              </a:lnRef>
+              <a:fillRef idx="1">
+                <a:schemeClr val="accent1"/>
+              </a:fillRef>
+              <a:effectRef idx="0">
+                <a:schemeClr val="accent1"/>
+              </a:effectRef>
+              <a:fontRef idx="minor">
+                <a:schemeClr val="lt1"/>
+              </a:fontRef>
+            </p:style>
+            <p:txBody>
+              <a:bodyPr rtlCol="0" anchor="ctr"/>
+              <a:lstStyle/>
+              <a:p>
+                <a:pPr algn="ctr"/>
+                <a:endParaRPr lang="en-US"/>
+              </a:p>
+            </p:txBody>
+          </p:sp>
+          <p:sp>
+            <p:nvSpPr>
+              <p:cNvPr id="50" name="Oval 49">
+                <a:extLst>
+                  <a:ext uri="{FF2B5EF4-FFF2-40B4-BE49-F238E27FC236}">
+                    <a16:creationId xmlns:a16="http://schemas.microsoft.com/office/drawing/2014/main" id="{6191F91F-9E1F-3639-FB59-EB8EBEFB0E23}"/>
+                  </a:ext>
+                </a:extLst>
+              </p:cNvPr>
+              <p:cNvSpPr/>
+              <p:nvPr/>
+            </p:nvSpPr>
+            <p:spPr>
+              <a:xfrm>
+                <a:off x="9663483" y="4344155"/>
+                <a:ext cx="91440" cy="91440"/>
+              </a:xfrm>
+              <a:prstGeom prst="ellipse">
+                <a:avLst/>
+              </a:prstGeom>
+              <a:solidFill>
+                <a:schemeClr val="accent1"/>
+              </a:solidFill>
+              <a:ln w="12700"/>
+            </p:spPr>
+            <p:style>
+              <a:lnRef idx="2">
+                <a:schemeClr val="accent1">
+                  <a:shade val="15000"/>
+                </a:schemeClr>
+              </a:lnRef>
+              <a:fillRef idx="1">
+                <a:schemeClr val="accent1"/>
+              </a:fillRef>
+              <a:effectRef idx="0">
+                <a:schemeClr val="accent1"/>
+              </a:effectRef>
+              <a:fontRef idx="minor">
+                <a:schemeClr val="lt1"/>
+              </a:fontRef>
+            </p:style>
+            <p:txBody>
+              <a:bodyPr rtlCol="0" anchor="ctr"/>
+              <a:lstStyle/>
+              <a:p>
+                <a:pPr algn="ctr"/>
+                <a:endParaRPr lang="en-US"/>
+              </a:p>
+            </p:txBody>
+          </p:sp>
+          <p:sp>
+            <p:nvSpPr>
+              <p:cNvPr id="51" name="Oval 50">
+                <a:extLst>
+                  <a:ext uri="{FF2B5EF4-FFF2-40B4-BE49-F238E27FC236}">
+                    <a16:creationId xmlns:a16="http://schemas.microsoft.com/office/drawing/2014/main" id="{38B810E2-01D3-D35D-ECD5-96C138B631F7}"/>
+                  </a:ext>
+                </a:extLst>
+              </p:cNvPr>
+              <p:cNvSpPr/>
+              <p:nvPr/>
+            </p:nvSpPr>
+            <p:spPr>
+              <a:xfrm>
+                <a:off x="9722426" y="5478895"/>
+                <a:ext cx="91440" cy="91440"/>
+              </a:xfrm>
+              <a:prstGeom prst="ellipse">
+                <a:avLst/>
+              </a:prstGeom>
+              <a:solidFill>
+                <a:schemeClr val="accent1"/>
+              </a:solidFill>
+              <a:ln w="12700"/>
+            </p:spPr>
+            <p:style>
+              <a:lnRef idx="2">
+                <a:schemeClr val="accent1">
+                  <a:shade val="15000"/>
+                </a:schemeClr>
+              </a:lnRef>
+              <a:fillRef idx="1">
+                <a:schemeClr val="accent1"/>
+              </a:fillRef>
+              <a:effectRef idx="0">
+                <a:schemeClr val="accent1"/>
+              </a:effectRef>
+              <a:fontRef idx="minor">
+                <a:schemeClr val="lt1"/>
+              </a:fontRef>
+            </p:style>
+            <p:txBody>
+              <a:bodyPr rtlCol="0" anchor="ctr"/>
+              <a:lstStyle/>
+              <a:p>
+                <a:pPr algn="ctr"/>
+                <a:endParaRPr lang="en-US"/>
+              </a:p>
+            </p:txBody>
+          </p:sp>
+          <p:sp>
+            <p:nvSpPr>
+              <p:cNvPr id="52" name="Oval 51">
+                <a:extLst>
+                  <a:ext uri="{FF2B5EF4-FFF2-40B4-BE49-F238E27FC236}">
+                    <a16:creationId xmlns:a16="http://schemas.microsoft.com/office/drawing/2014/main" id="{3CA05364-72F2-8CB3-393A-CF6F28E2E033}"/>
+                  </a:ext>
+                </a:extLst>
+              </p:cNvPr>
+              <p:cNvSpPr/>
+              <p:nvPr/>
+            </p:nvSpPr>
+            <p:spPr>
+              <a:xfrm>
+                <a:off x="7912505" y="4941511"/>
+                <a:ext cx="91440" cy="91440"/>
+              </a:xfrm>
+              <a:prstGeom prst="ellipse">
+                <a:avLst/>
+              </a:prstGeom>
+              <a:solidFill>
+                <a:schemeClr val="accent1"/>
+              </a:solidFill>
+              <a:ln w="12700"/>
+            </p:spPr>
+            <p:style>
+              <a:lnRef idx="2">
+                <a:schemeClr val="accent1">
+                  <a:shade val="15000"/>
+                </a:schemeClr>
+              </a:lnRef>
+              <a:fillRef idx="1">
+                <a:schemeClr val="accent1"/>
+              </a:fillRef>
+              <a:effectRef idx="0">
+                <a:schemeClr val="accent1"/>
+              </a:effectRef>
+              <a:fontRef idx="minor">
+                <a:schemeClr val="lt1"/>
+              </a:fontRef>
+            </p:style>
+            <p:txBody>
+              <a:bodyPr rtlCol="0" anchor="ctr"/>
+              <a:lstStyle/>
+              <a:p>
+                <a:pPr algn="ctr"/>
+                <a:endParaRPr lang="en-US"/>
+              </a:p>
+            </p:txBody>
+          </p:sp>
+          <p:sp>
+            <p:nvSpPr>
+              <p:cNvPr id="53" name="Oval 52">
+                <a:extLst>
+                  <a:ext uri="{FF2B5EF4-FFF2-40B4-BE49-F238E27FC236}">
+                    <a16:creationId xmlns:a16="http://schemas.microsoft.com/office/drawing/2014/main" id="{0E3B98C6-5373-55ED-15BB-4526A07F1E2C}"/>
+                  </a:ext>
+                </a:extLst>
+              </p:cNvPr>
+              <p:cNvSpPr/>
+              <p:nvPr/>
+            </p:nvSpPr>
+            <p:spPr>
+              <a:xfrm>
+                <a:off x="7500474" y="4645322"/>
+                <a:ext cx="91440" cy="91440"/>
+              </a:xfrm>
+              <a:prstGeom prst="ellipse">
+                <a:avLst/>
+              </a:prstGeom>
+              <a:solidFill>
+                <a:schemeClr val="accent2"/>
+              </a:solidFill>
+              <a:ln w="12700"/>
+            </p:spPr>
+            <p:style>
+              <a:lnRef idx="2">
+                <a:schemeClr val="accent1">
+                  <a:shade val="15000"/>
+                </a:schemeClr>
+              </a:lnRef>
+              <a:fillRef idx="1">
+                <a:schemeClr val="accent1"/>
+              </a:fillRef>
+              <a:effectRef idx="0">
+                <a:schemeClr val="accent1"/>
+              </a:effectRef>
+              <a:fontRef idx="minor">
+                <a:schemeClr val="lt1"/>
+              </a:fontRef>
+            </p:style>
+            <p:txBody>
+              <a:bodyPr rtlCol="0" anchor="ctr"/>
+              <a:lstStyle/>
+              <a:p>
+                <a:pPr algn="ctr"/>
+                <a:endParaRPr lang="en-US"/>
+              </a:p>
+            </p:txBody>
+          </p:sp>
+          <p:sp>
+            <p:nvSpPr>
+              <p:cNvPr id="54" name="Oval 53">
+                <a:extLst>
+                  <a:ext uri="{FF2B5EF4-FFF2-40B4-BE49-F238E27FC236}">
+                    <a16:creationId xmlns:a16="http://schemas.microsoft.com/office/drawing/2014/main" id="{C14DA7DD-A4AF-7DE1-6CB9-AFCDB25E9B64}"/>
+                  </a:ext>
+                </a:extLst>
+              </p:cNvPr>
+              <p:cNvSpPr/>
+              <p:nvPr/>
+            </p:nvSpPr>
+            <p:spPr>
+              <a:xfrm>
+                <a:off x="8764558" y="3358857"/>
+                <a:ext cx="91440" cy="91440"/>
+              </a:xfrm>
+              <a:prstGeom prst="ellipse">
+                <a:avLst/>
+              </a:prstGeom>
+              <a:solidFill>
+                <a:schemeClr val="accent2"/>
+              </a:solidFill>
+              <a:ln w="12700"/>
+            </p:spPr>
+            <p:style>
+              <a:lnRef idx="2">
+                <a:schemeClr val="accent1">
+                  <a:shade val="15000"/>
+                </a:schemeClr>
+              </a:lnRef>
+              <a:fillRef idx="1">
+                <a:schemeClr val="accent1"/>
+              </a:fillRef>
+              <a:effectRef idx="0">
+                <a:schemeClr val="accent1"/>
+              </a:effectRef>
+              <a:fontRef idx="minor">
+                <a:schemeClr val="lt1"/>
+              </a:fontRef>
+            </p:style>
+            <p:txBody>
+              <a:bodyPr rtlCol="0" anchor="ctr"/>
+              <a:lstStyle/>
+              <a:p>
+                <a:pPr algn="ctr"/>
+                <a:endParaRPr lang="en-US"/>
+              </a:p>
+            </p:txBody>
+          </p:sp>
+          <p:sp>
+            <p:nvSpPr>
+              <p:cNvPr id="55" name="Oval 54">
+                <a:extLst>
+                  <a:ext uri="{FF2B5EF4-FFF2-40B4-BE49-F238E27FC236}">
+                    <a16:creationId xmlns:a16="http://schemas.microsoft.com/office/drawing/2014/main" id="{B59C07CD-56AF-B222-B38F-3D864E36F468}"/>
+                  </a:ext>
+                </a:extLst>
+              </p:cNvPr>
+              <p:cNvSpPr/>
+              <p:nvPr/>
+            </p:nvSpPr>
+            <p:spPr>
+              <a:xfrm>
+                <a:off x="8764558" y="5010496"/>
+                <a:ext cx="91440" cy="91440"/>
+              </a:xfrm>
+              <a:prstGeom prst="ellipse">
+                <a:avLst/>
+              </a:prstGeom>
+              <a:solidFill>
+                <a:schemeClr val="accent1"/>
+              </a:solidFill>
+              <a:ln w="12700"/>
+            </p:spPr>
+            <p:style>
+              <a:lnRef idx="2">
+                <a:schemeClr val="accent1">
+                  <a:shade val="15000"/>
+                </a:schemeClr>
+              </a:lnRef>
+              <a:fillRef idx="1">
+                <a:schemeClr val="accent1"/>
+              </a:fillRef>
+              <a:effectRef idx="0">
+                <a:schemeClr val="accent1"/>
+              </a:effectRef>
+              <a:fontRef idx="minor">
+                <a:schemeClr val="lt1"/>
+              </a:fontRef>
+            </p:style>
+            <p:txBody>
+              <a:bodyPr rtlCol="0" anchor="ctr"/>
+              <a:lstStyle/>
+              <a:p>
+                <a:pPr algn="ctr"/>
+                <a:endParaRPr lang="en-US"/>
+              </a:p>
+            </p:txBody>
+          </p:sp>
+        </p:grpSp>
+        <p:pic>
+          <p:nvPicPr>
+            <p:cNvPr id="18" name="Picture 17">
+              <a:extLst>
+                <a:ext uri="{FF2B5EF4-FFF2-40B4-BE49-F238E27FC236}">
+                  <a16:creationId xmlns:a16="http://schemas.microsoft.com/office/drawing/2014/main" id="{F5E5DD53-6A6E-C799-128D-CE0FC5F71579}"/>
+                </a:ext>
+              </a:extLst>
+            </p:cNvPr>
+            <p:cNvPicPr>
+              <a:picLocks noChangeAspect="1"/>
+            </p:cNvPicPr>
+            <p:nvPr/>
+          </p:nvPicPr>
+          <p:blipFill>
+            <a:blip r:embed="rId6"/>
+            <a:stretch>
+              <a:fillRect/>
+            </a:stretch>
+          </p:blipFill>
+          <p:spPr>
+            <a:xfrm>
+              <a:off x="7978232" y="5802762"/>
+              <a:ext cx="583304" cy="255484"/>
+            </a:xfrm>
+            <a:prstGeom prst="rect">
+              <a:avLst/>
+            </a:prstGeom>
+          </p:spPr>
+        </p:pic>
+        <p:sp>
+          <p:nvSpPr>
+            <p:cNvPr id="19" name="TextBox 18">
+              <a:extLst>
+                <a:ext uri="{FF2B5EF4-FFF2-40B4-BE49-F238E27FC236}">
+                  <a16:creationId xmlns:a16="http://schemas.microsoft.com/office/drawing/2014/main" id="{DC58CE06-7374-F925-1656-6D03FA491C47}"/>
+                </a:ext>
+              </a:extLst>
+            </p:cNvPr>
+            <p:cNvSpPr txBox="1"/>
+            <p:nvPr/>
+          </p:nvSpPr>
+          <p:spPr>
+            <a:xfrm>
+              <a:off x="7354101" y="6090942"/>
+              <a:ext cx="1845354" cy="584775"/>
+            </a:xfrm>
+            <a:prstGeom prst="rect">
+              <a:avLst/>
+            </a:prstGeom>
+            <a:noFill/>
+          </p:spPr>
+          <p:txBody>
+            <a:bodyPr wrap="square" rtlCol="0">
+              <a:spAutoFit/>
+            </a:bodyPr>
+            <a:lstStyle/>
+            <a:p>
+              <a:pPr algn="ctr"/>
+              <a:r>
+                <a:rPr lang="en-US" sz="1600" dirty="0">
+                  <a:latin typeface="Lucida grande" panose="020B0502040204020203"/>
+                </a:rPr>
+                <a:t>Local charge density</a:t>
+              </a:r>
+            </a:p>
+          </p:txBody>
+        </p:sp>
+        <p:pic>
+          <p:nvPicPr>
+            <p:cNvPr id="21" name="Picture 20">
+              <a:extLst>
+                <a:ext uri="{FF2B5EF4-FFF2-40B4-BE49-F238E27FC236}">
+                  <a16:creationId xmlns:a16="http://schemas.microsoft.com/office/drawing/2014/main" id="{39AC72BE-3666-ED4C-616A-5AEC95755FC1}"/>
+                </a:ext>
+              </a:extLst>
+            </p:cNvPr>
+            <p:cNvPicPr>
+              <a:picLocks noChangeAspect="1"/>
+            </p:cNvPicPr>
+            <p:nvPr/>
+          </p:nvPicPr>
+          <p:blipFill>
+            <a:blip r:embed="rId7"/>
+            <a:stretch>
+              <a:fillRect/>
+            </a:stretch>
+          </p:blipFill>
+          <p:spPr>
+            <a:xfrm>
+              <a:off x="9599672" y="5812301"/>
+              <a:ext cx="826490" cy="273377"/>
+            </a:xfrm>
+            <a:prstGeom prst="rect">
+              <a:avLst/>
+            </a:prstGeom>
+          </p:spPr>
+        </p:pic>
+        <p:sp>
+          <p:nvSpPr>
+            <p:cNvPr id="22" name="TextBox 21">
+              <a:extLst>
+                <a:ext uri="{FF2B5EF4-FFF2-40B4-BE49-F238E27FC236}">
+                  <a16:creationId xmlns:a16="http://schemas.microsoft.com/office/drawing/2014/main" id="{FA9CD616-DC85-C777-27C6-DDC6F3F3BE26}"/>
+                </a:ext>
+              </a:extLst>
+            </p:cNvPr>
+            <p:cNvSpPr txBox="1"/>
+            <p:nvPr/>
+          </p:nvSpPr>
+          <p:spPr>
+            <a:xfrm>
+              <a:off x="9056544" y="6088689"/>
+              <a:ext cx="2078147" cy="584775"/>
+            </a:xfrm>
+            <a:prstGeom prst="rect">
+              <a:avLst/>
+            </a:prstGeom>
+            <a:noFill/>
+          </p:spPr>
+          <p:txBody>
+            <a:bodyPr wrap="square" rtlCol="0">
+              <a:spAutoFit/>
+            </a:bodyPr>
+            <a:lstStyle/>
+            <a:p>
+              <a:pPr algn="ctr"/>
+              <a:r>
+                <a:rPr lang="en-US" sz="1600" dirty="0">
+                  <a:latin typeface="Lucida grande" panose="020B0502040204020203"/>
+                </a:rPr>
+                <a:t>Coulomb operator (PB equation)</a:t>
+              </a:r>
+            </a:p>
+          </p:txBody>
+        </p:sp>
+      </p:grpSp>
+      <p:grpSp>
+        <p:nvGrpSpPr>
+          <p:cNvPr id="74" name="Group 73">
+            <a:extLst>
+              <a:ext uri="{FF2B5EF4-FFF2-40B4-BE49-F238E27FC236}">
+                <a16:creationId xmlns:a16="http://schemas.microsoft.com/office/drawing/2014/main" id="{2A92E14A-6972-15CB-CC5B-87E0BDA7F68D}"/>
+              </a:ext>
+            </a:extLst>
+          </p:cNvPr>
+          <p:cNvGrpSpPr/>
+          <p:nvPr/>
+        </p:nvGrpSpPr>
+        <p:grpSpPr>
+          <a:xfrm>
+            <a:off x="2155885" y="1976080"/>
+            <a:ext cx="8484730" cy="562029"/>
+            <a:chOff x="2155885" y="1976080"/>
+            <a:chExt cx="8484730" cy="562029"/>
+          </a:xfrm>
+        </p:grpSpPr>
+        <p:sp>
+          <p:nvSpPr>
+            <p:cNvPr id="9" name="TextBox 8">
+              <a:extLst>
+                <a:ext uri="{FF2B5EF4-FFF2-40B4-BE49-F238E27FC236}">
+                  <a16:creationId xmlns:a16="http://schemas.microsoft.com/office/drawing/2014/main" id="{029B93D9-880B-9E07-2D4E-D0A90952E987}"/>
+                </a:ext>
+              </a:extLst>
+            </p:cNvPr>
+            <p:cNvSpPr txBox="1"/>
+            <p:nvPr/>
+          </p:nvSpPr>
+          <p:spPr>
+            <a:xfrm>
+              <a:off x="6790135" y="1976080"/>
+              <a:ext cx="3850480" cy="369332"/>
+            </a:xfrm>
+            <a:prstGeom prst="rect">
+              <a:avLst/>
+            </a:prstGeom>
+            <a:noFill/>
+          </p:spPr>
+          <p:txBody>
+            <a:bodyPr wrap="square">
+              <a:spAutoFit/>
+            </a:bodyPr>
+            <a:lstStyle/>
+            <a:p>
+              <a:r>
+                <a:rPr lang="en-US" dirty="0">
+                  <a:latin typeface="Lucida grande" panose="020B0502040204020203"/>
+                </a:rPr>
+                <a:t>Hydrophobicity (Flory—Huggins)</a:t>
+              </a:r>
+            </a:p>
+          </p:txBody>
+        </p:sp>
+        <p:cxnSp>
+          <p:nvCxnSpPr>
+            <p:cNvPr id="12" name="Straight Arrow Connector 11">
+              <a:extLst>
+                <a:ext uri="{FF2B5EF4-FFF2-40B4-BE49-F238E27FC236}">
+                  <a16:creationId xmlns:a16="http://schemas.microsoft.com/office/drawing/2014/main" id="{4B13BE2D-17C1-0B8C-C8E1-98386EA6ECD5}"/>
+                </a:ext>
+              </a:extLst>
+            </p:cNvPr>
+            <p:cNvCxnSpPr>
+              <a:cxnSpLocks/>
+            </p:cNvCxnSpPr>
+            <p:nvPr/>
+          </p:nvCxnSpPr>
+          <p:spPr>
+            <a:xfrm flipH="1">
+              <a:off x="6132910" y="2155825"/>
+              <a:ext cx="590550" cy="0"/>
+            </a:xfrm>
+            <a:prstGeom prst="straightConnector1">
+              <a:avLst/>
+            </a:prstGeom>
+            <a:ln w="19050">
+              <a:solidFill>
+                <a:schemeClr val="tx1"/>
+              </a:solidFill>
+              <a:tailEnd type="triangle"/>
+            </a:ln>
           </p:spPr>
           <p:style>
-            <a:lnRef idx="2">
-              <a:schemeClr val="accent1">
-                <a:shade val="15000"/>
-              </a:schemeClr>
+            <a:lnRef idx="1">
+              <a:schemeClr val="accent1"/>
             </a:lnRef>
-            <a:fillRef idx="1">
+            <a:fillRef idx="0">
               <a:schemeClr val="accent1"/>
             </a:fillRef>
             <a:effectRef idx="0">
               <a:schemeClr val="accent1"/>
             </a:effectRef>
             <a:fontRef idx="minor">
-              <a:schemeClr val="lt1"/>
+              <a:schemeClr val="tx1"/>
             </a:fontRef>
           </p:style>
-          <p:txBody>
-            <a:bodyPr rtlCol="0" anchor="ctr"/>
-            <a:lstStyle/>
-            <a:p>
-              <a:pPr algn="ctr"/>
-              <a:endParaRPr lang="en-US"/>
-            </a:p>
-          </p:txBody>
-        </p:sp>
-        <p:sp>
-          <p:nvSpPr>
-            <p:cNvPr id="90" name="Oval 89">
+        </p:cxnSp>
+        <p:pic>
+          <p:nvPicPr>
+            <p:cNvPr id="72" name="Picture 71">
               <a:extLst>
                 <a:ext uri="{FF2B5EF4-FFF2-40B4-BE49-F238E27FC236}">
-                  <a16:creationId xmlns:a16="http://schemas.microsoft.com/office/drawing/2014/main" id="{91D36558-9F17-41D2-8C43-5581A070C955}"/>
+                  <a16:creationId xmlns:a16="http://schemas.microsoft.com/office/drawing/2014/main" id="{DB2AAAD2-202D-15A0-1B2E-8FEC131BF5B6}"/>
                 </a:ext>
               </a:extLst>
             </p:cNvPr>
-            <p:cNvSpPr/>
+            <p:cNvPicPr>
+              <a:picLocks noChangeAspect="1"/>
+            </p:cNvPicPr>
+            <p:nvPr/>
+          </p:nvPicPr>
+          <p:blipFill rotWithShape="1">
+            <a:blip r:embed="rId2"/>
+            <a:srcRect t="42897" b="30629"/>
+            <a:stretch/>
+          </p:blipFill>
+          <p:spPr>
+            <a:xfrm>
+              <a:off x="2155885" y="2021753"/>
+              <a:ext cx="3765551" cy="516356"/>
+            </a:xfrm>
+            <a:prstGeom prst="rect">
+              <a:avLst/>
+            </a:prstGeom>
+          </p:spPr>
+        </p:pic>
+      </p:grpSp>
+      <p:grpSp>
+        <p:nvGrpSpPr>
+          <p:cNvPr id="76" name="Group 75">
+            <a:extLst>
+              <a:ext uri="{FF2B5EF4-FFF2-40B4-BE49-F238E27FC236}">
+                <a16:creationId xmlns:a16="http://schemas.microsoft.com/office/drawing/2014/main" id="{1DC5FC7C-92F1-7ACC-AAC0-F460AE038AD5}"/>
+              </a:ext>
+            </a:extLst>
+          </p:cNvPr>
+          <p:cNvGrpSpPr/>
+          <p:nvPr/>
+        </p:nvGrpSpPr>
+        <p:grpSpPr>
+          <a:xfrm>
+            <a:off x="2155884" y="2602657"/>
+            <a:ext cx="8484731" cy="584775"/>
+            <a:chOff x="2155884" y="2602657"/>
+            <a:chExt cx="8484731" cy="584775"/>
+          </a:xfrm>
+        </p:grpSpPr>
+        <p:sp>
+          <p:nvSpPr>
+            <p:cNvPr id="10" name="TextBox 9">
+              <a:extLst>
+                <a:ext uri="{FF2B5EF4-FFF2-40B4-BE49-F238E27FC236}">
+                  <a16:creationId xmlns:a16="http://schemas.microsoft.com/office/drawing/2014/main" id="{E43CAF63-2321-308D-5049-BD2FEECD1A0C}"/>
+                </a:ext>
+              </a:extLst>
+            </p:cNvPr>
+            <p:cNvSpPr txBox="1"/>
             <p:nvPr/>
           </p:nvSpPr>
           <p:spPr>
             <a:xfrm>
-              <a:off x="3884603" y="5718195"/>
-              <a:ext cx="168828" cy="168828"/>
+              <a:off x="6790135" y="2622259"/>
+              <a:ext cx="3850480" cy="369332"/>
             </a:xfrm>
-            <a:prstGeom prst="ellipse">
+            <a:prstGeom prst="rect">
               <a:avLst/>
             </a:prstGeom>
-            <a:solidFill>
-              <a:schemeClr val="accent3"/>
-            </a:solidFill>
-            <a:ln w="19050"/>
+            <a:noFill/>
+          </p:spPr>
+          <p:txBody>
+            <a:bodyPr wrap="square">
+              <a:spAutoFit/>
+            </a:bodyPr>
+            <a:lstStyle/>
+            <a:p>
+              <a:r>
+                <a:rPr lang="en-US" dirty="0">
+                  <a:latin typeface="Lucida grande" panose="020B0502040204020203"/>
+                </a:rPr>
+                <a:t>Long-range electrostatics</a:t>
+              </a:r>
+            </a:p>
+          </p:txBody>
+        </p:sp>
+        <p:cxnSp>
+          <p:nvCxnSpPr>
+            <p:cNvPr id="14" name="Straight Arrow Connector 13">
+              <a:extLst>
+                <a:ext uri="{FF2B5EF4-FFF2-40B4-BE49-F238E27FC236}">
+                  <a16:creationId xmlns:a16="http://schemas.microsoft.com/office/drawing/2014/main" id="{F83DF2B2-509D-89B6-252F-D5F6A90339EA}"/>
+                </a:ext>
+              </a:extLst>
+            </p:cNvPr>
+            <p:cNvCxnSpPr>
+              <a:cxnSpLocks/>
+            </p:cNvCxnSpPr>
+            <p:nvPr/>
+          </p:nvCxnSpPr>
+          <p:spPr>
+            <a:xfrm flipH="1">
+              <a:off x="6132910" y="2809875"/>
+              <a:ext cx="590550" cy="0"/>
+            </a:xfrm>
+            <a:prstGeom prst="straightConnector1">
+              <a:avLst/>
+            </a:prstGeom>
+            <a:ln w="19050">
+              <a:solidFill>
+                <a:schemeClr val="tx1"/>
+              </a:solidFill>
+              <a:tailEnd type="triangle"/>
+            </a:ln>
           </p:spPr>
           <p:style>
-            <a:lnRef idx="2">
-              <a:schemeClr val="accent1">
-                <a:shade val="15000"/>
-              </a:schemeClr>
+            <a:lnRef idx="1">
+              <a:schemeClr val="accent1"/>
             </a:lnRef>
-            <a:fillRef idx="1">
+            <a:fillRef idx="0">
               <a:schemeClr val="accent1"/>
             </a:fillRef>
             <a:effectRef idx="0">
               <a:schemeClr val="accent1"/>
             </a:effectRef>
             <a:fontRef idx="minor">
-              <a:schemeClr val="lt1"/>
+              <a:schemeClr val="tx1"/>
             </a:fontRef>
           </p:style>
-          <p:txBody>
-            <a:bodyPr rtlCol="0" anchor="ctr"/>
-            <a:lstStyle/>
-            <a:p>
-              <a:pPr algn="ctr"/>
-              <a:endParaRPr lang="en-US"/>
-            </a:p>
-          </p:txBody>
-        </p:sp>
-        <p:sp>
-          <p:nvSpPr>
-            <p:cNvPr id="91" name="Oval 90">
+        </p:cxnSp>
+        <p:pic>
+          <p:nvPicPr>
+            <p:cNvPr id="73" name="Picture 72">
               <a:extLst>
                 <a:ext uri="{FF2B5EF4-FFF2-40B4-BE49-F238E27FC236}">
-                  <a16:creationId xmlns:a16="http://schemas.microsoft.com/office/drawing/2014/main" id="{4B5CB64A-81BA-0B6E-BE02-9C6389CDC046}"/>
+                  <a16:creationId xmlns:a16="http://schemas.microsoft.com/office/drawing/2014/main" id="{7F1BF7AF-C039-2925-B6C2-F3D045C6AAC5}"/>
                 </a:ext>
               </a:extLst>
             </p:cNvPr>
-            <p:cNvSpPr/>
+            <p:cNvPicPr>
+              <a:picLocks noChangeAspect="1"/>
+            </p:cNvPicPr>
             <p:nvPr/>
-          </p:nvSpPr>
+          </p:nvPicPr>
+          <p:blipFill rotWithShape="1">
+            <a:blip r:embed="rId2"/>
+            <a:srcRect t="70018"/>
+            <a:stretch/>
+          </p:blipFill>
           <p:spPr>
             <a:xfrm>
-              <a:off x="4592350" y="4093450"/>
-              <a:ext cx="168828" cy="168828"/>
+              <a:off x="2155884" y="2602657"/>
+              <a:ext cx="3765551" cy="584775"/>
             </a:xfrm>
-            <a:prstGeom prst="ellipse">
+            <a:prstGeom prst="rect">
               <a:avLst/>
             </a:prstGeom>
-            <a:solidFill>
-              <a:schemeClr val="accent3"/>
-            </a:solidFill>
-            <a:ln w="19050"/>
           </p:spPr>
-          <p:style>
-            <a:lnRef idx="2">
-              <a:schemeClr val="accent1">
-                <a:shade val="15000"/>
-              </a:schemeClr>
-            </a:lnRef>
-            <a:fillRef idx="1">
-              <a:schemeClr val="accent1"/>
-            </a:fillRef>
-            <a:effectRef idx="0">
-              <a:schemeClr val="accent1"/>
-            </a:effectRef>
-            <a:fontRef idx="minor">
-              <a:schemeClr val="lt1"/>
-            </a:fontRef>
-          </p:style>
-          <p:txBody>
-            <a:bodyPr rtlCol="0" anchor="ctr"/>
-            <a:lstStyle/>
-            <a:p>
-              <a:pPr algn="ctr"/>
-              <a:endParaRPr lang="en-US"/>
-            </a:p>
-          </p:txBody>
-        </p:sp>
-        <p:sp>
-          <p:nvSpPr>
-            <p:cNvPr id="92" name="Oval 91">
-              <a:extLst>
-                <a:ext uri="{FF2B5EF4-FFF2-40B4-BE49-F238E27FC236}">
-                  <a16:creationId xmlns:a16="http://schemas.microsoft.com/office/drawing/2014/main" id="{647EACB1-9518-FECD-5A40-37A22F38F360}"/>
-                </a:ext>
-              </a:extLst>
-            </p:cNvPr>
-            <p:cNvSpPr/>
-            <p:nvPr/>
-          </p:nvSpPr>
-          <p:spPr>
-            <a:xfrm>
-              <a:off x="5879165" y="5320962"/>
-              <a:ext cx="168828" cy="168828"/>
-            </a:xfrm>
-            <a:prstGeom prst="ellipse">
-              <a:avLst/>
-            </a:prstGeom>
-            <a:solidFill>
-              <a:schemeClr val="accent3"/>
-            </a:solidFill>
-            <a:ln w="19050"/>
-          </p:spPr>
-          <p:style>
-            <a:lnRef idx="2">
-              <a:schemeClr val="accent1">
-                <a:shade val="15000"/>
-              </a:schemeClr>
-            </a:lnRef>
-            <a:fillRef idx="1">
-              <a:schemeClr val="accent1"/>
-            </a:fillRef>
-            <a:effectRef idx="0">
-              <a:schemeClr val="accent1"/>
-            </a:effectRef>
-            <a:fontRef idx="minor">
-              <a:schemeClr val="lt1"/>
-            </a:fontRef>
-          </p:style>
-          <p:txBody>
-            <a:bodyPr rtlCol="0" anchor="ctr"/>
-            <a:lstStyle/>
-            <a:p>
-              <a:pPr algn="ctr"/>
-              <a:endParaRPr lang="en-US"/>
-            </a:p>
-          </p:txBody>
-        </p:sp>
-        <p:sp>
-          <p:nvSpPr>
-            <p:cNvPr id="93" name="Oval 92">
-              <a:extLst>
-                <a:ext uri="{FF2B5EF4-FFF2-40B4-BE49-F238E27FC236}">
-                  <a16:creationId xmlns:a16="http://schemas.microsoft.com/office/drawing/2014/main" id="{1C3C7E99-1AE2-4A1D-4129-A133C8E9225F}"/>
-                </a:ext>
-              </a:extLst>
-            </p:cNvPr>
-            <p:cNvSpPr/>
-            <p:nvPr/>
-          </p:nvSpPr>
-          <p:spPr>
-            <a:xfrm>
-              <a:off x="4710507" y="4866762"/>
-              <a:ext cx="168828" cy="168828"/>
-            </a:xfrm>
-            <a:prstGeom prst="ellipse">
-              <a:avLst/>
-            </a:prstGeom>
-            <a:solidFill>
-              <a:schemeClr val="accent3"/>
-            </a:solidFill>
-            <a:ln w="19050"/>
-          </p:spPr>
-          <p:style>
-            <a:lnRef idx="2">
-              <a:schemeClr val="accent1">
-                <a:shade val="15000"/>
-              </a:schemeClr>
-            </a:lnRef>
-            <a:fillRef idx="1">
-              <a:schemeClr val="accent1"/>
-            </a:fillRef>
-            <a:effectRef idx="0">
-              <a:schemeClr val="accent1"/>
-            </a:effectRef>
-            <a:fontRef idx="minor">
-              <a:schemeClr val="lt1"/>
-            </a:fontRef>
-          </p:style>
-          <p:txBody>
-            <a:bodyPr rtlCol="0" anchor="ctr"/>
-            <a:lstStyle/>
-            <a:p>
-              <a:pPr algn="ctr"/>
-              <a:endParaRPr lang="en-US"/>
-            </a:p>
-          </p:txBody>
-        </p:sp>
-        <p:sp>
-          <p:nvSpPr>
-            <p:cNvPr id="94" name="Oval 93">
-              <a:extLst>
-                <a:ext uri="{FF2B5EF4-FFF2-40B4-BE49-F238E27FC236}">
-                  <a16:creationId xmlns:a16="http://schemas.microsoft.com/office/drawing/2014/main" id="{76039B4C-8CF2-C254-F5D5-4493991B1EF1}"/>
-                </a:ext>
-              </a:extLst>
-            </p:cNvPr>
-            <p:cNvSpPr/>
-            <p:nvPr/>
-          </p:nvSpPr>
-          <p:spPr>
-            <a:xfrm>
-              <a:off x="6099412" y="3832928"/>
-              <a:ext cx="168828" cy="168828"/>
-            </a:xfrm>
-            <a:prstGeom prst="ellipse">
-              <a:avLst/>
-            </a:prstGeom>
-            <a:solidFill>
-              <a:schemeClr val="accent3"/>
-            </a:solidFill>
-            <a:ln w="19050"/>
-          </p:spPr>
-          <p:style>
-            <a:lnRef idx="2">
-              <a:schemeClr val="accent1">
-                <a:shade val="15000"/>
-              </a:schemeClr>
-            </a:lnRef>
-            <a:fillRef idx="1">
-              <a:schemeClr val="accent1"/>
-            </a:fillRef>
-            <a:effectRef idx="0">
-              <a:schemeClr val="accent1"/>
-            </a:effectRef>
-            <a:fontRef idx="minor">
-              <a:schemeClr val="lt1"/>
-            </a:fontRef>
-          </p:style>
-          <p:txBody>
-            <a:bodyPr rtlCol="0" anchor="ctr"/>
-            <a:lstStyle/>
-            <a:p>
-              <a:pPr algn="ctr"/>
-              <a:endParaRPr lang="en-US"/>
-            </a:p>
-          </p:txBody>
-        </p:sp>
-        <p:sp>
-          <p:nvSpPr>
-            <p:cNvPr id="95" name="Oval 94">
-              <a:extLst>
-                <a:ext uri="{FF2B5EF4-FFF2-40B4-BE49-F238E27FC236}">
-                  <a16:creationId xmlns:a16="http://schemas.microsoft.com/office/drawing/2014/main" id="{8D4967EB-1C1F-E385-B62C-BE05973F2AD9}"/>
-                </a:ext>
-              </a:extLst>
-            </p:cNvPr>
-            <p:cNvSpPr/>
-            <p:nvPr/>
-          </p:nvSpPr>
-          <p:spPr>
-            <a:xfrm>
-              <a:off x="4914966" y="5859407"/>
-              <a:ext cx="168828" cy="168828"/>
-            </a:xfrm>
-            <a:prstGeom prst="ellipse">
-              <a:avLst/>
-            </a:prstGeom>
-            <a:solidFill>
-              <a:schemeClr val="accent3"/>
-            </a:solidFill>
-            <a:ln w="19050"/>
-          </p:spPr>
-          <p:style>
-            <a:lnRef idx="2">
-              <a:schemeClr val="accent1">
-                <a:shade val="15000"/>
-              </a:schemeClr>
-            </a:lnRef>
-            <a:fillRef idx="1">
-              <a:schemeClr val="accent1"/>
-            </a:fillRef>
-            <a:effectRef idx="0">
-              <a:schemeClr val="accent1"/>
-            </a:effectRef>
-            <a:fontRef idx="minor">
-              <a:schemeClr val="lt1"/>
-            </a:fontRef>
-          </p:style>
-          <p:txBody>
-            <a:bodyPr rtlCol="0" anchor="ctr"/>
-            <a:lstStyle/>
-            <a:p>
-              <a:pPr algn="ctr"/>
-              <a:endParaRPr lang="en-US"/>
-            </a:p>
-          </p:txBody>
-        </p:sp>
+        </p:pic>
       </p:grpSp>
-      <p:pic>
-        <p:nvPicPr>
-          <p:cNvPr id="98" name="Picture 97">
-            <a:extLst>
-              <a:ext uri="{FF2B5EF4-FFF2-40B4-BE49-F238E27FC236}">
-                <a16:creationId xmlns:a16="http://schemas.microsoft.com/office/drawing/2014/main" id="{EA727218-C4A3-F246-3A60-906B12AE0376}"/>
-              </a:ext>
-            </a:extLst>
-          </p:cNvPr>
-          <p:cNvPicPr>
-            <a:picLocks noChangeAspect="1"/>
-          </p:cNvPicPr>
-          <p:nvPr/>
-        </p:nvPicPr>
-        <p:blipFill>
-          <a:blip r:embed="rId4"/>
-          <a:stretch>
-            <a:fillRect/>
-          </a:stretch>
-        </p:blipFill>
-        <p:spPr>
-          <a:xfrm>
-            <a:off x="3939011" y="5740852"/>
-            <a:ext cx="586290" cy="325009"/>
-          </a:xfrm>
-          <a:prstGeom prst="rect">
-            <a:avLst/>
-          </a:prstGeom>
-        </p:spPr>
-      </p:pic>
-      <p:pic>
-        <p:nvPicPr>
-          <p:cNvPr id="100" name="Picture 99">
-            <a:extLst>
-              <a:ext uri="{FF2B5EF4-FFF2-40B4-BE49-F238E27FC236}">
-                <a16:creationId xmlns:a16="http://schemas.microsoft.com/office/drawing/2014/main" id="{B3A6209E-78A1-12EB-0750-F24A4C2FBC90}"/>
-              </a:ext>
-            </a:extLst>
-          </p:cNvPr>
-          <p:cNvPicPr>
-            <a:picLocks noChangeAspect="1"/>
-          </p:cNvPicPr>
-          <p:nvPr/>
-        </p:nvPicPr>
-        <p:blipFill>
-          <a:blip r:embed="rId5"/>
-          <a:stretch>
-            <a:fillRect/>
-          </a:stretch>
-        </p:blipFill>
-        <p:spPr>
-          <a:xfrm>
-            <a:off x="6002742" y="5704589"/>
-            <a:ext cx="586290" cy="319202"/>
-          </a:xfrm>
-          <a:prstGeom prst="rect">
-            <a:avLst/>
-          </a:prstGeom>
-        </p:spPr>
-      </p:pic>
-      <p:sp>
-        <p:nvSpPr>
-          <p:cNvPr id="3" name="TextBox 2">
-            <a:extLst>
-              <a:ext uri="{FF2B5EF4-FFF2-40B4-BE49-F238E27FC236}">
-                <a16:creationId xmlns:a16="http://schemas.microsoft.com/office/drawing/2014/main" id="{A939F5F9-63DB-22C9-A77A-183CFEE6DC63}"/>
-              </a:ext>
-            </a:extLst>
-          </p:cNvPr>
-          <p:cNvSpPr txBox="1"/>
-          <p:nvPr/>
-        </p:nvSpPr>
-        <p:spPr>
-          <a:xfrm>
-            <a:off x="683544" y="6090394"/>
-            <a:ext cx="2082800" cy="338554"/>
-          </a:xfrm>
-          <a:prstGeom prst="rect">
-            <a:avLst/>
-          </a:prstGeom>
-          <a:noFill/>
-        </p:spPr>
-        <p:txBody>
-          <a:bodyPr wrap="square" rtlCol="0">
-            <a:spAutoFit/>
-          </a:bodyPr>
-          <a:lstStyle/>
-          <a:p>
-            <a:pPr algn="ctr"/>
-            <a:r>
-              <a:rPr lang="en-US" sz="1600" dirty="0">
-                <a:latin typeface="Lucida grande" panose="020B0502040204020203"/>
-              </a:rPr>
-              <a:t>Polymer path</a:t>
-            </a:r>
-          </a:p>
-        </p:txBody>
-      </p:sp>
-      <p:sp>
-        <p:nvSpPr>
-          <p:cNvPr id="5" name="TextBox 4">
-            <a:extLst>
-              <a:ext uri="{FF2B5EF4-FFF2-40B4-BE49-F238E27FC236}">
-                <a16:creationId xmlns:a16="http://schemas.microsoft.com/office/drawing/2014/main" id="{7946BAF6-F9CE-F354-A090-740882B8DDD6}"/>
-              </a:ext>
-            </a:extLst>
-          </p:cNvPr>
-          <p:cNvSpPr txBox="1"/>
-          <p:nvPr/>
-        </p:nvSpPr>
-        <p:spPr>
-          <a:xfrm>
-            <a:off x="3118312" y="6087448"/>
-            <a:ext cx="2082800" cy="584775"/>
-          </a:xfrm>
-          <a:prstGeom prst="rect">
-            <a:avLst/>
-          </a:prstGeom>
-          <a:noFill/>
-        </p:spPr>
-        <p:txBody>
-          <a:bodyPr wrap="square" rtlCol="0">
-            <a:spAutoFit/>
-          </a:bodyPr>
-          <a:lstStyle/>
-          <a:p>
-            <a:pPr algn="ctr"/>
-            <a:r>
-              <a:rPr lang="en-US" sz="1600" dirty="0">
-                <a:latin typeface="Lucida grande" panose="020B0502040204020203"/>
-              </a:rPr>
-              <a:t>Local polymer volume fraction</a:t>
-            </a:r>
-          </a:p>
-        </p:txBody>
-      </p:sp>
-      <p:sp>
-        <p:nvSpPr>
-          <p:cNvPr id="7" name="TextBox 6">
-            <a:extLst>
-              <a:ext uri="{FF2B5EF4-FFF2-40B4-BE49-F238E27FC236}">
-                <a16:creationId xmlns:a16="http://schemas.microsoft.com/office/drawing/2014/main" id="{578F5729-21AC-8A77-7E4E-3E2041D1E675}"/>
-              </a:ext>
-            </a:extLst>
-          </p:cNvPr>
-          <p:cNvSpPr txBox="1"/>
-          <p:nvPr/>
-        </p:nvSpPr>
-        <p:spPr>
-          <a:xfrm>
-            <a:off x="5275670" y="6092286"/>
-            <a:ext cx="1915571" cy="584775"/>
-          </a:xfrm>
-          <a:prstGeom prst="rect">
-            <a:avLst/>
-          </a:prstGeom>
-          <a:noFill/>
-        </p:spPr>
-        <p:txBody>
-          <a:bodyPr wrap="square" rtlCol="0">
-            <a:spAutoFit/>
-          </a:bodyPr>
-          <a:lstStyle/>
-          <a:p>
-            <a:pPr algn="ctr"/>
-            <a:r>
-              <a:rPr lang="en-US" sz="1600" dirty="0">
-                <a:latin typeface="Lucida grande" panose="020B0502040204020203"/>
-              </a:rPr>
-              <a:t>Local solvent volume fraction</a:t>
-            </a:r>
-          </a:p>
-        </p:txBody>
-      </p:sp>
-      <p:pic>
-        <p:nvPicPr>
-          <p:cNvPr id="18" name="Picture 17">
-            <a:extLst>
-              <a:ext uri="{FF2B5EF4-FFF2-40B4-BE49-F238E27FC236}">
-                <a16:creationId xmlns:a16="http://schemas.microsoft.com/office/drawing/2014/main" id="{F5E5DD53-6A6E-C799-128D-CE0FC5F71579}"/>
-              </a:ext>
-            </a:extLst>
-          </p:cNvPr>
-          <p:cNvPicPr>
-            <a:picLocks noChangeAspect="1"/>
-          </p:cNvPicPr>
-          <p:nvPr/>
-        </p:nvPicPr>
-        <p:blipFill>
-          <a:blip r:embed="rId6"/>
-          <a:stretch>
-            <a:fillRect/>
-          </a:stretch>
-        </p:blipFill>
-        <p:spPr>
-          <a:xfrm>
-            <a:off x="7978232" y="5802762"/>
-            <a:ext cx="583304" cy="255484"/>
-          </a:xfrm>
-          <a:prstGeom prst="rect">
-            <a:avLst/>
-          </a:prstGeom>
-        </p:spPr>
-      </p:pic>
-      <p:sp>
-        <p:nvSpPr>
-          <p:cNvPr id="19" name="TextBox 18">
-            <a:extLst>
-              <a:ext uri="{FF2B5EF4-FFF2-40B4-BE49-F238E27FC236}">
-                <a16:creationId xmlns:a16="http://schemas.microsoft.com/office/drawing/2014/main" id="{DC58CE06-7374-F925-1656-6D03FA491C47}"/>
-              </a:ext>
-            </a:extLst>
-          </p:cNvPr>
-          <p:cNvSpPr txBox="1"/>
-          <p:nvPr/>
-        </p:nvSpPr>
-        <p:spPr>
-          <a:xfrm>
-            <a:off x="7354101" y="6090942"/>
-            <a:ext cx="1845354" cy="584775"/>
-          </a:xfrm>
-          <a:prstGeom prst="rect">
-            <a:avLst/>
-          </a:prstGeom>
-          <a:noFill/>
-        </p:spPr>
-        <p:txBody>
-          <a:bodyPr wrap="square" rtlCol="0">
-            <a:spAutoFit/>
-          </a:bodyPr>
-          <a:lstStyle/>
-          <a:p>
-            <a:pPr algn="ctr"/>
-            <a:r>
-              <a:rPr lang="en-US" sz="1600" dirty="0">
-                <a:latin typeface="Lucida grande" panose="020B0502040204020203"/>
-              </a:rPr>
-              <a:t>Local charge density</a:t>
-            </a:r>
-          </a:p>
-        </p:txBody>
-      </p:sp>
-      <p:pic>
-        <p:nvPicPr>
-          <p:cNvPr id="21" name="Picture 20">
-            <a:extLst>
-              <a:ext uri="{FF2B5EF4-FFF2-40B4-BE49-F238E27FC236}">
-                <a16:creationId xmlns:a16="http://schemas.microsoft.com/office/drawing/2014/main" id="{39AC72BE-3666-ED4C-616A-5AEC95755FC1}"/>
-              </a:ext>
-            </a:extLst>
-          </p:cNvPr>
-          <p:cNvPicPr>
-            <a:picLocks noChangeAspect="1"/>
-          </p:cNvPicPr>
-          <p:nvPr/>
-        </p:nvPicPr>
-        <p:blipFill>
-          <a:blip r:embed="rId7"/>
-          <a:stretch>
-            <a:fillRect/>
-          </a:stretch>
-        </p:blipFill>
-        <p:spPr>
-          <a:xfrm>
-            <a:off x="9599672" y="5812301"/>
-            <a:ext cx="826490" cy="273377"/>
-          </a:xfrm>
-          <a:prstGeom prst="rect">
-            <a:avLst/>
-          </a:prstGeom>
-        </p:spPr>
-      </p:pic>
-      <p:sp>
-        <p:nvSpPr>
-          <p:cNvPr id="22" name="TextBox 21">
-            <a:extLst>
-              <a:ext uri="{FF2B5EF4-FFF2-40B4-BE49-F238E27FC236}">
-                <a16:creationId xmlns:a16="http://schemas.microsoft.com/office/drawing/2014/main" id="{FA9CD616-DC85-C777-27C6-DDC6F3F3BE26}"/>
-              </a:ext>
-            </a:extLst>
-          </p:cNvPr>
-          <p:cNvSpPr txBox="1"/>
-          <p:nvPr/>
-        </p:nvSpPr>
-        <p:spPr>
-          <a:xfrm>
-            <a:off x="9056544" y="6088689"/>
-            <a:ext cx="2078147" cy="584775"/>
-          </a:xfrm>
-          <a:prstGeom prst="rect">
-            <a:avLst/>
-          </a:prstGeom>
-          <a:noFill/>
-        </p:spPr>
-        <p:txBody>
-          <a:bodyPr wrap="square" rtlCol="0">
-            <a:spAutoFit/>
-          </a:bodyPr>
-          <a:lstStyle/>
-          <a:p>
-            <a:pPr algn="ctr"/>
-            <a:r>
-              <a:rPr lang="en-US" sz="1600" dirty="0">
-                <a:latin typeface="Lucida grande" panose="020B0502040204020203"/>
-              </a:rPr>
-              <a:t>Coulomb operator (PB equation)</a:t>
-            </a:r>
-          </a:p>
-        </p:txBody>
-      </p:sp>
     </p:spTree>
     <p:extLst>
       <p:ext uri="{BB962C8B-B14F-4D97-AF65-F5344CB8AC3E}">
@@ -11601,7 +11760,106 @@
                                           </p:stCondLst>
                                         </p:cTn>
                                         <p:tgtEl>
-                                          <p:spTgt spid="26"/>
+                                          <p:spTgt spid="74"/>
+                                        </p:tgtEl>
+                                        <p:attrNameLst>
+                                          <p:attrName>style.visibility</p:attrName>
+                                        </p:attrNameLst>
+                                      </p:cBhvr>
+                                      <p:to>
+                                        <p:strVal val="visible"/>
+                                      </p:to>
+                                    </p:set>
+                                  </p:childTnLst>
+                                </p:cTn>
+                              </p:par>
+                              <p:par>
+                                <p:cTn id="7" presetID="1" presetClass="entr" presetSubtype="0" fill="hold" nodeType="withEffect">
+                                  <p:stCondLst>
+                                    <p:cond delay="0"/>
+                                  </p:stCondLst>
+                                  <p:childTnLst>
+                                    <p:set>
+                                      <p:cBhvr>
+                                        <p:cTn id="8" dur="1" fill="hold">
+                                          <p:stCondLst>
+                                            <p:cond delay="0"/>
+                                          </p:stCondLst>
+                                        </p:cTn>
+                                        <p:tgtEl>
+                                          <p:spTgt spid="97"/>
+                                        </p:tgtEl>
+                                        <p:attrNameLst>
+                                          <p:attrName>style.visibility</p:attrName>
+                                        </p:attrNameLst>
+                                      </p:cBhvr>
+                                      <p:to>
+                                        <p:strVal val="visible"/>
+                                      </p:to>
+                                    </p:set>
+                                  </p:childTnLst>
+                                </p:cTn>
+                              </p:par>
+                            </p:childTnLst>
+                          </p:cTn>
+                        </p:par>
+                      </p:childTnLst>
+                    </p:cTn>
+                  </p:par>
+                  <p:par>
+                    <p:cTn id="9" fill="hold">
+                      <p:stCondLst>
+                        <p:cond delay="indefinite"/>
+                      </p:stCondLst>
+                      <p:childTnLst>
+                        <p:par>
+                          <p:cTn id="10" fill="hold">
+                            <p:stCondLst>
+                              <p:cond delay="0"/>
+                            </p:stCondLst>
+                            <p:childTnLst>
+                              <p:par>
+                                <p:cTn id="11" presetID="1" presetClass="entr" presetSubtype="0" fill="hold" nodeType="clickEffect">
+                                  <p:stCondLst>
+                                    <p:cond delay="0"/>
+                                  </p:stCondLst>
+                                  <p:childTnLst>
+                                    <p:set>
+                                      <p:cBhvr>
+                                        <p:cTn id="12" dur="1" fill="hold">
+                                          <p:stCondLst>
+                                            <p:cond delay="0"/>
+                                          </p:stCondLst>
+                                        </p:cTn>
+                                        <p:tgtEl>
+                                          <p:spTgt spid="76"/>
+                                        </p:tgtEl>
+                                        <p:attrNameLst>
+                                          <p:attrName>style.visibility</p:attrName>
+                                        </p:attrNameLst>
+                                      </p:cBhvr>
+                                      <p:to>
+                                        <p:strVal val="visible"/>
+                                      </p:to>
+                                    </p:set>
+                                  </p:childTnLst>
+                                </p:cTn>
+                              </p:par>
+                              <p:par>
+                                <p:cTn id="13" presetID="1" presetClass="entr" presetSubtype="0" fill="hold" nodeType="withEffect">
+                                  <p:stCondLst>
+                                    <p:cond delay="0"/>
+                                  </p:stCondLst>
+                                  <p:childTnLst>
+                                    <p:set>
+                                      <p:cBhvr>
+                                        <p:cTn id="14" dur="1" fill="hold">
+                                          <p:stCondLst>
+                                            <p:cond delay="0"/>
+                                          </p:stCondLst>
+                                        </p:cTn>
+                                        <p:tgtEl>
+                                          <p:spTgt spid="99"/>
                                         </p:tgtEl>
                                         <p:attrNameLst>
                                           <p:attrName>style.visibility</p:attrName>

--- a/20240722 NAF Intro.pptx
+++ b/20240722 NAF Intro.pptx
@@ -5,20 +5,21 @@
     <p:sldMasterId id="2147483648" r:id="rId1"/>
   </p:sldMasterIdLst>
   <p:notesMasterIdLst>
-    <p:notesMasterId r:id="rId13"/>
+    <p:notesMasterId r:id="rId14"/>
   </p:notesMasterIdLst>
   <p:sldIdLst>
     <p:sldId id="256" r:id="rId2"/>
     <p:sldId id="266" r:id="rId3"/>
     <p:sldId id="265" r:id="rId4"/>
     <p:sldId id="264" r:id="rId5"/>
-    <p:sldId id="268" r:id="rId6"/>
-    <p:sldId id="267" r:id="rId7"/>
-    <p:sldId id="259" r:id="rId8"/>
-    <p:sldId id="258" r:id="rId9"/>
-    <p:sldId id="263" r:id="rId10"/>
-    <p:sldId id="257" r:id="rId11"/>
-    <p:sldId id="262" r:id="rId12"/>
+    <p:sldId id="267" r:id="rId6"/>
+    <p:sldId id="268" r:id="rId7"/>
+    <p:sldId id="269" r:id="rId8"/>
+    <p:sldId id="259" r:id="rId9"/>
+    <p:sldId id="258" r:id="rId10"/>
+    <p:sldId id="263" r:id="rId11"/>
+    <p:sldId id="257" r:id="rId12"/>
+    <p:sldId id="262" r:id="rId13"/>
   </p:sldIdLst>
   <p:sldSz cx="12192000" cy="6858000"/>
   <p:notesSz cx="6858000" cy="9144000"/>
@@ -2510,6 +2511,347 @@
           <p:cNvPr id="2" name="Title 1">
             <a:extLst>
               <a:ext uri="{FF2B5EF4-FFF2-40B4-BE49-F238E27FC236}">
+                <a16:creationId xmlns:a16="http://schemas.microsoft.com/office/drawing/2014/main" id="{0BCCA52D-D21F-6A87-805B-EF9B684D9C6B}"/>
+              </a:ext>
+            </a:extLst>
+          </p:cNvPr>
+          <p:cNvSpPr>
+            <a:spLocks noGrp="1"/>
+          </p:cNvSpPr>
+          <p:nvPr>
+            <p:ph type="title"/>
+          </p:nvPr>
+        </p:nvSpPr>
+        <p:spPr/>
+        <p:txBody>
+          <a:bodyPr/>
+          <a:lstStyle/>
+          <a:p>
+            <a:r>
+              <a:rPr lang="en-US" dirty="0"/>
+              <a:t>Model</a:t>
+            </a:r>
+          </a:p>
+        </p:txBody>
+      </p:sp>
+      <p:sp>
+        <p:nvSpPr>
+          <p:cNvPr id="3" name="Content Placeholder 2">
+            <a:extLst>
+              <a:ext uri="{FF2B5EF4-FFF2-40B4-BE49-F238E27FC236}">
+                <a16:creationId xmlns:a16="http://schemas.microsoft.com/office/drawing/2014/main" id="{FBE7D10C-C535-B9AF-AA31-56BAF916D8EC}"/>
+              </a:ext>
+            </a:extLst>
+          </p:cNvPr>
+          <p:cNvSpPr>
+            <a:spLocks noGrp="1"/>
+          </p:cNvSpPr>
+          <p:nvPr>
+            <p:ph idx="1"/>
+          </p:nvPr>
+        </p:nvSpPr>
+        <p:spPr>
+          <a:xfrm>
+            <a:off x="838200" y="1263491"/>
+            <a:ext cx="10515600" cy="5109249"/>
+          </a:xfrm>
+        </p:spPr>
+        <p:txBody>
+          <a:bodyPr>
+            <a:normAutofit/>
+          </a:bodyPr>
+          <a:lstStyle/>
+          <a:p>
+            <a:r>
+              <a:rPr lang="en-US" sz="2000" dirty="0"/>
+              <a:t>Interactions</a:t>
+            </a:r>
+          </a:p>
+          <a:p>
+            <a:endParaRPr lang="en-US" sz="2000" dirty="0"/>
+          </a:p>
+          <a:p>
+            <a:endParaRPr lang="en-US" sz="2000" dirty="0"/>
+          </a:p>
+          <a:p>
+            <a:endParaRPr lang="en-US" sz="2000" dirty="0"/>
+          </a:p>
+          <a:p>
+            <a:endParaRPr lang="en-US" sz="2000" dirty="0"/>
+          </a:p>
+          <a:p>
+            <a:r>
+              <a:rPr lang="en-US" sz="2000" dirty="0"/>
+              <a:t>Self-consistent field theory for charged multiblock macromolecules</a:t>
+            </a:r>
+          </a:p>
+          <a:p>
+            <a:pPr lvl="1"/>
+            <a:r>
+              <a:rPr lang="en-US" sz="1800" dirty="0"/>
+              <a:t>Coupled system of 5 algebraic equations and 2 partial differential equations</a:t>
+            </a:r>
+          </a:p>
+          <a:p>
+            <a:pPr lvl="1"/>
+            <a:r>
+              <a:rPr lang="en-US" sz="1800" dirty="0"/>
+              <a:t>For sidechain-only system, 2 blocks; Block 2 contains -1</a:t>
+            </a:r>
+            <a:r>
+              <a:rPr lang="en-US" sz="1800" i="1" dirty="0"/>
+              <a:t>e</a:t>
+            </a:r>
+            <a:r>
+              <a:rPr lang="en-US" sz="1800" dirty="0"/>
+              <a:t> for SO3-</a:t>
+            </a:r>
+          </a:p>
+          <a:p>
+            <a:pPr lvl="2"/>
+            <a:r>
+              <a:rPr lang="en-US" sz="1600" dirty="0"/>
+              <a:t>F-H parameters taken from literature (Wu, </a:t>
+            </a:r>
+            <a:r>
+              <a:rPr lang="en-US" sz="1600" dirty="0" err="1"/>
+              <a:t>Paddison</a:t>
+            </a:r>
+            <a:r>
+              <a:rPr lang="en-US" sz="1600" dirty="0"/>
+              <a:t>, Elliot, </a:t>
+            </a:r>
+            <a:r>
+              <a:rPr lang="en-US" sz="1600" i="1" dirty="0"/>
+              <a:t>Energy Env. Sci. </a:t>
+            </a:r>
+            <a:r>
+              <a:rPr lang="en-US" sz="1600" dirty="0"/>
+              <a:t>2008. 1. 284-293)</a:t>
+            </a:r>
+          </a:p>
+        </p:txBody>
+      </p:sp>
+      <p:sp>
+        <p:nvSpPr>
+          <p:cNvPr id="23" name="Slide Number Placeholder 22">
+            <a:extLst>
+              <a:ext uri="{FF2B5EF4-FFF2-40B4-BE49-F238E27FC236}">
+                <a16:creationId xmlns:a16="http://schemas.microsoft.com/office/drawing/2014/main" id="{3640DB4C-A7A5-355A-BE46-AD20B9A4F813}"/>
+              </a:ext>
+            </a:extLst>
+          </p:cNvPr>
+          <p:cNvSpPr>
+            <a:spLocks noGrp="1"/>
+          </p:cNvSpPr>
+          <p:nvPr>
+            <p:ph type="sldNum" sz="quarter" idx="12"/>
+          </p:nvPr>
+        </p:nvSpPr>
+        <p:spPr/>
+        <p:txBody>
+          <a:bodyPr/>
+          <a:lstStyle/>
+          <a:p>
+            <a:fld id="{B40DB54C-0C58-4481-B5FF-5C3F14CFF9B3}" type="slidenum">
+              <a:rPr lang="en-US" smtClean="0"/>
+              <a:t>10</a:t>
+            </a:fld>
+            <a:endParaRPr lang="en-US"/>
+          </a:p>
+        </p:txBody>
+      </p:sp>
+      <p:grpSp>
+        <p:nvGrpSpPr>
+          <p:cNvPr id="8" name="Group 7">
+            <a:extLst>
+              <a:ext uri="{FF2B5EF4-FFF2-40B4-BE49-F238E27FC236}">
+                <a16:creationId xmlns:a16="http://schemas.microsoft.com/office/drawing/2014/main" id="{0B51F1FA-0307-4536-AA12-32195C5B75BE}"/>
+              </a:ext>
+            </a:extLst>
+          </p:cNvPr>
+          <p:cNvGrpSpPr/>
+          <p:nvPr/>
+        </p:nvGrpSpPr>
+        <p:grpSpPr>
+          <a:xfrm>
+            <a:off x="1534181" y="1886110"/>
+            <a:ext cx="9705566" cy="2001919"/>
+            <a:chOff x="1855914" y="2173976"/>
+            <a:chExt cx="9705566" cy="2001919"/>
+          </a:xfrm>
+        </p:grpSpPr>
+        <p:sp>
+          <p:nvSpPr>
+            <p:cNvPr id="13" name="TextBox 12">
+              <a:extLst>
+                <a:ext uri="{FF2B5EF4-FFF2-40B4-BE49-F238E27FC236}">
+                  <a16:creationId xmlns:a16="http://schemas.microsoft.com/office/drawing/2014/main" id="{3B910E88-6FC7-C628-950E-AC654D8AFCBE}"/>
+                </a:ext>
+              </a:extLst>
+            </p:cNvPr>
+            <p:cNvSpPr txBox="1"/>
+            <p:nvPr/>
+          </p:nvSpPr>
+          <p:spPr>
+            <a:xfrm>
+              <a:off x="8087476" y="2177259"/>
+              <a:ext cx="2860553" cy="401231"/>
+            </a:xfrm>
+            <a:prstGeom prst="rect">
+              <a:avLst/>
+            </a:prstGeom>
+            <a:noFill/>
+          </p:spPr>
+          <p:txBody>
+            <a:bodyPr wrap="square" rtlCol="0">
+              <a:spAutoFit/>
+            </a:bodyPr>
+            <a:lstStyle/>
+            <a:p>
+              <a:r>
+                <a:rPr lang="en-US" sz="2000" dirty="0"/>
+                <a:t>Elastic energy</a:t>
+              </a:r>
+            </a:p>
+          </p:txBody>
+        </p:sp>
+        <p:sp>
+          <p:nvSpPr>
+            <p:cNvPr id="14" name="TextBox 13">
+              <a:extLst>
+                <a:ext uri="{FF2B5EF4-FFF2-40B4-BE49-F238E27FC236}">
+                  <a16:creationId xmlns:a16="http://schemas.microsoft.com/office/drawing/2014/main" id="{FED98DCF-C4E3-C33C-4883-B6E0EB897675}"/>
+                </a:ext>
+              </a:extLst>
+            </p:cNvPr>
+            <p:cNvSpPr txBox="1"/>
+            <p:nvPr/>
+          </p:nvSpPr>
+          <p:spPr>
+            <a:xfrm>
+              <a:off x="8087477" y="2977554"/>
+              <a:ext cx="3474003" cy="400110"/>
+            </a:xfrm>
+            <a:prstGeom prst="rect">
+              <a:avLst/>
+            </a:prstGeom>
+            <a:noFill/>
+          </p:spPr>
+          <p:txBody>
+            <a:bodyPr wrap="square" rtlCol="0">
+              <a:spAutoFit/>
+            </a:bodyPr>
+            <a:lstStyle/>
+            <a:p>
+              <a:r>
+                <a:rPr lang="en-US" sz="2000" dirty="0"/>
+                <a:t>Flory-Huggins (Hydrophobicity)</a:t>
+              </a:r>
+            </a:p>
+          </p:txBody>
+        </p:sp>
+        <p:sp>
+          <p:nvSpPr>
+            <p:cNvPr id="15" name="TextBox 14">
+              <a:extLst>
+                <a:ext uri="{FF2B5EF4-FFF2-40B4-BE49-F238E27FC236}">
+                  <a16:creationId xmlns:a16="http://schemas.microsoft.com/office/drawing/2014/main" id="{A78D30D6-61CE-18CA-95B3-430192831C83}"/>
+                </a:ext>
+              </a:extLst>
+            </p:cNvPr>
+            <p:cNvSpPr txBox="1"/>
+            <p:nvPr/>
+          </p:nvSpPr>
+          <p:spPr>
+            <a:xfrm>
+              <a:off x="8087476" y="3722255"/>
+              <a:ext cx="2860553" cy="401231"/>
+            </a:xfrm>
+            <a:prstGeom prst="rect">
+              <a:avLst/>
+            </a:prstGeom>
+            <a:noFill/>
+          </p:spPr>
+          <p:txBody>
+            <a:bodyPr wrap="square" rtlCol="0">
+              <a:spAutoFit/>
+            </a:bodyPr>
+            <a:lstStyle/>
+            <a:p>
+              <a:r>
+                <a:rPr lang="en-US" sz="2000" dirty="0"/>
+                <a:t>Electrostatics</a:t>
+              </a:r>
+            </a:p>
+          </p:txBody>
+        </p:sp>
+        <p:pic>
+          <p:nvPicPr>
+            <p:cNvPr id="7" name="Picture 6">
+              <a:extLst>
+                <a:ext uri="{FF2B5EF4-FFF2-40B4-BE49-F238E27FC236}">
+                  <a16:creationId xmlns:a16="http://schemas.microsoft.com/office/drawing/2014/main" id="{8D3EAA72-2B56-ADC4-FF8F-CDC1EF005E9A}"/>
+                </a:ext>
+              </a:extLst>
+            </p:cNvPr>
+            <p:cNvPicPr>
+              <a:picLocks noChangeAspect="1"/>
+            </p:cNvPicPr>
+            <p:nvPr/>
+          </p:nvPicPr>
+          <p:blipFill>
+            <a:blip r:embed="rId2"/>
+            <a:stretch>
+              <a:fillRect/>
+            </a:stretch>
+          </p:blipFill>
+          <p:spPr>
+            <a:xfrm>
+              <a:off x="1855914" y="2173976"/>
+              <a:ext cx="5495760" cy="2001919"/>
+            </a:xfrm>
+            <a:prstGeom prst="rect">
+              <a:avLst/>
+            </a:prstGeom>
+          </p:spPr>
+        </p:pic>
+      </p:grpSp>
+    </p:spTree>
+    <p:extLst>
+      <p:ext uri="{BB962C8B-B14F-4D97-AF65-F5344CB8AC3E}">
+        <p14:creationId xmlns:p14="http://schemas.microsoft.com/office/powerpoint/2010/main" val="3803156305"/>
+      </p:ext>
+    </p:extLst>
+  </p:cSld>
+  <p:clrMapOvr>
+    <a:masterClrMapping/>
+  </p:clrMapOvr>
+</p:sld>
+</file>
+
+<file path=ppt/slides/slide11.xml><?xml version="1.0" encoding="utf-8"?>
+<p:sld xmlns:a="http://schemas.openxmlformats.org/drawingml/2006/main" xmlns:r="http://schemas.openxmlformats.org/officeDocument/2006/relationships" xmlns:p="http://schemas.openxmlformats.org/presentationml/2006/main">
+  <p:cSld>
+    <p:spTree>
+      <p:nvGrpSpPr>
+        <p:cNvPr id="1" name=""/>
+        <p:cNvGrpSpPr/>
+        <p:nvPr/>
+      </p:nvGrpSpPr>
+      <p:grpSpPr>
+        <a:xfrm>
+          <a:off x="0" y="0"/>
+          <a:ext cx="0" cy="0"/>
+          <a:chOff x="0" y="0"/>
+          <a:chExt cx="0" cy="0"/>
+        </a:xfrm>
+      </p:grpSpPr>
+      <p:sp>
+        <p:nvSpPr>
+          <p:cNvPr id="2" name="Title 1">
+            <a:extLst>
+              <a:ext uri="{FF2B5EF4-FFF2-40B4-BE49-F238E27FC236}">
                 <a16:creationId xmlns:a16="http://schemas.microsoft.com/office/drawing/2014/main" id="{4041FD49-51CB-4608-A3ED-30B7E304CBD6}"/>
               </a:ext>
             </a:extLst>
@@ -2563,7 +2905,7 @@
           <a:p>
             <a:fld id="{5911C0E6-D9CE-431C-92CB-BB39B872F930}" type="slidenum">
               <a:rPr lang="en-US" smtClean="0"/>
-              <a:t>10</a:t>
+              <a:t>11</a:t>
             </a:fld>
             <a:endParaRPr lang="en-US"/>
           </a:p>
@@ -3000,7 +3342,7 @@
 </p:sld>
 </file>
 
-<file path=ppt/slides/slide11.xml><?xml version="1.0" encoding="utf-8"?>
+<file path=ppt/slides/slide12.xml><?xml version="1.0" encoding="utf-8"?>
 <p:sld xmlns:a="http://schemas.openxmlformats.org/drawingml/2006/main" xmlns:r="http://schemas.openxmlformats.org/officeDocument/2006/relationships" xmlns:p="http://schemas.openxmlformats.org/presentationml/2006/main">
   <p:cSld>
     <p:spTree>
@@ -3120,7 +3462,7 @@
           <a:p>
             <a:fld id="{5911C0E6-D9CE-431C-92CB-BB39B872F930}" type="slidenum">
               <a:rPr lang="en-US" smtClean="0"/>
-              <a:t>11</a:t>
+              <a:t>12</a:t>
             </a:fld>
             <a:endParaRPr lang="en-US"/>
           </a:p>
@@ -7092,7 +7434,7 @@
         </p:blipFill>
         <p:spPr>
           <a:xfrm>
-            <a:off x="4250630" y="4275197"/>
+            <a:off x="4817897" y="4275197"/>
             <a:ext cx="5545835" cy="1475690"/>
           </a:xfrm>
           <a:prstGeom prst="rect">
@@ -7213,7 +7555,7 @@
         </p:nvSpPr>
         <p:spPr>
           <a:xfrm>
-            <a:off x="1264165" y="5845438"/>
+            <a:off x="1831432" y="5845438"/>
             <a:ext cx="2524125" cy="646331"/>
           </a:xfrm>
           <a:prstGeom prst="rect">
@@ -7362,7 +7704,7 @@
         </p:nvGrpSpPr>
         <p:grpSpPr>
           <a:xfrm>
-            <a:off x="1775884" y="2567672"/>
+            <a:off x="2343151" y="2567672"/>
             <a:ext cx="8167823" cy="1825590"/>
             <a:chOff x="1813985" y="2681972"/>
             <a:chExt cx="7876820" cy="1760548"/>
@@ -7508,7 +7850,7 @@
         </p:blipFill>
         <p:spPr>
           <a:xfrm>
-            <a:off x="2161089" y="4208522"/>
+            <a:off x="2728356" y="4208522"/>
             <a:ext cx="886911" cy="1475690"/>
           </a:xfrm>
           <a:prstGeom prst="rect">
@@ -7530,7 +7872,7 @@
         </p:nvSpPr>
         <p:spPr>
           <a:xfrm>
-            <a:off x="4181475" y="2798772"/>
+            <a:off x="4748742" y="2798772"/>
             <a:ext cx="3857625" cy="3914611"/>
           </a:xfrm>
           <a:prstGeom prst="rect">
@@ -7584,7 +7926,7 @@
         </p:nvSpPr>
         <p:spPr>
           <a:xfrm>
-            <a:off x="7734300" y="5859910"/>
+            <a:off x="8301567" y="5859910"/>
             <a:ext cx="2524125" cy="646331"/>
           </a:xfrm>
           <a:prstGeom prst="rect">
@@ -7604,6 +7946,82 @@
                 <a:latin typeface="Lucida grande" panose="020B0502040204020203"/>
               </a:rPr>
               <a:t>Fully swollen (Repulsion-dominated)</a:t>
+            </a:r>
+          </a:p>
+        </p:txBody>
+      </p:sp>
+      <p:sp>
+        <p:nvSpPr>
+          <p:cNvPr id="5" name="TextBox 4">
+            <a:extLst>
+              <a:ext uri="{FF2B5EF4-FFF2-40B4-BE49-F238E27FC236}">
+                <a16:creationId xmlns:a16="http://schemas.microsoft.com/office/drawing/2014/main" id="{90623147-BC0F-C3E3-E0AC-0B253C1D4C58}"/>
+              </a:ext>
+            </a:extLst>
+          </p:cNvPr>
+          <p:cNvSpPr txBox="1"/>
+          <p:nvPr/>
+        </p:nvSpPr>
+        <p:spPr>
+          <a:xfrm>
+            <a:off x="438544" y="2974157"/>
+            <a:ext cx="1653632" cy="830997"/>
+          </a:xfrm>
+          <a:prstGeom prst="rect">
+            <a:avLst/>
+          </a:prstGeom>
+          <a:noFill/>
+        </p:spPr>
+        <p:txBody>
+          <a:bodyPr wrap="square" rtlCol="0">
+            <a:spAutoFit/>
+          </a:bodyPr>
+          <a:lstStyle/>
+          <a:p>
+            <a:pPr algn="l"/>
+            <a:r>
+              <a:rPr lang="en-US" sz="1600" dirty="0">
+                <a:latin typeface="Lucida grande" panose="020B0502040204020203"/>
+              </a:rPr>
+              <a:t>Polymer density distributions from SCFT</a:t>
+            </a:r>
+          </a:p>
+        </p:txBody>
+      </p:sp>
+      <p:sp>
+        <p:nvSpPr>
+          <p:cNvPr id="6" name="TextBox 5">
+            <a:extLst>
+              <a:ext uri="{FF2B5EF4-FFF2-40B4-BE49-F238E27FC236}">
+                <a16:creationId xmlns:a16="http://schemas.microsoft.com/office/drawing/2014/main" id="{94384F6C-49FF-00C5-BB9C-07BC0037DA19}"/>
+              </a:ext>
+            </a:extLst>
+          </p:cNvPr>
+          <p:cNvSpPr txBox="1"/>
+          <p:nvPr/>
+        </p:nvSpPr>
+        <p:spPr>
+          <a:xfrm>
+            <a:off x="438544" y="4493368"/>
+            <a:ext cx="1598084" cy="830997"/>
+          </a:xfrm>
+          <a:prstGeom prst="rect">
+            <a:avLst/>
+          </a:prstGeom>
+          <a:noFill/>
+        </p:spPr>
+        <p:txBody>
+          <a:bodyPr wrap="square" rtlCol="0">
+            <a:spAutoFit/>
+          </a:bodyPr>
+          <a:lstStyle/>
+          <a:p>
+            <a:pPr algn="l"/>
+            <a:r>
+              <a:rPr lang="en-US" sz="1600" dirty="0">
+                <a:latin typeface="Lucida grande" panose="020B0502040204020203"/>
+              </a:rPr>
+              <a:t>Corresponding schematic (insight)</a:t>
             </a:r>
           </a:p>
         </p:txBody>
@@ -7700,6 +8118,496 @@
 </file>
 
 <file path=ppt/slides/slide5.xml><?xml version="1.0" encoding="utf-8"?>
+<p:sld xmlns:a="http://schemas.openxmlformats.org/drawingml/2006/main" xmlns:r="http://schemas.openxmlformats.org/officeDocument/2006/relationships" xmlns:p="http://schemas.openxmlformats.org/presentationml/2006/main" show="0">
+  <p:cSld>
+    <p:spTree>
+      <p:nvGrpSpPr>
+        <p:cNvPr id="1" name=""/>
+        <p:cNvGrpSpPr/>
+        <p:nvPr/>
+      </p:nvGrpSpPr>
+      <p:grpSpPr>
+        <a:xfrm>
+          <a:off x="0" y="0"/>
+          <a:ext cx="0" cy="0"/>
+          <a:chOff x="0" y="0"/>
+          <a:chExt cx="0" cy="0"/>
+        </a:xfrm>
+      </p:grpSpPr>
+      <p:sp>
+        <p:nvSpPr>
+          <p:cNvPr id="2" name="Title 1">
+            <a:extLst>
+              <a:ext uri="{FF2B5EF4-FFF2-40B4-BE49-F238E27FC236}">
+                <a16:creationId xmlns:a16="http://schemas.microsoft.com/office/drawing/2014/main" id="{0460D435-6CE6-CC08-1100-F94AFF21912C}"/>
+              </a:ext>
+            </a:extLst>
+          </p:cNvPr>
+          <p:cNvSpPr>
+            <a:spLocks noGrp="1"/>
+          </p:cNvSpPr>
+          <p:nvPr>
+            <p:ph type="title"/>
+          </p:nvPr>
+        </p:nvSpPr>
+        <p:spPr/>
+        <p:txBody>
+          <a:bodyPr/>
+          <a:lstStyle/>
+          <a:p>
+            <a:endParaRPr lang="en-US"/>
+          </a:p>
+        </p:txBody>
+      </p:sp>
+      <p:sp>
+        <p:nvSpPr>
+          <p:cNvPr id="3" name="Slide Number Placeholder 2">
+            <a:extLst>
+              <a:ext uri="{FF2B5EF4-FFF2-40B4-BE49-F238E27FC236}">
+                <a16:creationId xmlns:a16="http://schemas.microsoft.com/office/drawing/2014/main" id="{4C2A977D-29F9-4A50-DCAF-0D53CAF21B41}"/>
+              </a:ext>
+            </a:extLst>
+          </p:cNvPr>
+          <p:cNvSpPr>
+            <a:spLocks noGrp="1"/>
+          </p:cNvSpPr>
+          <p:nvPr>
+            <p:ph type="sldNum" sz="quarter" idx="12"/>
+          </p:nvPr>
+        </p:nvSpPr>
+        <p:spPr/>
+        <p:txBody>
+          <a:bodyPr/>
+          <a:lstStyle/>
+          <a:p>
+            <a:fld id="{5911C0E6-D9CE-431C-92CB-BB39B872F930}" type="slidenum">
+              <a:rPr lang="en-US" smtClean="0"/>
+              <a:t>5</a:t>
+            </a:fld>
+            <a:endParaRPr lang="en-US"/>
+          </a:p>
+        </p:txBody>
+      </p:sp>
+      <p:grpSp>
+        <p:nvGrpSpPr>
+          <p:cNvPr id="25" name="Group 24">
+            <a:extLst>
+              <a:ext uri="{FF2B5EF4-FFF2-40B4-BE49-F238E27FC236}">
+                <a16:creationId xmlns:a16="http://schemas.microsoft.com/office/drawing/2014/main" id="{9B270D85-5959-A30E-41AC-116B99F88414}"/>
+              </a:ext>
+            </a:extLst>
+          </p:cNvPr>
+          <p:cNvGrpSpPr/>
+          <p:nvPr/>
+        </p:nvGrpSpPr>
+        <p:grpSpPr>
+          <a:xfrm>
+            <a:off x="535315" y="3429000"/>
+            <a:ext cx="7900548" cy="1542507"/>
+            <a:chOff x="611252" y="4175563"/>
+            <a:chExt cx="7900548" cy="1542507"/>
+          </a:xfrm>
+        </p:grpSpPr>
+        <p:grpSp>
+          <p:nvGrpSpPr>
+            <p:cNvPr id="19" name="Group 18">
+              <a:extLst>
+                <a:ext uri="{FF2B5EF4-FFF2-40B4-BE49-F238E27FC236}">
+                  <a16:creationId xmlns:a16="http://schemas.microsoft.com/office/drawing/2014/main" id="{79761517-9595-2390-AD91-3794692D7D6E}"/>
+                </a:ext>
+              </a:extLst>
+            </p:cNvPr>
+            <p:cNvGrpSpPr/>
+            <p:nvPr/>
+          </p:nvGrpSpPr>
+          <p:grpSpPr>
+            <a:xfrm>
+              <a:off x="611252" y="4175563"/>
+              <a:ext cx="7900548" cy="1542507"/>
+              <a:chOff x="814452" y="4273896"/>
+              <a:chExt cx="7900548" cy="1542507"/>
+            </a:xfrm>
+          </p:grpSpPr>
+          <p:pic>
+            <p:nvPicPr>
+              <p:cNvPr id="14" name="Picture 13">
+                <a:extLst>
+                  <a:ext uri="{FF2B5EF4-FFF2-40B4-BE49-F238E27FC236}">
+                    <a16:creationId xmlns:a16="http://schemas.microsoft.com/office/drawing/2014/main" id="{894630D6-E09D-344A-2CA8-D40B042A64A0}"/>
+                  </a:ext>
+                </a:extLst>
+              </p:cNvPr>
+              <p:cNvPicPr>
+                <a:picLocks noChangeAspect="1"/>
+              </p:cNvPicPr>
+              <p:nvPr/>
+            </p:nvPicPr>
+            <p:blipFill rotWithShape="1">
+              <a:blip r:embed="rId2"/>
+              <a:srcRect l="36296" r="32491"/>
+              <a:stretch/>
+            </p:blipFill>
+            <p:spPr>
+              <a:xfrm>
+                <a:off x="4810502" y="4283254"/>
+                <a:ext cx="2015209" cy="1530229"/>
+              </a:xfrm>
+              <a:prstGeom prst="rect">
+                <a:avLst/>
+              </a:prstGeom>
+            </p:spPr>
+          </p:pic>
+          <p:pic>
+            <p:nvPicPr>
+              <p:cNvPr id="17" name="Picture 2">
+                <a:extLst>
+                  <a:ext uri="{FF2B5EF4-FFF2-40B4-BE49-F238E27FC236}">
+                    <a16:creationId xmlns:a16="http://schemas.microsoft.com/office/drawing/2014/main" id="{1B9C9F2A-F3C2-71C3-9D2A-91623CAA3BC7}"/>
+                  </a:ext>
+                </a:extLst>
+              </p:cNvPr>
+              <p:cNvPicPr>
+                <a:picLocks noChangeAspect="1" noChangeArrowheads="1"/>
+              </p:cNvPicPr>
+              <p:nvPr/>
+            </p:nvPicPr>
+            <p:blipFill rotWithShape="1">
+              <a:blip r:embed="rId3">
+                <a:extLst>
+                  <a:ext uri="{28A0092B-C50C-407E-A947-70E740481C1C}">
+                    <a14:useLocalDpi xmlns:a14="http://schemas.microsoft.com/office/drawing/2010/main" val="0"/>
+                  </a:ext>
+                </a:extLst>
+              </a:blip>
+              <a:srcRect l="71272" t="43350"/>
+              <a:stretch/>
+            </p:blipFill>
+            <p:spPr bwMode="auto">
+              <a:xfrm>
+                <a:off x="6860268" y="4318432"/>
+                <a:ext cx="1854732" cy="1497971"/>
+              </a:xfrm>
+              <a:prstGeom prst="rect">
+                <a:avLst/>
+              </a:prstGeom>
+              <a:noFill/>
+              <a:extLst>
+                <a:ext uri="{909E8E84-426E-40DD-AFC4-6F175D3DCCD1}">
+                  <a14:hiddenFill xmlns:a14="http://schemas.microsoft.com/office/drawing/2010/main">
+                    <a:solidFill>
+                      <a:srgbClr val="FFFFFF"/>
+                    </a:solidFill>
+                  </a14:hiddenFill>
+                </a:ext>
+              </a:extLst>
+            </p:spPr>
+          </p:pic>
+          <p:pic>
+            <p:nvPicPr>
+              <p:cNvPr id="18" name="Picture 2">
+                <a:extLst>
+                  <a:ext uri="{FF2B5EF4-FFF2-40B4-BE49-F238E27FC236}">
+                    <a16:creationId xmlns:a16="http://schemas.microsoft.com/office/drawing/2014/main" id="{1339580A-9260-1F50-665C-7FA5DA460316}"/>
+                  </a:ext>
+                </a:extLst>
+              </p:cNvPr>
+              <p:cNvPicPr>
+                <a:picLocks noChangeAspect="1" noChangeArrowheads="1"/>
+              </p:cNvPicPr>
+              <p:nvPr/>
+            </p:nvPicPr>
+            <p:blipFill rotWithShape="1">
+              <a:blip r:embed="rId3">
+                <a:extLst>
+                  <a:ext uri="{28A0092B-C50C-407E-A947-70E740481C1C}">
+                    <a14:useLocalDpi xmlns:a14="http://schemas.microsoft.com/office/drawing/2010/main" val="0"/>
+                  </a:ext>
+                </a:extLst>
+              </a:blip>
+              <a:srcRect t="43350" r="63211"/>
+              <a:stretch/>
+            </p:blipFill>
+            <p:spPr bwMode="auto">
+              <a:xfrm>
+                <a:off x="2665527" y="4315512"/>
+                <a:ext cx="2375148" cy="1497971"/>
+              </a:xfrm>
+              <a:prstGeom prst="rect">
+                <a:avLst/>
+              </a:prstGeom>
+              <a:noFill/>
+              <a:extLst>
+                <a:ext uri="{909E8E84-426E-40DD-AFC4-6F175D3DCCD1}">
+                  <a14:hiddenFill xmlns:a14="http://schemas.microsoft.com/office/drawing/2010/main">
+                    <a:solidFill>
+                      <a:srgbClr val="FFFFFF"/>
+                    </a:solidFill>
+                  </a14:hiddenFill>
+                </a:ext>
+              </a:extLst>
+            </p:spPr>
+          </p:pic>
+          <p:pic>
+            <p:nvPicPr>
+              <p:cNvPr id="15" name="Picture 14">
+                <a:extLst>
+                  <a:ext uri="{FF2B5EF4-FFF2-40B4-BE49-F238E27FC236}">
+                    <a16:creationId xmlns:a16="http://schemas.microsoft.com/office/drawing/2014/main" id="{C97EBA11-4E1E-5B1B-79B2-B76E44DA24B6}"/>
+                  </a:ext>
+                </a:extLst>
+              </p:cNvPr>
+              <p:cNvPicPr>
+                <a:picLocks noChangeAspect="1"/>
+              </p:cNvPicPr>
+              <p:nvPr/>
+            </p:nvPicPr>
+            <p:blipFill rotWithShape="1">
+              <a:blip r:embed="rId2"/>
+              <a:srcRect r="63856"/>
+              <a:stretch/>
+            </p:blipFill>
+            <p:spPr>
+              <a:xfrm>
+                <a:off x="814452" y="4273896"/>
+                <a:ext cx="2333561" cy="1530229"/>
+              </a:xfrm>
+              <a:prstGeom prst="rect">
+                <a:avLst/>
+              </a:prstGeom>
+            </p:spPr>
+          </p:pic>
+        </p:grpSp>
+        <p:sp>
+          <p:nvSpPr>
+            <p:cNvPr id="20" name="Rectangle 19">
+              <a:extLst>
+                <a:ext uri="{FF2B5EF4-FFF2-40B4-BE49-F238E27FC236}">
+                  <a16:creationId xmlns:a16="http://schemas.microsoft.com/office/drawing/2014/main" id="{CFD875D9-34F8-7CBA-D7C2-5E97825F7304}"/>
+                </a:ext>
+              </a:extLst>
+            </p:cNvPr>
+            <p:cNvSpPr/>
+            <p:nvPr/>
+          </p:nvSpPr>
+          <p:spPr>
+            <a:xfrm>
+              <a:off x="2099733" y="4348010"/>
+              <a:ext cx="757767" cy="592667"/>
+            </a:xfrm>
+            <a:prstGeom prst="rect">
+              <a:avLst/>
+            </a:prstGeom>
+            <a:solidFill>
+              <a:schemeClr val="bg1"/>
+            </a:solidFill>
+            <a:ln>
+              <a:solidFill>
+                <a:schemeClr val="bg1"/>
+              </a:solidFill>
+            </a:ln>
+          </p:spPr>
+          <p:style>
+            <a:lnRef idx="2">
+              <a:schemeClr val="accent1">
+                <a:shade val="15000"/>
+              </a:schemeClr>
+            </a:lnRef>
+            <a:fillRef idx="1">
+              <a:schemeClr val="accent1"/>
+            </a:fillRef>
+            <a:effectRef idx="0">
+              <a:schemeClr val="accent1"/>
+            </a:effectRef>
+            <a:fontRef idx="minor">
+              <a:schemeClr val="lt1"/>
+            </a:fontRef>
+          </p:style>
+          <p:txBody>
+            <a:bodyPr rtlCol="0" anchor="ctr"/>
+            <a:lstStyle/>
+            <a:p>
+              <a:pPr algn="ctr"/>
+              <a:endParaRPr lang="en-US"/>
+            </a:p>
+          </p:txBody>
+        </p:sp>
+        <p:sp>
+          <p:nvSpPr>
+            <p:cNvPr id="21" name="Rectangle 20">
+              <a:extLst>
+                <a:ext uri="{FF2B5EF4-FFF2-40B4-BE49-F238E27FC236}">
+                  <a16:creationId xmlns:a16="http://schemas.microsoft.com/office/drawing/2014/main" id="{AF272D29-9B87-6533-EE33-E2FA6BD02935}"/>
+                </a:ext>
+              </a:extLst>
+            </p:cNvPr>
+            <p:cNvSpPr/>
+            <p:nvPr/>
+          </p:nvSpPr>
+          <p:spPr>
+            <a:xfrm>
+              <a:off x="3950808" y="4348009"/>
+              <a:ext cx="757767" cy="592667"/>
+            </a:xfrm>
+            <a:prstGeom prst="rect">
+              <a:avLst/>
+            </a:prstGeom>
+            <a:solidFill>
+              <a:schemeClr val="bg1"/>
+            </a:solidFill>
+            <a:ln>
+              <a:solidFill>
+                <a:schemeClr val="bg1"/>
+              </a:solidFill>
+            </a:ln>
+          </p:spPr>
+          <p:style>
+            <a:lnRef idx="2">
+              <a:schemeClr val="accent1">
+                <a:shade val="15000"/>
+              </a:schemeClr>
+            </a:lnRef>
+            <a:fillRef idx="1">
+              <a:schemeClr val="accent1"/>
+            </a:fillRef>
+            <a:effectRef idx="0">
+              <a:schemeClr val="accent1"/>
+            </a:effectRef>
+            <a:fontRef idx="minor">
+              <a:schemeClr val="lt1"/>
+            </a:fontRef>
+          </p:style>
+          <p:txBody>
+            <a:bodyPr rtlCol="0" anchor="ctr"/>
+            <a:lstStyle/>
+            <a:p>
+              <a:pPr algn="ctr"/>
+              <a:endParaRPr lang="en-US"/>
+            </a:p>
+          </p:txBody>
+        </p:sp>
+        <p:sp>
+          <p:nvSpPr>
+            <p:cNvPr id="22" name="Rectangle 21">
+              <a:extLst>
+                <a:ext uri="{FF2B5EF4-FFF2-40B4-BE49-F238E27FC236}">
+                  <a16:creationId xmlns:a16="http://schemas.microsoft.com/office/drawing/2014/main" id="{6559BC34-0C4B-4FF2-E360-60AACCF15739}"/>
+                </a:ext>
+              </a:extLst>
+            </p:cNvPr>
+            <p:cNvSpPr/>
+            <p:nvPr/>
+          </p:nvSpPr>
+          <p:spPr>
+            <a:xfrm>
+              <a:off x="5801058" y="4301140"/>
+              <a:ext cx="757767" cy="592667"/>
+            </a:xfrm>
+            <a:prstGeom prst="rect">
+              <a:avLst/>
+            </a:prstGeom>
+            <a:solidFill>
+              <a:schemeClr val="bg1"/>
+            </a:solidFill>
+            <a:ln>
+              <a:solidFill>
+                <a:schemeClr val="bg1"/>
+              </a:solidFill>
+            </a:ln>
+          </p:spPr>
+          <p:style>
+            <a:lnRef idx="2">
+              <a:schemeClr val="accent1">
+                <a:shade val="15000"/>
+              </a:schemeClr>
+            </a:lnRef>
+            <a:fillRef idx="1">
+              <a:schemeClr val="accent1"/>
+            </a:fillRef>
+            <a:effectRef idx="0">
+              <a:schemeClr val="accent1"/>
+            </a:effectRef>
+            <a:fontRef idx="minor">
+              <a:schemeClr val="lt1"/>
+            </a:fontRef>
+          </p:style>
+          <p:txBody>
+            <a:bodyPr rtlCol="0" anchor="ctr"/>
+            <a:lstStyle/>
+            <a:p>
+              <a:pPr algn="ctr"/>
+              <a:endParaRPr lang="en-US"/>
+            </a:p>
+          </p:txBody>
+        </p:sp>
+        <p:sp>
+          <p:nvSpPr>
+            <p:cNvPr id="24" name="Rectangle 23">
+              <a:extLst>
+                <a:ext uri="{FF2B5EF4-FFF2-40B4-BE49-F238E27FC236}">
+                  <a16:creationId xmlns:a16="http://schemas.microsoft.com/office/drawing/2014/main" id="{939B7204-6E6C-7CE0-A07E-A7FA0EFBD9FF}"/>
+                </a:ext>
+              </a:extLst>
+            </p:cNvPr>
+            <p:cNvSpPr/>
+            <p:nvPr/>
+          </p:nvSpPr>
+          <p:spPr>
+            <a:xfrm>
+              <a:off x="7622534" y="4354447"/>
+              <a:ext cx="757767" cy="592667"/>
+            </a:xfrm>
+            <a:prstGeom prst="rect">
+              <a:avLst/>
+            </a:prstGeom>
+            <a:solidFill>
+              <a:schemeClr val="bg1"/>
+            </a:solidFill>
+            <a:ln>
+              <a:solidFill>
+                <a:schemeClr val="bg1"/>
+              </a:solidFill>
+            </a:ln>
+          </p:spPr>
+          <p:style>
+            <a:lnRef idx="2">
+              <a:schemeClr val="accent1">
+                <a:shade val="15000"/>
+              </a:schemeClr>
+            </a:lnRef>
+            <a:fillRef idx="1">
+              <a:schemeClr val="accent1"/>
+            </a:fillRef>
+            <a:effectRef idx="0">
+              <a:schemeClr val="accent1"/>
+            </a:effectRef>
+            <a:fontRef idx="minor">
+              <a:schemeClr val="lt1"/>
+            </a:fontRef>
+          </p:style>
+          <p:txBody>
+            <a:bodyPr rtlCol="0" anchor="ctr"/>
+            <a:lstStyle/>
+            <a:p>
+              <a:pPr algn="ctr"/>
+              <a:endParaRPr lang="en-US"/>
+            </a:p>
+          </p:txBody>
+        </p:sp>
+      </p:grpSp>
+    </p:spTree>
+    <p:extLst>
+      <p:ext uri="{BB962C8B-B14F-4D97-AF65-F5344CB8AC3E}">
+        <p14:creationId xmlns:p14="http://schemas.microsoft.com/office/powerpoint/2010/main" val="3778250124"/>
+      </p:ext>
+    </p:extLst>
+  </p:cSld>
+  <p:clrMapOvr>
+    <a:masterClrMapping/>
+  </p:clrMapOvr>
+</p:sld>
+</file>
+
+<file path=ppt/slides/slide6.xml><?xml version="1.0" encoding="utf-8"?>
 <p:sld xmlns:a="http://schemas.openxmlformats.org/drawingml/2006/main" xmlns:r="http://schemas.openxmlformats.org/officeDocument/2006/relationships" xmlns:p="http://schemas.openxmlformats.org/presentationml/2006/main">
   <p:cSld>
     <p:spTree>
@@ -7774,7 +8682,7 @@
           <a:p>
             <a:fld id="{5911C0E6-D9CE-431C-92CB-BB39B872F930}" type="slidenum">
               <a:rPr lang="en-US" smtClean="0"/>
-              <a:t>5</a:t>
+              <a:t>6</a:t>
             </a:fld>
             <a:endParaRPr lang="en-US"/>
           </a:p>
@@ -11903,7 +12811,7 @@
 </p:sld>
 </file>
 
-<file path=ppt/slides/slide6.xml><?xml version="1.0" encoding="utf-8"?>
+<file path=ppt/slides/slide7.xml><?xml version="1.0" encoding="utf-8"?>
 <p:sld xmlns:a="http://schemas.openxmlformats.org/drawingml/2006/main" xmlns:r="http://schemas.openxmlformats.org/officeDocument/2006/relationships" xmlns:p="http://schemas.openxmlformats.org/presentationml/2006/main">
   <p:cSld>
     <p:spTree>
@@ -11920,12 +12828,42 @@
           <a:chExt cx="0" cy="0"/>
         </a:xfrm>
       </p:grpSpPr>
+      <p:pic>
+        <p:nvPicPr>
+          <p:cNvPr id="115" name="Picture 114">
+            <a:extLst>
+              <a:ext uri="{FF2B5EF4-FFF2-40B4-BE49-F238E27FC236}">
+                <a16:creationId xmlns:a16="http://schemas.microsoft.com/office/drawing/2014/main" id="{B1EF67B0-DD8B-D966-28D2-FB3B7B490E12}"/>
+              </a:ext>
+            </a:extLst>
+          </p:cNvPr>
+          <p:cNvPicPr>
+            <a:picLocks noChangeAspect="1"/>
+          </p:cNvPicPr>
+          <p:nvPr/>
+        </p:nvPicPr>
+        <p:blipFill>
+          <a:blip r:embed="rId2"/>
+          <a:stretch>
+            <a:fillRect/>
+          </a:stretch>
+        </p:blipFill>
+        <p:spPr>
+          <a:xfrm>
+            <a:off x="8889998" y="4736482"/>
+            <a:ext cx="2328083" cy="204393"/>
+          </a:xfrm>
+          <a:prstGeom prst="rect">
+            <a:avLst/>
+          </a:prstGeom>
+        </p:spPr>
+      </p:pic>
       <p:sp>
         <p:nvSpPr>
           <p:cNvPr id="2" name="Title 1">
             <a:extLst>
               <a:ext uri="{FF2B5EF4-FFF2-40B4-BE49-F238E27FC236}">
-                <a16:creationId xmlns:a16="http://schemas.microsoft.com/office/drawing/2014/main" id="{0460D435-6CE6-CC08-1100-F94AFF21912C}"/>
+                <a16:creationId xmlns:a16="http://schemas.microsoft.com/office/drawing/2014/main" id="{4CAE0289-A243-1B0D-5664-15AF6AFC5221}"/>
               </a:ext>
             </a:extLst>
           </p:cNvPr>
@@ -11936,21 +12874,31 @@
             <p:ph type="title"/>
           </p:nvPr>
         </p:nvSpPr>
-        <p:spPr/>
+        <p:spPr>
+          <a:xfrm>
+            <a:off x="0" y="144617"/>
+            <a:ext cx="12192000" cy="800128"/>
+          </a:xfrm>
+        </p:spPr>
         <p:txBody>
-          <a:bodyPr/>
+          <a:bodyPr>
+            <a:noAutofit/>
+          </a:bodyPr>
           <a:lstStyle/>
           <a:p>
-            <a:endParaRPr lang="en-US"/>
+            <a:r>
+              <a:rPr lang="en-US" sz="3200" dirty="0"/>
+              <a:t>Our SCFT systematically includes these coupled interactions</a:t>
+            </a:r>
           </a:p>
         </p:txBody>
       </p:sp>
       <p:sp>
         <p:nvSpPr>
-          <p:cNvPr id="3" name="Slide Number Placeholder 2">
+          <p:cNvPr id="4" name="Slide Number Placeholder 3">
             <a:extLst>
               <a:ext uri="{FF2B5EF4-FFF2-40B4-BE49-F238E27FC236}">
-                <a16:creationId xmlns:a16="http://schemas.microsoft.com/office/drawing/2014/main" id="{4C2A977D-29F9-4A50-DCAF-0D53CAF21B41}"/>
+                <a16:creationId xmlns:a16="http://schemas.microsoft.com/office/drawing/2014/main" id="{5F808555-E784-80D6-BC35-3FC52173F5A1}"/>
               </a:ext>
             </a:extLst>
           </p:cNvPr>
@@ -11968,7 +12916,7 @@
           <a:p>
             <a:fld id="{5911C0E6-D9CE-431C-92CB-BB39B872F930}" type="slidenum">
               <a:rPr lang="en-US" smtClean="0"/>
-              <a:t>6</a:t>
+              <a:t>7</a:t>
             </a:fld>
             <a:endParaRPr lang="en-US"/>
           </a:p>
@@ -11976,10 +12924,10 @@
       </p:sp>
       <p:grpSp>
         <p:nvGrpSpPr>
-          <p:cNvPr id="25" name="Group 24">
+          <p:cNvPr id="17" name="Group 16">
             <a:extLst>
               <a:ext uri="{FF2B5EF4-FFF2-40B4-BE49-F238E27FC236}">
-                <a16:creationId xmlns:a16="http://schemas.microsoft.com/office/drawing/2014/main" id="{9B270D85-5959-A30E-41AC-116B99F88414}"/>
+                <a16:creationId xmlns:a16="http://schemas.microsoft.com/office/drawing/2014/main" id="{5BAC1884-20F0-41F6-C54D-C7A5C4144092}"/>
               </a:ext>
             </a:extLst>
           </p:cNvPr>
@@ -11988,402 +12936,800 @@
         </p:nvGrpSpPr>
         <p:grpSpPr>
           <a:xfrm>
-            <a:off x="535315" y="3429000"/>
-            <a:ext cx="7900548" cy="1542507"/>
-            <a:chOff x="611252" y="4175563"/>
-            <a:chExt cx="7900548" cy="1542507"/>
+            <a:off x="791509" y="1811995"/>
+            <a:ext cx="3477686" cy="1848294"/>
+            <a:chOff x="2155884" y="1185546"/>
+            <a:chExt cx="3766680" cy="2001886"/>
           </a:xfrm>
         </p:grpSpPr>
-        <p:grpSp>
-          <p:nvGrpSpPr>
-            <p:cNvPr id="19" name="Group 18">
+        <p:pic>
+          <p:nvPicPr>
+            <p:cNvPr id="6" name="Picture 5">
               <a:extLst>
                 <a:ext uri="{FF2B5EF4-FFF2-40B4-BE49-F238E27FC236}">
-                  <a16:creationId xmlns:a16="http://schemas.microsoft.com/office/drawing/2014/main" id="{79761517-9595-2390-AD91-3794692D7D6E}"/>
+                  <a16:creationId xmlns:a16="http://schemas.microsoft.com/office/drawing/2014/main" id="{C652C02E-1971-B687-04D6-BB7908909329}"/>
                 </a:ext>
               </a:extLst>
             </p:cNvPr>
-            <p:cNvGrpSpPr/>
+            <p:cNvPicPr>
+              <a:picLocks noChangeAspect="1"/>
+            </p:cNvPicPr>
             <p:nvPr/>
-          </p:nvGrpSpPr>
-          <p:grpSpPr>
-            <a:xfrm>
-              <a:off x="611252" y="4175563"/>
-              <a:ext cx="7900548" cy="1542507"/>
-              <a:chOff x="814452" y="4273896"/>
-              <a:chExt cx="7900548" cy="1542507"/>
-            </a:xfrm>
-          </p:grpSpPr>
-          <p:pic>
-            <p:nvPicPr>
-              <p:cNvPr id="14" name="Picture 13">
-                <a:extLst>
-                  <a:ext uri="{FF2B5EF4-FFF2-40B4-BE49-F238E27FC236}">
-                    <a16:creationId xmlns:a16="http://schemas.microsoft.com/office/drawing/2014/main" id="{894630D6-E09D-344A-2CA8-D40B042A64A0}"/>
-                  </a:ext>
-                </a:extLst>
-              </p:cNvPr>
-              <p:cNvPicPr>
-                <a:picLocks noChangeAspect="1"/>
-              </p:cNvPicPr>
-              <p:nvPr/>
-            </p:nvPicPr>
-            <p:blipFill rotWithShape="1">
-              <a:blip r:embed="rId2"/>
-              <a:srcRect l="36296" r="32491"/>
-              <a:stretch/>
-            </p:blipFill>
-            <p:spPr>
-              <a:xfrm>
-                <a:off x="4810502" y="4283254"/>
-                <a:ext cx="2015209" cy="1530229"/>
-              </a:xfrm>
-              <a:prstGeom prst="rect">
-                <a:avLst/>
-              </a:prstGeom>
-            </p:spPr>
-          </p:pic>
-          <p:pic>
-            <p:nvPicPr>
-              <p:cNvPr id="17" name="Picture 2">
-                <a:extLst>
-                  <a:ext uri="{FF2B5EF4-FFF2-40B4-BE49-F238E27FC236}">
-                    <a16:creationId xmlns:a16="http://schemas.microsoft.com/office/drawing/2014/main" id="{1B9C9F2A-F3C2-71C3-9D2A-91623CAA3BC7}"/>
-                  </a:ext>
-                </a:extLst>
-              </p:cNvPr>
-              <p:cNvPicPr>
-                <a:picLocks noChangeAspect="1" noChangeArrowheads="1"/>
-              </p:cNvPicPr>
-              <p:nvPr/>
-            </p:nvPicPr>
-            <p:blipFill rotWithShape="1">
-              <a:blip r:embed="rId3">
-                <a:extLst>
-                  <a:ext uri="{28A0092B-C50C-407E-A947-70E740481C1C}">
-                    <a14:useLocalDpi xmlns:a14="http://schemas.microsoft.com/office/drawing/2010/main" val="0"/>
-                  </a:ext>
-                </a:extLst>
-              </a:blip>
-              <a:srcRect l="71272" t="43350"/>
-              <a:stretch/>
-            </p:blipFill>
-            <p:spPr bwMode="auto">
-              <a:xfrm>
-                <a:off x="6860268" y="4318432"/>
-                <a:ext cx="1854732" cy="1497971"/>
-              </a:xfrm>
-              <a:prstGeom prst="rect">
-                <a:avLst/>
-              </a:prstGeom>
-              <a:noFill/>
-              <a:extLst>
-                <a:ext uri="{909E8E84-426E-40DD-AFC4-6F175D3DCCD1}">
-                  <a14:hiddenFill xmlns:a14="http://schemas.microsoft.com/office/drawing/2010/main">
-                    <a:solidFill>
-                      <a:srgbClr val="FFFFFF"/>
-                    </a:solidFill>
-                  </a14:hiddenFill>
-                </a:ext>
-              </a:extLst>
-            </p:spPr>
-          </p:pic>
-          <p:pic>
-            <p:nvPicPr>
-              <p:cNvPr id="18" name="Picture 2">
-                <a:extLst>
-                  <a:ext uri="{FF2B5EF4-FFF2-40B4-BE49-F238E27FC236}">
-                    <a16:creationId xmlns:a16="http://schemas.microsoft.com/office/drawing/2014/main" id="{1339580A-9260-1F50-665C-7FA5DA460316}"/>
-                  </a:ext>
-                </a:extLst>
-              </p:cNvPr>
-              <p:cNvPicPr>
-                <a:picLocks noChangeAspect="1" noChangeArrowheads="1"/>
-              </p:cNvPicPr>
-              <p:nvPr/>
-            </p:nvPicPr>
-            <p:blipFill rotWithShape="1">
-              <a:blip r:embed="rId3">
-                <a:extLst>
-                  <a:ext uri="{28A0092B-C50C-407E-A947-70E740481C1C}">
-                    <a14:useLocalDpi xmlns:a14="http://schemas.microsoft.com/office/drawing/2010/main" val="0"/>
-                  </a:ext>
-                </a:extLst>
-              </a:blip>
-              <a:srcRect t="43350" r="63211"/>
-              <a:stretch/>
-            </p:blipFill>
-            <p:spPr bwMode="auto">
-              <a:xfrm>
-                <a:off x="2665527" y="4315512"/>
-                <a:ext cx="2375148" cy="1497971"/>
-              </a:xfrm>
-              <a:prstGeom prst="rect">
-                <a:avLst/>
-              </a:prstGeom>
-              <a:noFill/>
-              <a:extLst>
-                <a:ext uri="{909E8E84-426E-40DD-AFC4-6F175D3DCCD1}">
-                  <a14:hiddenFill xmlns:a14="http://schemas.microsoft.com/office/drawing/2010/main">
-                    <a:solidFill>
-                      <a:srgbClr val="FFFFFF"/>
-                    </a:solidFill>
-                  </a14:hiddenFill>
-                </a:ext>
-              </a:extLst>
-            </p:spPr>
-          </p:pic>
-          <p:pic>
-            <p:nvPicPr>
-              <p:cNvPr id="15" name="Picture 14">
-                <a:extLst>
-                  <a:ext uri="{FF2B5EF4-FFF2-40B4-BE49-F238E27FC236}">
-                    <a16:creationId xmlns:a16="http://schemas.microsoft.com/office/drawing/2014/main" id="{C97EBA11-4E1E-5B1B-79B2-B76E44DA24B6}"/>
-                  </a:ext>
-                </a:extLst>
-              </p:cNvPr>
-              <p:cNvPicPr>
-                <a:picLocks noChangeAspect="1"/>
-              </p:cNvPicPr>
-              <p:nvPr/>
-            </p:nvPicPr>
-            <p:blipFill rotWithShape="1">
-              <a:blip r:embed="rId2"/>
-              <a:srcRect r="63856"/>
-              <a:stretch/>
-            </p:blipFill>
-            <p:spPr>
-              <a:xfrm>
-                <a:off x="814452" y="4273896"/>
-                <a:ext cx="2333561" cy="1530229"/>
-              </a:xfrm>
-              <a:prstGeom prst="rect">
-                <a:avLst/>
-              </a:prstGeom>
-            </p:spPr>
-          </p:pic>
-        </p:grpSp>
-        <p:sp>
-          <p:nvSpPr>
-            <p:cNvPr id="20" name="Rectangle 19">
-              <a:extLst>
-                <a:ext uri="{FF2B5EF4-FFF2-40B4-BE49-F238E27FC236}">
-                  <a16:creationId xmlns:a16="http://schemas.microsoft.com/office/drawing/2014/main" id="{CFD875D9-34F8-7CBA-D7C2-5E97825F7304}"/>
-                </a:ext>
-              </a:extLst>
-            </p:cNvPr>
-            <p:cNvSpPr/>
-            <p:nvPr/>
-          </p:nvSpPr>
+          </p:nvPicPr>
+          <p:blipFill rotWithShape="1">
+            <a:blip r:embed="rId3"/>
+            <a:srcRect b="57912"/>
+            <a:stretch/>
+          </p:blipFill>
           <p:spPr>
             <a:xfrm>
-              <a:off x="2099733" y="4348010"/>
-              <a:ext cx="757767" cy="592667"/>
+              <a:off x="2157013" y="1185546"/>
+              <a:ext cx="3765551" cy="820875"/>
             </a:xfrm>
             <a:prstGeom prst="rect">
               <a:avLst/>
             </a:prstGeom>
-            <a:solidFill>
-              <a:schemeClr val="bg1"/>
-            </a:solidFill>
-            <a:ln>
-              <a:solidFill>
-                <a:schemeClr val="bg1"/>
-              </a:solidFill>
-            </a:ln>
           </p:spPr>
-          <p:style>
-            <a:lnRef idx="2">
-              <a:schemeClr val="accent1">
-                <a:shade val="15000"/>
-              </a:schemeClr>
-            </a:lnRef>
-            <a:fillRef idx="1">
-              <a:schemeClr val="accent1"/>
-            </a:fillRef>
-            <a:effectRef idx="0">
-              <a:schemeClr val="accent1"/>
-            </a:effectRef>
-            <a:fontRef idx="minor">
-              <a:schemeClr val="lt1"/>
-            </a:fontRef>
-          </p:style>
-          <p:txBody>
-            <a:bodyPr rtlCol="0" anchor="ctr"/>
-            <a:lstStyle/>
-            <a:p>
-              <a:pPr algn="ctr"/>
-              <a:endParaRPr lang="en-US"/>
-            </a:p>
-          </p:txBody>
-        </p:sp>
-        <p:sp>
-          <p:nvSpPr>
-            <p:cNvPr id="21" name="Rectangle 20">
+        </p:pic>
+        <p:pic>
+          <p:nvPicPr>
+            <p:cNvPr id="72" name="Picture 71">
               <a:extLst>
                 <a:ext uri="{FF2B5EF4-FFF2-40B4-BE49-F238E27FC236}">
-                  <a16:creationId xmlns:a16="http://schemas.microsoft.com/office/drawing/2014/main" id="{AF272D29-9B87-6533-EE33-E2FA6BD02935}"/>
+                  <a16:creationId xmlns:a16="http://schemas.microsoft.com/office/drawing/2014/main" id="{DB2AAAD2-202D-15A0-1B2E-8FEC131BF5B6}"/>
                 </a:ext>
               </a:extLst>
             </p:cNvPr>
-            <p:cNvSpPr/>
+            <p:cNvPicPr>
+              <a:picLocks noChangeAspect="1"/>
+            </p:cNvPicPr>
             <p:nvPr/>
-          </p:nvSpPr>
+          </p:nvPicPr>
+          <p:blipFill rotWithShape="1">
+            <a:blip r:embed="rId3"/>
+            <a:srcRect t="42897" b="30629"/>
+            <a:stretch/>
+          </p:blipFill>
           <p:spPr>
             <a:xfrm>
-              <a:off x="3950808" y="4348009"/>
-              <a:ext cx="757767" cy="592667"/>
+              <a:off x="2155885" y="2021753"/>
+              <a:ext cx="3765551" cy="516356"/>
             </a:xfrm>
             <a:prstGeom prst="rect">
               <a:avLst/>
             </a:prstGeom>
-            <a:solidFill>
-              <a:schemeClr val="bg1"/>
-            </a:solidFill>
-            <a:ln>
-              <a:solidFill>
-                <a:schemeClr val="bg1"/>
-              </a:solidFill>
-            </a:ln>
           </p:spPr>
-          <p:style>
-            <a:lnRef idx="2">
-              <a:schemeClr val="accent1">
-                <a:shade val="15000"/>
-              </a:schemeClr>
-            </a:lnRef>
-            <a:fillRef idx="1">
-              <a:schemeClr val="accent1"/>
-            </a:fillRef>
-            <a:effectRef idx="0">
-              <a:schemeClr val="accent1"/>
-            </a:effectRef>
-            <a:fontRef idx="minor">
-              <a:schemeClr val="lt1"/>
-            </a:fontRef>
-          </p:style>
-          <p:txBody>
-            <a:bodyPr rtlCol="0" anchor="ctr"/>
-            <a:lstStyle/>
-            <a:p>
-              <a:pPr algn="ctr"/>
-              <a:endParaRPr lang="en-US"/>
-            </a:p>
-          </p:txBody>
-        </p:sp>
-        <p:sp>
-          <p:nvSpPr>
-            <p:cNvPr id="22" name="Rectangle 21">
+        </p:pic>
+        <p:pic>
+          <p:nvPicPr>
+            <p:cNvPr id="73" name="Picture 72">
               <a:extLst>
                 <a:ext uri="{FF2B5EF4-FFF2-40B4-BE49-F238E27FC236}">
-                  <a16:creationId xmlns:a16="http://schemas.microsoft.com/office/drawing/2014/main" id="{6559BC34-0C4B-4FF2-E360-60AACCF15739}"/>
+                  <a16:creationId xmlns:a16="http://schemas.microsoft.com/office/drawing/2014/main" id="{7F1BF7AF-C039-2925-B6C2-F3D045C6AAC5}"/>
                 </a:ext>
               </a:extLst>
             </p:cNvPr>
-            <p:cNvSpPr/>
+            <p:cNvPicPr>
+              <a:picLocks noChangeAspect="1"/>
+            </p:cNvPicPr>
             <p:nvPr/>
-          </p:nvSpPr>
+          </p:nvPicPr>
+          <p:blipFill rotWithShape="1">
+            <a:blip r:embed="rId3"/>
+            <a:srcRect t="70018"/>
+            <a:stretch/>
+          </p:blipFill>
           <p:spPr>
             <a:xfrm>
-              <a:off x="5801058" y="4301140"/>
-              <a:ext cx="757767" cy="592667"/>
+              <a:off x="2155884" y="2602657"/>
+              <a:ext cx="3765551" cy="584775"/>
             </a:xfrm>
             <a:prstGeom prst="rect">
               <a:avLst/>
             </a:prstGeom>
+          </p:spPr>
+        </p:pic>
+      </p:grpSp>
+      <p:sp>
+        <p:nvSpPr>
+          <p:cNvPr id="24" name="Arrow: Right 23">
+            <a:extLst>
+              <a:ext uri="{FF2B5EF4-FFF2-40B4-BE49-F238E27FC236}">
+                <a16:creationId xmlns:a16="http://schemas.microsoft.com/office/drawing/2014/main" id="{10F8A42F-0D39-3EB4-4FE2-38B84E622DAF}"/>
+              </a:ext>
+            </a:extLst>
+          </p:cNvPr>
+          <p:cNvSpPr/>
+          <p:nvPr/>
+        </p:nvSpPr>
+        <p:spPr>
+          <a:xfrm>
+            <a:off x="5425160" y="3034583"/>
+            <a:ext cx="1695773" cy="535919"/>
+          </a:xfrm>
+          <a:prstGeom prst="rightArrow">
+            <a:avLst>
+              <a:gd name="adj1" fmla="val 42333"/>
+              <a:gd name="adj2" fmla="val 56389"/>
+            </a:avLst>
+          </a:prstGeom>
+          <a:solidFill>
+            <a:schemeClr val="bg1"/>
+          </a:solidFill>
+          <a:ln w="28575">
             <a:solidFill>
-              <a:schemeClr val="bg1"/>
+              <a:schemeClr val="tx1"/>
             </a:solidFill>
-            <a:ln>
-              <a:solidFill>
-                <a:schemeClr val="bg1"/>
-              </a:solidFill>
-            </a:ln>
-          </p:spPr>
-          <p:style>
-            <a:lnRef idx="2">
-              <a:schemeClr val="accent1">
-                <a:shade val="15000"/>
-              </a:schemeClr>
-            </a:lnRef>
-            <a:fillRef idx="1">
-              <a:schemeClr val="accent1"/>
-            </a:fillRef>
-            <a:effectRef idx="0">
-              <a:schemeClr val="accent1"/>
-            </a:effectRef>
-            <a:fontRef idx="minor">
-              <a:schemeClr val="lt1"/>
-            </a:fontRef>
-          </p:style>
-          <p:txBody>
-            <a:bodyPr rtlCol="0" anchor="ctr"/>
-            <a:lstStyle/>
-            <a:p>
-              <a:pPr algn="ctr"/>
-              <a:endParaRPr lang="en-US"/>
-            </a:p>
-          </p:txBody>
-        </p:sp>
-        <p:sp>
-          <p:nvSpPr>
-            <p:cNvPr id="24" name="Rectangle 23">
+          </a:ln>
+        </p:spPr>
+        <p:style>
+          <a:lnRef idx="2">
+            <a:schemeClr val="accent1">
+              <a:shade val="15000"/>
+            </a:schemeClr>
+          </a:lnRef>
+          <a:fillRef idx="1">
+            <a:schemeClr val="accent1"/>
+          </a:fillRef>
+          <a:effectRef idx="0">
+            <a:schemeClr val="accent1"/>
+          </a:effectRef>
+          <a:fontRef idx="minor">
+            <a:schemeClr val="lt1"/>
+          </a:fontRef>
+        </p:style>
+        <p:txBody>
+          <a:bodyPr rtlCol="0" anchor="ctr"/>
+          <a:lstStyle/>
+          <a:p>
+            <a:pPr algn="ctr"/>
+            <a:endParaRPr lang="en-US"/>
+          </a:p>
+        </p:txBody>
+      </p:sp>
+      <p:pic>
+        <p:nvPicPr>
+          <p:cNvPr id="27" name="Picture 26">
+            <a:extLst>
+              <a:ext uri="{FF2B5EF4-FFF2-40B4-BE49-F238E27FC236}">
+                <a16:creationId xmlns:a16="http://schemas.microsoft.com/office/drawing/2014/main" id="{E32A00C8-30BE-1BF3-658A-E574CEB92202}"/>
+              </a:ext>
+            </a:extLst>
+          </p:cNvPr>
+          <p:cNvPicPr>
+            <a:picLocks noChangeAspect="1"/>
+          </p:cNvPicPr>
+          <p:nvPr/>
+        </p:nvPicPr>
+        <p:blipFill>
+          <a:blip r:embed="rId4"/>
+          <a:stretch>
+            <a:fillRect/>
+          </a:stretch>
+        </p:blipFill>
+        <p:spPr>
+          <a:xfrm>
+            <a:off x="111312" y="4263623"/>
+            <a:ext cx="4839603" cy="1561441"/>
+          </a:xfrm>
+          <a:prstGeom prst="rect">
+            <a:avLst/>
+          </a:prstGeom>
+        </p:spPr>
+      </p:pic>
+      <p:sp>
+        <p:nvSpPr>
+          <p:cNvPr id="28" name="TextBox 27">
+            <a:extLst>
+              <a:ext uri="{FF2B5EF4-FFF2-40B4-BE49-F238E27FC236}">
+                <a16:creationId xmlns:a16="http://schemas.microsoft.com/office/drawing/2014/main" id="{3A4420C9-A5FD-8E60-E1E2-67038298D1CD}"/>
+              </a:ext>
+            </a:extLst>
+          </p:cNvPr>
+          <p:cNvSpPr txBox="1"/>
+          <p:nvPr/>
+        </p:nvSpPr>
+        <p:spPr>
+          <a:xfrm>
+            <a:off x="5009887" y="3806510"/>
+            <a:ext cx="2488950" cy="1169551"/>
+          </a:xfrm>
+          <a:prstGeom prst="rect">
+            <a:avLst/>
+          </a:prstGeom>
+          <a:noFill/>
+        </p:spPr>
+        <p:txBody>
+          <a:bodyPr wrap="square" rtlCol="0">
+            <a:spAutoFit/>
+          </a:bodyPr>
+          <a:lstStyle/>
+          <a:p>
+            <a:pPr algn="ctr"/>
+            <a:r>
+              <a:rPr lang="en-US" sz="1400" dirty="0">
+                <a:latin typeface="Lucida grande" panose="020B0502040204020203"/>
+              </a:rPr>
+              <a:t>Particle-to-field and </a:t>
+            </a:r>
+            <a:br>
+              <a:rPr lang="en-US" sz="1400" dirty="0">
+                <a:latin typeface="Lucida grande" panose="020B0502040204020203"/>
+              </a:rPr>
+            </a:br>
+            <a:r>
+              <a:rPr lang="en-US" sz="1400" dirty="0">
+                <a:latin typeface="Lucida grande" panose="020B0502040204020203"/>
+              </a:rPr>
+              <a:t>Hubbard—</a:t>
+            </a:r>
+            <a:r>
+              <a:rPr lang="en-US" sz="1400" dirty="0" err="1">
+                <a:latin typeface="Lucida grande" panose="020B0502040204020203"/>
+              </a:rPr>
+              <a:t>Stratonovich</a:t>
+            </a:r>
+            <a:r>
+              <a:rPr lang="en-US" sz="1400" dirty="0">
+                <a:latin typeface="Lucida grande" panose="020B0502040204020203"/>
+              </a:rPr>
+              <a:t> transformations, </a:t>
+            </a:r>
+            <a:br>
+              <a:rPr lang="en-US" sz="1400" dirty="0">
+                <a:latin typeface="Lucida grande" panose="020B0502040204020203"/>
+              </a:rPr>
+            </a:br>
+            <a:r>
+              <a:rPr lang="en-US" sz="1400" dirty="0">
+                <a:latin typeface="Lucida grande" panose="020B0502040204020203"/>
+              </a:rPr>
+              <a:t>saddle-point approximation, </a:t>
+            </a:r>
+            <a:br>
+              <a:rPr lang="en-US" sz="1400" dirty="0">
+                <a:latin typeface="Lucida grande" panose="020B0502040204020203"/>
+              </a:rPr>
+            </a:br>
+            <a:r>
+              <a:rPr lang="en-US" sz="1400" dirty="0">
+                <a:latin typeface="Lucida grande" panose="020B0502040204020203"/>
+              </a:rPr>
+              <a:t>functional minimization</a:t>
+            </a:r>
+          </a:p>
+        </p:txBody>
+      </p:sp>
+      <p:sp>
+        <p:nvSpPr>
+          <p:cNvPr id="40" name="TextBox 39">
+            <a:extLst>
+              <a:ext uri="{FF2B5EF4-FFF2-40B4-BE49-F238E27FC236}">
+                <a16:creationId xmlns:a16="http://schemas.microsoft.com/office/drawing/2014/main" id="{489DC94C-D93F-D5A3-4A55-EC74045D794C}"/>
+              </a:ext>
+            </a:extLst>
+          </p:cNvPr>
+          <p:cNvSpPr txBox="1"/>
+          <p:nvPr/>
+        </p:nvSpPr>
+        <p:spPr>
+          <a:xfrm>
+            <a:off x="1583747" y="1383067"/>
+            <a:ext cx="1744134" cy="369332"/>
+          </a:xfrm>
+          <a:prstGeom prst="rect">
+            <a:avLst/>
+          </a:prstGeom>
+          <a:noFill/>
+        </p:spPr>
+        <p:txBody>
+          <a:bodyPr wrap="square" rtlCol="0">
+            <a:spAutoFit/>
+          </a:bodyPr>
+          <a:lstStyle/>
+          <a:p>
+            <a:pPr algn="ctr"/>
+            <a:r>
+              <a:rPr lang="en-US" sz="1800" dirty="0">
+                <a:latin typeface="Lucida grande" panose="020B0502040204020203"/>
+              </a:rPr>
+              <a:t>Interactions</a:t>
+            </a:r>
+          </a:p>
+        </p:txBody>
+      </p:sp>
+      <p:sp>
+        <p:nvSpPr>
+          <p:cNvPr id="41" name="Rectangle 40">
+            <a:extLst>
+              <a:ext uri="{FF2B5EF4-FFF2-40B4-BE49-F238E27FC236}">
+                <a16:creationId xmlns:a16="http://schemas.microsoft.com/office/drawing/2014/main" id="{7F4B0974-D92A-287B-AF79-40F151BCF448}"/>
+              </a:ext>
+            </a:extLst>
+          </p:cNvPr>
+          <p:cNvSpPr/>
+          <p:nvPr/>
+        </p:nvSpPr>
+        <p:spPr>
+          <a:xfrm>
+            <a:off x="601614" y="1811995"/>
+            <a:ext cx="3908437" cy="1918506"/>
+          </a:xfrm>
+          <a:prstGeom prst="rect">
+            <a:avLst/>
+          </a:prstGeom>
+          <a:noFill/>
+          <a:ln>
+            <a:solidFill>
+              <a:schemeClr val="tx1"/>
+            </a:solidFill>
+          </a:ln>
+        </p:spPr>
+        <p:style>
+          <a:lnRef idx="2">
+            <a:schemeClr val="accent1">
+              <a:shade val="15000"/>
+            </a:schemeClr>
+          </a:lnRef>
+          <a:fillRef idx="1">
+            <a:schemeClr val="accent1"/>
+          </a:fillRef>
+          <a:effectRef idx="0">
+            <a:schemeClr val="accent1"/>
+          </a:effectRef>
+          <a:fontRef idx="minor">
+            <a:schemeClr val="lt1"/>
+          </a:fontRef>
+        </p:style>
+        <p:txBody>
+          <a:bodyPr rtlCol="0" anchor="ctr"/>
+          <a:lstStyle/>
+          <a:p>
+            <a:pPr algn="ctr"/>
+            <a:endParaRPr lang="en-US"/>
+          </a:p>
+        </p:txBody>
+      </p:sp>
+      <p:sp>
+        <p:nvSpPr>
+          <p:cNvPr id="42" name="Rectangle 41">
+            <a:extLst>
+              <a:ext uri="{FF2B5EF4-FFF2-40B4-BE49-F238E27FC236}">
+                <a16:creationId xmlns:a16="http://schemas.microsoft.com/office/drawing/2014/main" id="{32CB6102-EF3D-2A69-C707-AC1C5EA34DEF}"/>
+              </a:ext>
+            </a:extLst>
+          </p:cNvPr>
+          <p:cNvSpPr/>
+          <p:nvPr/>
+        </p:nvSpPr>
+        <p:spPr>
+          <a:xfrm>
+            <a:off x="111312" y="4187749"/>
+            <a:ext cx="4902201" cy="1832051"/>
+          </a:xfrm>
+          <a:prstGeom prst="rect">
+            <a:avLst/>
+          </a:prstGeom>
+          <a:noFill/>
+          <a:ln>
+            <a:solidFill>
+              <a:schemeClr val="tx1"/>
+            </a:solidFill>
+          </a:ln>
+        </p:spPr>
+        <p:style>
+          <a:lnRef idx="2">
+            <a:schemeClr val="accent1">
+              <a:shade val="15000"/>
+            </a:schemeClr>
+          </a:lnRef>
+          <a:fillRef idx="1">
+            <a:schemeClr val="accent1"/>
+          </a:fillRef>
+          <a:effectRef idx="0">
+            <a:schemeClr val="accent1"/>
+          </a:effectRef>
+          <a:fontRef idx="minor">
+            <a:schemeClr val="lt1"/>
+          </a:fontRef>
+        </p:style>
+        <p:txBody>
+          <a:bodyPr rtlCol="0" anchor="ctr"/>
+          <a:lstStyle/>
+          <a:p>
+            <a:pPr algn="ctr"/>
+            <a:endParaRPr lang="en-US"/>
+          </a:p>
+        </p:txBody>
+      </p:sp>
+      <p:sp>
+        <p:nvSpPr>
+          <p:cNvPr id="43" name="TextBox 42">
+            <a:extLst>
+              <a:ext uri="{FF2B5EF4-FFF2-40B4-BE49-F238E27FC236}">
+                <a16:creationId xmlns:a16="http://schemas.microsoft.com/office/drawing/2014/main" id="{85C12394-8BB4-C751-4021-5D300AA08B04}"/>
+              </a:ext>
+            </a:extLst>
+          </p:cNvPr>
+          <p:cNvSpPr txBox="1"/>
+          <p:nvPr/>
+        </p:nvSpPr>
+        <p:spPr>
+          <a:xfrm>
+            <a:off x="1659046" y="3818091"/>
+            <a:ext cx="1744134" cy="369332"/>
+          </a:xfrm>
+          <a:prstGeom prst="rect">
+            <a:avLst/>
+          </a:prstGeom>
+          <a:noFill/>
+        </p:spPr>
+        <p:txBody>
+          <a:bodyPr wrap="square" rtlCol="0">
+            <a:spAutoFit/>
+          </a:bodyPr>
+          <a:lstStyle/>
+          <a:p>
+            <a:pPr algn="ctr"/>
+            <a:r>
+              <a:rPr lang="en-US" sz="1800" dirty="0">
+                <a:latin typeface="Lucida grande" panose="020B0502040204020203"/>
+              </a:rPr>
+              <a:t>System</a:t>
+            </a:r>
+          </a:p>
+        </p:txBody>
+      </p:sp>
+      <p:sp>
+        <p:nvSpPr>
+          <p:cNvPr id="102" name="TextBox 101">
+            <a:extLst>
+              <a:ext uri="{FF2B5EF4-FFF2-40B4-BE49-F238E27FC236}">
+                <a16:creationId xmlns:a16="http://schemas.microsoft.com/office/drawing/2014/main" id="{5364BA0D-974B-771B-75A9-61C267866345}"/>
+              </a:ext>
+            </a:extLst>
+          </p:cNvPr>
+          <p:cNvSpPr txBox="1"/>
+          <p:nvPr/>
+        </p:nvSpPr>
+        <p:spPr>
+          <a:xfrm>
+            <a:off x="8270770" y="1097773"/>
+            <a:ext cx="3395134" cy="369332"/>
+          </a:xfrm>
+          <a:prstGeom prst="rect">
+            <a:avLst/>
+          </a:prstGeom>
+          <a:noFill/>
+        </p:spPr>
+        <p:txBody>
+          <a:bodyPr wrap="square" rtlCol="0">
+            <a:spAutoFit/>
+          </a:bodyPr>
+          <a:lstStyle/>
+          <a:p>
+            <a:pPr algn="ctr"/>
+            <a:r>
+              <a:rPr lang="en-US" sz="1800" dirty="0">
+                <a:latin typeface="Lucida grande" panose="020B0502040204020203"/>
+              </a:rPr>
+              <a:t>Self-consistent Field Equations</a:t>
+            </a:r>
+          </a:p>
+        </p:txBody>
+      </p:sp>
+      <p:sp>
+        <p:nvSpPr>
+          <p:cNvPr id="104" name="Left Brace 103">
+            <a:extLst>
+              <a:ext uri="{FF2B5EF4-FFF2-40B4-BE49-F238E27FC236}">
+                <a16:creationId xmlns:a16="http://schemas.microsoft.com/office/drawing/2014/main" id="{8DE8F2B0-1D31-22A8-60EC-20A130D782F7}"/>
+              </a:ext>
+            </a:extLst>
+          </p:cNvPr>
+          <p:cNvSpPr/>
+          <p:nvPr/>
+        </p:nvSpPr>
+        <p:spPr>
+          <a:xfrm>
+            <a:off x="7530252" y="1597560"/>
+            <a:ext cx="252301" cy="2370008"/>
+          </a:xfrm>
+          <a:prstGeom prst="leftBrace">
+            <a:avLst>
+              <a:gd name="adj1" fmla="val 48913"/>
+              <a:gd name="adj2" fmla="val 51429"/>
+            </a:avLst>
+          </a:prstGeom>
+          <a:ln w="19050">
+            <a:solidFill>
+              <a:schemeClr val="tx1"/>
+            </a:solidFill>
+          </a:ln>
+        </p:spPr>
+        <p:style>
+          <a:lnRef idx="1">
+            <a:schemeClr val="accent1"/>
+          </a:lnRef>
+          <a:fillRef idx="0">
+            <a:schemeClr val="accent1"/>
+          </a:fillRef>
+          <a:effectRef idx="0">
+            <a:schemeClr val="accent1"/>
+          </a:effectRef>
+          <a:fontRef idx="minor">
+            <a:schemeClr val="tx1"/>
+          </a:fontRef>
+        </p:style>
+        <p:txBody>
+          <a:bodyPr rtlCol="0" anchor="ctr"/>
+          <a:lstStyle/>
+          <a:p>
+            <a:pPr algn="ctr"/>
+            <a:endParaRPr lang="en-US"/>
+          </a:p>
+        </p:txBody>
+      </p:sp>
+      <p:grpSp>
+        <p:nvGrpSpPr>
+          <p:cNvPr id="39" name="Group 38">
+            <a:extLst>
+              <a:ext uri="{FF2B5EF4-FFF2-40B4-BE49-F238E27FC236}">
+                <a16:creationId xmlns:a16="http://schemas.microsoft.com/office/drawing/2014/main" id="{D621D38F-E2BB-17F6-0B35-926082963831}"/>
+              </a:ext>
+            </a:extLst>
+          </p:cNvPr>
+          <p:cNvGrpSpPr/>
+          <p:nvPr/>
+        </p:nvGrpSpPr>
+        <p:grpSpPr>
+          <a:xfrm>
+            <a:off x="7857852" y="1620133"/>
+            <a:ext cx="4220969" cy="2961018"/>
+            <a:chOff x="7397284" y="1863551"/>
+            <a:chExt cx="4220969" cy="2961018"/>
+          </a:xfrm>
+        </p:grpSpPr>
+        <p:pic>
+          <p:nvPicPr>
+            <p:cNvPr id="16" name="Picture 15">
               <a:extLst>
                 <a:ext uri="{FF2B5EF4-FFF2-40B4-BE49-F238E27FC236}">
-                  <a16:creationId xmlns:a16="http://schemas.microsoft.com/office/drawing/2014/main" id="{939B7204-6E6C-7CE0-A07E-A7FA0EFBD9FF}"/>
+                  <a16:creationId xmlns:a16="http://schemas.microsoft.com/office/drawing/2014/main" id="{B322AFE0-87B1-0B86-A0F3-693904DA7FD3}"/>
                 </a:ext>
               </a:extLst>
             </p:cNvPr>
-            <p:cNvSpPr/>
+            <p:cNvPicPr>
+              <a:picLocks noChangeAspect="1"/>
+            </p:cNvPicPr>
             <p:nvPr/>
-          </p:nvSpPr>
+          </p:nvPicPr>
+          <p:blipFill>
+            <a:blip r:embed="rId5"/>
+            <a:stretch>
+              <a:fillRect/>
+            </a:stretch>
+          </p:blipFill>
           <p:spPr>
             <a:xfrm>
-              <a:off x="7622534" y="4354447"/>
-              <a:ext cx="757767" cy="592667"/>
+              <a:off x="7397284" y="1863551"/>
+              <a:ext cx="4220969" cy="2529231"/>
             </a:xfrm>
             <a:prstGeom prst="rect">
               <a:avLst/>
             </a:prstGeom>
+          </p:spPr>
+        </p:pic>
+        <p:pic>
+          <p:nvPicPr>
+            <p:cNvPr id="38" name="Picture 37">
+              <a:extLst>
+                <a:ext uri="{FF2B5EF4-FFF2-40B4-BE49-F238E27FC236}">
+                  <a16:creationId xmlns:a16="http://schemas.microsoft.com/office/drawing/2014/main" id="{1B69F82F-516D-5A81-7029-1D921A67F9EE}"/>
+                </a:ext>
+              </a:extLst>
+            </p:cNvPr>
+            <p:cNvPicPr>
+              <a:picLocks noChangeAspect="1"/>
+            </p:cNvPicPr>
+            <p:nvPr/>
+          </p:nvPicPr>
+          <p:blipFill>
+            <a:blip r:embed="rId6"/>
+            <a:stretch>
+              <a:fillRect/>
+            </a:stretch>
+          </p:blipFill>
+          <p:spPr>
+            <a:xfrm>
+              <a:off x="8085666" y="4276390"/>
+              <a:ext cx="3200400" cy="548179"/>
+            </a:xfrm>
+            <a:prstGeom prst="rect">
+              <a:avLst/>
+            </a:prstGeom>
+          </p:spPr>
+        </p:pic>
+      </p:grpSp>
+      <p:pic>
+        <p:nvPicPr>
+          <p:cNvPr id="108" name="Picture 107">
+            <a:extLst>
+              <a:ext uri="{FF2B5EF4-FFF2-40B4-BE49-F238E27FC236}">
+                <a16:creationId xmlns:a16="http://schemas.microsoft.com/office/drawing/2014/main" id="{4FF7AD0C-8D8B-8C9D-99CA-8CC07BACD72A}"/>
+              </a:ext>
+            </a:extLst>
+          </p:cNvPr>
+          <p:cNvPicPr>
+            <a:picLocks noChangeAspect="1"/>
+          </p:cNvPicPr>
+          <p:nvPr/>
+        </p:nvPicPr>
+        <p:blipFill>
+          <a:blip r:embed="rId7"/>
+          <a:stretch>
+            <a:fillRect/>
+          </a:stretch>
+        </p:blipFill>
+        <p:spPr>
+          <a:xfrm>
+            <a:off x="9153063" y="5114724"/>
+            <a:ext cx="1801954" cy="303056"/>
+          </a:xfrm>
+          <a:prstGeom prst="rect">
+            <a:avLst/>
+          </a:prstGeom>
+        </p:spPr>
+      </p:pic>
+      <p:sp>
+        <p:nvSpPr>
+          <p:cNvPr id="110" name="TextBox 109">
+            <a:extLst>
+              <a:ext uri="{FF2B5EF4-FFF2-40B4-BE49-F238E27FC236}">
+                <a16:creationId xmlns:a16="http://schemas.microsoft.com/office/drawing/2014/main" id="{0AB49707-9BF7-23AD-2272-730D1A284F3D}"/>
+              </a:ext>
+            </a:extLst>
+          </p:cNvPr>
+          <p:cNvSpPr txBox="1"/>
+          <p:nvPr/>
+        </p:nvSpPr>
+        <p:spPr>
+          <a:xfrm>
+            <a:off x="7837167" y="5548060"/>
+            <a:ext cx="4290065" cy="584775"/>
+          </a:xfrm>
+          <a:prstGeom prst="rect">
+            <a:avLst/>
+          </a:prstGeom>
+          <a:noFill/>
+        </p:spPr>
+        <p:txBody>
+          <a:bodyPr wrap="square" rtlCol="0">
+            <a:spAutoFit/>
+          </a:bodyPr>
+          <a:lstStyle/>
+          <a:p>
+            <a:pPr algn="ctr"/>
+            <a:r>
+              <a:rPr lang="en-US" sz="1600" dirty="0">
+                <a:solidFill>
+                  <a:schemeClr val="accent2"/>
+                </a:solidFill>
+                <a:latin typeface="Lucida grande" panose="020B0502040204020203"/>
+              </a:rPr>
+              <a:t>For PEMs, we are most interested in polymer, sidechain, and proton distributions</a:t>
+            </a:r>
+          </a:p>
+        </p:txBody>
+      </p:sp>
+      <p:sp>
+        <p:nvSpPr>
+          <p:cNvPr id="112" name="Rectangle 111">
+            <a:extLst>
+              <a:ext uri="{FF2B5EF4-FFF2-40B4-BE49-F238E27FC236}">
+                <a16:creationId xmlns:a16="http://schemas.microsoft.com/office/drawing/2014/main" id="{5D1D1910-2D7A-C5B4-AD55-F2A159F091B0}"/>
+              </a:ext>
+            </a:extLst>
+          </p:cNvPr>
+          <p:cNvSpPr/>
+          <p:nvPr/>
+        </p:nvSpPr>
+        <p:spPr>
+          <a:xfrm>
+            <a:off x="8788400" y="2527179"/>
+            <a:ext cx="2917889" cy="608042"/>
+          </a:xfrm>
+          <a:prstGeom prst="rect">
+            <a:avLst/>
+          </a:prstGeom>
+          <a:noFill/>
+          <a:ln w="19050">
             <a:solidFill>
-              <a:schemeClr val="bg1"/>
+              <a:schemeClr val="accent2"/>
             </a:solidFill>
-            <a:ln>
-              <a:solidFill>
-                <a:schemeClr val="bg1"/>
-              </a:solidFill>
-            </a:ln>
-          </p:spPr>
-          <p:style>
-            <a:lnRef idx="2">
-              <a:schemeClr val="accent1">
-                <a:shade val="15000"/>
-              </a:schemeClr>
-            </a:lnRef>
-            <a:fillRef idx="1">
-              <a:schemeClr val="accent1"/>
-            </a:fillRef>
-            <a:effectRef idx="0">
-              <a:schemeClr val="accent1"/>
-            </a:effectRef>
-            <a:fontRef idx="minor">
-              <a:schemeClr val="lt1"/>
-            </a:fontRef>
-          </p:style>
-          <p:txBody>
-            <a:bodyPr rtlCol="0" anchor="ctr"/>
-            <a:lstStyle/>
-            <a:p>
-              <a:pPr algn="ctr"/>
-              <a:endParaRPr lang="en-US"/>
-            </a:p>
-          </p:txBody>
-        </p:sp>
-      </p:grpSp>
+          </a:ln>
+        </p:spPr>
+        <p:style>
+          <a:lnRef idx="2">
+            <a:schemeClr val="accent1">
+              <a:shade val="15000"/>
+            </a:schemeClr>
+          </a:lnRef>
+          <a:fillRef idx="1">
+            <a:schemeClr val="accent1"/>
+          </a:fillRef>
+          <a:effectRef idx="0">
+            <a:schemeClr val="accent1"/>
+          </a:effectRef>
+          <a:fontRef idx="minor">
+            <a:schemeClr val="lt1"/>
+          </a:fontRef>
+        </p:style>
+        <p:txBody>
+          <a:bodyPr rtlCol="0" anchor="ctr"/>
+          <a:lstStyle/>
+          <a:p>
+            <a:pPr algn="ctr"/>
+            <a:endParaRPr lang="en-US"/>
+          </a:p>
+        </p:txBody>
+      </p:sp>
+      <p:sp>
+        <p:nvSpPr>
+          <p:cNvPr id="113" name="Rectangle 112">
+            <a:extLst>
+              <a:ext uri="{FF2B5EF4-FFF2-40B4-BE49-F238E27FC236}">
+                <a16:creationId xmlns:a16="http://schemas.microsoft.com/office/drawing/2014/main" id="{E3E8418C-0455-AE52-F3BC-38025FB419D3}"/>
+              </a:ext>
+            </a:extLst>
+          </p:cNvPr>
+          <p:cNvSpPr/>
+          <p:nvPr/>
+        </p:nvSpPr>
+        <p:spPr>
+          <a:xfrm>
+            <a:off x="8788400" y="4655770"/>
+            <a:ext cx="2524231" cy="365819"/>
+          </a:xfrm>
+          <a:prstGeom prst="rect">
+            <a:avLst/>
+          </a:prstGeom>
+          <a:noFill/>
+          <a:ln w="19050">
+            <a:solidFill>
+              <a:schemeClr val="accent2"/>
+            </a:solidFill>
+          </a:ln>
+        </p:spPr>
+        <p:style>
+          <a:lnRef idx="2">
+            <a:schemeClr val="accent1">
+              <a:shade val="15000"/>
+            </a:schemeClr>
+          </a:lnRef>
+          <a:fillRef idx="1">
+            <a:schemeClr val="accent1"/>
+          </a:fillRef>
+          <a:effectRef idx="0">
+            <a:schemeClr val="accent1"/>
+          </a:effectRef>
+          <a:fontRef idx="minor">
+            <a:schemeClr val="lt1"/>
+          </a:fontRef>
+        </p:style>
+        <p:txBody>
+          <a:bodyPr rtlCol="0" anchor="ctr"/>
+          <a:lstStyle/>
+          <a:p>
+            <a:pPr algn="ctr"/>
+            <a:endParaRPr lang="en-US"/>
+          </a:p>
+        </p:txBody>
+      </p:sp>
     </p:spTree>
     <p:extLst>
       <p:ext uri="{BB962C8B-B14F-4D97-AF65-F5344CB8AC3E}">
-        <p14:creationId xmlns:p14="http://schemas.microsoft.com/office/powerpoint/2010/main" val="3778250124"/>
+        <p14:creationId xmlns:p14="http://schemas.microsoft.com/office/powerpoint/2010/main" val="999340298"/>
       </p:ext>
     </p:extLst>
   </p:cSld>
@@ -12393,7 +13739,7 @@
 </p:sld>
 </file>
 
-<file path=ppt/slides/slide7.xml><?xml version="1.0" encoding="utf-8"?>
+<file path=ppt/slides/slide8.xml><?xml version="1.0" encoding="utf-8"?>
 <p:sld xmlns:a="http://schemas.openxmlformats.org/drawingml/2006/main" xmlns:r="http://schemas.openxmlformats.org/officeDocument/2006/relationships" xmlns:p="http://schemas.openxmlformats.org/presentationml/2006/main">
   <p:cSld>
     <p:spTree>
@@ -12476,7 +13822,7 @@
                   <a:spcPts val="600"/>
                 </a:spcAft>
               </a:pPr>
-              <a:t>7</a:t>
+              <a:t>8</a:t>
             </a:fld>
             <a:endParaRPr lang="en-US"/>
           </a:p>
@@ -12978,7 +14324,7 @@
 </p:sld>
 </file>
 
-<file path=ppt/slides/slide8.xml><?xml version="1.0" encoding="utf-8"?>
+<file path=ppt/slides/slide9.xml><?xml version="1.0" encoding="utf-8"?>
 <p:sld xmlns:a="http://schemas.openxmlformats.org/drawingml/2006/main" xmlns:r="http://schemas.openxmlformats.org/officeDocument/2006/relationships" xmlns:p="http://schemas.openxmlformats.org/presentationml/2006/main">
   <p:cSld>
     <p:spTree>
@@ -13046,7 +14392,7 @@
           <a:p>
             <a:fld id="{5911C0E6-D9CE-431C-92CB-BB39B872F930}" type="slidenum">
               <a:rPr lang="en-US" smtClean="0"/>
-              <a:t>8</a:t>
+              <a:t>9</a:t>
             </a:fld>
             <a:endParaRPr lang="en-US"/>
           </a:p>
@@ -15475,347 +16821,6 @@
 </p:sld>
 </file>
 
-<file path=ppt/slides/slide9.xml><?xml version="1.0" encoding="utf-8"?>
-<p:sld xmlns:a="http://schemas.openxmlformats.org/drawingml/2006/main" xmlns:r="http://schemas.openxmlformats.org/officeDocument/2006/relationships" xmlns:p="http://schemas.openxmlformats.org/presentationml/2006/main">
-  <p:cSld>
-    <p:spTree>
-      <p:nvGrpSpPr>
-        <p:cNvPr id="1" name=""/>
-        <p:cNvGrpSpPr/>
-        <p:nvPr/>
-      </p:nvGrpSpPr>
-      <p:grpSpPr>
-        <a:xfrm>
-          <a:off x="0" y="0"/>
-          <a:ext cx="0" cy="0"/>
-          <a:chOff x="0" y="0"/>
-          <a:chExt cx="0" cy="0"/>
-        </a:xfrm>
-      </p:grpSpPr>
-      <p:sp>
-        <p:nvSpPr>
-          <p:cNvPr id="2" name="Title 1">
-            <a:extLst>
-              <a:ext uri="{FF2B5EF4-FFF2-40B4-BE49-F238E27FC236}">
-                <a16:creationId xmlns:a16="http://schemas.microsoft.com/office/drawing/2014/main" id="{0BCCA52D-D21F-6A87-805B-EF9B684D9C6B}"/>
-              </a:ext>
-            </a:extLst>
-          </p:cNvPr>
-          <p:cNvSpPr>
-            <a:spLocks noGrp="1"/>
-          </p:cNvSpPr>
-          <p:nvPr>
-            <p:ph type="title"/>
-          </p:nvPr>
-        </p:nvSpPr>
-        <p:spPr/>
-        <p:txBody>
-          <a:bodyPr/>
-          <a:lstStyle/>
-          <a:p>
-            <a:r>
-              <a:rPr lang="en-US" dirty="0"/>
-              <a:t>Model</a:t>
-            </a:r>
-          </a:p>
-        </p:txBody>
-      </p:sp>
-      <p:sp>
-        <p:nvSpPr>
-          <p:cNvPr id="3" name="Content Placeholder 2">
-            <a:extLst>
-              <a:ext uri="{FF2B5EF4-FFF2-40B4-BE49-F238E27FC236}">
-                <a16:creationId xmlns:a16="http://schemas.microsoft.com/office/drawing/2014/main" id="{FBE7D10C-C535-B9AF-AA31-56BAF916D8EC}"/>
-              </a:ext>
-            </a:extLst>
-          </p:cNvPr>
-          <p:cNvSpPr>
-            <a:spLocks noGrp="1"/>
-          </p:cNvSpPr>
-          <p:nvPr>
-            <p:ph idx="1"/>
-          </p:nvPr>
-        </p:nvSpPr>
-        <p:spPr>
-          <a:xfrm>
-            <a:off x="838200" y="1263491"/>
-            <a:ext cx="10515600" cy="5109249"/>
-          </a:xfrm>
-        </p:spPr>
-        <p:txBody>
-          <a:bodyPr>
-            <a:normAutofit/>
-          </a:bodyPr>
-          <a:lstStyle/>
-          <a:p>
-            <a:r>
-              <a:rPr lang="en-US" sz="2000" dirty="0"/>
-              <a:t>Interactions</a:t>
-            </a:r>
-          </a:p>
-          <a:p>
-            <a:endParaRPr lang="en-US" sz="2000" dirty="0"/>
-          </a:p>
-          <a:p>
-            <a:endParaRPr lang="en-US" sz="2000" dirty="0"/>
-          </a:p>
-          <a:p>
-            <a:endParaRPr lang="en-US" sz="2000" dirty="0"/>
-          </a:p>
-          <a:p>
-            <a:endParaRPr lang="en-US" sz="2000" dirty="0"/>
-          </a:p>
-          <a:p>
-            <a:r>
-              <a:rPr lang="en-US" sz="2000" dirty="0"/>
-              <a:t>Self-consistent field theory for charged multiblock macromolecules</a:t>
-            </a:r>
-          </a:p>
-          <a:p>
-            <a:pPr lvl="1"/>
-            <a:r>
-              <a:rPr lang="en-US" sz="1800" dirty="0"/>
-              <a:t>Coupled system of 5 algebraic equations and 2 partial differential equations</a:t>
-            </a:r>
-          </a:p>
-          <a:p>
-            <a:pPr lvl="1"/>
-            <a:r>
-              <a:rPr lang="en-US" sz="1800" dirty="0"/>
-              <a:t>For sidechain-only system, 2 blocks; Block 2 contains -1</a:t>
-            </a:r>
-            <a:r>
-              <a:rPr lang="en-US" sz="1800" i="1" dirty="0"/>
-              <a:t>e</a:t>
-            </a:r>
-            <a:r>
-              <a:rPr lang="en-US" sz="1800" dirty="0"/>
-              <a:t> for SO3-</a:t>
-            </a:r>
-          </a:p>
-          <a:p>
-            <a:pPr lvl="2"/>
-            <a:r>
-              <a:rPr lang="en-US" sz="1600" dirty="0"/>
-              <a:t>F-H parameters taken from literature (Wu, </a:t>
-            </a:r>
-            <a:r>
-              <a:rPr lang="en-US" sz="1600" dirty="0" err="1"/>
-              <a:t>Paddison</a:t>
-            </a:r>
-            <a:r>
-              <a:rPr lang="en-US" sz="1600" dirty="0"/>
-              <a:t>, Elliot, </a:t>
-            </a:r>
-            <a:r>
-              <a:rPr lang="en-US" sz="1600" i="1" dirty="0"/>
-              <a:t>Energy Env. Sci. </a:t>
-            </a:r>
-            <a:r>
-              <a:rPr lang="en-US" sz="1600" dirty="0"/>
-              <a:t>2008. 1. 284-293)</a:t>
-            </a:r>
-          </a:p>
-        </p:txBody>
-      </p:sp>
-      <p:sp>
-        <p:nvSpPr>
-          <p:cNvPr id="23" name="Slide Number Placeholder 22">
-            <a:extLst>
-              <a:ext uri="{FF2B5EF4-FFF2-40B4-BE49-F238E27FC236}">
-                <a16:creationId xmlns:a16="http://schemas.microsoft.com/office/drawing/2014/main" id="{3640DB4C-A7A5-355A-BE46-AD20B9A4F813}"/>
-              </a:ext>
-            </a:extLst>
-          </p:cNvPr>
-          <p:cNvSpPr>
-            <a:spLocks noGrp="1"/>
-          </p:cNvSpPr>
-          <p:nvPr>
-            <p:ph type="sldNum" sz="quarter" idx="12"/>
-          </p:nvPr>
-        </p:nvSpPr>
-        <p:spPr/>
-        <p:txBody>
-          <a:bodyPr/>
-          <a:lstStyle/>
-          <a:p>
-            <a:fld id="{B40DB54C-0C58-4481-B5FF-5C3F14CFF9B3}" type="slidenum">
-              <a:rPr lang="en-US" smtClean="0"/>
-              <a:t>9</a:t>
-            </a:fld>
-            <a:endParaRPr lang="en-US"/>
-          </a:p>
-        </p:txBody>
-      </p:sp>
-      <p:grpSp>
-        <p:nvGrpSpPr>
-          <p:cNvPr id="8" name="Group 7">
-            <a:extLst>
-              <a:ext uri="{FF2B5EF4-FFF2-40B4-BE49-F238E27FC236}">
-                <a16:creationId xmlns:a16="http://schemas.microsoft.com/office/drawing/2014/main" id="{0B51F1FA-0307-4536-AA12-32195C5B75BE}"/>
-              </a:ext>
-            </a:extLst>
-          </p:cNvPr>
-          <p:cNvGrpSpPr/>
-          <p:nvPr/>
-        </p:nvGrpSpPr>
-        <p:grpSpPr>
-          <a:xfrm>
-            <a:off x="1534181" y="1886110"/>
-            <a:ext cx="9705566" cy="2001919"/>
-            <a:chOff x="1855914" y="2173976"/>
-            <a:chExt cx="9705566" cy="2001919"/>
-          </a:xfrm>
-        </p:grpSpPr>
-        <p:sp>
-          <p:nvSpPr>
-            <p:cNvPr id="13" name="TextBox 12">
-              <a:extLst>
-                <a:ext uri="{FF2B5EF4-FFF2-40B4-BE49-F238E27FC236}">
-                  <a16:creationId xmlns:a16="http://schemas.microsoft.com/office/drawing/2014/main" id="{3B910E88-6FC7-C628-950E-AC654D8AFCBE}"/>
-                </a:ext>
-              </a:extLst>
-            </p:cNvPr>
-            <p:cNvSpPr txBox="1"/>
-            <p:nvPr/>
-          </p:nvSpPr>
-          <p:spPr>
-            <a:xfrm>
-              <a:off x="8087476" y="2177259"/>
-              <a:ext cx="2860553" cy="401231"/>
-            </a:xfrm>
-            <a:prstGeom prst="rect">
-              <a:avLst/>
-            </a:prstGeom>
-            <a:noFill/>
-          </p:spPr>
-          <p:txBody>
-            <a:bodyPr wrap="square" rtlCol="0">
-              <a:spAutoFit/>
-            </a:bodyPr>
-            <a:lstStyle/>
-            <a:p>
-              <a:r>
-                <a:rPr lang="en-US" sz="2000" dirty="0"/>
-                <a:t>Elastic energy</a:t>
-              </a:r>
-            </a:p>
-          </p:txBody>
-        </p:sp>
-        <p:sp>
-          <p:nvSpPr>
-            <p:cNvPr id="14" name="TextBox 13">
-              <a:extLst>
-                <a:ext uri="{FF2B5EF4-FFF2-40B4-BE49-F238E27FC236}">
-                  <a16:creationId xmlns:a16="http://schemas.microsoft.com/office/drawing/2014/main" id="{FED98DCF-C4E3-C33C-4883-B6E0EB897675}"/>
-                </a:ext>
-              </a:extLst>
-            </p:cNvPr>
-            <p:cNvSpPr txBox="1"/>
-            <p:nvPr/>
-          </p:nvSpPr>
-          <p:spPr>
-            <a:xfrm>
-              <a:off x="8087477" y="2977554"/>
-              <a:ext cx="3474003" cy="400110"/>
-            </a:xfrm>
-            <a:prstGeom prst="rect">
-              <a:avLst/>
-            </a:prstGeom>
-            <a:noFill/>
-          </p:spPr>
-          <p:txBody>
-            <a:bodyPr wrap="square" rtlCol="0">
-              <a:spAutoFit/>
-            </a:bodyPr>
-            <a:lstStyle/>
-            <a:p>
-              <a:r>
-                <a:rPr lang="en-US" sz="2000" dirty="0"/>
-                <a:t>Flory-Huggins (Hydrophobicity)</a:t>
-              </a:r>
-            </a:p>
-          </p:txBody>
-        </p:sp>
-        <p:sp>
-          <p:nvSpPr>
-            <p:cNvPr id="15" name="TextBox 14">
-              <a:extLst>
-                <a:ext uri="{FF2B5EF4-FFF2-40B4-BE49-F238E27FC236}">
-                  <a16:creationId xmlns:a16="http://schemas.microsoft.com/office/drawing/2014/main" id="{A78D30D6-61CE-18CA-95B3-430192831C83}"/>
-                </a:ext>
-              </a:extLst>
-            </p:cNvPr>
-            <p:cNvSpPr txBox="1"/>
-            <p:nvPr/>
-          </p:nvSpPr>
-          <p:spPr>
-            <a:xfrm>
-              <a:off x="8087476" y="3722255"/>
-              <a:ext cx="2860553" cy="401231"/>
-            </a:xfrm>
-            <a:prstGeom prst="rect">
-              <a:avLst/>
-            </a:prstGeom>
-            <a:noFill/>
-          </p:spPr>
-          <p:txBody>
-            <a:bodyPr wrap="square" rtlCol="0">
-              <a:spAutoFit/>
-            </a:bodyPr>
-            <a:lstStyle/>
-            <a:p>
-              <a:r>
-                <a:rPr lang="en-US" sz="2000" dirty="0"/>
-                <a:t>Electrostatics</a:t>
-              </a:r>
-            </a:p>
-          </p:txBody>
-        </p:sp>
-        <p:pic>
-          <p:nvPicPr>
-            <p:cNvPr id="7" name="Picture 6">
-              <a:extLst>
-                <a:ext uri="{FF2B5EF4-FFF2-40B4-BE49-F238E27FC236}">
-                  <a16:creationId xmlns:a16="http://schemas.microsoft.com/office/drawing/2014/main" id="{8D3EAA72-2B56-ADC4-FF8F-CDC1EF005E9A}"/>
-                </a:ext>
-              </a:extLst>
-            </p:cNvPr>
-            <p:cNvPicPr>
-              <a:picLocks noChangeAspect="1"/>
-            </p:cNvPicPr>
-            <p:nvPr/>
-          </p:nvPicPr>
-          <p:blipFill>
-            <a:blip r:embed="rId2"/>
-            <a:stretch>
-              <a:fillRect/>
-            </a:stretch>
-          </p:blipFill>
-          <p:spPr>
-            <a:xfrm>
-              <a:off x="1855914" y="2173976"/>
-              <a:ext cx="5495760" cy="2001919"/>
-            </a:xfrm>
-            <a:prstGeom prst="rect">
-              <a:avLst/>
-            </a:prstGeom>
-          </p:spPr>
-        </p:pic>
-      </p:grpSp>
-    </p:spTree>
-    <p:extLst>
-      <p:ext uri="{BB962C8B-B14F-4D97-AF65-F5344CB8AC3E}">
-        <p14:creationId xmlns:p14="http://schemas.microsoft.com/office/powerpoint/2010/main" val="3803156305"/>
-      </p:ext>
-    </p:extLst>
-  </p:cSld>
-  <p:clrMapOvr>
-    <a:masterClrMapping/>
-  </p:clrMapOvr>
-</p:sld>
-</file>
-
 <file path=ppt/theme/theme1.xml><?xml version="1.0" encoding="utf-8"?>
 <a:theme xmlns:a="http://schemas.openxmlformats.org/drawingml/2006/main" name="Office Theme">
   <a:themeElements>

--- a/20240722 NAF Intro.pptx
+++ b/20240722 NAF Intro.pptx
@@ -19,8 +19,8 @@
     <p:sldId id="269" r:id="rId10"/>
     <p:sldId id="272" r:id="rId11"/>
     <p:sldId id="259" r:id="rId12"/>
-    <p:sldId id="258" r:id="rId13"/>
-    <p:sldId id="257" r:id="rId14"/>
+    <p:sldId id="257" r:id="rId13"/>
+    <p:sldId id="258" r:id="rId14"/>
     <p:sldId id="263" r:id="rId15"/>
   </p:sldIdLst>
   <p:sldSz cx="12192000" cy="6858000"/>
@@ -2832,7 +2832,7 @@
         </p:blipFill>
         <p:spPr>
           <a:xfrm>
-            <a:off x="808505" y="1847271"/>
+            <a:off x="568382" y="1805169"/>
             <a:ext cx="2810933" cy="1970685"/>
           </a:xfrm>
           <a:prstGeom prst="rect">
@@ -2949,15 +2949,7 @@
             </a:pPr>
             <a:r>
               <a:rPr lang="en-US" dirty="0"/>
-              <a:t>Although Pt-poisoning by </a:t>
-            </a:r>
-            <a:r>
-              <a:rPr lang="en-US" dirty="0" err="1"/>
-              <a:t>Nafion</a:t>
-            </a:r>
-            <a:r>
-              <a:rPr lang="en-US" dirty="0"/>
-              <a:t> is a well-known phenomenon, the scientific community has limited understanding of the underlying polymer physics</a:t>
+              <a:t>Although Pt-poisoning by ionomer is a well-known phenomenon, the scientific community has limited understanding of the underlying polymer physics</a:t>
             </a:r>
           </a:p>
         </p:txBody>
@@ -2976,8 +2968,8 @@
         </p:nvSpPr>
         <p:spPr>
           <a:xfrm>
-            <a:off x="3858622" y="1942343"/>
-            <a:ext cx="7969312" cy="3046988"/>
+            <a:off x="3612026" y="2301278"/>
+            <a:ext cx="8333378" cy="2769989"/>
           </a:xfrm>
           <a:prstGeom prst="rect">
             <a:avLst/>
@@ -3023,7 +3015,7 @@
             </a:pPr>
             <a:r>
               <a:rPr lang="en-US" dirty="0"/>
-              <a:t>Apply potential at some scanning rate, measured current corresponds to interaction at electrode (e.g., reaction, adsorption)</a:t>
+              <a:t>Measured current corresponds to interaction at electrode (e.g., adsorption)</a:t>
             </a:r>
           </a:p>
           <a:p>
@@ -3036,7 +3028,7 @@
             </a:pPr>
             <a:r>
               <a:rPr lang="en-US" dirty="0"/>
-              <a:t>(top) As humidity decreases, more current at lower voltage</a:t>
+              <a:t>(top) As humidity decreases, higher measured current at lower voltage</a:t>
             </a:r>
           </a:p>
           <a:p>
@@ -3049,7 +3041,7 @@
             </a:pPr>
             <a:r>
               <a:rPr lang="en-US" dirty="0"/>
-              <a:t>Thus, as ionomer—Pt distance decreases, more SO3 adsorption</a:t>
+              <a:t>As ionomer—Pt distance decreases, easier and more prevalent SO3 adsorption</a:t>
             </a:r>
           </a:p>
           <a:p>
@@ -3102,7 +3094,7 @@
         </p:blipFill>
         <p:spPr>
           <a:xfrm>
-            <a:off x="863537" y="3860291"/>
+            <a:off x="623414" y="3818189"/>
             <a:ext cx="2759958" cy="1817406"/>
           </a:xfrm>
           <a:prstGeom prst="rect">
@@ -3124,7 +3116,7 @@
         </p:nvSpPr>
         <p:spPr>
           <a:xfrm>
-            <a:off x="1968376" y="1999004"/>
+            <a:off x="1728253" y="1956902"/>
             <a:ext cx="651934" cy="1429347"/>
           </a:xfrm>
           <a:prstGeom prst="rect">
@@ -3180,7 +3172,7 @@
         </p:nvSpPr>
         <p:spPr>
           <a:xfrm>
-            <a:off x="1184094" y="1722005"/>
+            <a:off x="943971" y="1679903"/>
             <a:ext cx="2262832" cy="276999"/>
           </a:xfrm>
           <a:prstGeom prst="rect">
@@ -3220,7 +3212,7 @@
         </p:nvSpPr>
         <p:spPr>
           <a:xfrm>
-            <a:off x="2188509" y="3964389"/>
+            <a:off x="1948386" y="3922287"/>
             <a:ext cx="355601" cy="1366846"/>
           </a:xfrm>
           <a:prstGeom prst="rect">
@@ -3276,8 +3268,8 @@
         </p:nvSpPr>
         <p:spPr>
           <a:xfrm>
-            <a:off x="332316" y="5840207"/>
-            <a:ext cx="9649884" cy="646331"/>
+            <a:off x="332315" y="5840207"/>
+            <a:ext cx="10428817" cy="646331"/>
           </a:xfrm>
           <a:prstGeom prst="rect">
             <a:avLst/>
@@ -3318,6 +3310,474 @@
 </file>
 
 <file path=ppt/slides/slide12.xml><?xml version="1.0" encoding="utf-8"?>
+<p:sld xmlns:a="http://schemas.openxmlformats.org/drawingml/2006/main" xmlns:r="http://schemas.openxmlformats.org/officeDocument/2006/relationships" xmlns:p="http://schemas.openxmlformats.org/presentationml/2006/main">
+  <p:cSld>
+    <p:spTree>
+      <p:nvGrpSpPr>
+        <p:cNvPr id="1" name=""/>
+        <p:cNvGrpSpPr/>
+        <p:nvPr/>
+      </p:nvGrpSpPr>
+      <p:grpSpPr>
+        <a:xfrm>
+          <a:off x="0" y="0"/>
+          <a:ext cx="0" cy="0"/>
+          <a:chOff x="0" y="0"/>
+          <a:chExt cx="0" cy="0"/>
+        </a:xfrm>
+      </p:grpSpPr>
+      <p:sp>
+        <p:nvSpPr>
+          <p:cNvPr id="2" name="Title 1">
+            <a:extLst>
+              <a:ext uri="{FF2B5EF4-FFF2-40B4-BE49-F238E27FC236}">
+                <a16:creationId xmlns:a16="http://schemas.microsoft.com/office/drawing/2014/main" id="{4041FD49-51CB-4608-A3ED-30B7E304CBD6}"/>
+              </a:ext>
+            </a:extLst>
+          </p:cNvPr>
+          <p:cNvSpPr>
+            <a:spLocks noGrp="1"/>
+          </p:cNvSpPr>
+          <p:nvPr>
+            <p:ph type="title"/>
+          </p:nvPr>
+        </p:nvSpPr>
+        <p:spPr/>
+        <p:txBody>
+          <a:bodyPr>
+            <a:normAutofit/>
+          </a:bodyPr>
+          <a:lstStyle/>
+          <a:p>
+            <a:r>
+              <a:rPr lang="en-US" dirty="0"/>
+              <a:t>Example: considering sidechains only</a:t>
+            </a:r>
+          </a:p>
+        </p:txBody>
+      </p:sp>
+      <p:sp>
+        <p:nvSpPr>
+          <p:cNvPr id="3" name="Slide Number Placeholder 2">
+            <a:extLst>
+              <a:ext uri="{FF2B5EF4-FFF2-40B4-BE49-F238E27FC236}">
+                <a16:creationId xmlns:a16="http://schemas.microsoft.com/office/drawing/2014/main" id="{0D80111F-C31C-4236-B41A-2BA68657A3E1}"/>
+              </a:ext>
+            </a:extLst>
+          </p:cNvPr>
+          <p:cNvSpPr>
+            <a:spLocks noGrp="1"/>
+          </p:cNvSpPr>
+          <p:nvPr>
+            <p:ph type="sldNum" sz="quarter" idx="12"/>
+          </p:nvPr>
+        </p:nvSpPr>
+        <p:spPr/>
+        <p:txBody>
+          <a:bodyPr/>
+          <a:lstStyle/>
+          <a:p>
+            <a:fld id="{5911C0E6-D9CE-431C-92CB-BB39B872F930}" type="slidenum">
+              <a:rPr lang="en-US" smtClean="0"/>
+              <a:t>12</a:t>
+            </a:fld>
+            <a:endParaRPr lang="en-US" dirty="0"/>
+          </a:p>
+        </p:txBody>
+      </p:sp>
+      <p:pic>
+        <p:nvPicPr>
+          <p:cNvPr id="1056" name="Picture 32">
+            <a:extLst>
+              <a:ext uri="{FF2B5EF4-FFF2-40B4-BE49-F238E27FC236}">
+                <a16:creationId xmlns:a16="http://schemas.microsoft.com/office/drawing/2014/main" id="{79A3044D-CD8D-9FCA-8689-1D94A19FE041}"/>
+              </a:ext>
+            </a:extLst>
+          </p:cNvPr>
+          <p:cNvPicPr>
+            <a:picLocks noChangeAspect="1" noChangeArrowheads="1"/>
+          </p:cNvPicPr>
+          <p:nvPr/>
+        </p:nvPicPr>
+        <p:blipFill>
+          <a:blip r:embed="rId2">
+            <a:extLst>
+              <a:ext uri="{28A0092B-C50C-407E-A947-70E740481C1C}">
+                <a14:useLocalDpi xmlns:a14="http://schemas.microsoft.com/office/drawing/2010/main" val="0"/>
+              </a:ext>
+            </a:extLst>
+          </a:blip>
+          <a:srcRect/>
+          <a:stretch>
+            <a:fillRect/>
+          </a:stretch>
+        </p:blipFill>
+        <p:spPr bwMode="auto">
+          <a:xfrm>
+            <a:off x="1023877" y="4587443"/>
+            <a:ext cx="3525074" cy="2134032"/>
+          </a:xfrm>
+          <a:prstGeom prst="rect">
+            <a:avLst/>
+          </a:prstGeom>
+          <a:noFill/>
+          <a:extLst>
+            <a:ext uri="{909E8E84-426E-40DD-AFC4-6F175D3DCCD1}">
+              <a14:hiddenFill xmlns:a14="http://schemas.microsoft.com/office/drawing/2010/main">
+                <a:solidFill>
+                  <a:srgbClr val="FFFFFF"/>
+                </a:solidFill>
+              </a14:hiddenFill>
+            </a:ext>
+          </a:extLst>
+        </p:spPr>
+      </p:pic>
+      <p:sp>
+        <p:nvSpPr>
+          <p:cNvPr id="8" name="TextBox 7">
+            <a:extLst>
+              <a:ext uri="{FF2B5EF4-FFF2-40B4-BE49-F238E27FC236}">
+                <a16:creationId xmlns:a16="http://schemas.microsoft.com/office/drawing/2014/main" id="{7EFDBFF7-5F91-79C6-D4F1-4EF337CB565F}"/>
+              </a:ext>
+            </a:extLst>
+          </p:cNvPr>
+          <p:cNvSpPr txBox="1"/>
+          <p:nvPr/>
+        </p:nvSpPr>
+        <p:spPr>
+          <a:xfrm>
+            <a:off x="5173134" y="2751651"/>
+            <a:ext cx="6282267" cy="3139321"/>
+          </a:xfrm>
+          <a:prstGeom prst="rect">
+            <a:avLst/>
+          </a:prstGeom>
+          <a:noFill/>
+        </p:spPr>
+        <p:txBody>
+          <a:bodyPr wrap="square" rtlCol="0">
+            <a:spAutoFit/>
+          </a:bodyPr>
+          <a:lstStyle/>
+          <a:p>
+            <a:pPr marL="285750" indent="-285750">
+              <a:buFont typeface="Arial" panose="020B0604020202020204" pitchFamily="34" charset="0"/>
+              <a:buChar char="•"/>
+            </a:pPr>
+            <a:r>
+              <a:rPr lang="en-US" dirty="0"/>
+              <a:t>Model: “grafting surface” is bulk membrane/thin film. For these preliminary results, only the sidechains are considered</a:t>
+            </a:r>
+          </a:p>
+          <a:p>
+            <a:pPr marL="285750" indent="-285750">
+              <a:buFont typeface="Arial" panose="020B0604020202020204" pitchFamily="34" charset="0"/>
+              <a:buChar char="•"/>
+            </a:pPr>
+            <a:endParaRPr lang="en-US" dirty="0"/>
+          </a:p>
+          <a:p>
+            <a:pPr marL="285750" indent="-285750">
+              <a:buFont typeface="Arial" panose="020B0604020202020204" pitchFamily="34" charset="0"/>
+              <a:buChar char="•"/>
+            </a:pPr>
+            <a:r>
+              <a:rPr lang="en-US" dirty="0"/>
+              <a:t>Polymer density distributions (solid) and proton distributions (dotted) for D = 2.49 nm. Density distribution of SO3 bead is dashed.</a:t>
+            </a:r>
+          </a:p>
+          <a:p>
+            <a:pPr marL="285750" indent="-285750">
+              <a:buFont typeface="Arial" panose="020B0604020202020204" pitchFamily="34" charset="0"/>
+              <a:buChar char="•"/>
+            </a:pPr>
+            <a:endParaRPr lang="en-US" dirty="0"/>
+          </a:p>
+          <a:p>
+            <a:endParaRPr lang="en-US" dirty="0"/>
+          </a:p>
+          <a:p>
+            <a:pPr marL="285750" indent="-285750">
+              <a:buFont typeface="Arial" panose="020B0604020202020204" pitchFamily="34" charset="0"/>
+              <a:buChar char="•"/>
+            </a:pPr>
+            <a:r>
+              <a:rPr lang="en-US" dirty="0"/>
+              <a:t>Note: 7.31 c/nm</a:t>
+            </a:r>
+            <a:r>
+              <a:rPr lang="en-US" baseline="30000" dirty="0"/>
+              <a:t>2</a:t>
+            </a:r>
+            <a:r>
+              <a:rPr lang="en-US" dirty="0"/>
+              <a:t> is approximately the “grafting” density of sidechains based on the random walk of its backbone</a:t>
+            </a:r>
+          </a:p>
+          <a:p>
+            <a:pPr marL="285750" indent="-285750">
+              <a:buFont typeface="Arial" panose="020B0604020202020204" pitchFamily="34" charset="0"/>
+              <a:buChar char="•"/>
+            </a:pPr>
+            <a:endParaRPr lang="en-US" dirty="0"/>
+          </a:p>
+        </p:txBody>
+      </p:sp>
+      <p:pic>
+        <p:nvPicPr>
+          <p:cNvPr id="53" name="Picture 52">
+            <a:extLst>
+              <a:ext uri="{FF2B5EF4-FFF2-40B4-BE49-F238E27FC236}">
+                <a16:creationId xmlns:a16="http://schemas.microsoft.com/office/drawing/2014/main" id="{B7B9D77E-6B94-2932-DF86-57210AE5D47D}"/>
+              </a:ext>
+            </a:extLst>
+          </p:cNvPr>
+          <p:cNvPicPr>
+            <a:picLocks noChangeAspect="1"/>
+          </p:cNvPicPr>
+          <p:nvPr/>
+        </p:nvPicPr>
+        <p:blipFill>
+          <a:blip r:embed="rId3"/>
+          <a:stretch>
+            <a:fillRect/>
+          </a:stretch>
+        </p:blipFill>
+        <p:spPr>
+          <a:xfrm>
+            <a:off x="1106325" y="2427351"/>
+            <a:ext cx="2448155" cy="2003297"/>
+          </a:xfrm>
+          <a:prstGeom prst="rect">
+            <a:avLst/>
+          </a:prstGeom>
+        </p:spPr>
+      </p:pic>
+      <p:grpSp>
+        <p:nvGrpSpPr>
+          <p:cNvPr id="36" name="Group 35">
+            <a:extLst>
+              <a:ext uri="{FF2B5EF4-FFF2-40B4-BE49-F238E27FC236}">
+                <a16:creationId xmlns:a16="http://schemas.microsoft.com/office/drawing/2014/main" id="{65DE5310-FA60-B877-67ED-336D5FDFE84E}"/>
+              </a:ext>
+            </a:extLst>
+          </p:cNvPr>
+          <p:cNvGrpSpPr/>
+          <p:nvPr/>
+        </p:nvGrpSpPr>
+        <p:grpSpPr>
+          <a:xfrm>
+            <a:off x="559624" y="1188273"/>
+            <a:ext cx="4980926" cy="987458"/>
+            <a:chOff x="559624" y="1188273"/>
+            <a:chExt cx="4980926" cy="987458"/>
+          </a:xfrm>
+        </p:grpSpPr>
+        <p:pic>
+          <p:nvPicPr>
+            <p:cNvPr id="31" name="Picture 30">
+              <a:extLst>
+                <a:ext uri="{FF2B5EF4-FFF2-40B4-BE49-F238E27FC236}">
+                  <a16:creationId xmlns:a16="http://schemas.microsoft.com/office/drawing/2014/main" id="{561FE662-B2A5-4124-4A8A-9B356DB6DFDC}"/>
+                </a:ext>
+              </a:extLst>
+            </p:cNvPr>
+            <p:cNvPicPr>
+              <a:picLocks noChangeAspect="1"/>
+            </p:cNvPicPr>
+            <p:nvPr/>
+          </p:nvPicPr>
+          <p:blipFill>
+            <a:blip r:embed="rId4"/>
+            <a:stretch>
+              <a:fillRect/>
+            </a:stretch>
+          </p:blipFill>
+          <p:spPr>
+            <a:xfrm>
+              <a:off x="559624" y="1188273"/>
+              <a:ext cx="3024091" cy="987458"/>
+            </a:xfrm>
+            <a:prstGeom prst="rect">
+              <a:avLst/>
+            </a:prstGeom>
+          </p:spPr>
+        </p:pic>
+        <p:sp>
+          <p:nvSpPr>
+            <p:cNvPr id="32" name="TextBox 31">
+              <a:extLst>
+                <a:ext uri="{FF2B5EF4-FFF2-40B4-BE49-F238E27FC236}">
+                  <a16:creationId xmlns:a16="http://schemas.microsoft.com/office/drawing/2014/main" id="{49BFB0D1-A0DB-BABB-F480-987EB0F3A271}"/>
+                </a:ext>
+              </a:extLst>
+            </p:cNvPr>
+            <p:cNvSpPr txBox="1"/>
+            <p:nvPr/>
+          </p:nvSpPr>
+          <p:spPr>
+            <a:xfrm>
+              <a:off x="4366483" y="1188273"/>
+              <a:ext cx="1174067" cy="338554"/>
+            </a:xfrm>
+            <a:prstGeom prst="rect">
+              <a:avLst/>
+            </a:prstGeom>
+            <a:noFill/>
+          </p:spPr>
+          <p:txBody>
+            <a:bodyPr wrap="square" rtlCol="0">
+              <a:spAutoFit/>
+            </a:bodyPr>
+            <a:lstStyle/>
+            <a:p>
+              <a:r>
+                <a:rPr lang="en-US" sz="1600" dirty="0"/>
+                <a:t>Backbone</a:t>
+              </a:r>
+            </a:p>
+          </p:txBody>
+        </p:sp>
+        <p:sp>
+          <p:nvSpPr>
+            <p:cNvPr id="33" name="TextBox 32">
+              <a:extLst>
+                <a:ext uri="{FF2B5EF4-FFF2-40B4-BE49-F238E27FC236}">
+                  <a16:creationId xmlns:a16="http://schemas.microsoft.com/office/drawing/2014/main" id="{26A54564-A571-A14B-53EC-567DD395D801}"/>
+                </a:ext>
+              </a:extLst>
+            </p:cNvPr>
+            <p:cNvSpPr txBox="1"/>
+            <p:nvPr/>
+          </p:nvSpPr>
+          <p:spPr>
+            <a:xfrm>
+              <a:off x="4366483" y="1589669"/>
+              <a:ext cx="1174067" cy="338554"/>
+            </a:xfrm>
+            <a:prstGeom prst="rect">
+              <a:avLst/>
+            </a:prstGeom>
+            <a:noFill/>
+          </p:spPr>
+          <p:txBody>
+            <a:bodyPr wrap="square" rtlCol="0">
+              <a:spAutoFit/>
+            </a:bodyPr>
+            <a:lstStyle/>
+            <a:p>
+              <a:r>
+                <a:rPr lang="en-US" sz="1600" dirty="0"/>
+                <a:t>Sidechain</a:t>
+              </a:r>
+            </a:p>
+          </p:txBody>
+        </p:sp>
+        <p:cxnSp>
+          <p:nvCxnSpPr>
+            <p:cNvPr id="34" name="Straight Arrow Connector 33">
+              <a:extLst>
+                <a:ext uri="{FF2B5EF4-FFF2-40B4-BE49-F238E27FC236}">
+                  <a16:creationId xmlns:a16="http://schemas.microsoft.com/office/drawing/2014/main" id="{F867A096-7982-88AE-00A0-8FFADE9431DB}"/>
+                </a:ext>
+              </a:extLst>
+            </p:cNvPr>
+            <p:cNvCxnSpPr>
+              <a:cxnSpLocks/>
+              <a:stCxn id="33" idx="1"/>
+            </p:cNvCxnSpPr>
+            <p:nvPr/>
+          </p:nvCxnSpPr>
+          <p:spPr>
+            <a:xfrm flipH="1">
+              <a:off x="3894667" y="1758946"/>
+              <a:ext cx="471816" cy="0"/>
+            </a:xfrm>
+            <a:prstGeom prst="straightConnector1">
+              <a:avLst/>
+            </a:prstGeom>
+            <a:ln w="28575">
+              <a:solidFill>
+                <a:schemeClr val="tx1"/>
+              </a:solidFill>
+              <a:tailEnd type="triangle"/>
+            </a:ln>
+          </p:spPr>
+          <p:style>
+            <a:lnRef idx="1">
+              <a:schemeClr val="accent1"/>
+            </a:lnRef>
+            <a:fillRef idx="0">
+              <a:schemeClr val="accent1"/>
+            </a:fillRef>
+            <a:effectRef idx="0">
+              <a:schemeClr val="accent1"/>
+            </a:effectRef>
+            <a:fontRef idx="minor">
+              <a:schemeClr val="tx1"/>
+            </a:fontRef>
+          </p:style>
+        </p:cxnSp>
+        <p:cxnSp>
+          <p:nvCxnSpPr>
+            <p:cNvPr id="35" name="Straight Arrow Connector 34">
+              <a:extLst>
+                <a:ext uri="{FF2B5EF4-FFF2-40B4-BE49-F238E27FC236}">
+                  <a16:creationId xmlns:a16="http://schemas.microsoft.com/office/drawing/2014/main" id="{10F4A91E-F44C-3BA8-36EF-476059301FE6}"/>
+                </a:ext>
+              </a:extLst>
+            </p:cNvPr>
+            <p:cNvCxnSpPr>
+              <a:cxnSpLocks/>
+              <a:stCxn id="32" idx="1"/>
+            </p:cNvCxnSpPr>
+            <p:nvPr/>
+          </p:nvCxnSpPr>
+          <p:spPr>
+            <a:xfrm flipH="1">
+              <a:off x="3554480" y="1357550"/>
+              <a:ext cx="812003" cy="0"/>
+            </a:xfrm>
+            <a:prstGeom prst="straightConnector1">
+              <a:avLst/>
+            </a:prstGeom>
+            <a:ln w="28575">
+              <a:solidFill>
+                <a:schemeClr val="tx1"/>
+              </a:solidFill>
+              <a:tailEnd type="triangle"/>
+            </a:ln>
+          </p:spPr>
+          <p:style>
+            <a:lnRef idx="1">
+              <a:schemeClr val="accent1"/>
+            </a:lnRef>
+            <a:fillRef idx="0">
+              <a:schemeClr val="accent1"/>
+            </a:fillRef>
+            <a:effectRef idx="0">
+              <a:schemeClr val="accent1"/>
+            </a:effectRef>
+            <a:fontRef idx="minor">
+              <a:schemeClr val="tx1"/>
+            </a:fontRef>
+          </p:style>
+        </p:cxnSp>
+      </p:grpSp>
+    </p:spTree>
+    <p:extLst>
+      <p:ext uri="{BB962C8B-B14F-4D97-AF65-F5344CB8AC3E}">
+        <p14:creationId xmlns:p14="http://schemas.microsoft.com/office/powerpoint/2010/main" val="3762529990"/>
+      </p:ext>
+    </p:extLst>
+  </p:cSld>
+  <p:clrMapOvr>
+    <a:masterClrMapping/>
+  </p:clrMapOvr>
+</p:sld>
+</file>
+
+<file path=ppt/slides/slide13.xml><?xml version="1.0" encoding="utf-8"?>
 <p:sld xmlns:a="http://schemas.openxmlformats.org/drawingml/2006/main" xmlns:r="http://schemas.openxmlformats.org/officeDocument/2006/relationships" xmlns:p="http://schemas.openxmlformats.org/presentationml/2006/main">
   <p:cSld>
     <p:spTree>
@@ -3385,7 +3845,7 @@
           <a:p>
             <a:fld id="{5911C0E6-D9CE-431C-92CB-BB39B872F930}" type="slidenum">
               <a:rPr lang="en-US" smtClean="0"/>
-              <a:t>12</a:t>
+              <a:t>13</a:t>
             </a:fld>
             <a:endParaRPr lang="en-US"/>
           </a:p>
@@ -5805,487 +6265,6 @@
     <p:extLst>
       <p:ext uri="{BB962C8B-B14F-4D97-AF65-F5344CB8AC3E}">
         <p14:creationId xmlns:p14="http://schemas.microsoft.com/office/powerpoint/2010/main" val="349950069"/>
-      </p:ext>
-    </p:extLst>
-  </p:cSld>
-  <p:clrMapOvr>
-    <a:masterClrMapping/>
-  </p:clrMapOvr>
-</p:sld>
-</file>
-
-<file path=ppt/slides/slide13.xml><?xml version="1.0" encoding="utf-8"?>
-<p:sld xmlns:a="http://schemas.openxmlformats.org/drawingml/2006/main" xmlns:r="http://schemas.openxmlformats.org/officeDocument/2006/relationships" xmlns:p="http://schemas.openxmlformats.org/presentationml/2006/main">
-  <p:cSld>
-    <p:spTree>
-      <p:nvGrpSpPr>
-        <p:cNvPr id="1" name=""/>
-        <p:cNvGrpSpPr/>
-        <p:nvPr/>
-      </p:nvGrpSpPr>
-      <p:grpSpPr>
-        <a:xfrm>
-          <a:off x="0" y="0"/>
-          <a:ext cx="0" cy="0"/>
-          <a:chOff x="0" y="0"/>
-          <a:chExt cx="0" cy="0"/>
-        </a:xfrm>
-      </p:grpSpPr>
-      <p:sp>
-        <p:nvSpPr>
-          <p:cNvPr id="2" name="Title 1">
-            <a:extLst>
-              <a:ext uri="{FF2B5EF4-FFF2-40B4-BE49-F238E27FC236}">
-                <a16:creationId xmlns:a16="http://schemas.microsoft.com/office/drawing/2014/main" id="{4041FD49-51CB-4608-A3ED-30B7E304CBD6}"/>
-              </a:ext>
-            </a:extLst>
-          </p:cNvPr>
-          <p:cNvSpPr>
-            <a:spLocks noGrp="1"/>
-          </p:cNvSpPr>
-          <p:nvPr>
-            <p:ph type="title"/>
-          </p:nvPr>
-        </p:nvSpPr>
-        <p:spPr/>
-        <p:txBody>
-          <a:bodyPr>
-            <a:normAutofit/>
-          </a:bodyPr>
-          <a:lstStyle/>
-          <a:p>
-            <a:r>
-              <a:rPr lang="en-US" dirty="0"/>
-              <a:t>Example: considering sidechains only</a:t>
-            </a:r>
-          </a:p>
-        </p:txBody>
-      </p:sp>
-      <p:sp>
-        <p:nvSpPr>
-          <p:cNvPr id="3" name="Slide Number Placeholder 2">
-            <a:extLst>
-              <a:ext uri="{FF2B5EF4-FFF2-40B4-BE49-F238E27FC236}">
-                <a16:creationId xmlns:a16="http://schemas.microsoft.com/office/drawing/2014/main" id="{0D80111F-C31C-4236-B41A-2BA68657A3E1}"/>
-              </a:ext>
-            </a:extLst>
-          </p:cNvPr>
-          <p:cNvSpPr>
-            <a:spLocks noGrp="1"/>
-          </p:cNvSpPr>
-          <p:nvPr>
-            <p:ph type="sldNum" sz="quarter" idx="12"/>
-          </p:nvPr>
-        </p:nvSpPr>
-        <p:spPr/>
-        <p:txBody>
-          <a:bodyPr/>
-          <a:lstStyle/>
-          <a:p>
-            <a:fld id="{5911C0E6-D9CE-431C-92CB-BB39B872F930}" type="slidenum">
-              <a:rPr lang="en-US" smtClean="0"/>
-              <a:t>13</a:t>
-            </a:fld>
-            <a:endParaRPr lang="en-US"/>
-          </a:p>
-        </p:txBody>
-      </p:sp>
-      <p:sp>
-        <p:nvSpPr>
-          <p:cNvPr id="6" name="TextBox 5">
-            <a:extLst>
-              <a:ext uri="{FF2B5EF4-FFF2-40B4-BE49-F238E27FC236}">
-                <a16:creationId xmlns:a16="http://schemas.microsoft.com/office/drawing/2014/main" id="{B44CD19D-D4BC-EABE-4DBB-8BD723B2ECE7}"/>
-              </a:ext>
-            </a:extLst>
-          </p:cNvPr>
-          <p:cNvSpPr txBox="1"/>
-          <p:nvPr/>
-        </p:nvSpPr>
-        <p:spPr>
-          <a:xfrm>
-            <a:off x="6205240" y="6382921"/>
-            <a:ext cx="2641600" cy="338554"/>
-          </a:xfrm>
-          <a:prstGeom prst="rect">
-            <a:avLst/>
-          </a:prstGeom>
-          <a:noFill/>
-        </p:spPr>
-        <p:txBody>
-          <a:bodyPr wrap="square" rtlCol="0">
-            <a:spAutoFit/>
-          </a:bodyPr>
-          <a:lstStyle/>
-          <a:p>
-            <a:pPr algn="ctr"/>
-            <a:r>
-              <a:rPr lang="en-US" sz="1600" dirty="0"/>
-              <a:t>Ionic strength 0.100 M</a:t>
-            </a:r>
-          </a:p>
-        </p:txBody>
-      </p:sp>
-      <p:pic>
-        <p:nvPicPr>
-          <p:cNvPr id="1056" name="Picture 32">
-            <a:extLst>
-              <a:ext uri="{FF2B5EF4-FFF2-40B4-BE49-F238E27FC236}">
-                <a16:creationId xmlns:a16="http://schemas.microsoft.com/office/drawing/2014/main" id="{79A3044D-CD8D-9FCA-8689-1D94A19FE041}"/>
-              </a:ext>
-            </a:extLst>
-          </p:cNvPr>
-          <p:cNvPicPr>
-            <a:picLocks noChangeAspect="1" noChangeArrowheads="1"/>
-          </p:cNvPicPr>
-          <p:nvPr/>
-        </p:nvPicPr>
-        <p:blipFill>
-          <a:blip r:embed="rId2">
-            <a:extLst>
-              <a:ext uri="{28A0092B-C50C-407E-A947-70E740481C1C}">
-                <a14:useLocalDpi xmlns:a14="http://schemas.microsoft.com/office/drawing/2010/main" val="0"/>
-              </a:ext>
-            </a:extLst>
-          </a:blip>
-          <a:srcRect/>
-          <a:stretch>
-            <a:fillRect/>
-          </a:stretch>
-        </p:blipFill>
-        <p:spPr bwMode="auto">
-          <a:xfrm>
-            <a:off x="930743" y="2469673"/>
-            <a:ext cx="3525074" cy="2134032"/>
-          </a:xfrm>
-          <a:prstGeom prst="rect">
-            <a:avLst/>
-          </a:prstGeom>
-          <a:noFill/>
-          <a:extLst>
-            <a:ext uri="{909E8E84-426E-40DD-AFC4-6F175D3DCCD1}">
-              <a14:hiddenFill xmlns:a14="http://schemas.microsoft.com/office/drawing/2010/main">
-                <a:solidFill>
-                  <a:srgbClr val="FFFFFF"/>
-                </a:solidFill>
-              </a14:hiddenFill>
-            </a:ext>
-          </a:extLst>
-        </p:spPr>
-      </p:pic>
-      <p:sp>
-        <p:nvSpPr>
-          <p:cNvPr id="8" name="TextBox 7">
-            <a:extLst>
-              <a:ext uri="{FF2B5EF4-FFF2-40B4-BE49-F238E27FC236}">
-                <a16:creationId xmlns:a16="http://schemas.microsoft.com/office/drawing/2014/main" id="{7EFDBFF7-5F91-79C6-D4F1-4EF337CB565F}"/>
-              </a:ext>
-            </a:extLst>
-          </p:cNvPr>
-          <p:cNvSpPr txBox="1"/>
-          <p:nvPr/>
-        </p:nvSpPr>
-        <p:spPr>
-          <a:xfrm>
-            <a:off x="6637040" y="1914092"/>
-            <a:ext cx="5401734" cy="3970318"/>
-          </a:xfrm>
-          <a:prstGeom prst="rect">
-            <a:avLst/>
-          </a:prstGeom>
-          <a:noFill/>
-        </p:spPr>
-        <p:txBody>
-          <a:bodyPr wrap="square" rtlCol="0">
-            <a:spAutoFit/>
-          </a:bodyPr>
-          <a:lstStyle/>
-          <a:p>
-            <a:r>
-              <a:rPr lang="en-US" dirty="0"/>
-              <a:t>Model: “grafting surface” is bulk membrane/thin film; only considering elasticity of sidechains</a:t>
-            </a:r>
-          </a:p>
-          <a:p>
-            <a:endParaRPr lang="en-US" dirty="0"/>
-          </a:p>
-          <a:p>
-            <a:pPr marL="285750" indent="-285750">
-              <a:buFont typeface="Arial" panose="020B0604020202020204" pitchFamily="34" charset="0"/>
-              <a:buChar char="•"/>
-            </a:pPr>
-            <a:r>
-              <a:rPr lang="en-US" dirty="0"/>
-              <a:t>True grafting density unknown, 7.31 c/nm</a:t>
-            </a:r>
-            <a:r>
-              <a:rPr lang="en-US" baseline="30000" dirty="0"/>
-              <a:t>2</a:t>
-            </a:r>
-            <a:r>
-              <a:rPr lang="en-US" dirty="0"/>
-              <a:t> is approximately the density of sidechains based on the random walk of its backbone</a:t>
-            </a:r>
-          </a:p>
-          <a:p>
-            <a:pPr marL="742950" lvl="1" indent="-285750">
-              <a:buFont typeface="Arial" panose="020B0604020202020204" pitchFamily="34" charset="0"/>
-              <a:buChar char="•"/>
-            </a:pPr>
-            <a:endParaRPr lang="en-US" dirty="0"/>
-          </a:p>
-          <a:p>
-            <a:pPr marL="285750" indent="-285750">
-              <a:buFont typeface="Arial" panose="020B0604020202020204" pitchFamily="34" charset="0"/>
-              <a:buChar char="•"/>
-            </a:pPr>
-            <a:r>
-              <a:rPr lang="en-US" dirty="0"/>
-              <a:t>(Left) Density of polymer on Pt surface as a function of membrane–Pt separation distance. Colors indicate Pt surface charge density</a:t>
-            </a:r>
-          </a:p>
-          <a:p>
-            <a:pPr marL="285750" indent="-285750">
-              <a:buFont typeface="Arial" panose="020B0604020202020204" pitchFamily="34" charset="0"/>
-              <a:buChar char="•"/>
-            </a:pPr>
-            <a:endParaRPr lang="en-US" dirty="0"/>
-          </a:p>
-          <a:p>
-            <a:pPr marL="285750" indent="-285750">
-              <a:buFont typeface="Arial" panose="020B0604020202020204" pitchFamily="34" charset="0"/>
-              <a:buChar char="•"/>
-            </a:pPr>
-            <a:r>
-              <a:rPr lang="en-US" dirty="0"/>
-              <a:t>(Right) Polymer density distributions (solid) and proton distributions (dotted) for D = 2.49 nm. Density distribution of SO3 bead is dashed.</a:t>
-            </a:r>
-          </a:p>
-        </p:txBody>
-      </p:sp>
-      <p:pic>
-        <p:nvPicPr>
-          <p:cNvPr id="53" name="Picture 52">
-            <a:extLst>
-              <a:ext uri="{FF2B5EF4-FFF2-40B4-BE49-F238E27FC236}">
-                <a16:creationId xmlns:a16="http://schemas.microsoft.com/office/drawing/2014/main" id="{B7B9D77E-6B94-2932-DF86-57210AE5D47D}"/>
-              </a:ext>
-            </a:extLst>
-          </p:cNvPr>
-          <p:cNvPicPr>
-            <a:picLocks noChangeAspect="1"/>
-          </p:cNvPicPr>
-          <p:nvPr/>
-        </p:nvPicPr>
-        <p:blipFill>
-          <a:blip r:embed="rId3"/>
-          <a:stretch>
-            <a:fillRect/>
-          </a:stretch>
-        </p:blipFill>
-        <p:spPr>
-          <a:xfrm>
-            <a:off x="1013192" y="4718178"/>
-            <a:ext cx="2448155" cy="2003297"/>
-          </a:xfrm>
-          <a:prstGeom prst="rect">
-            <a:avLst/>
-          </a:prstGeom>
-        </p:spPr>
-      </p:pic>
-      <p:pic>
-        <p:nvPicPr>
-          <p:cNvPr id="31" name="Picture 30">
-            <a:extLst>
-              <a:ext uri="{FF2B5EF4-FFF2-40B4-BE49-F238E27FC236}">
-                <a16:creationId xmlns:a16="http://schemas.microsoft.com/office/drawing/2014/main" id="{561FE662-B2A5-4124-4A8A-9B356DB6DFDC}"/>
-              </a:ext>
-            </a:extLst>
-          </p:cNvPr>
-          <p:cNvPicPr>
-            <a:picLocks noChangeAspect="1"/>
-          </p:cNvPicPr>
-          <p:nvPr/>
-        </p:nvPicPr>
-        <p:blipFill>
-          <a:blip r:embed="rId4"/>
-          <a:stretch>
-            <a:fillRect/>
-          </a:stretch>
-        </p:blipFill>
-        <p:spPr>
-          <a:xfrm>
-            <a:off x="725225" y="1295966"/>
-            <a:ext cx="3024091" cy="987458"/>
-          </a:xfrm>
-          <a:prstGeom prst="rect">
-            <a:avLst/>
-          </a:prstGeom>
-        </p:spPr>
-      </p:pic>
-      <p:sp>
-        <p:nvSpPr>
-          <p:cNvPr id="32" name="TextBox 31">
-            <a:extLst>
-              <a:ext uri="{FF2B5EF4-FFF2-40B4-BE49-F238E27FC236}">
-                <a16:creationId xmlns:a16="http://schemas.microsoft.com/office/drawing/2014/main" id="{49BFB0D1-A0DB-BABB-F480-987EB0F3A271}"/>
-              </a:ext>
-            </a:extLst>
-          </p:cNvPr>
-          <p:cNvSpPr txBox="1"/>
-          <p:nvPr/>
-        </p:nvSpPr>
-        <p:spPr>
-          <a:xfrm>
-            <a:off x="4611189" y="1295966"/>
-            <a:ext cx="1174067" cy="369332"/>
-          </a:xfrm>
-          <a:prstGeom prst="rect">
-            <a:avLst/>
-          </a:prstGeom>
-          <a:noFill/>
-        </p:spPr>
-        <p:txBody>
-          <a:bodyPr wrap="square" rtlCol="0">
-            <a:spAutoFit/>
-          </a:bodyPr>
-          <a:lstStyle/>
-          <a:p>
-            <a:r>
-              <a:rPr lang="en-US" dirty="0"/>
-              <a:t>Backbone</a:t>
-            </a:r>
-          </a:p>
-        </p:txBody>
-      </p:sp>
-      <p:sp>
-        <p:nvSpPr>
-          <p:cNvPr id="33" name="TextBox 32">
-            <a:extLst>
-              <a:ext uri="{FF2B5EF4-FFF2-40B4-BE49-F238E27FC236}">
-                <a16:creationId xmlns:a16="http://schemas.microsoft.com/office/drawing/2014/main" id="{26A54564-A571-A14B-53EC-567DD395D801}"/>
-              </a:ext>
-            </a:extLst>
-          </p:cNvPr>
-          <p:cNvSpPr txBox="1"/>
-          <p:nvPr/>
-        </p:nvSpPr>
-        <p:spPr>
-          <a:xfrm>
-            <a:off x="4625600" y="1661524"/>
-            <a:ext cx="1174067" cy="369332"/>
-          </a:xfrm>
-          <a:prstGeom prst="rect">
-            <a:avLst/>
-          </a:prstGeom>
-          <a:noFill/>
-        </p:spPr>
-        <p:txBody>
-          <a:bodyPr wrap="square" rtlCol="0">
-            <a:spAutoFit/>
-          </a:bodyPr>
-          <a:lstStyle/>
-          <a:p>
-            <a:r>
-              <a:rPr lang="en-US" dirty="0"/>
-              <a:t>Sidechain</a:t>
-            </a:r>
-          </a:p>
-        </p:txBody>
-      </p:sp>
-      <p:cxnSp>
-        <p:nvCxnSpPr>
-          <p:cNvPr id="34" name="Straight Arrow Connector 33">
-            <a:extLst>
-              <a:ext uri="{FF2B5EF4-FFF2-40B4-BE49-F238E27FC236}">
-                <a16:creationId xmlns:a16="http://schemas.microsoft.com/office/drawing/2014/main" id="{F867A096-7982-88AE-00A0-8FFADE9431DB}"/>
-              </a:ext>
-            </a:extLst>
-          </p:cNvPr>
-          <p:cNvCxnSpPr>
-            <a:stCxn id="33" idx="1"/>
-          </p:cNvCxnSpPr>
-          <p:nvPr/>
-        </p:nvCxnSpPr>
-        <p:spPr>
-          <a:xfrm flipH="1" flipV="1">
-            <a:off x="4134035" y="1844660"/>
-            <a:ext cx="491565" cy="1530"/>
-          </a:xfrm>
-          <a:prstGeom prst="straightConnector1">
-            <a:avLst/>
-          </a:prstGeom>
-          <a:ln w="28575">
-            <a:solidFill>
-              <a:schemeClr val="tx1"/>
-            </a:solidFill>
-            <a:tailEnd type="triangle"/>
-          </a:ln>
-        </p:spPr>
-        <p:style>
-          <a:lnRef idx="1">
-            <a:schemeClr val="accent1"/>
-          </a:lnRef>
-          <a:fillRef idx="0">
-            <a:schemeClr val="accent1"/>
-          </a:fillRef>
-          <a:effectRef idx="0">
-            <a:schemeClr val="accent1"/>
-          </a:effectRef>
-          <a:fontRef idx="minor">
-            <a:schemeClr val="tx1"/>
-          </a:fontRef>
-        </p:style>
-      </p:cxnSp>
-      <p:cxnSp>
-        <p:nvCxnSpPr>
-          <p:cNvPr id="35" name="Straight Arrow Connector 34">
-            <a:extLst>
-              <a:ext uri="{FF2B5EF4-FFF2-40B4-BE49-F238E27FC236}">
-                <a16:creationId xmlns:a16="http://schemas.microsoft.com/office/drawing/2014/main" id="{10F4A91E-F44C-3BA8-36EF-476059301FE6}"/>
-              </a:ext>
-            </a:extLst>
-          </p:cNvPr>
-          <p:cNvCxnSpPr>
-            <a:cxnSpLocks/>
-            <a:stCxn id="32" idx="1"/>
-          </p:cNvCxnSpPr>
-          <p:nvPr/>
-        </p:nvCxnSpPr>
-        <p:spPr>
-          <a:xfrm flipH="1">
-            <a:off x="3723503" y="1480632"/>
-            <a:ext cx="887686" cy="0"/>
-          </a:xfrm>
-          <a:prstGeom prst="straightConnector1">
-            <a:avLst/>
-          </a:prstGeom>
-          <a:ln w="28575">
-            <a:solidFill>
-              <a:schemeClr val="tx1"/>
-            </a:solidFill>
-            <a:tailEnd type="triangle"/>
-          </a:ln>
-        </p:spPr>
-        <p:style>
-          <a:lnRef idx="1">
-            <a:schemeClr val="accent1"/>
-          </a:lnRef>
-          <a:fillRef idx="0">
-            <a:schemeClr val="accent1"/>
-          </a:fillRef>
-          <a:effectRef idx="0">
-            <a:schemeClr val="accent1"/>
-          </a:effectRef>
-          <a:fontRef idx="minor">
-            <a:schemeClr val="tx1"/>
-          </a:fontRef>
-        </p:style>
-      </p:cxnSp>
-    </p:spTree>
-    <p:extLst>
-      <p:ext uri="{BB962C8B-B14F-4D97-AF65-F5344CB8AC3E}">
-        <p14:creationId xmlns:p14="http://schemas.microsoft.com/office/powerpoint/2010/main" val="3762529990"/>
       </p:ext>
     </p:extLst>
   </p:cSld>
@@ -16077,7 +16056,7 @@
           <a:p>
             <a:r>
               <a:rPr lang="en-US" sz="3200" dirty="0"/>
-              <a:t>Our SCFT systematically includes these coupled interactions</a:t>
+              <a:t>Self-consistent field equations provide microscopic details</a:t>
             </a:r>
           </a:p>
         </p:txBody>
@@ -16125,10 +16104,10 @@
         </p:nvGrpSpPr>
         <p:grpSpPr>
           <a:xfrm>
-            <a:off x="4977310" y="3174779"/>
-            <a:ext cx="2488950" cy="1941478"/>
-            <a:chOff x="5009887" y="3034583"/>
-            <a:chExt cx="2488950" cy="1941478"/>
+            <a:off x="4649710" y="3115524"/>
+            <a:ext cx="3012118" cy="1577382"/>
+            <a:chOff x="4682287" y="3034583"/>
+            <a:chExt cx="3012118" cy="1577382"/>
           </a:xfrm>
         </p:grpSpPr>
         <p:sp>
@@ -16202,8 +16181,8 @@
           </p:nvSpPr>
           <p:spPr>
             <a:xfrm>
-              <a:off x="5009887" y="3806510"/>
-              <a:ext cx="2488950" cy="1169551"/>
+              <a:off x="4682287" y="3657858"/>
+              <a:ext cx="3012118" cy="954107"/>
             </a:xfrm>
             <a:prstGeom prst="rect">
               <a:avLst/>
@@ -16244,7 +16223,7 @@
                 <a:rPr lang="en-US" sz="1400" dirty="0">
                   <a:latin typeface="Lucida grande" panose="020B0502040204020203"/>
                 </a:rPr>
-                <a:t> transformations, </a:t>
+                <a:t> transforms, </a:t>
               </a:r>
               <a:br>
                 <a:rPr lang="en-US" sz="1400" dirty="0">
@@ -16593,8 +16572,8 @@
           </p:nvSpPr>
           <p:spPr>
             <a:xfrm>
-              <a:off x="7530252" y="1597560"/>
-              <a:ext cx="252301" cy="2370008"/>
+              <a:off x="7530252" y="1699660"/>
+              <a:ext cx="252301" cy="2225574"/>
             </a:xfrm>
             <a:prstGeom prst="leftBrace">
               <a:avLst>
@@ -16757,10 +16736,10 @@
         </p:nvGrpSpPr>
         <p:grpSpPr>
           <a:xfrm>
-            <a:off x="7755677" y="2600891"/>
-            <a:ext cx="4290065" cy="3755459"/>
-            <a:chOff x="7857852" y="2563755"/>
-            <a:chExt cx="4290065" cy="3755459"/>
+            <a:off x="7861704" y="2600891"/>
+            <a:ext cx="4290065" cy="3707188"/>
+            <a:chOff x="7963879" y="2563755"/>
+            <a:chExt cx="4290065" cy="3707188"/>
           </a:xfrm>
         </p:grpSpPr>
         <p:sp>
@@ -16777,7 +16756,7 @@
           </p:nvSpPr>
           <p:spPr>
             <a:xfrm>
-              <a:off x="7857852" y="5734439"/>
+              <a:off x="7963879" y="5686168"/>
               <a:ext cx="4290065" cy="584775"/>
             </a:xfrm>
             <a:prstGeom prst="rect">

--- a/20240722 NAF Intro.pptx
+++ b/20240722 NAF Intro.pptx
@@ -5,7 +5,7 @@
     <p:sldMasterId id="2147483648" r:id="rId1"/>
   </p:sldMasterIdLst>
   <p:notesMasterIdLst>
-    <p:notesMasterId r:id="rId16"/>
+    <p:notesMasterId r:id="rId17"/>
   </p:notesMasterIdLst>
   <p:sldIdLst>
     <p:sldId id="256" r:id="rId2"/>
@@ -20,8 +20,9 @@
     <p:sldId id="272" r:id="rId11"/>
     <p:sldId id="259" r:id="rId12"/>
     <p:sldId id="257" r:id="rId13"/>
-    <p:sldId id="258" r:id="rId14"/>
-    <p:sldId id="263" r:id="rId15"/>
+    <p:sldId id="273" r:id="rId14"/>
+    <p:sldId id="258" r:id="rId15"/>
+    <p:sldId id="263" r:id="rId16"/>
   </p:sldIdLst>
   <p:sldSz cx="12192000" cy="6858000"/>
   <p:notesSz cx="6858000" cy="9144000"/>
@@ -3385,53 +3386,6 @@
           </a:p>
         </p:txBody>
       </p:sp>
-      <p:pic>
-        <p:nvPicPr>
-          <p:cNvPr id="1056" name="Picture 32">
-            <a:extLst>
-              <a:ext uri="{FF2B5EF4-FFF2-40B4-BE49-F238E27FC236}">
-                <a16:creationId xmlns:a16="http://schemas.microsoft.com/office/drawing/2014/main" id="{79A3044D-CD8D-9FCA-8689-1D94A19FE041}"/>
-              </a:ext>
-            </a:extLst>
-          </p:cNvPr>
-          <p:cNvPicPr>
-            <a:picLocks noChangeAspect="1" noChangeArrowheads="1"/>
-          </p:cNvPicPr>
-          <p:nvPr/>
-        </p:nvPicPr>
-        <p:blipFill>
-          <a:blip r:embed="rId2">
-            <a:extLst>
-              <a:ext uri="{28A0092B-C50C-407E-A947-70E740481C1C}">
-                <a14:useLocalDpi xmlns:a14="http://schemas.microsoft.com/office/drawing/2010/main" val="0"/>
-              </a:ext>
-            </a:extLst>
-          </a:blip>
-          <a:srcRect/>
-          <a:stretch>
-            <a:fillRect/>
-          </a:stretch>
-        </p:blipFill>
-        <p:spPr bwMode="auto">
-          <a:xfrm>
-            <a:off x="1023877" y="4587443"/>
-            <a:ext cx="3525074" cy="2134032"/>
-          </a:xfrm>
-          <a:prstGeom prst="rect">
-            <a:avLst/>
-          </a:prstGeom>
-          <a:noFill/>
-          <a:extLst>
-            <a:ext uri="{909E8E84-426E-40DD-AFC4-6F175D3DCCD1}">
-              <a14:hiddenFill xmlns:a14="http://schemas.microsoft.com/office/drawing/2010/main">
-                <a:solidFill>
-                  <a:srgbClr val="FFFFFF"/>
-                </a:solidFill>
-              </a14:hiddenFill>
-            </a:ext>
-          </a:extLst>
-        </p:spPr>
-      </p:pic>
       <p:sp>
         <p:nvSpPr>
           <p:cNvPr id="8" name="TextBox 7">
@@ -3447,7 +3401,7 @@
         <p:spPr>
           <a:xfrm>
             <a:off x="5173134" y="2751651"/>
-            <a:ext cx="6282267" cy="3139321"/>
+            <a:ext cx="6282267" cy="1477328"/>
           </a:xfrm>
           <a:prstGeom prst="rect">
             <a:avLst/>
@@ -3483,35 +3437,7 @@
             </a:pPr>
             <a:r>
               <a:rPr lang="en-US" dirty="0"/>
-              <a:t>Polymer density distributions (solid) and proton distributions (dotted) for D = 2.49 nm. Density distribution of SO3 bead is dashed.</a:t>
-            </a:r>
-          </a:p>
-          <a:p>
-            <a:pPr marL="285750" indent="-285750">
-              <a:buFont typeface="Arial" panose="020B0604020202020204" pitchFamily="34" charset="0"/>
-              <a:buChar char="•"/>
-            </a:pPr>
-            <a:endParaRPr lang="en-US" dirty="0"/>
-          </a:p>
-          <a:p>
-            <a:endParaRPr lang="en-US" dirty="0"/>
-          </a:p>
-          <a:p>
-            <a:pPr marL="285750" indent="-285750">
-              <a:buFont typeface="Arial" panose="020B0604020202020204" pitchFamily="34" charset="0"/>
-              <a:buChar char="•"/>
-            </a:pPr>
-            <a:r>
-              <a:rPr lang="en-US" dirty="0"/>
-              <a:t>Note: 7.31 c/nm</a:t>
-            </a:r>
-            <a:r>
-              <a:rPr lang="en-US" baseline="30000" dirty="0"/>
-              <a:t>2</a:t>
-            </a:r>
-            <a:r>
-              <a:rPr lang="en-US" dirty="0"/>
-              <a:t> is approximately the “grafting” density of sidechains based on the random walk of its backbone</a:t>
+              <a:t>Density distribution of SO3 bead is dashed.</a:t>
             </a:r>
           </a:p>
           <a:p>
@@ -3538,7 +3464,7 @@
           <p:nvPr/>
         </p:nvPicPr>
         <p:blipFill>
-          <a:blip r:embed="rId3"/>
+          <a:blip r:embed="rId2"/>
           <a:stretch>
             <a:fillRect/>
           </a:stretch>
@@ -3588,7 +3514,7 @@
             <p:nvPr/>
           </p:nvPicPr>
           <p:blipFill>
-            <a:blip r:embed="rId4"/>
+            <a:blip r:embed="rId3"/>
             <a:stretch>
               <a:fillRect/>
             </a:stretch>
@@ -3764,6 +3690,128 @@
           </p:style>
         </p:cxnSp>
       </p:grpSp>
+      <p:grpSp>
+        <p:nvGrpSpPr>
+          <p:cNvPr id="43" name="Group 42">
+            <a:extLst>
+              <a:ext uri="{FF2B5EF4-FFF2-40B4-BE49-F238E27FC236}">
+                <a16:creationId xmlns:a16="http://schemas.microsoft.com/office/drawing/2014/main" id="{0DE070C8-3369-B102-2DD6-0526F2F13E03}"/>
+              </a:ext>
+            </a:extLst>
+          </p:cNvPr>
+          <p:cNvGrpSpPr/>
+          <p:nvPr/>
+        </p:nvGrpSpPr>
+        <p:grpSpPr>
+          <a:xfrm>
+            <a:off x="1023877" y="4521200"/>
+            <a:ext cx="3525074" cy="2200275"/>
+            <a:chOff x="1023877" y="4521200"/>
+            <a:chExt cx="3525074" cy="2200275"/>
+          </a:xfrm>
+        </p:grpSpPr>
+        <p:pic>
+          <p:nvPicPr>
+            <p:cNvPr id="1056" name="Picture 32">
+              <a:extLst>
+                <a:ext uri="{FF2B5EF4-FFF2-40B4-BE49-F238E27FC236}">
+                  <a16:creationId xmlns:a16="http://schemas.microsoft.com/office/drawing/2014/main" id="{79A3044D-CD8D-9FCA-8689-1D94A19FE041}"/>
+                </a:ext>
+              </a:extLst>
+            </p:cNvPr>
+            <p:cNvPicPr>
+              <a:picLocks noChangeAspect="1" noChangeArrowheads="1"/>
+            </p:cNvPicPr>
+            <p:nvPr/>
+          </p:nvPicPr>
+          <p:blipFill>
+            <a:blip r:embed="rId4">
+              <a:extLst>
+                <a:ext uri="{28A0092B-C50C-407E-A947-70E740481C1C}">
+                  <a14:useLocalDpi xmlns:a14="http://schemas.microsoft.com/office/drawing/2010/main" val="0"/>
+                </a:ext>
+              </a:extLst>
+            </a:blip>
+            <a:srcRect/>
+            <a:stretch>
+              <a:fillRect/>
+            </a:stretch>
+          </p:blipFill>
+          <p:spPr bwMode="auto">
+            <a:xfrm>
+              <a:off x="1023877" y="4587443"/>
+              <a:ext cx="3525074" cy="2134032"/>
+            </a:xfrm>
+            <a:prstGeom prst="rect">
+              <a:avLst/>
+            </a:prstGeom>
+            <a:noFill/>
+            <a:extLst>
+              <a:ext uri="{909E8E84-426E-40DD-AFC4-6F175D3DCCD1}">
+                <a14:hiddenFill xmlns:a14="http://schemas.microsoft.com/office/drawing/2010/main">
+                  <a:solidFill>
+                    <a:srgbClr val="FFFFFF"/>
+                  </a:solidFill>
+                </a14:hiddenFill>
+              </a:ext>
+            </a:extLst>
+          </p:spPr>
+        </p:pic>
+        <p:sp>
+          <p:nvSpPr>
+            <p:cNvPr id="40" name="Rectangle 39">
+              <a:extLst>
+                <a:ext uri="{FF2B5EF4-FFF2-40B4-BE49-F238E27FC236}">
+                  <a16:creationId xmlns:a16="http://schemas.microsoft.com/office/drawing/2014/main" id="{A2AD4BF4-03D5-322B-2F3F-636BBAAB9656}"/>
+                </a:ext>
+              </a:extLst>
+            </p:cNvPr>
+            <p:cNvSpPr/>
+            <p:nvPr/>
+          </p:nvSpPr>
+          <p:spPr>
+            <a:xfrm>
+              <a:off x="1495693" y="4521200"/>
+              <a:ext cx="1797840" cy="254000"/>
+            </a:xfrm>
+            <a:prstGeom prst="rect">
+              <a:avLst/>
+            </a:prstGeom>
+            <a:solidFill>
+              <a:schemeClr val="bg1"/>
+            </a:solidFill>
+            <a:ln>
+              <a:solidFill>
+                <a:schemeClr val="bg1"/>
+              </a:solidFill>
+            </a:ln>
+          </p:spPr>
+          <p:style>
+            <a:lnRef idx="2">
+              <a:schemeClr val="accent1">
+                <a:shade val="15000"/>
+              </a:schemeClr>
+            </a:lnRef>
+            <a:fillRef idx="1">
+              <a:schemeClr val="accent1"/>
+            </a:fillRef>
+            <a:effectRef idx="0">
+              <a:schemeClr val="accent1"/>
+            </a:effectRef>
+            <a:fontRef idx="minor">
+              <a:schemeClr val="lt1"/>
+            </a:fontRef>
+          </p:style>
+          <p:txBody>
+            <a:bodyPr rtlCol="0" anchor="ctr"/>
+            <a:lstStyle/>
+            <a:p>
+              <a:pPr algn="ctr"/>
+              <a:endParaRPr lang="en-US"/>
+            </a:p>
+          </p:txBody>
+        </p:sp>
+      </p:grpSp>
     </p:spTree>
     <p:extLst>
       <p:ext uri="{BB962C8B-B14F-4D97-AF65-F5344CB8AC3E}">
@@ -3779,6 +3827,95 @@
 
 <file path=ppt/slides/slide13.xml><?xml version="1.0" encoding="utf-8"?>
 <p:sld xmlns:a="http://schemas.openxmlformats.org/drawingml/2006/main" xmlns:r="http://schemas.openxmlformats.org/officeDocument/2006/relationships" xmlns:p="http://schemas.openxmlformats.org/presentationml/2006/main">
+  <p:cSld>
+    <p:spTree>
+      <p:nvGrpSpPr>
+        <p:cNvPr id="1" name=""/>
+        <p:cNvGrpSpPr/>
+        <p:nvPr/>
+      </p:nvGrpSpPr>
+      <p:grpSpPr>
+        <a:xfrm>
+          <a:off x="0" y="0"/>
+          <a:ext cx="0" cy="0"/>
+          <a:chOff x="0" y="0"/>
+          <a:chExt cx="0" cy="0"/>
+        </a:xfrm>
+      </p:grpSpPr>
+      <p:sp>
+        <p:nvSpPr>
+          <p:cNvPr id="2" name="Title 1">
+            <a:extLst>
+              <a:ext uri="{FF2B5EF4-FFF2-40B4-BE49-F238E27FC236}">
+                <a16:creationId xmlns:a16="http://schemas.microsoft.com/office/drawing/2014/main" id="{C8F37426-3050-A432-2CA9-DE4C566FEA7A}"/>
+              </a:ext>
+            </a:extLst>
+          </p:cNvPr>
+          <p:cNvSpPr>
+            <a:spLocks noGrp="1"/>
+          </p:cNvSpPr>
+          <p:nvPr>
+            <p:ph type="title"/>
+          </p:nvPr>
+        </p:nvSpPr>
+        <p:spPr/>
+        <p:txBody>
+          <a:bodyPr>
+            <a:noAutofit/>
+          </a:bodyPr>
+          <a:lstStyle/>
+          <a:p>
+            <a:r>
+              <a:rPr lang="en-US" sz="2800" dirty="0"/>
+              <a:t>Proposed system for Ionomer—Pt interface at varying humidities</a:t>
+            </a:r>
+          </a:p>
+        </p:txBody>
+      </p:sp>
+      <p:sp>
+        <p:nvSpPr>
+          <p:cNvPr id="3" name="Slide Number Placeholder 2">
+            <a:extLst>
+              <a:ext uri="{FF2B5EF4-FFF2-40B4-BE49-F238E27FC236}">
+                <a16:creationId xmlns:a16="http://schemas.microsoft.com/office/drawing/2014/main" id="{9ED98D5A-BA56-09CA-68F4-C8865CB7EE37}"/>
+              </a:ext>
+            </a:extLst>
+          </p:cNvPr>
+          <p:cNvSpPr>
+            <a:spLocks noGrp="1"/>
+          </p:cNvSpPr>
+          <p:nvPr>
+            <p:ph type="sldNum" sz="quarter" idx="12"/>
+          </p:nvPr>
+        </p:nvSpPr>
+        <p:spPr/>
+        <p:txBody>
+          <a:bodyPr/>
+          <a:lstStyle/>
+          <a:p>
+            <a:fld id="{5911C0E6-D9CE-431C-92CB-BB39B872F930}" type="slidenum">
+              <a:rPr lang="en-US" smtClean="0"/>
+              <a:t>13</a:t>
+            </a:fld>
+            <a:endParaRPr lang="en-US"/>
+          </a:p>
+        </p:txBody>
+      </p:sp>
+    </p:spTree>
+    <p:extLst>
+      <p:ext uri="{BB962C8B-B14F-4D97-AF65-F5344CB8AC3E}">
+        <p14:creationId xmlns:p14="http://schemas.microsoft.com/office/powerpoint/2010/main" val="511440126"/>
+      </p:ext>
+    </p:extLst>
+  </p:cSld>
+  <p:clrMapOvr>
+    <a:masterClrMapping/>
+  </p:clrMapOvr>
+</p:sld>
+</file>
+
+<file path=ppt/slides/slide14.xml><?xml version="1.0" encoding="utf-8"?>
+<p:sld xmlns:a="http://schemas.openxmlformats.org/drawingml/2006/main" xmlns:r="http://schemas.openxmlformats.org/officeDocument/2006/relationships" xmlns:p="http://schemas.openxmlformats.org/presentationml/2006/main" show="0">
   <p:cSld>
     <p:spTree>
       <p:nvGrpSpPr>
@@ -3845,7 +3982,7 @@
           <a:p>
             <a:fld id="{5911C0E6-D9CE-431C-92CB-BB39B872F930}" type="slidenum">
               <a:rPr lang="en-US" smtClean="0"/>
-              <a:t>13</a:t>
+              <a:t>14</a:t>
             </a:fld>
             <a:endParaRPr lang="en-US"/>
           </a:p>
@@ -6274,8 +6411,8 @@
 </p:sld>
 </file>
 
-<file path=ppt/slides/slide14.xml><?xml version="1.0" encoding="utf-8"?>
-<p:sld xmlns:a="http://schemas.openxmlformats.org/drawingml/2006/main" xmlns:r="http://schemas.openxmlformats.org/officeDocument/2006/relationships" xmlns:p="http://schemas.openxmlformats.org/presentationml/2006/main">
+<file path=ppt/slides/slide15.xml><?xml version="1.0" encoding="utf-8"?>
+<p:sld xmlns:a="http://schemas.openxmlformats.org/drawingml/2006/main" xmlns:r="http://schemas.openxmlformats.org/officeDocument/2006/relationships" xmlns:p="http://schemas.openxmlformats.org/presentationml/2006/main" show="0">
   <p:cSld>
     <p:spTree>
       <p:nvGrpSpPr>
@@ -6440,7 +6577,7 @@
           <a:p>
             <a:fld id="{B40DB54C-0C58-4481-B5FF-5C3F14CFF9B3}" type="slidenum">
               <a:rPr lang="en-US" smtClean="0"/>
-              <a:t>14</a:t>
+              <a:t>15</a:t>
             </a:fld>
             <a:endParaRPr lang="en-US"/>
           </a:p>

--- a/20240722 NAF Intro.pptx
+++ b/20240722 NAF Intro.pptx
@@ -9,16 +9,16 @@
   </p:notesMasterIdLst>
   <p:sldIdLst>
     <p:sldId id="256" r:id="rId2"/>
-    <p:sldId id="266" r:id="rId3"/>
-    <p:sldId id="271" r:id="rId4"/>
-    <p:sldId id="265" r:id="rId5"/>
-    <p:sldId id="264" r:id="rId6"/>
-    <p:sldId id="267" r:id="rId7"/>
-    <p:sldId id="270" r:id="rId8"/>
-    <p:sldId id="268" r:id="rId9"/>
-    <p:sldId id="269" r:id="rId10"/>
-    <p:sldId id="272" r:id="rId11"/>
-    <p:sldId id="259" r:id="rId12"/>
+    <p:sldId id="274" r:id="rId3"/>
+    <p:sldId id="266" r:id="rId4"/>
+    <p:sldId id="271" r:id="rId5"/>
+    <p:sldId id="265" r:id="rId6"/>
+    <p:sldId id="264" r:id="rId7"/>
+    <p:sldId id="267" r:id="rId8"/>
+    <p:sldId id="270" r:id="rId9"/>
+    <p:sldId id="268" r:id="rId10"/>
+    <p:sldId id="269" r:id="rId11"/>
+    <p:sldId id="272" r:id="rId12"/>
     <p:sldId id="257" r:id="rId13"/>
     <p:sldId id="273" r:id="rId14"/>
     <p:sldId id="258" r:id="rId15"/>
@@ -211,7 +211,7 @@
           <a:p>
             <a:fld id="{4299902A-6DB3-4A13-9B91-BEABFDA2FC16}" type="datetimeFigureOut">
               <a:rPr lang="en-US" smtClean="0"/>
-              <a:t>7/19/2024</a:t>
+              <a:t>7/21/2024</a:t>
             </a:fld>
             <a:endParaRPr lang="en-US"/>
           </a:p>
@@ -2519,6 +2519,1287 @@
           <p:cNvPr id="2" name="Title 1">
             <a:extLst>
               <a:ext uri="{FF2B5EF4-FFF2-40B4-BE49-F238E27FC236}">
+                <a16:creationId xmlns:a16="http://schemas.microsoft.com/office/drawing/2014/main" id="{4CAE0289-A243-1B0D-5664-15AF6AFC5221}"/>
+              </a:ext>
+            </a:extLst>
+          </p:cNvPr>
+          <p:cNvSpPr>
+            <a:spLocks noGrp="1"/>
+          </p:cNvSpPr>
+          <p:nvPr>
+            <p:ph type="title"/>
+          </p:nvPr>
+        </p:nvSpPr>
+        <p:spPr>
+          <a:xfrm>
+            <a:off x="0" y="144617"/>
+            <a:ext cx="12192000" cy="800128"/>
+          </a:xfrm>
+        </p:spPr>
+        <p:txBody>
+          <a:bodyPr>
+            <a:noAutofit/>
+          </a:bodyPr>
+          <a:lstStyle/>
+          <a:p>
+            <a:r>
+              <a:rPr lang="en-US" sz="3200" dirty="0"/>
+              <a:t>Self-consistent field equations provide microscopic details</a:t>
+            </a:r>
+          </a:p>
+        </p:txBody>
+      </p:sp>
+      <p:sp>
+        <p:nvSpPr>
+          <p:cNvPr id="4" name="Slide Number Placeholder 3">
+            <a:extLst>
+              <a:ext uri="{FF2B5EF4-FFF2-40B4-BE49-F238E27FC236}">
+                <a16:creationId xmlns:a16="http://schemas.microsoft.com/office/drawing/2014/main" id="{5F808555-E784-80D6-BC35-3FC52173F5A1}"/>
+              </a:ext>
+            </a:extLst>
+          </p:cNvPr>
+          <p:cNvSpPr>
+            <a:spLocks noGrp="1"/>
+          </p:cNvSpPr>
+          <p:nvPr>
+            <p:ph type="sldNum" sz="quarter" idx="12"/>
+          </p:nvPr>
+        </p:nvSpPr>
+        <p:spPr/>
+        <p:txBody>
+          <a:bodyPr/>
+          <a:lstStyle/>
+          <a:p>
+            <a:fld id="{5911C0E6-D9CE-431C-92CB-BB39B872F930}" type="slidenum">
+              <a:rPr lang="en-US" smtClean="0"/>
+              <a:t>10</a:t>
+            </a:fld>
+            <a:endParaRPr lang="en-US"/>
+          </a:p>
+        </p:txBody>
+      </p:sp>
+      <p:grpSp>
+        <p:nvGrpSpPr>
+          <p:cNvPr id="118" name="Group 117">
+            <a:extLst>
+              <a:ext uri="{FF2B5EF4-FFF2-40B4-BE49-F238E27FC236}">
+                <a16:creationId xmlns:a16="http://schemas.microsoft.com/office/drawing/2014/main" id="{F8654D56-52FF-BE88-F25E-F6B915F1CC5C}"/>
+              </a:ext>
+            </a:extLst>
+          </p:cNvPr>
+          <p:cNvGrpSpPr/>
+          <p:nvPr/>
+        </p:nvGrpSpPr>
+        <p:grpSpPr>
+          <a:xfrm>
+            <a:off x="4649710" y="3115524"/>
+            <a:ext cx="3012118" cy="1577382"/>
+            <a:chOff x="4682287" y="3034583"/>
+            <a:chExt cx="3012118" cy="1577382"/>
+          </a:xfrm>
+        </p:grpSpPr>
+        <p:sp>
+          <p:nvSpPr>
+            <p:cNvPr id="24" name="Arrow: Right 23">
+              <a:extLst>
+                <a:ext uri="{FF2B5EF4-FFF2-40B4-BE49-F238E27FC236}">
+                  <a16:creationId xmlns:a16="http://schemas.microsoft.com/office/drawing/2014/main" id="{10F8A42F-0D39-3EB4-4FE2-38B84E622DAF}"/>
+                </a:ext>
+              </a:extLst>
+            </p:cNvPr>
+            <p:cNvSpPr/>
+            <p:nvPr/>
+          </p:nvSpPr>
+          <p:spPr>
+            <a:xfrm>
+              <a:off x="5425160" y="3034583"/>
+              <a:ext cx="1695773" cy="535919"/>
+            </a:xfrm>
+            <a:prstGeom prst="rightArrow">
+              <a:avLst>
+                <a:gd name="adj1" fmla="val 42333"/>
+                <a:gd name="adj2" fmla="val 56389"/>
+              </a:avLst>
+            </a:prstGeom>
+            <a:solidFill>
+              <a:schemeClr val="bg1"/>
+            </a:solidFill>
+            <a:ln w="28575">
+              <a:solidFill>
+                <a:schemeClr val="tx1"/>
+              </a:solidFill>
+            </a:ln>
+          </p:spPr>
+          <p:style>
+            <a:lnRef idx="2">
+              <a:schemeClr val="accent1">
+                <a:shade val="15000"/>
+              </a:schemeClr>
+            </a:lnRef>
+            <a:fillRef idx="1">
+              <a:schemeClr val="accent1"/>
+            </a:fillRef>
+            <a:effectRef idx="0">
+              <a:schemeClr val="accent1"/>
+            </a:effectRef>
+            <a:fontRef idx="minor">
+              <a:schemeClr val="lt1"/>
+            </a:fontRef>
+          </p:style>
+          <p:txBody>
+            <a:bodyPr rtlCol="0" anchor="ctr"/>
+            <a:lstStyle/>
+            <a:p>
+              <a:pPr algn="ctr"/>
+              <a:endParaRPr lang="en-US"/>
+            </a:p>
+          </p:txBody>
+        </p:sp>
+        <p:sp>
+          <p:nvSpPr>
+            <p:cNvPr id="28" name="TextBox 27">
+              <a:extLst>
+                <a:ext uri="{FF2B5EF4-FFF2-40B4-BE49-F238E27FC236}">
+                  <a16:creationId xmlns:a16="http://schemas.microsoft.com/office/drawing/2014/main" id="{3A4420C9-A5FD-8E60-E1E2-67038298D1CD}"/>
+                </a:ext>
+              </a:extLst>
+            </p:cNvPr>
+            <p:cNvSpPr txBox="1"/>
+            <p:nvPr/>
+          </p:nvSpPr>
+          <p:spPr>
+            <a:xfrm>
+              <a:off x="4682287" y="3657858"/>
+              <a:ext cx="3012118" cy="954107"/>
+            </a:xfrm>
+            <a:prstGeom prst="rect">
+              <a:avLst/>
+            </a:prstGeom>
+            <a:noFill/>
+          </p:spPr>
+          <p:txBody>
+            <a:bodyPr wrap="square" rtlCol="0">
+              <a:spAutoFit/>
+            </a:bodyPr>
+            <a:lstStyle/>
+            <a:p>
+              <a:pPr algn="ctr"/>
+              <a:r>
+                <a:rPr lang="en-US" sz="1400" dirty="0">
+                  <a:latin typeface="Lucida grande" panose="020B0502040204020203"/>
+                </a:rPr>
+                <a:t>Particle-to-field and </a:t>
+              </a:r>
+              <a:br>
+                <a:rPr lang="en-US" sz="1400" dirty="0">
+                  <a:latin typeface="Lucida grande" panose="020B0502040204020203"/>
+                </a:rPr>
+              </a:br>
+              <a:r>
+                <a:rPr lang="en-US" sz="1400" dirty="0">
+                  <a:latin typeface="Lucida grande" panose="020B0502040204020203"/>
+                </a:rPr>
+                <a:t>Hubbard—</a:t>
+              </a:r>
+              <a:r>
+                <a:rPr lang="en-US" sz="1400" dirty="0" err="1">
+                  <a:latin typeface="Lucida grande" panose="020B0502040204020203"/>
+                </a:rPr>
+                <a:t>Stratonovich</a:t>
+              </a:r>
+              <a:r>
+                <a:rPr lang="en-US" sz="1400" dirty="0">
+                  <a:latin typeface="Lucida grande" panose="020B0502040204020203"/>
+                </a:rPr>
+                <a:t> transforms, </a:t>
+              </a:r>
+              <a:br>
+                <a:rPr lang="en-US" sz="1400" dirty="0">
+                  <a:latin typeface="Lucida grande" panose="020B0502040204020203"/>
+                </a:rPr>
+              </a:br>
+              <a:r>
+                <a:rPr lang="en-US" sz="1400" dirty="0">
+                  <a:latin typeface="Lucida grande" panose="020B0502040204020203"/>
+                </a:rPr>
+                <a:t>saddle-point approximation, </a:t>
+              </a:r>
+              <a:br>
+                <a:rPr lang="en-US" sz="1400" dirty="0">
+                  <a:latin typeface="Lucida grande" panose="020B0502040204020203"/>
+                </a:rPr>
+              </a:br>
+              <a:r>
+                <a:rPr lang="en-US" sz="1400" dirty="0">
+                  <a:latin typeface="Lucida grande" panose="020B0502040204020203"/>
+                </a:rPr>
+                <a:t>functional minimization</a:t>
+              </a:r>
+            </a:p>
+          </p:txBody>
+        </p:sp>
+      </p:grpSp>
+      <p:grpSp>
+        <p:nvGrpSpPr>
+          <p:cNvPr id="116" name="Group 115">
+            <a:extLst>
+              <a:ext uri="{FF2B5EF4-FFF2-40B4-BE49-F238E27FC236}">
+                <a16:creationId xmlns:a16="http://schemas.microsoft.com/office/drawing/2014/main" id="{13125C44-F59F-2417-4467-825E042E3EB6}"/>
+              </a:ext>
+            </a:extLst>
+          </p:cNvPr>
+          <p:cNvGrpSpPr/>
+          <p:nvPr/>
+        </p:nvGrpSpPr>
+        <p:grpSpPr>
+          <a:xfrm>
+            <a:off x="545705" y="1278430"/>
+            <a:ext cx="3908437" cy="2347434"/>
+            <a:chOff x="601614" y="1383067"/>
+            <a:chExt cx="3908437" cy="2347434"/>
+          </a:xfrm>
+        </p:grpSpPr>
+        <p:grpSp>
+          <p:nvGrpSpPr>
+            <p:cNvPr id="17" name="Group 16">
+              <a:extLst>
+                <a:ext uri="{FF2B5EF4-FFF2-40B4-BE49-F238E27FC236}">
+                  <a16:creationId xmlns:a16="http://schemas.microsoft.com/office/drawing/2014/main" id="{5BAC1884-20F0-41F6-C54D-C7A5C4144092}"/>
+                </a:ext>
+              </a:extLst>
+            </p:cNvPr>
+            <p:cNvGrpSpPr/>
+            <p:nvPr/>
+          </p:nvGrpSpPr>
+          <p:grpSpPr>
+            <a:xfrm>
+              <a:off x="791509" y="1811995"/>
+              <a:ext cx="3477686" cy="1848294"/>
+              <a:chOff x="2155884" y="1185546"/>
+              <a:chExt cx="3766680" cy="2001886"/>
+            </a:xfrm>
+          </p:grpSpPr>
+          <p:pic>
+            <p:nvPicPr>
+              <p:cNvPr id="6" name="Picture 5">
+                <a:extLst>
+                  <a:ext uri="{FF2B5EF4-FFF2-40B4-BE49-F238E27FC236}">
+                    <a16:creationId xmlns:a16="http://schemas.microsoft.com/office/drawing/2014/main" id="{C652C02E-1971-B687-04D6-BB7908909329}"/>
+                  </a:ext>
+                </a:extLst>
+              </p:cNvPr>
+              <p:cNvPicPr>
+                <a:picLocks noChangeAspect="1"/>
+              </p:cNvPicPr>
+              <p:nvPr/>
+            </p:nvPicPr>
+            <p:blipFill rotWithShape="1">
+              <a:blip r:embed="rId2"/>
+              <a:srcRect b="57912"/>
+              <a:stretch/>
+            </p:blipFill>
+            <p:spPr>
+              <a:xfrm>
+                <a:off x="2157013" y="1185546"/>
+                <a:ext cx="3765551" cy="820875"/>
+              </a:xfrm>
+              <a:prstGeom prst="rect">
+                <a:avLst/>
+              </a:prstGeom>
+            </p:spPr>
+          </p:pic>
+          <p:pic>
+            <p:nvPicPr>
+              <p:cNvPr id="72" name="Picture 71">
+                <a:extLst>
+                  <a:ext uri="{FF2B5EF4-FFF2-40B4-BE49-F238E27FC236}">
+                    <a16:creationId xmlns:a16="http://schemas.microsoft.com/office/drawing/2014/main" id="{DB2AAAD2-202D-15A0-1B2E-8FEC131BF5B6}"/>
+                  </a:ext>
+                </a:extLst>
+              </p:cNvPr>
+              <p:cNvPicPr>
+                <a:picLocks noChangeAspect="1"/>
+              </p:cNvPicPr>
+              <p:nvPr/>
+            </p:nvPicPr>
+            <p:blipFill rotWithShape="1">
+              <a:blip r:embed="rId2"/>
+              <a:srcRect t="42897" b="30629"/>
+              <a:stretch/>
+            </p:blipFill>
+            <p:spPr>
+              <a:xfrm>
+                <a:off x="2155885" y="2021753"/>
+                <a:ext cx="3765551" cy="516356"/>
+              </a:xfrm>
+              <a:prstGeom prst="rect">
+                <a:avLst/>
+              </a:prstGeom>
+            </p:spPr>
+          </p:pic>
+          <p:pic>
+            <p:nvPicPr>
+              <p:cNvPr id="73" name="Picture 72">
+                <a:extLst>
+                  <a:ext uri="{FF2B5EF4-FFF2-40B4-BE49-F238E27FC236}">
+                    <a16:creationId xmlns:a16="http://schemas.microsoft.com/office/drawing/2014/main" id="{7F1BF7AF-C039-2925-B6C2-F3D045C6AAC5}"/>
+                  </a:ext>
+                </a:extLst>
+              </p:cNvPr>
+              <p:cNvPicPr>
+                <a:picLocks noChangeAspect="1"/>
+              </p:cNvPicPr>
+              <p:nvPr/>
+            </p:nvPicPr>
+            <p:blipFill rotWithShape="1">
+              <a:blip r:embed="rId2"/>
+              <a:srcRect t="70018"/>
+              <a:stretch/>
+            </p:blipFill>
+            <p:spPr>
+              <a:xfrm>
+                <a:off x="2155884" y="2602657"/>
+                <a:ext cx="3765551" cy="584775"/>
+              </a:xfrm>
+              <a:prstGeom prst="rect">
+                <a:avLst/>
+              </a:prstGeom>
+            </p:spPr>
+          </p:pic>
+        </p:grpSp>
+        <p:sp>
+          <p:nvSpPr>
+            <p:cNvPr id="40" name="TextBox 39">
+              <a:extLst>
+                <a:ext uri="{FF2B5EF4-FFF2-40B4-BE49-F238E27FC236}">
+                  <a16:creationId xmlns:a16="http://schemas.microsoft.com/office/drawing/2014/main" id="{489DC94C-D93F-D5A3-4A55-EC74045D794C}"/>
+                </a:ext>
+              </a:extLst>
+            </p:cNvPr>
+            <p:cNvSpPr txBox="1"/>
+            <p:nvPr/>
+          </p:nvSpPr>
+          <p:spPr>
+            <a:xfrm>
+              <a:off x="1583747" y="1383067"/>
+              <a:ext cx="1744134" cy="369332"/>
+            </a:xfrm>
+            <a:prstGeom prst="rect">
+              <a:avLst/>
+            </a:prstGeom>
+            <a:noFill/>
+          </p:spPr>
+          <p:txBody>
+            <a:bodyPr wrap="square" rtlCol="0">
+              <a:spAutoFit/>
+            </a:bodyPr>
+            <a:lstStyle/>
+            <a:p>
+              <a:pPr algn="ctr"/>
+              <a:r>
+                <a:rPr lang="en-US" sz="1800" dirty="0">
+                  <a:latin typeface="Lucida grande" panose="020B0502040204020203"/>
+                </a:rPr>
+                <a:t>Interactions</a:t>
+              </a:r>
+            </a:p>
+          </p:txBody>
+        </p:sp>
+        <p:sp>
+          <p:nvSpPr>
+            <p:cNvPr id="41" name="Rectangle 40">
+              <a:extLst>
+                <a:ext uri="{FF2B5EF4-FFF2-40B4-BE49-F238E27FC236}">
+                  <a16:creationId xmlns:a16="http://schemas.microsoft.com/office/drawing/2014/main" id="{7F4B0974-D92A-287B-AF79-40F151BCF448}"/>
+                </a:ext>
+              </a:extLst>
+            </p:cNvPr>
+            <p:cNvSpPr/>
+            <p:nvPr/>
+          </p:nvSpPr>
+          <p:spPr>
+            <a:xfrm>
+              <a:off x="601614" y="1811995"/>
+              <a:ext cx="3908437" cy="1918506"/>
+            </a:xfrm>
+            <a:prstGeom prst="rect">
+              <a:avLst/>
+            </a:prstGeom>
+            <a:noFill/>
+            <a:ln>
+              <a:solidFill>
+                <a:schemeClr val="tx1"/>
+              </a:solidFill>
+            </a:ln>
+          </p:spPr>
+          <p:style>
+            <a:lnRef idx="2">
+              <a:schemeClr val="accent1">
+                <a:shade val="15000"/>
+              </a:schemeClr>
+            </a:lnRef>
+            <a:fillRef idx="1">
+              <a:schemeClr val="accent1"/>
+            </a:fillRef>
+            <a:effectRef idx="0">
+              <a:schemeClr val="accent1"/>
+            </a:effectRef>
+            <a:fontRef idx="minor">
+              <a:schemeClr val="lt1"/>
+            </a:fontRef>
+          </p:style>
+          <p:txBody>
+            <a:bodyPr rtlCol="0" anchor="ctr"/>
+            <a:lstStyle/>
+            <a:p>
+              <a:pPr algn="ctr"/>
+              <a:endParaRPr lang="en-US"/>
+            </a:p>
+          </p:txBody>
+        </p:sp>
+      </p:grpSp>
+      <p:grpSp>
+        <p:nvGrpSpPr>
+          <p:cNvPr id="119" name="Group 118">
+            <a:extLst>
+              <a:ext uri="{FF2B5EF4-FFF2-40B4-BE49-F238E27FC236}">
+                <a16:creationId xmlns:a16="http://schemas.microsoft.com/office/drawing/2014/main" id="{BCC216B0-5630-32F1-36C8-C2D63A7F7592}"/>
+              </a:ext>
+            </a:extLst>
+          </p:cNvPr>
+          <p:cNvGrpSpPr/>
+          <p:nvPr/>
+        </p:nvGrpSpPr>
+        <p:grpSpPr>
+          <a:xfrm>
+            <a:off x="7433750" y="1159180"/>
+            <a:ext cx="4548569" cy="4320007"/>
+            <a:chOff x="7530252" y="1097773"/>
+            <a:chExt cx="4548569" cy="4320007"/>
+          </a:xfrm>
+        </p:grpSpPr>
+        <p:pic>
+          <p:nvPicPr>
+            <p:cNvPr id="115" name="Picture 114">
+              <a:extLst>
+                <a:ext uri="{FF2B5EF4-FFF2-40B4-BE49-F238E27FC236}">
+                  <a16:creationId xmlns:a16="http://schemas.microsoft.com/office/drawing/2014/main" id="{B1EF67B0-DD8B-D966-28D2-FB3B7B490E12}"/>
+                </a:ext>
+              </a:extLst>
+            </p:cNvPr>
+            <p:cNvPicPr>
+              <a:picLocks noChangeAspect="1"/>
+            </p:cNvPicPr>
+            <p:nvPr/>
+          </p:nvPicPr>
+          <p:blipFill>
+            <a:blip r:embed="rId3"/>
+            <a:stretch>
+              <a:fillRect/>
+            </a:stretch>
+          </p:blipFill>
+          <p:spPr>
+            <a:xfrm>
+              <a:off x="8889998" y="4736482"/>
+              <a:ext cx="2328083" cy="204393"/>
+            </a:xfrm>
+            <a:prstGeom prst="rect">
+              <a:avLst/>
+            </a:prstGeom>
+          </p:spPr>
+        </p:pic>
+        <p:sp>
+          <p:nvSpPr>
+            <p:cNvPr id="102" name="TextBox 101">
+              <a:extLst>
+                <a:ext uri="{FF2B5EF4-FFF2-40B4-BE49-F238E27FC236}">
+                  <a16:creationId xmlns:a16="http://schemas.microsoft.com/office/drawing/2014/main" id="{5364BA0D-974B-771B-75A9-61C267866345}"/>
+                </a:ext>
+              </a:extLst>
+            </p:cNvPr>
+            <p:cNvSpPr txBox="1"/>
+            <p:nvPr/>
+          </p:nvSpPr>
+          <p:spPr>
+            <a:xfrm>
+              <a:off x="8270770" y="1097773"/>
+              <a:ext cx="3395134" cy="369332"/>
+            </a:xfrm>
+            <a:prstGeom prst="rect">
+              <a:avLst/>
+            </a:prstGeom>
+            <a:noFill/>
+          </p:spPr>
+          <p:txBody>
+            <a:bodyPr wrap="square" rtlCol="0">
+              <a:spAutoFit/>
+            </a:bodyPr>
+            <a:lstStyle/>
+            <a:p>
+              <a:pPr algn="ctr"/>
+              <a:r>
+                <a:rPr lang="en-US" sz="1800" dirty="0">
+                  <a:latin typeface="Lucida grande" panose="020B0502040204020203"/>
+                </a:rPr>
+                <a:t>Self-consistent Field Equations</a:t>
+              </a:r>
+            </a:p>
+          </p:txBody>
+        </p:sp>
+        <p:sp>
+          <p:nvSpPr>
+            <p:cNvPr id="104" name="Left Brace 103">
+              <a:extLst>
+                <a:ext uri="{FF2B5EF4-FFF2-40B4-BE49-F238E27FC236}">
+                  <a16:creationId xmlns:a16="http://schemas.microsoft.com/office/drawing/2014/main" id="{8DE8F2B0-1D31-22A8-60EC-20A130D782F7}"/>
+                </a:ext>
+              </a:extLst>
+            </p:cNvPr>
+            <p:cNvSpPr/>
+            <p:nvPr/>
+          </p:nvSpPr>
+          <p:spPr>
+            <a:xfrm>
+              <a:off x="7530252" y="1699660"/>
+              <a:ext cx="252301" cy="2225574"/>
+            </a:xfrm>
+            <a:prstGeom prst="leftBrace">
+              <a:avLst>
+                <a:gd name="adj1" fmla="val 48913"/>
+                <a:gd name="adj2" fmla="val 51429"/>
+              </a:avLst>
+            </a:prstGeom>
+            <a:ln w="19050">
+              <a:solidFill>
+                <a:schemeClr val="tx1"/>
+              </a:solidFill>
+            </a:ln>
+          </p:spPr>
+          <p:style>
+            <a:lnRef idx="1">
+              <a:schemeClr val="accent1"/>
+            </a:lnRef>
+            <a:fillRef idx="0">
+              <a:schemeClr val="accent1"/>
+            </a:fillRef>
+            <a:effectRef idx="0">
+              <a:schemeClr val="accent1"/>
+            </a:effectRef>
+            <a:fontRef idx="minor">
+              <a:schemeClr val="tx1"/>
+            </a:fontRef>
+          </p:style>
+          <p:txBody>
+            <a:bodyPr rtlCol="0" anchor="ctr"/>
+            <a:lstStyle/>
+            <a:p>
+              <a:pPr algn="ctr"/>
+              <a:endParaRPr lang="en-US"/>
+            </a:p>
+          </p:txBody>
+        </p:sp>
+        <p:grpSp>
+          <p:nvGrpSpPr>
+            <p:cNvPr id="39" name="Group 38">
+              <a:extLst>
+                <a:ext uri="{FF2B5EF4-FFF2-40B4-BE49-F238E27FC236}">
+                  <a16:creationId xmlns:a16="http://schemas.microsoft.com/office/drawing/2014/main" id="{D621D38F-E2BB-17F6-0B35-926082963831}"/>
+                </a:ext>
+              </a:extLst>
+            </p:cNvPr>
+            <p:cNvGrpSpPr/>
+            <p:nvPr/>
+          </p:nvGrpSpPr>
+          <p:grpSpPr>
+            <a:xfrm>
+              <a:off x="7857852" y="1620133"/>
+              <a:ext cx="4220969" cy="2961018"/>
+              <a:chOff x="7397284" y="1863551"/>
+              <a:chExt cx="4220969" cy="2961018"/>
+            </a:xfrm>
+          </p:grpSpPr>
+          <p:pic>
+            <p:nvPicPr>
+              <p:cNvPr id="16" name="Picture 15">
+                <a:extLst>
+                  <a:ext uri="{FF2B5EF4-FFF2-40B4-BE49-F238E27FC236}">
+                    <a16:creationId xmlns:a16="http://schemas.microsoft.com/office/drawing/2014/main" id="{B322AFE0-87B1-0B86-A0F3-693904DA7FD3}"/>
+                  </a:ext>
+                </a:extLst>
+              </p:cNvPr>
+              <p:cNvPicPr>
+                <a:picLocks noChangeAspect="1"/>
+              </p:cNvPicPr>
+              <p:nvPr/>
+            </p:nvPicPr>
+            <p:blipFill>
+              <a:blip r:embed="rId4"/>
+              <a:stretch>
+                <a:fillRect/>
+              </a:stretch>
+            </p:blipFill>
+            <p:spPr>
+              <a:xfrm>
+                <a:off x="7397284" y="1863551"/>
+                <a:ext cx="4220969" cy="2529231"/>
+              </a:xfrm>
+              <a:prstGeom prst="rect">
+                <a:avLst/>
+              </a:prstGeom>
+            </p:spPr>
+          </p:pic>
+          <p:pic>
+            <p:nvPicPr>
+              <p:cNvPr id="38" name="Picture 37">
+                <a:extLst>
+                  <a:ext uri="{FF2B5EF4-FFF2-40B4-BE49-F238E27FC236}">
+                    <a16:creationId xmlns:a16="http://schemas.microsoft.com/office/drawing/2014/main" id="{1B69F82F-516D-5A81-7029-1D921A67F9EE}"/>
+                  </a:ext>
+                </a:extLst>
+              </p:cNvPr>
+              <p:cNvPicPr>
+                <a:picLocks noChangeAspect="1"/>
+              </p:cNvPicPr>
+              <p:nvPr/>
+            </p:nvPicPr>
+            <p:blipFill>
+              <a:blip r:embed="rId5"/>
+              <a:stretch>
+                <a:fillRect/>
+              </a:stretch>
+            </p:blipFill>
+            <p:spPr>
+              <a:xfrm>
+                <a:off x="8085666" y="4276390"/>
+                <a:ext cx="3200400" cy="548179"/>
+              </a:xfrm>
+              <a:prstGeom prst="rect">
+                <a:avLst/>
+              </a:prstGeom>
+            </p:spPr>
+          </p:pic>
+        </p:grpSp>
+        <p:pic>
+          <p:nvPicPr>
+            <p:cNvPr id="108" name="Picture 107">
+              <a:extLst>
+                <a:ext uri="{FF2B5EF4-FFF2-40B4-BE49-F238E27FC236}">
+                  <a16:creationId xmlns:a16="http://schemas.microsoft.com/office/drawing/2014/main" id="{4FF7AD0C-8D8B-8C9D-99CA-8CC07BACD72A}"/>
+                </a:ext>
+              </a:extLst>
+            </p:cNvPr>
+            <p:cNvPicPr>
+              <a:picLocks noChangeAspect="1"/>
+            </p:cNvPicPr>
+            <p:nvPr/>
+          </p:nvPicPr>
+          <p:blipFill>
+            <a:blip r:embed="rId6"/>
+            <a:stretch>
+              <a:fillRect/>
+            </a:stretch>
+          </p:blipFill>
+          <p:spPr>
+            <a:xfrm>
+              <a:off x="9153063" y="5114724"/>
+              <a:ext cx="1801954" cy="303056"/>
+            </a:xfrm>
+            <a:prstGeom prst="rect">
+              <a:avLst/>
+            </a:prstGeom>
+          </p:spPr>
+        </p:pic>
+      </p:grpSp>
+      <p:grpSp>
+        <p:nvGrpSpPr>
+          <p:cNvPr id="120" name="Group 119">
+            <a:extLst>
+              <a:ext uri="{FF2B5EF4-FFF2-40B4-BE49-F238E27FC236}">
+                <a16:creationId xmlns:a16="http://schemas.microsoft.com/office/drawing/2014/main" id="{3245243F-420C-5606-6F38-05C19C18058B}"/>
+              </a:ext>
+            </a:extLst>
+          </p:cNvPr>
+          <p:cNvGrpSpPr/>
+          <p:nvPr/>
+        </p:nvGrpSpPr>
+        <p:grpSpPr>
+          <a:xfrm>
+            <a:off x="7861704" y="2600891"/>
+            <a:ext cx="4290065" cy="3707188"/>
+            <a:chOff x="7963879" y="2563755"/>
+            <a:chExt cx="4290065" cy="3707188"/>
+          </a:xfrm>
+        </p:grpSpPr>
+        <p:sp>
+          <p:nvSpPr>
+            <p:cNvPr id="110" name="TextBox 109">
+              <a:extLst>
+                <a:ext uri="{FF2B5EF4-FFF2-40B4-BE49-F238E27FC236}">
+                  <a16:creationId xmlns:a16="http://schemas.microsoft.com/office/drawing/2014/main" id="{0AB49707-9BF7-23AD-2272-730D1A284F3D}"/>
+                </a:ext>
+              </a:extLst>
+            </p:cNvPr>
+            <p:cNvSpPr txBox="1"/>
+            <p:nvPr/>
+          </p:nvSpPr>
+          <p:spPr>
+            <a:xfrm>
+              <a:off x="7963879" y="5686168"/>
+              <a:ext cx="4290065" cy="584775"/>
+            </a:xfrm>
+            <a:prstGeom prst="rect">
+              <a:avLst/>
+            </a:prstGeom>
+            <a:noFill/>
+          </p:spPr>
+          <p:txBody>
+            <a:bodyPr wrap="square" rtlCol="0">
+              <a:spAutoFit/>
+            </a:bodyPr>
+            <a:lstStyle/>
+            <a:p>
+              <a:pPr algn="ctr"/>
+              <a:r>
+                <a:rPr lang="en-US" sz="1600" dirty="0">
+                  <a:solidFill>
+                    <a:schemeClr val="accent2"/>
+                  </a:solidFill>
+                  <a:latin typeface="Lucida grande" panose="020B0502040204020203"/>
+                </a:rPr>
+                <a:t>For PEMs, we are most interested in polymer, sidechain, and proton distributions</a:t>
+              </a:r>
+            </a:p>
+          </p:txBody>
+        </p:sp>
+        <p:sp>
+          <p:nvSpPr>
+            <p:cNvPr id="112" name="Rectangle 111">
+              <a:extLst>
+                <a:ext uri="{FF2B5EF4-FFF2-40B4-BE49-F238E27FC236}">
+                  <a16:creationId xmlns:a16="http://schemas.microsoft.com/office/drawing/2014/main" id="{5D1D1910-2D7A-C5B4-AD55-F2A159F091B0}"/>
+                </a:ext>
+              </a:extLst>
+            </p:cNvPr>
+            <p:cNvSpPr/>
+            <p:nvPr/>
+          </p:nvSpPr>
+          <p:spPr>
+            <a:xfrm>
+              <a:off x="8788400" y="2563755"/>
+              <a:ext cx="2917889" cy="573888"/>
+            </a:xfrm>
+            <a:prstGeom prst="rect">
+              <a:avLst/>
+            </a:prstGeom>
+            <a:noFill/>
+            <a:ln w="19050">
+              <a:solidFill>
+                <a:schemeClr val="accent2"/>
+              </a:solidFill>
+            </a:ln>
+          </p:spPr>
+          <p:style>
+            <a:lnRef idx="2">
+              <a:schemeClr val="accent1">
+                <a:shade val="15000"/>
+              </a:schemeClr>
+            </a:lnRef>
+            <a:fillRef idx="1">
+              <a:schemeClr val="accent1"/>
+            </a:fillRef>
+            <a:effectRef idx="0">
+              <a:schemeClr val="accent1"/>
+            </a:effectRef>
+            <a:fontRef idx="minor">
+              <a:schemeClr val="lt1"/>
+            </a:fontRef>
+          </p:style>
+          <p:txBody>
+            <a:bodyPr rtlCol="0" anchor="ctr"/>
+            <a:lstStyle/>
+            <a:p>
+              <a:pPr algn="ctr"/>
+              <a:endParaRPr lang="en-US" dirty="0"/>
+            </a:p>
+          </p:txBody>
+        </p:sp>
+        <p:sp>
+          <p:nvSpPr>
+            <p:cNvPr id="113" name="Rectangle 112">
+              <a:extLst>
+                <a:ext uri="{FF2B5EF4-FFF2-40B4-BE49-F238E27FC236}">
+                  <a16:creationId xmlns:a16="http://schemas.microsoft.com/office/drawing/2014/main" id="{E3E8418C-0455-AE52-F3BC-38025FB419D3}"/>
+                </a:ext>
+              </a:extLst>
+            </p:cNvPr>
+            <p:cNvSpPr/>
+            <p:nvPr/>
+          </p:nvSpPr>
+          <p:spPr>
+            <a:xfrm>
+              <a:off x="8788400" y="4655770"/>
+              <a:ext cx="2524231" cy="365819"/>
+            </a:xfrm>
+            <a:prstGeom prst="rect">
+              <a:avLst/>
+            </a:prstGeom>
+            <a:noFill/>
+            <a:ln w="19050">
+              <a:solidFill>
+                <a:schemeClr val="accent2"/>
+              </a:solidFill>
+            </a:ln>
+          </p:spPr>
+          <p:style>
+            <a:lnRef idx="2">
+              <a:schemeClr val="accent1">
+                <a:shade val="15000"/>
+              </a:schemeClr>
+            </a:lnRef>
+            <a:fillRef idx="1">
+              <a:schemeClr val="accent1"/>
+            </a:fillRef>
+            <a:effectRef idx="0">
+              <a:schemeClr val="accent1"/>
+            </a:effectRef>
+            <a:fontRef idx="minor">
+              <a:schemeClr val="lt1"/>
+            </a:fontRef>
+          </p:style>
+          <p:txBody>
+            <a:bodyPr rtlCol="0" anchor="ctr"/>
+            <a:lstStyle/>
+            <a:p>
+              <a:pPr algn="ctr"/>
+              <a:endParaRPr lang="en-US"/>
+            </a:p>
+          </p:txBody>
+        </p:sp>
+      </p:grpSp>
+      <p:grpSp>
+        <p:nvGrpSpPr>
+          <p:cNvPr id="125" name="Group 124">
+            <a:extLst>
+              <a:ext uri="{FF2B5EF4-FFF2-40B4-BE49-F238E27FC236}">
+                <a16:creationId xmlns:a16="http://schemas.microsoft.com/office/drawing/2014/main" id="{FFC3123D-37AE-DDFD-8321-FDDFB3E1E610}"/>
+              </a:ext>
+            </a:extLst>
+          </p:cNvPr>
+          <p:cNvGrpSpPr/>
+          <p:nvPr/>
+        </p:nvGrpSpPr>
+        <p:grpSpPr>
+          <a:xfrm>
+            <a:off x="162392" y="3959549"/>
+            <a:ext cx="4667987" cy="2579363"/>
+            <a:chOff x="162392" y="3959549"/>
+            <a:chExt cx="4667987" cy="2579363"/>
+          </a:xfrm>
+        </p:grpSpPr>
+        <p:sp>
+          <p:nvSpPr>
+            <p:cNvPr id="42" name="Rectangle 41">
+              <a:extLst>
+                <a:ext uri="{FF2B5EF4-FFF2-40B4-BE49-F238E27FC236}">
+                  <a16:creationId xmlns:a16="http://schemas.microsoft.com/office/drawing/2014/main" id="{32CB6102-EF3D-2A69-C707-AC1C5EA34DEF}"/>
+                </a:ext>
+              </a:extLst>
+            </p:cNvPr>
+            <p:cNvSpPr/>
+            <p:nvPr/>
+          </p:nvSpPr>
+          <p:spPr>
+            <a:xfrm>
+              <a:off x="162392" y="4329207"/>
+              <a:ext cx="4667987" cy="1549165"/>
+            </a:xfrm>
+            <a:prstGeom prst="rect">
+              <a:avLst/>
+            </a:prstGeom>
+            <a:noFill/>
+            <a:ln>
+              <a:solidFill>
+                <a:schemeClr val="tx1"/>
+              </a:solidFill>
+            </a:ln>
+          </p:spPr>
+          <p:style>
+            <a:lnRef idx="2">
+              <a:schemeClr val="accent1">
+                <a:shade val="15000"/>
+              </a:schemeClr>
+            </a:lnRef>
+            <a:fillRef idx="1">
+              <a:schemeClr val="accent1"/>
+            </a:fillRef>
+            <a:effectRef idx="0">
+              <a:schemeClr val="accent1"/>
+            </a:effectRef>
+            <a:fontRef idx="minor">
+              <a:schemeClr val="lt1"/>
+            </a:fontRef>
+          </p:style>
+          <p:txBody>
+            <a:bodyPr rtlCol="0" anchor="ctr"/>
+            <a:lstStyle/>
+            <a:p>
+              <a:pPr algn="ctr"/>
+              <a:endParaRPr lang="en-US"/>
+            </a:p>
+          </p:txBody>
+        </p:sp>
+        <p:sp>
+          <p:nvSpPr>
+            <p:cNvPr id="43" name="TextBox 42">
+              <a:extLst>
+                <a:ext uri="{FF2B5EF4-FFF2-40B4-BE49-F238E27FC236}">
+                  <a16:creationId xmlns:a16="http://schemas.microsoft.com/office/drawing/2014/main" id="{85C12394-8BB4-C751-4021-5D300AA08B04}"/>
+                </a:ext>
+              </a:extLst>
+            </p:cNvPr>
+            <p:cNvSpPr txBox="1"/>
+            <p:nvPr/>
+          </p:nvSpPr>
+          <p:spPr>
+            <a:xfrm>
+              <a:off x="1530337" y="3959549"/>
+              <a:ext cx="1744134" cy="369332"/>
+            </a:xfrm>
+            <a:prstGeom prst="rect">
+              <a:avLst/>
+            </a:prstGeom>
+            <a:noFill/>
+          </p:spPr>
+          <p:txBody>
+            <a:bodyPr wrap="square" rtlCol="0">
+              <a:spAutoFit/>
+            </a:bodyPr>
+            <a:lstStyle/>
+            <a:p>
+              <a:pPr algn="ctr"/>
+              <a:r>
+                <a:rPr lang="en-US" sz="1800" dirty="0">
+                  <a:latin typeface="Lucida grande" panose="020B0502040204020203"/>
+                </a:rPr>
+                <a:t>System</a:t>
+              </a:r>
+            </a:p>
+          </p:txBody>
+        </p:sp>
+        <p:sp>
+          <p:nvSpPr>
+            <p:cNvPr id="121" name="TextBox 120">
+              <a:extLst>
+                <a:ext uri="{FF2B5EF4-FFF2-40B4-BE49-F238E27FC236}">
+                  <a16:creationId xmlns:a16="http://schemas.microsoft.com/office/drawing/2014/main" id="{C75E1E47-B60E-3852-F2A2-B92053F2913C}"/>
+                </a:ext>
+              </a:extLst>
+            </p:cNvPr>
+            <p:cNvSpPr txBox="1"/>
+            <p:nvPr/>
+          </p:nvSpPr>
+          <p:spPr>
+            <a:xfrm>
+              <a:off x="538656" y="6015692"/>
+              <a:ext cx="3908437" cy="523220"/>
+            </a:xfrm>
+            <a:prstGeom prst="rect">
+              <a:avLst/>
+            </a:prstGeom>
+            <a:noFill/>
+          </p:spPr>
+          <p:txBody>
+            <a:bodyPr wrap="square" rtlCol="0">
+              <a:spAutoFit/>
+            </a:bodyPr>
+            <a:lstStyle/>
+            <a:p>
+              <a:pPr algn="ctr"/>
+              <a:r>
+                <a:rPr lang="en-US" sz="1400" dirty="0">
+                  <a:latin typeface="Lucida grande" panose="020B0502040204020203"/>
+                </a:rPr>
+                <a:t>(e.g., const. number of polymers, system connected to bulk solvent and salt solution)</a:t>
+              </a:r>
+            </a:p>
+          </p:txBody>
+        </p:sp>
+        <p:pic>
+          <p:nvPicPr>
+            <p:cNvPr id="124" name="Picture 123">
+              <a:extLst>
+                <a:ext uri="{FF2B5EF4-FFF2-40B4-BE49-F238E27FC236}">
+                  <a16:creationId xmlns:a16="http://schemas.microsoft.com/office/drawing/2014/main" id="{5E85A91E-3475-D9FE-5834-012248453034}"/>
+                </a:ext>
+              </a:extLst>
+            </p:cNvPr>
+            <p:cNvPicPr>
+              <a:picLocks noChangeAspect="1"/>
+            </p:cNvPicPr>
+            <p:nvPr/>
+          </p:nvPicPr>
+          <p:blipFill>
+            <a:blip r:embed="rId7"/>
+            <a:stretch>
+              <a:fillRect/>
+            </a:stretch>
+          </p:blipFill>
+          <p:spPr>
+            <a:xfrm>
+              <a:off x="292146" y="4460440"/>
+              <a:ext cx="4390074" cy="1261589"/>
+            </a:xfrm>
+            <a:prstGeom prst="rect">
+              <a:avLst/>
+            </a:prstGeom>
+          </p:spPr>
+        </p:pic>
+      </p:grpSp>
+    </p:spTree>
+    <p:extLst>
+      <p:ext uri="{BB962C8B-B14F-4D97-AF65-F5344CB8AC3E}">
+        <p14:creationId xmlns:p14="http://schemas.microsoft.com/office/powerpoint/2010/main" val="999340298"/>
+      </p:ext>
+    </p:extLst>
+  </p:cSld>
+  <p:clrMapOvr>
+    <a:masterClrMapping/>
+  </p:clrMapOvr>
+  <p:timing>
+    <p:tnLst>
+      <p:par>
+        <p:cTn id="1" dur="indefinite" restart="never" nodeType="tmRoot">
+          <p:childTnLst>
+            <p:seq concurrent="1" nextAc="seek">
+              <p:cTn id="2" dur="indefinite" nodeType="mainSeq">
+                <p:childTnLst>
+                  <p:par>
+                    <p:cTn id="3" fill="hold">
+                      <p:stCondLst>
+                        <p:cond delay="indefinite"/>
+                      </p:stCondLst>
+                      <p:childTnLst>
+                        <p:par>
+                          <p:cTn id="4" fill="hold">
+                            <p:stCondLst>
+                              <p:cond delay="0"/>
+                            </p:stCondLst>
+                            <p:childTnLst>
+                              <p:par>
+                                <p:cTn id="5" presetID="1" presetClass="entr" presetSubtype="0" fill="hold" nodeType="clickEffect">
+                                  <p:stCondLst>
+                                    <p:cond delay="0"/>
+                                  </p:stCondLst>
+                                  <p:childTnLst>
+                                    <p:set>
+                                      <p:cBhvr>
+                                        <p:cTn id="6" dur="1" fill="hold">
+                                          <p:stCondLst>
+                                            <p:cond delay="0"/>
+                                          </p:stCondLst>
+                                        </p:cTn>
+                                        <p:tgtEl>
+                                          <p:spTgt spid="125"/>
+                                        </p:tgtEl>
+                                        <p:attrNameLst>
+                                          <p:attrName>style.visibility</p:attrName>
+                                        </p:attrNameLst>
+                                      </p:cBhvr>
+                                      <p:to>
+                                        <p:strVal val="visible"/>
+                                      </p:to>
+                                    </p:set>
+                                  </p:childTnLst>
+                                </p:cTn>
+                              </p:par>
+                            </p:childTnLst>
+                          </p:cTn>
+                        </p:par>
+                      </p:childTnLst>
+                    </p:cTn>
+                  </p:par>
+                  <p:par>
+                    <p:cTn id="7" fill="hold">
+                      <p:stCondLst>
+                        <p:cond delay="indefinite"/>
+                      </p:stCondLst>
+                      <p:childTnLst>
+                        <p:par>
+                          <p:cTn id="8" fill="hold">
+                            <p:stCondLst>
+                              <p:cond delay="0"/>
+                            </p:stCondLst>
+                            <p:childTnLst>
+                              <p:par>
+                                <p:cTn id="9" presetID="1" presetClass="entr" presetSubtype="0" fill="hold" nodeType="clickEffect">
+                                  <p:stCondLst>
+                                    <p:cond delay="0"/>
+                                  </p:stCondLst>
+                                  <p:childTnLst>
+                                    <p:set>
+                                      <p:cBhvr>
+                                        <p:cTn id="10" dur="1" fill="hold">
+                                          <p:stCondLst>
+                                            <p:cond delay="0"/>
+                                          </p:stCondLst>
+                                        </p:cTn>
+                                        <p:tgtEl>
+                                          <p:spTgt spid="118"/>
+                                        </p:tgtEl>
+                                        <p:attrNameLst>
+                                          <p:attrName>style.visibility</p:attrName>
+                                        </p:attrNameLst>
+                                      </p:cBhvr>
+                                      <p:to>
+                                        <p:strVal val="visible"/>
+                                      </p:to>
+                                    </p:set>
+                                  </p:childTnLst>
+                                </p:cTn>
+                              </p:par>
+                            </p:childTnLst>
+                          </p:cTn>
+                        </p:par>
+                      </p:childTnLst>
+                    </p:cTn>
+                  </p:par>
+                  <p:par>
+                    <p:cTn id="11" fill="hold">
+                      <p:stCondLst>
+                        <p:cond delay="indefinite"/>
+                      </p:stCondLst>
+                      <p:childTnLst>
+                        <p:par>
+                          <p:cTn id="12" fill="hold">
+                            <p:stCondLst>
+                              <p:cond delay="0"/>
+                            </p:stCondLst>
+                            <p:childTnLst>
+                              <p:par>
+                                <p:cTn id="13" presetID="1" presetClass="entr" presetSubtype="0" fill="hold" nodeType="clickEffect">
+                                  <p:stCondLst>
+                                    <p:cond delay="0"/>
+                                  </p:stCondLst>
+                                  <p:childTnLst>
+                                    <p:set>
+                                      <p:cBhvr>
+                                        <p:cTn id="14" dur="1" fill="hold">
+                                          <p:stCondLst>
+                                            <p:cond delay="0"/>
+                                          </p:stCondLst>
+                                        </p:cTn>
+                                        <p:tgtEl>
+                                          <p:spTgt spid="119"/>
+                                        </p:tgtEl>
+                                        <p:attrNameLst>
+                                          <p:attrName>style.visibility</p:attrName>
+                                        </p:attrNameLst>
+                                      </p:cBhvr>
+                                      <p:to>
+                                        <p:strVal val="visible"/>
+                                      </p:to>
+                                    </p:set>
+                                  </p:childTnLst>
+                                </p:cTn>
+                              </p:par>
+                            </p:childTnLst>
+                          </p:cTn>
+                        </p:par>
+                      </p:childTnLst>
+                    </p:cTn>
+                  </p:par>
+                  <p:par>
+                    <p:cTn id="15" fill="hold">
+                      <p:stCondLst>
+                        <p:cond delay="indefinite"/>
+                      </p:stCondLst>
+                      <p:childTnLst>
+                        <p:par>
+                          <p:cTn id="16" fill="hold">
+                            <p:stCondLst>
+                              <p:cond delay="0"/>
+                            </p:stCondLst>
+                            <p:childTnLst>
+                              <p:par>
+                                <p:cTn id="17" presetID="1" presetClass="entr" presetSubtype="0" fill="hold" nodeType="clickEffect">
+                                  <p:stCondLst>
+                                    <p:cond delay="0"/>
+                                  </p:stCondLst>
+                                  <p:childTnLst>
+                                    <p:set>
+                                      <p:cBhvr>
+                                        <p:cTn id="18" dur="1" fill="hold">
+                                          <p:stCondLst>
+                                            <p:cond delay="0"/>
+                                          </p:stCondLst>
+                                        </p:cTn>
+                                        <p:tgtEl>
+                                          <p:spTgt spid="120"/>
+                                        </p:tgtEl>
+                                        <p:attrNameLst>
+                                          <p:attrName>style.visibility</p:attrName>
+                                        </p:attrNameLst>
+                                      </p:cBhvr>
+                                      <p:to>
+                                        <p:strVal val="visible"/>
+                                      </p:to>
+                                    </p:set>
+                                  </p:childTnLst>
+                                </p:cTn>
+                              </p:par>
+                            </p:childTnLst>
+                          </p:cTn>
+                        </p:par>
+                      </p:childTnLst>
+                    </p:cTn>
+                  </p:par>
+                </p:childTnLst>
+              </p:cTn>
+              <p:prevCondLst>
+                <p:cond evt="onPrev" delay="0">
+                  <p:tgtEl>
+                    <p:sldTgt/>
+                  </p:tgtEl>
+                </p:cond>
+              </p:prevCondLst>
+              <p:nextCondLst>
+                <p:cond evt="onNext" delay="0">
+                  <p:tgtEl>
+                    <p:sldTgt/>
+                  </p:tgtEl>
+                </p:cond>
+              </p:nextCondLst>
+            </p:seq>
+          </p:childTnLst>
+        </p:cTn>
+      </p:par>
+    </p:tnLst>
+  </p:timing>
+</p:sld>
+</file>
+
+<file path=ppt/slides/slide11.xml><?xml version="1.0" encoding="utf-8"?>
+<p:sld xmlns:a="http://schemas.openxmlformats.org/drawingml/2006/main" xmlns:r="http://schemas.openxmlformats.org/officeDocument/2006/relationships" xmlns:p="http://schemas.openxmlformats.org/presentationml/2006/main">
+  <p:cSld>
+    <p:spTree>
+      <p:nvGrpSpPr>
+        <p:cNvPr id="1" name=""/>
+        <p:cNvGrpSpPr/>
+        <p:nvPr/>
+      </p:nvGrpSpPr>
+      <p:grpSpPr>
+        <a:xfrm>
+          <a:off x="0" y="0"/>
+          <a:ext cx="0" cy="0"/>
+          <a:chOff x="0" y="0"/>
+          <a:chExt cx="0" cy="0"/>
+        </a:xfrm>
+      </p:grpSpPr>
+      <p:sp>
+        <p:nvSpPr>
+          <p:cNvPr id="2" name="Title 1">
+            <a:extLst>
+              <a:ext uri="{FF2B5EF4-FFF2-40B4-BE49-F238E27FC236}">
                 <a16:creationId xmlns:a16="http://schemas.microsoft.com/office/drawing/2014/main" id="{8400C646-953A-0B40-03D7-8D9E27BDF6ED}"/>
               </a:ext>
             </a:extLst>
@@ -2703,7 +3984,7 @@
           <a:p>
             <a:fld id="{5911C0E6-D9CE-431C-92CB-BB39B872F930}" type="slidenum">
               <a:rPr lang="en-US" smtClean="0"/>
-              <a:t>10</a:t>
+              <a:t>11</a:t>
             </a:fld>
             <a:endParaRPr lang="en-US"/>
           </a:p>
@@ -2713,594 +3994,6 @@
     <p:extLst>
       <p:ext uri="{BB962C8B-B14F-4D97-AF65-F5344CB8AC3E}">
         <p14:creationId xmlns:p14="http://schemas.microsoft.com/office/powerpoint/2010/main" val="246793991"/>
-      </p:ext>
-    </p:extLst>
-  </p:cSld>
-  <p:clrMapOvr>
-    <a:masterClrMapping/>
-  </p:clrMapOvr>
-</p:sld>
-</file>
-
-<file path=ppt/slides/slide11.xml><?xml version="1.0" encoding="utf-8"?>
-<p:sld xmlns:a="http://schemas.openxmlformats.org/drawingml/2006/main" xmlns:r="http://schemas.openxmlformats.org/officeDocument/2006/relationships" xmlns:p="http://schemas.openxmlformats.org/presentationml/2006/main">
-  <p:cSld>
-    <p:spTree>
-      <p:nvGrpSpPr>
-        <p:cNvPr id="1" name=""/>
-        <p:cNvGrpSpPr/>
-        <p:nvPr/>
-      </p:nvGrpSpPr>
-      <p:grpSpPr>
-        <a:xfrm>
-          <a:off x="0" y="0"/>
-          <a:ext cx="0" cy="0"/>
-          <a:chOff x="0" y="0"/>
-          <a:chExt cx="0" cy="0"/>
-        </a:xfrm>
-      </p:grpSpPr>
-      <p:sp>
-        <p:nvSpPr>
-          <p:cNvPr id="2" name="Title 1">
-            <a:extLst>
-              <a:ext uri="{FF2B5EF4-FFF2-40B4-BE49-F238E27FC236}">
-                <a16:creationId xmlns:a16="http://schemas.microsoft.com/office/drawing/2014/main" id="{CA0C75CC-A6F4-70DB-60D2-325B3425A73B}"/>
-              </a:ext>
-            </a:extLst>
-          </p:cNvPr>
-          <p:cNvSpPr>
-            <a:spLocks noGrp="1"/>
-          </p:cNvSpPr>
-          <p:nvPr>
-            <p:ph type="title"/>
-          </p:nvPr>
-        </p:nvSpPr>
-        <p:spPr/>
-        <p:txBody>
-          <a:bodyPr/>
-          <a:lstStyle/>
-          <a:p>
-            <a:pPr>
-              <a:spcAft>
-                <a:spcPts val="600"/>
-              </a:spcAft>
-            </a:pPr>
-            <a:r>
-              <a:rPr lang="en-US" dirty="0"/>
-              <a:t>Motivation</a:t>
-            </a:r>
-          </a:p>
-        </p:txBody>
-      </p:sp>
-      <p:sp>
-        <p:nvSpPr>
-          <p:cNvPr id="4" name="Slide Number Placeholder 3">
-            <a:extLst>
-              <a:ext uri="{FF2B5EF4-FFF2-40B4-BE49-F238E27FC236}">
-                <a16:creationId xmlns:a16="http://schemas.microsoft.com/office/drawing/2014/main" id="{1D085B51-269E-9C6D-5E1B-8B1F2FCA3493}"/>
-              </a:ext>
-            </a:extLst>
-          </p:cNvPr>
-          <p:cNvSpPr>
-            <a:spLocks noGrp="1"/>
-          </p:cNvSpPr>
-          <p:nvPr>
-            <p:ph type="sldNum" sz="quarter" idx="12"/>
-          </p:nvPr>
-        </p:nvSpPr>
-        <p:spPr/>
-        <p:txBody>
-          <a:bodyPr/>
-          <a:lstStyle/>
-          <a:p>
-            <a:pPr>
-              <a:spcAft>
-                <a:spcPts val="600"/>
-              </a:spcAft>
-            </a:pPr>
-            <a:fld id="{5911C0E6-D9CE-431C-92CB-BB39B872F930}" type="slidenum">
-              <a:rPr lang="en-US" smtClean="0"/>
-              <a:pPr>
-                <a:spcAft>
-                  <a:spcPts val="600"/>
-                </a:spcAft>
-              </a:pPr>
-              <a:t>11</a:t>
-            </a:fld>
-            <a:endParaRPr lang="en-US"/>
-          </a:p>
-        </p:txBody>
-      </p:sp>
-      <p:pic>
-        <p:nvPicPr>
-          <p:cNvPr id="8" name="Picture 7">
-            <a:extLst>
-              <a:ext uri="{FF2B5EF4-FFF2-40B4-BE49-F238E27FC236}">
-                <a16:creationId xmlns:a16="http://schemas.microsoft.com/office/drawing/2014/main" id="{C1BBD0DF-A6E4-67C2-CC1C-69FD149755C5}"/>
-              </a:ext>
-            </a:extLst>
-          </p:cNvPr>
-          <p:cNvPicPr>
-            <a:picLocks noChangeAspect="1"/>
-          </p:cNvPicPr>
-          <p:nvPr/>
-        </p:nvPicPr>
-        <p:blipFill>
-          <a:blip r:embed="rId2"/>
-          <a:stretch>
-            <a:fillRect/>
-          </a:stretch>
-        </p:blipFill>
-        <p:spPr>
-          <a:xfrm>
-            <a:off x="568382" y="1805169"/>
-            <a:ext cx="2810933" cy="1970685"/>
-          </a:xfrm>
-          <a:prstGeom prst="rect">
-            <a:avLst/>
-          </a:prstGeom>
-        </p:spPr>
-      </p:pic>
-      <p:sp>
-        <p:nvSpPr>
-          <p:cNvPr id="9" name="TextBox 8">
-            <a:extLst>
-              <a:ext uri="{FF2B5EF4-FFF2-40B4-BE49-F238E27FC236}">
-                <a16:creationId xmlns:a16="http://schemas.microsoft.com/office/drawing/2014/main" id="{B5161482-42B2-A3E1-D533-79C5629723AA}"/>
-              </a:ext>
-            </a:extLst>
-          </p:cNvPr>
-          <p:cNvSpPr txBox="1"/>
-          <p:nvPr/>
-        </p:nvSpPr>
-        <p:spPr>
-          <a:xfrm>
-            <a:off x="122641" y="6574883"/>
-            <a:ext cx="6648569" cy="276999"/>
-          </a:xfrm>
-          <a:prstGeom prst="rect">
-            <a:avLst/>
-          </a:prstGeom>
-          <a:noFill/>
-        </p:spPr>
-        <p:txBody>
-          <a:bodyPr wrap="square" rtlCol="0">
-            <a:spAutoFit/>
-          </a:bodyPr>
-          <a:lstStyle/>
-          <a:p>
-            <a:pPr>
-              <a:spcAft>
-                <a:spcPts val="600"/>
-              </a:spcAft>
-            </a:pPr>
-            <a:r>
-              <a:rPr lang="en-US" sz="1200" dirty="0"/>
-              <a:t>Kodama et al. (2013) </a:t>
-            </a:r>
-            <a:r>
-              <a:rPr lang="en-US" sz="1200" i="1" dirty="0" err="1"/>
-              <a:t>Electrochem</a:t>
-            </a:r>
-            <a:r>
-              <a:rPr lang="en-US" sz="1200" i="1" dirty="0"/>
-              <a:t>. </a:t>
-            </a:r>
-            <a:r>
-              <a:rPr lang="en-US" sz="1200" i="1" dirty="0" err="1"/>
-              <a:t>Commun</a:t>
-            </a:r>
-            <a:r>
-              <a:rPr lang="en-US" sz="1200" i="1" dirty="0"/>
-              <a:t>. </a:t>
-            </a:r>
-            <a:r>
-              <a:rPr lang="en-US" sz="1200" dirty="0"/>
-              <a:t>Kodama et al. (2018</a:t>
-            </a:r>
-            <a:r>
-              <a:rPr lang="en-US" sz="1200" i="1" dirty="0"/>
-              <a:t>) ACS </a:t>
-            </a:r>
-            <a:r>
-              <a:rPr lang="en-US" sz="1200" i="1" dirty="0" err="1"/>
-              <a:t>Catal</a:t>
-            </a:r>
-            <a:r>
-              <a:rPr lang="en-US" sz="1200" dirty="0"/>
-              <a:t>. </a:t>
-            </a:r>
-          </a:p>
-        </p:txBody>
-      </p:sp>
-      <p:sp>
-        <p:nvSpPr>
-          <p:cNvPr id="10" name="TextBox 9">
-            <a:extLst>
-              <a:ext uri="{FF2B5EF4-FFF2-40B4-BE49-F238E27FC236}">
-                <a16:creationId xmlns:a16="http://schemas.microsoft.com/office/drawing/2014/main" id="{CE796E5B-B3BF-80D8-C238-0E315A0A6A9E}"/>
-              </a:ext>
-            </a:extLst>
-          </p:cNvPr>
-          <p:cNvSpPr txBox="1"/>
-          <p:nvPr/>
-        </p:nvSpPr>
-        <p:spPr>
-          <a:xfrm>
-            <a:off x="808505" y="1017793"/>
-            <a:ext cx="10354733" cy="646331"/>
-          </a:xfrm>
-          <a:prstGeom prst="rect">
-            <a:avLst/>
-          </a:prstGeom>
-          <a:noFill/>
-        </p:spPr>
-        <p:txBody>
-          <a:bodyPr wrap="square" rtlCol="0">
-            <a:spAutoFit/>
-          </a:bodyPr>
-          <a:lstStyle/>
-          <a:p>
-            <a:pPr marL="285750" indent="-285750">
-              <a:spcAft>
-                <a:spcPts val="600"/>
-              </a:spcAft>
-              <a:buFont typeface="Arial" panose="020B0604020202020204" pitchFamily="34" charset="0"/>
-              <a:buChar char="•"/>
-            </a:pPr>
-            <a:r>
-              <a:rPr lang="en-US" dirty="0"/>
-              <a:t>Although Pt-poisoning by ionomer is a well-known phenomenon, the scientific community has limited understanding of the underlying polymer physics</a:t>
-            </a:r>
-          </a:p>
-        </p:txBody>
-      </p:sp>
-      <p:sp>
-        <p:nvSpPr>
-          <p:cNvPr id="12" name="TextBox 11">
-            <a:extLst>
-              <a:ext uri="{FF2B5EF4-FFF2-40B4-BE49-F238E27FC236}">
-                <a16:creationId xmlns:a16="http://schemas.microsoft.com/office/drawing/2014/main" id="{7CB52E1D-26A7-7528-54EB-407A9DB3924C}"/>
-              </a:ext>
-            </a:extLst>
-          </p:cNvPr>
-          <p:cNvSpPr txBox="1"/>
-          <p:nvPr/>
-        </p:nvSpPr>
-        <p:spPr>
-          <a:xfrm>
-            <a:off x="3612026" y="2301278"/>
-            <a:ext cx="8333378" cy="2769989"/>
-          </a:xfrm>
-          <a:prstGeom prst="rect">
-            <a:avLst/>
-          </a:prstGeom>
-          <a:noFill/>
-        </p:spPr>
-        <p:txBody>
-          <a:bodyPr wrap="square">
-            <a:spAutoFit/>
-          </a:bodyPr>
-          <a:lstStyle/>
-          <a:p>
-            <a:pPr>
-              <a:spcAft>
-                <a:spcPts val="600"/>
-              </a:spcAft>
-            </a:pPr>
-            <a:r>
-              <a:rPr lang="en-US" dirty="0"/>
-              <a:t>Relevant experiments: </a:t>
-            </a:r>
-          </a:p>
-          <a:p>
-            <a:pPr marL="285750" indent="-285750">
-              <a:spcAft>
-                <a:spcPts val="600"/>
-              </a:spcAft>
-              <a:buFont typeface="Arial" panose="020B0604020202020204" pitchFamily="34" charset="0"/>
-              <a:buChar char="•"/>
-            </a:pPr>
-            <a:r>
-              <a:rPr lang="en-US" dirty="0"/>
-              <a:t>SO3 adsorption measured by cyclic voltammetry (CV) – 0.100 M HClO4</a:t>
-            </a:r>
-          </a:p>
-          <a:p>
-            <a:pPr marL="742950" lvl="1" indent="-285750">
-              <a:spcAft>
-                <a:spcPts val="600"/>
-              </a:spcAft>
-              <a:buFont typeface="Arial" panose="020B0604020202020204" pitchFamily="34" charset="0"/>
-              <a:buChar char="•"/>
-            </a:pPr>
-            <a:r>
-              <a:rPr lang="en-US" dirty="0"/>
-              <a:t>Measured current corresponds to interaction at electrode (e.g., adsorption)</a:t>
-            </a:r>
-          </a:p>
-          <a:p>
-            <a:pPr marL="285750" indent="-285750">
-              <a:spcAft>
-                <a:spcPts val="600"/>
-              </a:spcAft>
-              <a:buFont typeface="Arial" panose="020B0604020202020204" pitchFamily="34" charset="0"/>
-              <a:buChar char="•"/>
-            </a:pPr>
-            <a:r>
-              <a:rPr lang="en-US" dirty="0"/>
-              <a:t>(top) As humidity decreases, higher measured current at lower voltage</a:t>
-            </a:r>
-          </a:p>
-          <a:p>
-            <a:pPr marL="742950" lvl="1" indent="-285750">
-              <a:spcAft>
-                <a:spcPts val="600"/>
-              </a:spcAft>
-              <a:buFont typeface="Arial" panose="020B0604020202020204" pitchFamily="34" charset="0"/>
-              <a:buChar char="•"/>
-            </a:pPr>
-            <a:r>
-              <a:rPr lang="en-US" dirty="0"/>
-              <a:t>As ionomer—Pt distance decreases, easier and more prevalent SO3 adsorption</a:t>
-            </a:r>
-          </a:p>
-          <a:p>
-            <a:pPr marL="285750" indent="-285750">
-              <a:spcAft>
-                <a:spcPts val="600"/>
-              </a:spcAft>
-              <a:buFont typeface="Arial" panose="020B0604020202020204" pitchFamily="34" charset="0"/>
-              <a:buChar char="•"/>
-            </a:pPr>
-            <a:r>
-              <a:rPr lang="en-US" dirty="0"/>
-              <a:t>(bottom) Long ionomer sidechains (LC) more current than short sidechain (SC)</a:t>
-            </a:r>
-          </a:p>
-          <a:p>
-            <a:pPr marL="742950" lvl="1" indent="-285750">
-              <a:spcAft>
-                <a:spcPts val="600"/>
-              </a:spcAft>
-              <a:buFont typeface="Arial" panose="020B0604020202020204" pitchFamily="34" charset="0"/>
-              <a:buChar char="•"/>
-            </a:pPr>
-            <a:r>
-              <a:rPr lang="en-US" dirty="0"/>
-              <a:t>Note: LD = long distance between ether/SO3H; discussion becomes muddled on effect</a:t>
-            </a:r>
-          </a:p>
-        </p:txBody>
-      </p:sp>
-      <p:pic>
-        <p:nvPicPr>
-          <p:cNvPr id="14" name="Picture 13">
-            <a:extLst>
-              <a:ext uri="{FF2B5EF4-FFF2-40B4-BE49-F238E27FC236}">
-                <a16:creationId xmlns:a16="http://schemas.microsoft.com/office/drawing/2014/main" id="{9965273C-8215-52A4-AFEF-8D27CE1EC380}"/>
-              </a:ext>
-            </a:extLst>
-          </p:cNvPr>
-          <p:cNvPicPr>
-            <a:picLocks noChangeAspect="1"/>
-          </p:cNvPicPr>
-          <p:nvPr/>
-        </p:nvPicPr>
-        <p:blipFill>
-          <a:blip r:embed="rId3"/>
-          <a:stretch>
-            <a:fillRect/>
-          </a:stretch>
-        </p:blipFill>
-        <p:spPr>
-          <a:xfrm>
-            <a:off x="623414" y="3818189"/>
-            <a:ext cx="2759958" cy="1817406"/>
-          </a:xfrm>
-          <a:prstGeom prst="rect">
-            <a:avLst/>
-          </a:prstGeom>
-        </p:spPr>
-      </p:pic>
-      <p:sp>
-        <p:nvSpPr>
-          <p:cNvPr id="3" name="Rectangle 2">
-            <a:extLst>
-              <a:ext uri="{FF2B5EF4-FFF2-40B4-BE49-F238E27FC236}">
-                <a16:creationId xmlns:a16="http://schemas.microsoft.com/office/drawing/2014/main" id="{65E27D70-B49E-E1EC-1B47-C583D3C338AB}"/>
-              </a:ext>
-            </a:extLst>
-          </p:cNvPr>
-          <p:cNvSpPr/>
-          <p:nvPr/>
-        </p:nvSpPr>
-        <p:spPr>
-          <a:xfrm>
-            <a:off x="1728253" y="1956902"/>
-            <a:ext cx="651934" cy="1429347"/>
-          </a:xfrm>
-          <a:prstGeom prst="rect">
-            <a:avLst/>
-          </a:prstGeom>
-          <a:solidFill>
-            <a:srgbClr val="7030A0">
-              <a:alpha val="30000"/>
-            </a:srgbClr>
-          </a:solidFill>
-          <a:ln w="28575">
-            <a:solidFill>
-              <a:srgbClr val="7030A0"/>
-            </a:solidFill>
-          </a:ln>
-        </p:spPr>
-        <p:style>
-          <a:lnRef idx="2">
-            <a:schemeClr val="accent1">
-              <a:shade val="15000"/>
-            </a:schemeClr>
-          </a:lnRef>
-          <a:fillRef idx="1">
-            <a:schemeClr val="accent1"/>
-          </a:fillRef>
-          <a:effectRef idx="0">
-            <a:schemeClr val="accent1"/>
-          </a:effectRef>
-          <a:fontRef idx="minor">
-            <a:schemeClr val="lt1"/>
-          </a:fontRef>
-        </p:style>
-        <p:txBody>
-          <a:bodyPr rtlCol="0" anchor="ctr"/>
-          <a:lstStyle/>
-          <a:p>
-            <a:pPr algn="ctr"/>
-            <a:endParaRPr lang="en-US"/>
-          </a:p>
-        </p:txBody>
-      </p:sp>
-      <p:sp>
-        <p:nvSpPr>
-          <p:cNvPr id="5" name="TextBox 4">
-            <a:extLst>
-              <a:ext uri="{FF2B5EF4-FFF2-40B4-BE49-F238E27FC236}">
-                <a16:creationId xmlns:a16="http://schemas.microsoft.com/office/drawing/2014/main" id="{5A84D2A5-7F0E-EAB7-02B4-53AAFF37840E}"/>
-              </a:ext>
-            </a:extLst>
-          </p:cNvPr>
-          <p:cNvSpPr txBox="1"/>
-          <p:nvPr/>
-        </p:nvSpPr>
-        <p:spPr>
-          <a:xfrm>
-            <a:off x="943971" y="1679903"/>
-            <a:ext cx="2262832" cy="276999"/>
-          </a:xfrm>
-          <a:prstGeom prst="rect">
-            <a:avLst/>
-          </a:prstGeom>
-          <a:noFill/>
-        </p:spPr>
-        <p:txBody>
-          <a:bodyPr wrap="square" rtlCol="0">
-            <a:spAutoFit/>
-          </a:bodyPr>
-          <a:lstStyle/>
-          <a:p>
-            <a:pPr algn="ctr"/>
-            <a:r>
-              <a:rPr lang="en-US" sz="1200" b="1" dirty="0">
-                <a:solidFill>
-                  <a:srgbClr val="7030A0"/>
-                </a:solidFill>
-              </a:rPr>
-              <a:t>SO3 (ad/de)sorption</a:t>
-            </a:r>
-          </a:p>
-        </p:txBody>
-      </p:sp>
-      <p:sp>
-        <p:nvSpPr>
-          <p:cNvPr id="6" name="Rectangle 5">
-            <a:extLst>
-              <a:ext uri="{FF2B5EF4-FFF2-40B4-BE49-F238E27FC236}">
-                <a16:creationId xmlns:a16="http://schemas.microsoft.com/office/drawing/2014/main" id="{35BDD742-F15B-29F7-D887-501B0789DB7D}"/>
-              </a:ext>
-            </a:extLst>
-          </p:cNvPr>
-          <p:cNvSpPr/>
-          <p:nvPr/>
-        </p:nvSpPr>
-        <p:spPr>
-          <a:xfrm>
-            <a:off x="1948386" y="3922287"/>
-            <a:ext cx="355601" cy="1366846"/>
-          </a:xfrm>
-          <a:prstGeom prst="rect">
-            <a:avLst/>
-          </a:prstGeom>
-          <a:solidFill>
-            <a:srgbClr val="7030A0">
-              <a:alpha val="30000"/>
-            </a:srgbClr>
-          </a:solidFill>
-          <a:ln w="28575">
-            <a:solidFill>
-              <a:srgbClr val="7030A0"/>
-            </a:solidFill>
-          </a:ln>
-        </p:spPr>
-        <p:style>
-          <a:lnRef idx="2">
-            <a:schemeClr val="accent1">
-              <a:shade val="15000"/>
-            </a:schemeClr>
-          </a:lnRef>
-          <a:fillRef idx="1">
-            <a:schemeClr val="accent1"/>
-          </a:fillRef>
-          <a:effectRef idx="0">
-            <a:schemeClr val="accent1"/>
-          </a:effectRef>
-          <a:fontRef idx="minor">
-            <a:schemeClr val="lt1"/>
-          </a:fontRef>
-        </p:style>
-        <p:txBody>
-          <a:bodyPr rtlCol="0" anchor="ctr"/>
-          <a:lstStyle/>
-          <a:p>
-            <a:pPr algn="ctr"/>
-            <a:endParaRPr lang="en-US"/>
-          </a:p>
-        </p:txBody>
-      </p:sp>
-      <p:sp>
-        <p:nvSpPr>
-          <p:cNvPr id="11" name="TextBox 10">
-            <a:extLst>
-              <a:ext uri="{FF2B5EF4-FFF2-40B4-BE49-F238E27FC236}">
-                <a16:creationId xmlns:a16="http://schemas.microsoft.com/office/drawing/2014/main" id="{D321C159-5653-894B-1855-B048583B2C52}"/>
-              </a:ext>
-            </a:extLst>
-          </p:cNvPr>
-          <p:cNvSpPr txBox="1"/>
-          <p:nvPr/>
-        </p:nvSpPr>
-        <p:spPr>
-          <a:xfrm>
-            <a:off x="332315" y="5840207"/>
-            <a:ext cx="10428817" cy="646331"/>
-          </a:xfrm>
-          <a:prstGeom prst="rect">
-            <a:avLst/>
-          </a:prstGeom>
-          <a:noFill/>
-        </p:spPr>
-        <p:txBody>
-          <a:bodyPr wrap="square">
-            <a:spAutoFit/>
-          </a:bodyPr>
-          <a:lstStyle/>
-          <a:p>
-            <a:pPr marL="742950" lvl="1" indent="-285750">
-              <a:spcAft>
-                <a:spcPts val="600"/>
-              </a:spcAft>
-              <a:buFont typeface="Arial" panose="020B0604020202020204" pitchFamily="34" charset="0"/>
-              <a:buChar char="•"/>
-            </a:pPr>
-            <a:r>
-              <a:rPr lang="en-US" dirty="0"/>
-              <a:t>Using SCFT can provide physical insights as well as a computational framework for the rational design of PEM ionomers</a:t>
-            </a:r>
-          </a:p>
-        </p:txBody>
-      </p:sp>
-    </p:spTree>
-    <p:extLst>
-      <p:ext uri="{BB962C8B-B14F-4D97-AF65-F5344CB8AC3E}">
-        <p14:creationId xmlns:p14="http://schemas.microsoft.com/office/powerpoint/2010/main" val="1045183812"/>
       </p:ext>
     </p:extLst>
   </p:cSld>
@@ -6774,6 +7467,654 @@
           <p:cNvPr id="2" name="Title 1">
             <a:extLst>
               <a:ext uri="{FF2B5EF4-FFF2-40B4-BE49-F238E27FC236}">
+                <a16:creationId xmlns:a16="http://schemas.microsoft.com/office/drawing/2014/main" id="{2F2D102A-4A1D-C15E-EC10-B7C5C43FBAFE}"/>
+              </a:ext>
+            </a:extLst>
+          </p:cNvPr>
+          <p:cNvSpPr>
+            <a:spLocks noGrp="1"/>
+          </p:cNvSpPr>
+          <p:nvPr>
+            <p:ph type="title"/>
+          </p:nvPr>
+        </p:nvSpPr>
+        <p:spPr>
+          <a:xfrm>
+            <a:off x="0" y="144617"/>
+            <a:ext cx="12192000" cy="800128"/>
+          </a:xfrm>
+        </p:spPr>
+        <p:txBody>
+          <a:bodyPr>
+            <a:noAutofit/>
+          </a:bodyPr>
+          <a:lstStyle/>
+          <a:p>
+            <a:r>
+              <a:rPr lang="en-US" sz="3200" dirty="0"/>
+              <a:t>Ionomer morphology is key for multiple big questions in PEMFCs</a:t>
+            </a:r>
+          </a:p>
+        </p:txBody>
+      </p:sp>
+      <p:sp>
+        <p:nvSpPr>
+          <p:cNvPr id="4" name="Slide Number Placeholder 3">
+            <a:extLst>
+              <a:ext uri="{FF2B5EF4-FFF2-40B4-BE49-F238E27FC236}">
+                <a16:creationId xmlns:a16="http://schemas.microsoft.com/office/drawing/2014/main" id="{2D0C1DCF-50CC-9F9C-3077-5D08EFDE9D09}"/>
+              </a:ext>
+            </a:extLst>
+          </p:cNvPr>
+          <p:cNvSpPr>
+            <a:spLocks noGrp="1"/>
+          </p:cNvSpPr>
+          <p:nvPr>
+            <p:ph type="sldNum" sz="quarter" idx="12"/>
+          </p:nvPr>
+        </p:nvSpPr>
+        <p:spPr/>
+        <p:txBody>
+          <a:bodyPr/>
+          <a:lstStyle/>
+          <a:p>
+            <a:fld id="{5911C0E6-D9CE-431C-92CB-BB39B872F930}" type="slidenum">
+              <a:rPr lang="en-US" smtClean="0"/>
+              <a:t>2</a:t>
+            </a:fld>
+            <a:endParaRPr lang="en-US"/>
+          </a:p>
+        </p:txBody>
+      </p:sp>
+      <p:sp>
+        <p:nvSpPr>
+          <p:cNvPr id="10" name="TextBox 9">
+            <a:extLst>
+              <a:ext uri="{FF2B5EF4-FFF2-40B4-BE49-F238E27FC236}">
+                <a16:creationId xmlns:a16="http://schemas.microsoft.com/office/drawing/2014/main" id="{B86DEC90-4FAA-A677-30F2-4B4D54C2D30E}"/>
+              </a:ext>
+            </a:extLst>
+          </p:cNvPr>
+          <p:cNvSpPr txBox="1"/>
+          <p:nvPr/>
+        </p:nvSpPr>
+        <p:spPr>
+          <a:xfrm>
+            <a:off x="9020290" y="1685763"/>
+            <a:ext cx="2810933" cy="369332"/>
+          </a:xfrm>
+          <a:prstGeom prst="rect">
+            <a:avLst/>
+          </a:prstGeom>
+          <a:noFill/>
+        </p:spPr>
+        <p:txBody>
+          <a:bodyPr wrap="square">
+            <a:spAutoFit/>
+          </a:bodyPr>
+          <a:lstStyle/>
+          <a:p>
+            <a:pPr algn="ctr"/>
+            <a:r>
+              <a:rPr lang="en-US" i="1" dirty="0">
+                <a:latin typeface="Lucida grande" panose="020B0502040204020203"/>
+              </a:rPr>
+              <a:t>Pt poisoning mechanism</a:t>
+            </a:r>
+          </a:p>
+        </p:txBody>
+      </p:sp>
+      <p:pic>
+        <p:nvPicPr>
+          <p:cNvPr id="13" name="Picture 12">
+            <a:extLst>
+              <a:ext uri="{FF2B5EF4-FFF2-40B4-BE49-F238E27FC236}">
+                <a16:creationId xmlns:a16="http://schemas.microsoft.com/office/drawing/2014/main" id="{BAE470DD-6841-1820-C15D-9763ED409775}"/>
+              </a:ext>
+            </a:extLst>
+          </p:cNvPr>
+          <p:cNvPicPr>
+            <a:picLocks noChangeAspect="1"/>
+          </p:cNvPicPr>
+          <p:nvPr/>
+        </p:nvPicPr>
+        <p:blipFill>
+          <a:blip r:embed="rId2"/>
+          <a:stretch>
+            <a:fillRect/>
+          </a:stretch>
+        </p:blipFill>
+        <p:spPr>
+          <a:xfrm>
+            <a:off x="5019707" y="2280932"/>
+            <a:ext cx="3228423" cy="2468794"/>
+          </a:xfrm>
+          <a:prstGeom prst="rect">
+            <a:avLst/>
+          </a:prstGeom>
+        </p:spPr>
+      </p:pic>
+      <p:sp>
+        <p:nvSpPr>
+          <p:cNvPr id="14" name="TextBox 13">
+            <a:extLst>
+              <a:ext uri="{FF2B5EF4-FFF2-40B4-BE49-F238E27FC236}">
+                <a16:creationId xmlns:a16="http://schemas.microsoft.com/office/drawing/2014/main" id="{C64BC7D2-0A7E-8CC0-602F-3041297AB324}"/>
+              </a:ext>
+            </a:extLst>
+          </p:cNvPr>
+          <p:cNvSpPr txBox="1"/>
+          <p:nvPr/>
+        </p:nvSpPr>
+        <p:spPr>
+          <a:xfrm>
+            <a:off x="5243519" y="1726476"/>
+            <a:ext cx="2636484" cy="369332"/>
+          </a:xfrm>
+          <a:prstGeom prst="rect">
+            <a:avLst/>
+          </a:prstGeom>
+          <a:noFill/>
+        </p:spPr>
+        <p:txBody>
+          <a:bodyPr wrap="square">
+            <a:spAutoFit/>
+          </a:bodyPr>
+          <a:lstStyle/>
+          <a:p>
+            <a:pPr algn="ctr"/>
+            <a:r>
+              <a:rPr lang="en-US" i="1" dirty="0">
+                <a:latin typeface="Lucida grande" panose="020B0502040204020203"/>
+              </a:rPr>
+              <a:t>Confinement effects</a:t>
+            </a:r>
+          </a:p>
+        </p:txBody>
+      </p:sp>
+      <p:sp>
+        <p:nvSpPr>
+          <p:cNvPr id="15" name="TextBox 14">
+            <a:extLst>
+              <a:ext uri="{FF2B5EF4-FFF2-40B4-BE49-F238E27FC236}">
+                <a16:creationId xmlns:a16="http://schemas.microsoft.com/office/drawing/2014/main" id="{FE872161-DD78-9D80-FD09-8F589FF642C6}"/>
+              </a:ext>
+            </a:extLst>
+          </p:cNvPr>
+          <p:cNvSpPr txBox="1"/>
+          <p:nvPr/>
+        </p:nvSpPr>
+        <p:spPr>
+          <a:xfrm>
+            <a:off x="965941" y="1147884"/>
+            <a:ext cx="2636484" cy="369332"/>
+          </a:xfrm>
+          <a:prstGeom prst="rect">
+            <a:avLst/>
+          </a:prstGeom>
+          <a:noFill/>
+        </p:spPr>
+        <p:txBody>
+          <a:bodyPr wrap="square">
+            <a:spAutoFit/>
+          </a:bodyPr>
+          <a:lstStyle/>
+          <a:p>
+            <a:pPr algn="ctr"/>
+            <a:r>
+              <a:rPr lang="en-US" i="1" dirty="0">
+                <a:latin typeface="Lucida grande" panose="020B0502040204020203"/>
+              </a:rPr>
+              <a:t>Sidechain effects</a:t>
+            </a:r>
+          </a:p>
+        </p:txBody>
+      </p:sp>
+      <p:pic>
+        <p:nvPicPr>
+          <p:cNvPr id="20" name="Picture 19">
+            <a:extLst>
+              <a:ext uri="{FF2B5EF4-FFF2-40B4-BE49-F238E27FC236}">
+                <a16:creationId xmlns:a16="http://schemas.microsoft.com/office/drawing/2014/main" id="{8304BA56-1A24-62E7-C9B7-5D7E6B5DB116}"/>
+              </a:ext>
+            </a:extLst>
+          </p:cNvPr>
+          <p:cNvPicPr>
+            <a:picLocks noChangeAspect="1"/>
+          </p:cNvPicPr>
+          <p:nvPr/>
+        </p:nvPicPr>
+        <p:blipFill>
+          <a:blip r:embed="rId3"/>
+          <a:stretch>
+            <a:fillRect/>
+          </a:stretch>
+        </p:blipFill>
+        <p:spPr>
+          <a:xfrm>
+            <a:off x="8610600" y="2280932"/>
+            <a:ext cx="3288357" cy="2460917"/>
+          </a:xfrm>
+          <a:prstGeom prst="rect">
+            <a:avLst/>
+          </a:prstGeom>
+        </p:spPr>
+      </p:pic>
+      <p:pic>
+        <p:nvPicPr>
+          <p:cNvPr id="22" name="Picture 21">
+            <a:extLst>
+              <a:ext uri="{FF2B5EF4-FFF2-40B4-BE49-F238E27FC236}">
+                <a16:creationId xmlns:a16="http://schemas.microsoft.com/office/drawing/2014/main" id="{079A0ED7-9D8E-F973-DAA3-403039012308}"/>
+              </a:ext>
+            </a:extLst>
+          </p:cNvPr>
+          <p:cNvPicPr>
+            <a:picLocks noChangeAspect="1"/>
+          </p:cNvPicPr>
+          <p:nvPr/>
+        </p:nvPicPr>
+        <p:blipFill>
+          <a:blip r:embed="rId4"/>
+          <a:stretch>
+            <a:fillRect/>
+          </a:stretch>
+        </p:blipFill>
+        <p:spPr>
+          <a:xfrm>
+            <a:off x="207446" y="1571406"/>
+            <a:ext cx="4288943" cy="2211364"/>
+          </a:xfrm>
+          <a:prstGeom prst="rect">
+            <a:avLst/>
+          </a:prstGeom>
+        </p:spPr>
+      </p:pic>
+      <p:sp>
+        <p:nvSpPr>
+          <p:cNvPr id="23" name="TextBox 22">
+            <a:extLst>
+              <a:ext uri="{FF2B5EF4-FFF2-40B4-BE49-F238E27FC236}">
+                <a16:creationId xmlns:a16="http://schemas.microsoft.com/office/drawing/2014/main" id="{3A6DF21F-A0B2-E74A-A6FE-5D09BB4FC374}"/>
+              </a:ext>
+            </a:extLst>
+          </p:cNvPr>
+          <p:cNvSpPr txBox="1"/>
+          <p:nvPr/>
+        </p:nvSpPr>
+        <p:spPr>
+          <a:xfrm>
+            <a:off x="6849" y="6521389"/>
+            <a:ext cx="10398744" cy="246221"/>
+          </a:xfrm>
+          <a:prstGeom prst="rect">
+            <a:avLst/>
+          </a:prstGeom>
+          <a:noFill/>
+        </p:spPr>
+        <p:txBody>
+          <a:bodyPr wrap="square">
+            <a:spAutoFit/>
+          </a:bodyPr>
+          <a:lstStyle/>
+          <a:p>
+            <a:r>
+              <a:rPr lang="fr-FR" sz="1000" dirty="0" err="1">
+                <a:latin typeface="Lucida grande" panose="020B0502040204020203"/>
+              </a:rPr>
+              <a:t>Shirvastava</a:t>
+            </a:r>
+            <a:r>
+              <a:rPr lang="fr-FR" sz="1000" dirty="0">
+                <a:latin typeface="Lucida grande" panose="020B0502040204020203"/>
+              </a:rPr>
+              <a:t> et al. </a:t>
+            </a:r>
+            <a:r>
+              <a:rPr lang="fr-FR" sz="1000" dirty="0" err="1">
+                <a:latin typeface="Lucida grande" panose="020B0502040204020203"/>
+              </a:rPr>
+              <a:t>Macromolecules</a:t>
+            </a:r>
+            <a:r>
+              <a:rPr lang="fr-FR" sz="1000" dirty="0">
+                <a:latin typeface="Lucida grande" panose="020B0502040204020203"/>
+              </a:rPr>
+              <a:t> 2018, 51, 9839−9849; </a:t>
+            </a:r>
+            <a:r>
+              <a:rPr lang="fr-FR" sz="1000" dirty="0" err="1">
+                <a:latin typeface="Lucida grande" panose="020B0502040204020203"/>
+              </a:rPr>
+              <a:t>Kusoglu</a:t>
+            </a:r>
+            <a:r>
+              <a:rPr lang="fr-FR" sz="1000" dirty="0">
+                <a:latin typeface="Lucida grande" panose="020B0502040204020203"/>
+              </a:rPr>
+              <a:t> et al. </a:t>
+            </a:r>
+            <a:r>
+              <a:rPr lang="nl-NL" sz="1000" dirty="0">
+                <a:latin typeface="Lucida grande" panose="020B0502040204020203"/>
+              </a:rPr>
+              <a:t>Adv. Funct. Mater. 2016, 26, 4961–4975; </a:t>
+            </a:r>
+            <a:r>
+              <a:rPr lang="fr-FR" sz="1000" dirty="0">
+                <a:latin typeface="Lucida grande" panose="020B0502040204020203"/>
+              </a:rPr>
+              <a:t>K. Kodama et al. </a:t>
+            </a:r>
+            <a:r>
+              <a:rPr lang="fr-FR" sz="1000" dirty="0" err="1">
+                <a:latin typeface="Lucida grande" panose="020B0502040204020203"/>
+              </a:rPr>
+              <a:t>Electrochemistry</a:t>
+            </a:r>
+            <a:r>
+              <a:rPr lang="fr-FR" sz="1000" dirty="0">
+                <a:latin typeface="Lucida grande" panose="020B0502040204020203"/>
+              </a:rPr>
+              <a:t> Communications 36 (2013) 26–28</a:t>
+            </a:r>
+            <a:endParaRPr lang="en-US" sz="1000" dirty="0">
+              <a:latin typeface="Lucida grande" panose="020B0502040204020203"/>
+            </a:endParaRPr>
+          </a:p>
+        </p:txBody>
+      </p:sp>
+      <p:pic>
+        <p:nvPicPr>
+          <p:cNvPr id="26" name="Picture 25">
+            <a:extLst>
+              <a:ext uri="{FF2B5EF4-FFF2-40B4-BE49-F238E27FC236}">
+                <a16:creationId xmlns:a16="http://schemas.microsoft.com/office/drawing/2014/main" id="{981B929B-81AC-3306-CC0D-7248EE61BDC9}"/>
+              </a:ext>
+            </a:extLst>
+          </p:cNvPr>
+          <p:cNvPicPr>
+            <a:picLocks noChangeAspect="1"/>
+          </p:cNvPicPr>
+          <p:nvPr/>
+        </p:nvPicPr>
+        <p:blipFill>
+          <a:blip r:embed="rId5"/>
+          <a:stretch>
+            <a:fillRect/>
+          </a:stretch>
+        </p:blipFill>
+        <p:spPr>
+          <a:xfrm>
+            <a:off x="1179614" y="3787411"/>
+            <a:ext cx="2344606" cy="2537691"/>
+          </a:xfrm>
+          <a:prstGeom prst="rect">
+            <a:avLst/>
+          </a:prstGeom>
+        </p:spPr>
+      </p:pic>
+    </p:spTree>
+    <p:extLst>
+      <p:ext uri="{BB962C8B-B14F-4D97-AF65-F5344CB8AC3E}">
+        <p14:creationId xmlns:p14="http://schemas.microsoft.com/office/powerpoint/2010/main" val="3811869344"/>
+      </p:ext>
+    </p:extLst>
+  </p:cSld>
+  <p:clrMapOvr>
+    <a:masterClrMapping/>
+  </p:clrMapOvr>
+  <p:timing>
+    <p:tnLst>
+      <p:par>
+        <p:cTn id="1" dur="indefinite" restart="never" nodeType="tmRoot">
+          <p:childTnLst>
+            <p:seq concurrent="1" nextAc="seek">
+              <p:cTn id="2" dur="indefinite" nodeType="mainSeq">
+                <p:childTnLst>
+                  <p:par>
+                    <p:cTn id="3" fill="hold">
+                      <p:stCondLst>
+                        <p:cond delay="indefinite"/>
+                      </p:stCondLst>
+                      <p:childTnLst>
+                        <p:par>
+                          <p:cTn id="4" fill="hold">
+                            <p:stCondLst>
+                              <p:cond delay="0"/>
+                            </p:stCondLst>
+                            <p:childTnLst>
+                              <p:par>
+                                <p:cTn id="5" presetID="1" presetClass="entr" presetSubtype="0" fill="hold" nodeType="clickEffect">
+                                  <p:stCondLst>
+                                    <p:cond delay="0"/>
+                                  </p:stCondLst>
+                                  <p:childTnLst>
+                                    <p:set>
+                                      <p:cBhvr>
+                                        <p:cTn id="6" dur="1" fill="hold">
+                                          <p:stCondLst>
+                                            <p:cond delay="0"/>
+                                          </p:stCondLst>
+                                        </p:cTn>
+                                        <p:tgtEl>
+                                          <p:spTgt spid="10">
+                                            <p:txEl>
+                                              <p:pRg st="0" end="0"/>
+                                            </p:txEl>
+                                          </p:spTgt>
+                                        </p:tgtEl>
+                                        <p:attrNameLst>
+                                          <p:attrName>style.visibility</p:attrName>
+                                        </p:attrNameLst>
+                                      </p:cBhvr>
+                                      <p:to>
+                                        <p:strVal val="visible"/>
+                                      </p:to>
+                                    </p:set>
+                                  </p:childTnLst>
+                                </p:cTn>
+                              </p:par>
+                            </p:childTnLst>
+                          </p:cTn>
+                        </p:par>
+                      </p:childTnLst>
+                    </p:cTn>
+                  </p:par>
+                  <p:par>
+                    <p:cTn id="7" fill="hold">
+                      <p:stCondLst>
+                        <p:cond delay="indefinite"/>
+                      </p:stCondLst>
+                      <p:childTnLst>
+                        <p:par>
+                          <p:cTn id="8" fill="hold">
+                            <p:stCondLst>
+                              <p:cond delay="0"/>
+                            </p:stCondLst>
+                            <p:childTnLst>
+                              <p:par>
+                                <p:cTn id="9" presetID="1" presetClass="entr" presetSubtype="0" fill="hold" nodeType="clickEffect">
+                                  <p:stCondLst>
+                                    <p:cond delay="0"/>
+                                  </p:stCondLst>
+                                  <p:childTnLst>
+                                    <p:set>
+                                      <p:cBhvr>
+                                        <p:cTn id="10" dur="1" fill="hold">
+                                          <p:stCondLst>
+                                            <p:cond delay="0"/>
+                                          </p:stCondLst>
+                                        </p:cTn>
+                                        <p:tgtEl>
+                                          <p:spTgt spid="14">
+                                            <p:txEl>
+                                              <p:pRg st="0" end="0"/>
+                                            </p:txEl>
+                                          </p:spTgt>
+                                        </p:tgtEl>
+                                        <p:attrNameLst>
+                                          <p:attrName>style.visibility</p:attrName>
+                                        </p:attrNameLst>
+                                      </p:cBhvr>
+                                      <p:to>
+                                        <p:strVal val="visible"/>
+                                      </p:to>
+                                    </p:set>
+                                  </p:childTnLst>
+                                </p:cTn>
+                              </p:par>
+                            </p:childTnLst>
+                          </p:cTn>
+                        </p:par>
+                      </p:childTnLst>
+                    </p:cTn>
+                  </p:par>
+                  <p:par>
+                    <p:cTn id="11" fill="hold">
+                      <p:stCondLst>
+                        <p:cond delay="indefinite"/>
+                      </p:stCondLst>
+                      <p:childTnLst>
+                        <p:par>
+                          <p:cTn id="12" fill="hold">
+                            <p:stCondLst>
+                              <p:cond delay="0"/>
+                            </p:stCondLst>
+                            <p:childTnLst>
+                              <p:par>
+                                <p:cTn id="13" presetID="1" presetClass="entr" presetSubtype="0" fill="hold" nodeType="clickEffect">
+                                  <p:stCondLst>
+                                    <p:cond delay="0"/>
+                                  </p:stCondLst>
+                                  <p:childTnLst>
+                                    <p:set>
+                                      <p:cBhvr>
+                                        <p:cTn id="14" dur="1" fill="hold">
+                                          <p:stCondLst>
+                                            <p:cond delay="0"/>
+                                          </p:stCondLst>
+                                        </p:cTn>
+                                        <p:tgtEl>
+                                          <p:spTgt spid="15">
+                                            <p:txEl>
+                                              <p:pRg st="0" end="0"/>
+                                            </p:txEl>
+                                          </p:spTgt>
+                                        </p:tgtEl>
+                                        <p:attrNameLst>
+                                          <p:attrName>style.visibility</p:attrName>
+                                        </p:attrNameLst>
+                                      </p:cBhvr>
+                                      <p:to>
+                                        <p:strVal val="visible"/>
+                                      </p:to>
+                                    </p:set>
+                                  </p:childTnLst>
+                                </p:cTn>
+                              </p:par>
+                            </p:childTnLst>
+                          </p:cTn>
+                        </p:par>
+                      </p:childTnLst>
+                    </p:cTn>
+                  </p:par>
+                  <p:par>
+                    <p:cTn id="15" fill="hold">
+                      <p:stCondLst>
+                        <p:cond delay="indefinite"/>
+                      </p:stCondLst>
+                      <p:childTnLst>
+                        <p:par>
+                          <p:cTn id="16" fill="hold">
+                            <p:stCondLst>
+                              <p:cond delay="0"/>
+                            </p:stCondLst>
+                            <p:childTnLst>
+                              <p:par>
+                                <p:cTn id="17" presetID="1" presetClass="entr" presetSubtype="0" fill="hold" nodeType="clickEffect">
+                                  <p:stCondLst>
+                                    <p:cond delay="0"/>
+                                  </p:stCondLst>
+                                  <p:childTnLst>
+                                    <p:set>
+                                      <p:cBhvr>
+                                        <p:cTn id="18" dur="1" fill="hold">
+                                          <p:stCondLst>
+                                            <p:cond delay="0"/>
+                                          </p:stCondLst>
+                                        </p:cTn>
+                                        <p:tgtEl>
+                                          <p:spTgt spid="23">
+                                            <p:txEl>
+                                              <p:pRg st="0" end="0"/>
+                                            </p:txEl>
+                                          </p:spTgt>
+                                        </p:tgtEl>
+                                        <p:attrNameLst>
+                                          <p:attrName>style.visibility</p:attrName>
+                                        </p:attrNameLst>
+                                      </p:cBhvr>
+                                      <p:to>
+                                        <p:strVal val="visible"/>
+                                      </p:to>
+                                    </p:set>
+                                  </p:childTnLst>
+                                </p:cTn>
+                              </p:par>
+                            </p:childTnLst>
+                          </p:cTn>
+                        </p:par>
+                      </p:childTnLst>
+                    </p:cTn>
+                  </p:par>
+                </p:childTnLst>
+              </p:cTn>
+              <p:prevCondLst>
+                <p:cond evt="onPrev" delay="0">
+                  <p:tgtEl>
+                    <p:sldTgt/>
+                  </p:tgtEl>
+                </p:cond>
+              </p:prevCondLst>
+              <p:nextCondLst>
+                <p:cond evt="onNext" delay="0">
+                  <p:tgtEl>
+                    <p:sldTgt/>
+                  </p:tgtEl>
+                </p:cond>
+              </p:nextCondLst>
+            </p:seq>
+          </p:childTnLst>
+        </p:cTn>
+      </p:par>
+    </p:tnLst>
+  </p:timing>
+</p:sld>
+</file>
+
+<file path=ppt/slides/slide3.xml><?xml version="1.0" encoding="utf-8"?>
+<p:sld xmlns:a="http://schemas.openxmlformats.org/drawingml/2006/main" xmlns:r="http://schemas.openxmlformats.org/officeDocument/2006/relationships" xmlns:p="http://schemas.openxmlformats.org/presentationml/2006/main">
+  <p:cSld>
+    <p:spTree>
+      <p:nvGrpSpPr>
+        <p:cNvPr id="1" name=""/>
+        <p:cNvGrpSpPr/>
+        <p:nvPr/>
+      </p:nvGrpSpPr>
+      <p:grpSpPr>
+        <a:xfrm>
+          <a:off x="0" y="0"/>
+          <a:ext cx="0" cy="0"/>
+          <a:chOff x="0" y="0"/>
+          <a:chExt cx="0" cy="0"/>
+        </a:xfrm>
+      </p:grpSpPr>
+      <p:sp>
+        <p:nvSpPr>
+          <p:cNvPr id="2" name="Title 1">
+            <a:extLst>
+              <a:ext uri="{FF2B5EF4-FFF2-40B4-BE49-F238E27FC236}">
                 <a16:creationId xmlns:a16="http://schemas.microsoft.com/office/drawing/2014/main" id="{8400C646-953A-0B40-03D7-8D9E27BDF6ED}"/>
               </a:ext>
             </a:extLst>
@@ -6910,7 +8251,7 @@
           <a:p>
             <a:fld id="{5911C0E6-D9CE-431C-92CB-BB39B872F930}" type="slidenum">
               <a:rPr lang="en-US" smtClean="0"/>
-              <a:t>2</a:t>
+              <a:t>3</a:t>
             </a:fld>
             <a:endParaRPr lang="en-US"/>
           </a:p>
@@ -6929,7 +8270,7 @@
 </p:sld>
 </file>
 
-<file path=ppt/slides/slide3.xml><?xml version="1.0" encoding="utf-8"?>
+<file path=ppt/slides/slide4.xml><?xml version="1.0" encoding="utf-8"?>
 <p:sld xmlns:a="http://schemas.openxmlformats.org/drawingml/2006/main" xmlns:r="http://schemas.openxmlformats.org/officeDocument/2006/relationships" xmlns:p="http://schemas.openxmlformats.org/presentationml/2006/main">
   <p:cSld>
     <p:spTree>
@@ -7117,7 +8458,7 @@
           <a:p>
             <a:fld id="{5911C0E6-D9CE-431C-92CB-BB39B872F930}" type="slidenum">
               <a:rPr lang="en-US" smtClean="0"/>
-              <a:t>3</a:t>
+              <a:t>4</a:t>
             </a:fld>
             <a:endParaRPr lang="en-US"/>
           </a:p>
@@ -7136,7 +8477,7 @@
 </p:sld>
 </file>
 
-<file path=ppt/slides/slide4.xml><?xml version="1.0" encoding="utf-8"?>
+<file path=ppt/slides/slide5.xml><?xml version="1.0" encoding="utf-8"?>
 <p:sld xmlns:a="http://schemas.openxmlformats.org/drawingml/2006/main" xmlns:r="http://schemas.openxmlformats.org/officeDocument/2006/relationships" xmlns:p="http://schemas.openxmlformats.org/presentationml/2006/main">
   <p:cSld>
     <p:spTree>
@@ -7211,7 +8552,7 @@
           <a:p>
             <a:fld id="{5911C0E6-D9CE-431C-92CB-BB39B872F930}" type="slidenum">
               <a:rPr lang="en-US" smtClean="0"/>
-              <a:t>4</a:t>
+              <a:t>5</a:t>
             </a:fld>
             <a:endParaRPr lang="en-US"/>
           </a:p>
@@ -10286,7 +11627,7 @@
 </p:sld>
 </file>
 
-<file path=ppt/slides/slide5.xml><?xml version="1.0" encoding="utf-8"?>
+<file path=ppt/slides/slide6.xml><?xml version="1.0" encoding="utf-8"?>
 <p:sld xmlns:a="http://schemas.openxmlformats.org/drawingml/2006/main" xmlns:r="http://schemas.openxmlformats.org/officeDocument/2006/relationships" xmlns:p="http://schemas.openxmlformats.org/presentationml/2006/main">
   <p:cSld>
     <p:spTree>
@@ -10396,7 +11737,7 @@
           <a:p>
             <a:fld id="{5911C0E6-D9CE-431C-92CB-BB39B872F930}" type="slidenum">
               <a:rPr lang="en-US" smtClean="0"/>
-              <a:t>5</a:t>
+              <a:t>6</a:t>
             </a:fld>
             <a:endParaRPr lang="en-US"/>
           </a:p>
@@ -11239,7 +12580,7 @@
 </p:sld>
 </file>
 
-<file path=ppt/slides/slide6.xml><?xml version="1.0" encoding="utf-8"?>
+<file path=ppt/slides/slide7.xml><?xml version="1.0" encoding="utf-8"?>
 <p:sld xmlns:a="http://schemas.openxmlformats.org/drawingml/2006/main" xmlns:r="http://schemas.openxmlformats.org/officeDocument/2006/relationships" xmlns:p="http://schemas.openxmlformats.org/presentationml/2006/main" show="0">
   <p:cSld>
     <p:spTree>
@@ -11277,7 +12618,7 @@
           <a:bodyPr/>
           <a:lstStyle/>
           <a:p>
-            <a:endParaRPr lang="en-US"/>
+            <a:endParaRPr lang="en-US" dirty="0"/>
           </a:p>
         </p:txBody>
       </p:sp>
@@ -11304,7 +12645,7 @@
           <a:p>
             <a:fld id="{5911C0E6-D9CE-431C-92CB-BB39B872F930}" type="slidenum">
               <a:rPr lang="en-US" smtClean="0"/>
-              <a:t>6</a:t>
+              <a:t>7</a:t>
             </a:fld>
             <a:endParaRPr lang="en-US"/>
           </a:p>
@@ -11729,7 +13070,7 @@
 </p:sld>
 </file>
 
-<file path=ppt/slides/slide7.xml><?xml version="1.0" encoding="utf-8"?>
+<file path=ppt/slides/slide8.xml><?xml version="1.0" encoding="utf-8"?>
 <p:sld xmlns:a="http://schemas.openxmlformats.org/drawingml/2006/main" xmlns:r="http://schemas.openxmlformats.org/officeDocument/2006/relationships" xmlns:p="http://schemas.openxmlformats.org/presentationml/2006/main">
   <p:cSld>
     <p:spTree>
@@ -11923,7 +13264,7 @@
           <a:p>
             <a:fld id="{5911C0E6-D9CE-431C-92CB-BB39B872F930}" type="slidenum">
               <a:rPr lang="en-US" smtClean="0"/>
-              <a:t>7</a:t>
+              <a:t>8</a:t>
             </a:fld>
             <a:endParaRPr lang="en-US"/>
           </a:p>
@@ -11942,7 +13283,7 @@
 </p:sld>
 </file>
 
-<file path=ppt/slides/slide8.xml><?xml version="1.0" encoding="utf-8"?>
+<file path=ppt/slides/slide9.xml><?xml version="1.0" encoding="utf-8"?>
 <p:sld xmlns:a="http://schemas.openxmlformats.org/drawingml/2006/main" xmlns:r="http://schemas.openxmlformats.org/officeDocument/2006/relationships" xmlns:p="http://schemas.openxmlformats.org/presentationml/2006/main">
   <p:cSld>
     <p:spTree>
@@ -12017,7 +13358,7 @@
           <a:p>
             <a:fld id="{5911C0E6-D9CE-431C-92CB-BB39B872F930}" type="slidenum">
               <a:rPr lang="en-US" smtClean="0"/>
-              <a:t>8</a:t>
+              <a:t>9</a:t>
             </a:fld>
             <a:endParaRPr lang="en-US"/>
           </a:p>
@@ -16146,1287 +17487,6 @@
 </p:sld>
 </file>
 
-<file path=ppt/slides/slide9.xml><?xml version="1.0" encoding="utf-8"?>
-<p:sld xmlns:a="http://schemas.openxmlformats.org/drawingml/2006/main" xmlns:r="http://schemas.openxmlformats.org/officeDocument/2006/relationships" xmlns:p="http://schemas.openxmlformats.org/presentationml/2006/main">
-  <p:cSld>
-    <p:spTree>
-      <p:nvGrpSpPr>
-        <p:cNvPr id="1" name=""/>
-        <p:cNvGrpSpPr/>
-        <p:nvPr/>
-      </p:nvGrpSpPr>
-      <p:grpSpPr>
-        <a:xfrm>
-          <a:off x="0" y="0"/>
-          <a:ext cx="0" cy="0"/>
-          <a:chOff x="0" y="0"/>
-          <a:chExt cx="0" cy="0"/>
-        </a:xfrm>
-      </p:grpSpPr>
-      <p:sp>
-        <p:nvSpPr>
-          <p:cNvPr id="2" name="Title 1">
-            <a:extLst>
-              <a:ext uri="{FF2B5EF4-FFF2-40B4-BE49-F238E27FC236}">
-                <a16:creationId xmlns:a16="http://schemas.microsoft.com/office/drawing/2014/main" id="{4CAE0289-A243-1B0D-5664-15AF6AFC5221}"/>
-              </a:ext>
-            </a:extLst>
-          </p:cNvPr>
-          <p:cNvSpPr>
-            <a:spLocks noGrp="1"/>
-          </p:cNvSpPr>
-          <p:nvPr>
-            <p:ph type="title"/>
-          </p:nvPr>
-        </p:nvSpPr>
-        <p:spPr>
-          <a:xfrm>
-            <a:off x="0" y="144617"/>
-            <a:ext cx="12192000" cy="800128"/>
-          </a:xfrm>
-        </p:spPr>
-        <p:txBody>
-          <a:bodyPr>
-            <a:noAutofit/>
-          </a:bodyPr>
-          <a:lstStyle/>
-          <a:p>
-            <a:r>
-              <a:rPr lang="en-US" sz="3200" dirty="0"/>
-              <a:t>Self-consistent field equations provide microscopic details</a:t>
-            </a:r>
-          </a:p>
-        </p:txBody>
-      </p:sp>
-      <p:sp>
-        <p:nvSpPr>
-          <p:cNvPr id="4" name="Slide Number Placeholder 3">
-            <a:extLst>
-              <a:ext uri="{FF2B5EF4-FFF2-40B4-BE49-F238E27FC236}">
-                <a16:creationId xmlns:a16="http://schemas.microsoft.com/office/drawing/2014/main" id="{5F808555-E784-80D6-BC35-3FC52173F5A1}"/>
-              </a:ext>
-            </a:extLst>
-          </p:cNvPr>
-          <p:cNvSpPr>
-            <a:spLocks noGrp="1"/>
-          </p:cNvSpPr>
-          <p:nvPr>
-            <p:ph type="sldNum" sz="quarter" idx="12"/>
-          </p:nvPr>
-        </p:nvSpPr>
-        <p:spPr/>
-        <p:txBody>
-          <a:bodyPr/>
-          <a:lstStyle/>
-          <a:p>
-            <a:fld id="{5911C0E6-D9CE-431C-92CB-BB39B872F930}" type="slidenum">
-              <a:rPr lang="en-US" smtClean="0"/>
-              <a:t>9</a:t>
-            </a:fld>
-            <a:endParaRPr lang="en-US"/>
-          </a:p>
-        </p:txBody>
-      </p:sp>
-      <p:grpSp>
-        <p:nvGrpSpPr>
-          <p:cNvPr id="118" name="Group 117">
-            <a:extLst>
-              <a:ext uri="{FF2B5EF4-FFF2-40B4-BE49-F238E27FC236}">
-                <a16:creationId xmlns:a16="http://schemas.microsoft.com/office/drawing/2014/main" id="{F8654D56-52FF-BE88-F25E-F6B915F1CC5C}"/>
-              </a:ext>
-            </a:extLst>
-          </p:cNvPr>
-          <p:cNvGrpSpPr/>
-          <p:nvPr/>
-        </p:nvGrpSpPr>
-        <p:grpSpPr>
-          <a:xfrm>
-            <a:off x="4649710" y="3115524"/>
-            <a:ext cx="3012118" cy="1577382"/>
-            <a:chOff x="4682287" y="3034583"/>
-            <a:chExt cx="3012118" cy="1577382"/>
-          </a:xfrm>
-        </p:grpSpPr>
-        <p:sp>
-          <p:nvSpPr>
-            <p:cNvPr id="24" name="Arrow: Right 23">
-              <a:extLst>
-                <a:ext uri="{FF2B5EF4-FFF2-40B4-BE49-F238E27FC236}">
-                  <a16:creationId xmlns:a16="http://schemas.microsoft.com/office/drawing/2014/main" id="{10F8A42F-0D39-3EB4-4FE2-38B84E622DAF}"/>
-                </a:ext>
-              </a:extLst>
-            </p:cNvPr>
-            <p:cNvSpPr/>
-            <p:nvPr/>
-          </p:nvSpPr>
-          <p:spPr>
-            <a:xfrm>
-              <a:off x="5425160" y="3034583"/>
-              <a:ext cx="1695773" cy="535919"/>
-            </a:xfrm>
-            <a:prstGeom prst="rightArrow">
-              <a:avLst>
-                <a:gd name="adj1" fmla="val 42333"/>
-                <a:gd name="adj2" fmla="val 56389"/>
-              </a:avLst>
-            </a:prstGeom>
-            <a:solidFill>
-              <a:schemeClr val="bg1"/>
-            </a:solidFill>
-            <a:ln w="28575">
-              <a:solidFill>
-                <a:schemeClr val="tx1"/>
-              </a:solidFill>
-            </a:ln>
-          </p:spPr>
-          <p:style>
-            <a:lnRef idx="2">
-              <a:schemeClr val="accent1">
-                <a:shade val="15000"/>
-              </a:schemeClr>
-            </a:lnRef>
-            <a:fillRef idx="1">
-              <a:schemeClr val="accent1"/>
-            </a:fillRef>
-            <a:effectRef idx="0">
-              <a:schemeClr val="accent1"/>
-            </a:effectRef>
-            <a:fontRef idx="minor">
-              <a:schemeClr val="lt1"/>
-            </a:fontRef>
-          </p:style>
-          <p:txBody>
-            <a:bodyPr rtlCol="0" anchor="ctr"/>
-            <a:lstStyle/>
-            <a:p>
-              <a:pPr algn="ctr"/>
-              <a:endParaRPr lang="en-US"/>
-            </a:p>
-          </p:txBody>
-        </p:sp>
-        <p:sp>
-          <p:nvSpPr>
-            <p:cNvPr id="28" name="TextBox 27">
-              <a:extLst>
-                <a:ext uri="{FF2B5EF4-FFF2-40B4-BE49-F238E27FC236}">
-                  <a16:creationId xmlns:a16="http://schemas.microsoft.com/office/drawing/2014/main" id="{3A4420C9-A5FD-8E60-E1E2-67038298D1CD}"/>
-                </a:ext>
-              </a:extLst>
-            </p:cNvPr>
-            <p:cNvSpPr txBox="1"/>
-            <p:nvPr/>
-          </p:nvSpPr>
-          <p:spPr>
-            <a:xfrm>
-              <a:off x="4682287" y="3657858"/>
-              <a:ext cx="3012118" cy="954107"/>
-            </a:xfrm>
-            <a:prstGeom prst="rect">
-              <a:avLst/>
-            </a:prstGeom>
-            <a:noFill/>
-          </p:spPr>
-          <p:txBody>
-            <a:bodyPr wrap="square" rtlCol="0">
-              <a:spAutoFit/>
-            </a:bodyPr>
-            <a:lstStyle/>
-            <a:p>
-              <a:pPr algn="ctr"/>
-              <a:r>
-                <a:rPr lang="en-US" sz="1400" dirty="0">
-                  <a:latin typeface="Lucida grande" panose="020B0502040204020203"/>
-                </a:rPr>
-                <a:t>Particle-to-field and </a:t>
-              </a:r>
-              <a:br>
-                <a:rPr lang="en-US" sz="1400" dirty="0">
-                  <a:latin typeface="Lucida grande" panose="020B0502040204020203"/>
-                </a:rPr>
-              </a:br>
-              <a:r>
-                <a:rPr lang="en-US" sz="1400" dirty="0">
-                  <a:latin typeface="Lucida grande" panose="020B0502040204020203"/>
-                </a:rPr>
-                <a:t>Hubbard—</a:t>
-              </a:r>
-              <a:r>
-                <a:rPr lang="en-US" sz="1400" dirty="0" err="1">
-                  <a:latin typeface="Lucida grande" panose="020B0502040204020203"/>
-                </a:rPr>
-                <a:t>Stratonovich</a:t>
-              </a:r>
-              <a:r>
-                <a:rPr lang="en-US" sz="1400" dirty="0">
-                  <a:latin typeface="Lucida grande" panose="020B0502040204020203"/>
-                </a:rPr>
-                <a:t> transforms, </a:t>
-              </a:r>
-              <a:br>
-                <a:rPr lang="en-US" sz="1400" dirty="0">
-                  <a:latin typeface="Lucida grande" panose="020B0502040204020203"/>
-                </a:rPr>
-              </a:br>
-              <a:r>
-                <a:rPr lang="en-US" sz="1400" dirty="0">
-                  <a:latin typeface="Lucida grande" panose="020B0502040204020203"/>
-                </a:rPr>
-                <a:t>saddle-point approximation, </a:t>
-              </a:r>
-              <a:br>
-                <a:rPr lang="en-US" sz="1400" dirty="0">
-                  <a:latin typeface="Lucida grande" panose="020B0502040204020203"/>
-                </a:rPr>
-              </a:br>
-              <a:r>
-                <a:rPr lang="en-US" sz="1400" dirty="0">
-                  <a:latin typeface="Lucida grande" panose="020B0502040204020203"/>
-                </a:rPr>
-                <a:t>functional minimization</a:t>
-              </a:r>
-            </a:p>
-          </p:txBody>
-        </p:sp>
-      </p:grpSp>
-      <p:grpSp>
-        <p:nvGrpSpPr>
-          <p:cNvPr id="116" name="Group 115">
-            <a:extLst>
-              <a:ext uri="{FF2B5EF4-FFF2-40B4-BE49-F238E27FC236}">
-                <a16:creationId xmlns:a16="http://schemas.microsoft.com/office/drawing/2014/main" id="{13125C44-F59F-2417-4467-825E042E3EB6}"/>
-              </a:ext>
-            </a:extLst>
-          </p:cNvPr>
-          <p:cNvGrpSpPr/>
-          <p:nvPr/>
-        </p:nvGrpSpPr>
-        <p:grpSpPr>
-          <a:xfrm>
-            <a:off x="545705" y="1278430"/>
-            <a:ext cx="3908437" cy="2347434"/>
-            <a:chOff x="601614" y="1383067"/>
-            <a:chExt cx="3908437" cy="2347434"/>
-          </a:xfrm>
-        </p:grpSpPr>
-        <p:grpSp>
-          <p:nvGrpSpPr>
-            <p:cNvPr id="17" name="Group 16">
-              <a:extLst>
-                <a:ext uri="{FF2B5EF4-FFF2-40B4-BE49-F238E27FC236}">
-                  <a16:creationId xmlns:a16="http://schemas.microsoft.com/office/drawing/2014/main" id="{5BAC1884-20F0-41F6-C54D-C7A5C4144092}"/>
-                </a:ext>
-              </a:extLst>
-            </p:cNvPr>
-            <p:cNvGrpSpPr/>
-            <p:nvPr/>
-          </p:nvGrpSpPr>
-          <p:grpSpPr>
-            <a:xfrm>
-              <a:off x="791509" y="1811995"/>
-              <a:ext cx="3477686" cy="1848294"/>
-              <a:chOff x="2155884" y="1185546"/>
-              <a:chExt cx="3766680" cy="2001886"/>
-            </a:xfrm>
-          </p:grpSpPr>
-          <p:pic>
-            <p:nvPicPr>
-              <p:cNvPr id="6" name="Picture 5">
-                <a:extLst>
-                  <a:ext uri="{FF2B5EF4-FFF2-40B4-BE49-F238E27FC236}">
-                    <a16:creationId xmlns:a16="http://schemas.microsoft.com/office/drawing/2014/main" id="{C652C02E-1971-B687-04D6-BB7908909329}"/>
-                  </a:ext>
-                </a:extLst>
-              </p:cNvPr>
-              <p:cNvPicPr>
-                <a:picLocks noChangeAspect="1"/>
-              </p:cNvPicPr>
-              <p:nvPr/>
-            </p:nvPicPr>
-            <p:blipFill rotWithShape="1">
-              <a:blip r:embed="rId2"/>
-              <a:srcRect b="57912"/>
-              <a:stretch/>
-            </p:blipFill>
-            <p:spPr>
-              <a:xfrm>
-                <a:off x="2157013" y="1185546"/>
-                <a:ext cx="3765551" cy="820875"/>
-              </a:xfrm>
-              <a:prstGeom prst="rect">
-                <a:avLst/>
-              </a:prstGeom>
-            </p:spPr>
-          </p:pic>
-          <p:pic>
-            <p:nvPicPr>
-              <p:cNvPr id="72" name="Picture 71">
-                <a:extLst>
-                  <a:ext uri="{FF2B5EF4-FFF2-40B4-BE49-F238E27FC236}">
-                    <a16:creationId xmlns:a16="http://schemas.microsoft.com/office/drawing/2014/main" id="{DB2AAAD2-202D-15A0-1B2E-8FEC131BF5B6}"/>
-                  </a:ext>
-                </a:extLst>
-              </p:cNvPr>
-              <p:cNvPicPr>
-                <a:picLocks noChangeAspect="1"/>
-              </p:cNvPicPr>
-              <p:nvPr/>
-            </p:nvPicPr>
-            <p:blipFill rotWithShape="1">
-              <a:blip r:embed="rId2"/>
-              <a:srcRect t="42897" b="30629"/>
-              <a:stretch/>
-            </p:blipFill>
-            <p:spPr>
-              <a:xfrm>
-                <a:off x="2155885" y="2021753"/>
-                <a:ext cx="3765551" cy="516356"/>
-              </a:xfrm>
-              <a:prstGeom prst="rect">
-                <a:avLst/>
-              </a:prstGeom>
-            </p:spPr>
-          </p:pic>
-          <p:pic>
-            <p:nvPicPr>
-              <p:cNvPr id="73" name="Picture 72">
-                <a:extLst>
-                  <a:ext uri="{FF2B5EF4-FFF2-40B4-BE49-F238E27FC236}">
-                    <a16:creationId xmlns:a16="http://schemas.microsoft.com/office/drawing/2014/main" id="{7F1BF7AF-C039-2925-B6C2-F3D045C6AAC5}"/>
-                  </a:ext>
-                </a:extLst>
-              </p:cNvPr>
-              <p:cNvPicPr>
-                <a:picLocks noChangeAspect="1"/>
-              </p:cNvPicPr>
-              <p:nvPr/>
-            </p:nvPicPr>
-            <p:blipFill rotWithShape="1">
-              <a:blip r:embed="rId2"/>
-              <a:srcRect t="70018"/>
-              <a:stretch/>
-            </p:blipFill>
-            <p:spPr>
-              <a:xfrm>
-                <a:off x="2155884" y="2602657"/>
-                <a:ext cx="3765551" cy="584775"/>
-              </a:xfrm>
-              <a:prstGeom prst="rect">
-                <a:avLst/>
-              </a:prstGeom>
-            </p:spPr>
-          </p:pic>
-        </p:grpSp>
-        <p:sp>
-          <p:nvSpPr>
-            <p:cNvPr id="40" name="TextBox 39">
-              <a:extLst>
-                <a:ext uri="{FF2B5EF4-FFF2-40B4-BE49-F238E27FC236}">
-                  <a16:creationId xmlns:a16="http://schemas.microsoft.com/office/drawing/2014/main" id="{489DC94C-D93F-D5A3-4A55-EC74045D794C}"/>
-                </a:ext>
-              </a:extLst>
-            </p:cNvPr>
-            <p:cNvSpPr txBox="1"/>
-            <p:nvPr/>
-          </p:nvSpPr>
-          <p:spPr>
-            <a:xfrm>
-              <a:off x="1583747" y="1383067"/>
-              <a:ext cx="1744134" cy="369332"/>
-            </a:xfrm>
-            <a:prstGeom prst="rect">
-              <a:avLst/>
-            </a:prstGeom>
-            <a:noFill/>
-          </p:spPr>
-          <p:txBody>
-            <a:bodyPr wrap="square" rtlCol="0">
-              <a:spAutoFit/>
-            </a:bodyPr>
-            <a:lstStyle/>
-            <a:p>
-              <a:pPr algn="ctr"/>
-              <a:r>
-                <a:rPr lang="en-US" sz="1800" dirty="0">
-                  <a:latin typeface="Lucida grande" panose="020B0502040204020203"/>
-                </a:rPr>
-                <a:t>Interactions</a:t>
-              </a:r>
-            </a:p>
-          </p:txBody>
-        </p:sp>
-        <p:sp>
-          <p:nvSpPr>
-            <p:cNvPr id="41" name="Rectangle 40">
-              <a:extLst>
-                <a:ext uri="{FF2B5EF4-FFF2-40B4-BE49-F238E27FC236}">
-                  <a16:creationId xmlns:a16="http://schemas.microsoft.com/office/drawing/2014/main" id="{7F4B0974-D92A-287B-AF79-40F151BCF448}"/>
-                </a:ext>
-              </a:extLst>
-            </p:cNvPr>
-            <p:cNvSpPr/>
-            <p:nvPr/>
-          </p:nvSpPr>
-          <p:spPr>
-            <a:xfrm>
-              <a:off x="601614" y="1811995"/>
-              <a:ext cx="3908437" cy="1918506"/>
-            </a:xfrm>
-            <a:prstGeom prst="rect">
-              <a:avLst/>
-            </a:prstGeom>
-            <a:noFill/>
-            <a:ln>
-              <a:solidFill>
-                <a:schemeClr val="tx1"/>
-              </a:solidFill>
-            </a:ln>
-          </p:spPr>
-          <p:style>
-            <a:lnRef idx="2">
-              <a:schemeClr val="accent1">
-                <a:shade val="15000"/>
-              </a:schemeClr>
-            </a:lnRef>
-            <a:fillRef idx="1">
-              <a:schemeClr val="accent1"/>
-            </a:fillRef>
-            <a:effectRef idx="0">
-              <a:schemeClr val="accent1"/>
-            </a:effectRef>
-            <a:fontRef idx="minor">
-              <a:schemeClr val="lt1"/>
-            </a:fontRef>
-          </p:style>
-          <p:txBody>
-            <a:bodyPr rtlCol="0" anchor="ctr"/>
-            <a:lstStyle/>
-            <a:p>
-              <a:pPr algn="ctr"/>
-              <a:endParaRPr lang="en-US"/>
-            </a:p>
-          </p:txBody>
-        </p:sp>
-      </p:grpSp>
-      <p:grpSp>
-        <p:nvGrpSpPr>
-          <p:cNvPr id="119" name="Group 118">
-            <a:extLst>
-              <a:ext uri="{FF2B5EF4-FFF2-40B4-BE49-F238E27FC236}">
-                <a16:creationId xmlns:a16="http://schemas.microsoft.com/office/drawing/2014/main" id="{BCC216B0-5630-32F1-36C8-C2D63A7F7592}"/>
-              </a:ext>
-            </a:extLst>
-          </p:cNvPr>
-          <p:cNvGrpSpPr/>
-          <p:nvPr/>
-        </p:nvGrpSpPr>
-        <p:grpSpPr>
-          <a:xfrm>
-            <a:off x="7433750" y="1159180"/>
-            <a:ext cx="4548569" cy="4320007"/>
-            <a:chOff x="7530252" y="1097773"/>
-            <a:chExt cx="4548569" cy="4320007"/>
-          </a:xfrm>
-        </p:grpSpPr>
-        <p:pic>
-          <p:nvPicPr>
-            <p:cNvPr id="115" name="Picture 114">
-              <a:extLst>
-                <a:ext uri="{FF2B5EF4-FFF2-40B4-BE49-F238E27FC236}">
-                  <a16:creationId xmlns:a16="http://schemas.microsoft.com/office/drawing/2014/main" id="{B1EF67B0-DD8B-D966-28D2-FB3B7B490E12}"/>
-                </a:ext>
-              </a:extLst>
-            </p:cNvPr>
-            <p:cNvPicPr>
-              <a:picLocks noChangeAspect="1"/>
-            </p:cNvPicPr>
-            <p:nvPr/>
-          </p:nvPicPr>
-          <p:blipFill>
-            <a:blip r:embed="rId3"/>
-            <a:stretch>
-              <a:fillRect/>
-            </a:stretch>
-          </p:blipFill>
-          <p:spPr>
-            <a:xfrm>
-              <a:off x="8889998" y="4736482"/>
-              <a:ext cx="2328083" cy="204393"/>
-            </a:xfrm>
-            <a:prstGeom prst="rect">
-              <a:avLst/>
-            </a:prstGeom>
-          </p:spPr>
-        </p:pic>
-        <p:sp>
-          <p:nvSpPr>
-            <p:cNvPr id="102" name="TextBox 101">
-              <a:extLst>
-                <a:ext uri="{FF2B5EF4-FFF2-40B4-BE49-F238E27FC236}">
-                  <a16:creationId xmlns:a16="http://schemas.microsoft.com/office/drawing/2014/main" id="{5364BA0D-974B-771B-75A9-61C267866345}"/>
-                </a:ext>
-              </a:extLst>
-            </p:cNvPr>
-            <p:cNvSpPr txBox="1"/>
-            <p:nvPr/>
-          </p:nvSpPr>
-          <p:spPr>
-            <a:xfrm>
-              <a:off x="8270770" y="1097773"/>
-              <a:ext cx="3395134" cy="369332"/>
-            </a:xfrm>
-            <a:prstGeom prst="rect">
-              <a:avLst/>
-            </a:prstGeom>
-            <a:noFill/>
-          </p:spPr>
-          <p:txBody>
-            <a:bodyPr wrap="square" rtlCol="0">
-              <a:spAutoFit/>
-            </a:bodyPr>
-            <a:lstStyle/>
-            <a:p>
-              <a:pPr algn="ctr"/>
-              <a:r>
-                <a:rPr lang="en-US" sz="1800" dirty="0">
-                  <a:latin typeface="Lucida grande" panose="020B0502040204020203"/>
-                </a:rPr>
-                <a:t>Self-consistent Field Equations</a:t>
-              </a:r>
-            </a:p>
-          </p:txBody>
-        </p:sp>
-        <p:sp>
-          <p:nvSpPr>
-            <p:cNvPr id="104" name="Left Brace 103">
-              <a:extLst>
-                <a:ext uri="{FF2B5EF4-FFF2-40B4-BE49-F238E27FC236}">
-                  <a16:creationId xmlns:a16="http://schemas.microsoft.com/office/drawing/2014/main" id="{8DE8F2B0-1D31-22A8-60EC-20A130D782F7}"/>
-                </a:ext>
-              </a:extLst>
-            </p:cNvPr>
-            <p:cNvSpPr/>
-            <p:nvPr/>
-          </p:nvSpPr>
-          <p:spPr>
-            <a:xfrm>
-              <a:off x="7530252" y="1699660"/>
-              <a:ext cx="252301" cy="2225574"/>
-            </a:xfrm>
-            <a:prstGeom prst="leftBrace">
-              <a:avLst>
-                <a:gd name="adj1" fmla="val 48913"/>
-                <a:gd name="adj2" fmla="val 51429"/>
-              </a:avLst>
-            </a:prstGeom>
-            <a:ln w="19050">
-              <a:solidFill>
-                <a:schemeClr val="tx1"/>
-              </a:solidFill>
-            </a:ln>
-          </p:spPr>
-          <p:style>
-            <a:lnRef idx="1">
-              <a:schemeClr val="accent1"/>
-            </a:lnRef>
-            <a:fillRef idx="0">
-              <a:schemeClr val="accent1"/>
-            </a:fillRef>
-            <a:effectRef idx="0">
-              <a:schemeClr val="accent1"/>
-            </a:effectRef>
-            <a:fontRef idx="minor">
-              <a:schemeClr val="tx1"/>
-            </a:fontRef>
-          </p:style>
-          <p:txBody>
-            <a:bodyPr rtlCol="0" anchor="ctr"/>
-            <a:lstStyle/>
-            <a:p>
-              <a:pPr algn="ctr"/>
-              <a:endParaRPr lang="en-US"/>
-            </a:p>
-          </p:txBody>
-        </p:sp>
-        <p:grpSp>
-          <p:nvGrpSpPr>
-            <p:cNvPr id="39" name="Group 38">
-              <a:extLst>
-                <a:ext uri="{FF2B5EF4-FFF2-40B4-BE49-F238E27FC236}">
-                  <a16:creationId xmlns:a16="http://schemas.microsoft.com/office/drawing/2014/main" id="{D621D38F-E2BB-17F6-0B35-926082963831}"/>
-                </a:ext>
-              </a:extLst>
-            </p:cNvPr>
-            <p:cNvGrpSpPr/>
-            <p:nvPr/>
-          </p:nvGrpSpPr>
-          <p:grpSpPr>
-            <a:xfrm>
-              <a:off x="7857852" y="1620133"/>
-              <a:ext cx="4220969" cy="2961018"/>
-              <a:chOff x="7397284" y="1863551"/>
-              <a:chExt cx="4220969" cy="2961018"/>
-            </a:xfrm>
-          </p:grpSpPr>
-          <p:pic>
-            <p:nvPicPr>
-              <p:cNvPr id="16" name="Picture 15">
-                <a:extLst>
-                  <a:ext uri="{FF2B5EF4-FFF2-40B4-BE49-F238E27FC236}">
-                    <a16:creationId xmlns:a16="http://schemas.microsoft.com/office/drawing/2014/main" id="{B322AFE0-87B1-0B86-A0F3-693904DA7FD3}"/>
-                  </a:ext>
-                </a:extLst>
-              </p:cNvPr>
-              <p:cNvPicPr>
-                <a:picLocks noChangeAspect="1"/>
-              </p:cNvPicPr>
-              <p:nvPr/>
-            </p:nvPicPr>
-            <p:blipFill>
-              <a:blip r:embed="rId4"/>
-              <a:stretch>
-                <a:fillRect/>
-              </a:stretch>
-            </p:blipFill>
-            <p:spPr>
-              <a:xfrm>
-                <a:off x="7397284" y="1863551"/>
-                <a:ext cx="4220969" cy="2529231"/>
-              </a:xfrm>
-              <a:prstGeom prst="rect">
-                <a:avLst/>
-              </a:prstGeom>
-            </p:spPr>
-          </p:pic>
-          <p:pic>
-            <p:nvPicPr>
-              <p:cNvPr id="38" name="Picture 37">
-                <a:extLst>
-                  <a:ext uri="{FF2B5EF4-FFF2-40B4-BE49-F238E27FC236}">
-                    <a16:creationId xmlns:a16="http://schemas.microsoft.com/office/drawing/2014/main" id="{1B69F82F-516D-5A81-7029-1D921A67F9EE}"/>
-                  </a:ext>
-                </a:extLst>
-              </p:cNvPr>
-              <p:cNvPicPr>
-                <a:picLocks noChangeAspect="1"/>
-              </p:cNvPicPr>
-              <p:nvPr/>
-            </p:nvPicPr>
-            <p:blipFill>
-              <a:blip r:embed="rId5"/>
-              <a:stretch>
-                <a:fillRect/>
-              </a:stretch>
-            </p:blipFill>
-            <p:spPr>
-              <a:xfrm>
-                <a:off x="8085666" y="4276390"/>
-                <a:ext cx="3200400" cy="548179"/>
-              </a:xfrm>
-              <a:prstGeom prst="rect">
-                <a:avLst/>
-              </a:prstGeom>
-            </p:spPr>
-          </p:pic>
-        </p:grpSp>
-        <p:pic>
-          <p:nvPicPr>
-            <p:cNvPr id="108" name="Picture 107">
-              <a:extLst>
-                <a:ext uri="{FF2B5EF4-FFF2-40B4-BE49-F238E27FC236}">
-                  <a16:creationId xmlns:a16="http://schemas.microsoft.com/office/drawing/2014/main" id="{4FF7AD0C-8D8B-8C9D-99CA-8CC07BACD72A}"/>
-                </a:ext>
-              </a:extLst>
-            </p:cNvPr>
-            <p:cNvPicPr>
-              <a:picLocks noChangeAspect="1"/>
-            </p:cNvPicPr>
-            <p:nvPr/>
-          </p:nvPicPr>
-          <p:blipFill>
-            <a:blip r:embed="rId6"/>
-            <a:stretch>
-              <a:fillRect/>
-            </a:stretch>
-          </p:blipFill>
-          <p:spPr>
-            <a:xfrm>
-              <a:off x="9153063" y="5114724"/>
-              <a:ext cx="1801954" cy="303056"/>
-            </a:xfrm>
-            <a:prstGeom prst="rect">
-              <a:avLst/>
-            </a:prstGeom>
-          </p:spPr>
-        </p:pic>
-      </p:grpSp>
-      <p:grpSp>
-        <p:nvGrpSpPr>
-          <p:cNvPr id="120" name="Group 119">
-            <a:extLst>
-              <a:ext uri="{FF2B5EF4-FFF2-40B4-BE49-F238E27FC236}">
-                <a16:creationId xmlns:a16="http://schemas.microsoft.com/office/drawing/2014/main" id="{3245243F-420C-5606-6F38-05C19C18058B}"/>
-              </a:ext>
-            </a:extLst>
-          </p:cNvPr>
-          <p:cNvGrpSpPr/>
-          <p:nvPr/>
-        </p:nvGrpSpPr>
-        <p:grpSpPr>
-          <a:xfrm>
-            <a:off x="7861704" y="2600891"/>
-            <a:ext cx="4290065" cy="3707188"/>
-            <a:chOff x="7963879" y="2563755"/>
-            <a:chExt cx="4290065" cy="3707188"/>
-          </a:xfrm>
-        </p:grpSpPr>
-        <p:sp>
-          <p:nvSpPr>
-            <p:cNvPr id="110" name="TextBox 109">
-              <a:extLst>
-                <a:ext uri="{FF2B5EF4-FFF2-40B4-BE49-F238E27FC236}">
-                  <a16:creationId xmlns:a16="http://schemas.microsoft.com/office/drawing/2014/main" id="{0AB49707-9BF7-23AD-2272-730D1A284F3D}"/>
-                </a:ext>
-              </a:extLst>
-            </p:cNvPr>
-            <p:cNvSpPr txBox="1"/>
-            <p:nvPr/>
-          </p:nvSpPr>
-          <p:spPr>
-            <a:xfrm>
-              <a:off x="7963879" y="5686168"/>
-              <a:ext cx="4290065" cy="584775"/>
-            </a:xfrm>
-            <a:prstGeom prst="rect">
-              <a:avLst/>
-            </a:prstGeom>
-            <a:noFill/>
-          </p:spPr>
-          <p:txBody>
-            <a:bodyPr wrap="square" rtlCol="0">
-              <a:spAutoFit/>
-            </a:bodyPr>
-            <a:lstStyle/>
-            <a:p>
-              <a:pPr algn="ctr"/>
-              <a:r>
-                <a:rPr lang="en-US" sz="1600" dirty="0">
-                  <a:solidFill>
-                    <a:schemeClr val="accent2"/>
-                  </a:solidFill>
-                  <a:latin typeface="Lucida grande" panose="020B0502040204020203"/>
-                </a:rPr>
-                <a:t>For PEMs, we are most interested in polymer, sidechain, and proton distributions</a:t>
-              </a:r>
-            </a:p>
-          </p:txBody>
-        </p:sp>
-        <p:sp>
-          <p:nvSpPr>
-            <p:cNvPr id="112" name="Rectangle 111">
-              <a:extLst>
-                <a:ext uri="{FF2B5EF4-FFF2-40B4-BE49-F238E27FC236}">
-                  <a16:creationId xmlns:a16="http://schemas.microsoft.com/office/drawing/2014/main" id="{5D1D1910-2D7A-C5B4-AD55-F2A159F091B0}"/>
-                </a:ext>
-              </a:extLst>
-            </p:cNvPr>
-            <p:cNvSpPr/>
-            <p:nvPr/>
-          </p:nvSpPr>
-          <p:spPr>
-            <a:xfrm>
-              <a:off x="8788400" y="2563755"/>
-              <a:ext cx="2917889" cy="573888"/>
-            </a:xfrm>
-            <a:prstGeom prst="rect">
-              <a:avLst/>
-            </a:prstGeom>
-            <a:noFill/>
-            <a:ln w="19050">
-              <a:solidFill>
-                <a:schemeClr val="accent2"/>
-              </a:solidFill>
-            </a:ln>
-          </p:spPr>
-          <p:style>
-            <a:lnRef idx="2">
-              <a:schemeClr val="accent1">
-                <a:shade val="15000"/>
-              </a:schemeClr>
-            </a:lnRef>
-            <a:fillRef idx="1">
-              <a:schemeClr val="accent1"/>
-            </a:fillRef>
-            <a:effectRef idx="0">
-              <a:schemeClr val="accent1"/>
-            </a:effectRef>
-            <a:fontRef idx="minor">
-              <a:schemeClr val="lt1"/>
-            </a:fontRef>
-          </p:style>
-          <p:txBody>
-            <a:bodyPr rtlCol="0" anchor="ctr"/>
-            <a:lstStyle/>
-            <a:p>
-              <a:pPr algn="ctr"/>
-              <a:endParaRPr lang="en-US" dirty="0"/>
-            </a:p>
-          </p:txBody>
-        </p:sp>
-        <p:sp>
-          <p:nvSpPr>
-            <p:cNvPr id="113" name="Rectangle 112">
-              <a:extLst>
-                <a:ext uri="{FF2B5EF4-FFF2-40B4-BE49-F238E27FC236}">
-                  <a16:creationId xmlns:a16="http://schemas.microsoft.com/office/drawing/2014/main" id="{E3E8418C-0455-AE52-F3BC-38025FB419D3}"/>
-                </a:ext>
-              </a:extLst>
-            </p:cNvPr>
-            <p:cNvSpPr/>
-            <p:nvPr/>
-          </p:nvSpPr>
-          <p:spPr>
-            <a:xfrm>
-              <a:off x="8788400" y="4655770"/>
-              <a:ext cx="2524231" cy="365819"/>
-            </a:xfrm>
-            <a:prstGeom prst="rect">
-              <a:avLst/>
-            </a:prstGeom>
-            <a:noFill/>
-            <a:ln w="19050">
-              <a:solidFill>
-                <a:schemeClr val="accent2"/>
-              </a:solidFill>
-            </a:ln>
-          </p:spPr>
-          <p:style>
-            <a:lnRef idx="2">
-              <a:schemeClr val="accent1">
-                <a:shade val="15000"/>
-              </a:schemeClr>
-            </a:lnRef>
-            <a:fillRef idx="1">
-              <a:schemeClr val="accent1"/>
-            </a:fillRef>
-            <a:effectRef idx="0">
-              <a:schemeClr val="accent1"/>
-            </a:effectRef>
-            <a:fontRef idx="minor">
-              <a:schemeClr val="lt1"/>
-            </a:fontRef>
-          </p:style>
-          <p:txBody>
-            <a:bodyPr rtlCol="0" anchor="ctr"/>
-            <a:lstStyle/>
-            <a:p>
-              <a:pPr algn="ctr"/>
-              <a:endParaRPr lang="en-US"/>
-            </a:p>
-          </p:txBody>
-        </p:sp>
-      </p:grpSp>
-      <p:grpSp>
-        <p:nvGrpSpPr>
-          <p:cNvPr id="125" name="Group 124">
-            <a:extLst>
-              <a:ext uri="{FF2B5EF4-FFF2-40B4-BE49-F238E27FC236}">
-                <a16:creationId xmlns:a16="http://schemas.microsoft.com/office/drawing/2014/main" id="{FFC3123D-37AE-DDFD-8321-FDDFB3E1E610}"/>
-              </a:ext>
-            </a:extLst>
-          </p:cNvPr>
-          <p:cNvGrpSpPr/>
-          <p:nvPr/>
-        </p:nvGrpSpPr>
-        <p:grpSpPr>
-          <a:xfrm>
-            <a:off x="162392" y="3959549"/>
-            <a:ext cx="4667987" cy="2579363"/>
-            <a:chOff x="162392" y="3959549"/>
-            <a:chExt cx="4667987" cy="2579363"/>
-          </a:xfrm>
-        </p:grpSpPr>
-        <p:sp>
-          <p:nvSpPr>
-            <p:cNvPr id="42" name="Rectangle 41">
-              <a:extLst>
-                <a:ext uri="{FF2B5EF4-FFF2-40B4-BE49-F238E27FC236}">
-                  <a16:creationId xmlns:a16="http://schemas.microsoft.com/office/drawing/2014/main" id="{32CB6102-EF3D-2A69-C707-AC1C5EA34DEF}"/>
-                </a:ext>
-              </a:extLst>
-            </p:cNvPr>
-            <p:cNvSpPr/>
-            <p:nvPr/>
-          </p:nvSpPr>
-          <p:spPr>
-            <a:xfrm>
-              <a:off x="162392" y="4329207"/>
-              <a:ext cx="4667987" cy="1549165"/>
-            </a:xfrm>
-            <a:prstGeom prst="rect">
-              <a:avLst/>
-            </a:prstGeom>
-            <a:noFill/>
-            <a:ln>
-              <a:solidFill>
-                <a:schemeClr val="tx1"/>
-              </a:solidFill>
-            </a:ln>
-          </p:spPr>
-          <p:style>
-            <a:lnRef idx="2">
-              <a:schemeClr val="accent1">
-                <a:shade val="15000"/>
-              </a:schemeClr>
-            </a:lnRef>
-            <a:fillRef idx="1">
-              <a:schemeClr val="accent1"/>
-            </a:fillRef>
-            <a:effectRef idx="0">
-              <a:schemeClr val="accent1"/>
-            </a:effectRef>
-            <a:fontRef idx="minor">
-              <a:schemeClr val="lt1"/>
-            </a:fontRef>
-          </p:style>
-          <p:txBody>
-            <a:bodyPr rtlCol="0" anchor="ctr"/>
-            <a:lstStyle/>
-            <a:p>
-              <a:pPr algn="ctr"/>
-              <a:endParaRPr lang="en-US"/>
-            </a:p>
-          </p:txBody>
-        </p:sp>
-        <p:sp>
-          <p:nvSpPr>
-            <p:cNvPr id="43" name="TextBox 42">
-              <a:extLst>
-                <a:ext uri="{FF2B5EF4-FFF2-40B4-BE49-F238E27FC236}">
-                  <a16:creationId xmlns:a16="http://schemas.microsoft.com/office/drawing/2014/main" id="{85C12394-8BB4-C751-4021-5D300AA08B04}"/>
-                </a:ext>
-              </a:extLst>
-            </p:cNvPr>
-            <p:cNvSpPr txBox="1"/>
-            <p:nvPr/>
-          </p:nvSpPr>
-          <p:spPr>
-            <a:xfrm>
-              <a:off x="1530337" y="3959549"/>
-              <a:ext cx="1744134" cy="369332"/>
-            </a:xfrm>
-            <a:prstGeom prst="rect">
-              <a:avLst/>
-            </a:prstGeom>
-            <a:noFill/>
-          </p:spPr>
-          <p:txBody>
-            <a:bodyPr wrap="square" rtlCol="0">
-              <a:spAutoFit/>
-            </a:bodyPr>
-            <a:lstStyle/>
-            <a:p>
-              <a:pPr algn="ctr"/>
-              <a:r>
-                <a:rPr lang="en-US" sz="1800" dirty="0">
-                  <a:latin typeface="Lucida grande" panose="020B0502040204020203"/>
-                </a:rPr>
-                <a:t>System</a:t>
-              </a:r>
-            </a:p>
-          </p:txBody>
-        </p:sp>
-        <p:sp>
-          <p:nvSpPr>
-            <p:cNvPr id="121" name="TextBox 120">
-              <a:extLst>
-                <a:ext uri="{FF2B5EF4-FFF2-40B4-BE49-F238E27FC236}">
-                  <a16:creationId xmlns:a16="http://schemas.microsoft.com/office/drawing/2014/main" id="{C75E1E47-B60E-3852-F2A2-B92053F2913C}"/>
-                </a:ext>
-              </a:extLst>
-            </p:cNvPr>
-            <p:cNvSpPr txBox="1"/>
-            <p:nvPr/>
-          </p:nvSpPr>
-          <p:spPr>
-            <a:xfrm>
-              <a:off x="538656" y="6015692"/>
-              <a:ext cx="3908437" cy="523220"/>
-            </a:xfrm>
-            <a:prstGeom prst="rect">
-              <a:avLst/>
-            </a:prstGeom>
-            <a:noFill/>
-          </p:spPr>
-          <p:txBody>
-            <a:bodyPr wrap="square" rtlCol="0">
-              <a:spAutoFit/>
-            </a:bodyPr>
-            <a:lstStyle/>
-            <a:p>
-              <a:pPr algn="ctr"/>
-              <a:r>
-                <a:rPr lang="en-US" sz="1400" dirty="0">
-                  <a:latin typeface="Lucida grande" panose="020B0502040204020203"/>
-                </a:rPr>
-                <a:t>(e.g., const. number of polymers, system connected to bulk solvent and salt solution)</a:t>
-              </a:r>
-            </a:p>
-          </p:txBody>
-        </p:sp>
-        <p:pic>
-          <p:nvPicPr>
-            <p:cNvPr id="124" name="Picture 123">
-              <a:extLst>
-                <a:ext uri="{FF2B5EF4-FFF2-40B4-BE49-F238E27FC236}">
-                  <a16:creationId xmlns:a16="http://schemas.microsoft.com/office/drawing/2014/main" id="{5E85A91E-3475-D9FE-5834-012248453034}"/>
-                </a:ext>
-              </a:extLst>
-            </p:cNvPr>
-            <p:cNvPicPr>
-              <a:picLocks noChangeAspect="1"/>
-            </p:cNvPicPr>
-            <p:nvPr/>
-          </p:nvPicPr>
-          <p:blipFill>
-            <a:blip r:embed="rId7"/>
-            <a:stretch>
-              <a:fillRect/>
-            </a:stretch>
-          </p:blipFill>
-          <p:spPr>
-            <a:xfrm>
-              <a:off x="292146" y="4460440"/>
-              <a:ext cx="4390074" cy="1261589"/>
-            </a:xfrm>
-            <a:prstGeom prst="rect">
-              <a:avLst/>
-            </a:prstGeom>
-          </p:spPr>
-        </p:pic>
-      </p:grpSp>
-    </p:spTree>
-    <p:extLst>
-      <p:ext uri="{BB962C8B-B14F-4D97-AF65-F5344CB8AC3E}">
-        <p14:creationId xmlns:p14="http://schemas.microsoft.com/office/powerpoint/2010/main" val="999340298"/>
-      </p:ext>
-    </p:extLst>
-  </p:cSld>
-  <p:clrMapOvr>
-    <a:masterClrMapping/>
-  </p:clrMapOvr>
-  <p:timing>
-    <p:tnLst>
-      <p:par>
-        <p:cTn id="1" dur="indefinite" restart="never" nodeType="tmRoot">
-          <p:childTnLst>
-            <p:seq concurrent="1" nextAc="seek">
-              <p:cTn id="2" dur="indefinite" nodeType="mainSeq">
-                <p:childTnLst>
-                  <p:par>
-                    <p:cTn id="3" fill="hold">
-                      <p:stCondLst>
-                        <p:cond delay="indefinite"/>
-                      </p:stCondLst>
-                      <p:childTnLst>
-                        <p:par>
-                          <p:cTn id="4" fill="hold">
-                            <p:stCondLst>
-                              <p:cond delay="0"/>
-                            </p:stCondLst>
-                            <p:childTnLst>
-                              <p:par>
-                                <p:cTn id="5" presetID="1" presetClass="entr" presetSubtype="0" fill="hold" nodeType="clickEffect">
-                                  <p:stCondLst>
-                                    <p:cond delay="0"/>
-                                  </p:stCondLst>
-                                  <p:childTnLst>
-                                    <p:set>
-                                      <p:cBhvr>
-                                        <p:cTn id="6" dur="1" fill="hold">
-                                          <p:stCondLst>
-                                            <p:cond delay="0"/>
-                                          </p:stCondLst>
-                                        </p:cTn>
-                                        <p:tgtEl>
-                                          <p:spTgt spid="125"/>
-                                        </p:tgtEl>
-                                        <p:attrNameLst>
-                                          <p:attrName>style.visibility</p:attrName>
-                                        </p:attrNameLst>
-                                      </p:cBhvr>
-                                      <p:to>
-                                        <p:strVal val="visible"/>
-                                      </p:to>
-                                    </p:set>
-                                  </p:childTnLst>
-                                </p:cTn>
-                              </p:par>
-                            </p:childTnLst>
-                          </p:cTn>
-                        </p:par>
-                      </p:childTnLst>
-                    </p:cTn>
-                  </p:par>
-                  <p:par>
-                    <p:cTn id="7" fill="hold">
-                      <p:stCondLst>
-                        <p:cond delay="indefinite"/>
-                      </p:stCondLst>
-                      <p:childTnLst>
-                        <p:par>
-                          <p:cTn id="8" fill="hold">
-                            <p:stCondLst>
-                              <p:cond delay="0"/>
-                            </p:stCondLst>
-                            <p:childTnLst>
-                              <p:par>
-                                <p:cTn id="9" presetID="1" presetClass="entr" presetSubtype="0" fill="hold" nodeType="clickEffect">
-                                  <p:stCondLst>
-                                    <p:cond delay="0"/>
-                                  </p:stCondLst>
-                                  <p:childTnLst>
-                                    <p:set>
-                                      <p:cBhvr>
-                                        <p:cTn id="10" dur="1" fill="hold">
-                                          <p:stCondLst>
-                                            <p:cond delay="0"/>
-                                          </p:stCondLst>
-                                        </p:cTn>
-                                        <p:tgtEl>
-                                          <p:spTgt spid="118"/>
-                                        </p:tgtEl>
-                                        <p:attrNameLst>
-                                          <p:attrName>style.visibility</p:attrName>
-                                        </p:attrNameLst>
-                                      </p:cBhvr>
-                                      <p:to>
-                                        <p:strVal val="visible"/>
-                                      </p:to>
-                                    </p:set>
-                                  </p:childTnLst>
-                                </p:cTn>
-                              </p:par>
-                            </p:childTnLst>
-                          </p:cTn>
-                        </p:par>
-                      </p:childTnLst>
-                    </p:cTn>
-                  </p:par>
-                  <p:par>
-                    <p:cTn id="11" fill="hold">
-                      <p:stCondLst>
-                        <p:cond delay="indefinite"/>
-                      </p:stCondLst>
-                      <p:childTnLst>
-                        <p:par>
-                          <p:cTn id="12" fill="hold">
-                            <p:stCondLst>
-                              <p:cond delay="0"/>
-                            </p:stCondLst>
-                            <p:childTnLst>
-                              <p:par>
-                                <p:cTn id="13" presetID="1" presetClass="entr" presetSubtype="0" fill="hold" nodeType="clickEffect">
-                                  <p:stCondLst>
-                                    <p:cond delay="0"/>
-                                  </p:stCondLst>
-                                  <p:childTnLst>
-                                    <p:set>
-                                      <p:cBhvr>
-                                        <p:cTn id="14" dur="1" fill="hold">
-                                          <p:stCondLst>
-                                            <p:cond delay="0"/>
-                                          </p:stCondLst>
-                                        </p:cTn>
-                                        <p:tgtEl>
-                                          <p:spTgt spid="119"/>
-                                        </p:tgtEl>
-                                        <p:attrNameLst>
-                                          <p:attrName>style.visibility</p:attrName>
-                                        </p:attrNameLst>
-                                      </p:cBhvr>
-                                      <p:to>
-                                        <p:strVal val="visible"/>
-                                      </p:to>
-                                    </p:set>
-                                  </p:childTnLst>
-                                </p:cTn>
-                              </p:par>
-                            </p:childTnLst>
-                          </p:cTn>
-                        </p:par>
-                      </p:childTnLst>
-                    </p:cTn>
-                  </p:par>
-                  <p:par>
-                    <p:cTn id="15" fill="hold">
-                      <p:stCondLst>
-                        <p:cond delay="indefinite"/>
-                      </p:stCondLst>
-                      <p:childTnLst>
-                        <p:par>
-                          <p:cTn id="16" fill="hold">
-                            <p:stCondLst>
-                              <p:cond delay="0"/>
-                            </p:stCondLst>
-                            <p:childTnLst>
-                              <p:par>
-                                <p:cTn id="17" presetID="1" presetClass="entr" presetSubtype="0" fill="hold" nodeType="clickEffect">
-                                  <p:stCondLst>
-                                    <p:cond delay="0"/>
-                                  </p:stCondLst>
-                                  <p:childTnLst>
-                                    <p:set>
-                                      <p:cBhvr>
-                                        <p:cTn id="18" dur="1" fill="hold">
-                                          <p:stCondLst>
-                                            <p:cond delay="0"/>
-                                          </p:stCondLst>
-                                        </p:cTn>
-                                        <p:tgtEl>
-                                          <p:spTgt spid="120"/>
-                                        </p:tgtEl>
-                                        <p:attrNameLst>
-                                          <p:attrName>style.visibility</p:attrName>
-                                        </p:attrNameLst>
-                                      </p:cBhvr>
-                                      <p:to>
-                                        <p:strVal val="visible"/>
-                                      </p:to>
-                                    </p:set>
-                                  </p:childTnLst>
-                                </p:cTn>
-                              </p:par>
-                            </p:childTnLst>
-                          </p:cTn>
-                        </p:par>
-                      </p:childTnLst>
-                    </p:cTn>
-                  </p:par>
-                </p:childTnLst>
-              </p:cTn>
-              <p:prevCondLst>
-                <p:cond evt="onPrev" delay="0">
-                  <p:tgtEl>
-                    <p:sldTgt/>
-                  </p:tgtEl>
-                </p:cond>
-              </p:prevCondLst>
-              <p:nextCondLst>
-                <p:cond evt="onNext" delay="0">
-                  <p:tgtEl>
-                    <p:sldTgt/>
-                  </p:tgtEl>
-                </p:cond>
-              </p:nextCondLst>
-            </p:seq>
-          </p:childTnLst>
-        </p:cTn>
-      </p:par>
-    </p:tnLst>
-  </p:timing>
-</p:sld>
-</file>
-
 <file path=ppt/theme/theme1.xml><?xml version="1.0" encoding="utf-8"?>
 <a:theme xmlns:a="http://schemas.openxmlformats.org/drawingml/2006/main" name="Office Theme">
   <a:themeElements>

--- a/20240722 NAF Intro.pptx
+++ b/20240722 NAF Intro.pptx
@@ -7492,7 +7492,7 @@
           <a:p>
             <a:r>
               <a:rPr lang="en-US" sz="3200" dirty="0"/>
-              <a:t>Ionomer morphology is key for multiple big questions in PEMFCs</a:t>
+              <a:t>Ionomer morphology underlies key questions in PEMFCs</a:t>
             </a:r>
           </a:p>
         </p:txBody>
@@ -7540,7 +7540,7 @@
         </p:nvSpPr>
         <p:spPr>
           <a:xfrm>
-            <a:off x="9020290" y="1685763"/>
+            <a:off x="7409206" y="3901404"/>
             <a:ext cx="2810933" cy="369332"/>
           </a:xfrm>
           <a:prstGeom prst="rect">
@@ -7586,8 +7586,8 @@
         </p:blipFill>
         <p:spPr>
           <a:xfrm>
-            <a:off x="5019707" y="2280932"/>
-            <a:ext cx="3228423" cy="2468794"/>
+            <a:off x="7232710" y="1412106"/>
+            <a:ext cx="2989476" cy="2286070"/>
           </a:xfrm>
           <a:prstGeom prst="rect">
             <a:avLst/>
@@ -7608,7 +7608,7 @@
         </p:nvSpPr>
         <p:spPr>
           <a:xfrm>
-            <a:off x="5243519" y="1726476"/>
+            <a:off x="7409206" y="1053819"/>
             <a:ext cx="2636484" cy="369332"/>
           </a:xfrm>
           <a:prstGeom prst="rect">
@@ -7628,44 +7628,6 @@
                 <a:latin typeface="Lucida grande" panose="020B0502040204020203"/>
               </a:rPr>
               <a:t>Confinement effects</a:t>
-            </a:r>
-          </a:p>
-        </p:txBody>
-      </p:sp>
-      <p:sp>
-        <p:nvSpPr>
-          <p:cNvPr id="15" name="TextBox 14">
-            <a:extLst>
-              <a:ext uri="{FF2B5EF4-FFF2-40B4-BE49-F238E27FC236}">
-                <a16:creationId xmlns:a16="http://schemas.microsoft.com/office/drawing/2014/main" id="{FE872161-DD78-9D80-FD09-8F589FF642C6}"/>
-              </a:ext>
-            </a:extLst>
-          </p:cNvPr>
-          <p:cNvSpPr txBox="1"/>
-          <p:nvPr/>
-        </p:nvSpPr>
-        <p:spPr>
-          <a:xfrm>
-            <a:off x="965941" y="1147884"/>
-            <a:ext cx="2636484" cy="369332"/>
-          </a:xfrm>
-          <a:prstGeom prst="rect">
-            <a:avLst/>
-          </a:prstGeom>
-          <a:noFill/>
-        </p:spPr>
-        <p:txBody>
-          <a:bodyPr wrap="square">
-            <a:spAutoFit/>
-          </a:bodyPr>
-          <a:lstStyle/>
-          <a:p>
-            <a:pPr algn="ctr"/>
-            <a:r>
-              <a:rPr lang="en-US" i="1" dirty="0">
-                <a:latin typeface="Lucida grande" panose="020B0502040204020203"/>
-              </a:rPr>
-              <a:t>Sidechain effects</a:t>
             </a:r>
           </a:p>
         </p:txBody>
@@ -7692,14 +7654,52 @@
         </p:blipFill>
         <p:spPr>
           <a:xfrm>
-            <a:off x="8610600" y="2280932"/>
-            <a:ext cx="3288357" cy="2460917"/>
+            <a:off x="7207789" y="4351234"/>
+            <a:ext cx="2837901" cy="2123808"/>
           </a:xfrm>
           <a:prstGeom prst="rect">
             <a:avLst/>
           </a:prstGeom>
         </p:spPr>
       </p:pic>
+      <p:sp>
+        <p:nvSpPr>
+          <p:cNvPr id="15" name="TextBox 14">
+            <a:extLst>
+              <a:ext uri="{FF2B5EF4-FFF2-40B4-BE49-F238E27FC236}">
+                <a16:creationId xmlns:a16="http://schemas.microsoft.com/office/drawing/2014/main" id="{FE872161-DD78-9D80-FD09-8F589FF642C6}"/>
+              </a:ext>
+            </a:extLst>
+          </p:cNvPr>
+          <p:cNvSpPr txBox="1"/>
+          <p:nvPr/>
+        </p:nvSpPr>
+        <p:spPr>
+          <a:xfrm>
+            <a:off x="3700390" y="1070558"/>
+            <a:ext cx="2636484" cy="369332"/>
+          </a:xfrm>
+          <a:prstGeom prst="rect">
+            <a:avLst/>
+          </a:prstGeom>
+          <a:noFill/>
+        </p:spPr>
+        <p:txBody>
+          <a:bodyPr wrap="square">
+            <a:spAutoFit/>
+          </a:bodyPr>
+          <a:lstStyle/>
+          <a:p>
+            <a:pPr algn="ctr"/>
+            <a:r>
+              <a:rPr lang="en-US" i="1" dirty="0">
+                <a:latin typeface="Lucida grande" panose="020B0502040204020203"/>
+              </a:rPr>
+              <a:t>Sidechain effects</a:t>
+            </a:r>
+          </a:p>
+        </p:txBody>
+      </p:sp>
       <p:pic>
         <p:nvPicPr>
           <p:cNvPr id="22" name="Picture 21">
@@ -7722,8 +7722,8 @@
         </p:blipFill>
         <p:spPr>
           <a:xfrm>
-            <a:off x="207446" y="1571406"/>
-            <a:ext cx="4288943" cy="2211364"/>
+            <a:off x="3046860" y="1590942"/>
+            <a:ext cx="3921898" cy="2022117"/>
           </a:xfrm>
           <a:prstGeom prst="rect">
             <a:avLst/>
@@ -7744,8 +7744,8 @@
         </p:nvSpPr>
         <p:spPr>
           <a:xfrm>
-            <a:off x="6849" y="6521389"/>
-            <a:ext cx="10398744" cy="246221"/>
+            <a:off x="0" y="6614946"/>
+            <a:ext cx="10489701" cy="246221"/>
           </a:xfrm>
           <a:prstGeom prst="rect">
             <a:avLst/>
@@ -7824,12 +7824,56 @@
           </a:p>
         </p:txBody>
       </p:sp>
+      <p:cxnSp>
+        <p:nvCxnSpPr>
+          <p:cNvPr id="30" name="Straight Connector 29">
+            <a:extLst>
+              <a:ext uri="{FF2B5EF4-FFF2-40B4-BE49-F238E27FC236}">
+                <a16:creationId xmlns:a16="http://schemas.microsoft.com/office/drawing/2014/main" id="{613DABBC-E019-6EAE-161F-D661518CA8A1}"/>
+              </a:ext>
+            </a:extLst>
+          </p:cNvPr>
+          <p:cNvCxnSpPr>
+            <a:cxnSpLocks/>
+          </p:cNvCxnSpPr>
+          <p:nvPr/>
+        </p:nvCxnSpPr>
+        <p:spPr>
+          <a:xfrm>
+            <a:off x="1133475" y="3820905"/>
+            <a:ext cx="11058525" cy="0"/>
+          </a:xfrm>
+          <a:prstGeom prst="line">
+            <a:avLst/>
+          </a:prstGeom>
+          <a:ln w="28575">
+            <a:solidFill>
+              <a:schemeClr val="tx1"/>
+            </a:solidFill>
+            <a:prstDash val="dash"/>
+          </a:ln>
+        </p:spPr>
+        <p:style>
+          <a:lnRef idx="1">
+            <a:schemeClr val="accent1"/>
+          </a:lnRef>
+          <a:fillRef idx="0">
+            <a:schemeClr val="accent1"/>
+          </a:fillRef>
+          <a:effectRef idx="0">
+            <a:schemeClr val="accent1"/>
+          </a:effectRef>
+          <a:fontRef idx="minor">
+            <a:schemeClr val="tx1"/>
+          </a:fontRef>
+        </p:style>
+      </p:cxnSp>
       <p:pic>
         <p:nvPicPr>
-          <p:cNvPr id="26" name="Picture 25">
+          <p:cNvPr id="32" name="Picture 31">
             <a:extLst>
               <a:ext uri="{FF2B5EF4-FFF2-40B4-BE49-F238E27FC236}">
-                <a16:creationId xmlns:a16="http://schemas.microsoft.com/office/drawing/2014/main" id="{981B929B-81AC-3306-CC0D-7248EE61BDC9}"/>
+                <a16:creationId xmlns:a16="http://schemas.microsoft.com/office/drawing/2014/main" id="{9EF58497-E13A-0CF2-5CDC-050DEBAD4E96}"/>
               </a:ext>
             </a:extLst>
           </p:cNvPr>
@@ -7846,14 +7890,128 @@
         </p:blipFill>
         <p:spPr>
           <a:xfrm>
-            <a:off x="1179614" y="3787411"/>
-            <a:ext cx="2344606" cy="2537691"/>
+            <a:off x="3496763" y="4309427"/>
+            <a:ext cx="2810933" cy="2305519"/>
           </a:xfrm>
           <a:prstGeom prst="rect">
             <a:avLst/>
           </a:prstGeom>
         </p:spPr>
       </p:pic>
+      <p:sp>
+        <p:nvSpPr>
+          <p:cNvPr id="33" name="TextBox 32">
+            <a:extLst>
+              <a:ext uri="{FF2B5EF4-FFF2-40B4-BE49-F238E27FC236}">
+                <a16:creationId xmlns:a16="http://schemas.microsoft.com/office/drawing/2014/main" id="{3F7EB26E-0424-E890-07C3-835A20D4DEC8}"/>
+              </a:ext>
+            </a:extLst>
+          </p:cNvPr>
+          <p:cNvSpPr txBox="1"/>
+          <p:nvPr/>
+        </p:nvSpPr>
+        <p:spPr>
+          <a:xfrm>
+            <a:off x="3602342" y="3900231"/>
+            <a:ext cx="2810933" cy="369332"/>
+          </a:xfrm>
+          <a:prstGeom prst="rect">
+            <a:avLst/>
+          </a:prstGeom>
+          <a:noFill/>
+        </p:spPr>
+        <p:txBody>
+          <a:bodyPr wrap="square">
+            <a:spAutoFit/>
+          </a:bodyPr>
+          <a:lstStyle/>
+          <a:p>
+            <a:pPr algn="ctr"/>
+            <a:r>
+              <a:rPr lang="en-US" i="1" dirty="0">
+                <a:latin typeface="Lucida grande" panose="020B0502040204020203"/>
+              </a:rPr>
+              <a:t>Hydration / Humidity</a:t>
+            </a:r>
+          </a:p>
+        </p:txBody>
+      </p:sp>
+      <p:sp>
+        <p:nvSpPr>
+          <p:cNvPr id="34" name="TextBox 33">
+            <a:extLst>
+              <a:ext uri="{FF2B5EF4-FFF2-40B4-BE49-F238E27FC236}">
+                <a16:creationId xmlns:a16="http://schemas.microsoft.com/office/drawing/2014/main" id="{A4AFDC01-C0AF-9729-42E5-10513A83B6EF}"/>
+              </a:ext>
+            </a:extLst>
+          </p:cNvPr>
+          <p:cNvSpPr txBox="1"/>
+          <p:nvPr/>
+        </p:nvSpPr>
+        <p:spPr>
+          <a:xfrm>
+            <a:off x="276224" y="2035847"/>
+            <a:ext cx="2647950" cy="646331"/>
+          </a:xfrm>
+          <a:prstGeom prst="rect">
+            <a:avLst/>
+          </a:prstGeom>
+          <a:noFill/>
+        </p:spPr>
+        <p:txBody>
+          <a:bodyPr wrap="square" rtlCol="0">
+            <a:spAutoFit/>
+          </a:bodyPr>
+          <a:lstStyle/>
+          <a:p>
+            <a:pPr algn="l"/>
+            <a:r>
+              <a:rPr lang="en-US" sz="1800" dirty="0">
+                <a:latin typeface="Lucida grande" panose="020B0502040204020203"/>
+              </a:rPr>
+              <a:t>How do we optimize PEMFC structure?</a:t>
+            </a:r>
+          </a:p>
+        </p:txBody>
+      </p:sp>
+      <p:sp>
+        <p:nvSpPr>
+          <p:cNvPr id="35" name="TextBox 34">
+            <a:extLst>
+              <a:ext uri="{FF2B5EF4-FFF2-40B4-BE49-F238E27FC236}">
+                <a16:creationId xmlns:a16="http://schemas.microsoft.com/office/drawing/2014/main" id="{D7068699-4653-854C-D9BE-38F1FAA3F152}"/>
+              </a:ext>
+            </a:extLst>
+          </p:cNvPr>
+          <p:cNvSpPr txBox="1"/>
+          <p:nvPr/>
+        </p:nvSpPr>
+        <p:spPr>
+          <a:xfrm>
+            <a:off x="276224" y="4870948"/>
+            <a:ext cx="2320446" cy="646331"/>
+          </a:xfrm>
+          <a:prstGeom prst="rect">
+            <a:avLst/>
+          </a:prstGeom>
+          <a:noFill/>
+        </p:spPr>
+        <p:txBody>
+          <a:bodyPr wrap="square" rtlCol="0">
+            <a:spAutoFit/>
+          </a:bodyPr>
+          <a:lstStyle/>
+          <a:p>
+            <a:pPr algn="l"/>
+            <a:r>
+              <a:rPr lang="en-US" sz="1800" dirty="0">
+                <a:latin typeface="Lucida grande" panose="020B0502040204020203"/>
+              </a:rPr>
+              <a:t>How do we optimize PEMFC operation?</a:t>
+            </a:r>
+          </a:p>
+        </p:txBody>
+      </p:sp>
     </p:spTree>
     <p:extLst>
       <p:ext uri="{BB962C8B-B14F-4D97-AF65-F5344CB8AC3E}">
@@ -7947,7 +8105,7 @@
                                           </p:stCondLst>
                                         </p:cTn>
                                         <p:tgtEl>
-                                          <p:spTgt spid="14">
+                                          <p:spTgt spid="23">
                                             <p:txEl>
                                               <p:pRg st="0" end="0"/>
                                             </p:txEl>
@@ -7996,56 +8154,7 @@
                                           </p:stCondLst>
                                         </p:cTn>
                                         <p:tgtEl>
-                                          <p:spTgt spid="15">
-                                            <p:txEl>
-                                              <p:pRg st="0" end="0"/>
-                                            </p:txEl>
-                                          </p:spTgt>
-                                        </p:tgtEl>
-                                        <p:attrNameLst>
-                                          <p:attrName>style.visibility</p:attrName>
-                                        </p:attrNameLst>
-                                      </p:cBhvr>
-                                      <p:to>
-                                        <p:strVal val="visible"/>
-                                      </p:to>
-                                    </p:set>
-                                  </p:childTnLst>
-                                </p:cTn>
-                              </p:par>
-                            </p:childTnLst>
-                          </p:cTn>
-                        </p:par>
-                      </p:childTnLst>
-                    </p:cTn>
-                  </p:par>
-                  <p:par>
-                    <p:cTn id="15" fill="hold">
-                      <p:stCondLst>
-                        <p:cond delay="indefinite"/>
-                      </p:stCondLst>
-                      <p:childTnLst>
-                        <p:par>
-                          <p:cTn id="16" fill="hold">
-                            <p:stCondLst>
-                              <p:cond delay="0"/>
-                            </p:stCondLst>
-                            <p:childTnLst>
-                              <p:par>
-                                <p:cTn id="17" presetID="1" presetClass="entr" presetSubtype="0" fill="hold" nodeType="clickEffect">
-                                  <p:stCondLst>
-                                    <p:cond delay="0"/>
-                                  </p:stCondLst>
-                                  <p:childTnLst>
-                                    <p:set>
-                                      <p:cBhvr>
-                                        <p:cTn id="18" dur="1" fill="hold">
-                                          <p:stCondLst>
-                                            <p:cond delay="0"/>
-                                          </p:stCondLst>
-                                        </p:cTn>
-                                        <p:tgtEl>
-                                          <p:spTgt spid="23">
+                                          <p:spTgt spid="33">
                                             <p:txEl>
                                               <p:pRg st="0" end="0"/>
                                             </p:txEl>

--- a/20240722 NAF Intro.pptx
+++ b/20240722 NAF Intro.pptx
@@ -7540,7 +7540,7 @@
         </p:nvSpPr>
         <p:spPr>
           <a:xfrm>
-            <a:off x="7409206" y="3901404"/>
+            <a:off x="7866406" y="3901404"/>
             <a:ext cx="2810933" cy="369332"/>
           </a:xfrm>
           <a:prstGeom prst="rect">
@@ -7586,7 +7586,7 @@
         </p:blipFill>
         <p:spPr>
           <a:xfrm>
-            <a:off x="7232710" y="1412106"/>
+            <a:off x="7689910" y="1412106"/>
             <a:ext cx="2989476" cy="2286070"/>
           </a:xfrm>
           <a:prstGeom prst="rect">
@@ -7608,7 +7608,7 @@
         </p:nvSpPr>
         <p:spPr>
           <a:xfrm>
-            <a:off x="7409206" y="1053819"/>
+            <a:off x="7866406" y="1053819"/>
             <a:ext cx="2636484" cy="369332"/>
           </a:xfrm>
           <a:prstGeom prst="rect">
@@ -7654,7 +7654,7 @@
         </p:blipFill>
         <p:spPr>
           <a:xfrm>
-            <a:off x="7207789" y="4351234"/>
+            <a:off x="7664989" y="4351234"/>
             <a:ext cx="2837901" cy="2123808"/>
           </a:xfrm>
           <a:prstGeom prst="rect">
@@ -7890,8 +7890,8 @@
         </p:blipFill>
         <p:spPr>
           <a:xfrm>
-            <a:off x="3496763" y="4309427"/>
-            <a:ext cx="2810933" cy="2305519"/>
+            <a:off x="3602342" y="4319851"/>
+            <a:ext cx="2665912" cy="2186573"/>
           </a:xfrm>
           <a:prstGeom prst="rect">
             <a:avLst/>

--- a/20240722 NAF Intro.pptx
+++ b/20240722 NAF Intro.pptx
@@ -11731,210 +11731,273 @@
           </a:p>
         </p:txBody>
       </p:sp>
-      <p:sp>
-        <p:nvSpPr>
-          <p:cNvPr id="10" name="TextBox 9">
+      <p:grpSp>
+        <p:nvGrpSpPr>
+          <p:cNvPr id="40" name="Group 39">
             <a:extLst>
               <a:ext uri="{FF2B5EF4-FFF2-40B4-BE49-F238E27FC236}">
-                <a16:creationId xmlns:a16="http://schemas.microsoft.com/office/drawing/2014/main" id="{B86DEC90-4FAA-A677-30F2-4B4D54C2D30E}"/>
+                <a16:creationId xmlns:a16="http://schemas.microsoft.com/office/drawing/2014/main" id="{FCAC2352-A476-FE92-58D8-61FC8CECB598}"/>
               </a:ext>
             </a:extLst>
           </p:cNvPr>
-          <p:cNvSpPr txBox="1"/>
+          <p:cNvGrpSpPr/>
           <p:nvPr/>
-        </p:nvSpPr>
-        <p:spPr>
+        </p:nvGrpSpPr>
+        <p:grpSpPr>
           <a:xfrm>
-            <a:off x="7866406" y="3901404"/>
-            <a:ext cx="2810933" cy="369332"/>
+            <a:off x="7689910" y="1053819"/>
+            <a:ext cx="2989476" cy="2644357"/>
+            <a:chOff x="7689910" y="1053819"/>
+            <a:chExt cx="2989476" cy="2644357"/>
           </a:xfrm>
-          <a:prstGeom prst="rect">
-            <a:avLst/>
-          </a:prstGeom>
-          <a:noFill/>
-        </p:spPr>
-        <p:txBody>
-          <a:bodyPr wrap="square">
-            <a:spAutoFit/>
-          </a:bodyPr>
-          <a:lstStyle/>
-          <a:p>
-            <a:pPr algn="ctr"/>
-            <a:r>
-              <a:rPr lang="en-US" i="1" dirty="0">
-                <a:latin typeface="Lucida grande" panose="020B0502040204020203"/>
-              </a:rPr>
-              <a:t>Pt poisoning mechanism</a:t>
-            </a:r>
-          </a:p>
-        </p:txBody>
-      </p:sp>
-      <p:pic>
-        <p:nvPicPr>
-          <p:cNvPr id="13" name="Picture 12">
+        </p:grpSpPr>
+        <p:pic>
+          <p:nvPicPr>
+            <p:cNvPr id="13" name="Picture 12">
+              <a:extLst>
+                <a:ext uri="{FF2B5EF4-FFF2-40B4-BE49-F238E27FC236}">
+                  <a16:creationId xmlns:a16="http://schemas.microsoft.com/office/drawing/2014/main" id="{BAE470DD-6841-1820-C15D-9763ED409775}"/>
+                </a:ext>
+              </a:extLst>
+            </p:cNvPr>
+            <p:cNvPicPr>
+              <a:picLocks noChangeAspect="1"/>
+            </p:cNvPicPr>
+            <p:nvPr/>
+          </p:nvPicPr>
+          <p:blipFill>
+            <a:blip r:embed="rId2"/>
+            <a:stretch>
+              <a:fillRect/>
+            </a:stretch>
+          </p:blipFill>
+          <p:spPr>
+            <a:xfrm>
+              <a:off x="7689910" y="1412106"/>
+              <a:ext cx="2989476" cy="2286070"/>
+            </a:xfrm>
+            <a:prstGeom prst="rect">
+              <a:avLst/>
+            </a:prstGeom>
+          </p:spPr>
+        </p:pic>
+        <p:sp>
+          <p:nvSpPr>
+            <p:cNvPr id="14" name="TextBox 13">
+              <a:extLst>
+                <a:ext uri="{FF2B5EF4-FFF2-40B4-BE49-F238E27FC236}">
+                  <a16:creationId xmlns:a16="http://schemas.microsoft.com/office/drawing/2014/main" id="{C64BC7D2-0A7E-8CC0-602F-3041297AB324}"/>
+                </a:ext>
+              </a:extLst>
+            </p:cNvPr>
+            <p:cNvSpPr txBox="1"/>
+            <p:nvPr/>
+          </p:nvSpPr>
+          <p:spPr>
+            <a:xfrm>
+              <a:off x="7866406" y="1053819"/>
+              <a:ext cx="2636484" cy="369332"/>
+            </a:xfrm>
+            <a:prstGeom prst="rect">
+              <a:avLst/>
+            </a:prstGeom>
+            <a:noFill/>
+          </p:spPr>
+          <p:txBody>
+            <a:bodyPr wrap="square">
+              <a:spAutoFit/>
+            </a:bodyPr>
+            <a:lstStyle/>
+            <a:p>
+              <a:pPr algn="ctr"/>
+              <a:r>
+                <a:rPr lang="en-US" i="1" dirty="0">
+                  <a:latin typeface="Lucida grande" panose="020B0502040204020203"/>
+                </a:rPr>
+                <a:t>Confinement effects</a:t>
+              </a:r>
+            </a:p>
+          </p:txBody>
+        </p:sp>
+      </p:grpSp>
+      <p:grpSp>
+        <p:nvGrpSpPr>
+          <p:cNvPr id="37" name="Group 36">
             <a:extLst>
               <a:ext uri="{FF2B5EF4-FFF2-40B4-BE49-F238E27FC236}">
-                <a16:creationId xmlns:a16="http://schemas.microsoft.com/office/drawing/2014/main" id="{BAE470DD-6841-1820-C15D-9763ED409775}"/>
+                <a16:creationId xmlns:a16="http://schemas.microsoft.com/office/drawing/2014/main" id="{F8EFFC6D-283B-E659-9739-7217E1C8DC86}"/>
               </a:ext>
             </a:extLst>
           </p:cNvPr>
-          <p:cNvPicPr>
-            <a:picLocks noChangeAspect="1"/>
-          </p:cNvPicPr>
+          <p:cNvGrpSpPr/>
           <p:nvPr/>
-        </p:nvPicPr>
-        <p:blipFill>
-          <a:blip r:embed="rId2"/>
-          <a:stretch>
-            <a:fillRect/>
-          </a:stretch>
-        </p:blipFill>
-        <p:spPr>
+        </p:nvGrpSpPr>
+        <p:grpSpPr>
           <a:xfrm>
-            <a:off x="7689910" y="1412106"/>
-            <a:ext cx="2989476" cy="2286070"/>
+            <a:off x="7664989" y="3901404"/>
+            <a:ext cx="3012350" cy="2573638"/>
+            <a:chOff x="7664989" y="3901404"/>
+            <a:chExt cx="3012350" cy="2573638"/>
           </a:xfrm>
-          <a:prstGeom prst="rect">
-            <a:avLst/>
-          </a:prstGeom>
-        </p:spPr>
-      </p:pic>
-      <p:sp>
-        <p:nvSpPr>
-          <p:cNvPr id="14" name="TextBox 13">
+        </p:grpSpPr>
+        <p:sp>
+          <p:nvSpPr>
+            <p:cNvPr id="10" name="TextBox 9">
+              <a:extLst>
+                <a:ext uri="{FF2B5EF4-FFF2-40B4-BE49-F238E27FC236}">
+                  <a16:creationId xmlns:a16="http://schemas.microsoft.com/office/drawing/2014/main" id="{B86DEC90-4FAA-A677-30F2-4B4D54C2D30E}"/>
+                </a:ext>
+              </a:extLst>
+            </p:cNvPr>
+            <p:cNvSpPr txBox="1"/>
+            <p:nvPr/>
+          </p:nvSpPr>
+          <p:spPr>
+            <a:xfrm>
+              <a:off x="7866406" y="3901404"/>
+              <a:ext cx="2810933" cy="369332"/>
+            </a:xfrm>
+            <a:prstGeom prst="rect">
+              <a:avLst/>
+            </a:prstGeom>
+            <a:noFill/>
+          </p:spPr>
+          <p:txBody>
+            <a:bodyPr wrap="square">
+              <a:spAutoFit/>
+            </a:bodyPr>
+            <a:lstStyle/>
+            <a:p>
+              <a:pPr algn="ctr"/>
+              <a:r>
+                <a:rPr lang="en-US" i="1" dirty="0">
+                  <a:latin typeface="Lucida grande" panose="020B0502040204020203"/>
+                </a:rPr>
+                <a:t>Pt poisoning mechanism</a:t>
+              </a:r>
+            </a:p>
+          </p:txBody>
+        </p:sp>
+        <p:pic>
+          <p:nvPicPr>
+            <p:cNvPr id="20" name="Picture 19">
+              <a:extLst>
+                <a:ext uri="{FF2B5EF4-FFF2-40B4-BE49-F238E27FC236}">
+                  <a16:creationId xmlns:a16="http://schemas.microsoft.com/office/drawing/2014/main" id="{8304BA56-1A24-62E7-C9B7-5D7E6B5DB116}"/>
+                </a:ext>
+              </a:extLst>
+            </p:cNvPr>
+            <p:cNvPicPr>
+              <a:picLocks noChangeAspect="1"/>
+            </p:cNvPicPr>
+            <p:nvPr/>
+          </p:nvPicPr>
+          <p:blipFill>
+            <a:blip r:embed="rId3"/>
+            <a:stretch>
+              <a:fillRect/>
+            </a:stretch>
+          </p:blipFill>
+          <p:spPr>
+            <a:xfrm>
+              <a:off x="7664989" y="4351234"/>
+              <a:ext cx="2837901" cy="2123808"/>
+            </a:xfrm>
+            <a:prstGeom prst="rect">
+              <a:avLst/>
+            </a:prstGeom>
+          </p:spPr>
+        </p:pic>
+      </p:grpSp>
+      <p:grpSp>
+        <p:nvGrpSpPr>
+          <p:cNvPr id="39" name="Group 38">
             <a:extLst>
               <a:ext uri="{FF2B5EF4-FFF2-40B4-BE49-F238E27FC236}">
-                <a16:creationId xmlns:a16="http://schemas.microsoft.com/office/drawing/2014/main" id="{C64BC7D2-0A7E-8CC0-602F-3041297AB324}"/>
+                <a16:creationId xmlns:a16="http://schemas.microsoft.com/office/drawing/2014/main" id="{FF7F4E24-F856-1FA3-E359-87E0040D9009}"/>
               </a:ext>
             </a:extLst>
           </p:cNvPr>
-          <p:cNvSpPr txBox="1"/>
+          <p:cNvGrpSpPr/>
           <p:nvPr/>
-        </p:nvSpPr>
-        <p:spPr>
+        </p:nvGrpSpPr>
+        <p:grpSpPr>
           <a:xfrm>
-            <a:off x="7866406" y="1053819"/>
-            <a:ext cx="2636484" cy="369332"/>
+            <a:off x="3046860" y="1070558"/>
+            <a:ext cx="3921898" cy="2542501"/>
+            <a:chOff x="3046860" y="1070558"/>
+            <a:chExt cx="3921898" cy="2542501"/>
           </a:xfrm>
-          <a:prstGeom prst="rect">
-            <a:avLst/>
-          </a:prstGeom>
-          <a:noFill/>
-        </p:spPr>
-        <p:txBody>
-          <a:bodyPr wrap="square">
-            <a:spAutoFit/>
-          </a:bodyPr>
-          <a:lstStyle/>
-          <a:p>
-            <a:pPr algn="ctr"/>
-            <a:r>
-              <a:rPr lang="en-US" i="1" dirty="0">
-                <a:latin typeface="Lucida grande" panose="020B0502040204020203"/>
-              </a:rPr>
-              <a:t>Confinement effects</a:t>
-            </a:r>
-          </a:p>
-        </p:txBody>
-      </p:sp>
-      <p:pic>
-        <p:nvPicPr>
-          <p:cNvPr id="20" name="Picture 19">
-            <a:extLst>
-              <a:ext uri="{FF2B5EF4-FFF2-40B4-BE49-F238E27FC236}">
-                <a16:creationId xmlns:a16="http://schemas.microsoft.com/office/drawing/2014/main" id="{8304BA56-1A24-62E7-C9B7-5D7E6B5DB116}"/>
-              </a:ext>
-            </a:extLst>
-          </p:cNvPr>
-          <p:cNvPicPr>
-            <a:picLocks noChangeAspect="1"/>
-          </p:cNvPicPr>
-          <p:nvPr/>
-        </p:nvPicPr>
-        <p:blipFill>
-          <a:blip r:embed="rId3"/>
-          <a:stretch>
-            <a:fillRect/>
-          </a:stretch>
-        </p:blipFill>
-        <p:spPr>
-          <a:xfrm>
-            <a:off x="7664989" y="4351234"/>
-            <a:ext cx="2837901" cy="2123808"/>
-          </a:xfrm>
-          <a:prstGeom prst="rect">
-            <a:avLst/>
-          </a:prstGeom>
-        </p:spPr>
-      </p:pic>
-      <p:sp>
-        <p:nvSpPr>
-          <p:cNvPr id="15" name="TextBox 14">
-            <a:extLst>
-              <a:ext uri="{FF2B5EF4-FFF2-40B4-BE49-F238E27FC236}">
-                <a16:creationId xmlns:a16="http://schemas.microsoft.com/office/drawing/2014/main" id="{FE872161-DD78-9D80-FD09-8F589FF642C6}"/>
-              </a:ext>
-            </a:extLst>
-          </p:cNvPr>
-          <p:cNvSpPr txBox="1"/>
-          <p:nvPr/>
-        </p:nvSpPr>
-        <p:spPr>
-          <a:xfrm>
-            <a:off x="3700390" y="1070558"/>
-            <a:ext cx="2636484" cy="369332"/>
-          </a:xfrm>
-          <a:prstGeom prst="rect">
-            <a:avLst/>
-          </a:prstGeom>
-          <a:noFill/>
-        </p:spPr>
-        <p:txBody>
-          <a:bodyPr wrap="square">
-            <a:spAutoFit/>
-          </a:bodyPr>
-          <a:lstStyle/>
-          <a:p>
-            <a:pPr algn="ctr"/>
-            <a:r>
-              <a:rPr lang="en-US" i="1" dirty="0">
-                <a:latin typeface="Lucida grande" panose="020B0502040204020203"/>
-              </a:rPr>
-              <a:t>Sidechain effects</a:t>
-            </a:r>
-          </a:p>
-        </p:txBody>
-      </p:sp>
-      <p:pic>
-        <p:nvPicPr>
-          <p:cNvPr id="22" name="Picture 21">
-            <a:extLst>
-              <a:ext uri="{FF2B5EF4-FFF2-40B4-BE49-F238E27FC236}">
-                <a16:creationId xmlns:a16="http://schemas.microsoft.com/office/drawing/2014/main" id="{079A0ED7-9D8E-F973-DAA3-403039012308}"/>
-              </a:ext>
-            </a:extLst>
-          </p:cNvPr>
-          <p:cNvPicPr>
-            <a:picLocks noChangeAspect="1"/>
-          </p:cNvPicPr>
-          <p:nvPr/>
-        </p:nvPicPr>
-        <p:blipFill>
-          <a:blip r:embed="rId4"/>
-          <a:stretch>
-            <a:fillRect/>
-          </a:stretch>
-        </p:blipFill>
-        <p:spPr>
-          <a:xfrm>
-            <a:off x="3046860" y="1590942"/>
-            <a:ext cx="3921898" cy="2022117"/>
-          </a:xfrm>
-          <a:prstGeom prst="rect">
-            <a:avLst/>
-          </a:prstGeom>
-        </p:spPr>
-      </p:pic>
+        </p:grpSpPr>
+        <p:sp>
+          <p:nvSpPr>
+            <p:cNvPr id="15" name="TextBox 14">
+              <a:extLst>
+                <a:ext uri="{FF2B5EF4-FFF2-40B4-BE49-F238E27FC236}">
+                  <a16:creationId xmlns:a16="http://schemas.microsoft.com/office/drawing/2014/main" id="{FE872161-DD78-9D80-FD09-8F589FF642C6}"/>
+                </a:ext>
+              </a:extLst>
+            </p:cNvPr>
+            <p:cNvSpPr txBox="1"/>
+            <p:nvPr/>
+          </p:nvSpPr>
+          <p:spPr>
+            <a:xfrm>
+              <a:off x="3700390" y="1070558"/>
+              <a:ext cx="2636484" cy="369332"/>
+            </a:xfrm>
+            <a:prstGeom prst="rect">
+              <a:avLst/>
+            </a:prstGeom>
+            <a:noFill/>
+          </p:spPr>
+          <p:txBody>
+            <a:bodyPr wrap="square">
+              <a:spAutoFit/>
+            </a:bodyPr>
+            <a:lstStyle/>
+            <a:p>
+              <a:pPr algn="ctr"/>
+              <a:r>
+                <a:rPr lang="en-US" i="1" dirty="0">
+                  <a:latin typeface="Lucida grande" panose="020B0502040204020203"/>
+                </a:rPr>
+                <a:t>Sidechain effects</a:t>
+              </a:r>
+            </a:p>
+          </p:txBody>
+        </p:sp>
+        <p:pic>
+          <p:nvPicPr>
+            <p:cNvPr id="22" name="Picture 21">
+              <a:extLst>
+                <a:ext uri="{FF2B5EF4-FFF2-40B4-BE49-F238E27FC236}">
+                  <a16:creationId xmlns:a16="http://schemas.microsoft.com/office/drawing/2014/main" id="{079A0ED7-9D8E-F973-DAA3-403039012308}"/>
+                </a:ext>
+              </a:extLst>
+            </p:cNvPr>
+            <p:cNvPicPr>
+              <a:picLocks noChangeAspect="1"/>
+            </p:cNvPicPr>
+            <p:nvPr/>
+          </p:nvPicPr>
+          <p:blipFill>
+            <a:blip r:embed="rId4"/>
+            <a:stretch>
+              <a:fillRect/>
+            </a:stretch>
+          </p:blipFill>
+          <p:spPr>
+            <a:xfrm>
+              <a:off x="3046860" y="1590942"/>
+              <a:ext cx="3921898" cy="2022117"/>
+            </a:xfrm>
+            <a:prstGeom prst="rect">
+              <a:avLst/>
+            </a:prstGeom>
+          </p:spPr>
+        </p:pic>
+      </p:grpSp>
       <p:sp>
         <p:nvSpPr>
           <p:cNvPr id="23" name="TextBox 22">
@@ -12073,74 +12136,95 @@
           </a:fontRef>
         </p:style>
       </p:cxnSp>
-      <p:pic>
-        <p:nvPicPr>
-          <p:cNvPr id="32" name="Picture 31">
+      <p:grpSp>
+        <p:nvGrpSpPr>
+          <p:cNvPr id="38" name="Group 37">
             <a:extLst>
               <a:ext uri="{FF2B5EF4-FFF2-40B4-BE49-F238E27FC236}">
-                <a16:creationId xmlns:a16="http://schemas.microsoft.com/office/drawing/2014/main" id="{9EF58497-E13A-0CF2-5CDC-050DEBAD4E96}"/>
+                <a16:creationId xmlns:a16="http://schemas.microsoft.com/office/drawing/2014/main" id="{64AB6310-C788-B888-65CC-C1F8E6808E9F}"/>
               </a:ext>
             </a:extLst>
           </p:cNvPr>
-          <p:cNvPicPr>
-            <a:picLocks noChangeAspect="1"/>
-          </p:cNvPicPr>
+          <p:cNvGrpSpPr/>
           <p:nvPr/>
-        </p:nvPicPr>
-        <p:blipFill>
-          <a:blip r:embed="rId5"/>
-          <a:stretch>
-            <a:fillRect/>
-          </a:stretch>
-        </p:blipFill>
-        <p:spPr>
-          <a:xfrm>
-            <a:off x="3602342" y="4319851"/>
-            <a:ext cx="2665912" cy="2186573"/>
-          </a:xfrm>
-          <a:prstGeom prst="rect">
-            <a:avLst/>
-          </a:prstGeom>
-        </p:spPr>
-      </p:pic>
-      <p:sp>
-        <p:nvSpPr>
-          <p:cNvPr id="33" name="TextBox 32">
-            <a:extLst>
-              <a:ext uri="{FF2B5EF4-FFF2-40B4-BE49-F238E27FC236}">
-                <a16:creationId xmlns:a16="http://schemas.microsoft.com/office/drawing/2014/main" id="{3F7EB26E-0424-E890-07C3-835A20D4DEC8}"/>
-              </a:ext>
-            </a:extLst>
-          </p:cNvPr>
-          <p:cNvSpPr txBox="1"/>
-          <p:nvPr/>
-        </p:nvSpPr>
-        <p:spPr>
+        </p:nvGrpSpPr>
+        <p:grpSpPr>
           <a:xfrm>
             <a:off x="3602342" y="3900231"/>
-            <a:ext cx="2810933" cy="369332"/>
+            <a:ext cx="2810933" cy="2606193"/>
+            <a:chOff x="3602342" y="3900231"/>
+            <a:chExt cx="2810933" cy="2606193"/>
           </a:xfrm>
-          <a:prstGeom prst="rect">
-            <a:avLst/>
-          </a:prstGeom>
-          <a:noFill/>
-        </p:spPr>
-        <p:txBody>
-          <a:bodyPr wrap="square">
-            <a:spAutoFit/>
-          </a:bodyPr>
-          <a:lstStyle/>
-          <a:p>
-            <a:pPr algn="ctr"/>
-            <a:r>
-              <a:rPr lang="en-US" i="1" dirty="0">
-                <a:latin typeface="Lucida grande" panose="020B0502040204020203"/>
-              </a:rPr>
-              <a:t>Hydration / Humidity</a:t>
-            </a:r>
-          </a:p>
-        </p:txBody>
-      </p:sp>
+        </p:grpSpPr>
+        <p:pic>
+          <p:nvPicPr>
+            <p:cNvPr id="32" name="Picture 31">
+              <a:extLst>
+                <a:ext uri="{FF2B5EF4-FFF2-40B4-BE49-F238E27FC236}">
+                  <a16:creationId xmlns:a16="http://schemas.microsoft.com/office/drawing/2014/main" id="{9EF58497-E13A-0CF2-5CDC-050DEBAD4E96}"/>
+                </a:ext>
+              </a:extLst>
+            </p:cNvPr>
+            <p:cNvPicPr>
+              <a:picLocks noChangeAspect="1"/>
+            </p:cNvPicPr>
+            <p:nvPr/>
+          </p:nvPicPr>
+          <p:blipFill>
+            <a:blip r:embed="rId5"/>
+            <a:stretch>
+              <a:fillRect/>
+            </a:stretch>
+          </p:blipFill>
+          <p:spPr>
+            <a:xfrm>
+              <a:off x="3602342" y="4319851"/>
+              <a:ext cx="2665912" cy="2186573"/>
+            </a:xfrm>
+            <a:prstGeom prst="rect">
+              <a:avLst/>
+            </a:prstGeom>
+          </p:spPr>
+        </p:pic>
+        <p:sp>
+          <p:nvSpPr>
+            <p:cNvPr id="33" name="TextBox 32">
+              <a:extLst>
+                <a:ext uri="{FF2B5EF4-FFF2-40B4-BE49-F238E27FC236}">
+                  <a16:creationId xmlns:a16="http://schemas.microsoft.com/office/drawing/2014/main" id="{3F7EB26E-0424-E890-07C3-835A20D4DEC8}"/>
+                </a:ext>
+              </a:extLst>
+            </p:cNvPr>
+            <p:cNvSpPr txBox="1"/>
+            <p:nvPr/>
+          </p:nvSpPr>
+          <p:spPr>
+            <a:xfrm>
+              <a:off x="3602342" y="3900231"/>
+              <a:ext cx="2810933" cy="369332"/>
+            </a:xfrm>
+            <a:prstGeom prst="rect">
+              <a:avLst/>
+            </a:prstGeom>
+            <a:noFill/>
+          </p:spPr>
+          <p:txBody>
+            <a:bodyPr wrap="square">
+              <a:spAutoFit/>
+            </a:bodyPr>
+            <a:lstStyle/>
+            <a:p>
+              <a:pPr algn="ctr"/>
+              <a:r>
+                <a:rPr lang="en-US" i="1" dirty="0">
+                  <a:latin typeface="Lucida grande" panose="020B0502040204020203"/>
+                </a:rPr>
+                <a:t>Hydration / Humidity</a:t>
+              </a:r>
+            </a:p>
+          </p:txBody>
+        </p:sp>
+      </p:grpSp>
       <p:sp>
         <p:nvSpPr>
           <p:cNvPr id="34" name="TextBox 33">
@@ -12261,11 +12345,7 @@
                                           </p:stCondLst>
                                         </p:cTn>
                                         <p:tgtEl>
-                                          <p:spTgt spid="10">
-                                            <p:txEl>
-                                              <p:pRg st="0" end="0"/>
-                                            </p:txEl>
-                                          </p:spTgt>
+                                          <p:spTgt spid="39"/>
                                         </p:tgtEl>
                                         <p:attrNameLst>
                                           <p:attrName>style.visibility</p:attrName>
@@ -12278,26 +12358,35 @@
                                   </p:childTnLst>
                                 </p:cTn>
                               </p:par>
-                            </p:childTnLst>
-                          </p:cTn>
-                        </p:par>
-                      </p:childTnLst>
-                    </p:cTn>
-                  </p:par>
-                  <p:par>
-                    <p:cTn id="7" fill="hold">
-                      <p:stCondLst>
-                        <p:cond delay="indefinite"/>
-                      </p:stCondLst>
-                      <p:childTnLst>
-                        <p:par>
-                          <p:cTn id="8" fill="hold">
-                            <p:stCondLst>
-                              <p:cond delay="0"/>
-                            </p:stCondLst>
-                            <p:childTnLst>
                               <p:par>
-                                <p:cTn id="9" presetID="1" presetClass="entr" presetSubtype="0" fill="hold" nodeType="clickEffect">
+                                <p:cTn id="7" presetID="1" presetClass="entr" presetSubtype="0" fill="hold" grpId="0" nodeType="withEffect">
+                                  <p:stCondLst>
+                                    <p:cond delay="0"/>
+                                  </p:stCondLst>
+                                  <p:childTnLst>
+                                    <p:set>
+                                      <p:cBhvr>
+                                        <p:cTn id="8" dur="1" fill="hold">
+                                          <p:stCondLst>
+                                            <p:cond delay="0"/>
+                                          </p:stCondLst>
+                                        </p:cTn>
+                                        <p:tgtEl>
+                                          <p:spTgt spid="34"/>
+                                        </p:tgtEl>
+                                        <p:attrNameLst>
+                                          <p:attrName>style.visibility</p:attrName>
+                                        </p:attrNameLst>
+                                      </p:cBhvr>
+                                      <p:to>
+                                        <p:strVal val="visible"/>
+                                      </p:to>
+                                    </p:set>
+                                  </p:childTnLst>
+                                </p:cTn>
+                              </p:par>
+                              <p:par>
+                                <p:cTn id="9" presetID="1" presetClass="entr" presetSubtype="0" fill="hold" nodeType="withEffect">
                                   <p:stCondLst>
                                     <p:cond delay="0"/>
                                   </p:stCondLst>
@@ -12310,11 +12399,7 @@
                                           </p:stCondLst>
                                         </p:cTn>
                                         <p:tgtEl>
-                                          <p:spTgt spid="23">
-                                            <p:txEl>
-                                              <p:pRg st="0" end="0"/>
-                                            </p:txEl>
-                                          </p:spTgt>
+                                          <p:spTgt spid="30"/>
                                         </p:tgtEl>
                                         <p:attrNameLst>
                                           <p:attrName>style.visibility</p:attrName>
@@ -12359,11 +12444,124 @@
                                           </p:stCondLst>
                                         </p:cTn>
                                         <p:tgtEl>
-                                          <p:spTgt spid="33">
-                                            <p:txEl>
-                                              <p:pRg st="0" end="0"/>
-                                            </p:txEl>
-                                          </p:spTgt>
+                                          <p:spTgt spid="40"/>
+                                        </p:tgtEl>
+                                        <p:attrNameLst>
+                                          <p:attrName>style.visibility</p:attrName>
+                                        </p:attrNameLst>
+                                      </p:cBhvr>
+                                      <p:to>
+                                        <p:strVal val="visible"/>
+                                      </p:to>
+                                    </p:set>
+                                  </p:childTnLst>
+                                </p:cTn>
+                              </p:par>
+                            </p:childTnLst>
+                          </p:cTn>
+                        </p:par>
+                      </p:childTnLst>
+                    </p:cTn>
+                  </p:par>
+                  <p:par>
+                    <p:cTn id="15" fill="hold">
+                      <p:stCondLst>
+                        <p:cond delay="indefinite"/>
+                      </p:stCondLst>
+                      <p:childTnLst>
+                        <p:par>
+                          <p:cTn id="16" fill="hold">
+                            <p:stCondLst>
+                              <p:cond delay="0"/>
+                            </p:stCondLst>
+                            <p:childTnLst>
+                              <p:par>
+                                <p:cTn id="17" presetID="1" presetClass="entr" presetSubtype="0" fill="hold" nodeType="clickEffect">
+                                  <p:stCondLst>
+                                    <p:cond delay="0"/>
+                                  </p:stCondLst>
+                                  <p:childTnLst>
+                                    <p:set>
+                                      <p:cBhvr>
+                                        <p:cTn id="18" dur="1" fill="hold">
+                                          <p:stCondLst>
+                                            <p:cond delay="0"/>
+                                          </p:stCondLst>
+                                        </p:cTn>
+                                        <p:tgtEl>
+                                          <p:spTgt spid="38"/>
+                                        </p:tgtEl>
+                                        <p:attrNameLst>
+                                          <p:attrName>style.visibility</p:attrName>
+                                        </p:attrNameLst>
+                                      </p:cBhvr>
+                                      <p:to>
+                                        <p:strVal val="visible"/>
+                                      </p:to>
+                                    </p:set>
+                                  </p:childTnLst>
+                                </p:cTn>
+                              </p:par>
+                              <p:par>
+                                <p:cTn id="19" presetID="1" presetClass="entr" presetSubtype="0" fill="hold" grpId="0" nodeType="withEffect">
+                                  <p:stCondLst>
+                                    <p:cond delay="0"/>
+                                  </p:stCondLst>
+                                  <p:childTnLst>
+                                    <p:set>
+                                      <p:cBhvr>
+                                        <p:cTn id="20" dur="1" fill="hold">
+                                          <p:stCondLst>
+                                            <p:cond delay="0"/>
+                                          </p:stCondLst>
+                                        </p:cTn>
+                                        <p:tgtEl>
+                                          <p:spTgt spid="35"/>
+                                        </p:tgtEl>
+                                        <p:attrNameLst>
+                                          <p:attrName>style.visibility</p:attrName>
+                                        </p:attrNameLst>
+                                      </p:cBhvr>
+                                      <p:to>
+                                        <p:strVal val="visible"/>
+                                      </p:to>
+                                    </p:set>
+                                  </p:childTnLst>
+                                </p:cTn>
+                              </p:par>
+                            </p:childTnLst>
+                          </p:cTn>
+                        </p:par>
+                      </p:childTnLst>
+                    </p:cTn>
+                  </p:par>
+                  <p:par>
+                    <p:cTn id="21" fill="hold">
+                      <p:stCondLst>
+                        <p:cond delay="indefinite"/>
+                      </p:stCondLst>
+                      <p:childTnLst>
+                        <p:par>
+                          <p:cTn id="22" fill="hold">
+                            <p:stCondLst>
+                              <p:cond delay="0"/>
+                            </p:stCondLst>
+                            <p:childTnLst>
+                              <p:par>
+                                <p:cTn id="23" presetID="1" presetClass="entr" presetSubtype="0" fill="hold" nodeType="clickEffect">
+                                  <p:stCondLst>
+                                    <p:cond delay="0"/>
+                                  </p:stCondLst>
+                                  <p:childTnLst>
+                                    <p:set>
+                                      <p:cBhvr>
+                                        <p:cTn id="24" dur="1" fill="hold">
+                                          <p:stCondLst>
+                                            <p:cond delay="0"/>
+                                          </p:stCondLst>
+                                        </p:cTn>
+                                        <p:tgtEl>
+                                          <p:spTgt spid="37"/>
                                         </p:tgtEl>
                                         <p:attrNameLst>
                                           <p:attrName>style.visibility</p:attrName>
@@ -12403,6 +12601,10 @@
         </p:cTn>
       </p:par>
     </p:tnLst>
+    <p:bldLst>
+      <p:bldP spid="34" grpId="0"/>
+      <p:bldP spid="35" grpId="0"/>
+    </p:bldLst>
   </p:timing>
 </p:sld>
 </file>
@@ -13099,183 +13301,6 @@
   <p:clrMapOvr>
     <a:masterClrMapping/>
   </p:clrMapOvr>
-  <p:timing>
-    <p:tnLst>
-      <p:par>
-        <p:cTn id="1" dur="indefinite" restart="never" nodeType="tmRoot">
-          <p:childTnLst>
-            <p:seq concurrent="1" nextAc="seek">
-              <p:cTn id="2" dur="indefinite" nodeType="mainSeq">
-                <p:childTnLst>
-                  <p:par>
-                    <p:cTn id="3" fill="hold">
-                      <p:stCondLst>
-                        <p:cond delay="indefinite"/>
-                      </p:stCondLst>
-                      <p:childTnLst>
-                        <p:par>
-                          <p:cTn id="4" fill="hold">
-                            <p:stCondLst>
-                              <p:cond delay="0"/>
-                            </p:stCondLst>
-                            <p:childTnLst>
-                              <p:par>
-                                <p:cTn id="5" presetID="1" presetClass="entr" presetSubtype="0" fill="hold" nodeType="clickEffect">
-                                  <p:stCondLst>
-                                    <p:cond delay="0"/>
-                                  </p:stCondLst>
-                                  <p:childTnLst>
-                                    <p:set>
-                                      <p:cBhvr>
-                                        <p:cTn id="6" dur="1" fill="hold">
-                                          <p:stCondLst>
-                                            <p:cond delay="0"/>
-                                          </p:stCondLst>
-                                        </p:cTn>
-                                        <p:tgtEl>
-                                          <p:spTgt spid="10">
-                                            <p:txEl>
-                                              <p:pRg st="0" end="0"/>
-                                            </p:txEl>
-                                          </p:spTgt>
-                                        </p:tgtEl>
-                                        <p:attrNameLst>
-                                          <p:attrName>style.visibility</p:attrName>
-                                        </p:attrNameLst>
-                                      </p:cBhvr>
-                                      <p:to>
-                                        <p:strVal val="visible"/>
-                                      </p:to>
-                                    </p:set>
-                                  </p:childTnLst>
-                                </p:cTn>
-                              </p:par>
-                            </p:childTnLst>
-                          </p:cTn>
-                        </p:par>
-                      </p:childTnLst>
-                    </p:cTn>
-                  </p:par>
-                  <p:par>
-                    <p:cTn id="7" fill="hold">
-                      <p:stCondLst>
-                        <p:cond delay="indefinite"/>
-                      </p:stCondLst>
-                      <p:childTnLst>
-                        <p:par>
-                          <p:cTn id="8" fill="hold">
-                            <p:stCondLst>
-                              <p:cond delay="0"/>
-                            </p:stCondLst>
-                            <p:childTnLst>
-                              <p:par>
-                                <p:cTn id="9" presetID="1" presetClass="entr" presetSubtype="0" fill="hold" nodeType="clickEffect">
-                                  <p:stCondLst>
-                                    <p:cond delay="0"/>
-                                  </p:stCondLst>
-                                  <p:childTnLst>
-                                    <p:set>
-                                      <p:cBhvr>
-                                        <p:cTn id="10" dur="1" fill="hold">
-                                          <p:stCondLst>
-                                            <p:cond delay="0"/>
-                                          </p:stCondLst>
-                                        </p:cTn>
-                                        <p:tgtEl>
-                                          <p:spTgt spid="23">
-                                            <p:txEl>
-                                              <p:pRg st="0" end="0"/>
-                                            </p:txEl>
-                                          </p:spTgt>
-                                        </p:tgtEl>
-                                        <p:attrNameLst>
-                                          <p:attrName>style.visibility</p:attrName>
-                                        </p:attrNameLst>
-                                      </p:cBhvr>
-                                      <p:to>
-                                        <p:strVal val="visible"/>
-                                      </p:to>
-                                    </p:set>
-                                  </p:childTnLst>
-                                </p:cTn>
-                              </p:par>
-                            </p:childTnLst>
-                          </p:cTn>
-                        </p:par>
-                      </p:childTnLst>
-                    </p:cTn>
-                  </p:par>
-                  <p:par>
-                    <p:cTn id="11" fill="hold">
-                      <p:stCondLst>
-                        <p:cond delay="indefinite"/>
-                      </p:stCondLst>
-                      <p:childTnLst>
-                        <p:par>
-                          <p:cTn id="12" fill="hold">
-                            <p:stCondLst>
-                              <p:cond delay="0"/>
-                            </p:stCondLst>
-                            <p:childTnLst>
-                              <p:par>
-                                <p:cTn id="13" presetID="1" presetClass="entr" presetSubtype="0" fill="hold" nodeType="clickEffect">
-                                  <p:stCondLst>
-                                    <p:cond delay="0"/>
-                                  </p:stCondLst>
-                                  <p:childTnLst>
-                                    <p:set>
-                                      <p:cBhvr>
-                                        <p:cTn id="14" dur="1" fill="hold">
-                                          <p:stCondLst>
-                                            <p:cond delay="0"/>
-                                          </p:stCondLst>
-                                        </p:cTn>
-                                        <p:tgtEl>
-                                          <p:spTgt spid="33">
-                                            <p:txEl>
-                                              <p:pRg st="0" end="0"/>
-                                            </p:txEl>
-                                          </p:spTgt>
-                                        </p:tgtEl>
-                                        <p:attrNameLst>
-                                          <p:attrName>style.visibility</p:attrName>
-                                        </p:attrNameLst>
-                                      </p:cBhvr>
-                                      <p:to>
-                                        <p:strVal val="visible"/>
-                                      </p:to>
-                                    </p:set>
-                                  </p:childTnLst>
-                                </p:cTn>
-                              </p:par>
-                            </p:childTnLst>
-                          </p:cTn>
-                        </p:par>
-                      </p:childTnLst>
-                    </p:cTn>
-                  </p:par>
-                </p:childTnLst>
-              </p:cTn>
-              <p:prevCondLst>
-                <p:cond evt="onPrev" delay="0">
-                  <p:tgtEl>
-                    <p:sldTgt/>
-                  </p:tgtEl>
-                </p:cond>
-              </p:prevCondLst>
-              <p:nextCondLst>
-                <p:cond evt="onNext" delay="0">
-                  <p:tgtEl>
-                    <p:sldTgt/>
-                  </p:tgtEl>
-                </p:cond>
-              </p:nextCondLst>
-            </p:seq>
-          </p:childTnLst>
-        </p:cTn>
-      </p:par>
-    </p:tnLst>
-  </p:timing>
 </p:sld>
 </file>
 
@@ -13402,7 +13427,15 @@
           <a:p>
             <a:r>
               <a:rPr lang="en-US" dirty="0"/>
-              <a:t>Proposal for application to PEM—Pt interface</a:t>
+              <a:t>Proposal for application to </a:t>
+            </a:r>
+            <a:r>
+              <a:rPr lang="en-US" dirty="0" err="1"/>
+              <a:t>Nafion</a:t>
+            </a:r>
+            <a:r>
+              <a:rPr lang="en-US" dirty="0"/>
+              <a:t>—Pt interface</a:t>
             </a:r>
           </a:p>
           <a:p>

--- a/20240722 NAF Intro.pptx
+++ b/20240722 NAF Intro.pptx
@@ -8154,7 +8154,15 @@
           <a:p>
             <a:r>
               <a:rPr lang="en-US" dirty="0"/>
-              <a:t>Proposal for application to PEM—Pt interface</a:t>
+              <a:t>Proposal for application </a:t>
+            </a:r>
+            <a:r>
+              <a:rPr lang="en-US"/>
+              <a:t>to Ionomer—</a:t>
+            </a:r>
+            <a:r>
+              <a:rPr lang="en-US" dirty="0"/>
+              <a:t>Pt interface</a:t>
             </a:r>
           </a:p>
           <a:p>
@@ -13427,15 +13435,7 @@
           <a:p>
             <a:r>
               <a:rPr lang="en-US" dirty="0"/>
-              <a:t>Proposal for application to </a:t>
-            </a:r>
-            <a:r>
-              <a:rPr lang="en-US" dirty="0" err="1"/>
-              <a:t>Nafion</a:t>
-            </a:r>
-            <a:r>
-              <a:rPr lang="en-US" dirty="0"/>
-              <a:t>—Pt interface</a:t>
+              <a:t>Proposal for application to Ionomer—Pt interface</a:t>
             </a:r>
           </a:p>
           <a:p>
@@ -13636,7 +13636,7 @@
                   </a:schemeClr>
                 </a:solidFill>
               </a:rPr>
-              <a:t>Proposal for application to PEM—Pt interface</a:t>
+              <a:t>Proposal for application to Ionomer—Pt interface</a:t>
             </a:r>
           </a:p>
           <a:p>
@@ -18442,7 +18442,7 @@
                   </a:schemeClr>
                 </a:solidFill>
               </a:rPr>
-              <a:t>Proposal for application to PEM—Pt interface</a:t>
+              <a:t>Proposal for application to Ionomer—Pt interface</a:t>
             </a:r>
           </a:p>
           <a:p>

--- a/20240722 NAF Intro.pptx
+++ b/20240722 NAF Intro.pptx
@@ -8154,15 +8154,7 @@
           <a:p>
             <a:r>
               <a:rPr lang="en-US" dirty="0"/>
-              <a:t>Proposal for application </a:t>
-            </a:r>
-            <a:r>
-              <a:rPr lang="en-US"/>
-              <a:t>to Ionomer—</a:t>
-            </a:r>
-            <a:r>
-              <a:rPr lang="en-US" dirty="0"/>
-              <a:t>Pt interface</a:t>
+              <a:t>Proposal for application to Ionomer—Pt interface</a:t>
             </a:r>
           </a:p>
           <a:p>
@@ -8249,16 +8241,21 @@
             <p:ph type="title"/>
           </p:nvPr>
         </p:nvSpPr>
-        <p:spPr/>
+        <p:spPr>
+          <a:xfrm>
+            <a:off x="0" y="136525"/>
+            <a:ext cx="12192000" cy="800128"/>
+          </a:xfrm>
+        </p:spPr>
         <p:txBody>
           <a:bodyPr>
-            <a:normAutofit/>
+            <a:noAutofit/>
           </a:bodyPr>
           <a:lstStyle/>
           <a:p>
             <a:r>
-              <a:rPr lang="en-US" dirty="0"/>
-              <a:t>Example: considering sidechains only</a:t>
+              <a:rPr lang="en-US" sz="3600" dirty="0"/>
+              <a:t>Rudimentary proof-of-concept: considering sidechains only</a:t>
             </a:r>
           </a:p>
         </p:txBody>
@@ -8306,8 +8303,8 @@
         </p:nvSpPr>
         <p:spPr>
           <a:xfrm>
-            <a:off x="5173134" y="2751651"/>
-            <a:ext cx="6282267" cy="1477328"/>
+            <a:off x="5091576" y="2086147"/>
+            <a:ext cx="6768042" cy="4524315"/>
           </a:xfrm>
           <a:prstGeom prst="rect">
             <a:avLst/>
@@ -8326,7 +8323,7 @@
             </a:pPr>
             <a:r>
               <a:rPr lang="en-US" dirty="0"/>
-              <a:t>Model: “grafting surface” is bulk membrane/thin film. For these preliminary results, only the sidechains are considered</a:t>
+              <a:t>Model: “grafting substrate” is the “bulk” thin film. Sidechains are uniformly tethered to the surface. </a:t>
             </a:r>
           </a:p>
           <a:p>
@@ -8343,7 +8340,54 @@
             </a:pPr>
             <a:r>
               <a:rPr lang="en-US" dirty="0"/>
-              <a:t>Density distribution of SO3 bead is dashed.</a:t>
+              <a:t>Polymer density distributions illustrates the effect of Pt surface charge density on thin-film morphology</a:t>
+            </a:r>
+          </a:p>
+          <a:p>
+            <a:pPr marL="742950" lvl="1" indent="-285750">
+              <a:buFont typeface="Arial" panose="020B0604020202020204" pitchFamily="34" charset="0"/>
+              <a:buChar char="•"/>
+            </a:pPr>
+            <a:r>
+              <a:rPr lang="en-US" dirty="0"/>
+              <a:t>As charge increases, the degree of polymer poisoning increases</a:t>
+            </a:r>
+          </a:p>
+          <a:p>
+            <a:pPr marL="1200150" lvl="2" indent="-285750">
+              <a:buFont typeface="Arial" panose="020B0604020202020204" pitchFamily="34" charset="0"/>
+              <a:buChar char="•"/>
+            </a:pPr>
+            <a:r>
+              <a:rPr lang="en-US" dirty="0"/>
+              <a:t>The vast majority of the density near Pt is composed of SO3− (dashed)</a:t>
+            </a:r>
+          </a:p>
+          <a:p>
+            <a:pPr marL="742950" lvl="1" indent="-285750">
+              <a:buFont typeface="Arial" panose="020B0604020202020204" pitchFamily="34" charset="0"/>
+              <a:buChar char="•"/>
+            </a:pPr>
+            <a:r>
+              <a:rPr lang="en-US" dirty="0"/>
+              <a:t>Proton distributions (dotted) illustrate the competing effects between increased (+) surface charge density and the ion cloud surrounding the SO3− groups</a:t>
+            </a:r>
+          </a:p>
+          <a:p>
+            <a:pPr marL="742950" lvl="1" indent="-285750">
+              <a:buFont typeface="Arial" panose="020B0604020202020204" pitchFamily="34" charset="0"/>
+              <a:buChar char="•"/>
+            </a:pPr>
+            <a:endParaRPr lang="en-US" dirty="0"/>
+          </a:p>
+          <a:p>
+            <a:pPr marL="285750" indent="-285750">
+              <a:buFont typeface="Arial" panose="020B0604020202020204" pitchFamily="34" charset="0"/>
+              <a:buChar char="•"/>
+            </a:pPr>
+            <a:r>
+              <a:rPr lang="en-US" dirty="0"/>
+              <a:t>However, this model does not account for the rest of the film (e.g., elasticity of the ionomer backbones)</a:t>
             </a:r>
           </a:p>
           <a:p>
@@ -8377,7 +8421,7 @@
         </p:blipFill>
         <p:spPr>
           <a:xfrm>
-            <a:off x="1106325" y="2427351"/>
+            <a:off x="1268250" y="2345008"/>
             <a:ext cx="2448155" cy="2003297"/>
           </a:xfrm>
           <a:prstGeom prst="rect">
@@ -8610,8 +8654,8 @@
         </p:nvGrpSpPr>
         <p:grpSpPr>
           <a:xfrm>
-            <a:off x="1023877" y="4521200"/>
-            <a:ext cx="3525074" cy="2200275"/>
+            <a:off x="1059395" y="4348305"/>
+            <a:ext cx="3796274" cy="2369552"/>
             <a:chOff x="1023877" y="4521200"/>
             <a:chExt cx="3525074" cy="2200275"/>
           </a:xfrm>
@@ -8764,7 +8808,12 @@
             <p:ph type="title"/>
           </p:nvPr>
         </p:nvSpPr>
-        <p:spPr/>
+        <p:spPr>
+          <a:xfrm>
+            <a:off x="0" y="136525"/>
+            <a:ext cx="12192000" cy="800128"/>
+          </a:xfrm>
+        </p:spPr>
         <p:txBody>
           <a:bodyPr>
             <a:noAutofit/>
@@ -8772,7 +8821,7 @@
           <a:lstStyle/>
           <a:p>
             <a:r>
-              <a:rPr lang="en-US" sz="2800" dirty="0"/>
+              <a:rPr lang="en-US" sz="3200" dirty="0"/>
               <a:t>Proposed system for Ionomer—Pt interface at varying humidities</a:t>
             </a:r>
           </a:p>
@@ -8804,6 +8853,2487 @@
               <a:t>14</a:t>
             </a:fld>
             <a:endParaRPr lang="en-US"/>
+          </a:p>
+        </p:txBody>
+      </p:sp>
+      <p:grpSp>
+        <p:nvGrpSpPr>
+          <p:cNvPr id="78" name="Group 77">
+            <a:extLst>
+              <a:ext uri="{FF2B5EF4-FFF2-40B4-BE49-F238E27FC236}">
+                <a16:creationId xmlns:a16="http://schemas.microsoft.com/office/drawing/2014/main" id="{C9E7FF8C-B4D1-EECB-E9F0-83367D1AFF5C}"/>
+              </a:ext>
+            </a:extLst>
+          </p:cNvPr>
+          <p:cNvGrpSpPr/>
+          <p:nvPr/>
+        </p:nvGrpSpPr>
+        <p:grpSpPr>
+          <a:xfrm>
+            <a:off x="26522" y="1438646"/>
+            <a:ext cx="5676409" cy="2968550"/>
+            <a:chOff x="26522" y="1438646"/>
+            <a:chExt cx="5676409" cy="2968550"/>
+          </a:xfrm>
+        </p:grpSpPr>
+        <p:pic>
+          <p:nvPicPr>
+            <p:cNvPr id="30" name="Picture 29">
+              <a:extLst>
+                <a:ext uri="{FF2B5EF4-FFF2-40B4-BE49-F238E27FC236}">
+                  <a16:creationId xmlns:a16="http://schemas.microsoft.com/office/drawing/2014/main" id="{0A26F733-465A-FDCF-3ACC-7B53C3D7AB41}"/>
+                </a:ext>
+              </a:extLst>
+            </p:cNvPr>
+            <p:cNvPicPr>
+              <a:picLocks noChangeAspect="1"/>
+            </p:cNvPicPr>
+            <p:nvPr/>
+          </p:nvPicPr>
+          <p:blipFill>
+            <a:blip r:embed="rId2"/>
+            <a:stretch>
+              <a:fillRect/>
+            </a:stretch>
+          </p:blipFill>
+          <p:spPr>
+            <a:xfrm rot="9795709">
+              <a:off x="1790372" y="1985126"/>
+              <a:ext cx="2197938" cy="887629"/>
+            </a:xfrm>
+            <a:prstGeom prst="rect">
+              <a:avLst/>
+            </a:prstGeom>
+          </p:spPr>
+        </p:pic>
+        <p:pic>
+          <p:nvPicPr>
+            <p:cNvPr id="31" name="Picture 30">
+              <a:extLst>
+                <a:ext uri="{FF2B5EF4-FFF2-40B4-BE49-F238E27FC236}">
+                  <a16:creationId xmlns:a16="http://schemas.microsoft.com/office/drawing/2014/main" id="{6596C7E7-2466-CDB1-600F-DD69FE1E8C0D}"/>
+                </a:ext>
+              </a:extLst>
+            </p:cNvPr>
+            <p:cNvPicPr>
+              <a:picLocks noChangeAspect="1"/>
+            </p:cNvPicPr>
+            <p:nvPr/>
+          </p:nvPicPr>
+          <p:blipFill>
+            <a:blip r:embed="rId2"/>
+            <a:stretch>
+              <a:fillRect/>
+            </a:stretch>
+          </p:blipFill>
+          <p:spPr>
+            <a:xfrm rot="7948509">
+              <a:off x="2361808" y="2864412"/>
+              <a:ext cx="2197938" cy="887629"/>
+            </a:xfrm>
+            <a:prstGeom prst="rect">
+              <a:avLst/>
+            </a:prstGeom>
+          </p:spPr>
+        </p:pic>
+        <p:pic>
+          <p:nvPicPr>
+            <p:cNvPr id="32" name="Picture 31">
+              <a:extLst>
+                <a:ext uri="{FF2B5EF4-FFF2-40B4-BE49-F238E27FC236}">
+                  <a16:creationId xmlns:a16="http://schemas.microsoft.com/office/drawing/2014/main" id="{42927EAA-989B-21AF-51F0-48701397D754}"/>
+                </a:ext>
+              </a:extLst>
+            </p:cNvPr>
+            <p:cNvPicPr>
+              <a:picLocks noChangeAspect="1"/>
+            </p:cNvPicPr>
+            <p:nvPr/>
+          </p:nvPicPr>
+          <p:blipFill>
+            <a:blip r:embed="rId2"/>
+            <a:stretch>
+              <a:fillRect/>
+            </a:stretch>
+          </p:blipFill>
+          <p:spPr>
+            <a:xfrm rot="10600832">
+              <a:off x="792709" y="3287029"/>
+              <a:ext cx="2197938" cy="887629"/>
+            </a:xfrm>
+            <a:prstGeom prst="rect">
+              <a:avLst/>
+            </a:prstGeom>
+          </p:spPr>
+        </p:pic>
+        <p:pic>
+          <p:nvPicPr>
+            <p:cNvPr id="33" name="Picture 32">
+              <a:extLst>
+                <a:ext uri="{FF2B5EF4-FFF2-40B4-BE49-F238E27FC236}">
+                  <a16:creationId xmlns:a16="http://schemas.microsoft.com/office/drawing/2014/main" id="{4C465B99-3CBA-E704-D4D6-6E853430DEEC}"/>
+                </a:ext>
+              </a:extLst>
+            </p:cNvPr>
+            <p:cNvPicPr>
+              <a:picLocks noChangeAspect="1"/>
+            </p:cNvPicPr>
+            <p:nvPr/>
+          </p:nvPicPr>
+          <p:blipFill>
+            <a:blip r:embed="rId2"/>
+            <a:stretch>
+              <a:fillRect/>
+            </a:stretch>
+          </p:blipFill>
+          <p:spPr>
+            <a:xfrm>
+              <a:off x="1306911" y="2706360"/>
+              <a:ext cx="2197938" cy="887629"/>
+            </a:xfrm>
+            <a:prstGeom prst="rect">
+              <a:avLst/>
+            </a:prstGeom>
+          </p:spPr>
+        </p:pic>
+        <p:pic>
+          <p:nvPicPr>
+            <p:cNvPr id="34" name="Picture 33">
+              <a:extLst>
+                <a:ext uri="{FF2B5EF4-FFF2-40B4-BE49-F238E27FC236}">
+                  <a16:creationId xmlns:a16="http://schemas.microsoft.com/office/drawing/2014/main" id="{F8E19381-77F9-789B-F1C4-36E45F232A8B}"/>
+                </a:ext>
+              </a:extLst>
+            </p:cNvPr>
+            <p:cNvPicPr>
+              <a:picLocks noChangeAspect="1"/>
+            </p:cNvPicPr>
+            <p:nvPr/>
+          </p:nvPicPr>
+          <p:blipFill>
+            <a:blip r:embed="rId2"/>
+            <a:stretch>
+              <a:fillRect/>
+            </a:stretch>
+          </p:blipFill>
+          <p:spPr>
+            <a:xfrm rot="8059199">
+              <a:off x="-51731" y="2568197"/>
+              <a:ext cx="2197938" cy="887629"/>
+            </a:xfrm>
+            <a:prstGeom prst="rect">
+              <a:avLst/>
+            </a:prstGeom>
+          </p:spPr>
+        </p:pic>
+        <p:pic>
+          <p:nvPicPr>
+            <p:cNvPr id="35" name="Picture 34">
+              <a:extLst>
+                <a:ext uri="{FF2B5EF4-FFF2-40B4-BE49-F238E27FC236}">
+                  <a16:creationId xmlns:a16="http://schemas.microsoft.com/office/drawing/2014/main" id="{8905DC49-D729-4FA9-901A-D1E5940CE177}"/>
+                </a:ext>
+              </a:extLst>
+            </p:cNvPr>
+            <p:cNvPicPr>
+              <a:picLocks noChangeAspect="1"/>
+            </p:cNvPicPr>
+            <p:nvPr/>
+          </p:nvPicPr>
+          <p:blipFill>
+            <a:blip r:embed="rId2"/>
+            <a:stretch>
+              <a:fillRect/>
+            </a:stretch>
+          </p:blipFill>
+          <p:spPr>
+            <a:xfrm rot="5400000">
+              <a:off x="3162495" y="2594325"/>
+              <a:ext cx="2197938" cy="887629"/>
+            </a:xfrm>
+            <a:prstGeom prst="rect">
+              <a:avLst/>
+            </a:prstGeom>
+          </p:spPr>
+        </p:pic>
+        <p:sp>
+          <p:nvSpPr>
+            <p:cNvPr id="37" name="Rectangle 36">
+              <a:extLst>
+                <a:ext uri="{FF2B5EF4-FFF2-40B4-BE49-F238E27FC236}">
+                  <a16:creationId xmlns:a16="http://schemas.microsoft.com/office/drawing/2014/main" id="{1F4ADAEB-095A-CC07-46D0-3AC2510D6CB3}"/>
+                </a:ext>
+              </a:extLst>
+            </p:cNvPr>
+            <p:cNvSpPr/>
+            <p:nvPr/>
+          </p:nvSpPr>
+          <p:spPr>
+            <a:xfrm>
+              <a:off x="5218409" y="1848272"/>
+              <a:ext cx="197520" cy="2544104"/>
+            </a:xfrm>
+            <a:prstGeom prst="rect">
+              <a:avLst/>
+            </a:prstGeom>
+            <a:pattFill prst="wdUpDiag">
+              <a:fgClr>
+                <a:schemeClr val="tx1"/>
+              </a:fgClr>
+              <a:bgClr>
+                <a:schemeClr val="bg1"/>
+              </a:bgClr>
+            </a:pattFill>
+            <a:ln w="19050"/>
+          </p:spPr>
+          <p:style>
+            <a:lnRef idx="2">
+              <a:schemeClr val="accent1">
+                <a:shade val="15000"/>
+              </a:schemeClr>
+            </a:lnRef>
+            <a:fillRef idx="1">
+              <a:schemeClr val="accent1"/>
+            </a:fillRef>
+            <a:effectRef idx="0">
+              <a:schemeClr val="accent1"/>
+            </a:effectRef>
+            <a:fontRef idx="minor">
+              <a:schemeClr val="lt1"/>
+            </a:fontRef>
+          </p:style>
+          <p:txBody>
+            <a:bodyPr rtlCol="0" anchor="ctr"/>
+            <a:lstStyle/>
+            <a:p>
+              <a:pPr algn="ctr"/>
+              <a:endParaRPr lang="en-US"/>
+            </a:p>
+          </p:txBody>
+        </p:sp>
+        <p:cxnSp>
+          <p:nvCxnSpPr>
+            <p:cNvPr id="39" name="Straight Connector 38">
+              <a:extLst>
+                <a:ext uri="{FF2B5EF4-FFF2-40B4-BE49-F238E27FC236}">
+                  <a16:creationId xmlns:a16="http://schemas.microsoft.com/office/drawing/2014/main" id="{885AF5B8-7D8D-7499-C2F9-D6CF8FF8ECDD}"/>
+                </a:ext>
+              </a:extLst>
+            </p:cNvPr>
+            <p:cNvCxnSpPr>
+              <a:cxnSpLocks/>
+            </p:cNvCxnSpPr>
+            <p:nvPr/>
+          </p:nvCxnSpPr>
+          <p:spPr>
+            <a:xfrm flipH="1">
+              <a:off x="26522" y="1848272"/>
+              <a:ext cx="5191887" cy="0"/>
+            </a:xfrm>
+            <a:prstGeom prst="line">
+              <a:avLst/>
+            </a:prstGeom>
+            <a:ln w="19050">
+              <a:solidFill>
+                <a:schemeClr val="tx1"/>
+              </a:solidFill>
+            </a:ln>
+          </p:spPr>
+          <p:style>
+            <a:lnRef idx="1">
+              <a:schemeClr val="accent1"/>
+            </a:lnRef>
+            <a:fillRef idx="0">
+              <a:schemeClr val="accent1"/>
+            </a:fillRef>
+            <a:effectRef idx="0">
+              <a:schemeClr val="accent1"/>
+            </a:effectRef>
+            <a:fontRef idx="minor">
+              <a:schemeClr val="tx1"/>
+            </a:fontRef>
+          </p:style>
+        </p:cxnSp>
+        <p:cxnSp>
+          <p:nvCxnSpPr>
+            <p:cNvPr id="40" name="Straight Connector 39">
+              <a:extLst>
+                <a:ext uri="{FF2B5EF4-FFF2-40B4-BE49-F238E27FC236}">
+                  <a16:creationId xmlns:a16="http://schemas.microsoft.com/office/drawing/2014/main" id="{026B88A7-8045-918B-BA01-65E4533EE18E}"/>
+                </a:ext>
+              </a:extLst>
+            </p:cNvPr>
+            <p:cNvCxnSpPr>
+              <a:cxnSpLocks/>
+            </p:cNvCxnSpPr>
+            <p:nvPr/>
+          </p:nvCxnSpPr>
+          <p:spPr>
+            <a:xfrm flipH="1">
+              <a:off x="26522" y="4392376"/>
+              <a:ext cx="5191887" cy="0"/>
+            </a:xfrm>
+            <a:prstGeom prst="line">
+              <a:avLst/>
+            </a:prstGeom>
+            <a:ln w="19050">
+              <a:solidFill>
+                <a:schemeClr val="tx1"/>
+              </a:solidFill>
+            </a:ln>
+          </p:spPr>
+          <p:style>
+            <a:lnRef idx="1">
+              <a:schemeClr val="accent1"/>
+            </a:lnRef>
+            <a:fillRef idx="0">
+              <a:schemeClr val="accent1"/>
+            </a:fillRef>
+            <a:effectRef idx="0">
+              <a:schemeClr val="accent1"/>
+            </a:effectRef>
+            <a:fontRef idx="minor">
+              <a:schemeClr val="tx1"/>
+            </a:fontRef>
+          </p:style>
+        </p:cxnSp>
+        <p:sp>
+          <p:nvSpPr>
+            <p:cNvPr id="44" name="Oval 43">
+              <a:extLst>
+                <a:ext uri="{FF2B5EF4-FFF2-40B4-BE49-F238E27FC236}">
+                  <a16:creationId xmlns:a16="http://schemas.microsoft.com/office/drawing/2014/main" id="{A8740E23-9AAE-51D8-9265-FF414B002822}"/>
+                </a:ext>
+              </a:extLst>
+            </p:cNvPr>
+            <p:cNvSpPr/>
+            <p:nvPr/>
+          </p:nvSpPr>
+          <p:spPr>
+            <a:xfrm>
+              <a:off x="3980884" y="2214010"/>
+              <a:ext cx="88682" cy="88682"/>
+            </a:xfrm>
+            <a:prstGeom prst="ellipse">
+              <a:avLst/>
+            </a:prstGeom>
+            <a:solidFill>
+              <a:schemeClr val="accent2"/>
+            </a:solidFill>
+            <a:ln>
+              <a:noFill/>
+            </a:ln>
+          </p:spPr>
+          <p:style>
+            <a:lnRef idx="2">
+              <a:schemeClr val="accent1">
+                <a:shade val="15000"/>
+              </a:schemeClr>
+            </a:lnRef>
+            <a:fillRef idx="1">
+              <a:schemeClr val="accent1"/>
+            </a:fillRef>
+            <a:effectRef idx="0">
+              <a:schemeClr val="accent1"/>
+            </a:effectRef>
+            <a:fontRef idx="minor">
+              <a:schemeClr val="lt1"/>
+            </a:fontRef>
+          </p:style>
+          <p:txBody>
+            <a:bodyPr rtlCol="0" anchor="ctr"/>
+            <a:lstStyle/>
+            <a:p>
+              <a:pPr algn="ctr"/>
+              <a:endParaRPr lang="en-US"/>
+            </a:p>
+          </p:txBody>
+        </p:sp>
+        <p:sp>
+          <p:nvSpPr>
+            <p:cNvPr id="45" name="Oval 44">
+              <a:extLst>
+                <a:ext uri="{FF2B5EF4-FFF2-40B4-BE49-F238E27FC236}">
+                  <a16:creationId xmlns:a16="http://schemas.microsoft.com/office/drawing/2014/main" id="{D6EB9D77-B460-3030-AE47-8C0A3EC23406}"/>
+                </a:ext>
+              </a:extLst>
+            </p:cNvPr>
+            <p:cNvSpPr/>
+            <p:nvPr/>
+          </p:nvSpPr>
+          <p:spPr>
+            <a:xfrm>
+              <a:off x="4628786" y="2126818"/>
+              <a:ext cx="88682" cy="88682"/>
+            </a:xfrm>
+            <a:prstGeom prst="ellipse">
+              <a:avLst/>
+            </a:prstGeom>
+            <a:solidFill>
+              <a:schemeClr val="accent2"/>
+            </a:solidFill>
+            <a:ln>
+              <a:noFill/>
+            </a:ln>
+          </p:spPr>
+          <p:style>
+            <a:lnRef idx="2">
+              <a:schemeClr val="accent1">
+                <a:shade val="15000"/>
+              </a:schemeClr>
+            </a:lnRef>
+            <a:fillRef idx="1">
+              <a:schemeClr val="accent1"/>
+            </a:fillRef>
+            <a:effectRef idx="0">
+              <a:schemeClr val="accent1"/>
+            </a:effectRef>
+            <a:fontRef idx="minor">
+              <a:schemeClr val="lt1"/>
+            </a:fontRef>
+          </p:style>
+          <p:txBody>
+            <a:bodyPr rtlCol="0" anchor="ctr"/>
+            <a:lstStyle/>
+            <a:p>
+              <a:pPr algn="ctr"/>
+              <a:endParaRPr lang="en-US"/>
+            </a:p>
+          </p:txBody>
+        </p:sp>
+        <p:sp>
+          <p:nvSpPr>
+            <p:cNvPr id="46" name="Oval 45">
+              <a:extLst>
+                <a:ext uri="{FF2B5EF4-FFF2-40B4-BE49-F238E27FC236}">
+                  <a16:creationId xmlns:a16="http://schemas.microsoft.com/office/drawing/2014/main" id="{C80124AE-3F90-24B0-8052-DFE7B06FBCBD}"/>
+                </a:ext>
+              </a:extLst>
+            </p:cNvPr>
+            <p:cNvSpPr/>
+            <p:nvPr/>
+          </p:nvSpPr>
+          <p:spPr>
+            <a:xfrm>
+              <a:off x="3304519" y="2031868"/>
+              <a:ext cx="88682" cy="88682"/>
+            </a:xfrm>
+            <a:prstGeom prst="ellipse">
+              <a:avLst/>
+            </a:prstGeom>
+            <a:solidFill>
+              <a:schemeClr val="accent2"/>
+            </a:solidFill>
+            <a:ln>
+              <a:noFill/>
+            </a:ln>
+          </p:spPr>
+          <p:style>
+            <a:lnRef idx="2">
+              <a:schemeClr val="accent1">
+                <a:shade val="15000"/>
+              </a:schemeClr>
+            </a:lnRef>
+            <a:fillRef idx="1">
+              <a:schemeClr val="accent1"/>
+            </a:fillRef>
+            <a:effectRef idx="0">
+              <a:schemeClr val="accent1"/>
+            </a:effectRef>
+            <a:fontRef idx="minor">
+              <a:schemeClr val="lt1"/>
+            </a:fontRef>
+          </p:style>
+          <p:txBody>
+            <a:bodyPr rtlCol="0" anchor="ctr"/>
+            <a:lstStyle/>
+            <a:p>
+              <a:pPr algn="ctr"/>
+              <a:endParaRPr lang="en-US"/>
+            </a:p>
+          </p:txBody>
+        </p:sp>
+        <p:sp>
+          <p:nvSpPr>
+            <p:cNvPr id="47" name="Oval 46">
+              <a:extLst>
+                <a:ext uri="{FF2B5EF4-FFF2-40B4-BE49-F238E27FC236}">
+                  <a16:creationId xmlns:a16="http://schemas.microsoft.com/office/drawing/2014/main" id="{CE064E23-F4B8-352A-833B-026CCDFF96C3}"/>
+                </a:ext>
+              </a:extLst>
+            </p:cNvPr>
+            <p:cNvSpPr/>
+            <p:nvPr/>
+          </p:nvSpPr>
+          <p:spPr>
+            <a:xfrm>
+              <a:off x="4472225" y="2833135"/>
+              <a:ext cx="88682" cy="88682"/>
+            </a:xfrm>
+            <a:prstGeom prst="ellipse">
+              <a:avLst/>
+            </a:prstGeom>
+            <a:solidFill>
+              <a:schemeClr val="accent2"/>
+            </a:solidFill>
+            <a:ln>
+              <a:noFill/>
+            </a:ln>
+          </p:spPr>
+          <p:style>
+            <a:lnRef idx="2">
+              <a:schemeClr val="accent1">
+                <a:shade val="15000"/>
+              </a:schemeClr>
+            </a:lnRef>
+            <a:fillRef idx="1">
+              <a:schemeClr val="accent1"/>
+            </a:fillRef>
+            <a:effectRef idx="0">
+              <a:schemeClr val="accent1"/>
+            </a:effectRef>
+            <a:fontRef idx="minor">
+              <a:schemeClr val="lt1"/>
+            </a:fontRef>
+          </p:style>
+          <p:txBody>
+            <a:bodyPr rtlCol="0" anchor="ctr"/>
+            <a:lstStyle/>
+            <a:p>
+              <a:pPr algn="ctr"/>
+              <a:endParaRPr lang="en-US"/>
+            </a:p>
+          </p:txBody>
+        </p:sp>
+        <p:sp>
+          <p:nvSpPr>
+            <p:cNvPr id="48" name="Oval 47">
+              <a:extLst>
+                <a:ext uri="{FF2B5EF4-FFF2-40B4-BE49-F238E27FC236}">
+                  <a16:creationId xmlns:a16="http://schemas.microsoft.com/office/drawing/2014/main" id="{15B9561F-4E6B-8C4B-6176-2A4EC5244E06}"/>
+                </a:ext>
+              </a:extLst>
+            </p:cNvPr>
+            <p:cNvSpPr/>
+            <p:nvPr/>
+          </p:nvSpPr>
+          <p:spPr>
+            <a:xfrm>
+              <a:off x="3705036" y="3337880"/>
+              <a:ext cx="88682" cy="88682"/>
+            </a:xfrm>
+            <a:prstGeom prst="ellipse">
+              <a:avLst/>
+            </a:prstGeom>
+            <a:solidFill>
+              <a:schemeClr val="accent2"/>
+            </a:solidFill>
+            <a:ln>
+              <a:noFill/>
+            </a:ln>
+          </p:spPr>
+          <p:style>
+            <a:lnRef idx="2">
+              <a:schemeClr val="accent1">
+                <a:shade val="15000"/>
+              </a:schemeClr>
+            </a:lnRef>
+            <a:fillRef idx="1">
+              <a:schemeClr val="accent1"/>
+            </a:fillRef>
+            <a:effectRef idx="0">
+              <a:schemeClr val="accent1"/>
+            </a:effectRef>
+            <a:fontRef idx="minor">
+              <a:schemeClr val="lt1"/>
+            </a:fontRef>
+          </p:style>
+          <p:txBody>
+            <a:bodyPr rtlCol="0" anchor="ctr"/>
+            <a:lstStyle/>
+            <a:p>
+              <a:pPr algn="ctr"/>
+              <a:endParaRPr lang="en-US"/>
+            </a:p>
+          </p:txBody>
+        </p:sp>
+        <p:sp>
+          <p:nvSpPr>
+            <p:cNvPr id="49" name="Oval 48">
+              <a:extLst>
+                <a:ext uri="{FF2B5EF4-FFF2-40B4-BE49-F238E27FC236}">
+                  <a16:creationId xmlns:a16="http://schemas.microsoft.com/office/drawing/2014/main" id="{6D3FEAB9-B0BB-B3E2-DC63-1B798D9243FD}"/>
+                </a:ext>
+              </a:extLst>
+            </p:cNvPr>
+            <p:cNvSpPr/>
+            <p:nvPr/>
+          </p:nvSpPr>
+          <p:spPr>
+            <a:xfrm>
+              <a:off x="4427884" y="3652612"/>
+              <a:ext cx="88682" cy="88682"/>
+            </a:xfrm>
+            <a:prstGeom prst="ellipse">
+              <a:avLst/>
+            </a:prstGeom>
+            <a:solidFill>
+              <a:schemeClr val="accent2"/>
+            </a:solidFill>
+            <a:ln>
+              <a:noFill/>
+            </a:ln>
+          </p:spPr>
+          <p:style>
+            <a:lnRef idx="2">
+              <a:schemeClr val="accent1">
+                <a:shade val="15000"/>
+              </a:schemeClr>
+            </a:lnRef>
+            <a:fillRef idx="1">
+              <a:schemeClr val="accent1"/>
+            </a:fillRef>
+            <a:effectRef idx="0">
+              <a:schemeClr val="accent1"/>
+            </a:effectRef>
+            <a:fontRef idx="minor">
+              <a:schemeClr val="lt1"/>
+            </a:fontRef>
+          </p:style>
+          <p:txBody>
+            <a:bodyPr rtlCol="0" anchor="ctr"/>
+            <a:lstStyle/>
+            <a:p>
+              <a:pPr algn="ctr"/>
+              <a:endParaRPr lang="en-US"/>
+            </a:p>
+          </p:txBody>
+        </p:sp>
+        <p:sp>
+          <p:nvSpPr>
+            <p:cNvPr id="50" name="Oval 49">
+              <a:extLst>
+                <a:ext uri="{FF2B5EF4-FFF2-40B4-BE49-F238E27FC236}">
+                  <a16:creationId xmlns:a16="http://schemas.microsoft.com/office/drawing/2014/main" id="{0B856A28-26D3-C7F3-B2DA-318470A7DAE1}"/>
+                </a:ext>
+              </a:extLst>
+            </p:cNvPr>
+            <p:cNvSpPr/>
+            <p:nvPr/>
+          </p:nvSpPr>
+          <p:spPr>
+            <a:xfrm>
+              <a:off x="3257958" y="3904500"/>
+              <a:ext cx="88682" cy="88682"/>
+            </a:xfrm>
+            <a:prstGeom prst="ellipse">
+              <a:avLst/>
+            </a:prstGeom>
+            <a:solidFill>
+              <a:schemeClr val="accent2"/>
+            </a:solidFill>
+            <a:ln>
+              <a:noFill/>
+            </a:ln>
+          </p:spPr>
+          <p:style>
+            <a:lnRef idx="2">
+              <a:schemeClr val="accent1">
+                <a:shade val="15000"/>
+              </a:schemeClr>
+            </a:lnRef>
+            <a:fillRef idx="1">
+              <a:schemeClr val="accent1"/>
+            </a:fillRef>
+            <a:effectRef idx="0">
+              <a:schemeClr val="accent1"/>
+            </a:effectRef>
+            <a:fontRef idx="minor">
+              <a:schemeClr val="lt1"/>
+            </a:fontRef>
+          </p:style>
+          <p:txBody>
+            <a:bodyPr rtlCol="0" anchor="ctr"/>
+            <a:lstStyle/>
+            <a:p>
+              <a:pPr algn="ctr"/>
+              <a:endParaRPr lang="en-US"/>
+            </a:p>
+          </p:txBody>
+        </p:sp>
+        <p:sp>
+          <p:nvSpPr>
+            <p:cNvPr id="51" name="Oval 50">
+              <a:extLst>
+                <a:ext uri="{FF2B5EF4-FFF2-40B4-BE49-F238E27FC236}">
+                  <a16:creationId xmlns:a16="http://schemas.microsoft.com/office/drawing/2014/main" id="{3AB0B927-A182-4497-F1F6-29735B7C2D68}"/>
+                </a:ext>
+              </a:extLst>
+            </p:cNvPr>
+            <p:cNvSpPr/>
+            <p:nvPr/>
+          </p:nvSpPr>
+          <p:spPr>
+            <a:xfrm>
+              <a:off x="3773308" y="4173340"/>
+              <a:ext cx="88682" cy="88682"/>
+            </a:xfrm>
+            <a:prstGeom prst="ellipse">
+              <a:avLst/>
+            </a:prstGeom>
+            <a:solidFill>
+              <a:schemeClr val="accent2"/>
+            </a:solidFill>
+            <a:ln>
+              <a:noFill/>
+            </a:ln>
+          </p:spPr>
+          <p:style>
+            <a:lnRef idx="2">
+              <a:schemeClr val="accent1">
+                <a:shade val="15000"/>
+              </a:schemeClr>
+            </a:lnRef>
+            <a:fillRef idx="1">
+              <a:schemeClr val="accent1"/>
+            </a:fillRef>
+            <a:effectRef idx="0">
+              <a:schemeClr val="accent1"/>
+            </a:effectRef>
+            <a:fontRef idx="minor">
+              <a:schemeClr val="lt1"/>
+            </a:fontRef>
+          </p:style>
+          <p:txBody>
+            <a:bodyPr rtlCol="0" anchor="ctr"/>
+            <a:lstStyle/>
+            <a:p>
+              <a:pPr algn="ctr"/>
+              <a:endParaRPr lang="en-US"/>
+            </a:p>
+          </p:txBody>
+        </p:sp>
+        <p:sp>
+          <p:nvSpPr>
+            <p:cNvPr id="52" name="Oval 51">
+              <a:extLst>
+                <a:ext uri="{FF2B5EF4-FFF2-40B4-BE49-F238E27FC236}">
+                  <a16:creationId xmlns:a16="http://schemas.microsoft.com/office/drawing/2014/main" id="{A30AC39B-37C1-8ABA-0135-0B15FE62E444}"/>
+                </a:ext>
+              </a:extLst>
+            </p:cNvPr>
+            <p:cNvSpPr/>
+            <p:nvPr/>
+          </p:nvSpPr>
+          <p:spPr>
+            <a:xfrm>
+              <a:off x="4857029" y="4048427"/>
+              <a:ext cx="88682" cy="88682"/>
+            </a:xfrm>
+            <a:prstGeom prst="ellipse">
+              <a:avLst/>
+            </a:prstGeom>
+            <a:solidFill>
+              <a:schemeClr val="accent2"/>
+            </a:solidFill>
+            <a:ln>
+              <a:noFill/>
+            </a:ln>
+          </p:spPr>
+          <p:style>
+            <a:lnRef idx="2">
+              <a:schemeClr val="accent1">
+                <a:shade val="15000"/>
+              </a:schemeClr>
+            </a:lnRef>
+            <a:fillRef idx="1">
+              <a:schemeClr val="accent1"/>
+            </a:fillRef>
+            <a:effectRef idx="0">
+              <a:schemeClr val="accent1"/>
+            </a:effectRef>
+            <a:fontRef idx="minor">
+              <a:schemeClr val="lt1"/>
+            </a:fontRef>
+          </p:style>
+          <p:txBody>
+            <a:bodyPr rtlCol="0" anchor="ctr"/>
+            <a:lstStyle/>
+            <a:p>
+              <a:pPr algn="ctr"/>
+              <a:endParaRPr lang="en-US"/>
+            </a:p>
+          </p:txBody>
+        </p:sp>
+        <p:sp>
+          <p:nvSpPr>
+            <p:cNvPr id="53" name="Oval 52">
+              <a:extLst>
+                <a:ext uri="{FF2B5EF4-FFF2-40B4-BE49-F238E27FC236}">
+                  <a16:creationId xmlns:a16="http://schemas.microsoft.com/office/drawing/2014/main" id="{66E5BAE5-E816-C094-9C1A-FB327981AEF6}"/>
+                </a:ext>
+              </a:extLst>
+            </p:cNvPr>
+            <p:cNvSpPr/>
+            <p:nvPr/>
+          </p:nvSpPr>
+          <p:spPr>
+            <a:xfrm>
+              <a:off x="4901370" y="2826966"/>
+              <a:ext cx="88682" cy="88682"/>
+            </a:xfrm>
+            <a:prstGeom prst="ellipse">
+              <a:avLst/>
+            </a:prstGeom>
+            <a:solidFill>
+              <a:schemeClr val="accent2"/>
+            </a:solidFill>
+            <a:ln>
+              <a:noFill/>
+            </a:ln>
+          </p:spPr>
+          <p:style>
+            <a:lnRef idx="2">
+              <a:schemeClr val="accent1">
+                <a:shade val="15000"/>
+              </a:schemeClr>
+            </a:lnRef>
+            <a:fillRef idx="1">
+              <a:schemeClr val="accent1"/>
+            </a:fillRef>
+            <a:effectRef idx="0">
+              <a:schemeClr val="accent1"/>
+            </a:effectRef>
+            <a:fontRef idx="minor">
+              <a:schemeClr val="lt1"/>
+            </a:fontRef>
+          </p:style>
+          <p:txBody>
+            <a:bodyPr rtlCol="0" anchor="ctr"/>
+            <a:lstStyle/>
+            <a:p>
+              <a:pPr algn="ctr"/>
+              <a:endParaRPr lang="en-US"/>
+            </a:p>
+          </p:txBody>
+        </p:sp>
+        <p:sp>
+          <p:nvSpPr>
+            <p:cNvPr id="54" name="Oval 53">
+              <a:extLst>
+                <a:ext uri="{FF2B5EF4-FFF2-40B4-BE49-F238E27FC236}">
+                  <a16:creationId xmlns:a16="http://schemas.microsoft.com/office/drawing/2014/main" id="{BB009CE4-F312-E149-C09C-CD12E7B37264}"/>
+                </a:ext>
+              </a:extLst>
+            </p:cNvPr>
+            <p:cNvSpPr/>
+            <p:nvPr/>
+          </p:nvSpPr>
+          <p:spPr>
+            <a:xfrm>
+              <a:off x="2458337" y="2140732"/>
+              <a:ext cx="88682" cy="88682"/>
+            </a:xfrm>
+            <a:prstGeom prst="ellipse">
+              <a:avLst/>
+            </a:prstGeom>
+            <a:solidFill>
+              <a:schemeClr val="accent2"/>
+            </a:solidFill>
+            <a:ln>
+              <a:noFill/>
+            </a:ln>
+          </p:spPr>
+          <p:style>
+            <a:lnRef idx="2">
+              <a:schemeClr val="accent1">
+                <a:shade val="15000"/>
+              </a:schemeClr>
+            </a:lnRef>
+            <a:fillRef idx="1">
+              <a:schemeClr val="accent1"/>
+            </a:fillRef>
+            <a:effectRef idx="0">
+              <a:schemeClr val="accent1"/>
+            </a:effectRef>
+            <a:fontRef idx="minor">
+              <a:schemeClr val="lt1"/>
+            </a:fontRef>
+          </p:style>
+          <p:txBody>
+            <a:bodyPr rtlCol="0" anchor="ctr"/>
+            <a:lstStyle/>
+            <a:p>
+              <a:pPr algn="ctr"/>
+              <a:endParaRPr lang="en-US"/>
+            </a:p>
+          </p:txBody>
+        </p:sp>
+        <p:sp>
+          <p:nvSpPr>
+            <p:cNvPr id="55" name="Oval 54">
+              <a:extLst>
+                <a:ext uri="{FF2B5EF4-FFF2-40B4-BE49-F238E27FC236}">
+                  <a16:creationId xmlns:a16="http://schemas.microsoft.com/office/drawing/2014/main" id="{948E2187-93A9-7AA8-33B4-AE0219C480AD}"/>
+                </a:ext>
+              </a:extLst>
+            </p:cNvPr>
+            <p:cNvSpPr/>
+            <p:nvPr/>
+          </p:nvSpPr>
+          <p:spPr>
+            <a:xfrm>
+              <a:off x="2820762" y="2979085"/>
+              <a:ext cx="88682" cy="88682"/>
+            </a:xfrm>
+            <a:prstGeom prst="ellipse">
+              <a:avLst/>
+            </a:prstGeom>
+            <a:solidFill>
+              <a:schemeClr val="accent2"/>
+            </a:solidFill>
+            <a:ln>
+              <a:noFill/>
+            </a:ln>
+          </p:spPr>
+          <p:style>
+            <a:lnRef idx="2">
+              <a:schemeClr val="accent1">
+                <a:shade val="15000"/>
+              </a:schemeClr>
+            </a:lnRef>
+            <a:fillRef idx="1">
+              <a:schemeClr val="accent1"/>
+            </a:fillRef>
+            <a:effectRef idx="0">
+              <a:schemeClr val="accent1"/>
+            </a:effectRef>
+            <a:fontRef idx="minor">
+              <a:schemeClr val="lt1"/>
+            </a:fontRef>
+          </p:style>
+          <p:txBody>
+            <a:bodyPr rtlCol="0" anchor="ctr"/>
+            <a:lstStyle/>
+            <a:p>
+              <a:pPr algn="ctr"/>
+              <a:endParaRPr lang="en-US"/>
+            </a:p>
+          </p:txBody>
+        </p:sp>
+        <p:sp>
+          <p:nvSpPr>
+            <p:cNvPr id="56" name="Oval 55">
+              <a:extLst>
+                <a:ext uri="{FF2B5EF4-FFF2-40B4-BE49-F238E27FC236}">
+                  <a16:creationId xmlns:a16="http://schemas.microsoft.com/office/drawing/2014/main" id="{FE2C2377-AA00-E711-8A7F-823D0D3C2456}"/>
+                </a:ext>
+              </a:extLst>
+            </p:cNvPr>
+            <p:cNvSpPr/>
+            <p:nvPr/>
+          </p:nvSpPr>
+          <p:spPr>
+            <a:xfrm>
+              <a:off x="2418857" y="3603058"/>
+              <a:ext cx="88682" cy="88682"/>
+            </a:xfrm>
+            <a:prstGeom prst="ellipse">
+              <a:avLst/>
+            </a:prstGeom>
+            <a:solidFill>
+              <a:schemeClr val="accent2"/>
+            </a:solidFill>
+            <a:ln>
+              <a:noFill/>
+            </a:ln>
+          </p:spPr>
+          <p:style>
+            <a:lnRef idx="2">
+              <a:schemeClr val="accent1">
+                <a:shade val="15000"/>
+              </a:schemeClr>
+            </a:lnRef>
+            <a:fillRef idx="1">
+              <a:schemeClr val="accent1"/>
+            </a:fillRef>
+            <a:effectRef idx="0">
+              <a:schemeClr val="accent1"/>
+            </a:effectRef>
+            <a:fontRef idx="minor">
+              <a:schemeClr val="lt1"/>
+            </a:fontRef>
+          </p:style>
+          <p:txBody>
+            <a:bodyPr rtlCol="0" anchor="ctr"/>
+            <a:lstStyle/>
+            <a:p>
+              <a:pPr algn="ctr"/>
+              <a:endParaRPr lang="en-US"/>
+            </a:p>
+          </p:txBody>
+        </p:sp>
+        <p:sp>
+          <p:nvSpPr>
+            <p:cNvPr id="57" name="Oval 56">
+              <a:extLst>
+                <a:ext uri="{FF2B5EF4-FFF2-40B4-BE49-F238E27FC236}">
+                  <a16:creationId xmlns:a16="http://schemas.microsoft.com/office/drawing/2014/main" id="{D41FAFCE-BD2D-DF5C-A502-0A68A4248F01}"/>
+                </a:ext>
+              </a:extLst>
+            </p:cNvPr>
+            <p:cNvSpPr/>
+            <p:nvPr/>
+          </p:nvSpPr>
+          <p:spPr>
+            <a:xfrm>
+              <a:off x="1446716" y="2176880"/>
+              <a:ext cx="88682" cy="88682"/>
+            </a:xfrm>
+            <a:prstGeom prst="ellipse">
+              <a:avLst/>
+            </a:prstGeom>
+            <a:solidFill>
+              <a:schemeClr val="accent2"/>
+            </a:solidFill>
+            <a:ln>
+              <a:noFill/>
+            </a:ln>
+          </p:spPr>
+          <p:style>
+            <a:lnRef idx="2">
+              <a:schemeClr val="accent1">
+                <a:shade val="15000"/>
+              </a:schemeClr>
+            </a:lnRef>
+            <a:fillRef idx="1">
+              <a:schemeClr val="accent1"/>
+            </a:fillRef>
+            <a:effectRef idx="0">
+              <a:schemeClr val="accent1"/>
+            </a:effectRef>
+            <a:fontRef idx="minor">
+              <a:schemeClr val="lt1"/>
+            </a:fontRef>
+          </p:style>
+          <p:txBody>
+            <a:bodyPr rtlCol="0" anchor="ctr"/>
+            <a:lstStyle/>
+            <a:p>
+              <a:pPr algn="ctr"/>
+              <a:endParaRPr lang="en-US"/>
+            </a:p>
+          </p:txBody>
+        </p:sp>
+        <p:sp>
+          <p:nvSpPr>
+            <p:cNvPr id="58" name="Oval 57">
+              <a:extLst>
+                <a:ext uri="{FF2B5EF4-FFF2-40B4-BE49-F238E27FC236}">
+                  <a16:creationId xmlns:a16="http://schemas.microsoft.com/office/drawing/2014/main" id="{B7CE5821-C5A0-8CC8-DCAC-2DFE82F1BA83}"/>
+                </a:ext>
+              </a:extLst>
+            </p:cNvPr>
+            <p:cNvSpPr/>
+            <p:nvPr/>
+          </p:nvSpPr>
+          <p:spPr>
+            <a:xfrm>
+              <a:off x="1218229" y="4024199"/>
+              <a:ext cx="88682" cy="88682"/>
+            </a:xfrm>
+            <a:prstGeom prst="ellipse">
+              <a:avLst/>
+            </a:prstGeom>
+            <a:solidFill>
+              <a:schemeClr val="accent2"/>
+            </a:solidFill>
+            <a:ln>
+              <a:noFill/>
+            </a:ln>
+          </p:spPr>
+          <p:style>
+            <a:lnRef idx="2">
+              <a:schemeClr val="accent1">
+                <a:shade val="15000"/>
+              </a:schemeClr>
+            </a:lnRef>
+            <a:fillRef idx="1">
+              <a:schemeClr val="accent1"/>
+            </a:fillRef>
+            <a:effectRef idx="0">
+              <a:schemeClr val="accent1"/>
+            </a:effectRef>
+            <a:fontRef idx="minor">
+              <a:schemeClr val="lt1"/>
+            </a:fontRef>
+          </p:style>
+          <p:txBody>
+            <a:bodyPr rtlCol="0" anchor="ctr"/>
+            <a:lstStyle/>
+            <a:p>
+              <a:pPr algn="ctr"/>
+              <a:endParaRPr lang="en-US"/>
+            </a:p>
+          </p:txBody>
+        </p:sp>
+        <p:sp>
+          <p:nvSpPr>
+            <p:cNvPr id="59" name="Oval 58">
+              <a:extLst>
+                <a:ext uri="{FF2B5EF4-FFF2-40B4-BE49-F238E27FC236}">
+                  <a16:creationId xmlns:a16="http://schemas.microsoft.com/office/drawing/2014/main" id="{C989B62B-8236-41C7-8A85-57444E0690FE}"/>
+                </a:ext>
+              </a:extLst>
+            </p:cNvPr>
+            <p:cNvSpPr/>
+            <p:nvPr/>
+          </p:nvSpPr>
+          <p:spPr>
+            <a:xfrm>
+              <a:off x="1703145" y="3321307"/>
+              <a:ext cx="88682" cy="88682"/>
+            </a:xfrm>
+            <a:prstGeom prst="ellipse">
+              <a:avLst/>
+            </a:prstGeom>
+            <a:solidFill>
+              <a:schemeClr val="accent2"/>
+            </a:solidFill>
+            <a:ln>
+              <a:noFill/>
+            </a:ln>
+          </p:spPr>
+          <p:style>
+            <a:lnRef idx="2">
+              <a:schemeClr val="accent1">
+                <a:shade val="15000"/>
+              </a:schemeClr>
+            </a:lnRef>
+            <a:fillRef idx="1">
+              <a:schemeClr val="accent1"/>
+            </a:fillRef>
+            <a:effectRef idx="0">
+              <a:schemeClr val="accent1"/>
+            </a:effectRef>
+            <a:fontRef idx="minor">
+              <a:schemeClr val="lt1"/>
+            </a:fontRef>
+          </p:style>
+          <p:txBody>
+            <a:bodyPr rtlCol="0" anchor="ctr"/>
+            <a:lstStyle/>
+            <a:p>
+              <a:pPr algn="ctr"/>
+              <a:endParaRPr lang="en-US"/>
+            </a:p>
+          </p:txBody>
+        </p:sp>
+        <p:sp>
+          <p:nvSpPr>
+            <p:cNvPr id="60" name="Oval 59">
+              <a:extLst>
+                <a:ext uri="{FF2B5EF4-FFF2-40B4-BE49-F238E27FC236}">
+                  <a16:creationId xmlns:a16="http://schemas.microsoft.com/office/drawing/2014/main" id="{4E62298B-762D-AC61-1131-F41405293E8D}"/>
+                </a:ext>
+              </a:extLst>
+            </p:cNvPr>
+            <p:cNvSpPr/>
+            <p:nvPr/>
+          </p:nvSpPr>
+          <p:spPr>
+            <a:xfrm>
+              <a:off x="3810903" y="2616702"/>
+              <a:ext cx="88682" cy="88682"/>
+            </a:xfrm>
+            <a:prstGeom prst="ellipse">
+              <a:avLst/>
+            </a:prstGeom>
+            <a:solidFill>
+              <a:schemeClr val="accent2"/>
+            </a:solidFill>
+            <a:ln>
+              <a:noFill/>
+            </a:ln>
+          </p:spPr>
+          <p:style>
+            <a:lnRef idx="2">
+              <a:schemeClr val="accent1">
+                <a:shade val="15000"/>
+              </a:schemeClr>
+            </a:lnRef>
+            <a:fillRef idx="1">
+              <a:schemeClr val="accent1"/>
+            </a:fillRef>
+            <a:effectRef idx="0">
+              <a:schemeClr val="accent1"/>
+            </a:effectRef>
+            <a:fontRef idx="minor">
+              <a:schemeClr val="lt1"/>
+            </a:fontRef>
+          </p:style>
+          <p:txBody>
+            <a:bodyPr rtlCol="0" anchor="ctr"/>
+            <a:lstStyle/>
+            <a:p>
+              <a:pPr algn="ctr"/>
+              <a:endParaRPr lang="en-US"/>
+            </a:p>
+          </p:txBody>
+        </p:sp>
+        <p:sp>
+          <p:nvSpPr>
+            <p:cNvPr id="61" name="Oval 60">
+              <a:extLst>
+                <a:ext uri="{FF2B5EF4-FFF2-40B4-BE49-F238E27FC236}">
+                  <a16:creationId xmlns:a16="http://schemas.microsoft.com/office/drawing/2014/main" id="{884D53DF-316D-0913-FE67-518F5543DFDF}"/>
+                </a:ext>
+              </a:extLst>
+            </p:cNvPr>
+            <p:cNvSpPr/>
+            <p:nvPr/>
+          </p:nvSpPr>
+          <p:spPr>
+            <a:xfrm>
+              <a:off x="572024" y="2185073"/>
+              <a:ext cx="88682" cy="88682"/>
+            </a:xfrm>
+            <a:prstGeom prst="ellipse">
+              <a:avLst/>
+            </a:prstGeom>
+            <a:solidFill>
+              <a:schemeClr val="accent2"/>
+            </a:solidFill>
+            <a:ln>
+              <a:noFill/>
+            </a:ln>
+          </p:spPr>
+          <p:style>
+            <a:lnRef idx="2">
+              <a:schemeClr val="accent1">
+                <a:shade val="15000"/>
+              </a:schemeClr>
+            </a:lnRef>
+            <a:fillRef idx="1">
+              <a:schemeClr val="accent1"/>
+            </a:fillRef>
+            <a:effectRef idx="0">
+              <a:schemeClr val="accent1"/>
+            </a:effectRef>
+            <a:fontRef idx="minor">
+              <a:schemeClr val="lt1"/>
+            </a:fontRef>
+          </p:style>
+          <p:txBody>
+            <a:bodyPr rtlCol="0" anchor="ctr"/>
+            <a:lstStyle/>
+            <a:p>
+              <a:pPr algn="ctr"/>
+              <a:endParaRPr lang="en-US"/>
+            </a:p>
+          </p:txBody>
+        </p:sp>
+        <p:sp>
+          <p:nvSpPr>
+            <p:cNvPr id="62" name="Oval 61">
+              <a:extLst>
+                <a:ext uri="{FF2B5EF4-FFF2-40B4-BE49-F238E27FC236}">
+                  <a16:creationId xmlns:a16="http://schemas.microsoft.com/office/drawing/2014/main" id="{466813D0-E652-7D88-CBF8-2941D1AB6C28}"/>
+                </a:ext>
+              </a:extLst>
+            </p:cNvPr>
+            <p:cNvSpPr/>
+            <p:nvPr/>
+          </p:nvSpPr>
+          <p:spPr>
+            <a:xfrm>
+              <a:off x="589636" y="2949457"/>
+              <a:ext cx="88682" cy="88682"/>
+            </a:xfrm>
+            <a:prstGeom prst="ellipse">
+              <a:avLst/>
+            </a:prstGeom>
+            <a:solidFill>
+              <a:schemeClr val="accent2"/>
+            </a:solidFill>
+            <a:ln>
+              <a:noFill/>
+            </a:ln>
+          </p:spPr>
+          <p:style>
+            <a:lnRef idx="2">
+              <a:schemeClr val="accent1">
+                <a:shade val="15000"/>
+              </a:schemeClr>
+            </a:lnRef>
+            <a:fillRef idx="1">
+              <a:schemeClr val="accent1"/>
+            </a:fillRef>
+            <a:effectRef idx="0">
+              <a:schemeClr val="accent1"/>
+            </a:effectRef>
+            <a:fontRef idx="minor">
+              <a:schemeClr val="lt1"/>
+            </a:fontRef>
+          </p:style>
+          <p:txBody>
+            <a:bodyPr rtlCol="0" anchor="ctr"/>
+            <a:lstStyle/>
+            <a:p>
+              <a:pPr algn="ctr"/>
+              <a:endParaRPr lang="en-US"/>
+            </a:p>
+          </p:txBody>
+        </p:sp>
+        <p:sp>
+          <p:nvSpPr>
+            <p:cNvPr id="63" name="TextBox 62">
+              <a:extLst>
+                <a:ext uri="{FF2B5EF4-FFF2-40B4-BE49-F238E27FC236}">
+                  <a16:creationId xmlns:a16="http://schemas.microsoft.com/office/drawing/2014/main" id="{7B9249C7-3709-1EAD-05AC-70F16402E9AD}"/>
+                </a:ext>
+              </a:extLst>
+            </p:cNvPr>
+            <p:cNvSpPr txBox="1"/>
+            <p:nvPr/>
+          </p:nvSpPr>
+          <p:spPr>
+            <a:xfrm>
+              <a:off x="4931406" y="1438646"/>
+              <a:ext cx="771525" cy="369332"/>
+            </a:xfrm>
+            <a:prstGeom prst="rect">
+              <a:avLst/>
+            </a:prstGeom>
+            <a:noFill/>
+          </p:spPr>
+          <p:txBody>
+            <a:bodyPr wrap="square" rtlCol="0">
+              <a:spAutoFit/>
+            </a:bodyPr>
+            <a:lstStyle/>
+            <a:p>
+              <a:pPr algn="ctr"/>
+              <a:r>
+                <a:rPr lang="en-US" sz="1800" dirty="0">
+                  <a:latin typeface="Lucida grande" panose="020B0502040204020203"/>
+                </a:rPr>
+                <a:t>Pt</a:t>
+              </a:r>
+            </a:p>
+          </p:txBody>
+        </p:sp>
+        <p:sp>
+          <p:nvSpPr>
+            <p:cNvPr id="65" name="Oval 64">
+              <a:extLst>
+                <a:ext uri="{FF2B5EF4-FFF2-40B4-BE49-F238E27FC236}">
+                  <a16:creationId xmlns:a16="http://schemas.microsoft.com/office/drawing/2014/main" id="{FBBFF124-B57E-0269-8C7A-7016471C1C20}"/>
+                </a:ext>
+              </a:extLst>
+            </p:cNvPr>
+            <p:cNvSpPr/>
+            <p:nvPr/>
+          </p:nvSpPr>
+          <p:spPr>
+            <a:xfrm>
+              <a:off x="3775373" y="3795093"/>
+              <a:ext cx="159741" cy="159741"/>
+            </a:xfrm>
+            <a:prstGeom prst="ellipse">
+              <a:avLst/>
+            </a:prstGeom>
+            <a:solidFill>
+              <a:schemeClr val="bg1"/>
+            </a:solidFill>
+            <a:ln w="19050">
+              <a:solidFill>
+                <a:schemeClr val="tx1"/>
+              </a:solidFill>
+            </a:ln>
+          </p:spPr>
+          <p:style>
+            <a:lnRef idx="2">
+              <a:schemeClr val="accent1">
+                <a:shade val="15000"/>
+              </a:schemeClr>
+            </a:lnRef>
+            <a:fillRef idx="1">
+              <a:schemeClr val="accent1"/>
+            </a:fillRef>
+            <a:effectRef idx="0">
+              <a:schemeClr val="accent1"/>
+            </a:effectRef>
+            <a:fontRef idx="minor">
+              <a:schemeClr val="lt1"/>
+            </a:fontRef>
+          </p:style>
+          <p:txBody>
+            <a:bodyPr rtlCol="0" anchor="ctr"/>
+            <a:lstStyle/>
+            <a:p>
+              <a:pPr algn="ctr"/>
+              <a:endParaRPr lang="en-US"/>
+            </a:p>
+          </p:txBody>
+        </p:sp>
+        <p:sp>
+          <p:nvSpPr>
+            <p:cNvPr id="68" name="Oval 67">
+              <a:extLst>
+                <a:ext uri="{FF2B5EF4-FFF2-40B4-BE49-F238E27FC236}">
+                  <a16:creationId xmlns:a16="http://schemas.microsoft.com/office/drawing/2014/main" id="{11F886F2-6683-2191-60DA-418349EDD84F}"/>
+                </a:ext>
+              </a:extLst>
+            </p:cNvPr>
+            <p:cNvSpPr/>
+            <p:nvPr/>
+          </p:nvSpPr>
+          <p:spPr>
+            <a:xfrm>
+              <a:off x="4737076" y="3357552"/>
+              <a:ext cx="159741" cy="159741"/>
+            </a:xfrm>
+            <a:prstGeom prst="ellipse">
+              <a:avLst/>
+            </a:prstGeom>
+            <a:solidFill>
+              <a:schemeClr val="bg1"/>
+            </a:solidFill>
+            <a:ln w="19050">
+              <a:solidFill>
+                <a:schemeClr val="tx1"/>
+              </a:solidFill>
+            </a:ln>
+          </p:spPr>
+          <p:style>
+            <a:lnRef idx="2">
+              <a:schemeClr val="accent1">
+                <a:shade val="15000"/>
+              </a:schemeClr>
+            </a:lnRef>
+            <a:fillRef idx="1">
+              <a:schemeClr val="accent1"/>
+            </a:fillRef>
+            <a:effectRef idx="0">
+              <a:schemeClr val="accent1"/>
+            </a:effectRef>
+            <a:fontRef idx="minor">
+              <a:schemeClr val="lt1"/>
+            </a:fontRef>
+          </p:style>
+          <p:txBody>
+            <a:bodyPr rtlCol="0" anchor="ctr"/>
+            <a:lstStyle/>
+            <a:p>
+              <a:pPr algn="ctr"/>
+              <a:endParaRPr lang="en-US"/>
+            </a:p>
+          </p:txBody>
+        </p:sp>
+        <p:sp>
+          <p:nvSpPr>
+            <p:cNvPr id="69" name="Oval 68">
+              <a:extLst>
+                <a:ext uri="{FF2B5EF4-FFF2-40B4-BE49-F238E27FC236}">
+                  <a16:creationId xmlns:a16="http://schemas.microsoft.com/office/drawing/2014/main" id="{072D22D9-27F6-BAAE-5B6F-273D749AE70B}"/>
+                </a:ext>
+              </a:extLst>
+            </p:cNvPr>
+            <p:cNvSpPr/>
+            <p:nvPr/>
+          </p:nvSpPr>
+          <p:spPr>
+            <a:xfrm>
+              <a:off x="4737075" y="2643335"/>
+              <a:ext cx="159741" cy="159741"/>
+            </a:xfrm>
+            <a:prstGeom prst="ellipse">
+              <a:avLst/>
+            </a:prstGeom>
+            <a:solidFill>
+              <a:schemeClr val="bg1"/>
+            </a:solidFill>
+            <a:ln w="19050">
+              <a:solidFill>
+                <a:schemeClr val="tx1"/>
+              </a:solidFill>
+            </a:ln>
+          </p:spPr>
+          <p:style>
+            <a:lnRef idx="2">
+              <a:schemeClr val="accent1">
+                <a:shade val="15000"/>
+              </a:schemeClr>
+            </a:lnRef>
+            <a:fillRef idx="1">
+              <a:schemeClr val="accent1"/>
+            </a:fillRef>
+            <a:effectRef idx="0">
+              <a:schemeClr val="accent1"/>
+            </a:effectRef>
+            <a:fontRef idx="minor">
+              <a:schemeClr val="lt1"/>
+            </a:fontRef>
+          </p:style>
+          <p:txBody>
+            <a:bodyPr rtlCol="0" anchor="ctr"/>
+            <a:lstStyle/>
+            <a:p>
+              <a:pPr algn="ctr"/>
+              <a:endParaRPr lang="en-US"/>
+            </a:p>
+          </p:txBody>
+        </p:sp>
+        <p:sp>
+          <p:nvSpPr>
+            <p:cNvPr id="70" name="Oval 69">
+              <a:extLst>
+                <a:ext uri="{FF2B5EF4-FFF2-40B4-BE49-F238E27FC236}">
+                  <a16:creationId xmlns:a16="http://schemas.microsoft.com/office/drawing/2014/main" id="{B5D812F0-DE09-F4DE-86BF-510704D4C866}"/>
+                </a:ext>
+              </a:extLst>
+            </p:cNvPr>
+            <p:cNvSpPr/>
+            <p:nvPr/>
+          </p:nvSpPr>
+          <p:spPr>
+            <a:xfrm>
+              <a:off x="3946777" y="3308846"/>
+              <a:ext cx="159741" cy="159741"/>
+            </a:xfrm>
+            <a:prstGeom prst="ellipse">
+              <a:avLst/>
+            </a:prstGeom>
+            <a:solidFill>
+              <a:schemeClr val="bg1"/>
+            </a:solidFill>
+            <a:ln w="19050">
+              <a:solidFill>
+                <a:schemeClr val="tx1"/>
+              </a:solidFill>
+            </a:ln>
+          </p:spPr>
+          <p:style>
+            <a:lnRef idx="2">
+              <a:schemeClr val="accent1">
+                <a:shade val="15000"/>
+              </a:schemeClr>
+            </a:lnRef>
+            <a:fillRef idx="1">
+              <a:schemeClr val="accent1"/>
+            </a:fillRef>
+            <a:effectRef idx="0">
+              <a:schemeClr val="accent1"/>
+            </a:effectRef>
+            <a:fontRef idx="minor">
+              <a:schemeClr val="lt1"/>
+            </a:fontRef>
+          </p:style>
+          <p:txBody>
+            <a:bodyPr rtlCol="0" anchor="ctr"/>
+            <a:lstStyle/>
+            <a:p>
+              <a:pPr algn="ctr"/>
+              <a:endParaRPr lang="en-US"/>
+            </a:p>
+          </p:txBody>
+        </p:sp>
+        <p:sp>
+          <p:nvSpPr>
+            <p:cNvPr id="71" name="Oval 70">
+              <a:extLst>
+                <a:ext uri="{FF2B5EF4-FFF2-40B4-BE49-F238E27FC236}">
+                  <a16:creationId xmlns:a16="http://schemas.microsoft.com/office/drawing/2014/main" id="{84F735A6-A493-01F8-9C89-B9E0274BCE32}"/>
+                </a:ext>
+              </a:extLst>
+            </p:cNvPr>
+            <p:cNvSpPr/>
+            <p:nvPr/>
+          </p:nvSpPr>
+          <p:spPr>
+            <a:xfrm>
+              <a:off x="4813472" y="2204127"/>
+              <a:ext cx="159741" cy="159741"/>
+            </a:xfrm>
+            <a:prstGeom prst="ellipse">
+              <a:avLst/>
+            </a:prstGeom>
+            <a:solidFill>
+              <a:schemeClr val="bg1"/>
+            </a:solidFill>
+            <a:ln w="19050">
+              <a:solidFill>
+                <a:schemeClr val="tx1"/>
+              </a:solidFill>
+            </a:ln>
+          </p:spPr>
+          <p:style>
+            <a:lnRef idx="2">
+              <a:schemeClr val="accent1">
+                <a:shade val="15000"/>
+              </a:schemeClr>
+            </a:lnRef>
+            <a:fillRef idx="1">
+              <a:schemeClr val="accent1"/>
+            </a:fillRef>
+            <a:effectRef idx="0">
+              <a:schemeClr val="accent1"/>
+            </a:effectRef>
+            <a:fontRef idx="minor">
+              <a:schemeClr val="lt1"/>
+            </a:fontRef>
+          </p:style>
+          <p:txBody>
+            <a:bodyPr rtlCol="0" anchor="ctr"/>
+            <a:lstStyle/>
+            <a:p>
+              <a:pPr algn="ctr"/>
+              <a:endParaRPr lang="en-US"/>
+            </a:p>
+          </p:txBody>
+        </p:sp>
+        <p:sp>
+          <p:nvSpPr>
+            <p:cNvPr id="72" name="Oval 71">
+              <a:extLst>
+                <a:ext uri="{FF2B5EF4-FFF2-40B4-BE49-F238E27FC236}">
+                  <a16:creationId xmlns:a16="http://schemas.microsoft.com/office/drawing/2014/main" id="{4E0F9424-8C3E-E442-A64F-E7B39F4772B8}"/>
+                </a:ext>
+              </a:extLst>
+            </p:cNvPr>
+            <p:cNvSpPr/>
+            <p:nvPr/>
+          </p:nvSpPr>
+          <p:spPr>
+            <a:xfrm>
+              <a:off x="5001232" y="3224068"/>
+              <a:ext cx="159741" cy="159741"/>
+            </a:xfrm>
+            <a:prstGeom prst="ellipse">
+              <a:avLst/>
+            </a:prstGeom>
+            <a:solidFill>
+              <a:schemeClr val="bg1"/>
+            </a:solidFill>
+            <a:ln w="19050">
+              <a:solidFill>
+                <a:schemeClr val="tx1"/>
+              </a:solidFill>
+            </a:ln>
+          </p:spPr>
+          <p:style>
+            <a:lnRef idx="2">
+              <a:schemeClr val="accent1">
+                <a:shade val="15000"/>
+              </a:schemeClr>
+            </a:lnRef>
+            <a:fillRef idx="1">
+              <a:schemeClr val="accent1"/>
+            </a:fillRef>
+            <a:effectRef idx="0">
+              <a:schemeClr val="accent1"/>
+            </a:effectRef>
+            <a:fontRef idx="minor">
+              <a:schemeClr val="lt1"/>
+            </a:fontRef>
+          </p:style>
+          <p:txBody>
+            <a:bodyPr rtlCol="0" anchor="ctr"/>
+            <a:lstStyle/>
+            <a:p>
+              <a:pPr algn="ctr"/>
+              <a:endParaRPr lang="en-US"/>
+            </a:p>
+          </p:txBody>
+        </p:sp>
+        <p:sp>
+          <p:nvSpPr>
+            <p:cNvPr id="73" name="Oval 72">
+              <a:extLst>
+                <a:ext uri="{FF2B5EF4-FFF2-40B4-BE49-F238E27FC236}">
+                  <a16:creationId xmlns:a16="http://schemas.microsoft.com/office/drawing/2014/main" id="{3300FD36-74D1-C93D-C96A-D481A89A0DAB}"/>
+                </a:ext>
+              </a:extLst>
+            </p:cNvPr>
+            <p:cNvSpPr/>
+            <p:nvPr/>
+          </p:nvSpPr>
+          <p:spPr>
+            <a:xfrm>
+              <a:off x="4613217" y="3755185"/>
+              <a:ext cx="159741" cy="159741"/>
+            </a:xfrm>
+            <a:prstGeom prst="ellipse">
+              <a:avLst/>
+            </a:prstGeom>
+            <a:solidFill>
+              <a:schemeClr val="bg1"/>
+            </a:solidFill>
+            <a:ln w="19050">
+              <a:solidFill>
+                <a:schemeClr val="tx1"/>
+              </a:solidFill>
+            </a:ln>
+          </p:spPr>
+          <p:style>
+            <a:lnRef idx="2">
+              <a:schemeClr val="accent1">
+                <a:shade val="15000"/>
+              </a:schemeClr>
+            </a:lnRef>
+            <a:fillRef idx="1">
+              <a:schemeClr val="accent1"/>
+            </a:fillRef>
+            <a:effectRef idx="0">
+              <a:schemeClr val="accent1"/>
+            </a:effectRef>
+            <a:fontRef idx="minor">
+              <a:schemeClr val="lt1"/>
+            </a:fontRef>
+          </p:style>
+          <p:txBody>
+            <a:bodyPr rtlCol="0" anchor="ctr"/>
+            <a:lstStyle/>
+            <a:p>
+              <a:pPr algn="ctr"/>
+              <a:endParaRPr lang="en-US"/>
+            </a:p>
+          </p:txBody>
+        </p:sp>
+        <p:sp>
+          <p:nvSpPr>
+            <p:cNvPr id="74" name="Oval 73">
+              <a:extLst>
+                <a:ext uri="{FF2B5EF4-FFF2-40B4-BE49-F238E27FC236}">
+                  <a16:creationId xmlns:a16="http://schemas.microsoft.com/office/drawing/2014/main" id="{DF0A1960-AA94-D02F-EBA5-5EBF6A3C652D}"/>
+                </a:ext>
+              </a:extLst>
+            </p:cNvPr>
+            <p:cNvSpPr/>
+            <p:nvPr/>
+          </p:nvSpPr>
+          <p:spPr>
+            <a:xfrm>
+              <a:off x="5023556" y="4155221"/>
+              <a:ext cx="159741" cy="159741"/>
+            </a:xfrm>
+            <a:prstGeom prst="ellipse">
+              <a:avLst/>
+            </a:prstGeom>
+            <a:solidFill>
+              <a:schemeClr val="bg1"/>
+            </a:solidFill>
+            <a:ln w="19050">
+              <a:solidFill>
+                <a:schemeClr val="tx1"/>
+              </a:solidFill>
+            </a:ln>
+          </p:spPr>
+          <p:style>
+            <a:lnRef idx="2">
+              <a:schemeClr val="accent1">
+                <a:shade val="15000"/>
+              </a:schemeClr>
+            </a:lnRef>
+            <a:fillRef idx="1">
+              <a:schemeClr val="accent1"/>
+            </a:fillRef>
+            <a:effectRef idx="0">
+              <a:schemeClr val="accent1"/>
+            </a:effectRef>
+            <a:fontRef idx="minor">
+              <a:schemeClr val="lt1"/>
+            </a:fontRef>
+          </p:style>
+          <p:txBody>
+            <a:bodyPr rtlCol="0" anchor="ctr"/>
+            <a:lstStyle/>
+            <a:p>
+              <a:pPr algn="ctr"/>
+              <a:endParaRPr lang="en-US"/>
+            </a:p>
+          </p:txBody>
+        </p:sp>
+        <p:sp>
+          <p:nvSpPr>
+            <p:cNvPr id="75" name="Oval 74">
+              <a:extLst>
+                <a:ext uri="{FF2B5EF4-FFF2-40B4-BE49-F238E27FC236}">
+                  <a16:creationId xmlns:a16="http://schemas.microsoft.com/office/drawing/2014/main" id="{88DDE6AE-E579-D67C-7CAE-25925D9BC6B0}"/>
+                </a:ext>
+              </a:extLst>
+            </p:cNvPr>
+            <p:cNvSpPr/>
+            <p:nvPr/>
+          </p:nvSpPr>
+          <p:spPr>
+            <a:xfrm>
+              <a:off x="4136572" y="2196222"/>
+              <a:ext cx="159741" cy="159741"/>
+            </a:xfrm>
+            <a:prstGeom prst="ellipse">
+              <a:avLst/>
+            </a:prstGeom>
+            <a:solidFill>
+              <a:schemeClr val="bg1"/>
+            </a:solidFill>
+            <a:ln w="19050">
+              <a:solidFill>
+                <a:schemeClr val="tx1"/>
+              </a:solidFill>
+            </a:ln>
+          </p:spPr>
+          <p:style>
+            <a:lnRef idx="2">
+              <a:schemeClr val="accent1">
+                <a:shade val="15000"/>
+              </a:schemeClr>
+            </a:lnRef>
+            <a:fillRef idx="1">
+              <a:schemeClr val="accent1"/>
+            </a:fillRef>
+            <a:effectRef idx="0">
+              <a:schemeClr val="accent1"/>
+            </a:effectRef>
+            <a:fontRef idx="minor">
+              <a:schemeClr val="lt1"/>
+            </a:fontRef>
+          </p:style>
+          <p:txBody>
+            <a:bodyPr rtlCol="0" anchor="ctr"/>
+            <a:lstStyle/>
+            <a:p>
+              <a:pPr algn="ctr"/>
+              <a:endParaRPr lang="en-US"/>
+            </a:p>
+          </p:txBody>
+        </p:sp>
+        <p:sp>
+          <p:nvSpPr>
+            <p:cNvPr id="76" name="Oval 75">
+              <a:extLst>
+                <a:ext uri="{FF2B5EF4-FFF2-40B4-BE49-F238E27FC236}">
+                  <a16:creationId xmlns:a16="http://schemas.microsoft.com/office/drawing/2014/main" id="{3159F5FA-BCB0-82D3-86EB-494230D40FF8}"/>
+                </a:ext>
+              </a:extLst>
+            </p:cNvPr>
+            <p:cNvSpPr/>
+            <p:nvPr/>
+          </p:nvSpPr>
+          <p:spPr>
+            <a:xfrm>
+              <a:off x="4424590" y="4116587"/>
+              <a:ext cx="159741" cy="159741"/>
+            </a:xfrm>
+            <a:prstGeom prst="ellipse">
+              <a:avLst/>
+            </a:prstGeom>
+            <a:solidFill>
+              <a:schemeClr val="bg1"/>
+            </a:solidFill>
+            <a:ln w="19050">
+              <a:solidFill>
+                <a:schemeClr val="tx1"/>
+              </a:solidFill>
+            </a:ln>
+          </p:spPr>
+          <p:style>
+            <a:lnRef idx="2">
+              <a:schemeClr val="accent1">
+                <a:shade val="15000"/>
+              </a:schemeClr>
+            </a:lnRef>
+            <a:fillRef idx="1">
+              <a:schemeClr val="accent1"/>
+            </a:fillRef>
+            <a:effectRef idx="0">
+              <a:schemeClr val="accent1"/>
+            </a:effectRef>
+            <a:fontRef idx="minor">
+              <a:schemeClr val="lt1"/>
+            </a:fontRef>
+          </p:style>
+          <p:txBody>
+            <a:bodyPr rtlCol="0" anchor="ctr"/>
+            <a:lstStyle/>
+            <a:p>
+              <a:pPr algn="ctr"/>
+              <a:endParaRPr lang="en-US"/>
+            </a:p>
+          </p:txBody>
+        </p:sp>
+        <p:sp>
+          <p:nvSpPr>
+            <p:cNvPr id="77" name="Oval 76">
+              <a:extLst>
+                <a:ext uri="{FF2B5EF4-FFF2-40B4-BE49-F238E27FC236}">
+                  <a16:creationId xmlns:a16="http://schemas.microsoft.com/office/drawing/2014/main" id="{84374DEE-EE4F-9684-8075-ACF531AEB869}"/>
+                </a:ext>
+              </a:extLst>
+            </p:cNvPr>
+            <p:cNvSpPr/>
+            <p:nvPr/>
+          </p:nvSpPr>
+          <p:spPr>
+            <a:xfrm>
+              <a:off x="5015941" y="1909483"/>
+              <a:ext cx="159741" cy="159741"/>
+            </a:xfrm>
+            <a:prstGeom prst="ellipse">
+              <a:avLst/>
+            </a:prstGeom>
+            <a:solidFill>
+              <a:schemeClr val="bg1"/>
+            </a:solidFill>
+            <a:ln w="19050">
+              <a:solidFill>
+                <a:schemeClr val="tx1"/>
+              </a:solidFill>
+            </a:ln>
+          </p:spPr>
+          <p:style>
+            <a:lnRef idx="2">
+              <a:schemeClr val="accent1">
+                <a:shade val="15000"/>
+              </a:schemeClr>
+            </a:lnRef>
+            <a:fillRef idx="1">
+              <a:schemeClr val="accent1"/>
+            </a:fillRef>
+            <a:effectRef idx="0">
+              <a:schemeClr val="accent1"/>
+            </a:effectRef>
+            <a:fontRef idx="minor">
+              <a:schemeClr val="lt1"/>
+            </a:fontRef>
+          </p:style>
+          <p:txBody>
+            <a:bodyPr rtlCol="0" anchor="ctr"/>
+            <a:lstStyle/>
+            <a:p>
+              <a:pPr algn="ctr"/>
+              <a:endParaRPr lang="en-US"/>
+            </a:p>
+          </p:txBody>
+        </p:sp>
+      </p:grpSp>
+      <p:pic>
+        <p:nvPicPr>
+          <p:cNvPr id="79" name="Picture 78">
+            <a:extLst>
+              <a:ext uri="{FF2B5EF4-FFF2-40B4-BE49-F238E27FC236}">
+                <a16:creationId xmlns:a16="http://schemas.microsoft.com/office/drawing/2014/main" id="{5A3BD39F-5131-0CBB-6CAB-C9855684166C}"/>
+              </a:ext>
+            </a:extLst>
+          </p:cNvPr>
+          <p:cNvPicPr>
+            <a:picLocks noChangeAspect="1"/>
+          </p:cNvPicPr>
+          <p:nvPr/>
+        </p:nvPicPr>
+        <p:blipFill>
+          <a:blip r:embed="rId2"/>
+          <a:stretch>
+            <a:fillRect/>
+          </a:stretch>
+        </p:blipFill>
+        <p:spPr>
+          <a:xfrm>
+            <a:off x="549028" y="4745490"/>
+            <a:ext cx="1785238" cy="720962"/>
+          </a:xfrm>
+          <a:prstGeom prst="rect">
+            <a:avLst/>
+          </a:prstGeom>
+        </p:spPr>
+      </p:pic>
+      <p:sp>
+        <p:nvSpPr>
+          <p:cNvPr id="80" name="TextBox 79">
+            <a:extLst>
+              <a:ext uri="{FF2B5EF4-FFF2-40B4-BE49-F238E27FC236}">
+                <a16:creationId xmlns:a16="http://schemas.microsoft.com/office/drawing/2014/main" id="{9F867FD3-9449-BBA6-9BBE-9FE942661F69}"/>
+              </a:ext>
+            </a:extLst>
+          </p:cNvPr>
+          <p:cNvSpPr txBox="1"/>
+          <p:nvPr/>
+        </p:nvSpPr>
+        <p:spPr>
+          <a:xfrm>
+            <a:off x="364668" y="5608995"/>
+            <a:ext cx="2100344" cy="523220"/>
+          </a:xfrm>
+          <a:prstGeom prst="rect">
+            <a:avLst/>
+          </a:prstGeom>
+          <a:noFill/>
+        </p:spPr>
+        <p:txBody>
+          <a:bodyPr wrap="square" rtlCol="0">
+            <a:spAutoFit/>
+          </a:bodyPr>
+          <a:lstStyle/>
+          <a:p>
+            <a:pPr algn="ctr"/>
+            <a:r>
+              <a:rPr lang="en-US" sz="1400" dirty="0">
+                <a:latin typeface="Lucida grande" panose="020B0502040204020203"/>
+              </a:rPr>
+              <a:t>Entire ionomer chains (backbone + sidearms)</a:t>
+            </a:r>
+          </a:p>
+        </p:txBody>
+      </p:sp>
+      <p:sp>
+        <p:nvSpPr>
+          <p:cNvPr id="81" name="Oval 80">
+            <a:extLst>
+              <a:ext uri="{FF2B5EF4-FFF2-40B4-BE49-F238E27FC236}">
+                <a16:creationId xmlns:a16="http://schemas.microsoft.com/office/drawing/2014/main" id="{25F84BCF-ADE2-F2DA-58C2-4A9EC663A435}"/>
+              </a:ext>
+            </a:extLst>
+          </p:cNvPr>
+          <p:cNvSpPr/>
+          <p:nvPr/>
+        </p:nvSpPr>
+        <p:spPr>
+          <a:xfrm>
+            <a:off x="4169818" y="5115539"/>
+            <a:ext cx="159741" cy="159741"/>
+          </a:xfrm>
+          <a:prstGeom prst="ellipse">
+            <a:avLst/>
+          </a:prstGeom>
+          <a:solidFill>
+            <a:schemeClr val="bg1"/>
+          </a:solidFill>
+          <a:ln w="19050">
+            <a:solidFill>
+              <a:schemeClr val="tx1"/>
+            </a:solidFill>
+          </a:ln>
+        </p:spPr>
+        <p:style>
+          <a:lnRef idx="2">
+            <a:schemeClr val="accent1">
+              <a:shade val="15000"/>
+            </a:schemeClr>
+          </a:lnRef>
+          <a:fillRef idx="1">
+            <a:schemeClr val="accent1"/>
+          </a:fillRef>
+          <a:effectRef idx="0">
+            <a:schemeClr val="accent1"/>
+          </a:effectRef>
+          <a:fontRef idx="minor">
+            <a:schemeClr val="lt1"/>
+          </a:fontRef>
+        </p:style>
+        <p:txBody>
+          <a:bodyPr rtlCol="0" anchor="ctr"/>
+          <a:lstStyle/>
+          <a:p>
+            <a:pPr algn="ctr"/>
+            <a:endParaRPr lang="en-US"/>
+          </a:p>
+        </p:txBody>
+      </p:sp>
+      <p:sp>
+        <p:nvSpPr>
+          <p:cNvPr id="82" name="Oval 81">
+            <a:extLst>
+              <a:ext uri="{FF2B5EF4-FFF2-40B4-BE49-F238E27FC236}">
+                <a16:creationId xmlns:a16="http://schemas.microsoft.com/office/drawing/2014/main" id="{21E34250-7B2B-F2F3-B42E-D48AF97753D5}"/>
+              </a:ext>
+            </a:extLst>
+          </p:cNvPr>
+          <p:cNvSpPr/>
+          <p:nvPr/>
+        </p:nvSpPr>
+        <p:spPr>
+          <a:xfrm>
+            <a:off x="3118851" y="5160860"/>
+            <a:ext cx="88682" cy="88682"/>
+          </a:xfrm>
+          <a:prstGeom prst="ellipse">
+            <a:avLst/>
+          </a:prstGeom>
+          <a:solidFill>
+            <a:schemeClr val="accent2"/>
+          </a:solidFill>
+          <a:ln>
+            <a:noFill/>
+          </a:ln>
+        </p:spPr>
+        <p:style>
+          <a:lnRef idx="2">
+            <a:schemeClr val="accent1">
+              <a:shade val="15000"/>
+            </a:schemeClr>
+          </a:lnRef>
+          <a:fillRef idx="1">
+            <a:schemeClr val="accent1"/>
+          </a:fillRef>
+          <a:effectRef idx="0">
+            <a:schemeClr val="accent1"/>
+          </a:effectRef>
+          <a:fontRef idx="minor">
+            <a:schemeClr val="lt1"/>
+          </a:fontRef>
+        </p:style>
+        <p:txBody>
+          <a:bodyPr rtlCol="0" anchor="ctr"/>
+          <a:lstStyle/>
+          <a:p>
+            <a:pPr algn="ctr"/>
+            <a:endParaRPr lang="en-US"/>
+          </a:p>
+        </p:txBody>
+      </p:sp>
+      <p:sp>
+        <p:nvSpPr>
+          <p:cNvPr id="83" name="TextBox 82">
+            <a:extLst>
+              <a:ext uri="{FF2B5EF4-FFF2-40B4-BE49-F238E27FC236}">
+                <a16:creationId xmlns:a16="http://schemas.microsoft.com/office/drawing/2014/main" id="{3A19BD4C-6C53-1221-73E1-F3F8D1816B39}"/>
+              </a:ext>
+            </a:extLst>
+          </p:cNvPr>
+          <p:cNvSpPr txBox="1"/>
+          <p:nvPr/>
+        </p:nvSpPr>
+        <p:spPr>
+          <a:xfrm>
+            <a:off x="2496165" y="5608995"/>
+            <a:ext cx="1273956" cy="307777"/>
+          </a:xfrm>
+          <a:prstGeom prst="rect">
+            <a:avLst/>
+          </a:prstGeom>
+          <a:noFill/>
+        </p:spPr>
+        <p:txBody>
+          <a:bodyPr wrap="square" rtlCol="0">
+            <a:spAutoFit/>
+          </a:bodyPr>
+          <a:lstStyle/>
+          <a:p>
+            <a:pPr algn="ctr"/>
+            <a:r>
+              <a:rPr lang="en-US" sz="1400" dirty="0">
+                <a:latin typeface="Lucida grande" panose="020B0502040204020203"/>
+              </a:rPr>
+              <a:t>Ions</a:t>
+            </a:r>
+          </a:p>
+        </p:txBody>
+      </p:sp>
+      <p:sp>
+        <p:nvSpPr>
+          <p:cNvPr id="84" name="TextBox 83">
+            <a:extLst>
+              <a:ext uri="{FF2B5EF4-FFF2-40B4-BE49-F238E27FC236}">
+                <a16:creationId xmlns:a16="http://schemas.microsoft.com/office/drawing/2014/main" id="{13C74A24-5292-A522-5CFF-159E11B4F9B7}"/>
+              </a:ext>
+            </a:extLst>
+          </p:cNvPr>
+          <p:cNvSpPr txBox="1"/>
+          <p:nvPr/>
+        </p:nvSpPr>
+        <p:spPr>
+          <a:xfrm>
+            <a:off x="3745736" y="5611625"/>
+            <a:ext cx="991339" cy="523220"/>
+          </a:xfrm>
+          <a:prstGeom prst="rect">
+            <a:avLst/>
+          </a:prstGeom>
+          <a:noFill/>
+        </p:spPr>
+        <p:txBody>
+          <a:bodyPr wrap="square" rtlCol="0">
+            <a:spAutoFit/>
+          </a:bodyPr>
+          <a:lstStyle/>
+          <a:p>
+            <a:pPr algn="ctr"/>
+            <a:r>
+              <a:rPr lang="en-US" sz="1400" dirty="0">
+                <a:latin typeface="Lucida grande" panose="020B0502040204020203"/>
+              </a:rPr>
+              <a:t>Water (liquid)</a:t>
+            </a:r>
+          </a:p>
+        </p:txBody>
+      </p:sp>
+      <p:sp>
+        <p:nvSpPr>
+          <p:cNvPr id="85" name="Content Placeholder 2">
+            <a:extLst>
+              <a:ext uri="{FF2B5EF4-FFF2-40B4-BE49-F238E27FC236}">
+                <a16:creationId xmlns:a16="http://schemas.microsoft.com/office/drawing/2014/main" id="{3F59903D-4FDF-BCCC-A64D-B79B0ECB0410}"/>
+              </a:ext>
+            </a:extLst>
+          </p:cNvPr>
+          <p:cNvSpPr txBox="1">
+            <a:spLocks/>
+          </p:cNvSpPr>
+          <p:nvPr/>
+        </p:nvSpPr>
+        <p:spPr>
+          <a:xfrm>
+            <a:off x="6043270" y="1387335"/>
+            <a:ext cx="5831069" cy="4969015"/>
+          </a:xfrm>
+          <a:prstGeom prst="rect">
+            <a:avLst/>
+          </a:prstGeom>
+        </p:spPr>
+        <p:txBody>
+          <a:bodyPr>
+            <a:normAutofit/>
+          </a:bodyPr>
+          <a:lstStyle>
+            <a:lvl1pPr marL="228600" indent="-228600" algn="l" defTabSz="914400" rtl="0" eaLnBrk="1" latinLnBrk="0" hangingPunct="1">
+              <a:lnSpc>
+                <a:spcPct val="100000"/>
+              </a:lnSpc>
+              <a:spcBef>
+                <a:spcPts val="1000"/>
+              </a:spcBef>
+              <a:spcAft>
+                <a:spcPts val="1200"/>
+              </a:spcAft>
+              <a:buFont typeface="Arial" panose="020B0604020202020204" pitchFamily="34" charset="0"/>
+              <a:buChar char="•"/>
+              <a:defRPr sz="2400" kern="1200">
+                <a:solidFill>
+                  <a:schemeClr val="tx1"/>
+                </a:solidFill>
+                <a:latin typeface="Lucida Grande" pitchFamily="2" charset="0"/>
+                <a:ea typeface="Lucida Grande" pitchFamily="2" charset="0"/>
+                <a:cs typeface="Lucida Grande" pitchFamily="2" charset="0"/>
+              </a:defRPr>
+            </a:lvl1pPr>
+            <a:lvl2pPr marL="685800" indent="-228600" algn="l" defTabSz="914400" rtl="0" eaLnBrk="1" latinLnBrk="0" hangingPunct="1">
+              <a:lnSpc>
+                <a:spcPct val="100000"/>
+              </a:lnSpc>
+              <a:spcBef>
+                <a:spcPts val="500"/>
+              </a:spcBef>
+              <a:spcAft>
+                <a:spcPts val="1200"/>
+              </a:spcAft>
+              <a:buFont typeface="Arial" panose="020B0604020202020204" pitchFamily="34" charset="0"/>
+              <a:buChar char="•"/>
+              <a:defRPr sz="2000" kern="1200">
+                <a:solidFill>
+                  <a:schemeClr val="tx1"/>
+                </a:solidFill>
+                <a:latin typeface="Lucida Grande" pitchFamily="2" charset="0"/>
+                <a:ea typeface="Lucida Grande" pitchFamily="2" charset="0"/>
+                <a:cs typeface="Lucida Grande" pitchFamily="2" charset="0"/>
+              </a:defRPr>
+            </a:lvl2pPr>
+            <a:lvl3pPr marL="1143000" indent="-228600" algn="l" defTabSz="914400" rtl="0" eaLnBrk="1" latinLnBrk="0" hangingPunct="1">
+              <a:lnSpc>
+                <a:spcPct val="100000"/>
+              </a:lnSpc>
+              <a:spcBef>
+                <a:spcPts val="500"/>
+              </a:spcBef>
+              <a:spcAft>
+                <a:spcPts val="1200"/>
+              </a:spcAft>
+              <a:buFont typeface="Arial" panose="020B0604020202020204" pitchFamily="34" charset="0"/>
+              <a:buChar char="•"/>
+              <a:defRPr sz="1800" kern="1200">
+                <a:solidFill>
+                  <a:schemeClr val="tx1"/>
+                </a:solidFill>
+                <a:latin typeface="Lucida Grande" pitchFamily="2" charset="0"/>
+                <a:ea typeface="Lucida Grande" pitchFamily="2" charset="0"/>
+                <a:cs typeface="Lucida Grande" pitchFamily="2" charset="0"/>
+              </a:defRPr>
+            </a:lvl3pPr>
+            <a:lvl4pPr marL="1600200" indent="-228600" algn="l" defTabSz="914400" rtl="0" eaLnBrk="1" latinLnBrk="0" hangingPunct="1">
+              <a:lnSpc>
+                <a:spcPct val="100000"/>
+              </a:lnSpc>
+              <a:spcBef>
+                <a:spcPts val="500"/>
+              </a:spcBef>
+              <a:spcAft>
+                <a:spcPts val="1200"/>
+              </a:spcAft>
+              <a:buFont typeface="Arial" panose="020B0604020202020204" pitchFamily="34" charset="0"/>
+              <a:buChar char="•"/>
+              <a:defRPr sz="1600" kern="1200">
+                <a:solidFill>
+                  <a:schemeClr val="tx1"/>
+                </a:solidFill>
+                <a:latin typeface="Lucida Grande" pitchFamily="2" charset="0"/>
+                <a:ea typeface="Lucida Grande" pitchFamily="2" charset="0"/>
+                <a:cs typeface="Lucida Grande" pitchFamily="2" charset="0"/>
+              </a:defRPr>
+            </a:lvl4pPr>
+            <a:lvl5pPr marL="2057400" indent="-228600" algn="l" defTabSz="914400" rtl="0" eaLnBrk="1" latinLnBrk="0" hangingPunct="1">
+              <a:lnSpc>
+                <a:spcPct val="100000"/>
+              </a:lnSpc>
+              <a:spcBef>
+                <a:spcPts val="500"/>
+              </a:spcBef>
+              <a:spcAft>
+                <a:spcPts val="1200"/>
+              </a:spcAft>
+              <a:buFont typeface="Arial" panose="020B0604020202020204" pitchFamily="34" charset="0"/>
+              <a:buChar char="•"/>
+              <a:defRPr sz="1600" kern="1200">
+                <a:solidFill>
+                  <a:schemeClr val="tx1"/>
+                </a:solidFill>
+                <a:latin typeface="Lucida Grande" pitchFamily="2" charset="0"/>
+                <a:ea typeface="Lucida Grande" pitchFamily="2" charset="0"/>
+                <a:cs typeface="Lucida Grande" pitchFamily="2" charset="0"/>
+              </a:defRPr>
+            </a:lvl5pPr>
+            <a:lvl6pPr marL="2514600" indent="-228600" algn="l" defTabSz="914400" rtl="0" eaLnBrk="1" latinLnBrk="0" hangingPunct="1">
+              <a:lnSpc>
+                <a:spcPct val="90000"/>
+              </a:lnSpc>
+              <a:spcBef>
+                <a:spcPts val="500"/>
+              </a:spcBef>
+              <a:buFont typeface="Arial" panose="020B0604020202020204" pitchFamily="34" charset="0"/>
+              <a:buChar char="•"/>
+              <a:defRPr sz="1800" kern="1200">
+                <a:solidFill>
+                  <a:schemeClr val="tx1"/>
+                </a:solidFill>
+                <a:latin typeface="+mn-lt"/>
+                <a:ea typeface="+mn-ea"/>
+                <a:cs typeface="+mn-cs"/>
+              </a:defRPr>
+            </a:lvl6pPr>
+            <a:lvl7pPr marL="2971800" indent="-228600" algn="l" defTabSz="914400" rtl="0" eaLnBrk="1" latinLnBrk="0" hangingPunct="1">
+              <a:lnSpc>
+                <a:spcPct val="90000"/>
+              </a:lnSpc>
+              <a:spcBef>
+                <a:spcPts val="500"/>
+              </a:spcBef>
+              <a:buFont typeface="Arial" panose="020B0604020202020204" pitchFamily="34" charset="0"/>
+              <a:buChar char="•"/>
+              <a:defRPr sz="1800" kern="1200">
+                <a:solidFill>
+                  <a:schemeClr val="tx1"/>
+                </a:solidFill>
+                <a:latin typeface="+mn-lt"/>
+                <a:ea typeface="+mn-ea"/>
+                <a:cs typeface="+mn-cs"/>
+              </a:defRPr>
+            </a:lvl7pPr>
+            <a:lvl8pPr marL="3429000" indent="-228600" algn="l" defTabSz="914400" rtl="0" eaLnBrk="1" latinLnBrk="0" hangingPunct="1">
+              <a:lnSpc>
+                <a:spcPct val="90000"/>
+              </a:lnSpc>
+              <a:spcBef>
+                <a:spcPts val="500"/>
+              </a:spcBef>
+              <a:buFont typeface="Arial" panose="020B0604020202020204" pitchFamily="34" charset="0"/>
+              <a:buChar char="•"/>
+              <a:defRPr sz="1800" kern="1200">
+                <a:solidFill>
+                  <a:schemeClr val="tx1"/>
+                </a:solidFill>
+                <a:latin typeface="+mn-lt"/>
+                <a:ea typeface="+mn-ea"/>
+                <a:cs typeface="+mn-cs"/>
+              </a:defRPr>
+            </a:lvl8pPr>
+            <a:lvl9pPr marL="3886200" indent="-228600" algn="l" defTabSz="914400" rtl="0" eaLnBrk="1" latinLnBrk="0" hangingPunct="1">
+              <a:lnSpc>
+                <a:spcPct val="90000"/>
+              </a:lnSpc>
+              <a:spcBef>
+                <a:spcPts val="500"/>
+              </a:spcBef>
+              <a:buFont typeface="Arial" panose="020B0604020202020204" pitchFamily="34" charset="0"/>
+              <a:buChar char="•"/>
+              <a:defRPr sz="1800" kern="1200">
+                <a:solidFill>
+                  <a:schemeClr val="tx1"/>
+                </a:solidFill>
+                <a:latin typeface="+mn-lt"/>
+                <a:ea typeface="+mn-ea"/>
+                <a:cs typeface="+mn-cs"/>
+              </a:defRPr>
+            </a:lvl9pPr>
+          </a:lstStyle>
+          <a:p>
+            <a:r>
+              <a:rPr lang="en-US" sz="2000" dirty="0"/>
+              <a:t>Effects on ionomer morphology by</a:t>
+            </a:r>
+          </a:p>
+          <a:p>
+            <a:pPr lvl="1"/>
+            <a:r>
+              <a:rPr lang="en-US" sz="1800" dirty="0"/>
+              <a:t>Water uptake (e.g., number of water molecules)</a:t>
+            </a:r>
+          </a:p>
+          <a:p>
+            <a:pPr lvl="1"/>
+            <a:r>
+              <a:rPr lang="en-US" sz="1800" dirty="0"/>
+              <a:t>Pt potential</a:t>
+            </a:r>
+          </a:p>
+          <a:p>
+            <a:pPr lvl="1"/>
+            <a:r>
+              <a:rPr lang="en-US" sz="1800" dirty="0"/>
+              <a:t>Ionomer chemistry</a:t>
+            </a:r>
+          </a:p>
+          <a:p>
+            <a:pPr lvl="2"/>
+            <a:r>
+              <a:rPr lang="en-US" sz="1600" dirty="0"/>
+              <a:t>Equivalent weight, sidechain length, etc.</a:t>
+            </a:r>
+          </a:p>
+          <a:p>
+            <a:r>
+              <a:rPr lang="en-US" sz="2000" dirty="0"/>
+              <a:t>Our SCFT would provide</a:t>
+            </a:r>
+          </a:p>
+          <a:p>
+            <a:pPr lvl="1"/>
+            <a:r>
+              <a:rPr lang="en-US" sz="1800" dirty="0"/>
+              <a:t>Polymer/Sidechain density distributions</a:t>
+            </a:r>
+          </a:p>
+          <a:p>
+            <a:pPr lvl="1"/>
+            <a:r>
+              <a:rPr lang="en-US" sz="1800" dirty="0"/>
+              <a:t>Proton distributions</a:t>
+            </a:r>
+          </a:p>
+          <a:p>
+            <a:pPr lvl="1"/>
+            <a:r>
+              <a:rPr lang="en-US" sz="1800" dirty="0"/>
+              <a:t>Mechanisms underlying morphological changes</a:t>
+            </a:r>
           </a:p>
         </p:txBody>
       </p:sp>

--- a/20240722 NAF Intro.pptx
+++ b/20240722 NAF Intro.pptx
@@ -8303,8 +8303,8 @@
         </p:nvSpPr>
         <p:spPr>
           <a:xfrm>
-            <a:off x="5091576" y="2086147"/>
-            <a:ext cx="6768042" cy="4524315"/>
+            <a:off x="5091576" y="1399043"/>
+            <a:ext cx="6768042" cy="5139869"/>
           </a:xfrm>
           <a:prstGeom prst="rect">
             <a:avLst/>
@@ -8318,93 +8318,138 @@
           <a:lstStyle/>
           <a:p>
             <a:pPr marL="285750" indent="-285750">
+              <a:spcBef>
+                <a:spcPts val="600"/>
+              </a:spcBef>
               <a:buFont typeface="Arial" panose="020B0604020202020204" pitchFamily="34" charset="0"/>
               <a:buChar char="•"/>
             </a:pPr>
             <a:r>
-              <a:rPr lang="en-US" dirty="0"/>
+              <a:rPr lang="en-US" dirty="0">
+                <a:latin typeface="Lucida grande" panose="020B0502040204020203"/>
+              </a:rPr>
               <a:t>Model: “grafting substrate” is the “bulk” thin film. Sidechains are uniformly tethered to the surface. </a:t>
             </a:r>
           </a:p>
           <a:p>
             <a:pPr marL="285750" indent="-285750">
+              <a:spcBef>
+                <a:spcPts val="600"/>
+              </a:spcBef>
               <a:buFont typeface="Arial" panose="020B0604020202020204" pitchFamily="34" charset="0"/>
               <a:buChar char="•"/>
             </a:pPr>
-            <a:endParaRPr lang="en-US" dirty="0"/>
+            <a:endParaRPr lang="en-US" dirty="0">
+              <a:latin typeface="Lucida grande" panose="020B0502040204020203"/>
+            </a:endParaRPr>
           </a:p>
           <a:p>
             <a:pPr marL="285750" indent="-285750">
+              <a:spcBef>
+                <a:spcPts val="600"/>
+              </a:spcBef>
               <a:buFont typeface="Arial" panose="020B0604020202020204" pitchFamily="34" charset="0"/>
               <a:buChar char="•"/>
             </a:pPr>
             <a:r>
-              <a:rPr lang="en-US" dirty="0"/>
+              <a:rPr lang="en-US" dirty="0">
+                <a:latin typeface="Lucida grande" panose="020B0502040204020203"/>
+              </a:rPr>
               <a:t>Polymer density distributions illustrates the effect of Pt surface charge density on thin-film morphology</a:t>
             </a:r>
           </a:p>
           <a:p>
             <a:pPr marL="742950" lvl="1" indent="-285750">
+              <a:spcBef>
+                <a:spcPts val="600"/>
+              </a:spcBef>
               <a:buFont typeface="Arial" panose="020B0604020202020204" pitchFamily="34" charset="0"/>
               <a:buChar char="•"/>
             </a:pPr>
             <a:r>
-              <a:rPr lang="en-US" dirty="0"/>
+              <a:rPr lang="en-US" dirty="0">
+                <a:latin typeface="Lucida grande" panose="020B0502040204020203"/>
+              </a:rPr>
               <a:t>As charge increases, the degree of polymer poisoning increases</a:t>
             </a:r>
           </a:p>
           <a:p>
             <a:pPr marL="1200150" lvl="2" indent="-285750">
+              <a:spcBef>
+                <a:spcPts val="600"/>
+              </a:spcBef>
               <a:buFont typeface="Arial" panose="020B0604020202020204" pitchFamily="34" charset="0"/>
               <a:buChar char="•"/>
             </a:pPr>
             <a:r>
-              <a:rPr lang="en-US" dirty="0"/>
+              <a:rPr lang="en-US" dirty="0">
+                <a:latin typeface="Lucida grande" panose="020B0502040204020203"/>
+              </a:rPr>
               <a:t>The vast majority of the density near Pt is composed of SO3− (dashed)</a:t>
             </a:r>
           </a:p>
           <a:p>
             <a:pPr marL="742950" lvl="1" indent="-285750">
+              <a:spcBef>
+                <a:spcPts val="600"/>
+              </a:spcBef>
               <a:buFont typeface="Arial" panose="020B0604020202020204" pitchFamily="34" charset="0"/>
               <a:buChar char="•"/>
             </a:pPr>
             <a:r>
-              <a:rPr lang="en-US" dirty="0"/>
+              <a:rPr lang="en-US" dirty="0">
+                <a:latin typeface="Lucida grande" panose="020B0502040204020203"/>
+              </a:rPr>
               <a:t>Proton distributions (dotted) illustrate the competing effects between increased (+) surface charge density and the ion cloud surrounding the SO3− groups</a:t>
             </a:r>
           </a:p>
           <a:p>
             <a:pPr marL="742950" lvl="1" indent="-285750">
+              <a:spcBef>
+                <a:spcPts val="600"/>
+              </a:spcBef>
               <a:buFont typeface="Arial" panose="020B0604020202020204" pitchFamily="34" charset="0"/>
               <a:buChar char="•"/>
             </a:pPr>
-            <a:endParaRPr lang="en-US" dirty="0"/>
+            <a:endParaRPr lang="en-US" dirty="0">
+              <a:latin typeface="Lucida grande" panose="020B0502040204020203"/>
+            </a:endParaRPr>
           </a:p>
           <a:p>
             <a:pPr marL="285750" indent="-285750">
+              <a:spcBef>
+                <a:spcPts val="600"/>
+              </a:spcBef>
               <a:buFont typeface="Arial" panose="020B0604020202020204" pitchFamily="34" charset="0"/>
               <a:buChar char="•"/>
             </a:pPr>
             <a:r>
-              <a:rPr lang="en-US" dirty="0"/>
+              <a:rPr lang="en-US" dirty="0">
+                <a:latin typeface="Lucida grande" panose="020B0502040204020203"/>
+              </a:rPr>
               <a:t>However, this model does not account for the rest of the film (e.g., elasticity of the ionomer backbones)</a:t>
             </a:r>
           </a:p>
           <a:p>
             <a:pPr marL="285750" indent="-285750">
+              <a:spcBef>
+                <a:spcPts val="600"/>
+              </a:spcBef>
               <a:buFont typeface="Arial" panose="020B0604020202020204" pitchFamily="34" charset="0"/>
               <a:buChar char="•"/>
             </a:pPr>
-            <a:endParaRPr lang="en-US" dirty="0"/>
+            <a:endParaRPr lang="en-US" dirty="0">
+              <a:latin typeface="Lucida grande" panose="020B0502040204020203"/>
+            </a:endParaRPr>
           </a:p>
         </p:txBody>
       </p:sp>
       <p:pic>
         <p:nvPicPr>
-          <p:cNvPr id="53" name="Picture 52">
+          <p:cNvPr id="31" name="Picture 30">
             <a:extLst>
               <a:ext uri="{FF2B5EF4-FFF2-40B4-BE49-F238E27FC236}">
-                <a16:creationId xmlns:a16="http://schemas.microsoft.com/office/drawing/2014/main" id="{B7B9D77E-6B94-2932-DF86-57210AE5D47D}"/>
+                <a16:creationId xmlns:a16="http://schemas.microsoft.com/office/drawing/2014/main" id="{561FE662-B2A5-4124-4A8A-9B356DB6DFDC}"/>
               </a:ext>
             </a:extLst>
           </p:cNvPr>
@@ -8421,225 +8466,14 @@
         </p:blipFill>
         <p:spPr>
           <a:xfrm>
-            <a:off x="1268250" y="2345008"/>
-            <a:ext cx="2448155" cy="2003297"/>
+            <a:off x="1099866" y="1161037"/>
+            <a:ext cx="2488376" cy="812531"/>
           </a:xfrm>
           <a:prstGeom prst="rect">
             <a:avLst/>
           </a:prstGeom>
         </p:spPr>
       </p:pic>
-      <p:grpSp>
-        <p:nvGrpSpPr>
-          <p:cNvPr id="36" name="Group 35">
-            <a:extLst>
-              <a:ext uri="{FF2B5EF4-FFF2-40B4-BE49-F238E27FC236}">
-                <a16:creationId xmlns:a16="http://schemas.microsoft.com/office/drawing/2014/main" id="{65DE5310-FA60-B877-67ED-336D5FDFE84E}"/>
-              </a:ext>
-            </a:extLst>
-          </p:cNvPr>
-          <p:cNvGrpSpPr/>
-          <p:nvPr/>
-        </p:nvGrpSpPr>
-        <p:grpSpPr>
-          <a:xfrm>
-            <a:off x="559624" y="1188273"/>
-            <a:ext cx="4980926" cy="987458"/>
-            <a:chOff x="559624" y="1188273"/>
-            <a:chExt cx="4980926" cy="987458"/>
-          </a:xfrm>
-        </p:grpSpPr>
-        <p:pic>
-          <p:nvPicPr>
-            <p:cNvPr id="31" name="Picture 30">
-              <a:extLst>
-                <a:ext uri="{FF2B5EF4-FFF2-40B4-BE49-F238E27FC236}">
-                  <a16:creationId xmlns:a16="http://schemas.microsoft.com/office/drawing/2014/main" id="{561FE662-B2A5-4124-4A8A-9B356DB6DFDC}"/>
-                </a:ext>
-              </a:extLst>
-            </p:cNvPr>
-            <p:cNvPicPr>
-              <a:picLocks noChangeAspect="1"/>
-            </p:cNvPicPr>
-            <p:nvPr/>
-          </p:nvPicPr>
-          <p:blipFill>
-            <a:blip r:embed="rId3"/>
-            <a:stretch>
-              <a:fillRect/>
-            </a:stretch>
-          </p:blipFill>
-          <p:spPr>
-            <a:xfrm>
-              <a:off x="559624" y="1188273"/>
-              <a:ext cx="3024091" cy="987458"/>
-            </a:xfrm>
-            <a:prstGeom prst="rect">
-              <a:avLst/>
-            </a:prstGeom>
-          </p:spPr>
-        </p:pic>
-        <p:sp>
-          <p:nvSpPr>
-            <p:cNvPr id="32" name="TextBox 31">
-              <a:extLst>
-                <a:ext uri="{FF2B5EF4-FFF2-40B4-BE49-F238E27FC236}">
-                  <a16:creationId xmlns:a16="http://schemas.microsoft.com/office/drawing/2014/main" id="{49BFB0D1-A0DB-BABB-F480-987EB0F3A271}"/>
-                </a:ext>
-              </a:extLst>
-            </p:cNvPr>
-            <p:cNvSpPr txBox="1"/>
-            <p:nvPr/>
-          </p:nvSpPr>
-          <p:spPr>
-            <a:xfrm>
-              <a:off x="4366483" y="1188273"/>
-              <a:ext cx="1174067" cy="338554"/>
-            </a:xfrm>
-            <a:prstGeom prst="rect">
-              <a:avLst/>
-            </a:prstGeom>
-            <a:noFill/>
-          </p:spPr>
-          <p:txBody>
-            <a:bodyPr wrap="square" rtlCol="0">
-              <a:spAutoFit/>
-            </a:bodyPr>
-            <a:lstStyle/>
-            <a:p>
-              <a:r>
-                <a:rPr lang="en-US" sz="1600" dirty="0"/>
-                <a:t>Backbone</a:t>
-              </a:r>
-            </a:p>
-          </p:txBody>
-        </p:sp>
-        <p:sp>
-          <p:nvSpPr>
-            <p:cNvPr id="33" name="TextBox 32">
-              <a:extLst>
-                <a:ext uri="{FF2B5EF4-FFF2-40B4-BE49-F238E27FC236}">
-                  <a16:creationId xmlns:a16="http://schemas.microsoft.com/office/drawing/2014/main" id="{26A54564-A571-A14B-53EC-567DD395D801}"/>
-                </a:ext>
-              </a:extLst>
-            </p:cNvPr>
-            <p:cNvSpPr txBox="1"/>
-            <p:nvPr/>
-          </p:nvSpPr>
-          <p:spPr>
-            <a:xfrm>
-              <a:off x="4366483" y="1589669"/>
-              <a:ext cx="1174067" cy="338554"/>
-            </a:xfrm>
-            <a:prstGeom prst="rect">
-              <a:avLst/>
-            </a:prstGeom>
-            <a:noFill/>
-          </p:spPr>
-          <p:txBody>
-            <a:bodyPr wrap="square" rtlCol="0">
-              <a:spAutoFit/>
-            </a:bodyPr>
-            <a:lstStyle/>
-            <a:p>
-              <a:r>
-                <a:rPr lang="en-US" sz="1600" dirty="0"/>
-                <a:t>Sidechain</a:t>
-              </a:r>
-            </a:p>
-          </p:txBody>
-        </p:sp>
-        <p:cxnSp>
-          <p:nvCxnSpPr>
-            <p:cNvPr id="34" name="Straight Arrow Connector 33">
-              <a:extLst>
-                <a:ext uri="{FF2B5EF4-FFF2-40B4-BE49-F238E27FC236}">
-                  <a16:creationId xmlns:a16="http://schemas.microsoft.com/office/drawing/2014/main" id="{F867A096-7982-88AE-00A0-8FFADE9431DB}"/>
-                </a:ext>
-              </a:extLst>
-            </p:cNvPr>
-            <p:cNvCxnSpPr>
-              <a:cxnSpLocks/>
-              <a:stCxn id="33" idx="1"/>
-            </p:cNvCxnSpPr>
-            <p:nvPr/>
-          </p:nvCxnSpPr>
-          <p:spPr>
-            <a:xfrm flipH="1">
-              <a:off x="3894667" y="1758946"/>
-              <a:ext cx="471816" cy="0"/>
-            </a:xfrm>
-            <a:prstGeom prst="straightConnector1">
-              <a:avLst/>
-            </a:prstGeom>
-            <a:ln w="28575">
-              <a:solidFill>
-                <a:schemeClr val="tx1"/>
-              </a:solidFill>
-              <a:tailEnd type="triangle"/>
-            </a:ln>
-          </p:spPr>
-          <p:style>
-            <a:lnRef idx="1">
-              <a:schemeClr val="accent1"/>
-            </a:lnRef>
-            <a:fillRef idx="0">
-              <a:schemeClr val="accent1"/>
-            </a:fillRef>
-            <a:effectRef idx="0">
-              <a:schemeClr val="accent1"/>
-            </a:effectRef>
-            <a:fontRef idx="minor">
-              <a:schemeClr val="tx1"/>
-            </a:fontRef>
-          </p:style>
-        </p:cxnSp>
-        <p:cxnSp>
-          <p:nvCxnSpPr>
-            <p:cNvPr id="35" name="Straight Arrow Connector 34">
-              <a:extLst>
-                <a:ext uri="{FF2B5EF4-FFF2-40B4-BE49-F238E27FC236}">
-                  <a16:creationId xmlns:a16="http://schemas.microsoft.com/office/drawing/2014/main" id="{10F4A91E-F44C-3BA8-36EF-476059301FE6}"/>
-                </a:ext>
-              </a:extLst>
-            </p:cNvPr>
-            <p:cNvCxnSpPr>
-              <a:cxnSpLocks/>
-              <a:stCxn id="32" idx="1"/>
-            </p:cNvCxnSpPr>
-            <p:nvPr/>
-          </p:nvCxnSpPr>
-          <p:spPr>
-            <a:xfrm flipH="1">
-              <a:off x="3554480" y="1357550"/>
-              <a:ext cx="812003" cy="0"/>
-            </a:xfrm>
-            <a:prstGeom prst="straightConnector1">
-              <a:avLst/>
-            </a:prstGeom>
-            <a:ln w="28575">
-              <a:solidFill>
-                <a:schemeClr val="tx1"/>
-              </a:solidFill>
-              <a:tailEnd type="triangle"/>
-            </a:ln>
-          </p:spPr>
-          <p:style>
-            <a:lnRef idx="1">
-              <a:schemeClr val="accent1"/>
-            </a:lnRef>
-            <a:fillRef idx="0">
-              <a:schemeClr val="accent1"/>
-            </a:fillRef>
-            <a:effectRef idx="0">
-              <a:schemeClr val="accent1"/>
-            </a:effectRef>
-            <a:fontRef idx="minor">
-              <a:schemeClr val="tx1"/>
-            </a:fontRef>
-          </p:style>
-        </p:cxnSp>
-      </p:grpSp>
       <p:grpSp>
         <p:nvGrpSpPr>
           <p:cNvPr id="43" name="Group 42">
@@ -8654,8 +8488,8 @@
         </p:nvGrpSpPr>
         <p:grpSpPr>
           <a:xfrm>
-            <a:off x="1059395" y="4348305"/>
-            <a:ext cx="3796274" cy="2369552"/>
+            <a:off x="559624" y="4202103"/>
+            <a:ext cx="4036302" cy="2519372"/>
             <a:chOff x="1023877" y="4521200"/>
             <a:chExt cx="3525074" cy="2200275"/>
           </a:xfrm>
@@ -8675,7 +8509,7 @@
             <p:nvPr/>
           </p:nvPicPr>
           <p:blipFill>
-            <a:blip r:embed="rId4">
+            <a:blip r:embed="rId3">
               <a:extLst>
                 <a:ext uri="{28A0092B-C50C-407E-A947-70E740481C1C}">
                   <a14:useLocalDpi xmlns:a14="http://schemas.microsoft.com/office/drawing/2010/main" val="0"/>
@@ -8762,6 +8596,36 @@
           </p:txBody>
         </p:sp>
       </p:grpSp>
+      <p:pic>
+        <p:nvPicPr>
+          <p:cNvPr id="53" name="Picture 52">
+            <a:extLst>
+              <a:ext uri="{FF2B5EF4-FFF2-40B4-BE49-F238E27FC236}">
+                <a16:creationId xmlns:a16="http://schemas.microsoft.com/office/drawing/2014/main" id="{B7B9D77E-6B94-2932-DF86-57210AE5D47D}"/>
+              </a:ext>
+            </a:extLst>
+          </p:cNvPr>
+          <p:cNvPicPr>
+            <a:picLocks noChangeAspect="1"/>
+          </p:cNvPicPr>
+          <p:nvPr/>
+        </p:nvPicPr>
+        <p:blipFill>
+          <a:blip r:embed="rId4"/>
+          <a:stretch>
+            <a:fillRect/>
+          </a:stretch>
+        </p:blipFill>
+        <p:spPr>
+          <a:xfrm>
+            <a:off x="728687" y="2049418"/>
+            <a:ext cx="2772795" cy="2268945"/>
+          </a:xfrm>
+          <a:prstGeom prst="rect">
+            <a:avLst/>
+          </a:prstGeom>
+        </p:spPr>
+      </p:pic>
     </p:spTree>
     <p:extLst>
       <p:ext uri="{BB962C8B-B14F-4D97-AF65-F5344CB8AC3E}">

--- a/20240722 NAF Intro.pptx
+++ b/20240722 NAF Intro.pptx
@@ -5,7 +5,7 @@
     <p:sldMasterId id="2147483648" r:id="rId1"/>
   </p:sldMasterIdLst>
   <p:notesMasterIdLst>
-    <p:notesMasterId r:id="rId18"/>
+    <p:notesMasterId r:id="rId16"/>
   </p:notesMasterIdLst>
   <p:sldIdLst>
     <p:sldId id="256" r:id="rId2"/>
@@ -22,8 +22,6 @@
     <p:sldId id="272" r:id="rId13"/>
     <p:sldId id="257" r:id="rId14"/>
     <p:sldId id="273" r:id="rId15"/>
-    <p:sldId id="258" r:id="rId16"/>
-    <p:sldId id="263" r:id="rId17"/>
   </p:sldIdLst>
   <p:sldSz cx="12192000" cy="6858000"/>
   <p:notesSz cx="6858000" cy="9144000"/>
@@ -11214,2844 +11212,6 @@
 </p:sld>
 </file>
 
-<file path=ppt/slides/slide15.xml><?xml version="1.0" encoding="utf-8"?>
-<p:sld xmlns:a="http://schemas.openxmlformats.org/drawingml/2006/main" xmlns:r="http://schemas.openxmlformats.org/officeDocument/2006/relationships" xmlns:p="http://schemas.openxmlformats.org/presentationml/2006/main" show="0">
-  <p:cSld>
-    <p:spTree>
-      <p:nvGrpSpPr>
-        <p:cNvPr id="1" name=""/>
-        <p:cNvGrpSpPr/>
-        <p:nvPr/>
-      </p:nvGrpSpPr>
-      <p:grpSpPr>
-        <a:xfrm>
-          <a:off x="0" y="0"/>
-          <a:ext cx="0" cy="0"/>
-          <a:chOff x="0" y="0"/>
-          <a:chExt cx="0" cy="0"/>
-        </a:xfrm>
-      </p:grpSpPr>
-      <p:sp>
-        <p:nvSpPr>
-          <p:cNvPr id="2" name="Title 1">
-            <a:extLst>
-              <a:ext uri="{FF2B5EF4-FFF2-40B4-BE49-F238E27FC236}">
-                <a16:creationId xmlns:a16="http://schemas.microsoft.com/office/drawing/2014/main" id="{953FB28C-A291-83F3-63FD-068EFE175BE8}"/>
-              </a:ext>
-            </a:extLst>
-          </p:cNvPr>
-          <p:cNvSpPr>
-            <a:spLocks noGrp="1"/>
-          </p:cNvSpPr>
-          <p:nvPr>
-            <p:ph type="title"/>
-          </p:nvPr>
-        </p:nvSpPr>
-        <p:spPr/>
-        <p:txBody>
-          <a:bodyPr/>
-          <a:lstStyle/>
-          <a:p>
-            <a:r>
-              <a:rPr lang="en-US" dirty="0"/>
-              <a:t>System</a:t>
-            </a:r>
-          </a:p>
-        </p:txBody>
-      </p:sp>
-      <p:sp>
-        <p:nvSpPr>
-          <p:cNvPr id="4" name="Slide Number Placeholder 3">
-            <a:extLst>
-              <a:ext uri="{FF2B5EF4-FFF2-40B4-BE49-F238E27FC236}">
-                <a16:creationId xmlns:a16="http://schemas.microsoft.com/office/drawing/2014/main" id="{1C65E31E-01E1-A220-A504-7D643247FC10}"/>
-              </a:ext>
-            </a:extLst>
-          </p:cNvPr>
-          <p:cNvSpPr>
-            <a:spLocks noGrp="1"/>
-          </p:cNvSpPr>
-          <p:nvPr>
-            <p:ph type="sldNum" sz="quarter" idx="12"/>
-          </p:nvPr>
-        </p:nvSpPr>
-        <p:spPr/>
-        <p:txBody>
-          <a:bodyPr/>
-          <a:lstStyle/>
-          <a:p>
-            <a:fld id="{5911C0E6-D9CE-431C-92CB-BB39B872F930}" type="slidenum">
-              <a:rPr lang="en-US" smtClean="0"/>
-              <a:t>15</a:t>
-            </a:fld>
-            <a:endParaRPr lang="en-US"/>
-          </a:p>
-        </p:txBody>
-      </p:sp>
-      <p:sp>
-        <p:nvSpPr>
-          <p:cNvPr id="54" name="TextBox 53">
-            <a:extLst>
-              <a:ext uri="{FF2B5EF4-FFF2-40B4-BE49-F238E27FC236}">
-                <a16:creationId xmlns:a16="http://schemas.microsoft.com/office/drawing/2014/main" id="{01784940-308A-3DF9-1191-42510112BA7D}"/>
-              </a:ext>
-            </a:extLst>
-          </p:cNvPr>
-          <p:cNvSpPr txBox="1"/>
-          <p:nvPr/>
-        </p:nvSpPr>
-        <p:spPr>
-          <a:xfrm>
-            <a:off x="5291669" y="1434918"/>
-            <a:ext cx="6730905" cy="4308872"/>
-          </a:xfrm>
-          <a:prstGeom prst="rect">
-            <a:avLst/>
-          </a:prstGeom>
-          <a:noFill/>
-        </p:spPr>
-        <p:txBody>
-          <a:bodyPr wrap="square" rtlCol="0">
-            <a:spAutoFit/>
-          </a:bodyPr>
-          <a:lstStyle/>
-          <a:p>
-            <a:pPr>
-              <a:spcAft>
-                <a:spcPts val="600"/>
-              </a:spcAft>
-            </a:pPr>
-            <a:r>
-              <a:rPr lang="en-US" sz="1600" i="1" dirty="0"/>
-              <a:t>Schematic/Simplified system:</a:t>
-            </a:r>
-          </a:p>
-          <a:p>
-            <a:pPr marL="285750" indent="-285750">
-              <a:spcAft>
-                <a:spcPts val="600"/>
-              </a:spcAft>
-              <a:buFont typeface="Arial" panose="020B0604020202020204" pitchFamily="34" charset="0"/>
-              <a:buChar char="•"/>
-            </a:pPr>
-            <a:r>
-              <a:rPr lang="en-US" sz="1600" dirty="0"/>
-              <a:t>Polymer brush immersed in solution</a:t>
-            </a:r>
-          </a:p>
-          <a:p>
-            <a:pPr marL="285750" indent="-285750">
-              <a:spcAft>
-                <a:spcPts val="600"/>
-              </a:spcAft>
-              <a:buFont typeface="Arial" panose="020B0604020202020204" pitchFamily="34" charset="0"/>
-              <a:buChar char="•"/>
-            </a:pPr>
-            <a:r>
-              <a:rPr lang="en-US" sz="1600" dirty="0"/>
-              <a:t>Solution in contact with positively charged electrode</a:t>
-            </a:r>
-          </a:p>
-          <a:p>
-            <a:pPr>
-              <a:spcAft>
-                <a:spcPts val="600"/>
-              </a:spcAft>
-            </a:pPr>
-            <a:r>
-              <a:rPr lang="en-US" sz="1600" i="1" dirty="0"/>
-              <a:t>In real fuel cell:</a:t>
-            </a:r>
-          </a:p>
-          <a:p>
-            <a:pPr marL="285750" indent="-285750">
-              <a:spcAft>
-                <a:spcPts val="600"/>
-              </a:spcAft>
-              <a:buFont typeface="Arial" panose="020B0604020202020204" pitchFamily="34" charset="0"/>
-              <a:buChar char="•"/>
-            </a:pPr>
-            <a:r>
-              <a:rPr lang="en-US" sz="1600" dirty="0"/>
-              <a:t>Proton source from splitting of hydrogen (cathode, far left of schematic)</a:t>
-            </a:r>
-          </a:p>
-          <a:p>
-            <a:pPr marL="285750" indent="-285750">
-              <a:spcAft>
-                <a:spcPts val="600"/>
-              </a:spcAft>
-              <a:buFont typeface="Arial" panose="020B0604020202020204" pitchFamily="34" charset="0"/>
-              <a:buChar char="•"/>
-            </a:pPr>
-            <a:r>
-              <a:rPr lang="en-US" sz="1600" dirty="0"/>
-              <a:t>Proton sink from reaction with oxygen at Pt, forming water (anode, right side of schematic)</a:t>
-            </a:r>
-          </a:p>
-          <a:p>
-            <a:pPr>
-              <a:spcAft>
-                <a:spcPts val="600"/>
-              </a:spcAft>
-            </a:pPr>
-            <a:r>
-              <a:rPr lang="en-US" sz="1600" i="1" dirty="0"/>
-              <a:t>In CV experiments:</a:t>
-            </a:r>
-          </a:p>
-          <a:p>
-            <a:pPr marL="285750" indent="-285750">
-              <a:spcAft>
-                <a:spcPts val="600"/>
-              </a:spcAft>
-              <a:buFont typeface="Arial" panose="020B0604020202020204" pitchFamily="34" charset="0"/>
-              <a:buChar char="•"/>
-            </a:pPr>
-            <a:r>
-              <a:rPr lang="en-US" sz="1600" dirty="0"/>
-              <a:t>Pt coated with thin film of ionomer immersed in solution of 0.100 M HClO4</a:t>
-            </a:r>
-          </a:p>
-          <a:p>
-            <a:pPr>
-              <a:spcAft>
-                <a:spcPts val="600"/>
-              </a:spcAft>
-            </a:pPr>
-            <a:r>
-              <a:rPr lang="en-US" sz="1600" i="1" dirty="0"/>
-              <a:t>Preliminary SCFT model:</a:t>
-            </a:r>
-            <a:endParaRPr lang="en-US" sz="1600" dirty="0"/>
-          </a:p>
-          <a:p>
-            <a:pPr marL="285750" indent="-285750">
-              <a:spcAft>
-                <a:spcPts val="600"/>
-              </a:spcAft>
-              <a:buFont typeface="Arial" panose="020B0604020202020204" pitchFamily="34" charset="0"/>
-              <a:buChar char="•"/>
-            </a:pPr>
-            <a:r>
-              <a:rPr lang="en-US" sz="1600" dirty="0"/>
-              <a:t>Grafted polymers are </a:t>
-            </a:r>
-            <a:r>
-              <a:rPr lang="en-US" sz="1600" dirty="0" err="1"/>
-              <a:t>Nafion</a:t>
-            </a:r>
-            <a:r>
-              <a:rPr lang="en-US" sz="1600" dirty="0"/>
-              <a:t> sidechains “grafted” onto the bulk ionomer membrane</a:t>
-            </a:r>
-          </a:p>
-          <a:p>
-            <a:pPr marL="742950" lvl="1" indent="-285750">
-              <a:spcAft>
-                <a:spcPts val="600"/>
-              </a:spcAft>
-              <a:buFont typeface="Arial" panose="020B0604020202020204" pitchFamily="34" charset="0"/>
-              <a:buChar char="•"/>
-            </a:pPr>
-            <a:r>
-              <a:rPr lang="en-US" sz="1600" dirty="0"/>
-              <a:t>In the future, model can be extended to consider entire </a:t>
-            </a:r>
-            <a:r>
-              <a:rPr lang="en-US" sz="1600" dirty="0" err="1"/>
-              <a:t>Nafion</a:t>
-            </a:r>
-            <a:r>
-              <a:rPr lang="en-US" sz="1600" dirty="0"/>
-              <a:t> chains to more accurately describe poisoning mechanism</a:t>
-            </a:r>
-          </a:p>
-        </p:txBody>
-      </p:sp>
-      <p:pic>
-        <p:nvPicPr>
-          <p:cNvPr id="56" name="Picture 55">
-            <a:extLst>
-              <a:ext uri="{FF2B5EF4-FFF2-40B4-BE49-F238E27FC236}">
-                <a16:creationId xmlns:a16="http://schemas.microsoft.com/office/drawing/2014/main" id="{1CA0AEE3-E3B5-B228-C547-225A4ECDBE1E}"/>
-              </a:ext>
-            </a:extLst>
-          </p:cNvPr>
-          <p:cNvPicPr>
-            <a:picLocks noChangeAspect="1"/>
-          </p:cNvPicPr>
-          <p:nvPr/>
-        </p:nvPicPr>
-        <p:blipFill>
-          <a:blip r:embed="rId2"/>
-          <a:stretch>
-            <a:fillRect/>
-          </a:stretch>
-        </p:blipFill>
-        <p:spPr>
-          <a:xfrm>
-            <a:off x="457202" y="5699705"/>
-            <a:ext cx="3024091" cy="987458"/>
-          </a:xfrm>
-          <a:prstGeom prst="rect">
-            <a:avLst/>
-          </a:prstGeom>
-        </p:spPr>
-      </p:pic>
-      <p:grpSp>
-        <p:nvGrpSpPr>
-          <p:cNvPr id="66" name="Group 65">
-            <a:extLst>
-              <a:ext uri="{FF2B5EF4-FFF2-40B4-BE49-F238E27FC236}">
-                <a16:creationId xmlns:a16="http://schemas.microsoft.com/office/drawing/2014/main" id="{9575A92D-2D11-11EB-4BAF-4A29E1383A4F}"/>
-              </a:ext>
-            </a:extLst>
-          </p:cNvPr>
-          <p:cNvGrpSpPr/>
-          <p:nvPr/>
-        </p:nvGrpSpPr>
-        <p:grpSpPr>
-          <a:xfrm>
-            <a:off x="457202" y="1499503"/>
-            <a:ext cx="4306480" cy="3779677"/>
-            <a:chOff x="762002" y="1261121"/>
-            <a:chExt cx="4306480" cy="3779677"/>
-          </a:xfrm>
-        </p:grpSpPr>
-        <p:sp>
-          <p:nvSpPr>
-            <p:cNvPr id="7" name="Freeform: Shape 6">
-              <a:extLst>
-                <a:ext uri="{FF2B5EF4-FFF2-40B4-BE49-F238E27FC236}">
-                  <a16:creationId xmlns:a16="http://schemas.microsoft.com/office/drawing/2014/main" id="{02C20FC2-BD6F-5BCD-BBBA-F740D8686911}"/>
-                </a:ext>
-              </a:extLst>
-            </p:cNvPr>
-            <p:cNvSpPr/>
-            <p:nvPr/>
-          </p:nvSpPr>
-          <p:spPr>
-            <a:xfrm>
-              <a:off x="869962" y="1863733"/>
-              <a:ext cx="1925321" cy="629864"/>
-            </a:xfrm>
-            <a:custGeom>
-              <a:avLst/>
-              <a:gdLst>
-                <a:gd name="connsiteX0" fmla="*/ 0 w 4969933"/>
-                <a:gd name="connsiteY0" fmla="*/ 889122 h 889122"/>
-                <a:gd name="connsiteX1" fmla="*/ 1236133 w 4969933"/>
-                <a:gd name="connsiteY1" fmla="*/ 122 h 889122"/>
-                <a:gd name="connsiteX2" fmla="*/ 2726266 w 4969933"/>
-                <a:gd name="connsiteY2" fmla="*/ 821389 h 889122"/>
-                <a:gd name="connsiteX3" fmla="*/ 3886200 w 4969933"/>
-                <a:gd name="connsiteY3" fmla="*/ 355722 h 889122"/>
-                <a:gd name="connsiteX4" fmla="*/ 4969933 w 4969933"/>
-                <a:gd name="connsiteY4" fmla="*/ 652056 h 889122"/>
-              </a:gdLst>
-              <a:ahLst/>
-              <a:cxnLst>
-                <a:cxn ang="0">
-                  <a:pos x="connsiteX0" y="connsiteY0"/>
-                </a:cxn>
-                <a:cxn ang="0">
-                  <a:pos x="connsiteX1" y="connsiteY1"/>
-                </a:cxn>
-                <a:cxn ang="0">
-                  <a:pos x="connsiteX2" y="connsiteY2"/>
-                </a:cxn>
-                <a:cxn ang="0">
-                  <a:pos x="connsiteX3" y="connsiteY3"/>
-                </a:cxn>
-                <a:cxn ang="0">
-                  <a:pos x="connsiteX4" y="connsiteY4"/>
-                </a:cxn>
-              </a:cxnLst>
-              <a:rect l="l" t="t" r="r" b="b"/>
-              <a:pathLst>
-                <a:path w="4969933" h="889122">
-                  <a:moveTo>
-                    <a:pt x="0" y="889122"/>
-                  </a:moveTo>
-                  <a:cubicBezTo>
-                    <a:pt x="390877" y="450266"/>
-                    <a:pt x="781755" y="11411"/>
-                    <a:pt x="1236133" y="122"/>
-                  </a:cubicBezTo>
-                  <a:cubicBezTo>
-                    <a:pt x="1690511" y="-11167"/>
-                    <a:pt x="2284588" y="762122"/>
-                    <a:pt x="2726266" y="821389"/>
-                  </a:cubicBezTo>
-                  <a:cubicBezTo>
-                    <a:pt x="3167944" y="880656"/>
-                    <a:pt x="3512255" y="383944"/>
-                    <a:pt x="3886200" y="355722"/>
-                  </a:cubicBezTo>
-                  <a:cubicBezTo>
-                    <a:pt x="4260145" y="327500"/>
-                    <a:pt x="4615039" y="489778"/>
-                    <a:pt x="4969933" y="652056"/>
-                  </a:cubicBezTo>
-                </a:path>
-              </a:pathLst>
-            </a:custGeom>
-            <a:noFill/>
-            <a:ln w="38100"/>
-          </p:spPr>
-          <p:style>
-            <a:lnRef idx="2">
-              <a:schemeClr val="accent1">
-                <a:shade val="15000"/>
-              </a:schemeClr>
-            </a:lnRef>
-            <a:fillRef idx="1">
-              <a:schemeClr val="accent1"/>
-            </a:fillRef>
-            <a:effectRef idx="0">
-              <a:schemeClr val="accent1"/>
-            </a:effectRef>
-            <a:fontRef idx="minor">
-              <a:schemeClr val="lt1"/>
-            </a:fontRef>
-          </p:style>
-          <p:txBody>
-            <a:bodyPr rtlCol="0" anchor="ctr"/>
-            <a:lstStyle/>
-            <a:p>
-              <a:pPr algn="ctr"/>
-              <a:endParaRPr lang="en-US"/>
-            </a:p>
-          </p:txBody>
-        </p:sp>
-        <p:sp>
-          <p:nvSpPr>
-            <p:cNvPr id="8" name="Freeform: Shape 7">
-              <a:extLst>
-                <a:ext uri="{FF2B5EF4-FFF2-40B4-BE49-F238E27FC236}">
-                  <a16:creationId xmlns:a16="http://schemas.microsoft.com/office/drawing/2014/main" id="{ADA9A04B-8D73-B3FA-9D45-4CC47B02B96D}"/>
-                </a:ext>
-              </a:extLst>
-            </p:cNvPr>
-            <p:cNvSpPr/>
-            <p:nvPr/>
-          </p:nvSpPr>
-          <p:spPr>
-            <a:xfrm>
-              <a:off x="869963" y="3193703"/>
-              <a:ext cx="1925321" cy="629864"/>
-            </a:xfrm>
-            <a:custGeom>
-              <a:avLst/>
-              <a:gdLst>
-                <a:gd name="connsiteX0" fmla="*/ 0 w 4969933"/>
-                <a:gd name="connsiteY0" fmla="*/ 889122 h 889122"/>
-                <a:gd name="connsiteX1" fmla="*/ 1236133 w 4969933"/>
-                <a:gd name="connsiteY1" fmla="*/ 122 h 889122"/>
-                <a:gd name="connsiteX2" fmla="*/ 2726266 w 4969933"/>
-                <a:gd name="connsiteY2" fmla="*/ 821389 h 889122"/>
-                <a:gd name="connsiteX3" fmla="*/ 3886200 w 4969933"/>
-                <a:gd name="connsiteY3" fmla="*/ 355722 h 889122"/>
-                <a:gd name="connsiteX4" fmla="*/ 4969933 w 4969933"/>
-                <a:gd name="connsiteY4" fmla="*/ 652056 h 889122"/>
-              </a:gdLst>
-              <a:ahLst/>
-              <a:cxnLst>
-                <a:cxn ang="0">
-                  <a:pos x="connsiteX0" y="connsiteY0"/>
-                </a:cxn>
-                <a:cxn ang="0">
-                  <a:pos x="connsiteX1" y="connsiteY1"/>
-                </a:cxn>
-                <a:cxn ang="0">
-                  <a:pos x="connsiteX2" y="connsiteY2"/>
-                </a:cxn>
-                <a:cxn ang="0">
-                  <a:pos x="connsiteX3" y="connsiteY3"/>
-                </a:cxn>
-                <a:cxn ang="0">
-                  <a:pos x="connsiteX4" y="connsiteY4"/>
-                </a:cxn>
-              </a:cxnLst>
-              <a:rect l="l" t="t" r="r" b="b"/>
-              <a:pathLst>
-                <a:path w="4969933" h="889122">
-                  <a:moveTo>
-                    <a:pt x="0" y="889122"/>
-                  </a:moveTo>
-                  <a:cubicBezTo>
-                    <a:pt x="390877" y="450266"/>
-                    <a:pt x="781755" y="11411"/>
-                    <a:pt x="1236133" y="122"/>
-                  </a:cubicBezTo>
-                  <a:cubicBezTo>
-                    <a:pt x="1690511" y="-11167"/>
-                    <a:pt x="2284588" y="762122"/>
-                    <a:pt x="2726266" y="821389"/>
-                  </a:cubicBezTo>
-                  <a:cubicBezTo>
-                    <a:pt x="3167944" y="880656"/>
-                    <a:pt x="3512255" y="383944"/>
-                    <a:pt x="3886200" y="355722"/>
-                  </a:cubicBezTo>
-                  <a:cubicBezTo>
-                    <a:pt x="4260145" y="327500"/>
-                    <a:pt x="4615039" y="489778"/>
-                    <a:pt x="4969933" y="652056"/>
-                  </a:cubicBezTo>
-                </a:path>
-              </a:pathLst>
-            </a:custGeom>
-            <a:noFill/>
-            <a:ln w="38100"/>
-          </p:spPr>
-          <p:style>
-            <a:lnRef idx="2">
-              <a:schemeClr val="accent1">
-                <a:shade val="15000"/>
-              </a:schemeClr>
-            </a:lnRef>
-            <a:fillRef idx="1">
-              <a:schemeClr val="accent1"/>
-            </a:fillRef>
-            <a:effectRef idx="0">
-              <a:schemeClr val="accent1"/>
-            </a:effectRef>
-            <a:fontRef idx="minor">
-              <a:schemeClr val="lt1"/>
-            </a:fontRef>
-          </p:style>
-          <p:txBody>
-            <a:bodyPr rtlCol="0" anchor="ctr"/>
-            <a:lstStyle/>
-            <a:p>
-              <a:pPr algn="ctr"/>
-              <a:endParaRPr lang="en-US"/>
-            </a:p>
-          </p:txBody>
-        </p:sp>
-        <p:sp>
-          <p:nvSpPr>
-            <p:cNvPr id="9" name="Freeform: Shape 8">
-              <a:extLst>
-                <a:ext uri="{FF2B5EF4-FFF2-40B4-BE49-F238E27FC236}">
-                  <a16:creationId xmlns:a16="http://schemas.microsoft.com/office/drawing/2014/main" id="{047312AC-3404-9A9A-7265-858F7E9BE951}"/>
-                </a:ext>
-              </a:extLst>
-            </p:cNvPr>
-            <p:cNvSpPr/>
-            <p:nvPr/>
-          </p:nvSpPr>
-          <p:spPr>
-            <a:xfrm>
-              <a:off x="833974" y="2514846"/>
-              <a:ext cx="1925321" cy="629864"/>
-            </a:xfrm>
-            <a:custGeom>
-              <a:avLst/>
-              <a:gdLst>
-                <a:gd name="connsiteX0" fmla="*/ 0 w 4969933"/>
-                <a:gd name="connsiteY0" fmla="*/ 889122 h 889122"/>
-                <a:gd name="connsiteX1" fmla="*/ 1236133 w 4969933"/>
-                <a:gd name="connsiteY1" fmla="*/ 122 h 889122"/>
-                <a:gd name="connsiteX2" fmla="*/ 2726266 w 4969933"/>
-                <a:gd name="connsiteY2" fmla="*/ 821389 h 889122"/>
-                <a:gd name="connsiteX3" fmla="*/ 3886200 w 4969933"/>
-                <a:gd name="connsiteY3" fmla="*/ 355722 h 889122"/>
-                <a:gd name="connsiteX4" fmla="*/ 4969933 w 4969933"/>
-                <a:gd name="connsiteY4" fmla="*/ 652056 h 889122"/>
-              </a:gdLst>
-              <a:ahLst/>
-              <a:cxnLst>
-                <a:cxn ang="0">
-                  <a:pos x="connsiteX0" y="connsiteY0"/>
-                </a:cxn>
-                <a:cxn ang="0">
-                  <a:pos x="connsiteX1" y="connsiteY1"/>
-                </a:cxn>
-                <a:cxn ang="0">
-                  <a:pos x="connsiteX2" y="connsiteY2"/>
-                </a:cxn>
-                <a:cxn ang="0">
-                  <a:pos x="connsiteX3" y="connsiteY3"/>
-                </a:cxn>
-                <a:cxn ang="0">
-                  <a:pos x="connsiteX4" y="connsiteY4"/>
-                </a:cxn>
-              </a:cxnLst>
-              <a:rect l="l" t="t" r="r" b="b"/>
-              <a:pathLst>
-                <a:path w="4969933" h="889122">
-                  <a:moveTo>
-                    <a:pt x="0" y="889122"/>
-                  </a:moveTo>
-                  <a:cubicBezTo>
-                    <a:pt x="390877" y="450266"/>
-                    <a:pt x="781755" y="11411"/>
-                    <a:pt x="1236133" y="122"/>
-                  </a:cubicBezTo>
-                  <a:cubicBezTo>
-                    <a:pt x="1690511" y="-11167"/>
-                    <a:pt x="2284588" y="762122"/>
-                    <a:pt x="2726266" y="821389"/>
-                  </a:cubicBezTo>
-                  <a:cubicBezTo>
-                    <a:pt x="3167944" y="880656"/>
-                    <a:pt x="3512255" y="383944"/>
-                    <a:pt x="3886200" y="355722"/>
-                  </a:cubicBezTo>
-                  <a:cubicBezTo>
-                    <a:pt x="4260145" y="327500"/>
-                    <a:pt x="4615039" y="489778"/>
-                    <a:pt x="4969933" y="652056"/>
-                  </a:cubicBezTo>
-                </a:path>
-              </a:pathLst>
-            </a:custGeom>
-            <a:noFill/>
-            <a:ln w="38100"/>
-          </p:spPr>
-          <p:style>
-            <a:lnRef idx="2">
-              <a:schemeClr val="accent1">
-                <a:shade val="15000"/>
-              </a:schemeClr>
-            </a:lnRef>
-            <a:fillRef idx="1">
-              <a:schemeClr val="accent1"/>
-            </a:fillRef>
-            <a:effectRef idx="0">
-              <a:schemeClr val="accent1"/>
-            </a:effectRef>
-            <a:fontRef idx="minor">
-              <a:schemeClr val="lt1"/>
-            </a:fontRef>
-          </p:style>
-          <p:txBody>
-            <a:bodyPr rtlCol="0" anchor="ctr"/>
-            <a:lstStyle/>
-            <a:p>
-              <a:pPr algn="ctr"/>
-              <a:endParaRPr lang="en-US"/>
-            </a:p>
-          </p:txBody>
-        </p:sp>
-        <p:sp>
-          <p:nvSpPr>
-            <p:cNvPr id="10" name="Freeform: Shape 9">
-              <a:extLst>
-                <a:ext uri="{FF2B5EF4-FFF2-40B4-BE49-F238E27FC236}">
-                  <a16:creationId xmlns:a16="http://schemas.microsoft.com/office/drawing/2014/main" id="{115E85DB-52BD-BD03-4214-065A06EFA6A2}"/>
-                </a:ext>
-              </a:extLst>
-            </p:cNvPr>
-            <p:cNvSpPr/>
-            <p:nvPr/>
-          </p:nvSpPr>
-          <p:spPr>
-            <a:xfrm>
-              <a:off x="905951" y="1261121"/>
-              <a:ext cx="1925321" cy="629864"/>
-            </a:xfrm>
-            <a:custGeom>
-              <a:avLst/>
-              <a:gdLst>
-                <a:gd name="connsiteX0" fmla="*/ 0 w 4969933"/>
-                <a:gd name="connsiteY0" fmla="*/ 889122 h 889122"/>
-                <a:gd name="connsiteX1" fmla="*/ 1236133 w 4969933"/>
-                <a:gd name="connsiteY1" fmla="*/ 122 h 889122"/>
-                <a:gd name="connsiteX2" fmla="*/ 2726266 w 4969933"/>
-                <a:gd name="connsiteY2" fmla="*/ 821389 h 889122"/>
-                <a:gd name="connsiteX3" fmla="*/ 3886200 w 4969933"/>
-                <a:gd name="connsiteY3" fmla="*/ 355722 h 889122"/>
-                <a:gd name="connsiteX4" fmla="*/ 4969933 w 4969933"/>
-                <a:gd name="connsiteY4" fmla="*/ 652056 h 889122"/>
-              </a:gdLst>
-              <a:ahLst/>
-              <a:cxnLst>
-                <a:cxn ang="0">
-                  <a:pos x="connsiteX0" y="connsiteY0"/>
-                </a:cxn>
-                <a:cxn ang="0">
-                  <a:pos x="connsiteX1" y="connsiteY1"/>
-                </a:cxn>
-                <a:cxn ang="0">
-                  <a:pos x="connsiteX2" y="connsiteY2"/>
-                </a:cxn>
-                <a:cxn ang="0">
-                  <a:pos x="connsiteX3" y="connsiteY3"/>
-                </a:cxn>
-                <a:cxn ang="0">
-                  <a:pos x="connsiteX4" y="connsiteY4"/>
-                </a:cxn>
-              </a:cxnLst>
-              <a:rect l="l" t="t" r="r" b="b"/>
-              <a:pathLst>
-                <a:path w="4969933" h="889122">
-                  <a:moveTo>
-                    <a:pt x="0" y="889122"/>
-                  </a:moveTo>
-                  <a:cubicBezTo>
-                    <a:pt x="390877" y="450266"/>
-                    <a:pt x="781755" y="11411"/>
-                    <a:pt x="1236133" y="122"/>
-                  </a:cubicBezTo>
-                  <a:cubicBezTo>
-                    <a:pt x="1690511" y="-11167"/>
-                    <a:pt x="2284588" y="762122"/>
-                    <a:pt x="2726266" y="821389"/>
-                  </a:cubicBezTo>
-                  <a:cubicBezTo>
-                    <a:pt x="3167944" y="880656"/>
-                    <a:pt x="3512255" y="383944"/>
-                    <a:pt x="3886200" y="355722"/>
-                  </a:cubicBezTo>
-                  <a:cubicBezTo>
-                    <a:pt x="4260145" y="327500"/>
-                    <a:pt x="4615039" y="489778"/>
-                    <a:pt x="4969933" y="652056"/>
-                  </a:cubicBezTo>
-                </a:path>
-              </a:pathLst>
-            </a:custGeom>
-            <a:noFill/>
-            <a:ln w="38100"/>
-          </p:spPr>
-          <p:style>
-            <a:lnRef idx="2">
-              <a:schemeClr val="accent1">
-                <a:shade val="15000"/>
-              </a:schemeClr>
-            </a:lnRef>
-            <a:fillRef idx="1">
-              <a:schemeClr val="accent1"/>
-            </a:fillRef>
-            <a:effectRef idx="0">
-              <a:schemeClr val="accent1"/>
-            </a:effectRef>
-            <a:fontRef idx="minor">
-              <a:schemeClr val="lt1"/>
-            </a:fontRef>
-          </p:style>
-          <p:txBody>
-            <a:bodyPr rtlCol="0" anchor="ctr"/>
-            <a:lstStyle/>
-            <a:p>
-              <a:pPr algn="ctr"/>
-              <a:endParaRPr lang="en-US"/>
-            </a:p>
-          </p:txBody>
-        </p:sp>
-        <p:sp>
-          <p:nvSpPr>
-            <p:cNvPr id="11" name="Freeform: Shape 10">
-              <a:extLst>
-                <a:ext uri="{FF2B5EF4-FFF2-40B4-BE49-F238E27FC236}">
-                  <a16:creationId xmlns:a16="http://schemas.microsoft.com/office/drawing/2014/main" id="{0C33DCCE-26A0-0E41-B5EA-C2F658CE887B}"/>
-                </a:ext>
-              </a:extLst>
-            </p:cNvPr>
-            <p:cNvSpPr/>
-            <p:nvPr/>
-          </p:nvSpPr>
-          <p:spPr>
-            <a:xfrm>
-              <a:off x="869962" y="4389685"/>
-              <a:ext cx="1925321" cy="629864"/>
-            </a:xfrm>
-            <a:custGeom>
-              <a:avLst/>
-              <a:gdLst>
-                <a:gd name="connsiteX0" fmla="*/ 0 w 4969933"/>
-                <a:gd name="connsiteY0" fmla="*/ 889122 h 889122"/>
-                <a:gd name="connsiteX1" fmla="*/ 1236133 w 4969933"/>
-                <a:gd name="connsiteY1" fmla="*/ 122 h 889122"/>
-                <a:gd name="connsiteX2" fmla="*/ 2726266 w 4969933"/>
-                <a:gd name="connsiteY2" fmla="*/ 821389 h 889122"/>
-                <a:gd name="connsiteX3" fmla="*/ 3886200 w 4969933"/>
-                <a:gd name="connsiteY3" fmla="*/ 355722 h 889122"/>
-                <a:gd name="connsiteX4" fmla="*/ 4969933 w 4969933"/>
-                <a:gd name="connsiteY4" fmla="*/ 652056 h 889122"/>
-              </a:gdLst>
-              <a:ahLst/>
-              <a:cxnLst>
-                <a:cxn ang="0">
-                  <a:pos x="connsiteX0" y="connsiteY0"/>
-                </a:cxn>
-                <a:cxn ang="0">
-                  <a:pos x="connsiteX1" y="connsiteY1"/>
-                </a:cxn>
-                <a:cxn ang="0">
-                  <a:pos x="connsiteX2" y="connsiteY2"/>
-                </a:cxn>
-                <a:cxn ang="0">
-                  <a:pos x="connsiteX3" y="connsiteY3"/>
-                </a:cxn>
-                <a:cxn ang="0">
-                  <a:pos x="connsiteX4" y="connsiteY4"/>
-                </a:cxn>
-              </a:cxnLst>
-              <a:rect l="l" t="t" r="r" b="b"/>
-              <a:pathLst>
-                <a:path w="4969933" h="889122">
-                  <a:moveTo>
-                    <a:pt x="0" y="889122"/>
-                  </a:moveTo>
-                  <a:cubicBezTo>
-                    <a:pt x="390877" y="450266"/>
-                    <a:pt x="781755" y="11411"/>
-                    <a:pt x="1236133" y="122"/>
-                  </a:cubicBezTo>
-                  <a:cubicBezTo>
-                    <a:pt x="1690511" y="-11167"/>
-                    <a:pt x="2284588" y="762122"/>
-                    <a:pt x="2726266" y="821389"/>
-                  </a:cubicBezTo>
-                  <a:cubicBezTo>
-                    <a:pt x="3167944" y="880656"/>
-                    <a:pt x="3512255" y="383944"/>
-                    <a:pt x="3886200" y="355722"/>
-                  </a:cubicBezTo>
-                  <a:cubicBezTo>
-                    <a:pt x="4260145" y="327500"/>
-                    <a:pt x="4615039" y="489778"/>
-                    <a:pt x="4969933" y="652056"/>
-                  </a:cubicBezTo>
-                </a:path>
-              </a:pathLst>
-            </a:custGeom>
-            <a:noFill/>
-            <a:ln w="38100"/>
-          </p:spPr>
-          <p:style>
-            <a:lnRef idx="2">
-              <a:schemeClr val="accent1">
-                <a:shade val="15000"/>
-              </a:schemeClr>
-            </a:lnRef>
-            <a:fillRef idx="1">
-              <a:schemeClr val="accent1"/>
-            </a:fillRef>
-            <a:effectRef idx="0">
-              <a:schemeClr val="accent1"/>
-            </a:effectRef>
-            <a:fontRef idx="minor">
-              <a:schemeClr val="lt1"/>
-            </a:fontRef>
-          </p:style>
-          <p:txBody>
-            <a:bodyPr rtlCol="0" anchor="ctr"/>
-            <a:lstStyle/>
-            <a:p>
-              <a:pPr algn="ctr"/>
-              <a:endParaRPr lang="en-US"/>
-            </a:p>
-          </p:txBody>
-        </p:sp>
-        <p:sp>
-          <p:nvSpPr>
-            <p:cNvPr id="12" name="Freeform: Shape 11">
-              <a:extLst>
-                <a:ext uri="{FF2B5EF4-FFF2-40B4-BE49-F238E27FC236}">
-                  <a16:creationId xmlns:a16="http://schemas.microsoft.com/office/drawing/2014/main" id="{E07F8A04-9A58-13E1-34D5-F50760FEA5FD}"/>
-                </a:ext>
-              </a:extLst>
-            </p:cNvPr>
-            <p:cNvSpPr/>
-            <p:nvPr/>
-          </p:nvSpPr>
-          <p:spPr>
-            <a:xfrm>
-              <a:off x="833974" y="3823567"/>
-              <a:ext cx="1925321" cy="629864"/>
-            </a:xfrm>
-            <a:custGeom>
-              <a:avLst/>
-              <a:gdLst>
-                <a:gd name="connsiteX0" fmla="*/ 0 w 4969933"/>
-                <a:gd name="connsiteY0" fmla="*/ 889122 h 889122"/>
-                <a:gd name="connsiteX1" fmla="*/ 1236133 w 4969933"/>
-                <a:gd name="connsiteY1" fmla="*/ 122 h 889122"/>
-                <a:gd name="connsiteX2" fmla="*/ 2726266 w 4969933"/>
-                <a:gd name="connsiteY2" fmla="*/ 821389 h 889122"/>
-                <a:gd name="connsiteX3" fmla="*/ 3886200 w 4969933"/>
-                <a:gd name="connsiteY3" fmla="*/ 355722 h 889122"/>
-                <a:gd name="connsiteX4" fmla="*/ 4969933 w 4969933"/>
-                <a:gd name="connsiteY4" fmla="*/ 652056 h 889122"/>
-              </a:gdLst>
-              <a:ahLst/>
-              <a:cxnLst>
-                <a:cxn ang="0">
-                  <a:pos x="connsiteX0" y="connsiteY0"/>
-                </a:cxn>
-                <a:cxn ang="0">
-                  <a:pos x="connsiteX1" y="connsiteY1"/>
-                </a:cxn>
-                <a:cxn ang="0">
-                  <a:pos x="connsiteX2" y="connsiteY2"/>
-                </a:cxn>
-                <a:cxn ang="0">
-                  <a:pos x="connsiteX3" y="connsiteY3"/>
-                </a:cxn>
-                <a:cxn ang="0">
-                  <a:pos x="connsiteX4" y="connsiteY4"/>
-                </a:cxn>
-              </a:cxnLst>
-              <a:rect l="l" t="t" r="r" b="b"/>
-              <a:pathLst>
-                <a:path w="4969933" h="889122">
-                  <a:moveTo>
-                    <a:pt x="0" y="889122"/>
-                  </a:moveTo>
-                  <a:cubicBezTo>
-                    <a:pt x="390877" y="450266"/>
-                    <a:pt x="781755" y="11411"/>
-                    <a:pt x="1236133" y="122"/>
-                  </a:cubicBezTo>
-                  <a:cubicBezTo>
-                    <a:pt x="1690511" y="-11167"/>
-                    <a:pt x="2284588" y="762122"/>
-                    <a:pt x="2726266" y="821389"/>
-                  </a:cubicBezTo>
-                  <a:cubicBezTo>
-                    <a:pt x="3167944" y="880656"/>
-                    <a:pt x="3512255" y="383944"/>
-                    <a:pt x="3886200" y="355722"/>
-                  </a:cubicBezTo>
-                  <a:cubicBezTo>
-                    <a:pt x="4260145" y="327500"/>
-                    <a:pt x="4615039" y="489778"/>
-                    <a:pt x="4969933" y="652056"/>
-                  </a:cubicBezTo>
-                </a:path>
-              </a:pathLst>
-            </a:custGeom>
-            <a:noFill/>
-            <a:ln w="38100"/>
-          </p:spPr>
-          <p:style>
-            <a:lnRef idx="2">
-              <a:schemeClr val="accent1">
-                <a:shade val="15000"/>
-              </a:schemeClr>
-            </a:lnRef>
-            <a:fillRef idx="1">
-              <a:schemeClr val="accent1"/>
-            </a:fillRef>
-            <a:effectRef idx="0">
-              <a:schemeClr val="accent1"/>
-            </a:effectRef>
-            <a:fontRef idx="minor">
-              <a:schemeClr val="lt1"/>
-            </a:fontRef>
-          </p:style>
-          <p:txBody>
-            <a:bodyPr rtlCol="0" anchor="ctr"/>
-            <a:lstStyle/>
-            <a:p>
-              <a:pPr algn="ctr"/>
-              <a:endParaRPr lang="en-US"/>
-            </a:p>
-          </p:txBody>
-        </p:sp>
-        <p:sp>
-          <p:nvSpPr>
-            <p:cNvPr id="5" name="Rectangle 4">
-              <a:extLst>
-                <a:ext uri="{FF2B5EF4-FFF2-40B4-BE49-F238E27FC236}">
-                  <a16:creationId xmlns:a16="http://schemas.microsoft.com/office/drawing/2014/main" id="{F7EE7C91-359F-E891-8F26-5B522F911119}"/>
-                </a:ext>
-              </a:extLst>
-            </p:cNvPr>
-            <p:cNvSpPr/>
-            <p:nvPr/>
-          </p:nvSpPr>
-          <p:spPr>
-            <a:xfrm>
-              <a:off x="762002" y="1611508"/>
-              <a:ext cx="143949" cy="3429290"/>
-            </a:xfrm>
-            <a:prstGeom prst="rect">
-              <a:avLst/>
-            </a:prstGeom>
-            <a:pattFill prst="wdUpDiag">
-              <a:fgClr>
-                <a:schemeClr val="tx1"/>
-              </a:fgClr>
-              <a:bgClr>
-                <a:schemeClr val="bg1"/>
-              </a:bgClr>
-            </a:pattFill>
-          </p:spPr>
-          <p:style>
-            <a:lnRef idx="2">
-              <a:schemeClr val="accent1">
-                <a:shade val="15000"/>
-              </a:schemeClr>
-            </a:lnRef>
-            <a:fillRef idx="1">
-              <a:schemeClr val="accent1"/>
-            </a:fillRef>
-            <a:effectRef idx="0">
-              <a:schemeClr val="accent1"/>
-            </a:effectRef>
-            <a:fontRef idx="minor">
-              <a:schemeClr val="lt1"/>
-            </a:fontRef>
-          </p:style>
-          <p:txBody>
-            <a:bodyPr rtlCol="0" anchor="ctr"/>
-            <a:lstStyle/>
-            <a:p>
-              <a:pPr algn="ctr"/>
-              <a:endParaRPr lang="en-US"/>
-            </a:p>
-          </p:txBody>
-        </p:sp>
-        <p:sp>
-          <p:nvSpPr>
-            <p:cNvPr id="13" name="Rectangle 12">
-              <a:extLst>
-                <a:ext uri="{FF2B5EF4-FFF2-40B4-BE49-F238E27FC236}">
-                  <a16:creationId xmlns:a16="http://schemas.microsoft.com/office/drawing/2014/main" id="{05A39753-3AEF-92A0-B548-46CE854382E9}"/>
-                </a:ext>
-              </a:extLst>
-            </p:cNvPr>
-            <p:cNvSpPr/>
-            <p:nvPr/>
-          </p:nvSpPr>
-          <p:spPr>
-            <a:xfrm>
-              <a:off x="4924533" y="1611508"/>
-              <a:ext cx="143949" cy="3429290"/>
-            </a:xfrm>
-            <a:prstGeom prst="rect">
-              <a:avLst/>
-            </a:prstGeom>
-            <a:noFill/>
-            <a:ln w="19050"/>
-          </p:spPr>
-          <p:style>
-            <a:lnRef idx="2">
-              <a:schemeClr val="accent1">
-                <a:shade val="15000"/>
-              </a:schemeClr>
-            </a:lnRef>
-            <a:fillRef idx="1">
-              <a:schemeClr val="accent1"/>
-            </a:fillRef>
-            <a:effectRef idx="0">
-              <a:schemeClr val="accent1"/>
-            </a:effectRef>
-            <a:fontRef idx="minor">
-              <a:schemeClr val="lt1"/>
-            </a:fontRef>
-          </p:style>
-          <p:txBody>
-            <a:bodyPr rtlCol="0" anchor="ctr"/>
-            <a:lstStyle/>
-            <a:p>
-              <a:pPr algn="ctr"/>
-              <a:r>
-                <a:rPr lang="en-US" dirty="0">
-                  <a:solidFill>
-                    <a:schemeClr val="tx1"/>
-                  </a:solidFill>
-                </a:rPr>
-                <a:t>+++++++++++</a:t>
-              </a:r>
-            </a:p>
-          </p:txBody>
-        </p:sp>
-        <p:sp>
-          <p:nvSpPr>
-            <p:cNvPr id="14" name="Oval 13">
-              <a:extLst>
-                <a:ext uri="{FF2B5EF4-FFF2-40B4-BE49-F238E27FC236}">
-                  <a16:creationId xmlns:a16="http://schemas.microsoft.com/office/drawing/2014/main" id="{1DC51EDD-CD20-80F2-E747-A945520B8761}"/>
-                </a:ext>
-              </a:extLst>
-            </p:cNvPr>
-            <p:cNvSpPr/>
-            <p:nvPr/>
-          </p:nvSpPr>
-          <p:spPr>
-            <a:xfrm>
-              <a:off x="2726307" y="1565102"/>
-              <a:ext cx="308892" cy="308892"/>
-            </a:xfrm>
-            <a:prstGeom prst="ellipse">
-              <a:avLst/>
-            </a:prstGeom>
-          </p:spPr>
-          <p:style>
-            <a:lnRef idx="2">
-              <a:schemeClr val="accent1">
-                <a:shade val="15000"/>
-              </a:schemeClr>
-            </a:lnRef>
-            <a:fillRef idx="1">
-              <a:schemeClr val="accent1"/>
-            </a:fillRef>
-            <a:effectRef idx="0">
-              <a:schemeClr val="accent1"/>
-            </a:effectRef>
-            <a:fontRef idx="minor">
-              <a:schemeClr val="lt1"/>
-            </a:fontRef>
-          </p:style>
-          <p:txBody>
-            <a:bodyPr rtlCol="0" anchor="ctr"/>
-            <a:lstStyle/>
-            <a:p>
-              <a:pPr algn="ctr"/>
-              <a:r>
-                <a:rPr lang="en-US" dirty="0"/>
-                <a:t>−</a:t>
-              </a:r>
-            </a:p>
-          </p:txBody>
-        </p:sp>
-        <p:sp>
-          <p:nvSpPr>
-            <p:cNvPr id="15" name="Oval 14">
-              <a:extLst>
-                <a:ext uri="{FF2B5EF4-FFF2-40B4-BE49-F238E27FC236}">
-                  <a16:creationId xmlns:a16="http://schemas.microsoft.com/office/drawing/2014/main" id="{DCC92C32-C4BC-88D4-F41B-5E95D7123479}"/>
-                </a:ext>
-              </a:extLst>
-            </p:cNvPr>
-            <p:cNvSpPr/>
-            <p:nvPr/>
-          </p:nvSpPr>
-          <p:spPr>
-            <a:xfrm>
-              <a:off x="2726307" y="2153311"/>
-              <a:ext cx="308892" cy="308892"/>
-            </a:xfrm>
-            <a:prstGeom prst="ellipse">
-              <a:avLst/>
-            </a:prstGeom>
-          </p:spPr>
-          <p:style>
-            <a:lnRef idx="2">
-              <a:schemeClr val="accent1">
-                <a:shade val="15000"/>
-              </a:schemeClr>
-            </a:lnRef>
-            <a:fillRef idx="1">
-              <a:schemeClr val="accent1"/>
-            </a:fillRef>
-            <a:effectRef idx="0">
-              <a:schemeClr val="accent1"/>
-            </a:effectRef>
-            <a:fontRef idx="minor">
-              <a:schemeClr val="lt1"/>
-            </a:fontRef>
-          </p:style>
-          <p:txBody>
-            <a:bodyPr rtlCol="0" anchor="ctr"/>
-            <a:lstStyle/>
-            <a:p>
-              <a:pPr algn="ctr"/>
-              <a:r>
-                <a:rPr lang="en-US" dirty="0"/>
-                <a:t>−</a:t>
-              </a:r>
-            </a:p>
-          </p:txBody>
-        </p:sp>
-        <p:sp>
-          <p:nvSpPr>
-            <p:cNvPr id="16" name="Oval 15">
-              <a:extLst>
-                <a:ext uri="{FF2B5EF4-FFF2-40B4-BE49-F238E27FC236}">
-                  <a16:creationId xmlns:a16="http://schemas.microsoft.com/office/drawing/2014/main" id="{08BB99D5-B164-0E5A-9DB1-41B7FAC5AD51}"/>
-                </a:ext>
-              </a:extLst>
-            </p:cNvPr>
-            <p:cNvSpPr/>
-            <p:nvPr/>
-          </p:nvSpPr>
-          <p:spPr>
-            <a:xfrm>
-              <a:off x="2726307" y="2829778"/>
-              <a:ext cx="308892" cy="308892"/>
-            </a:xfrm>
-            <a:prstGeom prst="ellipse">
-              <a:avLst/>
-            </a:prstGeom>
-          </p:spPr>
-          <p:style>
-            <a:lnRef idx="2">
-              <a:schemeClr val="accent1">
-                <a:shade val="15000"/>
-              </a:schemeClr>
-            </a:lnRef>
-            <a:fillRef idx="1">
-              <a:schemeClr val="accent1"/>
-            </a:fillRef>
-            <a:effectRef idx="0">
-              <a:schemeClr val="accent1"/>
-            </a:effectRef>
-            <a:fontRef idx="minor">
-              <a:schemeClr val="lt1"/>
-            </a:fontRef>
-          </p:style>
-          <p:txBody>
-            <a:bodyPr rtlCol="0" anchor="ctr"/>
-            <a:lstStyle/>
-            <a:p>
-              <a:pPr algn="ctr"/>
-              <a:r>
-                <a:rPr lang="en-US" dirty="0"/>
-                <a:t>−</a:t>
-              </a:r>
-            </a:p>
-          </p:txBody>
-        </p:sp>
-        <p:sp>
-          <p:nvSpPr>
-            <p:cNvPr id="17" name="Oval 16">
-              <a:extLst>
-                <a:ext uri="{FF2B5EF4-FFF2-40B4-BE49-F238E27FC236}">
-                  <a16:creationId xmlns:a16="http://schemas.microsoft.com/office/drawing/2014/main" id="{3E6C0822-7D47-92FA-5739-73417E28F30C}"/>
-                </a:ext>
-              </a:extLst>
-            </p:cNvPr>
-            <p:cNvSpPr/>
-            <p:nvPr/>
-          </p:nvSpPr>
-          <p:spPr>
-            <a:xfrm>
-              <a:off x="2726307" y="3493426"/>
-              <a:ext cx="308892" cy="308892"/>
-            </a:xfrm>
-            <a:prstGeom prst="ellipse">
-              <a:avLst/>
-            </a:prstGeom>
-          </p:spPr>
-          <p:style>
-            <a:lnRef idx="2">
-              <a:schemeClr val="accent1">
-                <a:shade val="15000"/>
-              </a:schemeClr>
-            </a:lnRef>
-            <a:fillRef idx="1">
-              <a:schemeClr val="accent1"/>
-            </a:fillRef>
-            <a:effectRef idx="0">
-              <a:schemeClr val="accent1"/>
-            </a:effectRef>
-            <a:fontRef idx="minor">
-              <a:schemeClr val="lt1"/>
-            </a:fontRef>
-          </p:style>
-          <p:txBody>
-            <a:bodyPr rtlCol="0" anchor="ctr"/>
-            <a:lstStyle/>
-            <a:p>
-              <a:pPr algn="ctr"/>
-              <a:r>
-                <a:rPr lang="en-US" dirty="0"/>
-                <a:t>−</a:t>
-              </a:r>
-            </a:p>
-          </p:txBody>
-        </p:sp>
-        <p:sp>
-          <p:nvSpPr>
-            <p:cNvPr id="18" name="Oval 17">
-              <a:extLst>
-                <a:ext uri="{FF2B5EF4-FFF2-40B4-BE49-F238E27FC236}">
-                  <a16:creationId xmlns:a16="http://schemas.microsoft.com/office/drawing/2014/main" id="{2AFE4233-0FBD-61E1-D9BC-A7B69A6D743E}"/>
-                </a:ext>
-              </a:extLst>
-            </p:cNvPr>
-            <p:cNvSpPr/>
-            <p:nvPr/>
-          </p:nvSpPr>
-          <p:spPr>
-            <a:xfrm>
-              <a:off x="2726306" y="4123290"/>
-              <a:ext cx="308892" cy="308892"/>
-            </a:xfrm>
-            <a:prstGeom prst="ellipse">
-              <a:avLst/>
-            </a:prstGeom>
-          </p:spPr>
-          <p:style>
-            <a:lnRef idx="2">
-              <a:schemeClr val="accent1">
-                <a:shade val="15000"/>
-              </a:schemeClr>
-            </a:lnRef>
-            <a:fillRef idx="1">
-              <a:schemeClr val="accent1"/>
-            </a:fillRef>
-            <a:effectRef idx="0">
-              <a:schemeClr val="accent1"/>
-            </a:effectRef>
-            <a:fontRef idx="minor">
-              <a:schemeClr val="lt1"/>
-            </a:fontRef>
-          </p:style>
-          <p:txBody>
-            <a:bodyPr rtlCol="0" anchor="ctr"/>
-            <a:lstStyle/>
-            <a:p>
-              <a:pPr algn="ctr"/>
-              <a:r>
-                <a:rPr lang="en-US" dirty="0"/>
-                <a:t>−</a:t>
-              </a:r>
-            </a:p>
-          </p:txBody>
-        </p:sp>
-        <p:sp>
-          <p:nvSpPr>
-            <p:cNvPr id="19" name="Oval 18">
-              <a:extLst>
-                <a:ext uri="{FF2B5EF4-FFF2-40B4-BE49-F238E27FC236}">
-                  <a16:creationId xmlns:a16="http://schemas.microsoft.com/office/drawing/2014/main" id="{2387C038-157C-8AEB-D21E-F3482F078E87}"/>
-                </a:ext>
-              </a:extLst>
-            </p:cNvPr>
-            <p:cNvSpPr/>
-            <p:nvPr/>
-          </p:nvSpPr>
-          <p:spPr>
-            <a:xfrm>
-              <a:off x="2726305" y="4719826"/>
-              <a:ext cx="308892" cy="308892"/>
-            </a:xfrm>
-            <a:prstGeom prst="ellipse">
-              <a:avLst/>
-            </a:prstGeom>
-          </p:spPr>
-          <p:style>
-            <a:lnRef idx="2">
-              <a:schemeClr val="accent1">
-                <a:shade val="15000"/>
-              </a:schemeClr>
-            </a:lnRef>
-            <a:fillRef idx="1">
-              <a:schemeClr val="accent1"/>
-            </a:fillRef>
-            <a:effectRef idx="0">
-              <a:schemeClr val="accent1"/>
-            </a:effectRef>
-            <a:fontRef idx="minor">
-              <a:schemeClr val="lt1"/>
-            </a:fontRef>
-          </p:style>
-          <p:txBody>
-            <a:bodyPr rtlCol="0" anchor="ctr"/>
-            <a:lstStyle/>
-            <a:p>
-              <a:pPr algn="ctr"/>
-              <a:r>
-                <a:rPr lang="en-US" dirty="0"/>
-                <a:t>−</a:t>
-              </a:r>
-            </a:p>
-          </p:txBody>
-        </p:sp>
-        <p:sp>
-          <p:nvSpPr>
-            <p:cNvPr id="20" name="Oval 19">
-              <a:extLst>
-                <a:ext uri="{FF2B5EF4-FFF2-40B4-BE49-F238E27FC236}">
-                  <a16:creationId xmlns:a16="http://schemas.microsoft.com/office/drawing/2014/main" id="{A8051171-4B11-D84B-4E50-12CD0A91025E}"/>
-                </a:ext>
-              </a:extLst>
-            </p:cNvPr>
-            <p:cNvSpPr/>
-            <p:nvPr/>
-          </p:nvSpPr>
-          <p:spPr>
-            <a:xfrm>
-              <a:off x="3304333" y="2799583"/>
-              <a:ext cx="107468" cy="107468"/>
-            </a:xfrm>
-            <a:prstGeom prst="ellipse">
-              <a:avLst/>
-            </a:prstGeom>
-          </p:spPr>
-          <p:style>
-            <a:lnRef idx="2">
-              <a:schemeClr val="accent2">
-                <a:shade val="15000"/>
-              </a:schemeClr>
-            </a:lnRef>
-            <a:fillRef idx="1">
-              <a:schemeClr val="accent2"/>
-            </a:fillRef>
-            <a:effectRef idx="0">
-              <a:schemeClr val="accent2"/>
-            </a:effectRef>
-            <a:fontRef idx="minor">
-              <a:schemeClr val="lt1"/>
-            </a:fontRef>
-          </p:style>
-          <p:txBody>
-            <a:bodyPr rtlCol="0" anchor="ctr"/>
-            <a:lstStyle/>
-            <a:p>
-              <a:pPr algn="ctr"/>
-              <a:r>
-                <a:rPr lang="en-US" sz="1000" dirty="0"/>
-                <a:t>+</a:t>
-              </a:r>
-            </a:p>
-          </p:txBody>
-        </p:sp>
-        <p:sp>
-          <p:nvSpPr>
-            <p:cNvPr id="22" name="Oval 21">
-              <a:extLst>
-                <a:ext uri="{FF2B5EF4-FFF2-40B4-BE49-F238E27FC236}">
-                  <a16:creationId xmlns:a16="http://schemas.microsoft.com/office/drawing/2014/main" id="{74E9D902-EC9A-7610-7AFF-A830137CF8E2}"/>
-                </a:ext>
-              </a:extLst>
-            </p:cNvPr>
-            <p:cNvSpPr/>
-            <p:nvPr/>
-          </p:nvSpPr>
-          <p:spPr>
-            <a:xfrm>
-              <a:off x="3407069" y="1363820"/>
-              <a:ext cx="107468" cy="107468"/>
-            </a:xfrm>
-            <a:prstGeom prst="ellipse">
-              <a:avLst/>
-            </a:prstGeom>
-          </p:spPr>
-          <p:style>
-            <a:lnRef idx="2">
-              <a:schemeClr val="accent2">
-                <a:shade val="15000"/>
-              </a:schemeClr>
-            </a:lnRef>
-            <a:fillRef idx="1">
-              <a:schemeClr val="accent2"/>
-            </a:fillRef>
-            <a:effectRef idx="0">
-              <a:schemeClr val="accent2"/>
-            </a:effectRef>
-            <a:fontRef idx="minor">
-              <a:schemeClr val="lt1"/>
-            </a:fontRef>
-          </p:style>
-          <p:txBody>
-            <a:bodyPr rtlCol="0" anchor="ctr"/>
-            <a:lstStyle/>
-            <a:p>
-              <a:pPr algn="ctr"/>
-              <a:r>
-                <a:rPr lang="en-US" sz="1000" dirty="0"/>
-                <a:t>+</a:t>
-              </a:r>
-            </a:p>
-          </p:txBody>
-        </p:sp>
-        <p:sp>
-          <p:nvSpPr>
-            <p:cNvPr id="26" name="Oval 25">
-              <a:extLst>
-                <a:ext uri="{FF2B5EF4-FFF2-40B4-BE49-F238E27FC236}">
-                  <a16:creationId xmlns:a16="http://schemas.microsoft.com/office/drawing/2014/main" id="{53E36C97-2D27-5199-1B20-B11882FD0F98}"/>
-                </a:ext>
-              </a:extLst>
-            </p:cNvPr>
-            <p:cNvSpPr/>
-            <p:nvPr/>
-          </p:nvSpPr>
-          <p:spPr>
-            <a:xfrm>
-              <a:off x="3882403" y="4912081"/>
-              <a:ext cx="107468" cy="107468"/>
-            </a:xfrm>
-            <a:prstGeom prst="ellipse">
-              <a:avLst/>
-            </a:prstGeom>
-          </p:spPr>
-          <p:style>
-            <a:lnRef idx="2">
-              <a:schemeClr val="accent2">
-                <a:shade val="15000"/>
-              </a:schemeClr>
-            </a:lnRef>
-            <a:fillRef idx="1">
-              <a:schemeClr val="accent2"/>
-            </a:fillRef>
-            <a:effectRef idx="0">
-              <a:schemeClr val="accent2"/>
-            </a:effectRef>
-            <a:fontRef idx="minor">
-              <a:schemeClr val="lt1"/>
-            </a:fontRef>
-          </p:style>
-          <p:txBody>
-            <a:bodyPr rtlCol="0" anchor="ctr"/>
-            <a:lstStyle/>
-            <a:p>
-              <a:pPr algn="ctr"/>
-              <a:r>
-                <a:rPr lang="en-US" sz="1000" dirty="0"/>
-                <a:t>+</a:t>
-              </a:r>
-            </a:p>
-          </p:txBody>
-        </p:sp>
-        <p:sp>
-          <p:nvSpPr>
-            <p:cNvPr id="28" name="Oval 27">
-              <a:extLst>
-                <a:ext uri="{FF2B5EF4-FFF2-40B4-BE49-F238E27FC236}">
-                  <a16:creationId xmlns:a16="http://schemas.microsoft.com/office/drawing/2014/main" id="{312DDBC8-CEB7-BBB4-03A8-703F12A70849}"/>
-                </a:ext>
-              </a:extLst>
-            </p:cNvPr>
-            <p:cNvSpPr/>
-            <p:nvPr/>
-          </p:nvSpPr>
-          <p:spPr>
-            <a:xfrm>
-              <a:off x="4040091" y="1957065"/>
-              <a:ext cx="107468" cy="107468"/>
-            </a:xfrm>
-            <a:prstGeom prst="ellipse">
-              <a:avLst/>
-            </a:prstGeom>
-          </p:spPr>
-          <p:style>
-            <a:lnRef idx="2">
-              <a:schemeClr val="accent2">
-                <a:shade val="15000"/>
-              </a:schemeClr>
-            </a:lnRef>
-            <a:fillRef idx="1">
-              <a:schemeClr val="accent2"/>
-            </a:fillRef>
-            <a:effectRef idx="0">
-              <a:schemeClr val="accent2"/>
-            </a:effectRef>
-            <a:fontRef idx="minor">
-              <a:schemeClr val="lt1"/>
-            </a:fontRef>
-          </p:style>
-          <p:txBody>
-            <a:bodyPr rtlCol="0" anchor="ctr"/>
-            <a:lstStyle/>
-            <a:p>
-              <a:pPr algn="ctr"/>
-              <a:r>
-                <a:rPr lang="en-US" sz="1000" dirty="0"/>
-                <a:t>+</a:t>
-              </a:r>
-            </a:p>
-          </p:txBody>
-        </p:sp>
-        <p:sp>
-          <p:nvSpPr>
-            <p:cNvPr id="29" name="Oval 28">
-              <a:extLst>
-                <a:ext uri="{FF2B5EF4-FFF2-40B4-BE49-F238E27FC236}">
-                  <a16:creationId xmlns:a16="http://schemas.microsoft.com/office/drawing/2014/main" id="{0F94C009-6C8D-F6BA-51D1-3C12BD248772}"/>
-                </a:ext>
-              </a:extLst>
-            </p:cNvPr>
-            <p:cNvSpPr/>
-            <p:nvPr/>
-          </p:nvSpPr>
-          <p:spPr>
-            <a:xfrm>
-              <a:off x="4241021" y="4224002"/>
-              <a:ext cx="107468" cy="107468"/>
-            </a:xfrm>
-            <a:prstGeom prst="ellipse">
-              <a:avLst/>
-            </a:prstGeom>
-          </p:spPr>
-          <p:style>
-            <a:lnRef idx="2">
-              <a:schemeClr val="accent2">
-                <a:shade val="15000"/>
-              </a:schemeClr>
-            </a:lnRef>
-            <a:fillRef idx="1">
-              <a:schemeClr val="accent2"/>
-            </a:fillRef>
-            <a:effectRef idx="0">
-              <a:schemeClr val="accent2"/>
-            </a:effectRef>
-            <a:fontRef idx="minor">
-              <a:schemeClr val="lt1"/>
-            </a:fontRef>
-          </p:style>
-          <p:txBody>
-            <a:bodyPr rtlCol="0" anchor="ctr"/>
-            <a:lstStyle/>
-            <a:p>
-              <a:pPr algn="ctr"/>
-              <a:r>
-                <a:rPr lang="en-US" sz="1000" dirty="0"/>
-                <a:t>+</a:t>
-              </a:r>
-            </a:p>
-          </p:txBody>
-        </p:sp>
-        <p:sp>
-          <p:nvSpPr>
-            <p:cNvPr id="37" name="Oval 36">
-              <a:extLst>
-                <a:ext uri="{FF2B5EF4-FFF2-40B4-BE49-F238E27FC236}">
-                  <a16:creationId xmlns:a16="http://schemas.microsoft.com/office/drawing/2014/main" id="{4AACFDA5-1B6A-E4DD-1856-D9C2E1EDA52F}"/>
-                </a:ext>
-              </a:extLst>
-            </p:cNvPr>
-            <p:cNvSpPr/>
-            <p:nvPr/>
-          </p:nvSpPr>
-          <p:spPr>
-            <a:xfrm>
-              <a:off x="2515374" y="2562614"/>
-              <a:ext cx="107468" cy="107468"/>
-            </a:xfrm>
-            <a:prstGeom prst="ellipse">
-              <a:avLst/>
-            </a:prstGeom>
-          </p:spPr>
-          <p:style>
-            <a:lnRef idx="2">
-              <a:schemeClr val="accent2">
-                <a:shade val="15000"/>
-              </a:schemeClr>
-            </a:lnRef>
-            <a:fillRef idx="1">
-              <a:schemeClr val="accent2"/>
-            </a:fillRef>
-            <a:effectRef idx="0">
-              <a:schemeClr val="accent2"/>
-            </a:effectRef>
-            <a:fontRef idx="minor">
-              <a:schemeClr val="lt1"/>
-            </a:fontRef>
-          </p:style>
-          <p:txBody>
-            <a:bodyPr rtlCol="0" anchor="ctr"/>
-            <a:lstStyle/>
-            <a:p>
-              <a:pPr algn="ctr"/>
-              <a:r>
-                <a:rPr lang="en-US" sz="1000" dirty="0"/>
-                <a:t>+</a:t>
-              </a:r>
-            </a:p>
-          </p:txBody>
-        </p:sp>
-        <p:sp>
-          <p:nvSpPr>
-            <p:cNvPr id="41" name="Oval 40">
-              <a:extLst>
-                <a:ext uri="{FF2B5EF4-FFF2-40B4-BE49-F238E27FC236}">
-                  <a16:creationId xmlns:a16="http://schemas.microsoft.com/office/drawing/2014/main" id="{EB5731B2-3B8B-B5B9-588D-0BD19794D96A}"/>
-                </a:ext>
-              </a:extLst>
-            </p:cNvPr>
-            <p:cNvSpPr/>
-            <p:nvPr/>
-          </p:nvSpPr>
-          <p:spPr>
-            <a:xfrm>
-              <a:off x="3112401" y="3948368"/>
-              <a:ext cx="107468" cy="107468"/>
-            </a:xfrm>
-            <a:prstGeom prst="ellipse">
-              <a:avLst/>
-            </a:prstGeom>
-          </p:spPr>
-          <p:style>
-            <a:lnRef idx="2">
-              <a:schemeClr val="accent2">
-                <a:shade val="15000"/>
-              </a:schemeClr>
-            </a:lnRef>
-            <a:fillRef idx="1">
-              <a:schemeClr val="accent2"/>
-            </a:fillRef>
-            <a:effectRef idx="0">
-              <a:schemeClr val="accent2"/>
-            </a:effectRef>
-            <a:fontRef idx="minor">
-              <a:schemeClr val="lt1"/>
-            </a:fontRef>
-          </p:style>
-          <p:txBody>
-            <a:bodyPr rtlCol="0" anchor="ctr"/>
-            <a:lstStyle/>
-            <a:p>
-              <a:pPr algn="ctr"/>
-              <a:r>
-                <a:rPr lang="en-US" sz="1000" dirty="0"/>
-                <a:t>+</a:t>
-              </a:r>
-            </a:p>
-          </p:txBody>
-        </p:sp>
-        <p:sp>
-          <p:nvSpPr>
-            <p:cNvPr id="42" name="Oval 41">
-              <a:extLst>
-                <a:ext uri="{FF2B5EF4-FFF2-40B4-BE49-F238E27FC236}">
-                  <a16:creationId xmlns:a16="http://schemas.microsoft.com/office/drawing/2014/main" id="{0205DB97-5F8E-5906-165D-D39C85CEDA26}"/>
-                </a:ext>
-              </a:extLst>
-            </p:cNvPr>
-            <p:cNvSpPr/>
-            <p:nvPr/>
-          </p:nvSpPr>
-          <p:spPr>
-            <a:xfrm>
-              <a:off x="2542360" y="4432183"/>
-              <a:ext cx="107468" cy="107468"/>
-            </a:xfrm>
-            <a:prstGeom prst="ellipse">
-              <a:avLst/>
-            </a:prstGeom>
-          </p:spPr>
-          <p:style>
-            <a:lnRef idx="2">
-              <a:schemeClr val="accent2">
-                <a:shade val="15000"/>
-              </a:schemeClr>
-            </a:lnRef>
-            <a:fillRef idx="1">
-              <a:schemeClr val="accent2"/>
-            </a:fillRef>
-            <a:effectRef idx="0">
-              <a:schemeClr val="accent2"/>
-            </a:effectRef>
-            <a:fontRef idx="minor">
-              <a:schemeClr val="lt1"/>
-            </a:fontRef>
-          </p:style>
-          <p:txBody>
-            <a:bodyPr rtlCol="0" anchor="ctr"/>
-            <a:lstStyle/>
-            <a:p>
-              <a:pPr algn="ctr"/>
-              <a:r>
-                <a:rPr lang="en-US" sz="1000" dirty="0"/>
-                <a:t>+</a:t>
-              </a:r>
-            </a:p>
-          </p:txBody>
-        </p:sp>
-        <p:sp>
-          <p:nvSpPr>
-            <p:cNvPr id="44" name="Oval 43">
-              <a:extLst>
-                <a:ext uri="{FF2B5EF4-FFF2-40B4-BE49-F238E27FC236}">
-                  <a16:creationId xmlns:a16="http://schemas.microsoft.com/office/drawing/2014/main" id="{95C1EE73-4697-BC15-D06E-F8BB70D092D1}"/>
-                </a:ext>
-              </a:extLst>
-            </p:cNvPr>
-            <p:cNvSpPr/>
-            <p:nvPr/>
-          </p:nvSpPr>
-          <p:spPr>
-            <a:xfrm>
-              <a:off x="4058333" y="3096247"/>
-              <a:ext cx="107468" cy="107468"/>
-            </a:xfrm>
-            <a:prstGeom prst="ellipse">
-              <a:avLst/>
-            </a:prstGeom>
-          </p:spPr>
-          <p:style>
-            <a:lnRef idx="2">
-              <a:schemeClr val="accent2">
-                <a:shade val="15000"/>
-              </a:schemeClr>
-            </a:lnRef>
-            <a:fillRef idx="1">
-              <a:schemeClr val="accent2"/>
-            </a:fillRef>
-            <a:effectRef idx="0">
-              <a:schemeClr val="accent2"/>
-            </a:effectRef>
-            <a:fontRef idx="minor">
-              <a:schemeClr val="lt1"/>
-            </a:fontRef>
-          </p:style>
-          <p:txBody>
-            <a:bodyPr rtlCol="0" anchor="ctr"/>
-            <a:lstStyle/>
-            <a:p>
-              <a:pPr algn="ctr"/>
-              <a:r>
-                <a:rPr lang="en-US" sz="1000" dirty="0"/>
-                <a:t>+</a:t>
-              </a:r>
-            </a:p>
-          </p:txBody>
-        </p:sp>
-        <p:sp>
-          <p:nvSpPr>
-            <p:cNvPr id="45" name="Oval 44">
-              <a:extLst>
-                <a:ext uri="{FF2B5EF4-FFF2-40B4-BE49-F238E27FC236}">
-                  <a16:creationId xmlns:a16="http://schemas.microsoft.com/office/drawing/2014/main" id="{8F69153F-DF67-5904-F7C9-40EBBDA4843C}"/>
-                </a:ext>
-              </a:extLst>
-            </p:cNvPr>
-            <p:cNvSpPr/>
-            <p:nvPr/>
-          </p:nvSpPr>
-          <p:spPr>
-            <a:xfrm>
-              <a:off x="4550065" y="2372815"/>
-              <a:ext cx="107468" cy="107468"/>
-            </a:xfrm>
-            <a:prstGeom prst="ellipse">
-              <a:avLst/>
-            </a:prstGeom>
-          </p:spPr>
-          <p:style>
-            <a:lnRef idx="2">
-              <a:schemeClr val="accent2">
-                <a:shade val="15000"/>
-              </a:schemeClr>
-            </a:lnRef>
-            <a:fillRef idx="1">
-              <a:schemeClr val="accent2"/>
-            </a:fillRef>
-            <a:effectRef idx="0">
-              <a:schemeClr val="accent2"/>
-            </a:effectRef>
-            <a:fontRef idx="minor">
-              <a:schemeClr val="lt1"/>
-            </a:fontRef>
-          </p:style>
-          <p:txBody>
-            <a:bodyPr rtlCol="0" anchor="ctr"/>
-            <a:lstStyle/>
-            <a:p>
-              <a:pPr algn="ctr"/>
-              <a:r>
-                <a:rPr lang="en-US" sz="1000" dirty="0"/>
-                <a:t>+</a:t>
-              </a:r>
-            </a:p>
-          </p:txBody>
-        </p:sp>
-        <p:sp>
-          <p:nvSpPr>
-            <p:cNvPr id="47" name="Oval 46">
-              <a:extLst>
-                <a:ext uri="{FF2B5EF4-FFF2-40B4-BE49-F238E27FC236}">
-                  <a16:creationId xmlns:a16="http://schemas.microsoft.com/office/drawing/2014/main" id="{05B5C851-4018-E92C-CEFA-6541E06EBC3D}"/>
-                </a:ext>
-              </a:extLst>
-            </p:cNvPr>
-            <p:cNvSpPr/>
-            <p:nvPr/>
-          </p:nvSpPr>
-          <p:spPr>
-            <a:xfrm>
-              <a:off x="3473291" y="1957065"/>
-              <a:ext cx="107468" cy="107468"/>
-            </a:xfrm>
-            <a:prstGeom prst="ellipse">
-              <a:avLst/>
-            </a:prstGeom>
-          </p:spPr>
-          <p:style>
-            <a:lnRef idx="2">
-              <a:schemeClr val="accent2">
-                <a:shade val="15000"/>
-              </a:schemeClr>
-            </a:lnRef>
-            <a:fillRef idx="1">
-              <a:schemeClr val="accent2"/>
-            </a:fillRef>
-            <a:effectRef idx="0">
-              <a:schemeClr val="accent2"/>
-            </a:effectRef>
-            <a:fontRef idx="minor">
-              <a:schemeClr val="lt1"/>
-            </a:fontRef>
-          </p:style>
-          <p:txBody>
-            <a:bodyPr rtlCol="0" anchor="ctr"/>
-            <a:lstStyle/>
-            <a:p>
-              <a:pPr algn="ctr"/>
-              <a:r>
-                <a:rPr lang="en-US" sz="1000" dirty="0"/>
-                <a:t>+</a:t>
-              </a:r>
-            </a:p>
-          </p:txBody>
-        </p:sp>
-        <p:sp>
-          <p:nvSpPr>
-            <p:cNvPr id="27" name="Oval 26">
-              <a:extLst>
-                <a:ext uri="{FF2B5EF4-FFF2-40B4-BE49-F238E27FC236}">
-                  <a16:creationId xmlns:a16="http://schemas.microsoft.com/office/drawing/2014/main" id="{09264DDB-0406-295B-37D0-4F14B41F99FD}"/>
-                </a:ext>
-              </a:extLst>
-            </p:cNvPr>
-            <p:cNvSpPr/>
-            <p:nvPr/>
-          </p:nvSpPr>
-          <p:spPr>
-            <a:xfrm>
-              <a:off x="1925838" y="3243504"/>
-              <a:ext cx="107468" cy="107468"/>
-            </a:xfrm>
-            <a:prstGeom prst="ellipse">
-              <a:avLst/>
-            </a:prstGeom>
-          </p:spPr>
-          <p:style>
-            <a:lnRef idx="2">
-              <a:schemeClr val="accent2">
-                <a:shade val="15000"/>
-              </a:schemeClr>
-            </a:lnRef>
-            <a:fillRef idx="1">
-              <a:schemeClr val="accent2"/>
-            </a:fillRef>
-            <a:effectRef idx="0">
-              <a:schemeClr val="accent2"/>
-            </a:effectRef>
-            <a:fontRef idx="minor">
-              <a:schemeClr val="lt1"/>
-            </a:fontRef>
-          </p:style>
-          <p:txBody>
-            <a:bodyPr rtlCol="0" anchor="ctr"/>
-            <a:lstStyle/>
-            <a:p>
-              <a:pPr algn="ctr"/>
-              <a:r>
-                <a:rPr lang="en-US" sz="1000" dirty="0"/>
-                <a:t>+</a:t>
-              </a:r>
-            </a:p>
-          </p:txBody>
-        </p:sp>
-        <p:sp>
-          <p:nvSpPr>
-            <p:cNvPr id="53" name="Oval 52">
-              <a:extLst>
-                <a:ext uri="{FF2B5EF4-FFF2-40B4-BE49-F238E27FC236}">
-                  <a16:creationId xmlns:a16="http://schemas.microsoft.com/office/drawing/2014/main" id="{50EA3CFE-F927-9E1B-662E-8ECD2538BE2C}"/>
-                </a:ext>
-              </a:extLst>
-            </p:cNvPr>
-            <p:cNvSpPr/>
-            <p:nvPr/>
-          </p:nvSpPr>
-          <p:spPr>
-            <a:xfrm>
-              <a:off x="2364949" y="3172454"/>
-              <a:ext cx="107468" cy="107468"/>
-            </a:xfrm>
-            <a:prstGeom prst="ellipse">
-              <a:avLst/>
-            </a:prstGeom>
-          </p:spPr>
-          <p:style>
-            <a:lnRef idx="2">
-              <a:schemeClr val="accent2">
-                <a:shade val="15000"/>
-              </a:schemeClr>
-            </a:lnRef>
-            <a:fillRef idx="1">
-              <a:schemeClr val="accent2"/>
-            </a:fillRef>
-            <a:effectRef idx="0">
-              <a:schemeClr val="accent2"/>
-            </a:effectRef>
-            <a:fontRef idx="minor">
-              <a:schemeClr val="lt1"/>
-            </a:fontRef>
-          </p:style>
-          <p:txBody>
-            <a:bodyPr rtlCol="0" anchor="ctr"/>
-            <a:lstStyle/>
-            <a:p>
-              <a:pPr algn="ctr"/>
-              <a:r>
-                <a:rPr lang="en-US" sz="1000" dirty="0"/>
-                <a:t>+</a:t>
-              </a:r>
-            </a:p>
-          </p:txBody>
-        </p:sp>
-        <p:sp>
-          <p:nvSpPr>
-            <p:cNvPr id="55" name="Oval 54">
-              <a:extLst>
-                <a:ext uri="{FF2B5EF4-FFF2-40B4-BE49-F238E27FC236}">
-                  <a16:creationId xmlns:a16="http://schemas.microsoft.com/office/drawing/2014/main" id="{E44BB894-B186-5471-AD41-B26755354C05}"/>
-                </a:ext>
-              </a:extLst>
-            </p:cNvPr>
-            <p:cNvSpPr/>
-            <p:nvPr/>
-          </p:nvSpPr>
-          <p:spPr>
-            <a:xfrm>
-              <a:off x="3426199" y="3540404"/>
-              <a:ext cx="107468" cy="107468"/>
-            </a:xfrm>
-            <a:prstGeom prst="ellipse">
-              <a:avLst/>
-            </a:prstGeom>
-          </p:spPr>
-          <p:style>
-            <a:lnRef idx="2">
-              <a:schemeClr val="accent2">
-                <a:shade val="15000"/>
-              </a:schemeClr>
-            </a:lnRef>
-            <a:fillRef idx="1">
-              <a:schemeClr val="accent2"/>
-            </a:fillRef>
-            <a:effectRef idx="0">
-              <a:schemeClr val="accent2"/>
-            </a:effectRef>
-            <a:fontRef idx="minor">
-              <a:schemeClr val="lt1"/>
-            </a:fontRef>
-          </p:style>
-          <p:txBody>
-            <a:bodyPr rtlCol="0" anchor="ctr"/>
-            <a:lstStyle/>
-            <a:p>
-              <a:pPr algn="ctr"/>
-              <a:r>
-                <a:rPr lang="en-US" sz="1000" dirty="0"/>
-                <a:t>+</a:t>
-              </a:r>
-            </a:p>
-          </p:txBody>
-        </p:sp>
-        <p:sp>
-          <p:nvSpPr>
-            <p:cNvPr id="59" name="Oval 58">
-              <a:extLst>
-                <a:ext uri="{FF2B5EF4-FFF2-40B4-BE49-F238E27FC236}">
-                  <a16:creationId xmlns:a16="http://schemas.microsoft.com/office/drawing/2014/main" id="{B9414642-2C3D-E25D-4A7E-C03772AA6350}"/>
-                </a:ext>
-              </a:extLst>
-            </p:cNvPr>
-            <p:cNvSpPr/>
-            <p:nvPr/>
-          </p:nvSpPr>
-          <p:spPr>
-            <a:xfrm>
-              <a:off x="2542360" y="3873773"/>
-              <a:ext cx="107468" cy="107468"/>
-            </a:xfrm>
-            <a:prstGeom prst="ellipse">
-              <a:avLst/>
-            </a:prstGeom>
-          </p:spPr>
-          <p:style>
-            <a:lnRef idx="2">
-              <a:schemeClr val="accent2">
-                <a:shade val="15000"/>
-              </a:schemeClr>
-            </a:lnRef>
-            <a:fillRef idx="1">
-              <a:schemeClr val="accent2"/>
-            </a:fillRef>
-            <a:effectRef idx="0">
-              <a:schemeClr val="accent2"/>
-            </a:effectRef>
-            <a:fontRef idx="minor">
-              <a:schemeClr val="lt1"/>
-            </a:fontRef>
-          </p:style>
-          <p:txBody>
-            <a:bodyPr rtlCol="0" anchor="ctr"/>
-            <a:lstStyle/>
-            <a:p>
-              <a:pPr algn="ctr"/>
-              <a:r>
-                <a:rPr lang="en-US" sz="1000" dirty="0"/>
-                <a:t>+</a:t>
-              </a:r>
-            </a:p>
-          </p:txBody>
-        </p:sp>
-        <p:sp>
-          <p:nvSpPr>
-            <p:cNvPr id="61" name="Oval 60">
-              <a:extLst>
-                <a:ext uri="{FF2B5EF4-FFF2-40B4-BE49-F238E27FC236}">
-                  <a16:creationId xmlns:a16="http://schemas.microsoft.com/office/drawing/2014/main" id="{649906C9-4DE5-01B5-45F0-02952AAC8F33}"/>
-                </a:ext>
-              </a:extLst>
-            </p:cNvPr>
-            <p:cNvSpPr/>
-            <p:nvPr/>
-          </p:nvSpPr>
-          <p:spPr>
-            <a:xfrm>
-              <a:off x="3008549" y="4797675"/>
-              <a:ext cx="107468" cy="107468"/>
-            </a:xfrm>
-            <a:prstGeom prst="ellipse">
-              <a:avLst/>
-            </a:prstGeom>
-          </p:spPr>
-          <p:style>
-            <a:lnRef idx="2">
-              <a:schemeClr val="accent2">
-                <a:shade val="15000"/>
-              </a:schemeClr>
-            </a:lnRef>
-            <a:fillRef idx="1">
-              <a:schemeClr val="accent2"/>
-            </a:fillRef>
-            <a:effectRef idx="0">
-              <a:schemeClr val="accent2"/>
-            </a:effectRef>
-            <a:fontRef idx="minor">
-              <a:schemeClr val="lt1"/>
-            </a:fontRef>
-          </p:style>
-          <p:txBody>
-            <a:bodyPr rtlCol="0" anchor="ctr"/>
-            <a:lstStyle/>
-            <a:p>
-              <a:pPr algn="ctr"/>
-              <a:r>
-                <a:rPr lang="en-US" sz="1000" dirty="0"/>
-                <a:t>+</a:t>
-              </a:r>
-            </a:p>
-          </p:txBody>
-        </p:sp>
-        <p:sp>
-          <p:nvSpPr>
-            <p:cNvPr id="62" name="Oval 61">
-              <a:extLst>
-                <a:ext uri="{FF2B5EF4-FFF2-40B4-BE49-F238E27FC236}">
-                  <a16:creationId xmlns:a16="http://schemas.microsoft.com/office/drawing/2014/main" id="{CA286E83-C17A-9939-1075-C4C9B4B9CE82}"/>
-                </a:ext>
-              </a:extLst>
-            </p:cNvPr>
-            <p:cNvSpPr/>
-            <p:nvPr/>
-          </p:nvSpPr>
-          <p:spPr>
-            <a:xfrm>
-              <a:off x="2437745" y="1802359"/>
-              <a:ext cx="107468" cy="107468"/>
-            </a:xfrm>
-            <a:prstGeom prst="ellipse">
-              <a:avLst/>
-            </a:prstGeom>
-          </p:spPr>
-          <p:style>
-            <a:lnRef idx="2">
-              <a:schemeClr val="accent2">
-                <a:shade val="15000"/>
-              </a:schemeClr>
-            </a:lnRef>
-            <a:fillRef idx="1">
-              <a:schemeClr val="accent2"/>
-            </a:fillRef>
-            <a:effectRef idx="0">
-              <a:schemeClr val="accent2"/>
-            </a:effectRef>
-            <a:fontRef idx="minor">
-              <a:schemeClr val="lt1"/>
-            </a:fontRef>
-          </p:style>
-          <p:txBody>
-            <a:bodyPr rtlCol="0" anchor="ctr"/>
-            <a:lstStyle/>
-            <a:p>
-              <a:pPr algn="ctr"/>
-              <a:r>
-                <a:rPr lang="en-US" sz="1000" dirty="0"/>
-                <a:t>+</a:t>
-              </a:r>
-            </a:p>
-          </p:txBody>
-        </p:sp>
-        <p:sp>
-          <p:nvSpPr>
-            <p:cNvPr id="63" name="Oval 62">
-              <a:extLst>
-                <a:ext uri="{FF2B5EF4-FFF2-40B4-BE49-F238E27FC236}">
-                  <a16:creationId xmlns:a16="http://schemas.microsoft.com/office/drawing/2014/main" id="{66587E36-1379-621D-6680-4DCC6690500B}"/>
-                </a:ext>
-              </a:extLst>
-            </p:cNvPr>
-            <p:cNvSpPr/>
-            <p:nvPr/>
-          </p:nvSpPr>
-          <p:spPr>
-            <a:xfrm>
-              <a:off x="1725154" y="1367920"/>
-              <a:ext cx="107468" cy="107468"/>
-            </a:xfrm>
-            <a:prstGeom prst="ellipse">
-              <a:avLst/>
-            </a:prstGeom>
-          </p:spPr>
-          <p:style>
-            <a:lnRef idx="2">
-              <a:schemeClr val="accent2">
-                <a:shade val="15000"/>
-              </a:schemeClr>
-            </a:lnRef>
-            <a:fillRef idx="1">
-              <a:schemeClr val="accent2"/>
-            </a:fillRef>
-            <a:effectRef idx="0">
-              <a:schemeClr val="accent2"/>
-            </a:effectRef>
-            <a:fontRef idx="minor">
-              <a:schemeClr val="lt1"/>
-            </a:fontRef>
-          </p:style>
-          <p:txBody>
-            <a:bodyPr rtlCol="0" anchor="ctr"/>
-            <a:lstStyle/>
-            <a:p>
-              <a:pPr algn="ctr"/>
-              <a:r>
-                <a:rPr lang="en-US" sz="1000" dirty="0"/>
-                <a:t>+</a:t>
-              </a:r>
-            </a:p>
-          </p:txBody>
-        </p:sp>
-        <p:sp>
-          <p:nvSpPr>
-            <p:cNvPr id="64" name="Oval 63">
-              <a:extLst>
-                <a:ext uri="{FF2B5EF4-FFF2-40B4-BE49-F238E27FC236}">
-                  <a16:creationId xmlns:a16="http://schemas.microsoft.com/office/drawing/2014/main" id="{F2ED4CD2-EDAC-0F65-5242-056C2B73A46B}"/>
-                </a:ext>
-              </a:extLst>
-            </p:cNvPr>
-            <p:cNvSpPr/>
-            <p:nvPr/>
-          </p:nvSpPr>
-          <p:spPr>
-            <a:xfrm>
-              <a:off x="1271553" y="2570246"/>
-              <a:ext cx="107468" cy="107468"/>
-            </a:xfrm>
-            <a:prstGeom prst="ellipse">
-              <a:avLst/>
-            </a:prstGeom>
-          </p:spPr>
-          <p:style>
-            <a:lnRef idx="2">
-              <a:schemeClr val="accent2">
-                <a:shade val="15000"/>
-              </a:schemeClr>
-            </a:lnRef>
-            <a:fillRef idx="1">
-              <a:schemeClr val="accent2"/>
-            </a:fillRef>
-            <a:effectRef idx="0">
-              <a:schemeClr val="accent2"/>
-            </a:effectRef>
-            <a:fontRef idx="minor">
-              <a:schemeClr val="lt1"/>
-            </a:fontRef>
-          </p:style>
-          <p:txBody>
-            <a:bodyPr rtlCol="0" anchor="ctr"/>
-            <a:lstStyle/>
-            <a:p>
-              <a:pPr algn="ctr"/>
-              <a:r>
-                <a:rPr lang="en-US" sz="1000" dirty="0"/>
-                <a:t>+</a:t>
-              </a:r>
-            </a:p>
-          </p:txBody>
-        </p:sp>
-        <p:sp>
-          <p:nvSpPr>
-            <p:cNvPr id="65" name="Oval 64">
-              <a:extLst>
-                <a:ext uri="{FF2B5EF4-FFF2-40B4-BE49-F238E27FC236}">
-                  <a16:creationId xmlns:a16="http://schemas.microsoft.com/office/drawing/2014/main" id="{AC34F898-EEDA-F8BB-251F-84B7FA7B55F2}"/>
-                </a:ext>
-              </a:extLst>
-            </p:cNvPr>
-            <p:cNvSpPr/>
-            <p:nvPr/>
-          </p:nvSpPr>
-          <p:spPr>
-            <a:xfrm>
-              <a:off x="1702304" y="4555447"/>
-              <a:ext cx="107468" cy="107468"/>
-            </a:xfrm>
-            <a:prstGeom prst="ellipse">
-              <a:avLst/>
-            </a:prstGeom>
-          </p:spPr>
-          <p:style>
-            <a:lnRef idx="2">
-              <a:schemeClr val="accent2">
-                <a:shade val="15000"/>
-              </a:schemeClr>
-            </a:lnRef>
-            <a:fillRef idx="1">
-              <a:schemeClr val="accent2"/>
-            </a:fillRef>
-            <a:effectRef idx="0">
-              <a:schemeClr val="accent2"/>
-            </a:effectRef>
-            <a:fontRef idx="minor">
-              <a:schemeClr val="lt1"/>
-            </a:fontRef>
-          </p:style>
-          <p:txBody>
-            <a:bodyPr rtlCol="0" anchor="ctr"/>
-            <a:lstStyle/>
-            <a:p>
-              <a:pPr algn="ctr"/>
-              <a:r>
-                <a:rPr lang="en-US" sz="1000" dirty="0"/>
-                <a:t>+</a:t>
-              </a:r>
-            </a:p>
-          </p:txBody>
-        </p:sp>
-      </p:grpSp>
-      <p:sp>
-        <p:nvSpPr>
-          <p:cNvPr id="3" name="TextBox 2">
-            <a:extLst>
-              <a:ext uri="{FF2B5EF4-FFF2-40B4-BE49-F238E27FC236}">
-                <a16:creationId xmlns:a16="http://schemas.microsoft.com/office/drawing/2014/main" id="{0B912488-21FF-E209-0FFC-000DBB67A3A8}"/>
-              </a:ext>
-            </a:extLst>
-          </p:cNvPr>
-          <p:cNvSpPr txBox="1"/>
-          <p:nvPr/>
-        </p:nvSpPr>
-        <p:spPr>
-          <a:xfrm>
-            <a:off x="4043689" y="5699705"/>
-            <a:ext cx="1174067" cy="369332"/>
-          </a:xfrm>
-          <a:prstGeom prst="rect">
-            <a:avLst/>
-          </a:prstGeom>
-          <a:noFill/>
-        </p:spPr>
-        <p:txBody>
-          <a:bodyPr wrap="square" rtlCol="0">
-            <a:spAutoFit/>
-          </a:bodyPr>
-          <a:lstStyle/>
-          <a:p>
-            <a:r>
-              <a:rPr lang="en-US" dirty="0"/>
-              <a:t>Backbone</a:t>
-            </a:r>
-          </a:p>
-        </p:txBody>
-      </p:sp>
-      <p:sp>
-        <p:nvSpPr>
-          <p:cNvPr id="6" name="TextBox 5">
-            <a:extLst>
-              <a:ext uri="{FF2B5EF4-FFF2-40B4-BE49-F238E27FC236}">
-                <a16:creationId xmlns:a16="http://schemas.microsoft.com/office/drawing/2014/main" id="{D3E3A2FF-9FEE-6877-95F0-A1D26F036D65}"/>
-              </a:ext>
-            </a:extLst>
-          </p:cNvPr>
-          <p:cNvSpPr txBox="1"/>
-          <p:nvPr/>
-        </p:nvSpPr>
-        <p:spPr>
-          <a:xfrm>
-            <a:off x="4058100" y="6065263"/>
-            <a:ext cx="1174067" cy="369332"/>
-          </a:xfrm>
-          <a:prstGeom prst="rect">
-            <a:avLst/>
-          </a:prstGeom>
-          <a:noFill/>
-        </p:spPr>
-        <p:txBody>
-          <a:bodyPr wrap="square" rtlCol="0">
-            <a:spAutoFit/>
-          </a:bodyPr>
-          <a:lstStyle/>
-          <a:p>
-            <a:r>
-              <a:rPr lang="en-US" dirty="0"/>
-              <a:t>Sidechain</a:t>
-            </a:r>
-          </a:p>
-        </p:txBody>
-      </p:sp>
-      <p:cxnSp>
-        <p:nvCxnSpPr>
-          <p:cNvPr id="23" name="Straight Arrow Connector 22">
-            <a:extLst>
-              <a:ext uri="{FF2B5EF4-FFF2-40B4-BE49-F238E27FC236}">
-                <a16:creationId xmlns:a16="http://schemas.microsoft.com/office/drawing/2014/main" id="{DF5A5187-BC60-1C4D-398F-AC8251D77847}"/>
-              </a:ext>
-            </a:extLst>
-          </p:cNvPr>
-          <p:cNvCxnSpPr>
-            <a:stCxn id="6" idx="1"/>
-          </p:cNvCxnSpPr>
-          <p:nvPr/>
-        </p:nvCxnSpPr>
-        <p:spPr>
-          <a:xfrm flipH="1" flipV="1">
-            <a:off x="3566535" y="6248399"/>
-            <a:ext cx="491565" cy="1530"/>
-          </a:xfrm>
-          <a:prstGeom prst="straightConnector1">
-            <a:avLst/>
-          </a:prstGeom>
-          <a:ln w="28575">
-            <a:solidFill>
-              <a:schemeClr val="tx1"/>
-            </a:solidFill>
-            <a:tailEnd type="triangle"/>
-          </a:ln>
-        </p:spPr>
-        <p:style>
-          <a:lnRef idx="1">
-            <a:schemeClr val="accent1"/>
-          </a:lnRef>
-          <a:fillRef idx="0">
-            <a:schemeClr val="accent1"/>
-          </a:fillRef>
-          <a:effectRef idx="0">
-            <a:schemeClr val="accent1"/>
-          </a:effectRef>
-          <a:fontRef idx="minor">
-            <a:schemeClr val="tx1"/>
-          </a:fontRef>
-        </p:style>
-      </p:cxnSp>
-      <p:cxnSp>
-        <p:nvCxnSpPr>
-          <p:cNvPr id="24" name="Straight Arrow Connector 23">
-            <a:extLst>
-              <a:ext uri="{FF2B5EF4-FFF2-40B4-BE49-F238E27FC236}">
-                <a16:creationId xmlns:a16="http://schemas.microsoft.com/office/drawing/2014/main" id="{86B6AB08-6AE2-1C57-5F3E-F2CA3D642D65}"/>
-              </a:ext>
-            </a:extLst>
-          </p:cNvPr>
-          <p:cNvCxnSpPr>
-            <a:cxnSpLocks/>
-            <a:stCxn id="3" idx="1"/>
-          </p:cNvCxnSpPr>
-          <p:nvPr/>
-        </p:nvCxnSpPr>
-        <p:spPr>
-          <a:xfrm flipH="1">
-            <a:off x="3156003" y="5884371"/>
-            <a:ext cx="887686" cy="0"/>
-          </a:xfrm>
-          <a:prstGeom prst="straightConnector1">
-            <a:avLst/>
-          </a:prstGeom>
-          <a:ln w="28575">
-            <a:solidFill>
-              <a:schemeClr val="tx1"/>
-            </a:solidFill>
-            <a:tailEnd type="triangle"/>
-          </a:ln>
-        </p:spPr>
-        <p:style>
-          <a:lnRef idx="1">
-            <a:schemeClr val="accent1"/>
-          </a:lnRef>
-          <a:fillRef idx="0">
-            <a:schemeClr val="accent1"/>
-          </a:fillRef>
-          <a:effectRef idx="0">
-            <a:schemeClr val="accent1"/>
-          </a:effectRef>
-          <a:fontRef idx="minor">
-            <a:schemeClr val="tx1"/>
-          </a:fontRef>
-        </p:style>
-      </p:cxnSp>
-    </p:spTree>
-    <p:extLst>
-      <p:ext uri="{BB962C8B-B14F-4D97-AF65-F5344CB8AC3E}">
-        <p14:creationId xmlns:p14="http://schemas.microsoft.com/office/powerpoint/2010/main" val="349950069"/>
-      </p:ext>
-    </p:extLst>
-  </p:cSld>
-  <p:clrMapOvr>
-    <a:masterClrMapping/>
-  </p:clrMapOvr>
-</p:sld>
-</file>
-
-<file path=ppt/slides/slide16.xml><?xml version="1.0" encoding="utf-8"?>
-<p:sld xmlns:a="http://schemas.openxmlformats.org/drawingml/2006/main" xmlns:r="http://schemas.openxmlformats.org/officeDocument/2006/relationships" xmlns:p="http://schemas.openxmlformats.org/presentationml/2006/main" show="0">
-  <p:cSld>
-    <p:spTree>
-      <p:nvGrpSpPr>
-        <p:cNvPr id="1" name=""/>
-        <p:cNvGrpSpPr/>
-        <p:nvPr/>
-      </p:nvGrpSpPr>
-      <p:grpSpPr>
-        <a:xfrm>
-          <a:off x="0" y="0"/>
-          <a:ext cx="0" cy="0"/>
-          <a:chOff x="0" y="0"/>
-          <a:chExt cx="0" cy="0"/>
-        </a:xfrm>
-      </p:grpSpPr>
-      <p:sp>
-        <p:nvSpPr>
-          <p:cNvPr id="2" name="Title 1">
-            <a:extLst>
-              <a:ext uri="{FF2B5EF4-FFF2-40B4-BE49-F238E27FC236}">
-                <a16:creationId xmlns:a16="http://schemas.microsoft.com/office/drawing/2014/main" id="{0BCCA52D-D21F-6A87-805B-EF9B684D9C6B}"/>
-              </a:ext>
-            </a:extLst>
-          </p:cNvPr>
-          <p:cNvSpPr>
-            <a:spLocks noGrp="1"/>
-          </p:cNvSpPr>
-          <p:nvPr>
-            <p:ph type="title"/>
-          </p:nvPr>
-        </p:nvSpPr>
-        <p:spPr/>
-        <p:txBody>
-          <a:bodyPr/>
-          <a:lstStyle/>
-          <a:p>
-            <a:r>
-              <a:rPr lang="en-US" dirty="0"/>
-              <a:t>Model</a:t>
-            </a:r>
-          </a:p>
-        </p:txBody>
-      </p:sp>
-      <p:sp>
-        <p:nvSpPr>
-          <p:cNvPr id="3" name="Content Placeholder 2">
-            <a:extLst>
-              <a:ext uri="{FF2B5EF4-FFF2-40B4-BE49-F238E27FC236}">
-                <a16:creationId xmlns:a16="http://schemas.microsoft.com/office/drawing/2014/main" id="{FBE7D10C-C535-B9AF-AA31-56BAF916D8EC}"/>
-              </a:ext>
-            </a:extLst>
-          </p:cNvPr>
-          <p:cNvSpPr>
-            <a:spLocks noGrp="1"/>
-          </p:cNvSpPr>
-          <p:nvPr>
-            <p:ph idx="1"/>
-          </p:nvPr>
-        </p:nvSpPr>
-        <p:spPr>
-          <a:xfrm>
-            <a:off x="838200" y="1263491"/>
-            <a:ext cx="10515600" cy="5109249"/>
-          </a:xfrm>
-        </p:spPr>
-        <p:txBody>
-          <a:bodyPr>
-            <a:normAutofit/>
-          </a:bodyPr>
-          <a:lstStyle/>
-          <a:p>
-            <a:r>
-              <a:rPr lang="en-US" sz="2000" dirty="0"/>
-              <a:t>Interactions</a:t>
-            </a:r>
-          </a:p>
-          <a:p>
-            <a:endParaRPr lang="en-US" sz="2000" dirty="0"/>
-          </a:p>
-          <a:p>
-            <a:endParaRPr lang="en-US" sz="2000" dirty="0"/>
-          </a:p>
-          <a:p>
-            <a:endParaRPr lang="en-US" sz="2000" dirty="0"/>
-          </a:p>
-          <a:p>
-            <a:endParaRPr lang="en-US" sz="2000" dirty="0"/>
-          </a:p>
-          <a:p>
-            <a:r>
-              <a:rPr lang="en-US" sz="2000" dirty="0"/>
-              <a:t>Self-consistent field theory for charged multiblock macromolecules</a:t>
-            </a:r>
-          </a:p>
-          <a:p>
-            <a:pPr lvl="1"/>
-            <a:r>
-              <a:rPr lang="en-US" sz="1800" dirty="0"/>
-              <a:t>Coupled system of 5 algebraic equations and 2 partial differential equations</a:t>
-            </a:r>
-          </a:p>
-          <a:p>
-            <a:pPr lvl="1"/>
-            <a:r>
-              <a:rPr lang="en-US" sz="1800" dirty="0"/>
-              <a:t>For sidechain-only system, 2 blocks; Block 2 contains -1</a:t>
-            </a:r>
-            <a:r>
-              <a:rPr lang="en-US" sz="1800" i="1" dirty="0"/>
-              <a:t>e</a:t>
-            </a:r>
-            <a:r>
-              <a:rPr lang="en-US" sz="1800" dirty="0"/>
-              <a:t> for SO3-</a:t>
-            </a:r>
-          </a:p>
-          <a:p>
-            <a:pPr lvl="2"/>
-            <a:r>
-              <a:rPr lang="en-US" sz="1600" dirty="0"/>
-              <a:t>F-H parameters taken from literature (Wu, </a:t>
-            </a:r>
-            <a:r>
-              <a:rPr lang="en-US" sz="1600" dirty="0" err="1"/>
-              <a:t>Paddison</a:t>
-            </a:r>
-            <a:r>
-              <a:rPr lang="en-US" sz="1600" dirty="0"/>
-              <a:t>, Elliot, </a:t>
-            </a:r>
-            <a:r>
-              <a:rPr lang="en-US" sz="1600" i="1" dirty="0"/>
-              <a:t>Energy Env. Sci. </a:t>
-            </a:r>
-            <a:r>
-              <a:rPr lang="en-US" sz="1600" dirty="0"/>
-              <a:t>2008. 1. 284-293)</a:t>
-            </a:r>
-          </a:p>
-        </p:txBody>
-      </p:sp>
-      <p:sp>
-        <p:nvSpPr>
-          <p:cNvPr id="23" name="Slide Number Placeholder 22">
-            <a:extLst>
-              <a:ext uri="{FF2B5EF4-FFF2-40B4-BE49-F238E27FC236}">
-                <a16:creationId xmlns:a16="http://schemas.microsoft.com/office/drawing/2014/main" id="{3640DB4C-A7A5-355A-BE46-AD20B9A4F813}"/>
-              </a:ext>
-            </a:extLst>
-          </p:cNvPr>
-          <p:cNvSpPr>
-            <a:spLocks noGrp="1"/>
-          </p:cNvSpPr>
-          <p:nvPr>
-            <p:ph type="sldNum" sz="quarter" idx="12"/>
-          </p:nvPr>
-        </p:nvSpPr>
-        <p:spPr/>
-        <p:txBody>
-          <a:bodyPr/>
-          <a:lstStyle/>
-          <a:p>
-            <a:fld id="{B40DB54C-0C58-4481-B5FF-5C3F14CFF9B3}" type="slidenum">
-              <a:rPr lang="en-US" smtClean="0"/>
-              <a:t>16</a:t>
-            </a:fld>
-            <a:endParaRPr lang="en-US"/>
-          </a:p>
-        </p:txBody>
-      </p:sp>
-      <p:grpSp>
-        <p:nvGrpSpPr>
-          <p:cNvPr id="8" name="Group 7">
-            <a:extLst>
-              <a:ext uri="{FF2B5EF4-FFF2-40B4-BE49-F238E27FC236}">
-                <a16:creationId xmlns:a16="http://schemas.microsoft.com/office/drawing/2014/main" id="{0B51F1FA-0307-4536-AA12-32195C5B75BE}"/>
-              </a:ext>
-            </a:extLst>
-          </p:cNvPr>
-          <p:cNvGrpSpPr/>
-          <p:nvPr/>
-        </p:nvGrpSpPr>
-        <p:grpSpPr>
-          <a:xfrm>
-            <a:off x="1534181" y="1886110"/>
-            <a:ext cx="9705566" cy="2001919"/>
-            <a:chOff x="1855914" y="2173976"/>
-            <a:chExt cx="9705566" cy="2001919"/>
-          </a:xfrm>
-        </p:grpSpPr>
-        <p:sp>
-          <p:nvSpPr>
-            <p:cNvPr id="13" name="TextBox 12">
-              <a:extLst>
-                <a:ext uri="{FF2B5EF4-FFF2-40B4-BE49-F238E27FC236}">
-                  <a16:creationId xmlns:a16="http://schemas.microsoft.com/office/drawing/2014/main" id="{3B910E88-6FC7-C628-950E-AC654D8AFCBE}"/>
-                </a:ext>
-              </a:extLst>
-            </p:cNvPr>
-            <p:cNvSpPr txBox="1"/>
-            <p:nvPr/>
-          </p:nvSpPr>
-          <p:spPr>
-            <a:xfrm>
-              <a:off x="8087476" y="2177259"/>
-              <a:ext cx="2860553" cy="401231"/>
-            </a:xfrm>
-            <a:prstGeom prst="rect">
-              <a:avLst/>
-            </a:prstGeom>
-            <a:noFill/>
-          </p:spPr>
-          <p:txBody>
-            <a:bodyPr wrap="square" rtlCol="0">
-              <a:spAutoFit/>
-            </a:bodyPr>
-            <a:lstStyle/>
-            <a:p>
-              <a:r>
-                <a:rPr lang="en-US" sz="2000" dirty="0"/>
-                <a:t>Elastic energy</a:t>
-              </a:r>
-            </a:p>
-          </p:txBody>
-        </p:sp>
-        <p:sp>
-          <p:nvSpPr>
-            <p:cNvPr id="14" name="TextBox 13">
-              <a:extLst>
-                <a:ext uri="{FF2B5EF4-FFF2-40B4-BE49-F238E27FC236}">
-                  <a16:creationId xmlns:a16="http://schemas.microsoft.com/office/drawing/2014/main" id="{FED98DCF-C4E3-C33C-4883-B6E0EB897675}"/>
-                </a:ext>
-              </a:extLst>
-            </p:cNvPr>
-            <p:cNvSpPr txBox="1"/>
-            <p:nvPr/>
-          </p:nvSpPr>
-          <p:spPr>
-            <a:xfrm>
-              <a:off x="8087477" y="2977554"/>
-              <a:ext cx="3474003" cy="400110"/>
-            </a:xfrm>
-            <a:prstGeom prst="rect">
-              <a:avLst/>
-            </a:prstGeom>
-            <a:noFill/>
-          </p:spPr>
-          <p:txBody>
-            <a:bodyPr wrap="square" rtlCol="0">
-              <a:spAutoFit/>
-            </a:bodyPr>
-            <a:lstStyle/>
-            <a:p>
-              <a:r>
-                <a:rPr lang="en-US" sz="2000" dirty="0"/>
-                <a:t>Flory-Huggins (Hydrophobicity)</a:t>
-              </a:r>
-            </a:p>
-          </p:txBody>
-        </p:sp>
-        <p:sp>
-          <p:nvSpPr>
-            <p:cNvPr id="15" name="TextBox 14">
-              <a:extLst>
-                <a:ext uri="{FF2B5EF4-FFF2-40B4-BE49-F238E27FC236}">
-                  <a16:creationId xmlns:a16="http://schemas.microsoft.com/office/drawing/2014/main" id="{A78D30D6-61CE-18CA-95B3-430192831C83}"/>
-                </a:ext>
-              </a:extLst>
-            </p:cNvPr>
-            <p:cNvSpPr txBox="1"/>
-            <p:nvPr/>
-          </p:nvSpPr>
-          <p:spPr>
-            <a:xfrm>
-              <a:off x="8087476" y="3722255"/>
-              <a:ext cx="2860553" cy="401231"/>
-            </a:xfrm>
-            <a:prstGeom prst="rect">
-              <a:avLst/>
-            </a:prstGeom>
-            <a:noFill/>
-          </p:spPr>
-          <p:txBody>
-            <a:bodyPr wrap="square" rtlCol="0">
-              <a:spAutoFit/>
-            </a:bodyPr>
-            <a:lstStyle/>
-            <a:p>
-              <a:r>
-                <a:rPr lang="en-US" sz="2000" dirty="0"/>
-                <a:t>Electrostatics</a:t>
-              </a:r>
-            </a:p>
-          </p:txBody>
-        </p:sp>
-        <p:pic>
-          <p:nvPicPr>
-            <p:cNvPr id="7" name="Picture 6">
-              <a:extLst>
-                <a:ext uri="{FF2B5EF4-FFF2-40B4-BE49-F238E27FC236}">
-                  <a16:creationId xmlns:a16="http://schemas.microsoft.com/office/drawing/2014/main" id="{8D3EAA72-2B56-ADC4-FF8F-CDC1EF005E9A}"/>
-                </a:ext>
-              </a:extLst>
-            </p:cNvPr>
-            <p:cNvPicPr>
-              <a:picLocks noChangeAspect="1"/>
-            </p:cNvPicPr>
-            <p:nvPr/>
-          </p:nvPicPr>
-          <p:blipFill>
-            <a:blip r:embed="rId2"/>
-            <a:stretch>
-              <a:fillRect/>
-            </a:stretch>
-          </p:blipFill>
-          <p:spPr>
-            <a:xfrm>
-              <a:off x="1855914" y="2173976"/>
-              <a:ext cx="5495760" cy="2001919"/>
-            </a:xfrm>
-            <a:prstGeom prst="rect">
-              <a:avLst/>
-            </a:prstGeom>
-          </p:spPr>
-        </p:pic>
-      </p:grpSp>
-    </p:spTree>
-    <p:extLst>
-      <p:ext uri="{BB962C8B-B14F-4D97-AF65-F5344CB8AC3E}">
-        <p14:creationId xmlns:p14="http://schemas.microsoft.com/office/powerpoint/2010/main" val="3803156305"/>
-      </p:ext>
-    </p:extLst>
-  </p:cSld>
-  <p:clrMapOvr>
-    <a:masterClrMapping/>
-  </p:clrMapOvr>
-</p:sld>
-</file>
-
 <file path=ppt/slides/slide2.xml><?xml version="1.0" encoding="utf-8"?>
 <p:sld xmlns:a="http://schemas.openxmlformats.org/drawingml/2006/main" xmlns:r="http://schemas.openxmlformats.org/officeDocument/2006/relationships" xmlns:p="http://schemas.openxmlformats.org/presentationml/2006/main">
   <p:cSld>

--- a/20240722 NAF Intro.pptx
+++ b/20240722 NAF Intro.pptx
@@ -2421,8 +2421,8 @@
         </p:nvSpPr>
         <p:spPr>
           <a:xfrm>
-            <a:off x="1638300" y="1041400"/>
-            <a:ext cx="8915400" cy="2387600"/>
+            <a:off x="857250" y="1110722"/>
+            <a:ext cx="10010775" cy="2387600"/>
           </a:xfrm>
         </p:spPr>
         <p:txBody>
@@ -2431,15 +2431,7 @@
           <a:p>
             <a:r>
               <a:rPr lang="en-US" dirty="0"/>
-              <a:t>Polymer SCFT for Studying the </a:t>
-            </a:r>
-            <a:r>
-              <a:rPr lang="en-US" dirty="0" err="1"/>
-              <a:t>Nafion</a:t>
-            </a:r>
-            <a:r>
-              <a:rPr lang="en-US" dirty="0"/>
-              <a:t>—Pt interface</a:t>
+              <a:t>Polymer SCFT for Studying Ionomer Morphology in PEMFCs</a:t>
             </a:r>
           </a:p>
         </p:txBody>

--- a/20240722 NAF Intro.pptx
+++ b/20240722 NAF Intro.pptx
@@ -5,7 +5,7 @@
     <p:sldMasterId id="2147483648" r:id="rId1"/>
   </p:sldMasterIdLst>
   <p:notesMasterIdLst>
-    <p:notesMasterId r:id="rId16"/>
+    <p:notesMasterId r:id="rId22"/>
   </p:notesMasterIdLst>
   <p:sldIdLst>
     <p:sldId id="256" r:id="rId2"/>
@@ -22,6 +22,12 @@
     <p:sldId id="272" r:id="rId13"/>
     <p:sldId id="257" r:id="rId14"/>
     <p:sldId id="273" r:id="rId15"/>
+    <p:sldId id="278" r:id="rId16"/>
+    <p:sldId id="276" r:id="rId17"/>
+    <p:sldId id="277" r:id="rId18"/>
+    <p:sldId id="279" r:id="rId19"/>
+    <p:sldId id="280" r:id="rId20"/>
+    <p:sldId id="281" r:id="rId21"/>
   </p:sldIdLst>
   <p:sldSz cx="12192000" cy="6858000"/>
   <p:notesSz cx="6858000" cy="9144000"/>
@@ -475,6 +481,90 @@
     </a:lvl9pPr>
   </p:notesStyle>
 </p:notesMaster>
+</file>
+
+<file path=ppt/notesSlides/notesSlide1.xml><?xml version="1.0" encoding="utf-8"?>
+<p:notes xmlns:a="http://schemas.openxmlformats.org/drawingml/2006/main" xmlns:r="http://schemas.openxmlformats.org/officeDocument/2006/relationships" xmlns:p="http://schemas.openxmlformats.org/presentationml/2006/main">
+  <p:cSld>
+    <p:spTree>
+      <p:nvGrpSpPr>
+        <p:cNvPr id="1" name=""/>
+        <p:cNvGrpSpPr/>
+        <p:nvPr/>
+      </p:nvGrpSpPr>
+      <p:grpSpPr>
+        <a:xfrm>
+          <a:off x="0" y="0"/>
+          <a:ext cx="0" cy="0"/>
+          <a:chOff x="0" y="0"/>
+          <a:chExt cx="0" cy="0"/>
+        </a:xfrm>
+      </p:grpSpPr>
+      <p:sp>
+        <p:nvSpPr>
+          <p:cNvPr id="2" name="Slide Image Placeholder 1"/>
+          <p:cNvSpPr>
+            <a:spLocks noGrp="1" noRot="1" noChangeAspect="1"/>
+          </p:cNvSpPr>
+          <p:nvPr>
+            <p:ph type="sldImg"/>
+          </p:nvPr>
+        </p:nvSpPr>
+        <p:spPr/>
+      </p:sp>
+      <p:sp>
+        <p:nvSpPr>
+          <p:cNvPr id="3" name="Notes Placeholder 2"/>
+          <p:cNvSpPr>
+            <a:spLocks noGrp="1"/>
+          </p:cNvSpPr>
+          <p:nvPr>
+            <p:ph type="body" idx="1"/>
+          </p:nvPr>
+        </p:nvSpPr>
+        <p:spPr/>
+        <p:txBody>
+          <a:bodyPr/>
+          <a:lstStyle/>
+          <a:p>
+            <a:endParaRPr lang="en-US"/>
+          </a:p>
+        </p:txBody>
+      </p:sp>
+      <p:sp>
+        <p:nvSpPr>
+          <p:cNvPr id="4" name="Slide Number Placeholder 3"/>
+          <p:cNvSpPr>
+            <a:spLocks noGrp="1"/>
+          </p:cNvSpPr>
+          <p:nvPr>
+            <p:ph type="sldNum" sz="quarter" idx="5"/>
+          </p:nvPr>
+        </p:nvSpPr>
+        <p:spPr/>
+        <p:txBody>
+          <a:bodyPr/>
+          <a:lstStyle/>
+          <a:p>
+            <a:fld id="{24C596C9-87D6-4397-8274-514E510AA383}" type="slidenum">
+              <a:rPr lang="en-US" smtClean="0"/>
+              <a:t>1</a:t>
+            </a:fld>
+            <a:endParaRPr lang="en-US"/>
+          </a:p>
+        </p:txBody>
+      </p:sp>
+    </p:spTree>
+    <p:extLst>
+      <p:ext uri="{BB962C8B-B14F-4D97-AF65-F5344CB8AC3E}">
+        <p14:creationId xmlns:p14="http://schemas.microsoft.com/office/powerpoint/2010/main" val="2105555136"/>
+      </p:ext>
+    </p:extLst>
+  </p:cSld>
+  <p:clrMapOvr>
+    <a:masterClrMapping/>
+  </p:clrMapOvr>
+</p:notes>
 </file>
 
 <file path=ppt/slideLayouts/slideLayout1.xml><?xml version="1.0" encoding="utf-8"?>
@@ -11204,6 +11294,974 @@
 </p:sld>
 </file>
 
+<file path=ppt/slides/slide15.xml><?xml version="1.0" encoding="utf-8"?>
+<p:sld xmlns:a="http://schemas.openxmlformats.org/drawingml/2006/main" xmlns:r="http://schemas.openxmlformats.org/officeDocument/2006/relationships" xmlns:p="http://schemas.openxmlformats.org/presentationml/2006/main">
+  <p:cSld>
+    <p:spTree>
+      <p:nvGrpSpPr>
+        <p:cNvPr id="1" name=""/>
+        <p:cNvGrpSpPr/>
+        <p:nvPr/>
+      </p:nvGrpSpPr>
+      <p:grpSpPr>
+        <a:xfrm>
+          <a:off x="0" y="0"/>
+          <a:ext cx="0" cy="0"/>
+          <a:chOff x="0" y="0"/>
+          <a:chExt cx="0" cy="0"/>
+        </a:xfrm>
+      </p:grpSpPr>
+      <p:sp>
+        <p:nvSpPr>
+          <p:cNvPr id="2" name="Title 1">
+            <a:extLst>
+              <a:ext uri="{FF2B5EF4-FFF2-40B4-BE49-F238E27FC236}">
+                <a16:creationId xmlns:a16="http://schemas.microsoft.com/office/drawing/2014/main" id="{D8E06536-92E2-10B7-0504-236FF7062B98}"/>
+              </a:ext>
+            </a:extLst>
+          </p:cNvPr>
+          <p:cNvSpPr>
+            <a:spLocks noGrp="1"/>
+          </p:cNvSpPr>
+          <p:nvPr>
+            <p:ph type="title"/>
+          </p:nvPr>
+        </p:nvSpPr>
+        <p:spPr/>
+        <p:txBody>
+          <a:bodyPr/>
+          <a:lstStyle/>
+          <a:p>
+            <a:r>
+              <a:rPr lang="en-US" dirty="0"/>
+              <a:t>Previous Work</a:t>
+            </a:r>
+          </a:p>
+        </p:txBody>
+      </p:sp>
+      <p:sp>
+        <p:nvSpPr>
+          <p:cNvPr id="3" name="Text Placeholder 2">
+            <a:extLst>
+              <a:ext uri="{FF2B5EF4-FFF2-40B4-BE49-F238E27FC236}">
+                <a16:creationId xmlns:a16="http://schemas.microsoft.com/office/drawing/2014/main" id="{51118832-7DFD-4C8D-5D8E-CFC81537F511}"/>
+              </a:ext>
+            </a:extLst>
+          </p:cNvPr>
+          <p:cNvSpPr>
+            <a:spLocks noGrp="1"/>
+          </p:cNvSpPr>
+          <p:nvPr>
+            <p:ph type="body" idx="1"/>
+          </p:nvPr>
+        </p:nvSpPr>
+        <p:spPr/>
+        <p:txBody>
+          <a:bodyPr/>
+          <a:lstStyle/>
+          <a:p>
+            <a:endParaRPr lang="en-US"/>
+          </a:p>
+        </p:txBody>
+      </p:sp>
+      <p:sp>
+        <p:nvSpPr>
+          <p:cNvPr id="4" name="Slide Number Placeholder 3">
+            <a:extLst>
+              <a:ext uri="{FF2B5EF4-FFF2-40B4-BE49-F238E27FC236}">
+                <a16:creationId xmlns:a16="http://schemas.microsoft.com/office/drawing/2014/main" id="{0DAC20EB-BFE9-45C7-5D69-1CD5E2CFE707}"/>
+              </a:ext>
+            </a:extLst>
+          </p:cNvPr>
+          <p:cNvSpPr>
+            <a:spLocks noGrp="1"/>
+          </p:cNvSpPr>
+          <p:nvPr>
+            <p:ph type="sldNum" sz="quarter" idx="12"/>
+          </p:nvPr>
+        </p:nvSpPr>
+        <p:spPr/>
+        <p:txBody>
+          <a:bodyPr/>
+          <a:lstStyle/>
+          <a:p>
+            <a:fld id="{5911C0E6-D9CE-431C-92CB-BB39B872F930}" type="slidenum">
+              <a:rPr lang="en-US" smtClean="0"/>
+              <a:pPr/>
+              <a:t>15</a:t>
+            </a:fld>
+            <a:endParaRPr lang="en-US" dirty="0"/>
+          </a:p>
+        </p:txBody>
+      </p:sp>
+    </p:spTree>
+    <p:extLst>
+      <p:ext uri="{BB962C8B-B14F-4D97-AF65-F5344CB8AC3E}">
+        <p14:creationId xmlns:p14="http://schemas.microsoft.com/office/powerpoint/2010/main" val="3075425519"/>
+      </p:ext>
+    </p:extLst>
+  </p:cSld>
+  <p:clrMapOvr>
+    <a:masterClrMapping/>
+  </p:clrMapOvr>
+</p:sld>
+</file>
+
+<file path=ppt/slides/slide16.xml><?xml version="1.0" encoding="utf-8"?>
+<p:sld xmlns:a="http://schemas.openxmlformats.org/drawingml/2006/main" xmlns:r="http://schemas.openxmlformats.org/officeDocument/2006/relationships" xmlns:p="http://schemas.openxmlformats.org/presentationml/2006/main">
+  <p:cSld>
+    <p:spTree>
+      <p:nvGrpSpPr>
+        <p:cNvPr id="1" name=""/>
+        <p:cNvGrpSpPr/>
+        <p:nvPr/>
+      </p:nvGrpSpPr>
+      <p:grpSpPr>
+        <a:xfrm>
+          <a:off x="0" y="0"/>
+          <a:ext cx="0" cy="0"/>
+          <a:chOff x="0" y="0"/>
+          <a:chExt cx="0" cy="0"/>
+        </a:xfrm>
+      </p:grpSpPr>
+      <p:sp>
+        <p:nvSpPr>
+          <p:cNvPr id="2" name="Title 1">
+            <a:extLst>
+              <a:ext uri="{FF2B5EF4-FFF2-40B4-BE49-F238E27FC236}">
+                <a16:creationId xmlns:a16="http://schemas.microsoft.com/office/drawing/2014/main" id="{DA654D58-F5A0-B47B-D019-68B30031E98A}"/>
+              </a:ext>
+            </a:extLst>
+          </p:cNvPr>
+          <p:cNvSpPr>
+            <a:spLocks noGrp="1"/>
+          </p:cNvSpPr>
+          <p:nvPr>
+            <p:ph type="title"/>
+          </p:nvPr>
+        </p:nvSpPr>
+        <p:spPr>
+          <a:xfrm>
+            <a:off x="0" y="136525"/>
+            <a:ext cx="11639550" cy="800128"/>
+          </a:xfrm>
+        </p:spPr>
+        <p:txBody>
+          <a:bodyPr/>
+          <a:lstStyle/>
+          <a:p>
+            <a:r>
+              <a:rPr lang="en-US" dirty="0"/>
+              <a:t>Stimuli-sensitive, protein-derived brushes (1)</a:t>
+            </a:r>
+          </a:p>
+        </p:txBody>
+      </p:sp>
+      <p:sp>
+        <p:nvSpPr>
+          <p:cNvPr id="3" name="Slide Number Placeholder 2">
+            <a:extLst>
+              <a:ext uri="{FF2B5EF4-FFF2-40B4-BE49-F238E27FC236}">
+                <a16:creationId xmlns:a16="http://schemas.microsoft.com/office/drawing/2014/main" id="{7990CF19-04ED-67A9-76EE-1B031F516349}"/>
+              </a:ext>
+            </a:extLst>
+          </p:cNvPr>
+          <p:cNvSpPr>
+            <a:spLocks noGrp="1"/>
+          </p:cNvSpPr>
+          <p:nvPr>
+            <p:ph type="sldNum" sz="quarter" idx="12"/>
+          </p:nvPr>
+        </p:nvSpPr>
+        <p:spPr/>
+        <p:txBody>
+          <a:bodyPr/>
+          <a:lstStyle/>
+          <a:p>
+            <a:fld id="{5911C0E6-D9CE-431C-92CB-BB39B872F930}" type="slidenum">
+              <a:rPr lang="en-US" smtClean="0"/>
+              <a:t>16</a:t>
+            </a:fld>
+            <a:endParaRPr lang="en-US"/>
+          </a:p>
+        </p:txBody>
+      </p:sp>
+      <p:pic>
+        <p:nvPicPr>
+          <p:cNvPr id="5" name="Picture 4">
+            <a:extLst>
+              <a:ext uri="{FF2B5EF4-FFF2-40B4-BE49-F238E27FC236}">
+                <a16:creationId xmlns:a16="http://schemas.microsoft.com/office/drawing/2014/main" id="{229B5B66-41F2-28A7-C3FA-CF8E31F89DEF}"/>
+              </a:ext>
+            </a:extLst>
+          </p:cNvPr>
+          <p:cNvPicPr>
+            <a:picLocks noChangeAspect="1"/>
+          </p:cNvPicPr>
+          <p:nvPr/>
+        </p:nvPicPr>
+        <p:blipFill>
+          <a:blip r:embed="rId2"/>
+          <a:stretch>
+            <a:fillRect/>
+          </a:stretch>
+        </p:blipFill>
+        <p:spPr>
+          <a:xfrm>
+            <a:off x="3170355" y="1352550"/>
+            <a:ext cx="6003691" cy="2151925"/>
+          </a:xfrm>
+          <a:prstGeom prst="rect">
+            <a:avLst/>
+          </a:prstGeom>
+        </p:spPr>
+      </p:pic>
+      <p:pic>
+        <p:nvPicPr>
+          <p:cNvPr id="7" name="Picture 6">
+            <a:extLst>
+              <a:ext uri="{FF2B5EF4-FFF2-40B4-BE49-F238E27FC236}">
+                <a16:creationId xmlns:a16="http://schemas.microsoft.com/office/drawing/2014/main" id="{99382DB7-9BDD-D3B5-B503-6427B49BD8CE}"/>
+              </a:ext>
+            </a:extLst>
+          </p:cNvPr>
+          <p:cNvPicPr>
+            <a:picLocks noChangeAspect="1"/>
+          </p:cNvPicPr>
+          <p:nvPr/>
+        </p:nvPicPr>
+        <p:blipFill>
+          <a:blip r:embed="rId3"/>
+          <a:stretch>
+            <a:fillRect/>
+          </a:stretch>
+        </p:blipFill>
+        <p:spPr>
+          <a:xfrm>
+            <a:off x="2733676" y="4009859"/>
+            <a:ext cx="3168265" cy="2529053"/>
+          </a:xfrm>
+          <a:prstGeom prst="rect">
+            <a:avLst/>
+          </a:prstGeom>
+        </p:spPr>
+      </p:pic>
+      <p:pic>
+        <p:nvPicPr>
+          <p:cNvPr id="11" name="Picture 10">
+            <a:extLst>
+              <a:ext uri="{FF2B5EF4-FFF2-40B4-BE49-F238E27FC236}">
+                <a16:creationId xmlns:a16="http://schemas.microsoft.com/office/drawing/2014/main" id="{7E90A480-93C0-C75F-DEAC-0843D4E7F16D}"/>
+              </a:ext>
+            </a:extLst>
+          </p:cNvPr>
+          <p:cNvPicPr>
+            <a:picLocks noChangeAspect="1"/>
+          </p:cNvPicPr>
+          <p:nvPr/>
+        </p:nvPicPr>
+        <p:blipFill>
+          <a:blip r:embed="rId4"/>
+          <a:stretch>
+            <a:fillRect/>
+          </a:stretch>
+        </p:blipFill>
+        <p:spPr>
+          <a:xfrm>
+            <a:off x="6172201" y="4103438"/>
+            <a:ext cx="3168265" cy="2406899"/>
+          </a:xfrm>
+          <a:prstGeom prst="rect">
+            <a:avLst/>
+          </a:prstGeom>
+        </p:spPr>
+      </p:pic>
+      <p:sp>
+        <p:nvSpPr>
+          <p:cNvPr id="13" name="TextBox 12">
+            <a:extLst>
+              <a:ext uri="{FF2B5EF4-FFF2-40B4-BE49-F238E27FC236}">
+                <a16:creationId xmlns:a16="http://schemas.microsoft.com/office/drawing/2014/main" id="{DFA9FBFA-CA54-0E9C-0BDA-5B745F8DF130}"/>
+              </a:ext>
+            </a:extLst>
+          </p:cNvPr>
+          <p:cNvSpPr txBox="1"/>
+          <p:nvPr/>
+        </p:nvSpPr>
+        <p:spPr>
+          <a:xfrm>
+            <a:off x="0" y="6553199"/>
+            <a:ext cx="6591301" cy="246221"/>
+          </a:xfrm>
+          <a:prstGeom prst="rect">
+            <a:avLst/>
+          </a:prstGeom>
+          <a:noFill/>
+        </p:spPr>
+        <p:txBody>
+          <a:bodyPr wrap="square" rtlCol="0">
+            <a:spAutoFit/>
+          </a:bodyPr>
+          <a:lstStyle/>
+          <a:p>
+            <a:pPr algn="l"/>
+            <a:r>
+              <a:rPr lang="en-US" sz="1000" dirty="0">
+                <a:latin typeface="Lucida grande" panose="020B0502040204020203"/>
+              </a:rPr>
+              <a:t>Yokokura, Duan, Ding, Kumar, Wang. </a:t>
+            </a:r>
+            <a:r>
+              <a:rPr lang="en-US" sz="1000" i="1" dirty="0">
+                <a:latin typeface="Lucida grande" panose="020B0502040204020203"/>
+              </a:rPr>
+              <a:t>Biomacromolecules</a:t>
+            </a:r>
+            <a:r>
+              <a:rPr lang="en-US" sz="1000" dirty="0">
+                <a:latin typeface="Lucida grande" panose="020B0502040204020203"/>
+              </a:rPr>
+              <a:t> 2024, 25, 328−337</a:t>
+            </a:r>
+          </a:p>
+        </p:txBody>
+      </p:sp>
+    </p:spTree>
+    <p:extLst>
+      <p:ext uri="{BB962C8B-B14F-4D97-AF65-F5344CB8AC3E}">
+        <p14:creationId xmlns:p14="http://schemas.microsoft.com/office/powerpoint/2010/main" val="4270777739"/>
+      </p:ext>
+    </p:extLst>
+  </p:cSld>
+  <p:clrMapOvr>
+    <a:masterClrMapping/>
+  </p:clrMapOvr>
+</p:sld>
+</file>
+
+<file path=ppt/slides/slide17.xml><?xml version="1.0" encoding="utf-8"?>
+<p:sld xmlns:a="http://schemas.openxmlformats.org/drawingml/2006/main" xmlns:r="http://schemas.openxmlformats.org/officeDocument/2006/relationships" xmlns:p="http://schemas.openxmlformats.org/presentationml/2006/main">
+  <p:cSld>
+    <p:spTree>
+      <p:nvGrpSpPr>
+        <p:cNvPr id="1" name=""/>
+        <p:cNvGrpSpPr/>
+        <p:nvPr/>
+      </p:nvGrpSpPr>
+      <p:grpSpPr>
+        <a:xfrm>
+          <a:off x="0" y="0"/>
+          <a:ext cx="0" cy="0"/>
+          <a:chOff x="0" y="0"/>
+          <a:chExt cx="0" cy="0"/>
+        </a:xfrm>
+      </p:grpSpPr>
+      <p:sp>
+        <p:nvSpPr>
+          <p:cNvPr id="2" name="Title 1">
+            <a:extLst>
+              <a:ext uri="{FF2B5EF4-FFF2-40B4-BE49-F238E27FC236}">
+                <a16:creationId xmlns:a16="http://schemas.microsoft.com/office/drawing/2014/main" id="{6FB5CEEF-CFF9-8BC1-5B97-30D4EF3C620A}"/>
+              </a:ext>
+            </a:extLst>
+          </p:cNvPr>
+          <p:cNvSpPr>
+            <a:spLocks noGrp="1"/>
+          </p:cNvSpPr>
+          <p:nvPr>
+            <p:ph type="title"/>
+          </p:nvPr>
+        </p:nvSpPr>
+        <p:spPr>
+          <a:xfrm>
+            <a:off x="-1" y="136525"/>
+            <a:ext cx="11820525" cy="800128"/>
+          </a:xfrm>
+        </p:spPr>
+        <p:txBody>
+          <a:bodyPr>
+            <a:normAutofit/>
+          </a:bodyPr>
+          <a:lstStyle/>
+          <a:p>
+            <a:r>
+              <a:rPr lang="en-US" dirty="0"/>
+              <a:t>Stimuli-sensitive, protein-derived brushes (2)</a:t>
+            </a:r>
+          </a:p>
+        </p:txBody>
+      </p:sp>
+      <p:sp>
+        <p:nvSpPr>
+          <p:cNvPr id="3" name="Slide Number Placeholder 2">
+            <a:extLst>
+              <a:ext uri="{FF2B5EF4-FFF2-40B4-BE49-F238E27FC236}">
+                <a16:creationId xmlns:a16="http://schemas.microsoft.com/office/drawing/2014/main" id="{617399B3-95B9-F988-4FBF-C71E044DB1ED}"/>
+              </a:ext>
+            </a:extLst>
+          </p:cNvPr>
+          <p:cNvSpPr>
+            <a:spLocks noGrp="1"/>
+          </p:cNvSpPr>
+          <p:nvPr>
+            <p:ph type="sldNum" sz="quarter" idx="12"/>
+          </p:nvPr>
+        </p:nvSpPr>
+        <p:spPr/>
+        <p:txBody>
+          <a:bodyPr/>
+          <a:lstStyle/>
+          <a:p>
+            <a:fld id="{5911C0E6-D9CE-431C-92CB-BB39B872F930}" type="slidenum">
+              <a:rPr lang="en-US" smtClean="0"/>
+              <a:t>17</a:t>
+            </a:fld>
+            <a:endParaRPr lang="en-US"/>
+          </a:p>
+        </p:txBody>
+      </p:sp>
+      <p:pic>
+        <p:nvPicPr>
+          <p:cNvPr id="5" name="Picture 4">
+            <a:extLst>
+              <a:ext uri="{FF2B5EF4-FFF2-40B4-BE49-F238E27FC236}">
+                <a16:creationId xmlns:a16="http://schemas.microsoft.com/office/drawing/2014/main" id="{84ADE22B-4AB4-18AD-56C1-15F16679F08A}"/>
+              </a:ext>
+            </a:extLst>
+          </p:cNvPr>
+          <p:cNvPicPr>
+            <a:picLocks noChangeAspect="1"/>
+          </p:cNvPicPr>
+          <p:nvPr/>
+        </p:nvPicPr>
+        <p:blipFill>
+          <a:blip r:embed="rId2"/>
+          <a:stretch>
+            <a:fillRect/>
+          </a:stretch>
+        </p:blipFill>
+        <p:spPr>
+          <a:xfrm>
+            <a:off x="2571258" y="2090550"/>
+            <a:ext cx="7049484" cy="2676899"/>
+          </a:xfrm>
+          <a:prstGeom prst="rect">
+            <a:avLst/>
+          </a:prstGeom>
+        </p:spPr>
+      </p:pic>
+      <p:sp>
+        <p:nvSpPr>
+          <p:cNvPr id="8" name="TextBox 7">
+            <a:extLst>
+              <a:ext uri="{FF2B5EF4-FFF2-40B4-BE49-F238E27FC236}">
+                <a16:creationId xmlns:a16="http://schemas.microsoft.com/office/drawing/2014/main" id="{D921E799-C7C2-381B-7101-F89D1A933032}"/>
+              </a:ext>
+            </a:extLst>
+          </p:cNvPr>
+          <p:cNvSpPr txBox="1"/>
+          <p:nvPr/>
+        </p:nvSpPr>
+        <p:spPr>
+          <a:xfrm>
+            <a:off x="0" y="6553199"/>
+            <a:ext cx="6591301" cy="246221"/>
+          </a:xfrm>
+          <a:prstGeom prst="rect">
+            <a:avLst/>
+          </a:prstGeom>
+          <a:noFill/>
+        </p:spPr>
+        <p:txBody>
+          <a:bodyPr wrap="square" rtlCol="0">
+            <a:spAutoFit/>
+          </a:bodyPr>
+          <a:lstStyle/>
+          <a:p>
+            <a:pPr algn="l"/>
+            <a:r>
+              <a:rPr lang="en-US" sz="1000" dirty="0">
+                <a:latin typeface="Lucida grande" panose="020B0502040204020203"/>
+              </a:rPr>
+              <a:t>Yokokura, Duan, Ding, Kumar, Wang. </a:t>
+            </a:r>
+            <a:r>
+              <a:rPr lang="en-US" sz="1000" i="1" dirty="0">
+                <a:latin typeface="Lucida grande" panose="020B0502040204020203"/>
+              </a:rPr>
+              <a:t>Biomacromolecules</a:t>
+            </a:r>
+            <a:r>
+              <a:rPr lang="en-US" sz="1000" dirty="0">
+                <a:latin typeface="Lucida grande" panose="020B0502040204020203"/>
+              </a:rPr>
+              <a:t> 2024, 25, 328−337</a:t>
+            </a:r>
+          </a:p>
+        </p:txBody>
+      </p:sp>
+    </p:spTree>
+    <p:extLst>
+      <p:ext uri="{BB962C8B-B14F-4D97-AF65-F5344CB8AC3E}">
+        <p14:creationId xmlns:p14="http://schemas.microsoft.com/office/powerpoint/2010/main" val="3152477103"/>
+      </p:ext>
+    </p:extLst>
+  </p:cSld>
+  <p:clrMapOvr>
+    <a:masterClrMapping/>
+  </p:clrMapOvr>
+</p:sld>
+</file>
+
+<file path=ppt/slides/slide18.xml><?xml version="1.0" encoding="utf-8"?>
+<p:sld xmlns:a="http://schemas.openxmlformats.org/drawingml/2006/main" xmlns:r="http://schemas.openxmlformats.org/officeDocument/2006/relationships" xmlns:p="http://schemas.openxmlformats.org/presentationml/2006/main">
+  <p:cSld>
+    <p:spTree>
+      <p:nvGrpSpPr>
+        <p:cNvPr id="1" name=""/>
+        <p:cNvGrpSpPr/>
+        <p:nvPr/>
+      </p:nvGrpSpPr>
+      <p:grpSpPr>
+        <a:xfrm>
+          <a:off x="0" y="0"/>
+          <a:ext cx="0" cy="0"/>
+          <a:chOff x="0" y="0"/>
+          <a:chExt cx="0" cy="0"/>
+        </a:xfrm>
+      </p:grpSpPr>
+      <p:sp>
+        <p:nvSpPr>
+          <p:cNvPr id="2" name="Title 1">
+            <a:extLst>
+              <a:ext uri="{FF2B5EF4-FFF2-40B4-BE49-F238E27FC236}">
+                <a16:creationId xmlns:a16="http://schemas.microsoft.com/office/drawing/2014/main" id="{94DAB7D3-5678-F48A-D447-54BF5905E18C}"/>
+              </a:ext>
+            </a:extLst>
+          </p:cNvPr>
+          <p:cNvSpPr>
+            <a:spLocks noGrp="1"/>
+          </p:cNvSpPr>
+          <p:nvPr>
+            <p:ph type="title"/>
+          </p:nvPr>
+        </p:nvSpPr>
+        <p:spPr>
+          <a:xfrm>
+            <a:off x="0" y="136525"/>
+            <a:ext cx="12192000" cy="800128"/>
+          </a:xfrm>
+        </p:spPr>
+        <p:txBody>
+          <a:bodyPr>
+            <a:noAutofit/>
+          </a:bodyPr>
+          <a:lstStyle/>
+          <a:p>
+            <a:r>
+              <a:rPr lang="en-US" sz="3600" dirty="0"/>
+              <a:t>Sequence—Structure Relationship in Neurofilaments (1)</a:t>
+            </a:r>
+          </a:p>
+        </p:txBody>
+      </p:sp>
+      <p:sp>
+        <p:nvSpPr>
+          <p:cNvPr id="3" name="Slide Number Placeholder 2">
+            <a:extLst>
+              <a:ext uri="{FF2B5EF4-FFF2-40B4-BE49-F238E27FC236}">
+                <a16:creationId xmlns:a16="http://schemas.microsoft.com/office/drawing/2014/main" id="{E41E9F78-1C36-E7F4-D2EE-DCF5B95C14AF}"/>
+              </a:ext>
+            </a:extLst>
+          </p:cNvPr>
+          <p:cNvSpPr>
+            <a:spLocks noGrp="1"/>
+          </p:cNvSpPr>
+          <p:nvPr>
+            <p:ph type="sldNum" sz="quarter" idx="12"/>
+          </p:nvPr>
+        </p:nvSpPr>
+        <p:spPr/>
+        <p:txBody>
+          <a:bodyPr/>
+          <a:lstStyle/>
+          <a:p>
+            <a:fld id="{5911C0E6-D9CE-431C-92CB-BB39B872F930}" type="slidenum">
+              <a:rPr lang="en-US" smtClean="0"/>
+              <a:t>18</a:t>
+            </a:fld>
+            <a:endParaRPr lang="en-US"/>
+          </a:p>
+        </p:txBody>
+      </p:sp>
+      <p:pic>
+        <p:nvPicPr>
+          <p:cNvPr id="7" name="Picture 6">
+            <a:extLst>
+              <a:ext uri="{FF2B5EF4-FFF2-40B4-BE49-F238E27FC236}">
+                <a16:creationId xmlns:a16="http://schemas.microsoft.com/office/drawing/2014/main" id="{048C97FF-A63C-6C18-4A2D-2BFA86C678A8}"/>
+              </a:ext>
+            </a:extLst>
+          </p:cNvPr>
+          <p:cNvPicPr>
+            <a:picLocks noChangeAspect="1"/>
+          </p:cNvPicPr>
+          <p:nvPr/>
+        </p:nvPicPr>
+        <p:blipFill>
+          <a:blip r:embed="rId2"/>
+          <a:stretch>
+            <a:fillRect/>
+          </a:stretch>
+        </p:blipFill>
+        <p:spPr>
+          <a:xfrm>
+            <a:off x="1507724" y="1120789"/>
+            <a:ext cx="2401939" cy="5235561"/>
+          </a:xfrm>
+          <a:prstGeom prst="rect">
+            <a:avLst/>
+          </a:prstGeom>
+        </p:spPr>
+      </p:pic>
+      <p:pic>
+        <p:nvPicPr>
+          <p:cNvPr id="9" name="Picture 8">
+            <a:extLst>
+              <a:ext uri="{FF2B5EF4-FFF2-40B4-BE49-F238E27FC236}">
+                <a16:creationId xmlns:a16="http://schemas.microsoft.com/office/drawing/2014/main" id="{A9AD0B74-0462-56AF-1C64-A124C4CE697F}"/>
+              </a:ext>
+            </a:extLst>
+          </p:cNvPr>
+          <p:cNvPicPr>
+            <a:picLocks noChangeAspect="1"/>
+          </p:cNvPicPr>
+          <p:nvPr/>
+        </p:nvPicPr>
+        <p:blipFill>
+          <a:blip r:embed="rId3"/>
+          <a:stretch>
+            <a:fillRect/>
+          </a:stretch>
+        </p:blipFill>
+        <p:spPr>
+          <a:xfrm>
+            <a:off x="7344408" y="3349927"/>
+            <a:ext cx="3723642" cy="2465503"/>
+          </a:xfrm>
+          <a:prstGeom prst="rect">
+            <a:avLst/>
+          </a:prstGeom>
+        </p:spPr>
+      </p:pic>
+      <p:pic>
+        <p:nvPicPr>
+          <p:cNvPr id="11" name="Picture 10">
+            <a:extLst>
+              <a:ext uri="{FF2B5EF4-FFF2-40B4-BE49-F238E27FC236}">
+                <a16:creationId xmlns:a16="http://schemas.microsoft.com/office/drawing/2014/main" id="{B6D67D62-88CC-D573-2340-7B36E40A52AA}"/>
+              </a:ext>
+            </a:extLst>
+          </p:cNvPr>
+          <p:cNvPicPr>
+            <a:picLocks noChangeAspect="1"/>
+          </p:cNvPicPr>
+          <p:nvPr/>
+        </p:nvPicPr>
+        <p:blipFill>
+          <a:blip r:embed="rId4"/>
+          <a:stretch>
+            <a:fillRect/>
+          </a:stretch>
+        </p:blipFill>
+        <p:spPr>
+          <a:xfrm>
+            <a:off x="6546700" y="1979222"/>
+            <a:ext cx="4985050" cy="1037558"/>
+          </a:xfrm>
+          <a:prstGeom prst="rect">
+            <a:avLst/>
+          </a:prstGeom>
+        </p:spPr>
+      </p:pic>
+      <p:cxnSp>
+        <p:nvCxnSpPr>
+          <p:cNvPr id="13" name="Straight Connector 12">
+            <a:extLst>
+              <a:ext uri="{FF2B5EF4-FFF2-40B4-BE49-F238E27FC236}">
+                <a16:creationId xmlns:a16="http://schemas.microsoft.com/office/drawing/2014/main" id="{3D577EF8-1DFF-A021-1C3F-6A2B13F9A5BC}"/>
+              </a:ext>
+            </a:extLst>
+          </p:cNvPr>
+          <p:cNvCxnSpPr/>
+          <p:nvPr/>
+        </p:nvCxnSpPr>
+        <p:spPr>
+          <a:xfrm>
+            <a:off x="5724525" y="936653"/>
+            <a:ext cx="0" cy="5921347"/>
+          </a:xfrm>
+          <a:prstGeom prst="line">
+            <a:avLst/>
+          </a:prstGeom>
+          <a:ln w="19050">
+            <a:solidFill>
+              <a:schemeClr val="tx1"/>
+            </a:solidFill>
+          </a:ln>
+        </p:spPr>
+        <p:style>
+          <a:lnRef idx="1">
+            <a:schemeClr val="accent1"/>
+          </a:lnRef>
+          <a:fillRef idx="0">
+            <a:schemeClr val="accent1"/>
+          </a:fillRef>
+          <a:effectRef idx="0">
+            <a:schemeClr val="accent1"/>
+          </a:effectRef>
+          <a:fontRef idx="minor">
+            <a:schemeClr val="tx1"/>
+          </a:fontRef>
+        </p:style>
+      </p:cxnSp>
+      <p:sp>
+        <p:nvSpPr>
+          <p:cNvPr id="14" name="TextBox 13">
+            <a:extLst>
+              <a:ext uri="{FF2B5EF4-FFF2-40B4-BE49-F238E27FC236}">
+                <a16:creationId xmlns:a16="http://schemas.microsoft.com/office/drawing/2014/main" id="{4BB27D34-5749-4E37-F28E-35034B447042}"/>
+              </a:ext>
+            </a:extLst>
+          </p:cNvPr>
+          <p:cNvSpPr txBox="1"/>
+          <p:nvPr/>
+        </p:nvSpPr>
+        <p:spPr>
+          <a:xfrm>
+            <a:off x="0" y="6553199"/>
+            <a:ext cx="6591301" cy="246221"/>
+          </a:xfrm>
+          <a:prstGeom prst="rect">
+            <a:avLst/>
+          </a:prstGeom>
+          <a:noFill/>
+        </p:spPr>
+        <p:txBody>
+          <a:bodyPr wrap="square" rtlCol="0">
+            <a:spAutoFit/>
+          </a:bodyPr>
+          <a:lstStyle/>
+          <a:p>
+            <a:pPr algn="l"/>
+            <a:r>
+              <a:rPr lang="en-US" sz="1000" dirty="0">
+                <a:latin typeface="Lucida grande" panose="020B0502040204020203"/>
+              </a:rPr>
+              <a:t>Ding, Yokokura, Wang, Kumar. </a:t>
+            </a:r>
+            <a:r>
+              <a:rPr lang="en-US" sz="1000" i="1" dirty="0">
+                <a:latin typeface="Lucida grande" panose="020B0502040204020203"/>
+              </a:rPr>
+              <a:t>PNAS</a:t>
+            </a:r>
+            <a:r>
+              <a:rPr lang="en-US" sz="1000" dirty="0">
+                <a:latin typeface="Lucida grande" panose="020B0502040204020203"/>
+              </a:rPr>
+              <a:t>. Under review</a:t>
+            </a:r>
+          </a:p>
+        </p:txBody>
+      </p:sp>
+    </p:spTree>
+    <p:extLst>
+      <p:ext uri="{BB962C8B-B14F-4D97-AF65-F5344CB8AC3E}">
+        <p14:creationId xmlns:p14="http://schemas.microsoft.com/office/powerpoint/2010/main" val="2386604260"/>
+      </p:ext>
+    </p:extLst>
+  </p:cSld>
+  <p:clrMapOvr>
+    <a:masterClrMapping/>
+  </p:clrMapOvr>
+</p:sld>
+</file>
+
+<file path=ppt/slides/slide19.xml><?xml version="1.0" encoding="utf-8"?>
+<p:sld xmlns:a="http://schemas.openxmlformats.org/drawingml/2006/main" xmlns:r="http://schemas.openxmlformats.org/officeDocument/2006/relationships" xmlns:p="http://schemas.openxmlformats.org/presentationml/2006/main">
+  <p:cSld>
+    <p:spTree>
+      <p:nvGrpSpPr>
+        <p:cNvPr id="1" name=""/>
+        <p:cNvGrpSpPr/>
+        <p:nvPr/>
+      </p:nvGrpSpPr>
+      <p:grpSpPr>
+        <a:xfrm>
+          <a:off x="0" y="0"/>
+          <a:ext cx="0" cy="0"/>
+          <a:chOff x="0" y="0"/>
+          <a:chExt cx="0" cy="0"/>
+        </a:xfrm>
+      </p:grpSpPr>
+      <p:sp>
+        <p:nvSpPr>
+          <p:cNvPr id="2" name="Title 1">
+            <a:extLst>
+              <a:ext uri="{FF2B5EF4-FFF2-40B4-BE49-F238E27FC236}">
+                <a16:creationId xmlns:a16="http://schemas.microsoft.com/office/drawing/2014/main" id="{94DAB7D3-5678-F48A-D447-54BF5905E18C}"/>
+              </a:ext>
+            </a:extLst>
+          </p:cNvPr>
+          <p:cNvSpPr>
+            <a:spLocks noGrp="1"/>
+          </p:cNvSpPr>
+          <p:nvPr>
+            <p:ph type="title"/>
+          </p:nvPr>
+        </p:nvSpPr>
+        <p:spPr>
+          <a:xfrm>
+            <a:off x="0" y="136525"/>
+            <a:ext cx="12192000" cy="800128"/>
+          </a:xfrm>
+        </p:spPr>
+        <p:txBody>
+          <a:bodyPr>
+            <a:noAutofit/>
+          </a:bodyPr>
+          <a:lstStyle/>
+          <a:p>
+            <a:r>
+              <a:rPr lang="en-US" sz="3600" dirty="0"/>
+              <a:t>Sequence—Structure Relationship in Neurofilaments (2)</a:t>
+            </a:r>
+          </a:p>
+        </p:txBody>
+      </p:sp>
+      <p:sp>
+        <p:nvSpPr>
+          <p:cNvPr id="3" name="Slide Number Placeholder 2">
+            <a:extLst>
+              <a:ext uri="{FF2B5EF4-FFF2-40B4-BE49-F238E27FC236}">
+                <a16:creationId xmlns:a16="http://schemas.microsoft.com/office/drawing/2014/main" id="{E41E9F78-1C36-E7F4-D2EE-DCF5B95C14AF}"/>
+              </a:ext>
+            </a:extLst>
+          </p:cNvPr>
+          <p:cNvSpPr>
+            <a:spLocks noGrp="1"/>
+          </p:cNvSpPr>
+          <p:nvPr>
+            <p:ph type="sldNum" sz="quarter" idx="12"/>
+          </p:nvPr>
+        </p:nvSpPr>
+        <p:spPr/>
+        <p:txBody>
+          <a:bodyPr/>
+          <a:lstStyle/>
+          <a:p>
+            <a:fld id="{5911C0E6-D9CE-431C-92CB-BB39B872F930}" type="slidenum">
+              <a:rPr lang="en-US" smtClean="0"/>
+              <a:t>19</a:t>
+            </a:fld>
+            <a:endParaRPr lang="en-US"/>
+          </a:p>
+        </p:txBody>
+      </p:sp>
+      <p:sp>
+        <p:nvSpPr>
+          <p:cNvPr id="14" name="TextBox 13">
+            <a:extLst>
+              <a:ext uri="{FF2B5EF4-FFF2-40B4-BE49-F238E27FC236}">
+                <a16:creationId xmlns:a16="http://schemas.microsoft.com/office/drawing/2014/main" id="{4BB27D34-5749-4E37-F28E-35034B447042}"/>
+              </a:ext>
+            </a:extLst>
+          </p:cNvPr>
+          <p:cNvSpPr txBox="1"/>
+          <p:nvPr/>
+        </p:nvSpPr>
+        <p:spPr>
+          <a:xfrm>
+            <a:off x="0" y="6553199"/>
+            <a:ext cx="6591301" cy="246221"/>
+          </a:xfrm>
+          <a:prstGeom prst="rect">
+            <a:avLst/>
+          </a:prstGeom>
+          <a:noFill/>
+        </p:spPr>
+        <p:txBody>
+          <a:bodyPr wrap="square" rtlCol="0">
+            <a:spAutoFit/>
+          </a:bodyPr>
+          <a:lstStyle/>
+          <a:p>
+            <a:pPr algn="l"/>
+            <a:r>
+              <a:rPr lang="en-US" sz="1000" dirty="0">
+                <a:latin typeface="Lucida grande" panose="020B0502040204020203"/>
+              </a:rPr>
+              <a:t>Ding, Yokokura, Wang, Kumar. </a:t>
+            </a:r>
+            <a:r>
+              <a:rPr lang="en-US" sz="1000" i="1" dirty="0">
+                <a:latin typeface="Lucida grande" panose="020B0502040204020203"/>
+              </a:rPr>
+              <a:t>PNAS</a:t>
+            </a:r>
+            <a:r>
+              <a:rPr lang="en-US" sz="1000" dirty="0">
+                <a:latin typeface="Lucida grande" panose="020B0502040204020203"/>
+              </a:rPr>
+              <a:t>. Under review</a:t>
+            </a:r>
+          </a:p>
+        </p:txBody>
+      </p:sp>
+      <p:pic>
+        <p:nvPicPr>
+          <p:cNvPr id="27" name="Picture 26">
+            <a:extLst>
+              <a:ext uri="{FF2B5EF4-FFF2-40B4-BE49-F238E27FC236}">
+                <a16:creationId xmlns:a16="http://schemas.microsoft.com/office/drawing/2014/main" id="{E0A4A21F-2B9D-8230-DA2F-C644ED92985D}"/>
+              </a:ext>
+            </a:extLst>
+          </p:cNvPr>
+          <p:cNvPicPr>
+            <a:picLocks noChangeAspect="1"/>
+          </p:cNvPicPr>
+          <p:nvPr/>
+        </p:nvPicPr>
+        <p:blipFill>
+          <a:blip r:embed="rId2"/>
+          <a:stretch>
+            <a:fillRect/>
+          </a:stretch>
+        </p:blipFill>
+        <p:spPr>
+          <a:xfrm>
+            <a:off x="1438198" y="1140647"/>
+            <a:ext cx="8439227" cy="5215703"/>
+          </a:xfrm>
+          <a:prstGeom prst="rect">
+            <a:avLst/>
+          </a:prstGeom>
+        </p:spPr>
+      </p:pic>
+    </p:spTree>
+    <p:extLst>
+      <p:ext uri="{BB962C8B-B14F-4D97-AF65-F5344CB8AC3E}">
+        <p14:creationId xmlns:p14="http://schemas.microsoft.com/office/powerpoint/2010/main" val="3468482140"/>
+      </p:ext>
+    </p:extLst>
+  </p:cSld>
+  <p:clrMapOvr>
+    <a:masterClrMapping/>
+  </p:clrMapOvr>
+</p:sld>
+</file>
+
 <file path=ppt/slides/slide2.xml><?xml version="1.0" encoding="utf-8"?>
 <p:sld xmlns:a="http://schemas.openxmlformats.org/drawingml/2006/main" xmlns:r="http://schemas.openxmlformats.org/officeDocument/2006/relationships" xmlns:p="http://schemas.openxmlformats.org/presentationml/2006/main">
   <p:cSld>
@@ -12160,6 +13218,328 @@
       <p:bldP spid="35" grpId="0"/>
     </p:bldLst>
   </p:timing>
+</p:sld>
+</file>
+
+<file path=ppt/slides/slide20.xml><?xml version="1.0" encoding="utf-8"?>
+<p:sld xmlns:a="http://schemas.openxmlformats.org/drawingml/2006/main" xmlns:r="http://schemas.openxmlformats.org/officeDocument/2006/relationships" xmlns:p="http://schemas.openxmlformats.org/presentationml/2006/main">
+  <p:cSld>
+    <p:spTree>
+      <p:nvGrpSpPr>
+        <p:cNvPr id="1" name=""/>
+        <p:cNvGrpSpPr/>
+        <p:nvPr/>
+      </p:nvGrpSpPr>
+      <p:grpSpPr>
+        <a:xfrm>
+          <a:off x="0" y="0"/>
+          <a:ext cx="0" cy="0"/>
+          <a:chOff x="0" y="0"/>
+          <a:chExt cx="0" cy="0"/>
+        </a:xfrm>
+      </p:grpSpPr>
+      <p:sp>
+        <p:nvSpPr>
+          <p:cNvPr id="2" name="Title 1">
+            <a:extLst>
+              <a:ext uri="{FF2B5EF4-FFF2-40B4-BE49-F238E27FC236}">
+                <a16:creationId xmlns:a16="http://schemas.microsoft.com/office/drawing/2014/main" id="{11C509AD-3766-EE45-FECA-0C05E7884A1B}"/>
+              </a:ext>
+            </a:extLst>
+          </p:cNvPr>
+          <p:cNvSpPr>
+            <a:spLocks noGrp="1"/>
+          </p:cNvSpPr>
+          <p:nvPr>
+            <p:ph type="title"/>
+          </p:nvPr>
+        </p:nvSpPr>
+        <p:spPr/>
+        <p:txBody>
+          <a:bodyPr/>
+          <a:lstStyle/>
+          <a:p>
+            <a:r>
+              <a:rPr lang="en-US" dirty="0"/>
+              <a:t>3D PE Brushes (preliminary)</a:t>
+            </a:r>
+          </a:p>
+        </p:txBody>
+      </p:sp>
+      <p:sp>
+        <p:nvSpPr>
+          <p:cNvPr id="3" name="Slide Number Placeholder 2">
+            <a:extLst>
+              <a:ext uri="{FF2B5EF4-FFF2-40B4-BE49-F238E27FC236}">
+                <a16:creationId xmlns:a16="http://schemas.microsoft.com/office/drawing/2014/main" id="{2FA79409-6975-3C7A-740C-C2C4293878EF}"/>
+              </a:ext>
+            </a:extLst>
+          </p:cNvPr>
+          <p:cNvSpPr>
+            <a:spLocks noGrp="1"/>
+          </p:cNvSpPr>
+          <p:nvPr>
+            <p:ph type="sldNum" sz="quarter" idx="12"/>
+          </p:nvPr>
+        </p:nvSpPr>
+        <p:spPr/>
+        <p:txBody>
+          <a:bodyPr/>
+          <a:lstStyle/>
+          <a:p>
+            <a:fld id="{5911C0E6-D9CE-431C-92CB-BB39B872F930}" type="slidenum">
+              <a:rPr lang="en-US" smtClean="0"/>
+              <a:t>20</a:t>
+            </a:fld>
+            <a:endParaRPr lang="en-US"/>
+          </a:p>
+        </p:txBody>
+      </p:sp>
+      <p:pic>
+        <p:nvPicPr>
+          <p:cNvPr id="4" name="Picture 22">
+            <a:extLst>
+              <a:ext uri="{FF2B5EF4-FFF2-40B4-BE49-F238E27FC236}">
+                <a16:creationId xmlns:a16="http://schemas.microsoft.com/office/drawing/2014/main" id="{990386FA-BC06-ABD2-79BD-AB465F00CB3B}"/>
+              </a:ext>
+            </a:extLst>
+          </p:cNvPr>
+          <p:cNvPicPr>
+            <a:picLocks noChangeAspect="1" noChangeArrowheads="1"/>
+          </p:cNvPicPr>
+          <p:nvPr/>
+        </p:nvPicPr>
+        <p:blipFill>
+          <a:blip r:embed="rId2">
+            <a:extLst>
+              <a:ext uri="{28A0092B-C50C-407E-A947-70E740481C1C}">
+                <a14:useLocalDpi xmlns:a14="http://schemas.microsoft.com/office/drawing/2010/main" val="0"/>
+              </a:ext>
+            </a:extLst>
+          </a:blip>
+          <a:srcRect/>
+          <a:stretch>
+            <a:fillRect/>
+          </a:stretch>
+        </p:blipFill>
+        <p:spPr bwMode="auto">
+          <a:xfrm>
+            <a:off x="7329458" y="2345013"/>
+            <a:ext cx="1909824" cy="3125724"/>
+          </a:xfrm>
+          <a:prstGeom prst="rect">
+            <a:avLst/>
+          </a:prstGeom>
+          <a:noFill/>
+          <a:extLst>
+            <a:ext uri="{909E8E84-426E-40DD-AFC4-6F175D3DCCD1}">
+              <a14:hiddenFill xmlns:a14="http://schemas.microsoft.com/office/drawing/2010/main">
+                <a:solidFill>
+                  <a:srgbClr val="FFFFFF"/>
+                </a:solidFill>
+              </a14:hiddenFill>
+            </a:ext>
+          </a:extLst>
+        </p:spPr>
+      </p:pic>
+      <p:pic>
+        <p:nvPicPr>
+          <p:cNvPr id="5" name="Picture 24">
+            <a:extLst>
+              <a:ext uri="{FF2B5EF4-FFF2-40B4-BE49-F238E27FC236}">
+                <a16:creationId xmlns:a16="http://schemas.microsoft.com/office/drawing/2014/main" id="{710E5F5E-57BC-BCB5-4020-E64DAF88A7BC}"/>
+              </a:ext>
+            </a:extLst>
+          </p:cNvPr>
+          <p:cNvPicPr>
+            <a:picLocks noChangeAspect="1" noChangeArrowheads="1"/>
+          </p:cNvPicPr>
+          <p:nvPr/>
+        </p:nvPicPr>
+        <p:blipFill>
+          <a:blip r:embed="rId3">
+            <a:extLst>
+              <a:ext uri="{28A0092B-C50C-407E-A947-70E740481C1C}">
+                <a14:useLocalDpi xmlns:a14="http://schemas.microsoft.com/office/drawing/2010/main" val="0"/>
+              </a:ext>
+            </a:extLst>
+          </a:blip>
+          <a:srcRect/>
+          <a:stretch>
+            <a:fillRect/>
+          </a:stretch>
+        </p:blipFill>
+        <p:spPr bwMode="auto">
+          <a:xfrm>
+            <a:off x="5324728" y="2337215"/>
+            <a:ext cx="1909824" cy="3125724"/>
+          </a:xfrm>
+          <a:prstGeom prst="rect">
+            <a:avLst/>
+          </a:prstGeom>
+          <a:noFill/>
+          <a:extLst>
+            <a:ext uri="{909E8E84-426E-40DD-AFC4-6F175D3DCCD1}">
+              <a14:hiddenFill xmlns:a14="http://schemas.microsoft.com/office/drawing/2010/main">
+                <a:solidFill>
+                  <a:srgbClr val="FFFFFF"/>
+                </a:solidFill>
+              </a14:hiddenFill>
+            </a:ext>
+          </a:extLst>
+        </p:spPr>
+      </p:pic>
+      <p:pic>
+        <p:nvPicPr>
+          <p:cNvPr id="6" name="Picture 26">
+            <a:extLst>
+              <a:ext uri="{FF2B5EF4-FFF2-40B4-BE49-F238E27FC236}">
+                <a16:creationId xmlns:a16="http://schemas.microsoft.com/office/drawing/2014/main" id="{B248CF20-9222-BD41-54F1-C3C7B16488A3}"/>
+              </a:ext>
+            </a:extLst>
+          </p:cNvPr>
+          <p:cNvPicPr>
+            <a:picLocks noChangeAspect="1" noChangeArrowheads="1"/>
+          </p:cNvPicPr>
+          <p:nvPr/>
+        </p:nvPicPr>
+        <p:blipFill>
+          <a:blip r:embed="rId4">
+            <a:extLst>
+              <a:ext uri="{28A0092B-C50C-407E-A947-70E740481C1C}">
+                <a14:useLocalDpi xmlns:a14="http://schemas.microsoft.com/office/drawing/2010/main" val="0"/>
+              </a:ext>
+            </a:extLst>
+          </a:blip>
+          <a:srcRect/>
+          <a:stretch>
+            <a:fillRect/>
+          </a:stretch>
+        </p:blipFill>
+        <p:spPr bwMode="auto">
+          <a:xfrm>
+            <a:off x="3012987" y="2393603"/>
+            <a:ext cx="2037316" cy="3077134"/>
+          </a:xfrm>
+          <a:prstGeom prst="rect">
+            <a:avLst/>
+          </a:prstGeom>
+          <a:noFill/>
+          <a:extLst>
+            <a:ext uri="{909E8E84-426E-40DD-AFC4-6F175D3DCCD1}">
+              <a14:hiddenFill xmlns:a14="http://schemas.microsoft.com/office/drawing/2010/main">
+                <a:solidFill>
+                  <a:srgbClr val="FFFFFF"/>
+                </a:solidFill>
+              </a14:hiddenFill>
+            </a:ext>
+          </a:extLst>
+        </p:spPr>
+      </p:pic>
+      <p:pic>
+        <p:nvPicPr>
+          <p:cNvPr id="7" name="Picture 2">
+            <a:extLst>
+              <a:ext uri="{FF2B5EF4-FFF2-40B4-BE49-F238E27FC236}">
+                <a16:creationId xmlns:a16="http://schemas.microsoft.com/office/drawing/2014/main" id="{A7EAEF37-CF82-8C4A-BED8-08647CFB915F}"/>
+              </a:ext>
+            </a:extLst>
+          </p:cNvPr>
+          <p:cNvPicPr>
+            <a:picLocks noChangeAspect="1" noChangeArrowheads="1"/>
+          </p:cNvPicPr>
+          <p:nvPr/>
+        </p:nvPicPr>
+        <p:blipFill>
+          <a:blip r:embed="rId5">
+            <a:extLst>
+              <a:ext uri="{28A0092B-C50C-407E-A947-70E740481C1C}">
+                <a14:useLocalDpi xmlns:a14="http://schemas.microsoft.com/office/drawing/2010/main" val="0"/>
+              </a:ext>
+            </a:extLst>
+          </a:blip>
+          <a:srcRect/>
+          <a:stretch>
+            <a:fillRect/>
+          </a:stretch>
+        </p:blipFill>
+        <p:spPr bwMode="auto">
+          <a:xfrm>
+            <a:off x="9404829" y="2325424"/>
+            <a:ext cx="1815621" cy="3164902"/>
+          </a:xfrm>
+          <a:prstGeom prst="rect">
+            <a:avLst/>
+          </a:prstGeom>
+          <a:noFill/>
+          <a:extLst>
+            <a:ext uri="{909E8E84-426E-40DD-AFC4-6F175D3DCCD1}">
+              <a14:hiddenFill xmlns:a14="http://schemas.microsoft.com/office/drawing/2010/main">
+                <a:solidFill>
+                  <a:srgbClr val="FFFFFF"/>
+                </a:solidFill>
+              </a14:hiddenFill>
+            </a:ext>
+          </a:extLst>
+        </p:spPr>
+      </p:pic>
+      <p:pic>
+        <p:nvPicPr>
+          <p:cNvPr id="9" name="Picture 2">
+            <a:extLst>
+              <a:ext uri="{FF2B5EF4-FFF2-40B4-BE49-F238E27FC236}">
+                <a16:creationId xmlns:a16="http://schemas.microsoft.com/office/drawing/2014/main" id="{CDC72C54-6EAB-B76F-6EE4-E1FFC70F244A}"/>
+              </a:ext>
+            </a:extLst>
+          </p:cNvPr>
+          <p:cNvPicPr>
+            <a:picLocks noChangeAspect="1" noChangeArrowheads="1"/>
+          </p:cNvPicPr>
+          <p:nvPr/>
+        </p:nvPicPr>
+        <p:blipFill>
+          <a:blip r:embed="rId6">
+            <a:extLst>
+              <a:ext uri="{28A0092B-C50C-407E-A947-70E740481C1C}">
+                <a14:useLocalDpi xmlns:a14="http://schemas.microsoft.com/office/drawing/2010/main" val="0"/>
+              </a:ext>
+            </a:extLst>
+          </a:blip>
+          <a:srcRect/>
+          <a:stretch>
+            <a:fillRect/>
+          </a:stretch>
+        </p:blipFill>
+        <p:spPr bwMode="auto">
+          <a:xfrm>
+            <a:off x="482283" y="2325109"/>
+            <a:ext cx="2256279" cy="3137830"/>
+          </a:xfrm>
+          <a:prstGeom prst="rect">
+            <a:avLst/>
+          </a:prstGeom>
+          <a:noFill/>
+          <a:extLst>
+            <a:ext uri="{909E8E84-426E-40DD-AFC4-6F175D3DCCD1}">
+              <a14:hiddenFill xmlns:a14="http://schemas.microsoft.com/office/drawing/2010/main">
+                <a:solidFill>
+                  <a:srgbClr val="FFFFFF"/>
+                </a:solidFill>
+              </a14:hiddenFill>
+            </a:ext>
+          </a:extLst>
+        </p:spPr>
+      </p:pic>
+    </p:spTree>
+    <p:extLst>
+      <p:ext uri="{BB962C8B-B14F-4D97-AF65-F5344CB8AC3E}">
+        <p14:creationId xmlns:p14="http://schemas.microsoft.com/office/powerpoint/2010/main" val="789514050"/>
+      </p:ext>
+    </p:extLst>
+  </p:cSld>
+  <p:clrMapOvr>
+    <a:masterClrMapping/>
+  </p:clrMapOvr>
 </p:sld>
 </file>
 

--- a/20240722 NAF Intro.pptx
+++ b/20240722 NAF Intro.pptx
@@ -8706,6 +8706,174 @@
           </a:prstGeom>
         </p:spPr>
       </p:pic>
+      <p:grpSp>
+        <p:nvGrpSpPr>
+          <p:cNvPr id="7" name="Group 6">
+            <a:extLst>
+              <a:ext uri="{FF2B5EF4-FFF2-40B4-BE49-F238E27FC236}">
+                <a16:creationId xmlns:a16="http://schemas.microsoft.com/office/drawing/2014/main" id="{D8F882E8-781E-A35C-B4E3-69FF697286F7}"/>
+              </a:ext>
+            </a:extLst>
+          </p:cNvPr>
+          <p:cNvGrpSpPr/>
+          <p:nvPr/>
+        </p:nvGrpSpPr>
+        <p:grpSpPr>
+          <a:xfrm>
+            <a:off x="951959" y="1756482"/>
+            <a:ext cx="2385552" cy="318210"/>
+            <a:chOff x="951959" y="1756482"/>
+            <a:chExt cx="2385552" cy="318210"/>
+          </a:xfrm>
+        </p:grpSpPr>
+        <p:sp>
+          <p:nvSpPr>
+            <p:cNvPr id="4" name="Arrow: Right 3">
+              <a:extLst>
+                <a:ext uri="{FF2B5EF4-FFF2-40B4-BE49-F238E27FC236}">
+                  <a16:creationId xmlns:a16="http://schemas.microsoft.com/office/drawing/2014/main" id="{6D487D0E-287C-7EFF-D499-AE2B72FFFF09}"/>
+                </a:ext>
+              </a:extLst>
+            </p:cNvPr>
+            <p:cNvSpPr/>
+            <p:nvPr/>
+          </p:nvSpPr>
+          <p:spPr>
+            <a:xfrm rot="8201533">
+              <a:off x="951959" y="1756482"/>
+              <a:ext cx="929584" cy="126396"/>
+            </a:xfrm>
+            <a:prstGeom prst="rightArrow">
+              <a:avLst/>
+            </a:prstGeom>
+            <a:solidFill>
+              <a:schemeClr val="bg1"/>
+            </a:solidFill>
+          </p:spPr>
+          <p:style>
+            <a:lnRef idx="2">
+              <a:schemeClr val="accent1">
+                <a:shade val="15000"/>
+              </a:schemeClr>
+            </a:lnRef>
+            <a:fillRef idx="1">
+              <a:schemeClr val="accent1"/>
+            </a:fillRef>
+            <a:effectRef idx="0">
+              <a:schemeClr val="accent1"/>
+            </a:effectRef>
+            <a:fontRef idx="minor">
+              <a:schemeClr val="lt1"/>
+            </a:fontRef>
+          </p:style>
+          <p:txBody>
+            <a:bodyPr rtlCol="0" anchor="ctr"/>
+            <a:lstStyle/>
+            <a:p>
+              <a:pPr algn="ctr"/>
+              <a:endParaRPr lang="en-US"/>
+            </a:p>
+          </p:txBody>
+        </p:sp>
+        <p:sp>
+          <p:nvSpPr>
+            <p:cNvPr id="5" name="Arrow: Right 4">
+              <a:extLst>
+                <a:ext uri="{FF2B5EF4-FFF2-40B4-BE49-F238E27FC236}">
+                  <a16:creationId xmlns:a16="http://schemas.microsoft.com/office/drawing/2014/main" id="{E3E477A8-AA07-DFF0-356D-FED73836EF14}"/>
+                </a:ext>
+              </a:extLst>
+            </p:cNvPr>
+            <p:cNvSpPr/>
+            <p:nvPr/>
+          </p:nvSpPr>
+          <p:spPr>
+            <a:xfrm rot="8201533">
+              <a:off x="1860113" y="1862427"/>
+              <a:ext cx="398124" cy="126396"/>
+            </a:xfrm>
+            <a:prstGeom prst="rightArrow">
+              <a:avLst/>
+            </a:prstGeom>
+            <a:solidFill>
+              <a:schemeClr val="bg1"/>
+            </a:solidFill>
+          </p:spPr>
+          <p:style>
+            <a:lnRef idx="2">
+              <a:schemeClr val="accent1">
+                <a:shade val="15000"/>
+              </a:schemeClr>
+            </a:lnRef>
+            <a:fillRef idx="1">
+              <a:schemeClr val="accent1"/>
+            </a:fillRef>
+            <a:effectRef idx="0">
+              <a:schemeClr val="accent1"/>
+            </a:effectRef>
+            <a:fontRef idx="minor">
+              <a:schemeClr val="lt1"/>
+            </a:fontRef>
+          </p:style>
+          <p:txBody>
+            <a:bodyPr rtlCol="0" anchor="ctr"/>
+            <a:lstStyle/>
+            <a:p>
+              <a:pPr algn="ctr"/>
+              <a:endParaRPr lang="en-US"/>
+            </a:p>
+          </p:txBody>
+        </p:sp>
+        <p:sp>
+          <p:nvSpPr>
+            <p:cNvPr id="6" name="Arrow: Right 5">
+              <a:extLst>
+                <a:ext uri="{FF2B5EF4-FFF2-40B4-BE49-F238E27FC236}">
+                  <a16:creationId xmlns:a16="http://schemas.microsoft.com/office/drawing/2014/main" id="{184D84D5-C74B-60A3-1289-ECCC54462B72}"/>
+                </a:ext>
+              </a:extLst>
+            </p:cNvPr>
+            <p:cNvSpPr/>
+            <p:nvPr/>
+          </p:nvSpPr>
+          <p:spPr>
+            <a:xfrm rot="8808408">
+              <a:off x="2372291" y="1948296"/>
+              <a:ext cx="965220" cy="126396"/>
+            </a:xfrm>
+            <a:prstGeom prst="rightArrow">
+              <a:avLst/>
+            </a:prstGeom>
+            <a:solidFill>
+              <a:schemeClr val="bg1"/>
+            </a:solidFill>
+          </p:spPr>
+          <p:style>
+            <a:lnRef idx="2">
+              <a:schemeClr val="accent1">
+                <a:shade val="15000"/>
+              </a:schemeClr>
+            </a:lnRef>
+            <a:fillRef idx="1">
+              <a:schemeClr val="accent1"/>
+            </a:fillRef>
+            <a:effectRef idx="0">
+              <a:schemeClr val="accent1"/>
+            </a:effectRef>
+            <a:fontRef idx="minor">
+              <a:schemeClr val="lt1"/>
+            </a:fontRef>
+          </p:style>
+          <p:txBody>
+            <a:bodyPr rtlCol="0" anchor="ctr"/>
+            <a:lstStyle/>
+            <a:p>
+              <a:pPr algn="ctr"/>
+              <a:endParaRPr lang="en-US"/>
+            </a:p>
+          </p:txBody>
+        </p:sp>
+      </p:grpSp>
     </p:spTree>
     <p:extLst>
       <p:ext uri="{BB962C8B-B14F-4D97-AF65-F5344CB8AC3E}">
@@ -8716,6 +8884,420 @@
   <p:clrMapOvr>
     <a:masterClrMapping/>
   </p:clrMapOvr>
+  <p:timing>
+    <p:tnLst>
+      <p:par>
+        <p:cTn id="1" dur="indefinite" restart="never" nodeType="tmRoot">
+          <p:childTnLst>
+            <p:seq concurrent="1" nextAc="seek">
+              <p:cTn id="2" dur="indefinite" nodeType="mainSeq">
+                <p:childTnLst>
+                  <p:par>
+                    <p:cTn id="3" fill="hold">
+                      <p:stCondLst>
+                        <p:cond delay="indefinite"/>
+                      </p:stCondLst>
+                      <p:childTnLst>
+                        <p:par>
+                          <p:cTn id="4" fill="hold">
+                            <p:stCondLst>
+                              <p:cond delay="0"/>
+                            </p:stCondLst>
+                            <p:childTnLst>
+                              <p:par>
+                                <p:cTn id="5" presetID="1" presetClass="entr" presetSubtype="0" fill="hold" nodeType="clickEffect">
+                                  <p:stCondLst>
+                                    <p:cond delay="0"/>
+                                  </p:stCondLst>
+                                  <p:childTnLst>
+                                    <p:set>
+                                      <p:cBhvr>
+                                        <p:cTn id="6" dur="1" fill="hold">
+                                          <p:stCondLst>
+                                            <p:cond delay="0"/>
+                                          </p:stCondLst>
+                                        </p:cTn>
+                                        <p:tgtEl>
+                                          <p:spTgt spid="8">
+                                            <p:txEl>
+                                              <p:pRg st="0" end="0"/>
+                                            </p:txEl>
+                                          </p:spTgt>
+                                        </p:tgtEl>
+                                        <p:attrNameLst>
+                                          <p:attrName>style.visibility</p:attrName>
+                                        </p:attrNameLst>
+                                      </p:cBhvr>
+                                      <p:to>
+                                        <p:strVal val="visible"/>
+                                      </p:to>
+                                    </p:set>
+                                  </p:childTnLst>
+                                </p:cTn>
+                              </p:par>
+                              <p:par>
+                                <p:cTn id="7" presetID="1" presetClass="entr" presetSubtype="0" fill="hold" nodeType="withEffect">
+                                  <p:stCondLst>
+                                    <p:cond delay="0"/>
+                                  </p:stCondLst>
+                                  <p:childTnLst>
+                                    <p:set>
+                                      <p:cBhvr>
+                                        <p:cTn id="8" dur="1" fill="hold">
+                                          <p:stCondLst>
+                                            <p:cond delay="0"/>
+                                          </p:stCondLst>
+                                        </p:cTn>
+                                        <p:tgtEl>
+                                          <p:spTgt spid="53"/>
+                                        </p:tgtEl>
+                                        <p:attrNameLst>
+                                          <p:attrName>style.visibility</p:attrName>
+                                        </p:attrNameLst>
+                                      </p:cBhvr>
+                                      <p:to>
+                                        <p:strVal val="visible"/>
+                                      </p:to>
+                                    </p:set>
+                                  </p:childTnLst>
+                                </p:cTn>
+                              </p:par>
+                              <p:par>
+                                <p:cTn id="9" presetID="1" presetClass="entr" presetSubtype="0" fill="hold" nodeType="withEffect">
+                                  <p:stCondLst>
+                                    <p:cond delay="0"/>
+                                  </p:stCondLst>
+                                  <p:childTnLst>
+                                    <p:set>
+                                      <p:cBhvr>
+                                        <p:cTn id="10" dur="1" fill="hold">
+                                          <p:stCondLst>
+                                            <p:cond delay="0"/>
+                                          </p:stCondLst>
+                                        </p:cTn>
+                                        <p:tgtEl>
+                                          <p:spTgt spid="31"/>
+                                        </p:tgtEl>
+                                        <p:attrNameLst>
+                                          <p:attrName>style.visibility</p:attrName>
+                                        </p:attrNameLst>
+                                      </p:cBhvr>
+                                      <p:to>
+                                        <p:strVal val="visible"/>
+                                      </p:to>
+                                    </p:set>
+                                  </p:childTnLst>
+                                </p:cTn>
+                              </p:par>
+                              <p:par>
+                                <p:cTn id="11" presetID="1" presetClass="entr" presetSubtype="0" fill="hold" nodeType="withEffect">
+                                  <p:stCondLst>
+                                    <p:cond delay="0"/>
+                                  </p:stCondLst>
+                                  <p:childTnLst>
+                                    <p:set>
+                                      <p:cBhvr>
+                                        <p:cTn id="12" dur="1" fill="hold">
+                                          <p:stCondLst>
+                                            <p:cond delay="0"/>
+                                          </p:stCondLst>
+                                        </p:cTn>
+                                        <p:tgtEl>
+                                          <p:spTgt spid="7"/>
+                                        </p:tgtEl>
+                                        <p:attrNameLst>
+                                          <p:attrName>style.visibility</p:attrName>
+                                        </p:attrNameLst>
+                                      </p:cBhvr>
+                                      <p:to>
+                                        <p:strVal val="visible"/>
+                                      </p:to>
+                                    </p:set>
+                                  </p:childTnLst>
+                                </p:cTn>
+                              </p:par>
+                            </p:childTnLst>
+                          </p:cTn>
+                        </p:par>
+                      </p:childTnLst>
+                    </p:cTn>
+                  </p:par>
+                  <p:par>
+                    <p:cTn id="13" fill="hold">
+                      <p:stCondLst>
+                        <p:cond delay="indefinite"/>
+                      </p:stCondLst>
+                      <p:childTnLst>
+                        <p:par>
+                          <p:cTn id="14" fill="hold">
+                            <p:stCondLst>
+                              <p:cond delay="0"/>
+                            </p:stCondLst>
+                            <p:childTnLst>
+                              <p:par>
+                                <p:cTn id="15" presetID="1" presetClass="entr" presetSubtype="0" fill="hold" nodeType="clickEffect">
+                                  <p:stCondLst>
+                                    <p:cond delay="0"/>
+                                  </p:stCondLst>
+                                  <p:childTnLst>
+                                    <p:set>
+                                      <p:cBhvr>
+                                        <p:cTn id="16" dur="1" fill="hold">
+                                          <p:stCondLst>
+                                            <p:cond delay="0"/>
+                                          </p:stCondLst>
+                                        </p:cTn>
+                                        <p:tgtEl>
+                                          <p:spTgt spid="8">
+                                            <p:txEl>
+                                              <p:pRg st="2" end="2"/>
+                                            </p:txEl>
+                                          </p:spTgt>
+                                        </p:tgtEl>
+                                        <p:attrNameLst>
+                                          <p:attrName>style.visibility</p:attrName>
+                                        </p:attrNameLst>
+                                      </p:cBhvr>
+                                      <p:to>
+                                        <p:strVal val="visible"/>
+                                      </p:to>
+                                    </p:set>
+                                  </p:childTnLst>
+                                </p:cTn>
+                              </p:par>
+                              <p:par>
+                                <p:cTn id="17" presetID="1" presetClass="entr" presetSubtype="0" fill="hold" nodeType="withEffect">
+                                  <p:stCondLst>
+                                    <p:cond delay="0"/>
+                                  </p:stCondLst>
+                                  <p:childTnLst>
+                                    <p:set>
+                                      <p:cBhvr>
+                                        <p:cTn id="18" dur="1" fill="hold">
+                                          <p:stCondLst>
+                                            <p:cond delay="0"/>
+                                          </p:stCondLst>
+                                        </p:cTn>
+                                        <p:tgtEl>
+                                          <p:spTgt spid="43"/>
+                                        </p:tgtEl>
+                                        <p:attrNameLst>
+                                          <p:attrName>style.visibility</p:attrName>
+                                        </p:attrNameLst>
+                                      </p:cBhvr>
+                                      <p:to>
+                                        <p:strVal val="visible"/>
+                                      </p:to>
+                                    </p:set>
+                                  </p:childTnLst>
+                                </p:cTn>
+                              </p:par>
+                            </p:childTnLst>
+                          </p:cTn>
+                        </p:par>
+                      </p:childTnLst>
+                    </p:cTn>
+                  </p:par>
+                  <p:par>
+                    <p:cTn id="19" fill="hold">
+                      <p:stCondLst>
+                        <p:cond delay="indefinite"/>
+                      </p:stCondLst>
+                      <p:childTnLst>
+                        <p:par>
+                          <p:cTn id="20" fill="hold">
+                            <p:stCondLst>
+                              <p:cond delay="0"/>
+                            </p:stCondLst>
+                            <p:childTnLst>
+                              <p:par>
+                                <p:cTn id="21" presetID="1" presetClass="entr" presetSubtype="0" fill="hold" nodeType="clickEffect">
+                                  <p:stCondLst>
+                                    <p:cond delay="0"/>
+                                  </p:stCondLst>
+                                  <p:childTnLst>
+                                    <p:set>
+                                      <p:cBhvr>
+                                        <p:cTn id="22" dur="1" fill="hold">
+                                          <p:stCondLst>
+                                            <p:cond delay="0"/>
+                                          </p:stCondLst>
+                                        </p:cTn>
+                                        <p:tgtEl>
+                                          <p:spTgt spid="8">
+                                            <p:txEl>
+                                              <p:pRg st="3" end="3"/>
+                                            </p:txEl>
+                                          </p:spTgt>
+                                        </p:tgtEl>
+                                        <p:attrNameLst>
+                                          <p:attrName>style.visibility</p:attrName>
+                                        </p:attrNameLst>
+                                      </p:cBhvr>
+                                      <p:to>
+                                        <p:strVal val="visible"/>
+                                      </p:to>
+                                    </p:set>
+                                  </p:childTnLst>
+                                </p:cTn>
+                              </p:par>
+                              <p:par>
+                                <p:cTn id="23" presetID="1" presetClass="entr" presetSubtype="0" fill="hold" nodeType="withEffect">
+                                  <p:stCondLst>
+                                    <p:cond delay="0"/>
+                                  </p:stCondLst>
+                                  <p:childTnLst>
+                                    <p:set>
+                                      <p:cBhvr>
+                                        <p:cTn id="24" dur="1" fill="hold">
+                                          <p:stCondLst>
+                                            <p:cond delay="0"/>
+                                          </p:stCondLst>
+                                        </p:cTn>
+                                        <p:tgtEl>
+                                          <p:spTgt spid="8">
+                                            <p:txEl>
+                                              <p:pRg st="4" end="4"/>
+                                            </p:txEl>
+                                          </p:spTgt>
+                                        </p:tgtEl>
+                                        <p:attrNameLst>
+                                          <p:attrName>style.visibility</p:attrName>
+                                        </p:attrNameLst>
+                                      </p:cBhvr>
+                                      <p:to>
+                                        <p:strVal val="visible"/>
+                                      </p:to>
+                                    </p:set>
+                                  </p:childTnLst>
+                                </p:cTn>
+                              </p:par>
+                            </p:childTnLst>
+                          </p:cTn>
+                        </p:par>
+                      </p:childTnLst>
+                    </p:cTn>
+                  </p:par>
+                  <p:par>
+                    <p:cTn id="25" fill="hold">
+                      <p:stCondLst>
+                        <p:cond delay="indefinite"/>
+                      </p:stCondLst>
+                      <p:childTnLst>
+                        <p:par>
+                          <p:cTn id="26" fill="hold">
+                            <p:stCondLst>
+                              <p:cond delay="0"/>
+                            </p:stCondLst>
+                            <p:childTnLst>
+                              <p:par>
+                                <p:cTn id="27" presetID="1" presetClass="entr" presetSubtype="0" fill="hold" nodeType="clickEffect">
+                                  <p:stCondLst>
+                                    <p:cond delay="0"/>
+                                  </p:stCondLst>
+                                  <p:childTnLst>
+                                    <p:set>
+                                      <p:cBhvr>
+                                        <p:cTn id="28" dur="1" fill="hold">
+                                          <p:stCondLst>
+                                            <p:cond delay="0"/>
+                                          </p:stCondLst>
+                                        </p:cTn>
+                                        <p:tgtEl>
+                                          <p:spTgt spid="8">
+                                            <p:txEl>
+                                              <p:pRg st="5" end="5"/>
+                                            </p:txEl>
+                                          </p:spTgt>
+                                        </p:tgtEl>
+                                        <p:attrNameLst>
+                                          <p:attrName>style.visibility</p:attrName>
+                                        </p:attrNameLst>
+                                      </p:cBhvr>
+                                      <p:to>
+                                        <p:strVal val="visible"/>
+                                      </p:to>
+                                    </p:set>
+                                  </p:childTnLst>
+                                </p:cTn>
+                              </p:par>
+                            </p:childTnLst>
+                          </p:cTn>
+                        </p:par>
+                      </p:childTnLst>
+                    </p:cTn>
+                  </p:par>
+                  <p:par>
+                    <p:cTn id="29" fill="hold">
+                      <p:stCondLst>
+                        <p:cond delay="indefinite"/>
+                      </p:stCondLst>
+                      <p:childTnLst>
+                        <p:par>
+                          <p:cTn id="30" fill="hold">
+                            <p:stCondLst>
+                              <p:cond delay="0"/>
+                            </p:stCondLst>
+                            <p:childTnLst>
+                              <p:par>
+                                <p:cTn id="31" presetID="1" presetClass="entr" presetSubtype="0" fill="hold" nodeType="clickEffect">
+                                  <p:stCondLst>
+                                    <p:cond delay="0"/>
+                                  </p:stCondLst>
+                                  <p:childTnLst>
+                                    <p:set>
+                                      <p:cBhvr>
+                                        <p:cTn id="32" dur="1" fill="hold">
+                                          <p:stCondLst>
+                                            <p:cond delay="0"/>
+                                          </p:stCondLst>
+                                        </p:cTn>
+                                        <p:tgtEl>
+                                          <p:spTgt spid="8">
+                                            <p:txEl>
+                                              <p:pRg st="7" end="7"/>
+                                            </p:txEl>
+                                          </p:spTgt>
+                                        </p:tgtEl>
+                                        <p:attrNameLst>
+                                          <p:attrName>style.visibility</p:attrName>
+                                        </p:attrNameLst>
+                                      </p:cBhvr>
+                                      <p:to>
+                                        <p:strVal val="visible"/>
+                                      </p:to>
+                                    </p:set>
+                                  </p:childTnLst>
+                                </p:cTn>
+                              </p:par>
+                            </p:childTnLst>
+                          </p:cTn>
+                        </p:par>
+                      </p:childTnLst>
+                    </p:cTn>
+                  </p:par>
+                </p:childTnLst>
+              </p:cTn>
+              <p:prevCondLst>
+                <p:cond evt="onPrev" delay="0">
+                  <p:tgtEl>
+                    <p:sldTgt/>
+                  </p:tgtEl>
+                </p:cond>
+              </p:prevCondLst>
+              <p:nextCondLst>
+                <p:cond evt="onNext" delay="0">
+                  <p:tgtEl>
+                    <p:sldTgt/>
+                  </p:tgtEl>
+                </p:cond>
+              </p:nextCondLst>
+            </p:seq>
+          </p:childTnLst>
+        </p:cTn>
+      </p:par>
+    </p:tnLst>
+  </p:timing>
 </p:sld>
 </file>
 
@@ -8802,10 +9384,10 @@
       </p:sp>
       <p:grpSp>
         <p:nvGrpSpPr>
-          <p:cNvPr id="78" name="Group 77">
+          <p:cNvPr id="122" name="Group 121">
             <a:extLst>
               <a:ext uri="{FF2B5EF4-FFF2-40B4-BE49-F238E27FC236}">
-                <a16:creationId xmlns:a16="http://schemas.microsoft.com/office/drawing/2014/main" id="{C9E7FF8C-B4D1-EECB-E9F0-83367D1AFF5C}"/>
+                <a16:creationId xmlns:a16="http://schemas.microsoft.com/office/drawing/2014/main" id="{5D97BDFB-244F-468E-8750-C947882E8A22}"/>
               </a:ext>
             </a:extLst>
           </p:cNvPr>
@@ -8815,191 +9397,11 @@
         <p:grpSpPr>
           <a:xfrm>
             <a:off x="26522" y="1438646"/>
-            <a:ext cx="5676409" cy="2968550"/>
+            <a:ext cx="5676409" cy="2953730"/>
             <a:chOff x="26522" y="1438646"/>
-            <a:chExt cx="5676409" cy="2968550"/>
+            <a:chExt cx="5676409" cy="2953730"/>
           </a:xfrm>
         </p:grpSpPr>
-        <p:pic>
-          <p:nvPicPr>
-            <p:cNvPr id="30" name="Picture 29">
-              <a:extLst>
-                <a:ext uri="{FF2B5EF4-FFF2-40B4-BE49-F238E27FC236}">
-                  <a16:creationId xmlns:a16="http://schemas.microsoft.com/office/drawing/2014/main" id="{0A26F733-465A-FDCF-3ACC-7B53C3D7AB41}"/>
-                </a:ext>
-              </a:extLst>
-            </p:cNvPr>
-            <p:cNvPicPr>
-              <a:picLocks noChangeAspect="1"/>
-            </p:cNvPicPr>
-            <p:nvPr/>
-          </p:nvPicPr>
-          <p:blipFill>
-            <a:blip r:embed="rId2"/>
-            <a:stretch>
-              <a:fillRect/>
-            </a:stretch>
-          </p:blipFill>
-          <p:spPr>
-            <a:xfrm rot="9795709">
-              <a:off x="1790372" y="1985126"/>
-              <a:ext cx="2197938" cy="887629"/>
-            </a:xfrm>
-            <a:prstGeom prst="rect">
-              <a:avLst/>
-            </a:prstGeom>
-          </p:spPr>
-        </p:pic>
-        <p:pic>
-          <p:nvPicPr>
-            <p:cNvPr id="31" name="Picture 30">
-              <a:extLst>
-                <a:ext uri="{FF2B5EF4-FFF2-40B4-BE49-F238E27FC236}">
-                  <a16:creationId xmlns:a16="http://schemas.microsoft.com/office/drawing/2014/main" id="{6596C7E7-2466-CDB1-600F-DD69FE1E8C0D}"/>
-                </a:ext>
-              </a:extLst>
-            </p:cNvPr>
-            <p:cNvPicPr>
-              <a:picLocks noChangeAspect="1"/>
-            </p:cNvPicPr>
-            <p:nvPr/>
-          </p:nvPicPr>
-          <p:blipFill>
-            <a:blip r:embed="rId2"/>
-            <a:stretch>
-              <a:fillRect/>
-            </a:stretch>
-          </p:blipFill>
-          <p:spPr>
-            <a:xfrm rot="7948509">
-              <a:off x="2361808" y="2864412"/>
-              <a:ext cx="2197938" cy="887629"/>
-            </a:xfrm>
-            <a:prstGeom prst="rect">
-              <a:avLst/>
-            </a:prstGeom>
-          </p:spPr>
-        </p:pic>
-        <p:pic>
-          <p:nvPicPr>
-            <p:cNvPr id="32" name="Picture 31">
-              <a:extLst>
-                <a:ext uri="{FF2B5EF4-FFF2-40B4-BE49-F238E27FC236}">
-                  <a16:creationId xmlns:a16="http://schemas.microsoft.com/office/drawing/2014/main" id="{42927EAA-989B-21AF-51F0-48701397D754}"/>
-                </a:ext>
-              </a:extLst>
-            </p:cNvPr>
-            <p:cNvPicPr>
-              <a:picLocks noChangeAspect="1"/>
-            </p:cNvPicPr>
-            <p:nvPr/>
-          </p:nvPicPr>
-          <p:blipFill>
-            <a:blip r:embed="rId2"/>
-            <a:stretch>
-              <a:fillRect/>
-            </a:stretch>
-          </p:blipFill>
-          <p:spPr>
-            <a:xfrm rot="10600832">
-              <a:off x="792709" y="3287029"/>
-              <a:ext cx="2197938" cy="887629"/>
-            </a:xfrm>
-            <a:prstGeom prst="rect">
-              <a:avLst/>
-            </a:prstGeom>
-          </p:spPr>
-        </p:pic>
-        <p:pic>
-          <p:nvPicPr>
-            <p:cNvPr id="33" name="Picture 32">
-              <a:extLst>
-                <a:ext uri="{FF2B5EF4-FFF2-40B4-BE49-F238E27FC236}">
-                  <a16:creationId xmlns:a16="http://schemas.microsoft.com/office/drawing/2014/main" id="{4C465B99-3CBA-E704-D4D6-6E853430DEEC}"/>
-                </a:ext>
-              </a:extLst>
-            </p:cNvPr>
-            <p:cNvPicPr>
-              <a:picLocks noChangeAspect="1"/>
-            </p:cNvPicPr>
-            <p:nvPr/>
-          </p:nvPicPr>
-          <p:blipFill>
-            <a:blip r:embed="rId2"/>
-            <a:stretch>
-              <a:fillRect/>
-            </a:stretch>
-          </p:blipFill>
-          <p:spPr>
-            <a:xfrm>
-              <a:off x="1306911" y="2706360"/>
-              <a:ext cx="2197938" cy="887629"/>
-            </a:xfrm>
-            <a:prstGeom prst="rect">
-              <a:avLst/>
-            </a:prstGeom>
-          </p:spPr>
-        </p:pic>
-        <p:pic>
-          <p:nvPicPr>
-            <p:cNvPr id="34" name="Picture 33">
-              <a:extLst>
-                <a:ext uri="{FF2B5EF4-FFF2-40B4-BE49-F238E27FC236}">
-                  <a16:creationId xmlns:a16="http://schemas.microsoft.com/office/drawing/2014/main" id="{F8E19381-77F9-789B-F1C4-36E45F232A8B}"/>
-                </a:ext>
-              </a:extLst>
-            </p:cNvPr>
-            <p:cNvPicPr>
-              <a:picLocks noChangeAspect="1"/>
-            </p:cNvPicPr>
-            <p:nvPr/>
-          </p:nvPicPr>
-          <p:blipFill>
-            <a:blip r:embed="rId2"/>
-            <a:stretch>
-              <a:fillRect/>
-            </a:stretch>
-          </p:blipFill>
-          <p:spPr>
-            <a:xfrm rot="8059199">
-              <a:off x="-51731" y="2568197"/>
-              <a:ext cx="2197938" cy="887629"/>
-            </a:xfrm>
-            <a:prstGeom prst="rect">
-              <a:avLst/>
-            </a:prstGeom>
-          </p:spPr>
-        </p:pic>
-        <p:pic>
-          <p:nvPicPr>
-            <p:cNvPr id="35" name="Picture 34">
-              <a:extLst>
-                <a:ext uri="{FF2B5EF4-FFF2-40B4-BE49-F238E27FC236}">
-                  <a16:creationId xmlns:a16="http://schemas.microsoft.com/office/drawing/2014/main" id="{8905DC49-D729-4FA9-901A-D1E5940CE177}"/>
-                </a:ext>
-              </a:extLst>
-            </p:cNvPr>
-            <p:cNvPicPr>
-              <a:picLocks noChangeAspect="1"/>
-            </p:cNvPicPr>
-            <p:nvPr/>
-          </p:nvPicPr>
-          <p:blipFill>
-            <a:blip r:embed="rId2"/>
-            <a:stretch>
-              <a:fillRect/>
-            </a:stretch>
-          </p:blipFill>
-          <p:spPr>
-            <a:xfrm rot="5400000">
-              <a:off x="3162495" y="2594325"/>
-              <a:ext cx="2197938" cy="887629"/>
-            </a:xfrm>
-            <a:prstGeom prst="rect">
-              <a:avLst/>
-            </a:prstGeom>
-          </p:spPr>
-        </p:pic>
         <p:sp>
           <p:nvSpPr>
             <p:cNvPr id="37" name="Rectangle 36">
@@ -9143,994 +9545,6 @@
         </p:cxnSp>
         <p:sp>
           <p:nvSpPr>
-            <p:cNvPr id="44" name="Oval 43">
-              <a:extLst>
-                <a:ext uri="{FF2B5EF4-FFF2-40B4-BE49-F238E27FC236}">
-                  <a16:creationId xmlns:a16="http://schemas.microsoft.com/office/drawing/2014/main" id="{A8740E23-9AAE-51D8-9265-FF414B002822}"/>
-                </a:ext>
-              </a:extLst>
-            </p:cNvPr>
-            <p:cNvSpPr/>
-            <p:nvPr/>
-          </p:nvSpPr>
-          <p:spPr>
-            <a:xfrm>
-              <a:off x="3980884" y="2214010"/>
-              <a:ext cx="88682" cy="88682"/>
-            </a:xfrm>
-            <a:prstGeom prst="ellipse">
-              <a:avLst/>
-            </a:prstGeom>
-            <a:solidFill>
-              <a:schemeClr val="accent2"/>
-            </a:solidFill>
-            <a:ln>
-              <a:noFill/>
-            </a:ln>
-          </p:spPr>
-          <p:style>
-            <a:lnRef idx="2">
-              <a:schemeClr val="accent1">
-                <a:shade val="15000"/>
-              </a:schemeClr>
-            </a:lnRef>
-            <a:fillRef idx="1">
-              <a:schemeClr val="accent1"/>
-            </a:fillRef>
-            <a:effectRef idx="0">
-              <a:schemeClr val="accent1"/>
-            </a:effectRef>
-            <a:fontRef idx="minor">
-              <a:schemeClr val="lt1"/>
-            </a:fontRef>
-          </p:style>
-          <p:txBody>
-            <a:bodyPr rtlCol="0" anchor="ctr"/>
-            <a:lstStyle/>
-            <a:p>
-              <a:pPr algn="ctr"/>
-              <a:endParaRPr lang="en-US"/>
-            </a:p>
-          </p:txBody>
-        </p:sp>
-        <p:sp>
-          <p:nvSpPr>
-            <p:cNvPr id="45" name="Oval 44">
-              <a:extLst>
-                <a:ext uri="{FF2B5EF4-FFF2-40B4-BE49-F238E27FC236}">
-                  <a16:creationId xmlns:a16="http://schemas.microsoft.com/office/drawing/2014/main" id="{D6EB9D77-B460-3030-AE47-8C0A3EC23406}"/>
-                </a:ext>
-              </a:extLst>
-            </p:cNvPr>
-            <p:cNvSpPr/>
-            <p:nvPr/>
-          </p:nvSpPr>
-          <p:spPr>
-            <a:xfrm>
-              <a:off x="4628786" y="2126818"/>
-              <a:ext cx="88682" cy="88682"/>
-            </a:xfrm>
-            <a:prstGeom prst="ellipse">
-              <a:avLst/>
-            </a:prstGeom>
-            <a:solidFill>
-              <a:schemeClr val="accent2"/>
-            </a:solidFill>
-            <a:ln>
-              <a:noFill/>
-            </a:ln>
-          </p:spPr>
-          <p:style>
-            <a:lnRef idx="2">
-              <a:schemeClr val="accent1">
-                <a:shade val="15000"/>
-              </a:schemeClr>
-            </a:lnRef>
-            <a:fillRef idx="1">
-              <a:schemeClr val="accent1"/>
-            </a:fillRef>
-            <a:effectRef idx="0">
-              <a:schemeClr val="accent1"/>
-            </a:effectRef>
-            <a:fontRef idx="minor">
-              <a:schemeClr val="lt1"/>
-            </a:fontRef>
-          </p:style>
-          <p:txBody>
-            <a:bodyPr rtlCol="0" anchor="ctr"/>
-            <a:lstStyle/>
-            <a:p>
-              <a:pPr algn="ctr"/>
-              <a:endParaRPr lang="en-US"/>
-            </a:p>
-          </p:txBody>
-        </p:sp>
-        <p:sp>
-          <p:nvSpPr>
-            <p:cNvPr id="46" name="Oval 45">
-              <a:extLst>
-                <a:ext uri="{FF2B5EF4-FFF2-40B4-BE49-F238E27FC236}">
-                  <a16:creationId xmlns:a16="http://schemas.microsoft.com/office/drawing/2014/main" id="{C80124AE-3F90-24B0-8052-DFE7B06FBCBD}"/>
-                </a:ext>
-              </a:extLst>
-            </p:cNvPr>
-            <p:cNvSpPr/>
-            <p:nvPr/>
-          </p:nvSpPr>
-          <p:spPr>
-            <a:xfrm>
-              <a:off x="3304519" y="2031868"/>
-              <a:ext cx="88682" cy="88682"/>
-            </a:xfrm>
-            <a:prstGeom prst="ellipse">
-              <a:avLst/>
-            </a:prstGeom>
-            <a:solidFill>
-              <a:schemeClr val="accent2"/>
-            </a:solidFill>
-            <a:ln>
-              <a:noFill/>
-            </a:ln>
-          </p:spPr>
-          <p:style>
-            <a:lnRef idx="2">
-              <a:schemeClr val="accent1">
-                <a:shade val="15000"/>
-              </a:schemeClr>
-            </a:lnRef>
-            <a:fillRef idx="1">
-              <a:schemeClr val="accent1"/>
-            </a:fillRef>
-            <a:effectRef idx="0">
-              <a:schemeClr val="accent1"/>
-            </a:effectRef>
-            <a:fontRef idx="minor">
-              <a:schemeClr val="lt1"/>
-            </a:fontRef>
-          </p:style>
-          <p:txBody>
-            <a:bodyPr rtlCol="0" anchor="ctr"/>
-            <a:lstStyle/>
-            <a:p>
-              <a:pPr algn="ctr"/>
-              <a:endParaRPr lang="en-US"/>
-            </a:p>
-          </p:txBody>
-        </p:sp>
-        <p:sp>
-          <p:nvSpPr>
-            <p:cNvPr id="47" name="Oval 46">
-              <a:extLst>
-                <a:ext uri="{FF2B5EF4-FFF2-40B4-BE49-F238E27FC236}">
-                  <a16:creationId xmlns:a16="http://schemas.microsoft.com/office/drawing/2014/main" id="{CE064E23-F4B8-352A-833B-026CCDFF96C3}"/>
-                </a:ext>
-              </a:extLst>
-            </p:cNvPr>
-            <p:cNvSpPr/>
-            <p:nvPr/>
-          </p:nvSpPr>
-          <p:spPr>
-            <a:xfrm>
-              <a:off x="4472225" y="2833135"/>
-              <a:ext cx="88682" cy="88682"/>
-            </a:xfrm>
-            <a:prstGeom prst="ellipse">
-              <a:avLst/>
-            </a:prstGeom>
-            <a:solidFill>
-              <a:schemeClr val="accent2"/>
-            </a:solidFill>
-            <a:ln>
-              <a:noFill/>
-            </a:ln>
-          </p:spPr>
-          <p:style>
-            <a:lnRef idx="2">
-              <a:schemeClr val="accent1">
-                <a:shade val="15000"/>
-              </a:schemeClr>
-            </a:lnRef>
-            <a:fillRef idx="1">
-              <a:schemeClr val="accent1"/>
-            </a:fillRef>
-            <a:effectRef idx="0">
-              <a:schemeClr val="accent1"/>
-            </a:effectRef>
-            <a:fontRef idx="minor">
-              <a:schemeClr val="lt1"/>
-            </a:fontRef>
-          </p:style>
-          <p:txBody>
-            <a:bodyPr rtlCol="0" anchor="ctr"/>
-            <a:lstStyle/>
-            <a:p>
-              <a:pPr algn="ctr"/>
-              <a:endParaRPr lang="en-US"/>
-            </a:p>
-          </p:txBody>
-        </p:sp>
-        <p:sp>
-          <p:nvSpPr>
-            <p:cNvPr id="48" name="Oval 47">
-              <a:extLst>
-                <a:ext uri="{FF2B5EF4-FFF2-40B4-BE49-F238E27FC236}">
-                  <a16:creationId xmlns:a16="http://schemas.microsoft.com/office/drawing/2014/main" id="{15B9561F-4E6B-8C4B-6176-2A4EC5244E06}"/>
-                </a:ext>
-              </a:extLst>
-            </p:cNvPr>
-            <p:cNvSpPr/>
-            <p:nvPr/>
-          </p:nvSpPr>
-          <p:spPr>
-            <a:xfrm>
-              <a:off x="3705036" y="3337880"/>
-              <a:ext cx="88682" cy="88682"/>
-            </a:xfrm>
-            <a:prstGeom prst="ellipse">
-              <a:avLst/>
-            </a:prstGeom>
-            <a:solidFill>
-              <a:schemeClr val="accent2"/>
-            </a:solidFill>
-            <a:ln>
-              <a:noFill/>
-            </a:ln>
-          </p:spPr>
-          <p:style>
-            <a:lnRef idx="2">
-              <a:schemeClr val="accent1">
-                <a:shade val="15000"/>
-              </a:schemeClr>
-            </a:lnRef>
-            <a:fillRef idx="1">
-              <a:schemeClr val="accent1"/>
-            </a:fillRef>
-            <a:effectRef idx="0">
-              <a:schemeClr val="accent1"/>
-            </a:effectRef>
-            <a:fontRef idx="minor">
-              <a:schemeClr val="lt1"/>
-            </a:fontRef>
-          </p:style>
-          <p:txBody>
-            <a:bodyPr rtlCol="0" anchor="ctr"/>
-            <a:lstStyle/>
-            <a:p>
-              <a:pPr algn="ctr"/>
-              <a:endParaRPr lang="en-US"/>
-            </a:p>
-          </p:txBody>
-        </p:sp>
-        <p:sp>
-          <p:nvSpPr>
-            <p:cNvPr id="49" name="Oval 48">
-              <a:extLst>
-                <a:ext uri="{FF2B5EF4-FFF2-40B4-BE49-F238E27FC236}">
-                  <a16:creationId xmlns:a16="http://schemas.microsoft.com/office/drawing/2014/main" id="{6D3FEAB9-B0BB-B3E2-DC63-1B798D9243FD}"/>
-                </a:ext>
-              </a:extLst>
-            </p:cNvPr>
-            <p:cNvSpPr/>
-            <p:nvPr/>
-          </p:nvSpPr>
-          <p:spPr>
-            <a:xfrm>
-              <a:off x="4427884" y="3652612"/>
-              <a:ext cx="88682" cy="88682"/>
-            </a:xfrm>
-            <a:prstGeom prst="ellipse">
-              <a:avLst/>
-            </a:prstGeom>
-            <a:solidFill>
-              <a:schemeClr val="accent2"/>
-            </a:solidFill>
-            <a:ln>
-              <a:noFill/>
-            </a:ln>
-          </p:spPr>
-          <p:style>
-            <a:lnRef idx="2">
-              <a:schemeClr val="accent1">
-                <a:shade val="15000"/>
-              </a:schemeClr>
-            </a:lnRef>
-            <a:fillRef idx="1">
-              <a:schemeClr val="accent1"/>
-            </a:fillRef>
-            <a:effectRef idx="0">
-              <a:schemeClr val="accent1"/>
-            </a:effectRef>
-            <a:fontRef idx="minor">
-              <a:schemeClr val="lt1"/>
-            </a:fontRef>
-          </p:style>
-          <p:txBody>
-            <a:bodyPr rtlCol="0" anchor="ctr"/>
-            <a:lstStyle/>
-            <a:p>
-              <a:pPr algn="ctr"/>
-              <a:endParaRPr lang="en-US"/>
-            </a:p>
-          </p:txBody>
-        </p:sp>
-        <p:sp>
-          <p:nvSpPr>
-            <p:cNvPr id="50" name="Oval 49">
-              <a:extLst>
-                <a:ext uri="{FF2B5EF4-FFF2-40B4-BE49-F238E27FC236}">
-                  <a16:creationId xmlns:a16="http://schemas.microsoft.com/office/drawing/2014/main" id="{0B856A28-26D3-C7F3-B2DA-318470A7DAE1}"/>
-                </a:ext>
-              </a:extLst>
-            </p:cNvPr>
-            <p:cNvSpPr/>
-            <p:nvPr/>
-          </p:nvSpPr>
-          <p:spPr>
-            <a:xfrm>
-              <a:off x="3257958" y="3904500"/>
-              <a:ext cx="88682" cy="88682"/>
-            </a:xfrm>
-            <a:prstGeom prst="ellipse">
-              <a:avLst/>
-            </a:prstGeom>
-            <a:solidFill>
-              <a:schemeClr val="accent2"/>
-            </a:solidFill>
-            <a:ln>
-              <a:noFill/>
-            </a:ln>
-          </p:spPr>
-          <p:style>
-            <a:lnRef idx="2">
-              <a:schemeClr val="accent1">
-                <a:shade val="15000"/>
-              </a:schemeClr>
-            </a:lnRef>
-            <a:fillRef idx="1">
-              <a:schemeClr val="accent1"/>
-            </a:fillRef>
-            <a:effectRef idx="0">
-              <a:schemeClr val="accent1"/>
-            </a:effectRef>
-            <a:fontRef idx="minor">
-              <a:schemeClr val="lt1"/>
-            </a:fontRef>
-          </p:style>
-          <p:txBody>
-            <a:bodyPr rtlCol="0" anchor="ctr"/>
-            <a:lstStyle/>
-            <a:p>
-              <a:pPr algn="ctr"/>
-              <a:endParaRPr lang="en-US"/>
-            </a:p>
-          </p:txBody>
-        </p:sp>
-        <p:sp>
-          <p:nvSpPr>
-            <p:cNvPr id="51" name="Oval 50">
-              <a:extLst>
-                <a:ext uri="{FF2B5EF4-FFF2-40B4-BE49-F238E27FC236}">
-                  <a16:creationId xmlns:a16="http://schemas.microsoft.com/office/drawing/2014/main" id="{3AB0B927-A182-4497-F1F6-29735B7C2D68}"/>
-                </a:ext>
-              </a:extLst>
-            </p:cNvPr>
-            <p:cNvSpPr/>
-            <p:nvPr/>
-          </p:nvSpPr>
-          <p:spPr>
-            <a:xfrm>
-              <a:off x="3773308" y="4173340"/>
-              <a:ext cx="88682" cy="88682"/>
-            </a:xfrm>
-            <a:prstGeom prst="ellipse">
-              <a:avLst/>
-            </a:prstGeom>
-            <a:solidFill>
-              <a:schemeClr val="accent2"/>
-            </a:solidFill>
-            <a:ln>
-              <a:noFill/>
-            </a:ln>
-          </p:spPr>
-          <p:style>
-            <a:lnRef idx="2">
-              <a:schemeClr val="accent1">
-                <a:shade val="15000"/>
-              </a:schemeClr>
-            </a:lnRef>
-            <a:fillRef idx="1">
-              <a:schemeClr val="accent1"/>
-            </a:fillRef>
-            <a:effectRef idx="0">
-              <a:schemeClr val="accent1"/>
-            </a:effectRef>
-            <a:fontRef idx="minor">
-              <a:schemeClr val="lt1"/>
-            </a:fontRef>
-          </p:style>
-          <p:txBody>
-            <a:bodyPr rtlCol="0" anchor="ctr"/>
-            <a:lstStyle/>
-            <a:p>
-              <a:pPr algn="ctr"/>
-              <a:endParaRPr lang="en-US"/>
-            </a:p>
-          </p:txBody>
-        </p:sp>
-        <p:sp>
-          <p:nvSpPr>
-            <p:cNvPr id="52" name="Oval 51">
-              <a:extLst>
-                <a:ext uri="{FF2B5EF4-FFF2-40B4-BE49-F238E27FC236}">
-                  <a16:creationId xmlns:a16="http://schemas.microsoft.com/office/drawing/2014/main" id="{A30AC39B-37C1-8ABA-0135-0B15FE62E444}"/>
-                </a:ext>
-              </a:extLst>
-            </p:cNvPr>
-            <p:cNvSpPr/>
-            <p:nvPr/>
-          </p:nvSpPr>
-          <p:spPr>
-            <a:xfrm>
-              <a:off x="4857029" y="4048427"/>
-              <a:ext cx="88682" cy="88682"/>
-            </a:xfrm>
-            <a:prstGeom prst="ellipse">
-              <a:avLst/>
-            </a:prstGeom>
-            <a:solidFill>
-              <a:schemeClr val="accent2"/>
-            </a:solidFill>
-            <a:ln>
-              <a:noFill/>
-            </a:ln>
-          </p:spPr>
-          <p:style>
-            <a:lnRef idx="2">
-              <a:schemeClr val="accent1">
-                <a:shade val="15000"/>
-              </a:schemeClr>
-            </a:lnRef>
-            <a:fillRef idx="1">
-              <a:schemeClr val="accent1"/>
-            </a:fillRef>
-            <a:effectRef idx="0">
-              <a:schemeClr val="accent1"/>
-            </a:effectRef>
-            <a:fontRef idx="minor">
-              <a:schemeClr val="lt1"/>
-            </a:fontRef>
-          </p:style>
-          <p:txBody>
-            <a:bodyPr rtlCol="0" anchor="ctr"/>
-            <a:lstStyle/>
-            <a:p>
-              <a:pPr algn="ctr"/>
-              <a:endParaRPr lang="en-US"/>
-            </a:p>
-          </p:txBody>
-        </p:sp>
-        <p:sp>
-          <p:nvSpPr>
-            <p:cNvPr id="53" name="Oval 52">
-              <a:extLst>
-                <a:ext uri="{FF2B5EF4-FFF2-40B4-BE49-F238E27FC236}">
-                  <a16:creationId xmlns:a16="http://schemas.microsoft.com/office/drawing/2014/main" id="{66E5BAE5-E816-C094-9C1A-FB327981AEF6}"/>
-                </a:ext>
-              </a:extLst>
-            </p:cNvPr>
-            <p:cNvSpPr/>
-            <p:nvPr/>
-          </p:nvSpPr>
-          <p:spPr>
-            <a:xfrm>
-              <a:off x="4901370" y="2826966"/>
-              <a:ext cx="88682" cy="88682"/>
-            </a:xfrm>
-            <a:prstGeom prst="ellipse">
-              <a:avLst/>
-            </a:prstGeom>
-            <a:solidFill>
-              <a:schemeClr val="accent2"/>
-            </a:solidFill>
-            <a:ln>
-              <a:noFill/>
-            </a:ln>
-          </p:spPr>
-          <p:style>
-            <a:lnRef idx="2">
-              <a:schemeClr val="accent1">
-                <a:shade val="15000"/>
-              </a:schemeClr>
-            </a:lnRef>
-            <a:fillRef idx="1">
-              <a:schemeClr val="accent1"/>
-            </a:fillRef>
-            <a:effectRef idx="0">
-              <a:schemeClr val="accent1"/>
-            </a:effectRef>
-            <a:fontRef idx="minor">
-              <a:schemeClr val="lt1"/>
-            </a:fontRef>
-          </p:style>
-          <p:txBody>
-            <a:bodyPr rtlCol="0" anchor="ctr"/>
-            <a:lstStyle/>
-            <a:p>
-              <a:pPr algn="ctr"/>
-              <a:endParaRPr lang="en-US"/>
-            </a:p>
-          </p:txBody>
-        </p:sp>
-        <p:sp>
-          <p:nvSpPr>
-            <p:cNvPr id="54" name="Oval 53">
-              <a:extLst>
-                <a:ext uri="{FF2B5EF4-FFF2-40B4-BE49-F238E27FC236}">
-                  <a16:creationId xmlns:a16="http://schemas.microsoft.com/office/drawing/2014/main" id="{BB009CE4-F312-E149-C09C-CD12E7B37264}"/>
-                </a:ext>
-              </a:extLst>
-            </p:cNvPr>
-            <p:cNvSpPr/>
-            <p:nvPr/>
-          </p:nvSpPr>
-          <p:spPr>
-            <a:xfrm>
-              <a:off x="2458337" y="2140732"/>
-              <a:ext cx="88682" cy="88682"/>
-            </a:xfrm>
-            <a:prstGeom prst="ellipse">
-              <a:avLst/>
-            </a:prstGeom>
-            <a:solidFill>
-              <a:schemeClr val="accent2"/>
-            </a:solidFill>
-            <a:ln>
-              <a:noFill/>
-            </a:ln>
-          </p:spPr>
-          <p:style>
-            <a:lnRef idx="2">
-              <a:schemeClr val="accent1">
-                <a:shade val="15000"/>
-              </a:schemeClr>
-            </a:lnRef>
-            <a:fillRef idx="1">
-              <a:schemeClr val="accent1"/>
-            </a:fillRef>
-            <a:effectRef idx="0">
-              <a:schemeClr val="accent1"/>
-            </a:effectRef>
-            <a:fontRef idx="minor">
-              <a:schemeClr val="lt1"/>
-            </a:fontRef>
-          </p:style>
-          <p:txBody>
-            <a:bodyPr rtlCol="0" anchor="ctr"/>
-            <a:lstStyle/>
-            <a:p>
-              <a:pPr algn="ctr"/>
-              <a:endParaRPr lang="en-US"/>
-            </a:p>
-          </p:txBody>
-        </p:sp>
-        <p:sp>
-          <p:nvSpPr>
-            <p:cNvPr id="55" name="Oval 54">
-              <a:extLst>
-                <a:ext uri="{FF2B5EF4-FFF2-40B4-BE49-F238E27FC236}">
-                  <a16:creationId xmlns:a16="http://schemas.microsoft.com/office/drawing/2014/main" id="{948E2187-93A9-7AA8-33B4-AE0219C480AD}"/>
-                </a:ext>
-              </a:extLst>
-            </p:cNvPr>
-            <p:cNvSpPr/>
-            <p:nvPr/>
-          </p:nvSpPr>
-          <p:spPr>
-            <a:xfrm>
-              <a:off x="2820762" y="2979085"/>
-              <a:ext cx="88682" cy="88682"/>
-            </a:xfrm>
-            <a:prstGeom prst="ellipse">
-              <a:avLst/>
-            </a:prstGeom>
-            <a:solidFill>
-              <a:schemeClr val="accent2"/>
-            </a:solidFill>
-            <a:ln>
-              <a:noFill/>
-            </a:ln>
-          </p:spPr>
-          <p:style>
-            <a:lnRef idx="2">
-              <a:schemeClr val="accent1">
-                <a:shade val="15000"/>
-              </a:schemeClr>
-            </a:lnRef>
-            <a:fillRef idx="1">
-              <a:schemeClr val="accent1"/>
-            </a:fillRef>
-            <a:effectRef idx="0">
-              <a:schemeClr val="accent1"/>
-            </a:effectRef>
-            <a:fontRef idx="minor">
-              <a:schemeClr val="lt1"/>
-            </a:fontRef>
-          </p:style>
-          <p:txBody>
-            <a:bodyPr rtlCol="0" anchor="ctr"/>
-            <a:lstStyle/>
-            <a:p>
-              <a:pPr algn="ctr"/>
-              <a:endParaRPr lang="en-US"/>
-            </a:p>
-          </p:txBody>
-        </p:sp>
-        <p:sp>
-          <p:nvSpPr>
-            <p:cNvPr id="56" name="Oval 55">
-              <a:extLst>
-                <a:ext uri="{FF2B5EF4-FFF2-40B4-BE49-F238E27FC236}">
-                  <a16:creationId xmlns:a16="http://schemas.microsoft.com/office/drawing/2014/main" id="{FE2C2377-AA00-E711-8A7F-823D0D3C2456}"/>
-                </a:ext>
-              </a:extLst>
-            </p:cNvPr>
-            <p:cNvSpPr/>
-            <p:nvPr/>
-          </p:nvSpPr>
-          <p:spPr>
-            <a:xfrm>
-              <a:off x="2418857" y="3603058"/>
-              <a:ext cx="88682" cy="88682"/>
-            </a:xfrm>
-            <a:prstGeom prst="ellipse">
-              <a:avLst/>
-            </a:prstGeom>
-            <a:solidFill>
-              <a:schemeClr val="accent2"/>
-            </a:solidFill>
-            <a:ln>
-              <a:noFill/>
-            </a:ln>
-          </p:spPr>
-          <p:style>
-            <a:lnRef idx="2">
-              <a:schemeClr val="accent1">
-                <a:shade val="15000"/>
-              </a:schemeClr>
-            </a:lnRef>
-            <a:fillRef idx="1">
-              <a:schemeClr val="accent1"/>
-            </a:fillRef>
-            <a:effectRef idx="0">
-              <a:schemeClr val="accent1"/>
-            </a:effectRef>
-            <a:fontRef idx="minor">
-              <a:schemeClr val="lt1"/>
-            </a:fontRef>
-          </p:style>
-          <p:txBody>
-            <a:bodyPr rtlCol="0" anchor="ctr"/>
-            <a:lstStyle/>
-            <a:p>
-              <a:pPr algn="ctr"/>
-              <a:endParaRPr lang="en-US"/>
-            </a:p>
-          </p:txBody>
-        </p:sp>
-        <p:sp>
-          <p:nvSpPr>
-            <p:cNvPr id="57" name="Oval 56">
-              <a:extLst>
-                <a:ext uri="{FF2B5EF4-FFF2-40B4-BE49-F238E27FC236}">
-                  <a16:creationId xmlns:a16="http://schemas.microsoft.com/office/drawing/2014/main" id="{D41FAFCE-BD2D-DF5C-A502-0A68A4248F01}"/>
-                </a:ext>
-              </a:extLst>
-            </p:cNvPr>
-            <p:cNvSpPr/>
-            <p:nvPr/>
-          </p:nvSpPr>
-          <p:spPr>
-            <a:xfrm>
-              <a:off x="1446716" y="2176880"/>
-              <a:ext cx="88682" cy="88682"/>
-            </a:xfrm>
-            <a:prstGeom prst="ellipse">
-              <a:avLst/>
-            </a:prstGeom>
-            <a:solidFill>
-              <a:schemeClr val="accent2"/>
-            </a:solidFill>
-            <a:ln>
-              <a:noFill/>
-            </a:ln>
-          </p:spPr>
-          <p:style>
-            <a:lnRef idx="2">
-              <a:schemeClr val="accent1">
-                <a:shade val="15000"/>
-              </a:schemeClr>
-            </a:lnRef>
-            <a:fillRef idx="1">
-              <a:schemeClr val="accent1"/>
-            </a:fillRef>
-            <a:effectRef idx="0">
-              <a:schemeClr val="accent1"/>
-            </a:effectRef>
-            <a:fontRef idx="minor">
-              <a:schemeClr val="lt1"/>
-            </a:fontRef>
-          </p:style>
-          <p:txBody>
-            <a:bodyPr rtlCol="0" anchor="ctr"/>
-            <a:lstStyle/>
-            <a:p>
-              <a:pPr algn="ctr"/>
-              <a:endParaRPr lang="en-US"/>
-            </a:p>
-          </p:txBody>
-        </p:sp>
-        <p:sp>
-          <p:nvSpPr>
-            <p:cNvPr id="58" name="Oval 57">
-              <a:extLst>
-                <a:ext uri="{FF2B5EF4-FFF2-40B4-BE49-F238E27FC236}">
-                  <a16:creationId xmlns:a16="http://schemas.microsoft.com/office/drawing/2014/main" id="{B7CE5821-C5A0-8CC8-DCAC-2DFE82F1BA83}"/>
-                </a:ext>
-              </a:extLst>
-            </p:cNvPr>
-            <p:cNvSpPr/>
-            <p:nvPr/>
-          </p:nvSpPr>
-          <p:spPr>
-            <a:xfrm>
-              <a:off x="1218229" y="4024199"/>
-              <a:ext cx="88682" cy="88682"/>
-            </a:xfrm>
-            <a:prstGeom prst="ellipse">
-              <a:avLst/>
-            </a:prstGeom>
-            <a:solidFill>
-              <a:schemeClr val="accent2"/>
-            </a:solidFill>
-            <a:ln>
-              <a:noFill/>
-            </a:ln>
-          </p:spPr>
-          <p:style>
-            <a:lnRef idx="2">
-              <a:schemeClr val="accent1">
-                <a:shade val="15000"/>
-              </a:schemeClr>
-            </a:lnRef>
-            <a:fillRef idx="1">
-              <a:schemeClr val="accent1"/>
-            </a:fillRef>
-            <a:effectRef idx="0">
-              <a:schemeClr val="accent1"/>
-            </a:effectRef>
-            <a:fontRef idx="minor">
-              <a:schemeClr val="lt1"/>
-            </a:fontRef>
-          </p:style>
-          <p:txBody>
-            <a:bodyPr rtlCol="0" anchor="ctr"/>
-            <a:lstStyle/>
-            <a:p>
-              <a:pPr algn="ctr"/>
-              <a:endParaRPr lang="en-US"/>
-            </a:p>
-          </p:txBody>
-        </p:sp>
-        <p:sp>
-          <p:nvSpPr>
-            <p:cNvPr id="59" name="Oval 58">
-              <a:extLst>
-                <a:ext uri="{FF2B5EF4-FFF2-40B4-BE49-F238E27FC236}">
-                  <a16:creationId xmlns:a16="http://schemas.microsoft.com/office/drawing/2014/main" id="{C989B62B-8236-41C7-8A85-57444E0690FE}"/>
-                </a:ext>
-              </a:extLst>
-            </p:cNvPr>
-            <p:cNvSpPr/>
-            <p:nvPr/>
-          </p:nvSpPr>
-          <p:spPr>
-            <a:xfrm>
-              <a:off x="1703145" y="3321307"/>
-              <a:ext cx="88682" cy="88682"/>
-            </a:xfrm>
-            <a:prstGeom prst="ellipse">
-              <a:avLst/>
-            </a:prstGeom>
-            <a:solidFill>
-              <a:schemeClr val="accent2"/>
-            </a:solidFill>
-            <a:ln>
-              <a:noFill/>
-            </a:ln>
-          </p:spPr>
-          <p:style>
-            <a:lnRef idx="2">
-              <a:schemeClr val="accent1">
-                <a:shade val="15000"/>
-              </a:schemeClr>
-            </a:lnRef>
-            <a:fillRef idx="1">
-              <a:schemeClr val="accent1"/>
-            </a:fillRef>
-            <a:effectRef idx="0">
-              <a:schemeClr val="accent1"/>
-            </a:effectRef>
-            <a:fontRef idx="minor">
-              <a:schemeClr val="lt1"/>
-            </a:fontRef>
-          </p:style>
-          <p:txBody>
-            <a:bodyPr rtlCol="0" anchor="ctr"/>
-            <a:lstStyle/>
-            <a:p>
-              <a:pPr algn="ctr"/>
-              <a:endParaRPr lang="en-US"/>
-            </a:p>
-          </p:txBody>
-        </p:sp>
-        <p:sp>
-          <p:nvSpPr>
-            <p:cNvPr id="60" name="Oval 59">
-              <a:extLst>
-                <a:ext uri="{FF2B5EF4-FFF2-40B4-BE49-F238E27FC236}">
-                  <a16:creationId xmlns:a16="http://schemas.microsoft.com/office/drawing/2014/main" id="{4E62298B-762D-AC61-1131-F41405293E8D}"/>
-                </a:ext>
-              </a:extLst>
-            </p:cNvPr>
-            <p:cNvSpPr/>
-            <p:nvPr/>
-          </p:nvSpPr>
-          <p:spPr>
-            <a:xfrm>
-              <a:off x="3810903" y="2616702"/>
-              <a:ext cx="88682" cy="88682"/>
-            </a:xfrm>
-            <a:prstGeom prst="ellipse">
-              <a:avLst/>
-            </a:prstGeom>
-            <a:solidFill>
-              <a:schemeClr val="accent2"/>
-            </a:solidFill>
-            <a:ln>
-              <a:noFill/>
-            </a:ln>
-          </p:spPr>
-          <p:style>
-            <a:lnRef idx="2">
-              <a:schemeClr val="accent1">
-                <a:shade val="15000"/>
-              </a:schemeClr>
-            </a:lnRef>
-            <a:fillRef idx="1">
-              <a:schemeClr val="accent1"/>
-            </a:fillRef>
-            <a:effectRef idx="0">
-              <a:schemeClr val="accent1"/>
-            </a:effectRef>
-            <a:fontRef idx="minor">
-              <a:schemeClr val="lt1"/>
-            </a:fontRef>
-          </p:style>
-          <p:txBody>
-            <a:bodyPr rtlCol="0" anchor="ctr"/>
-            <a:lstStyle/>
-            <a:p>
-              <a:pPr algn="ctr"/>
-              <a:endParaRPr lang="en-US"/>
-            </a:p>
-          </p:txBody>
-        </p:sp>
-        <p:sp>
-          <p:nvSpPr>
-            <p:cNvPr id="61" name="Oval 60">
-              <a:extLst>
-                <a:ext uri="{FF2B5EF4-FFF2-40B4-BE49-F238E27FC236}">
-                  <a16:creationId xmlns:a16="http://schemas.microsoft.com/office/drawing/2014/main" id="{884D53DF-316D-0913-FE67-518F5543DFDF}"/>
-                </a:ext>
-              </a:extLst>
-            </p:cNvPr>
-            <p:cNvSpPr/>
-            <p:nvPr/>
-          </p:nvSpPr>
-          <p:spPr>
-            <a:xfrm>
-              <a:off x="572024" y="2185073"/>
-              <a:ext cx="88682" cy="88682"/>
-            </a:xfrm>
-            <a:prstGeom prst="ellipse">
-              <a:avLst/>
-            </a:prstGeom>
-            <a:solidFill>
-              <a:schemeClr val="accent2"/>
-            </a:solidFill>
-            <a:ln>
-              <a:noFill/>
-            </a:ln>
-          </p:spPr>
-          <p:style>
-            <a:lnRef idx="2">
-              <a:schemeClr val="accent1">
-                <a:shade val="15000"/>
-              </a:schemeClr>
-            </a:lnRef>
-            <a:fillRef idx="1">
-              <a:schemeClr val="accent1"/>
-            </a:fillRef>
-            <a:effectRef idx="0">
-              <a:schemeClr val="accent1"/>
-            </a:effectRef>
-            <a:fontRef idx="minor">
-              <a:schemeClr val="lt1"/>
-            </a:fontRef>
-          </p:style>
-          <p:txBody>
-            <a:bodyPr rtlCol="0" anchor="ctr"/>
-            <a:lstStyle/>
-            <a:p>
-              <a:pPr algn="ctr"/>
-              <a:endParaRPr lang="en-US"/>
-            </a:p>
-          </p:txBody>
-        </p:sp>
-        <p:sp>
-          <p:nvSpPr>
-            <p:cNvPr id="62" name="Oval 61">
-              <a:extLst>
-                <a:ext uri="{FF2B5EF4-FFF2-40B4-BE49-F238E27FC236}">
-                  <a16:creationId xmlns:a16="http://schemas.microsoft.com/office/drawing/2014/main" id="{466813D0-E652-7D88-CBF8-2941D1AB6C28}"/>
-                </a:ext>
-              </a:extLst>
-            </p:cNvPr>
-            <p:cNvSpPr/>
-            <p:nvPr/>
-          </p:nvSpPr>
-          <p:spPr>
-            <a:xfrm>
-              <a:off x="589636" y="2949457"/>
-              <a:ext cx="88682" cy="88682"/>
-            </a:xfrm>
-            <a:prstGeom prst="ellipse">
-              <a:avLst/>
-            </a:prstGeom>
-            <a:solidFill>
-              <a:schemeClr val="accent2"/>
-            </a:solidFill>
-            <a:ln>
-              <a:noFill/>
-            </a:ln>
-          </p:spPr>
-          <p:style>
-            <a:lnRef idx="2">
-              <a:schemeClr val="accent1">
-                <a:shade val="15000"/>
-              </a:schemeClr>
-            </a:lnRef>
-            <a:fillRef idx="1">
-              <a:schemeClr val="accent1"/>
-            </a:fillRef>
-            <a:effectRef idx="0">
-              <a:schemeClr val="accent1"/>
-            </a:effectRef>
-            <a:fontRef idx="minor">
-              <a:schemeClr val="lt1"/>
-            </a:fontRef>
-          </p:style>
-          <p:txBody>
-            <a:bodyPr rtlCol="0" anchor="ctr"/>
-            <a:lstStyle/>
-            <a:p>
-              <a:pPr algn="ctr"/>
-              <a:endParaRPr lang="en-US"/>
-            </a:p>
-          </p:txBody>
-        </p:sp>
-        <p:sp>
-          <p:nvSpPr>
             <p:cNvPr id="63" name="TextBox 62">
               <a:extLst>
                 <a:ext uri="{FF2B5EF4-FFF2-40B4-BE49-F238E27FC236}">
@@ -10167,851 +9581,7 @@
             </a:p>
           </p:txBody>
         </p:sp>
-        <p:sp>
-          <p:nvSpPr>
-            <p:cNvPr id="65" name="Oval 64">
-              <a:extLst>
-                <a:ext uri="{FF2B5EF4-FFF2-40B4-BE49-F238E27FC236}">
-                  <a16:creationId xmlns:a16="http://schemas.microsoft.com/office/drawing/2014/main" id="{FBBFF124-B57E-0269-8C7A-7016471C1C20}"/>
-                </a:ext>
-              </a:extLst>
-            </p:cNvPr>
-            <p:cNvSpPr/>
-            <p:nvPr/>
-          </p:nvSpPr>
-          <p:spPr>
-            <a:xfrm>
-              <a:off x="3775373" y="3795093"/>
-              <a:ext cx="159741" cy="159741"/>
-            </a:xfrm>
-            <a:prstGeom prst="ellipse">
-              <a:avLst/>
-            </a:prstGeom>
-            <a:solidFill>
-              <a:schemeClr val="bg1"/>
-            </a:solidFill>
-            <a:ln w="19050">
-              <a:solidFill>
-                <a:schemeClr val="tx1"/>
-              </a:solidFill>
-            </a:ln>
-          </p:spPr>
-          <p:style>
-            <a:lnRef idx="2">
-              <a:schemeClr val="accent1">
-                <a:shade val="15000"/>
-              </a:schemeClr>
-            </a:lnRef>
-            <a:fillRef idx="1">
-              <a:schemeClr val="accent1"/>
-            </a:fillRef>
-            <a:effectRef idx="0">
-              <a:schemeClr val="accent1"/>
-            </a:effectRef>
-            <a:fontRef idx="minor">
-              <a:schemeClr val="lt1"/>
-            </a:fontRef>
-          </p:style>
-          <p:txBody>
-            <a:bodyPr rtlCol="0" anchor="ctr"/>
-            <a:lstStyle/>
-            <a:p>
-              <a:pPr algn="ctr"/>
-              <a:endParaRPr lang="en-US"/>
-            </a:p>
-          </p:txBody>
-        </p:sp>
-        <p:sp>
-          <p:nvSpPr>
-            <p:cNvPr id="68" name="Oval 67">
-              <a:extLst>
-                <a:ext uri="{FF2B5EF4-FFF2-40B4-BE49-F238E27FC236}">
-                  <a16:creationId xmlns:a16="http://schemas.microsoft.com/office/drawing/2014/main" id="{11F886F2-6683-2191-60DA-418349EDD84F}"/>
-                </a:ext>
-              </a:extLst>
-            </p:cNvPr>
-            <p:cNvSpPr/>
-            <p:nvPr/>
-          </p:nvSpPr>
-          <p:spPr>
-            <a:xfrm>
-              <a:off x="4737076" y="3357552"/>
-              <a:ext cx="159741" cy="159741"/>
-            </a:xfrm>
-            <a:prstGeom prst="ellipse">
-              <a:avLst/>
-            </a:prstGeom>
-            <a:solidFill>
-              <a:schemeClr val="bg1"/>
-            </a:solidFill>
-            <a:ln w="19050">
-              <a:solidFill>
-                <a:schemeClr val="tx1"/>
-              </a:solidFill>
-            </a:ln>
-          </p:spPr>
-          <p:style>
-            <a:lnRef idx="2">
-              <a:schemeClr val="accent1">
-                <a:shade val="15000"/>
-              </a:schemeClr>
-            </a:lnRef>
-            <a:fillRef idx="1">
-              <a:schemeClr val="accent1"/>
-            </a:fillRef>
-            <a:effectRef idx="0">
-              <a:schemeClr val="accent1"/>
-            </a:effectRef>
-            <a:fontRef idx="minor">
-              <a:schemeClr val="lt1"/>
-            </a:fontRef>
-          </p:style>
-          <p:txBody>
-            <a:bodyPr rtlCol="0" anchor="ctr"/>
-            <a:lstStyle/>
-            <a:p>
-              <a:pPr algn="ctr"/>
-              <a:endParaRPr lang="en-US"/>
-            </a:p>
-          </p:txBody>
-        </p:sp>
-        <p:sp>
-          <p:nvSpPr>
-            <p:cNvPr id="69" name="Oval 68">
-              <a:extLst>
-                <a:ext uri="{FF2B5EF4-FFF2-40B4-BE49-F238E27FC236}">
-                  <a16:creationId xmlns:a16="http://schemas.microsoft.com/office/drawing/2014/main" id="{072D22D9-27F6-BAAE-5B6F-273D749AE70B}"/>
-                </a:ext>
-              </a:extLst>
-            </p:cNvPr>
-            <p:cNvSpPr/>
-            <p:nvPr/>
-          </p:nvSpPr>
-          <p:spPr>
-            <a:xfrm>
-              <a:off x="4737075" y="2643335"/>
-              <a:ext cx="159741" cy="159741"/>
-            </a:xfrm>
-            <a:prstGeom prst="ellipse">
-              <a:avLst/>
-            </a:prstGeom>
-            <a:solidFill>
-              <a:schemeClr val="bg1"/>
-            </a:solidFill>
-            <a:ln w="19050">
-              <a:solidFill>
-                <a:schemeClr val="tx1"/>
-              </a:solidFill>
-            </a:ln>
-          </p:spPr>
-          <p:style>
-            <a:lnRef idx="2">
-              <a:schemeClr val="accent1">
-                <a:shade val="15000"/>
-              </a:schemeClr>
-            </a:lnRef>
-            <a:fillRef idx="1">
-              <a:schemeClr val="accent1"/>
-            </a:fillRef>
-            <a:effectRef idx="0">
-              <a:schemeClr val="accent1"/>
-            </a:effectRef>
-            <a:fontRef idx="minor">
-              <a:schemeClr val="lt1"/>
-            </a:fontRef>
-          </p:style>
-          <p:txBody>
-            <a:bodyPr rtlCol="0" anchor="ctr"/>
-            <a:lstStyle/>
-            <a:p>
-              <a:pPr algn="ctr"/>
-              <a:endParaRPr lang="en-US"/>
-            </a:p>
-          </p:txBody>
-        </p:sp>
-        <p:sp>
-          <p:nvSpPr>
-            <p:cNvPr id="70" name="Oval 69">
-              <a:extLst>
-                <a:ext uri="{FF2B5EF4-FFF2-40B4-BE49-F238E27FC236}">
-                  <a16:creationId xmlns:a16="http://schemas.microsoft.com/office/drawing/2014/main" id="{B5D812F0-DE09-F4DE-86BF-510704D4C866}"/>
-                </a:ext>
-              </a:extLst>
-            </p:cNvPr>
-            <p:cNvSpPr/>
-            <p:nvPr/>
-          </p:nvSpPr>
-          <p:spPr>
-            <a:xfrm>
-              <a:off x="3946777" y="3308846"/>
-              <a:ext cx="159741" cy="159741"/>
-            </a:xfrm>
-            <a:prstGeom prst="ellipse">
-              <a:avLst/>
-            </a:prstGeom>
-            <a:solidFill>
-              <a:schemeClr val="bg1"/>
-            </a:solidFill>
-            <a:ln w="19050">
-              <a:solidFill>
-                <a:schemeClr val="tx1"/>
-              </a:solidFill>
-            </a:ln>
-          </p:spPr>
-          <p:style>
-            <a:lnRef idx="2">
-              <a:schemeClr val="accent1">
-                <a:shade val="15000"/>
-              </a:schemeClr>
-            </a:lnRef>
-            <a:fillRef idx="1">
-              <a:schemeClr val="accent1"/>
-            </a:fillRef>
-            <a:effectRef idx="0">
-              <a:schemeClr val="accent1"/>
-            </a:effectRef>
-            <a:fontRef idx="minor">
-              <a:schemeClr val="lt1"/>
-            </a:fontRef>
-          </p:style>
-          <p:txBody>
-            <a:bodyPr rtlCol="0" anchor="ctr"/>
-            <a:lstStyle/>
-            <a:p>
-              <a:pPr algn="ctr"/>
-              <a:endParaRPr lang="en-US"/>
-            </a:p>
-          </p:txBody>
-        </p:sp>
-        <p:sp>
-          <p:nvSpPr>
-            <p:cNvPr id="71" name="Oval 70">
-              <a:extLst>
-                <a:ext uri="{FF2B5EF4-FFF2-40B4-BE49-F238E27FC236}">
-                  <a16:creationId xmlns:a16="http://schemas.microsoft.com/office/drawing/2014/main" id="{84F735A6-A493-01F8-9C89-B9E0274BCE32}"/>
-                </a:ext>
-              </a:extLst>
-            </p:cNvPr>
-            <p:cNvSpPr/>
-            <p:nvPr/>
-          </p:nvSpPr>
-          <p:spPr>
-            <a:xfrm>
-              <a:off x="4813472" y="2204127"/>
-              <a:ext cx="159741" cy="159741"/>
-            </a:xfrm>
-            <a:prstGeom prst="ellipse">
-              <a:avLst/>
-            </a:prstGeom>
-            <a:solidFill>
-              <a:schemeClr val="bg1"/>
-            </a:solidFill>
-            <a:ln w="19050">
-              <a:solidFill>
-                <a:schemeClr val="tx1"/>
-              </a:solidFill>
-            </a:ln>
-          </p:spPr>
-          <p:style>
-            <a:lnRef idx="2">
-              <a:schemeClr val="accent1">
-                <a:shade val="15000"/>
-              </a:schemeClr>
-            </a:lnRef>
-            <a:fillRef idx="1">
-              <a:schemeClr val="accent1"/>
-            </a:fillRef>
-            <a:effectRef idx="0">
-              <a:schemeClr val="accent1"/>
-            </a:effectRef>
-            <a:fontRef idx="minor">
-              <a:schemeClr val="lt1"/>
-            </a:fontRef>
-          </p:style>
-          <p:txBody>
-            <a:bodyPr rtlCol="0" anchor="ctr"/>
-            <a:lstStyle/>
-            <a:p>
-              <a:pPr algn="ctr"/>
-              <a:endParaRPr lang="en-US"/>
-            </a:p>
-          </p:txBody>
-        </p:sp>
-        <p:sp>
-          <p:nvSpPr>
-            <p:cNvPr id="72" name="Oval 71">
-              <a:extLst>
-                <a:ext uri="{FF2B5EF4-FFF2-40B4-BE49-F238E27FC236}">
-                  <a16:creationId xmlns:a16="http://schemas.microsoft.com/office/drawing/2014/main" id="{4E0F9424-8C3E-E442-A64F-E7B39F4772B8}"/>
-                </a:ext>
-              </a:extLst>
-            </p:cNvPr>
-            <p:cNvSpPr/>
-            <p:nvPr/>
-          </p:nvSpPr>
-          <p:spPr>
-            <a:xfrm>
-              <a:off x="5001232" y="3224068"/>
-              <a:ext cx="159741" cy="159741"/>
-            </a:xfrm>
-            <a:prstGeom prst="ellipse">
-              <a:avLst/>
-            </a:prstGeom>
-            <a:solidFill>
-              <a:schemeClr val="bg1"/>
-            </a:solidFill>
-            <a:ln w="19050">
-              <a:solidFill>
-                <a:schemeClr val="tx1"/>
-              </a:solidFill>
-            </a:ln>
-          </p:spPr>
-          <p:style>
-            <a:lnRef idx="2">
-              <a:schemeClr val="accent1">
-                <a:shade val="15000"/>
-              </a:schemeClr>
-            </a:lnRef>
-            <a:fillRef idx="1">
-              <a:schemeClr val="accent1"/>
-            </a:fillRef>
-            <a:effectRef idx="0">
-              <a:schemeClr val="accent1"/>
-            </a:effectRef>
-            <a:fontRef idx="minor">
-              <a:schemeClr val="lt1"/>
-            </a:fontRef>
-          </p:style>
-          <p:txBody>
-            <a:bodyPr rtlCol="0" anchor="ctr"/>
-            <a:lstStyle/>
-            <a:p>
-              <a:pPr algn="ctr"/>
-              <a:endParaRPr lang="en-US"/>
-            </a:p>
-          </p:txBody>
-        </p:sp>
-        <p:sp>
-          <p:nvSpPr>
-            <p:cNvPr id="73" name="Oval 72">
-              <a:extLst>
-                <a:ext uri="{FF2B5EF4-FFF2-40B4-BE49-F238E27FC236}">
-                  <a16:creationId xmlns:a16="http://schemas.microsoft.com/office/drawing/2014/main" id="{3300FD36-74D1-C93D-C96A-D481A89A0DAB}"/>
-                </a:ext>
-              </a:extLst>
-            </p:cNvPr>
-            <p:cNvSpPr/>
-            <p:nvPr/>
-          </p:nvSpPr>
-          <p:spPr>
-            <a:xfrm>
-              <a:off x="4613217" y="3755185"/>
-              <a:ext cx="159741" cy="159741"/>
-            </a:xfrm>
-            <a:prstGeom prst="ellipse">
-              <a:avLst/>
-            </a:prstGeom>
-            <a:solidFill>
-              <a:schemeClr val="bg1"/>
-            </a:solidFill>
-            <a:ln w="19050">
-              <a:solidFill>
-                <a:schemeClr val="tx1"/>
-              </a:solidFill>
-            </a:ln>
-          </p:spPr>
-          <p:style>
-            <a:lnRef idx="2">
-              <a:schemeClr val="accent1">
-                <a:shade val="15000"/>
-              </a:schemeClr>
-            </a:lnRef>
-            <a:fillRef idx="1">
-              <a:schemeClr val="accent1"/>
-            </a:fillRef>
-            <a:effectRef idx="0">
-              <a:schemeClr val="accent1"/>
-            </a:effectRef>
-            <a:fontRef idx="minor">
-              <a:schemeClr val="lt1"/>
-            </a:fontRef>
-          </p:style>
-          <p:txBody>
-            <a:bodyPr rtlCol="0" anchor="ctr"/>
-            <a:lstStyle/>
-            <a:p>
-              <a:pPr algn="ctr"/>
-              <a:endParaRPr lang="en-US"/>
-            </a:p>
-          </p:txBody>
-        </p:sp>
-        <p:sp>
-          <p:nvSpPr>
-            <p:cNvPr id="74" name="Oval 73">
-              <a:extLst>
-                <a:ext uri="{FF2B5EF4-FFF2-40B4-BE49-F238E27FC236}">
-                  <a16:creationId xmlns:a16="http://schemas.microsoft.com/office/drawing/2014/main" id="{DF0A1960-AA94-D02F-EBA5-5EBF6A3C652D}"/>
-                </a:ext>
-              </a:extLst>
-            </p:cNvPr>
-            <p:cNvSpPr/>
-            <p:nvPr/>
-          </p:nvSpPr>
-          <p:spPr>
-            <a:xfrm>
-              <a:off x="5023556" y="4155221"/>
-              <a:ext cx="159741" cy="159741"/>
-            </a:xfrm>
-            <a:prstGeom prst="ellipse">
-              <a:avLst/>
-            </a:prstGeom>
-            <a:solidFill>
-              <a:schemeClr val="bg1"/>
-            </a:solidFill>
-            <a:ln w="19050">
-              <a:solidFill>
-                <a:schemeClr val="tx1"/>
-              </a:solidFill>
-            </a:ln>
-          </p:spPr>
-          <p:style>
-            <a:lnRef idx="2">
-              <a:schemeClr val="accent1">
-                <a:shade val="15000"/>
-              </a:schemeClr>
-            </a:lnRef>
-            <a:fillRef idx="1">
-              <a:schemeClr val="accent1"/>
-            </a:fillRef>
-            <a:effectRef idx="0">
-              <a:schemeClr val="accent1"/>
-            </a:effectRef>
-            <a:fontRef idx="minor">
-              <a:schemeClr val="lt1"/>
-            </a:fontRef>
-          </p:style>
-          <p:txBody>
-            <a:bodyPr rtlCol="0" anchor="ctr"/>
-            <a:lstStyle/>
-            <a:p>
-              <a:pPr algn="ctr"/>
-              <a:endParaRPr lang="en-US"/>
-            </a:p>
-          </p:txBody>
-        </p:sp>
-        <p:sp>
-          <p:nvSpPr>
-            <p:cNvPr id="75" name="Oval 74">
-              <a:extLst>
-                <a:ext uri="{FF2B5EF4-FFF2-40B4-BE49-F238E27FC236}">
-                  <a16:creationId xmlns:a16="http://schemas.microsoft.com/office/drawing/2014/main" id="{88DDE6AE-E579-D67C-7CAE-25925D9BC6B0}"/>
-                </a:ext>
-              </a:extLst>
-            </p:cNvPr>
-            <p:cNvSpPr/>
-            <p:nvPr/>
-          </p:nvSpPr>
-          <p:spPr>
-            <a:xfrm>
-              <a:off x="4136572" y="2196222"/>
-              <a:ext cx="159741" cy="159741"/>
-            </a:xfrm>
-            <a:prstGeom prst="ellipse">
-              <a:avLst/>
-            </a:prstGeom>
-            <a:solidFill>
-              <a:schemeClr val="bg1"/>
-            </a:solidFill>
-            <a:ln w="19050">
-              <a:solidFill>
-                <a:schemeClr val="tx1"/>
-              </a:solidFill>
-            </a:ln>
-          </p:spPr>
-          <p:style>
-            <a:lnRef idx="2">
-              <a:schemeClr val="accent1">
-                <a:shade val="15000"/>
-              </a:schemeClr>
-            </a:lnRef>
-            <a:fillRef idx="1">
-              <a:schemeClr val="accent1"/>
-            </a:fillRef>
-            <a:effectRef idx="0">
-              <a:schemeClr val="accent1"/>
-            </a:effectRef>
-            <a:fontRef idx="minor">
-              <a:schemeClr val="lt1"/>
-            </a:fontRef>
-          </p:style>
-          <p:txBody>
-            <a:bodyPr rtlCol="0" anchor="ctr"/>
-            <a:lstStyle/>
-            <a:p>
-              <a:pPr algn="ctr"/>
-              <a:endParaRPr lang="en-US"/>
-            </a:p>
-          </p:txBody>
-        </p:sp>
-        <p:sp>
-          <p:nvSpPr>
-            <p:cNvPr id="76" name="Oval 75">
-              <a:extLst>
-                <a:ext uri="{FF2B5EF4-FFF2-40B4-BE49-F238E27FC236}">
-                  <a16:creationId xmlns:a16="http://schemas.microsoft.com/office/drawing/2014/main" id="{3159F5FA-BCB0-82D3-86EB-494230D40FF8}"/>
-                </a:ext>
-              </a:extLst>
-            </p:cNvPr>
-            <p:cNvSpPr/>
-            <p:nvPr/>
-          </p:nvSpPr>
-          <p:spPr>
-            <a:xfrm>
-              <a:off x="4424590" y="4116587"/>
-              <a:ext cx="159741" cy="159741"/>
-            </a:xfrm>
-            <a:prstGeom prst="ellipse">
-              <a:avLst/>
-            </a:prstGeom>
-            <a:solidFill>
-              <a:schemeClr val="bg1"/>
-            </a:solidFill>
-            <a:ln w="19050">
-              <a:solidFill>
-                <a:schemeClr val="tx1"/>
-              </a:solidFill>
-            </a:ln>
-          </p:spPr>
-          <p:style>
-            <a:lnRef idx="2">
-              <a:schemeClr val="accent1">
-                <a:shade val="15000"/>
-              </a:schemeClr>
-            </a:lnRef>
-            <a:fillRef idx="1">
-              <a:schemeClr val="accent1"/>
-            </a:fillRef>
-            <a:effectRef idx="0">
-              <a:schemeClr val="accent1"/>
-            </a:effectRef>
-            <a:fontRef idx="minor">
-              <a:schemeClr val="lt1"/>
-            </a:fontRef>
-          </p:style>
-          <p:txBody>
-            <a:bodyPr rtlCol="0" anchor="ctr"/>
-            <a:lstStyle/>
-            <a:p>
-              <a:pPr algn="ctr"/>
-              <a:endParaRPr lang="en-US"/>
-            </a:p>
-          </p:txBody>
-        </p:sp>
-        <p:sp>
-          <p:nvSpPr>
-            <p:cNvPr id="77" name="Oval 76">
-              <a:extLst>
-                <a:ext uri="{FF2B5EF4-FFF2-40B4-BE49-F238E27FC236}">
-                  <a16:creationId xmlns:a16="http://schemas.microsoft.com/office/drawing/2014/main" id="{84374DEE-EE4F-9684-8075-ACF531AEB869}"/>
-                </a:ext>
-              </a:extLst>
-            </p:cNvPr>
-            <p:cNvSpPr/>
-            <p:nvPr/>
-          </p:nvSpPr>
-          <p:spPr>
-            <a:xfrm>
-              <a:off x="5015941" y="1909483"/>
-              <a:ext cx="159741" cy="159741"/>
-            </a:xfrm>
-            <a:prstGeom prst="ellipse">
-              <a:avLst/>
-            </a:prstGeom>
-            <a:solidFill>
-              <a:schemeClr val="bg1"/>
-            </a:solidFill>
-            <a:ln w="19050">
-              <a:solidFill>
-                <a:schemeClr val="tx1"/>
-              </a:solidFill>
-            </a:ln>
-          </p:spPr>
-          <p:style>
-            <a:lnRef idx="2">
-              <a:schemeClr val="accent1">
-                <a:shade val="15000"/>
-              </a:schemeClr>
-            </a:lnRef>
-            <a:fillRef idx="1">
-              <a:schemeClr val="accent1"/>
-            </a:fillRef>
-            <a:effectRef idx="0">
-              <a:schemeClr val="accent1"/>
-            </a:effectRef>
-            <a:fontRef idx="minor">
-              <a:schemeClr val="lt1"/>
-            </a:fontRef>
-          </p:style>
-          <p:txBody>
-            <a:bodyPr rtlCol="0" anchor="ctr"/>
-            <a:lstStyle/>
-            <a:p>
-              <a:pPr algn="ctr"/>
-              <a:endParaRPr lang="en-US"/>
-            </a:p>
-          </p:txBody>
-        </p:sp>
       </p:grpSp>
-      <p:pic>
-        <p:nvPicPr>
-          <p:cNvPr id="79" name="Picture 78">
-            <a:extLst>
-              <a:ext uri="{FF2B5EF4-FFF2-40B4-BE49-F238E27FC236}">
-                <a16:creationId xmlns:a16="http://schemas.microsoft.com/office/drawing/2014/main" id="{5A3BD39F-5131-0CBB-6CAB-C9855684166C}"/>
-              </a:ext>
-            </a:extLst>
-          </p:cNvPr>
-          <p:cNvPicPr>
-            <a:picLocks noChangeAspect="1"/>
-          </p:cNvPicPr>
-          <p:nvPr/>
-        </p:nvPicPr>
-        <p:blipFill>
-          <a:blip r:embed="rId2"/>
-          <a:stretch>
-            <a:fillRect/>
-          </a:stretch>
-        </p:blipFill>
-        <p:spPr>
-          <a:xfrm>
-            <a:off x="549028" y="4745490"/>
-            <a:ext cx="1785238" cy="720962"/>
-          </a:xfrm>
-          <a:prstGeom prst="rect">
-            <a:avLst/>
-          </a:prstGeom>
-        </p:spPr>
-      </p:pic>
-      <p:sp>
-        <p:nvSpPr>
-          <p:cNvPr id="80" name="TextBox 79">
-            <a:extLst>
-              <a:ext uri="{FF2B5EF4-FFF2-40B4-BE49-F238E27FC236}">
-                <a16:creationId xmlns:a16="http://schemas.microsoft.com/office/drawing/2014/main" id="{9F867FD3-9449-BBA6-9BBE-9FE942661F69}"/>
-              </a:ext>
-            </a:extLst>
-          </p:cNvPr>
-          <p:cNvSpPr txBox="1"/>
-          <p:nvPr/>
-        </p:nvSpPr>
-        <p:spPr>
-          <a:xfrm>
-            <a:off x="364668" y="5608995"/>
-            <a:ext cx="2100344" cy="523220"/>
-          </a:xfrm>
-          <a:prstGeom prst="rect">
-            <a:avLst/>
-          </a:prstGeom>
-          <a:noFill/>
-        </p:spPr>
-        <p:txBody>
-          <a:bodyPr wrap="square" rtlCol="0">
-            <a:spAutoFit/>
-          </a:bodyPr>
-          <a:lstStyle/>
-          <a:p>
-            <a:pPr algn="ctr"/>
-            <a:r>
-              <a:rPr lang="en-US" sz="1400" dirty="0">
-                <a:latin typeface="Lucida grande" panose="020B0502040204020203"/>
-              </a:rPr>
-              <a:t>Entire ionomer chains (backbone + sidearms)</a:t>
-            </a:r>
-          </a:p>
-        </p:txBody>
-      </p:sp>
-      <p:sp>
-        <p:nvSpPr>
-          <p:cNvPr id="81" name="Oval 80">
-            <a:extLst>
-              <a:ext uri="{FF2B5EF4-FFF2-40B4-BE49-F238E27FC236}">
-                <a16:creationId xmlns:a16="http://schemas.microsoft.com/office/drawing/2014/main" id="{25F84BCF-ADE2-F2DA-58C2-4A9EC663A435}"/>
-              </a:ext>
-            </a:extLst>
-          </p:cNvPr>
-          <p:cNvSpPr/>
-          <p:nvPr/>
-        </p:nvSpPr>
-        <p:spPr>
-          <a:xfrm>
-            <a:off x="4169818" y="5115539"/>
-            <a:ext cx="159741" cy="159741"/>
-          </a:xfrm>
-          <a:prstGeom prst="ellipse">
-            <a:avLst/>
-          </a:prstGeom>
-          <a:solidFill>
-            <a:schemeClr val="bg1"/>
-          </a:solidFill>
-          <a:ln w="19050">
-            <a:solidFill>
-              <a:schemeClr val="tx1"/>
-            </a:solidFill>
-          </a:ln>
-        </p:spPr>
-        <p:style>
-          <a:lnRef idx="2">
-            <a:schemeClr val="accent1">
-              <a:shade val="15000"/>
-            </a:schemeClr>
-          </a:lnRef>
-          <a:fillRef idx="1">
-            <a:schemeClr val="accent1"/>
-          </a:fillRef>
-          <a:effectRef idx="0">
-            <a:schemeClr val="accent1"/>
-          </a:effectRef>
-          <a:fontRef idx="minor">
-            <a:schemeClr val="lt1"/>
-          </a:fontRef>
-        </p:style>
-        <p:txBody>
-          <a:bodyPr rtlCol="0" anchor="ctr"/>
-          <a:lstStyle/>
-          <a:p>
-            <a:pPr algn="ctr"/>
-            <a:endParaRPr lang="en-US"/>
-          </a:p>
-        </p:txBody>
-      </p:sp>
-      <p:sp>
-        <p:nvSpPr>
-          <p:cNvPr id="82" name="Oval 81">
-            <a:extLst>
-              <a:ext uri="{FF2B5EF4-FFF2-40B4-BE49-F238E27FC236}">
-                <a16:creationId xmlns:a16="http://schemas.microsoft.com/office/drawing/2014/main" id="{21E34250-7B2B-F2F3-B42E-D48AF97753D5}"/>
-              </a:ext>
-            </a:extLst>
-          </p:cNvPr>
-          <p:cNvSpPr/>
-          <p:nvPr/>
-        </p:nvSpPr>
-        <p:spPr>
-          <a:xfrm>
-            <a:off x="3118851" y="5160860"/>
-            <a:ext cx="88682" cy="88682"/>
-          </a:xfrm>
-          <a:prstGeom prst="ellipse">
-            <a:avLst/>
-          </a:prstGeom>
-          <a:solidFill>
-            <a:schemeClr val="accent2"/>
-          </a:solidFill>
-          <a:ln>
-            <a:noFill/>
-          </a:ln>
-        </p:spPr>
-        <p:style>
-          <a:lnRef idx="2">
-            <a:schemeClr val="accent1">
-              <a:shade val="15000"/>
-            </a:schemeClr>
-          </a:lnRef>
-          <a:fillRef idx="1">
-            <a:schemeClr val="accent1"/>
-          </a:fillRef>
-          <a:effectRef idx="0">
-            <a:schemeClr val="accent1"/>
-          </a:effectRef>
-          <a:fontRef idx="minor">
-            <a:schemeClr val="lt1"/>
-          </a:fontRef>
-        </p:style>
-        <p:txBody>
-          <a:bodyPr rtlCol="0" anchor="ctr"/>
-          <a:lstStyle/>
-          <a:p>
-            <a:pPr algn="ctr"/>
-            <a:endParaRPr lang="en-US"/>
-          </a:p>
-        </p:txBody>
-      </p:sp>
-      <p:sp>
-        <p:nvSpPr>
-          <p:cNvPr id="83" name="TextBox 82">
-            <a:extLst>
-              <a:ext uri="{FF2B5EF4-FFF2-40B4-BE49-F238E27FC236}">
-                <a16:creationId xmlns:a16="http://schemas.microsoft.com/office/drawing/2014/main" id="{3A19BD4C-6C53-1221-73E1-F3F8D1816B39}"/>
-              </a:ext>
-            </a:extLst>
-          </p:cNvPr>
-          <p:cNvSpPr txBox="1"/>
-          <p:nvPr/>
-        </p:nvSpPr>
-        <p:spPr>
-          <a:xfrm>
-            <a:off x="2496165" y="5608995"/>
-            <a:ext cx="1273956" cy="307777"/>
-          </a:xfrm>
-          <a:prstGeom prst="rect">
-            <a:avLst/>
-          </a:prstGeom>
-          <a:noFill/>
-        </p:spPr>
-        <p:txBody>
-          <a:bodyPr wrap="square" rtlCol="0">
-            <a:spAutoFit/>
-          </a:bodyPr>
-          <a:lstStyle/>
-          <a:p>
-            <a:pPr algn="ctr"/>
-            <a:r>
-              <a:rPr lang="en-US" sz="1400" dirty="0">
-                <a:latin typeface="Lucida grande" panose="020B0502040204020203"/>
-              </a:rPr>
-              <a:t>Ions</a:t>
-            </a:r>
-          </a:p>
-        </p:txBody>
-      </p:sp>
-      <p:sp>
-        <p:nvSpPr>
-          <p:cNvPr id="84" name="TextBox 83">
-            <a:extLst>
-              <a:ext uri="{FF2B5EF4-FFF2-40B4-BE49-F238E27FC236}">
-                <a16:creationId xmlns:a16="http://schemas.microsoft.com/office/drawing/2014/main" id="{13C74A24-5292-A522-5CFF-159E11B4F9B7}"/>
-              </a:ext>
-            </a:extLst>
-          </p:cNvPr>
-          <p:cNvSpPr txBox="1"/>
-          <p:nvPr/>
-        </p:nvSpPr>
-        <p:spPr>
-          <a:xfrm>
-            <a:off x="3745736" y="5611625"/>
-            <a:ext cx="991339" cy="523220"/>
-          </a:xfrm>
-          <a:prstGeom prst="rect">
-            <a:avLst/>
-          </a:prstGeom>
-          <a:noFill/>
-        </p:spPr>
-        <p:txBody>
-          <a:bodyPr wrap="square" rtlCol="0">
-            <a:spAutoFit/>
-          </a:bodyPr>
-          <a:lstStyle/>
-          <a:p>
-            <a:pPr algn="ctr"/>
-            <a:r>
-              <a:rPr lang="en-US" sz="1400" dirty="0">
-                <a:latin typeface="Lucida grande" panose="020B0502040204020203"/>
-              </a:rPr>
-              <a:t>Water (liquid)</a:t>
-            </a:r>
-          </a:p>
-        </p:txBody>
-      </p:sp>
       <p:sp>
         <p:nvSpPr>
           <p:cNvPr id="85" name="Content Placeholder 2">
@@ -11228,13 +9798,6 @@
             <a:pPr lvl="1"/>
             <a:r>
               <a:rPr lang="en-US" sz="1800" dirty="0"/>
-              <a:t>Water uptake (e.g., number of water molecules)</a:t>
-            </a:r>
-          </a:p>
-          <a:p>
-            <a:pPr lvl="1"/>
-            <a:r>
-              <a:rPr lang="en-US" sz="1800" dirty="0"/>
               <a:t>Pt potential</a:t>
             </a:r>
           </a:p>
@@ -11250,6 +9813,13 @@
             <a:r>
               <a:rPr lang="en-US" sz="1600" dirty="0"/>
               <a:t>Equivalent weight, sidechain length, etc.</a:t>
+            </a:r>
+          </a:p>
+          <a:p>
+            <a:pPr lvl="1"/>
+            <a:r>
+              <a:rPr lang="en-US" sz="1800" dirty="0"/>
+              <a:t>Water uptake (e.g., number of water molecules)</a:t>
             </a:r>
           </a:p>
           <a:p>
@@ -11281,6 +9851,2060 @@
           </a:p>
         </p:txBody>
       </p:sp>
+      <p:grpSp>
+        <p:nvGrpSpPr>
+          <p:cNvPr id="178" name="Group 177">
+            <a:extLst>
+              <a:ext uri="{FF2B5EF4-FFF2-40B4-BE49-F238E27FC236}">
+                <a16:creationId xmlns:a16="http://schemas.microsoft.com/office/drawing/2014/main" id="{255EE113-25FC-50E9-22AD-C1E4AE5CDB0B}"/>
+              </a:ext>
+            </a:extLst>
+          </p:cNvPr>
+          <p:cNvGrpSpPr/>
+          <p:nvPr/>
+        </p:nvGrpSpPr>
+        <p:grpSpPr>
+          <a:xfrm>
+            <a:off x="3745736" y="1909483"/>
+            <a:ext cx="1437561" cy="4225362"/>
+            <a:chOff x="3745736" y="1909483"/>
+            <a:chExt cx="1437561" cy="4225362"/>
+          </a:xfrm>
+        </p:grpSpPr>
+        <p:sp>
+          <p:nvSpPr>
+            <p:cNvPr id="165" name="Oval 164">
+              <a:extLst>
+                <a:ext uri="{FF2B5EF4-FFF2-40B4-BE49-F238E27FC236}">
+                  <a16:creationId xmlns:a16="http://schemas.microsoft.com/office/drawing/2014/main" id="{25F84BCF-ADE2-F2DA-58C2-4A9EC663A435}"/>
+                </a:ext>
+              </a:extLst>
+            </p:cNvPr>
+            <p:cNvSpPr/>
+            <p:nvPr/>
+          </p:nvSpPr>
+          <p:spPr>
+            <a:xfrm>
+              <a:off x="4169818" y="5115539"/>
+              <a:ext cx="159741" cy="159741"/>
+            </a:xfrm>
+            <a:prstGeom prst="ellipse">
+              <a:avLst/>
+            </a:prstGeom>
+            <a:solidFill>
+              <a:schemeClr val="bg1"/>
+            </a:solidFill>
+            <a:ln w="19050">
+              <a:solidFill>
+                <a:schemeClr val="tx1"/>
+              </a:solidFill>
+            </a:ln>
+          </p:spPr>
+          <p:style>
+            <a:lnRef idx="2">
+              <a:schemeClr val="accent1">
+                <a:shade val="15000"/>
+              </a:schemeClr>
+            </a:lnRef>
+            <a:fillRef idx="1">
+              <a:schemeClr val="accent1"/>
+            </a:fillRef>
+            <a:effectRef idx="0">
+              <a:schemeClr val="accent1"/>
+            </a:effectRef>
+            <a:fontRef idx="minor">
+              <a:schemeClr val="lt1"/>
+            </a:fontRef>
+          </p:style>
+          <p:txBody>
+            <a:bodyPr rtlCol="0" anchor="ctr"/>
+            <a:lstStyle/>
+            <a:p>
+              <a:pPr algn="ctr"/>
+              <a:endParaRPr lang="en-US"/>
+            </a:p>
+          </p:txBody>
+        </p:sp>
+        <p:sp>
+          <p:nvSpPr>
+            <p:cNvPr id="166" name="TextBox 165">
+              <a:extLst>
+                <a:ext uri="{FF2B5EF4-FFF2-40B4-BE49-F238E27FC236}">
+                  <a16:creationId xmlns:a16="http://schemas.microsoft.com/office/drawing/2014/main" id="{13C74A24-5292-A522-5CFF-159E11B4F9B7}"/>
+                </a:ext>
+              </a:extLst>
+            </p:cNvPr>
+            <p:cNvSpPr txBox="1"/>
+            <p:nvPr/>
+          </p:nvSpPr>
+          <p:spPr>
+            <a:xfrm>
+              <a:off x="3745736" y="5611625"/>
+              <a:ext cx="991339" cy="523220"/>
+            </a:xfrm>
+            <a:prstGeom prst="rect">
+              <a:avLst/>
+            </a:prstGeom>
+            <a:noFill/>
+          </p:spPr>
+          <p:txBody>
+            <a:bodyPr wrap="square" rtlCol="0">
+              <a:spAutoFit/>
+            </a:bodyPr>
+            <a:lstStyle/>
+            <a:p>
+              <a:pPr algn="ctr"/>
+              <a:r>
+                <a:rPr lang="en-US" sz="1400" dirty="0">
+                  <a:latin typeface="Lucida grande" panose="020B0502040204020203"/>
+                </a:rPr>
+                <a:t>Water (liquid)</a:t>
+              </a:r>
+            </a:p>
+          </p:txBody>
+        </p:sp>
+        <p:sp>
+          <p:nvSpPr>
+            <p:cNvPr id="167" name="Oval 166">
+              <a:extLst>
+                <a:ext uri="{FF2B5EF4-FFF2-40B4-BE49-F238E27FC236}">
+                  <a16:creationId xmlns:a16="http://schemas.microsoft.com/office/drawing/2014/main" id="{FBBFF124-B57E-0269-8C7A-7016471C1C20}"/>
+                </a:ext>
+              </a:extLst>
+            </p:cNvPr>
+            <p:cNvSpPr/>
+            <p:nvPr/>
+          </p:nvSpPr>
+          <p:spPr>
+            <a:xfrm>
+              <a:off x="3775373" y="3795093"/>
+              <a:ext cx="159741" cy="159741"/>
+            </a:xfrm>
+            <a:prstGeom prst="ellipse">
+              <a:avLst/>
+            </a:prstGeom>
+            <a:solidFill>
+              <a:schemeClr val="bg1"/>
+            </a:solidFill>
+            <a:ln w="19050">
+              <a:solidFill>
+                <a:schemeClr val="tx1"/>
+              </a:solidFill>
+            </a:ln>
+          </p:spPr>
+          <p:style>
+            <a:lnRef idx="2">
+              <a:schemeClr val="accent1">
+                <a:shade val="15000"/>
+              </a:schemeClr>
+            </a:lnRef>
+            <a:fillRef idx="1">
+              <a:schemeClr val="accent1"/>
+            </a:fillRef>
+            <a:effectRef idx="0">
+              <a:schemeClr val="accent1"/>
+            </a:effectRef>
+            <a:fontRef idx="minor">
+              <a:schemeClr val="lt1"/>
+            </a:fontRef>
+          </p:style>
+          <p:txBody>
+            <a:bodyPr rtlCol="0" anchor="ctr"/>
+            <a:lstStyle/>
+            <a:p>
+              <a:pPr algn="ctr"/>
+              <a:endParaRPr lang="en-US"/>
+            </a:p>
+          </p:txBody>
+        </p:sp>
+        <p:sp>
+          <p:nvSpPr>
+            <p:cNvPr id="168" name="Oval 167">
+              <a:extLst>
+                <a:ext uri="{FF2B5EF4-FFF2-40B4-BE49-F238E27FC236}">
+                  <a16:creationId xmlns:a16="http://schemas.microsoft.com/office/drawing/2014/main" id="{11F886F2-6683-2191-60DA-418349EDD84F}"/>
+                </a:ext>
+              </a:extLst>
+            </p:cNvPr>
+            <p:cNvSpPr/>
+            <p:nvPr/>
+          </p:nvSpPr>
+          <p:spPr>
+            <a:xfrm>
+              <a:off x="4737076" y="3357552"/>
+              <a:ext cx="159741" cy="159741"/>
+            </a:xfrm>
+            <a:prstGeom prst="ellipse">
+              <a:avLst/>
+            </a:prstGeom>
+            <a:solidFill>
+              <a:schemeClr val="bg1"/>
+            </a:solidFill>
+            <a:ln w="19050">
+              <a:solidFill>
+                <a:schemeClr val="tx1"/>
+              </a:solidFill>
+            </a:ln>
+          </p:spPr>
+          <p:style>
+            <a:lnRef idx="2">
+              <a:schemeClr val="accent1">
+                <a:shade val="15000"/>
+              </a:schemeClr>
+            </a:lnRef>
+            <a:fillRef idx="1">
+              <a:schemeClr val="accent1"/>
+            </a:fillRef>
+            <a:effectRef idx="0">
+              <a:schemeClr val="accent1"/>
+            </a:effectRef>
+            <a:fontRef idx="minor">
+              <a:schemeClr val="lt1"/>
+            </a:fontRef>
+          </p:style>
+          <p:txBody>
+            <a:bodyPr rtlCol="0" anchor="ctr"/>
+            <a:lstStyle/>
+            <a:p>
+              <a:pPr algn="ctr"/>
+              <a:endParaRPr lang="en-US"/>
+            </a:p>
+          </p:txBody>
+        </p:sp>
+        <p:sp>
+          <p:nvSpPr>
+            <p:cNvPr id="169" name="Oval 168">
+              <a:extLst>
+                <a:ext uri="{FF2B5EF4-FFF2-40B4-BE49-F238E27FC236}">
+                  <a16:creationId xmlns:a16="http://schemas.microsoft.com/office/drawing/2014/main" id="{072D22D9-27F6-BAAE-5B6F-273D749AE70B}"/>
+                </a:ext>
+              </a:extLst>
+            </p:cNvPr>
+            <p:cNvSpPr/>
+            <p:nvPr/>
+          </p:nvSpPr>
+          <p:spPr>
+            <a:xfrm>
+              <a:off x="4737075" y="2643335"/>
+              <a:ext cx="159741" cy="159741"/>
+            </a:xfrm>
+            <a:prstGeom prst="ellipse">
+              <a:avLst/>
+            </a:prstGeom>
+            <a:solidFill>
+              <a:schemeClr val="bg1"/>
+            </a:solidFill>
+            <a:ln w="19050">
+              <a:solidFill>
+                <a:schemeClr val="tx1"/>
+              </a:solidFill>
+            </a:ln>
+          </p:spPr>
+          <p:style>
+            <a:lnRef idx="2">
+              <a:schemeClr val="accent1">
+                <a:shade val="15000"/>
+              </a:schemeClr>
+            </a:lnRef>
+            <a:fillRef idx="1">
+              <a:schemeClr val="accent1"/>
+            </a:fillRef>
+            <a:effectRef idx="0">
+              <a:schemeClr val="accent1"/>
+            </a:effectRef>
+            <a:fontRef idx="minor">
+              <a:schemeClr val="lt1"/>
+            </a:fontRef>
+          </p:style>
+          <p:txBody>
+            <a:bodyPr rtlCol="0" anchor="ctr"/>
+            <a:lstStyle/>
+            <a:p>
+              <a:pPr algn="ctr"/>
+              <a:endParaRPr lang="en-US"/>
+            </a:p>
+          </p:txBody>
+        </p:sp>
+        <p:sp>
+          <p:nvSpPr>
+            <p:cNvPr id="170" name="Oval 169">
+              <a:extLst>
+                <a:ext uri="{FF2B5EF4-FFF2-40B4-BE49-F238E27FC236}">
+                  <a16:creationId xmlns:a16="http://schemas.microsoft.com/office/drawing/2014/main" id="{B5D812F0-DE09-F4DE-86BF-510704D4C866}"/>
+                </a:ext>
+              </a:extLst>
+            </p:cNvPr>
+            <p:cNvSpPr/>
+            <p:nvPr/>
+          </p:nvSpPr>
+          <p:spPr>
+            <a:xfrm>
+              <a:off x="3946777" y="3308846"/>
+              <a:ext cx="159741" cy="159741"/>
+            </a:xfrm>
+            <a:prstGeom prst="ellipse">
+              <a:avLst/>
+            </a:prstGeom>
+            <a:solidFill>
+              <a:schemeClr val="bg1"/>
+            </a:solidFill>
+            <a:ln w="19050">
+              <a:solidFill>
+                <a:schemeClr val="tx1"/>
+              </a:solidFill>
+            </a:ln>
+          </p:spPr>
+          <p:style>
+            <a:lnRef idx="2">
+              <a:schemeClr val="accent1">
+                <a:shade val="15000"/>
+              </a:schemeClr>
+            </a:lnRef>
+            <a:fillRef idx="1">
+              <a:schemeClr val="accent1"/>
+            </a:fillRef>
+            <a:effectRef idx="0">
+              <a:schemeClr val="accent1"/>
+            </a:effectRef>
+            <a:fontRef idx="minor">
+              <a:schemeClr val="lt1"/>
+            </a:fontRef>
+          </p:style>
+          <p:txBody>
+            <a:bodyPr rtlCol="0" anchor="ctr"/>
+            <a:lstStyle/>
+            <a:p>
+              <a:pPr algn="ctr"/>
+              <a:endParaRPr lang="en-US"/>
+            </a:p>
+          </p:txBody>
+        </p:sp>
+        <p:sp>
+          <p:nvSpPr>
+            <p:cNvPr id="171" name="Oval 170">
+              <a:extLst>
+                <a:ext uri="{FF2B5EF4-FFF2-40B4-BE49-F238E27FC236}">
+                  <a16:creationId xmlns:a16="http://schemas.microsoft.com/office/drawing/2014/main" id="{84F735A6-A493-01F8-9C89-B9E0274BCE32}"/>
+                </a:ext>
+              </a:extLst>
+            </p:cNvPr>
+            <p:cNvSpPr/>
+            <p:nvPr/>
+          </p:nvSpPr>
+          <p:spPr>
+            <a:xfrm>
+              <a:off x="4813472" y="2204127"/>
+              <a:ext cx="159741" cy="159741"/>
+            </a:xfrm>
+            <a:prstGeom prst="ellipse">
+              <a:avLst/>
+            </a:prstGeom>
+            <a:solidFill>
+              <a:schemeClr val="bg1"/>
+            </a:solidFill>
+            <a:ln w="19050">
+              <a:solidFill>
+                <a:schemeClr val="tx1"/>
+              </a:solidFill>
+            </a:ln>
+          </p:spPr>
+          <p:style>
+            <a:lnRef idx="2">
+              <a:schemeClr val="accent1">
+                <a:shade val="15000"/>
+              </a:schemeClr>
+            </a:lnRef>
+            <a:fillRef idx="1">
+              <a:schemeClr val="accent1"/>
+            </a:fillRef>
+            <a:effectRef idx="0">
+              <a:schemeClr val="accent1"/>
+            </a:effectRef>
+            <a:fontRef idx="minor">
+              <a:schemeClr val="lt1"/>
+            </a:fontRef>
+          </p:style>
+          <p:txBody>
+            <a:bodyPr rtlCol="0" anchor="ctr"/>
+            <a:lstStyle/>
+            <a:p>
+              <a:pPr algn="ctr"/>
+              <a:endParaRPr lang="en-US"/>
+            </a:p>
+          </p:txBody>
+        </p:sp>
+        <p:sp>
+          <p:nvSpPr>
+            <p:cNvPr id="172" name="Oval 171">
+              <a:extLst>
+                <a:ext uri="{FF2B5EF4-FFF2-40B4-BE49-F238E27FC236}">
+                  <a16:creationId xmlns:a16="http://schemas.microsoft.com/office/drawing/2014/main" id="{4E0F9424-8C3E-E442-A64F-E7B39F4772B8}"/>
+                </a:ext>
+              </a:extLst>
+            </p:cNvPr>
+            <p:cNvSpPr/>
+            <p:nvPr/>
+          </p:nvSpPr>
+          <p:spPr>
+            <a:xfrm>
+              <a:off x="5001232" y="3224068"/>
+              <a:ext cx="159741" cy="159741"/>
+            </a:xfrm>
+            <a:prstGeom prst="ellipse">
+              <a:avLst/>
+            </a:prstGeom>
+            <a:solidFill>
+              <a:schemeClr val="bg1"/>
+            </a:solidFill>
+            <a:ln w="19050">
+              <a:solidFill>
+                <a:schemeClr val="tx1"/>
+              </a:solidFill>
+            </a:ln>
+          </p:spPr>
+          <p:style>
+            <a:lnRef idx="2">
+              <a:schemeClr val="accent1">
+                <a:shade val="15000"/>
+              </a:schemeClr>
+            </a:lnRef>
+            <a:fillRef idx="1">
+              <a:schemeClr val="accent1"/>
+            </a:fillRef>
+            <a:effectRef idx="0">
+              <a:schemeClr val="accent1"/>
+            </a:effectRef>
+            <a:fontRef idx="minor">
+              <a:schemeClr val="lt1"/>
+            </a:fontRef>
+          </p:style>
+          <p:txBody>
+            <a:bodyPr rtlCol="0" anchor="ctr"/>
+            <a:lstStyle/>
+            <a:p>
+              <a:pPr algn="ctr"/>
+              <a:endParaRPr lang="en-US"/>
+            </a:p>
+          </p:txBody>
+        </p:sp>
+        <p:sp>
+          <p:nvSpPr>
+            <p:cNvPr id="173" name="Oval 172">
+              <a:extLst>
+                <a:ext uri="{FF2B5EF4-FFF2-40B4-BE49-F238E27FC236}">
+                  <a16:creationId xmlns:a16="http://schemas.microsoft.com/office/drawing/2014/main" id="{3300FD36-74D1-C93D-C96A-D481A89A0DAB}"/>
+                </a:ext>
+              </a:extLst>
+            </p:cNvPr>
+            <p:cNvSpPr/>
+            <p:nvPr/>
+          </p:nvSpPr>
+          <p:spPr>
+            <a:xfrm>
+              <a:off x="4613217" y="3755185"/>
+              <a:ext cx="159741" cy="159741"/>
+            </a:xfrm>
+            <a:prstGeom prst="ellipse">
+              <a:avLst/>
+            </a:prstGeom>
+            <a:solidFill>
+              <a:schemeClr val="bg1"/>
+            </a:solidFill>
+            <a:ln w="19050">
+              <a:solidFill>
+                <a:schemeClr val="tx1"/>
+              </a:solidFill>
+            </a:ln>
+          </p:spPr>
+          <p:style>
+            <a:lnRef idx="2">
+              <a:schemeClr val="accent1">
+                <a:shade val="15000"/>
+              </a:schemeClr>
+            </a:lnRef>
+            <a:fillRef idx="1">
+              <a:schemeClr val="accent1"/>
+            </a:fillRef>
+            <a:effectRef idx="0">
+              <a:schemeClr val="accent1"/>
+            </a:effectRef>
+            <a:fontRef idx="minor">
+              <a:schemeClr val="lt1"/>
+            </a:fontRef>
+          </p:style>
+          <p:txBody>
+            <a:bodyPr rtlCol="0" anchor="ctr"/>
+            <a:lstStyle/>
+            <a:p>
+              <a:pPr algn="ctr"/>
+              <a:endParaRPr lang="en-US"/>
+            </a:p>
+          </p:txBody>
+        </p:sp>
+        <p:sp>
+          <p:nvSpPr>
+            <p:cNvPr id="174" name="Oval 173">
+              <a:extLst>
+                <a:ext uri="{FF2B5EF4-FFF2-40B4-BE49-F238E27FC236}">
+                  <a16:creationId xmlns:a16="http://schemas.microsoft.com/office/drawing/2014/main" id="{DF0A1960-AA94-D02F-EBA5-5EBF6A3C652D}"/>
+                </a:ext>
+              </a:extLst>
+            </p:cNvPr>
+            <p:cNvSpPr/>
+            <p:nvPr/>
+          </p:nvSpPr>
+          <p:spPr>
+            <a:xfrm>
+              <a:off x="5023556" y="4155221"/>
+              <a:ext cx="159741" cy="159741"/>
+            </a:xfrm>
+            <a:prstGeom prst="ellipse">
+              <a:avLst/>
+            </a:prstGeom>
+            <a:solidFill>
+              <a:schemeClr val="bg1"/>
+            </a:solidFill>
+            <a:ln w="19050">
+              <a:solidFill>
+                <a:schemeClr val="tx1"/>
+              </a:solidFill>
+            </a:ln>
+          </p:spPr>
+          <p:style>
+            <a:lnRef idx="2">
+              <a:schemeClr val="accent1">
+                <a:shade val="15000"/>
+              </a:schemeClr>
+            </a:lnRef>
+            <a:fillRef idx="1">
+              <a:schemeClr val="accent1"/>
+            </a:fillRef>
+            <a:effectRef idx="0">
+              <a:schemeClr val="accent1"/>
+            </a:effectRef>
+            <a:fontRef idx="minor">
+              <a:schemeClr val="lt1"/>
+            </a:fontRef>
+          </p:style>
+          <p:txBody>
+            <a:bodyPr rtlCol="0" anchor="ctr"/>
+            <a:lstStyle/>
+            <a:p>
+              <a:pPr algn="ctr"/>
+              <a:endParaRPr lang="en-US"/>
+            </a:p>
+          </p:txBody>
+        </p:sp>
+        <p:sp>
+          <p:nvSpPr>
+            <p:cNvPr id="175" name="Oval 174">
+              <a:extLst>
+                <a:ext uri="{FF2B5EF4-FFF2-40B4-BE49-F238E27FC236}">
+                  <a16:creationId xmlns:a16="http://schemas.microsoft.com/office/drawing/2014/main" id="{88DDE6AE-E579-D67C-7CAE-25925D9BC6B0}"/>
+                </a:ext>
+              </a:extLst>
+            </p:cNvPr>
+            <p:cNvSpPr/>
+            <p:nvPr/>
+          </p:nvSpPr>
+          <p:spPr>
+            <a:xfrm>
+              <a:off x="4136572" y="2196222"/>
+              <a:ext cx="159741" cy="159741"/>
+            </a:xfrm>
+            <a:prstGeom prst="ellipse">
+              <a:avLst/>
+            </a:prstGeom>
+            <a:solidFill>
+              <a:schemeClr val="bg1"/>
+            </a:solidFill>
+            <a:ln w="19050">
+              <a:solidFill>
+                <a:schemeClr val="tx1"/>
+              </a:solidFill>
+            </a:ln>
+          </p:spPr>
+          <p:style>
+            <a:lnRef idx="2">
+              <a:schemeClr val="accent1">
+                <a:shade val="15000"/>
+              </a:schemeClr>
+            </a:lnRef>
+            <a:fillRef idx="1">
+              <a:schemeClr val="accent1"/>
+            </a:fillRef>
+            <a:effectRef idx="0">
+              <a:schemeClr val="accent1"/>
+            </a:effectRef>
+            <a:fontRef idx="minor">
+              <a:schemeClr val="lt1"/>
+            </a:fontRef>
+          </p:style>
+          <p:txBody>
+            <a:bodyPr rtlCol="0" anchor="ctr"/>
+            <a:lstStyle/>
+            <a:p>
+              <a:pPr algn="ctr"/>
+              <a:endParaRPr lang="en-US"/>
+            </a:p>
+          </p:txBody>
+        </p:sp>
+        <p:sp>
+          <p:nvSpPr>
+            <p:cNvPr id="176" name="Oval 175">
+              <a:extLst>
+                <a:ext uri="{FF2B5EF4-FFF2-40B4-BE49-F238E27FC236}">
+                  <a16:creationId xmlns:a16="http://schemas.microsoft.com/office/drawing/2014/main" id="{3159F5FA-BCB0-82D3-86EB-494230D40FF8}"/>
+                </a:ext>
+              </a:extLst>
+            </p:cNvPr>
+            <p:cNvSpPr/>
+            <p:nvPr/>
+          </p:nvSpPr>
+          <p:spPr>
+            <a:xfrm>
+              <a:off x="4424590" y="4116587"/>
+              <a:ext cx="159741" cy="159741"/>
+            </a:xfrm>
+            <a:prstGeom prst="ellipse">
+              <a:avLst/>
+            </a:prstGeom>
+            <a:solidFill>
+              <a:schemeClr val="bg1"/>
+            </a:solidFill>
+            <a:ln w="19050">
+              <a:solidFill>
+                <a:schemeClr val="tx1"/>
+              </a:solidFill>
+            </a:ln>
+          </p:spPr>
+          <p:style>
+            <a:lnRef idx="2">
+              <a:schemeClr val="accent1">
+                <a:shade val="15000"/>
+              </a:schemeClr>
+            </a:lnRef>
+            <a:fillRef idx="1">
+              <a:schemeClr val="accent1"/>
+            </a:fillRef>
+            <a:effectRef idx="0">
+              <a:schemeClr val="accent1"/>
+            </a:effectRef>
+            <a:fontRef idx="minor">
+              <a:schemeClr val="lt1"/>
+            </a:fontRef>
+          </p:style>
+          <p:txBody>
+            <a:bodyPr rtlCol="0" anchor="ctr"/>
+            <a:lstStyle/>
+            <a:p>
+              <a:pPr algn="ctr"/>
+              <a:endParaRPr lang="en-US"/>
+            </a:p>
+          </p:txBody>
+        </p:sp>
+        <p:sp>
+          <p:nvSpPr>
+            <p:cNvPr id="177" name="Oval 176">
+              <a:extLst>
+                <a:ext uri="{FF2B5EF4-FFF2-40B4-BE49-F238E27FC236}">
+                  <a16:creationId xmlns:a16="http://schemas.microsoft.com/office/drawing/2014/main" id="{84374DEE-EE4F-9684-8075-ACF531AEB869}"/>
+                </a:ext>
+              </a:extLst>
+            </p:cNvPr>
+            <p:cNvSpPr/>
+            <p:nvPr/>
+          </p:nvSpPr>
+          <p:spPr>
+            <a:xfrm>
+              <a:off x="5015941" y="1909483"/>
+              <a:ext cx="159741" cy="159741"/>
+            </a:xfrm>
+            <a:prstGeom prst="ellipse">
+              <a:avLst/>
+            </a:prstGeom>
+            <a:solidFill>
+              <a:schemeClr val="bg1"/>
+            </a:solidFill>
+            <a:ln w="19050">
+              <a:solidFill>
+                <a:schemeClr val="tx1"/>
+              </a:solidFill>
+            </a:ln>
+          </p:spPr>
+          <p:style>
+            <a:lnRef idx="2">
+              <a:schemeClr val="accent1">
+                <a:shade val="15000"/>
+              </a:schemeClr>
+            </a:lnRef>
+            <a:fillRef idx="1">
+              <a:schemeClr val="accent1"/>
+            </a:fillRef>
+            <a:effectRef idx="0">
+              <a:schemeClr val="accent1"/>
+            </a:effectRef>
+            <a:fontRef idx="minor">
+              <a:schemeClr val="lt1"/>
+            </a:fontRef>
+          </p:style>
+          <p:txBody>
+            <a:bodyPr rtlCol="0" anchor="ctr"/>
+            <a:lstStyle/>
+            <a:p>
+              <a:pPr algn="ctr"/>
+              <a:endParaRPr lang="en-US"/>
+            </a:p>
+          </p:txBody>
+        </p:sp>
+      </p:grpSp>
+      <p:grpSp>
+        <p:nvGrpSpPr>
+          <p:cNvPr id="227" name="Group 226">
+            <a:extLst>
+              <a:ext uri="{FF2B5EF4-FFF2-40B4-BE49-F238E27FC236}">
+                <a16:creationId xmlns:a16="http://schemas.microsoft.com/office/drawing/2014/main" id="{897E3AAA-54D9-40EF-718D-FEC196C2A268}"/>
+              </a:ext>
+            </a:extLst>
+          </p:cNvPr>
+          <p:cNvGrpSpPr/>
+          <p:nvPr/>
+        </p:nvGrpSpPr>
+        <p:grpSpPr>
+          <a:xfrm>
+            <a:off x="364668" y="1913043"/>
+            <a:ext cx="4625384" cy="4219172"/>
+            <a:chOff x="364668" y="1913043"/>
+            <a:chExt cx="4625384" cy="4219172"/>
+          </a:xfrm>
+        </p:grpSpPr>
+        <p:pic>
+          <p:nvPicPr>
+            <p:cNvPr id="123" name="Picture 122">
+              <a:extLst>
+                <a:ext uri="{FF2B5EF4-FFF2-40B4-BE49-F238E27FC236}">
+                  <a16:creationId xmlns:a16="http://schemas.microsoft.com/office/drawing/2014/main" id="{5A3BD39F-5131-0CBB-6CAB-C9855684166C}"/>
+                </a:ext>
+              </a:extLst>
+            </p:cNvPr>
+            <p:cNvPicPr>
+              <a:picLocks noChangeAspect="1"/>
+            </p:cNvPicPr>
+            <p:nvPr/>
+          </p:nvPicPr>
+          <p:blipFill>
+            <a:blip r:embed="rId2"/>
+            <a:stretch>
+              <a:fillRect/>
+            </a:stretch>
+          </p:blipFill>
+          <p:spPr>
+            <a:xfrm>
+              <a:off x="549028" y="4745490"/>
+              <a:ext cx="1785238" cy="720962"/>
+            </a:xfrm>
+            <a:prstGeom prst="rect">
+              <a:avLst/>
+            </a:prstGeom>
+          </p:spPr>
+        </p:pic>
+        <p:sp>
+          <p:nvSpPr>
+            <p:cNvPr id="124" name="TextBox 123">
+              <a:extLst>
+                <a:ext uri="{FF2B5EF4-FFF2-40B4-BE49-F238E27FC236}">
+                  <a16:creationId xmlns:a16="http://schemas.microsoft.com/office/drawing/2014/main" id="{9F867FD3-9449-BBA6-9BBE-9FE942661F69}"/>
+                </a:ext>
+              </a:extLst>
+            </p:cNvPr>
+            <p:cNvSpPr txBox="1"/>
+            <p:nvPr/>
+          </p:nvSpPr>
+          <p:spPr>
+            <a:xfrm>
+              <a:off x="364668" y="5608995"/>
+              <a:ext cx="2100344" cy="523220"/>
+            </a:xfrm>
+            <a:prstGeom prst="rect">
+              <a:avLst/>
+            </a:prstGeom>
+            <a:noFill/>
+          </p:spPr>
+          <p:txBody>
+            <a:bodyPr wrap="square" rtlCol="0">
+              <a:spAutoFit/>
+            </a:bodyPr>
+            <a:lstStyle/>
+            <a:p>
+              <a:pPr algn="ctr"/>
+              <a:r>
+                <a:rPr lang="en-US" sz="1400" dirty="0">
+                  <a:latin typeface="Lucida grande" panose="020B0502040204020203"/>
+                </a:rPr>
+                <a:t>Entire ionomer chains (backbone + sidearms)</a:t>
+              </a:r>
+            </a:p>
+          </p:txBody>
+        </p:sp>
+        <p:sp>
+          <p:nvSpPr>
+            <p:cNvPr id="126" name="Oval 125">
+              <a:extLst>
+                <a:ext uri="{FF2B5EF4-FFF2-40B4-BE49-F238E27FC236}">
+                  <a16:creationId xmlns:a16="http://schemas.microsoft.com/office/drawing/2014/main" id="{21E34250-7B2B-F2F3-B42E-D48AF97753D5}"/>
+                </a:ext>
+              </a:extLst>
+            </p:cNvPr>
+            <p:cNvSpPr/>
+            <p:nvPr/>
+          </p:nvSpPr>
+          <p:spPr>
+            <a:xfrm>
+              <a:off x="3118851" y="5160860"/>
+              <a:ext cx="88682" cy="88682"/>
+            </a:xfrm>
+            <a:prstGeom prst="ellipse">
+              <a:avLst/>
+            </a:prstGeom>
+            <a:solidFill>
+              <a:schemeClr val="accent2"/>
+            </a:solidFill>
+            <a:ln>
+              <a:noFill/>
+            </a:ln>
+          </p:spPr>
+          <p:style>
+            <a:lnRef idx="2">
+              <a:schemeClr val="accent1">
+                <a:shade val="15000"/>
+              </a:schemeClr>
+            </a:lnRef>
+            <a:fillRef idx="1">
+              <a:schemeClr val="accent1"/>
+            </a:fillRef>
+            <a:effectRef idx="0">
+              <a:schemeClr val="accent1"/>
+            </a:effectRef>
+            <a:fontRef idx="minor">
+              <a:schemeClr val="lt1"/>
+            </a:fontRef>
+          </p:style>
+          <p:txBody>
+            <a:bodyPr rtlCol="0" anchor="ctr"/>
+            <a:lstStyle/>
+            <a:p>
+              <a:pPr algn="ctr"/>
+              <a:endParaRPr lang="en-US"/>
+            </a:p>
+          </p:txBody>
+        </p:sp>
+        <p:sp>
+          <p:nvSpPr>
+            <p:cNvPr id="127" name="TextBox 126">
+              <a:extLst>
+                <a:ext uri="{FF2B5EF4-FFF2-40B4-BE49-F238E27FC236}">
+                  <a16:creationId xmlns:a16="http://schemas.microsoft.com/office/drawing/2014/main" id="{3A19BD4C-6C53-1221-73E1-F3F8D1816B39}"/>
+                </a:ext>
+              </a:extLst>
+            </p:cNvPr>
+            <p:cNvSpPr txBox="1"/>
+            <p:nvPr/>
+          </p:nvSpPr>
+          <p:spPr>
+            <a:xfrm>
+              <a:off x="2496165" y="5608995"/>
+              <a:ext cx="1273956" cy="307777"/>
+            </a:xfrm>
+            <a:prstGeom prst="rect">
+              <a:avLst/>
+            </a:prstGeom>
+            <a:noFill/>
+          </p:spPr>
+          <p:txBody>
+            <a:bodyPr wrap="square" rtlCol="0">
+              <a:spAutoFit/>
+            </a:bodyPr>
+            <a:lstStyle/>
+            <a:p>
+              <a:pPr algn="ctr"/>
+              <a:r>
+                <a:rPr lang="en-US" sz="1400" dirty="0">
+                  <a:latin typeface="Lucida grande" panose="020B0502040204020203"/>
+                </a:rPr>
+                <a:t>Ions</a:t>
+              </a:r>
+            </a:p>
+          </p:txBody>
+        </p:sp>
+        <p:pic>
+          <p:nvPicPr>
+            <p:cNvPr id="202" name="Picture 201">
+              <a:extLst>
+                <a:ext uri="{FF2B5EF4-FFF2-40B4-BE49-F238E27FC236}">
+                  <a16:creationId xmlns:a16="http://schemas.microsoft.com/office/drawing/2014/main" id="{F8E19381-77F9-789B-F1C4-36E45F232A8B}"/>
+                </a:ext>
+              </a:extLst>
+            </p:cNvPr>
+            <p:cNvPicPr>
+              <a:picLocks noChangeAspect="1"/>
+            </p:cNvPicPr>
+            <p:nvPr/>
+          </p:nvPicPr>
+          <p:blipFill>
+            <a:blip r:embed="rId2"/>
+            <a:stretch>
+              <a:fillRect/>
+            </a:stretch>
+          </p:blipFill>
+          <p:spPr>
+            <a:xfrm rot="8059199">
+              <a:off x="-51731" y="2568197"/>
+              <a:ext cx="2197938" cy="887629"/>
+            </a:xfrm>
+            <a:prstGeom prst="rect">
+              <a:avLst/>
+            </a:prstGeom>
+          </p:spPr>
+        </p:pic>
+        <p:pic>
+          <p:nvPicPr>
+            <p:cNvPr id="203" name="Picture 202">
+              <a:extLst>
+                <a:ext uri="{FF2B5EF4-FFF2-40B4-BE49-F238E27FC236}">
+                  <a16:creationId xmlns:a16="http://schemas.microsoft.com/office/drawing/2014/main" id="{8905DC49-D729-4FA9-901A-D1E5940CE177}"/>
+                </a:ext>
+              </a:extLst>
+            </p:cNvPr>
+            <p:cNvPicPr>
+              <a:picLocks noChangeAspect="1"/>
+            </p:cNvPicPr>
+            <p:nvPr/>
+          </p:nvPicPr>
+          <p:blipFill>
+            <a:blip r:embed="rId2"/>
+            <a:stretch>
+              <a:fillRect/>
+            </a:stretch>
+          </p:blipFill>
+          <p:spPr>
+            <a:xfrm rot="5400000">
+              <a:off x="3162495" y="2594325"/>
+              <a:ext cx="2197938" cy="887629"/>
+            </a:xfrm>
+            <a:prstGeom prst="rect">
+              <a:avLst/>
+            </a:prstGeom>
+          </p:spPr>
+        </p:pic>
+        <p:pic>
+          <p:nvPicPr>
+            <p:cNvPr id="204" name="Picture 203">
+              <a:extLst>
+                <a:ext uri="{FF2B5EF4-FFF2-40B4-BE49-F238E27FC236}">
+                  <a16:creationId xmlns:a16="http://schemas.microsoft.com/office/drawing/2014/main" id="{0A26F733-465A-FDCF-3ACC-7B53C3D7AB41}"/>
+                </a:ext>
+              </a:extLst>
+            </p:cNvPr>
+            <p:cNvPicPr>
+              <a:picLocks noChangeAspect="1"/>
+            </p:cNvPicPr>
+            <p:nvPr/>
+          </p:nvPicPr>
+          <p:blipFill>
+            <a:blip r:embed="rId2"/>
+            <a:stretch>
+              <a:fillRect/>
+            </a:stretch>
+          </p:blipFill>
+          <p:spPr>
+            <a:xfrm rot="9795709">
+              <a:off x="1790372" y="1985126"/>
+              <a:ext cx="2197938" cy="887629"/>
+            </a:xfrm>
+            <a:prstGeom prst="rect">
+              <a:avLst/>
+            </a:prstGeom>
+          </p:spPr>
+        </p:pic>
+        <p:pic>
+          <p:nvPicPr>
+            <p:cNvPr id="205" name="Picture 204">
+              <a:extLst>
+                <a:ext uri="{FF2B5EF4-FFF2-40B4-BE49-F238E27FC236}">
+                  <a16:creationId xmlns:a16="http://schemas.microsoft.com/office/drawing/2014/main" id="{6596C7E7-2466-CDB1-600F-DD69FE1E8C0D}"/>
+                </a:ext>
+              </a:extLst>
+            </p:cNvPr>
+            <p:cNvPicPr>
+              <a:picLocks noChangeAspect="1"/>
+            </p:cNvPicPr>
+            <p:nvPr/>
+          </p:nvPicPr>
+          <p:blipFill>
+            <a:blip r:embed="rId2"/>
+            <a:stretch>
+              <a:fillRect/>
+            </a:stretch>
+          </p:blipFill>
+          <p:spPr>
+            <a:xfrm rot="7948509">
+              <a:off x="2361808" y="2864412"/>
+              <a:ext cx="2197938" cy="887629"/>
+            </a:xfrm>
+            <a:prstGeom prst="rect">
+              <a:avLst/>
+            </a:prstGeom>
+          </p:spPr>
+        </p:pic>
+        <p:pic>
+          <p:nvPicPr>
+            <p:cNvPr id="206" name="Picture 205">
+              <a:extLst>
+                <a:ext uri="{FF2B5EF4-FFF2-40B4-BE49-F238E27FC236}">
+                  <a16:creationId xmlns:a16="http://schemas.microsoft.com/office/drawing/2014/main" id="{42927EAA-989B-21AF-51F0-48701397D754}"/>
+                </a:ext>
+              </a:extLst>
+            </p:cNvPr>
+            <p:cNvPicPr>
+              <a:picLocks noChangeAspect="1"/>
+            </p:cNvPicPr>
+            <p:nvPr/>
+          </p:nvPicPr>
+          <p:blipFill>
+            <a:blip r:embed="rId2"/>
+            <a:stretch>
+              <a:fillRect/>
+            </a:stretch>
+          </p:blipFill>
+          <p:spPr>
+            <a:xfrm rot="10600832">
+              <a:off x="792709" y="3287029"/>
+              <a:ext cx="2197938" cy="887629"/>
+            </a:xfrm>
+            <a:prstGeom prst="rect">
+              <a:avLst/>
+            </a:prstGeom>
+          </p:spPr>
+        </p:pic>
+        <p:pic>
+          <p:nvPicPr>
+            <p:cNvPr id="207" name="Picture 206">
+              <a:extLst>
+                <a:ext uri="{FF2B5EF4-FFF2-40B4-BE49-F238E27FC236}">
+                  <a16:creationId xmlns:a16="http://schemas.microsoft.com/office/drawing/2014/main" id="{4C465B99-3CBA-E704-D4D6-6E853430DEEC}"/>
+                </a:ext>
+              </a:extLst>
+            </p:cNvPr>
+            <p:cNvPicPr>
+              <a:picLocks noChangeAspect="1"/>
+            </p:cNvPicPr>
+            <p:nvPr/>
+          </p:nvPicPr>
+          <p:blipFill>
+            <a:blip r:embed="rId2"/>
+            <a:stretch>
+              <a:fillRect/>
+            </a:stretch>
+          </p:blipFill>
+          <p:spPr>
+            <a:xfrm>
+              <a:off x="1306911" y="2706360"/>
+              <a:ext cx="2197938" cy="887629"/>
+            </a:xfrm>
+            <a:prstGeom prst="rect">
+              <a:avLst/>
+            </a:prstGeom>
+          </p:spPr>
+        </p:pic>
+        <p:sp>
+          <p:nvSpPr>
+            <p:cNvPr id="208" name="Oval 207">
+              <a:extLst>
+                <a:ext uri="{FF2B5EF4-FFF2-40B4-BE49-F238E27FC236}">
+                  <a16:creationId xmlns:a16="http://schemas.microsoft.com/office/drawing/2014/main" id="{A8740E23-9AAE-51D8-9265-FF414B002822}"/>
+                </a:ext>
+              </a:extLst>
+            </p:cNvPr>
+            <p:cNvSpPr/>
+            <p:nvPr/>
+          </p:nvSpPr>
+          <p:spPr>
+            <a:xfrm>
+              <a:off x="3980884" y="2214010"/>
+              <a:ext cx="88682" cy="88682"/>
+            </a:xfrm>
+            <a:prstGeom prst="ellipse">
+              <a:avLst/>
+            </a:prstGeom>
+            <a:solidFill>
+              <a:schemeClr val="accent2"/>
+            </a:solidFill>
+            <a:ln>
+              <a:noFill/>
+            </a:ln>
+          </p:spPr>
+          <p:style>
+            <a:lnRef idx="2">
+              <a:schemeClr val="accent1">
+                <a:shade val="15000"/>
+              </a:schemeClr>
+            </a:lnRef>
+            <a:fillRef idx="1">
+              <a:schemeClr val="accent1"/>
+            </a:fillRef>
+            <a:effectRef idx="0">
+              <a:schemeClr val="accent1"/>
+            </a:effectRef>
+            <a:fontRef idx="minor">
+              <a:schemeClr val="lt1"/>
+            </a:fontRef>
+          </p:style>
+          <p:txBody>
+            <a:bodyPr rtlCol="0" anchor="ctr"/>
+            <a:lstStyle/>
+            <a:p>
+              <a:pPr algn="ctr"/>
+              <a:endParaRPr lang="en-US"/>
+            </a:p>
+          </p:txBody>
+        </p:sp>
+        <p:sp>
+          <p:nvSpPr>
+            <p:cNvPr id="209" name="Oval 208">
+              <a:extLst>
+                <a:ext uri="{FF2B5EF4-FFF2-40B4-BE49-F238E27FC236}">
+                  <a16:creationId xmlns:a16="http://schemas.microsoft.com/office/drawing/2014/main" id="{D6EB9D77-B460-3030-AE47-8C0A3EC23406}"/>
+                </a:ext>
+              </a:extLst>
+            </p:cNvPr>
+            <p:cNvSpPr/>
+            <p:nvPr/>
+          </p:nvSpPr>
+          <p:spPr>
+            <a:xfrm>
+              <a:off x="4628786" y="2126818"/>
+              <a:ext cx="88682" cy="88682"/>
+            </a:xfrm>
+            <a:prstGeom prst="ellipse">
+              <a:avLst/>
+            </a:prstGeom>
+            <a:solidFill>
+              <a:schemeClr val="accent2"/>
+            </a:solidFill>
+            <a:ln>
+              <a:noFill/>
+            </a:ln>
+          </p:spPr>
+          <p:style>
+            <a:lnRef idx="2">
+              <a:schemeClr val="accent1">
+                <a:shade val="15000"/>
+              </a:schemeClr>
+            </a:lnRef>
+            <a:fillRef idx="1">
+              <a:schemeClr val="accent1"/>
+            </a:fillRef>
+            <a:effectRef idx="0">
+              <a:schemeClr val="accent1"/>
+            </a:effectRef>
+            <a:fontRef idx="minor">
+              <a:schemeClr val="lt1"/>
+            </a:fontRef>
+          </p:style>
+          <p:txBody>
+            <a:bodyPr rtlCol="0" anchor="ctr"/>
+            <a:lstStyle/>
+            <a:p>
+              <a:pPr algn="ctr"/>
+              <a:endParaRPr lang="en-US"/>
+            </a:p>
+          </p:txBody>
+        </p:sp>
+        <p:sp>
+          <p:nvSpPr>
+            <p:cNvPr id="210" name="Oval 209">
+              <a:extLst>
+                <a:ext uri="{FF2B5EF4-FFF2-40B4-BE49-F238E27FC236}">
+                  <a16:creationId xmlns:a16="http://schemas.microsoft.com/office/drawing/2014/main" id="{C80124AE-3F90-24B0-8052-DFE7B06FBCBD}"/>
+                </a:ext>
+              </a:extLst>
+            </p:cNvPr>
+            <p:cNvSpPr/>
+            <p:nvPr/>
+          </p:nvSpPr>
+          <p:spPr>
+            <a:xfrm>
+              <a:off x="3304519" y="2031868"/>
+              <a:ext cx="88682" cy="88682"/>
+            </a:xfrm>
+            <a:prstGeom prst="ellipse">
+              <a:avLst/>
+            </a:prstGeom>
+            <a:solidFill>
+              <a:schemeClr val="accent2"/>
+            </a:solidFill>
+            <a:ln>
+              <a:noFill/>
+            </a:ln>
+          </p:spPr>
+          <p:style>
+            <a:lnRef idx="2">
+              <a:schemeClr val="accent1">
+                <a:shade val="15000"/>
+              </a:schemeClr>
+            </a:lnRef>
+            <a:fillRef idx="1">
+              <a:schemeClr val="accent1"/>
+            </a:fillRef>
+            <a:effectRef idx="0">
+              <a:schemeClr val="accent1"/>
+            </a:effectRef>
+            <a:fontRef idx="minor">
+              <a:schemeClr val="lt1"/>
+            </a:fontRef>
+          </p:style>
+          <p:txBody>
+            <a:bodyPr rtlCol="0" anchor="ctr"/>
+            <a:lstStyle/>
+            <a:p>
+              <a:pPr algn="ctr"/>
+              <a:endParaRPr lang="en-US"/>
+            </a:p>
+          </p:txBody>
+        </p:sp>
+        <p:sp>
+          <p:nvSpPr>
+            <p:cNvPr id="211" name="Oval 210">
+              <a:extLst>
+                <a:ext uri="{FF2B5EF4-FFF2-40B4-BE49-F238E27FC236}">
+                  <a16:creationId xmlns:a16="http://schemas.microsoft.com/office/drawing/2014/main" id="{CE064E23-F4B8-352A-833B-026CCDFF96C3}"/>
+                </a:ext>
+              </a:extLst>
+            </p:cNvPr>
+            <p:cNvSpPr/>
+            <p:nvPr/>
+          </p:nvSpPr>
+          <p:spPr>
+            <a:xfrm>
+              <a:off x="4472225" y="2833135"/>
+              <a:ext cx="88682" cy="88682"/>
+            </a:xfrm>
+            <a:prstGeom prst="ellipse">
+              <a:avLst/>
+            </a:prstGeom>
+            <a:solidFill>
+              <a:schemeClr val="accent2"/>
+            </a:solidFill>
+            <a:ln>
+              <a:noFill/>
+            </a:ln>
+          </p:spPr>
+          <p:style>
+            <a:lnRef idx="2">
+              <a:schemeClr val="accent1">
+                <a:shade val="15000"/>
+              </a:schemeClr>
+            </a:lnRef>
+            <a:fillRef idx="1">
+              <a:schemeClr val="accent1"/>
+            </a:fillRef>
+            <a:effectRef idx="0">
+              <a:schemeClr val="accent1"/>
+            </a:effectRef>
+            <a:fontRef idx="minor">
+              <a:schemeClr val="lt1"/>
+            </a:fontRef>
+          </p:style>
+          <p:txBody>
+            <a:bodyPr rtlCol="0" anchor="ctr"/>
+            <a:lstStyle/>
+            <a:p>
+              <a:pPr algn="ctr"/>
+              <a:endParaRPr lang="en-US"/>
+            </a:p>
+          </p:txBody>
+        </p:sp>
+        <p:sp>
+          <p:nvSpPr>
+            <p:cNvPr id="212" name="Oval 211">
+              <a:extLst>
+                <a:ext uri="{FF2B5EF4-FFF2-40B4-BE49-F238E27FC236}">
+                  <a16:creationId xmlns:a16="http://schemas.microsoft.com/office/drawing/2014/main" id="{15B9561F-4E6B-8C4B-6176-2A4EC5244E06}"/>
+                </a:ext>
+              </a:extLst>
+            </p:cNvPr>
+            <p:cNvSpPr/>
+            <p:nvPr/>
+          </p:nvSpPr>
+          <p:spPr>
+            <a:xfrm>
+              <a:off x="3705036" y="3337880"/>
+              <a:ext cx="88682" cy="88682"/>
+            </a:xfrm>
+            <a:prstGeom prst="ellipse">
+              <a:avLst/>
+            </a:prstGeom>
+            <a:solidFill>
+              <a:schemeClr val="accent2"/>
+            </a:solidFill>
+            <a:ln>
+              <a:noFill/>
+            </a:ln>
+          </p:spPr>
+          <p:style>
+            <a:lnRef idx="2">
+              <a:schemeClr val="accent1">
+                <a:shade val="15000"/>
+              </a:schemeClr>
+            </a:lnRef>
+            <a:fillRef idx="1">
+              <a:schemeClr val="accent1"/>
+            </a:fillRef>
+            <a:effectRef idx="0">
+              <a:schemeClr val="accent1"/>
+            </a:effectRef>
+            <a:fontRef idx="minor">
+              <a:schemeClr val="lt1"/>
+            </a:fontRef>
+          </p:style>
+          <p:txBody>
+            <a:bodyPr rtlCol="0" anchor="ctr"/>
+            <a:lstStyle/>
+            <a:p>
+              <a:pPr algn="ctr"/>
+              <a:endParaRPr lang="en-US"/>
+            </a:p>
+          </p:txBody>
+        </p:sp>
+        <p:sp>
+          <p:nvSpPr>
+            <p:cNvPr id="213" name="Oval 212">
+              <a:extLst>
+                <a:ext uri="{FF2B5EF4-FFF2-40B4-BE49-F238E27FC236}">
+                  <a16:creationId xmlns:a16="http://schemas.microsoft.com/office/drawing/2014/main" id="{6D3FEAB9-B0BB-B3E2-DC63-1B798D9243FD}"/>
+                </a:ext>
+              </a:extLst>
+            </p:cNvPr>
+            <p:cNvSpPr/>
+            <p:nvPr/>
+          </p:nvSpPr>
+          <p:spPr>
+            <a:xfrm>
+              <a:off x="4427884" y="3652612"/>
+              <a:ext cx="88682" cy="88682"/>
+            </a:xfrm>
+            <a:prstGeom prst="ellipse">
+              <a:avLst/>
+            </a:prstGeom>
+            <a:solidFill>
+              <a:schemeClr val="accent2"/>
+            </a:solidFill>
+            <a:ln>
+              <a:noFill/>
+            </a:ln>
+          </p:spPr>
+          <p:style>
+            <a:lnRef idx="2">
+              <a:schemeClr val="accent1">
+                <a:shade val="15000"/>
+              </a:schemeClr>
+            </a:lnRef>
+            <a:fillRef idx="1">
+              <a:schemeClr val="accent1"/>
+            </a:fillRef>
+            <a:effectRef idx="0">
+              <a:schemeClr val="accent1"/>
+            </a:effectRef>
+            <a:fontRef idx="minor">
+              <a:schemeClr val="lt1"/>
+            </a:fontRef>
+          </p:style>
+          <p:txBody>
+            <a:bodyPr rtlCol="0" anchor="ctr"/>
+            <a:lstStyle/>
+            <a:p>
+              <a:pPr algn="ctr"/>
+              <a:endParaRPr lang="en-US"/>
+            </a:p>
+          </p:txBody>
+        </p:sp>
+        <p:sp>
+          <p:nvSpPr>
+            <p:cNvPr id="214" name="Oval 213">
+              <a:extLst>
+                <a:ext uri="{FF2B5EF4-FFF2-40B4-BE49-F238E27FC236}">
+                  <a16:creationId xmlns:a16="http://schemas.microsoft.com/office/drawing/2014/main" id="{0B856A28-26D3-C7F3-B2DA-318470A7DAE1}"/>
+                </a:ext>
+              </a:extLst>
+            </p:cNvPr>
+            <p:cNvSpPr/>
+            <p:nvPr/>
+          </p:nvSpPr>
+          <p:spPr>
+            <a:xfrm>
+              <a:off x="3257958" y="3904500"/>
+              <a:ext cx="88682" cy="88682"/>
+            </a:xfrm>
+            <a:prstGeom prst="ellipse">
+              <a:avLst/>
+            </a:prstGeom>
+            <a:solidFill>
+              <a:schemeClr val="accent2"/>
+            </a:solidFill>
+            <a:ln>
+              <a:noFill/>
+            </a:ln>
+          </p:spPr>
+          <p:style>
+            <a:lnRef idx="2">
+              <a:schemeClr val="accent1">
+                <a:shade val="15000"/>
+              </a:schemeClr>
+            </a:lnRef>
+            <a:fillRef idx="1">
+              <a:schemeClr val="accent1"/>
+            </a:fillRef>
+            <a:effectRef idx="0">
+              <a:schemeClr val="accent1"/>
+            </a:effectRef>
+            <a:fontRef idx="minor">
+              <a:schemeClr val="lt1"/>
+            </a:fontRef>
+          </p:style>
+          <p:txBody>
+            <a:bodyPr rtlCol="0" anchor="ctr"/>
+            <a:lstStyle/>
+            <a:p>
+              <a:pPr algn="ctr"/>
+              <a:endParaRPr lang="en-US"/>
+            </a:p>
+          </p:txBody>
+        </p:sp>
+        <p:sp>
+          <p:nvSpPr>
+            <p:cNvPr id="215" name="Oval 214">
+              <a:extLst>
+                <a:ext uri="{FF2B5EF4-FFF2-40B4-BE49-F238E27FC236}">
+                  <a16:creationId xmlns:a16="http://schemas.microsoft.com/office/drawing/2014/main" id="{3AB0B927-A182-4497-F1F6-29735B7C2D68}"/>
+                </a:ext>
+              </a:extLst>
+            </p:cNvPr>
+            <p:cNvSpPr/>
+            <p:nvPr/>
+          </p:nvSpPr>
+          <p:spPr>
+            <a:xfrm>
+              <a:off x="3773308" y="4173340"/>
+              <a:ext cx="88682" cy="88682"/>
+            </a:xfrm>
+            <a:prstGeom prst="ellipse">
+              <a:avLst/>
+            </a:prstGeom>
+            <a:solidFill>
+              <a:schemeClr val="accent2"/>
+            </a:solidFill>
+            <a:ln>
+              <a:noFill/>
+            </a:ln>
+          </p:spPr>
+          <p:style>
+            <a:lnRef idx="2">
+              <a:schemeClr val="accent1">
+                <a:shade val="15000"/>
+              </a:schemeClr>
+            </a:lnRef>
+            <a:fillRef idx="1">
+              <a:schemeClr val="accent1"/>
+            </a:fillRef>
+            <a:effectRef idx="0">
+              <a:schemeClr val="accent1"/>
+            </a:effectRef>
+            <a:fontRef idx="minor">
+              <a:schemeClr val="lt1"/>
+            </a:fontRef>
+          </p:style>
+          <p:txBody>
+            <a:bodyPr rtlCol="0" anchor="ctr"/>
+            <a:lstStyle/>
+            <a:p>
+              <a:pPr algn="ctr"/>
+              <a:endParaRPr lang="en-US"/>
+            </a:p>
+          </p:txBody>
+        </p:sp>
+        <p:sp>
+          <p:nvSpPr>
+            <p:cNvPr id="216" name="Oval 215">
+              <a:extLst>
+                <a:ext uri="{FF2B5EF4-FFF2-40B4-BE49-F238E27FC236}">
+                  <a16:creationId xmlns:a16="http://schemas.microsoft.com/office/drawing/2014/main" id="{A30AC39B-37C1-8ABA-0135-0B15FE62E444}"/>
+                </a:ext>
+              </a:extLst>
+            </p:cNvPr>
+            <p:cNvSpPr/>
+            <p:nvPr/>
+          </p:nvSpPr>
+          <p:spPr>
+            <a:xfrm>
+              <a:off x="4857029" y="4048427"/>
+              <a:ext cx="88682" cy="88682"/>
+            </a:xfrm>
+            <a:prstGeom prst="ellipse">
+              <a:avLst/>
+            </a:prstGeom>
+            <a:solidFill>
+              <a:schemeClr val="accent2"/>
+            </a:solidFill>
+            <a:ln>
+              <a:noFill/>
+            </a:ln>
+          </p:spPr>
+          <p:style>
+            <a:lnRef idx="2">
+              <a:schemeClr val="accent1">
+                <a:shade val="15000"/>
+              </a:schemeClr>
+            </a:lnRef>
+            <a:fillRef idx="1">
+              <a:schemeClr val="accent1"/>
+            </a:fillRef>
+            <a:effectRef idx="0">
+              <a:schemeClr val="accent1"/>
+            </a:effectRef>
+            <a:fontRef idx="minor">
+              <a:schemeClr val="lt1"/>
+            </a:fontRef>
+          </p:style>
+          <p:txBody>
+            <a:bodyPr rtlCol="0" anchor="ctr"/>
+            <a:lstStyle/>
+            <a:p>
+              <a:pPr algn="ctr"/>
+              <a:endParaRPr lang="en-US"/>
+            </a:p>
+          </p:txBody>
+        </p:sp>
+        <p:sp>
+          <p:nvSpPr>
+            <p:cNvPr id="217" name="Oval 216">
+              <a:extLst>
+                <a:ext uri="{FF2B5EF4-FFF2-40B4-BE49-F238E27FC236}">
+                  <a16:creationId xmlns:a16="http://schemas.microsoft.com/office/drawing/2014/main" id="{66E5BAE5-E816-C094-9C1A-FB327981AEF6}"/>
+                </a:ext>
+              </a:extLst>
+            </p:cNvPr>
+            <p:cNvSpPr/>
+            <p:nvPr/>
+          </p:nvSpPr>
+          <p:spPr>
+            <a:xfrm>
+              <a:off x="4901370" y="2826966"/>
+              <a:ext cx="88682" cy="88682"/>
+            </a:xfrm>
+            <a:prstGeom prst="ellipse">
+              <a:avLst/>
+            </a:prstGeom>
+            <a:solidFill>
+              <a:schemeClr val="accent2"/>
+            </a:solidFill>
+            <a:ln>
+              <a:noFill/>
+            </a:ln>
+          </p:spPr>
+          <p:style>
+            <a:lnRef idx="2">
+              <a:schemeClr val="accent1">
+                <a:shade val="15000"/>
+              </a:schemeClr>
+            </a:lnRef>
+            <a:fillRef idx="1">
+              <a:schemeClr val="accent1"/>
+            </a:fillRef>
+            <a:effectRef idx="0">
+              <a:schemeClr val="accent1"/>
+            </a:effectRef>
+            <a:fontRef idx="minor">
+              <a:schemeClr val="lt1"/>
+            </a:fontRef>
+          </p:style>
+          <p:txBody>
+            <a:bodyPr rtlCol="0" anchor="ctr"/>
+            <a:lstStyle/>
+            <a:p>
+              <a:pPr algn="ctr"/>
+              <a:endParaRPr lang="en-US"/>
+            </a:p>
+          </p:txBody>
+        </p:sp>
+        <p:sp>
+          <p:nvSpPr>
+            <p:cNvPr id="218" name="Oval 217">
+              <a:extLst>
+                <a:ext uri="{FF2B5EF4-FFF2-40B4-BE49-F238E27FC236}">
+                  <a16:creationId xmlns:a16="http://schemas.microsoft.com/office/drawing/2014/main" id="{BB009CE4-F312-E149-C09C-CD12E7B37264}"/>
+                </a:ext>
+              </a:extLst>
+            </p:cNvPr>
+            <p:cNvSpPr/>
+            <p:nvPr/>
+          </p:nvSpPr>
+          <p:spPr>
+            <a:xfrm>
+              <a:off x="2458337" y="2140732"/>
+              <a:ext cx="88682" cy="88682"/>
+            </a:xfrm>
+            <a:prstGeom prst="ellipse">
+              <a:avLst/>
+            </a:prstGeom>
+            <a:solidFill>
+              <a:schemeClr val="accent2"/>
+            </a:solidFill>
+            <a:ln>
+              <a:noFill/>
+            </a:ln>
+          </p:spPr>
+          <p:style>
+            <a:lnRef idx="2">
+              <a:schemeClr val="accent1">
+                <a:shade val="15000"/>
+              </a:schemeClr>
+            </a:lnRef>
+            <a:fillRef idx="1">
+              <a:schemeClr val="accent1"/>
+            </a:fillRef>
+            <a:effectRef idx="0">
+              <a:schemeClr val="accent1"/>
+            </a:effectRef>
+            <a:fontRef idx="minor">
+              <a:schemeClr val="lt1"/>
+            </a:fontRef>
+          </p:style>
+          <p:txBody>
+            <a:bodyPr rtlCol="0" anchor="ctr"/>
+            <a:lstStyle/>
+            <a:p>
+              <a:pPr algn="ctr"/>
+              <a:endParaRPr lang="en-US"/>
+            </a:p>
+          </p:txBody>
+        </p:sp>
+        <p:sp>
+          <p:nvSpPr>
+            <p:cNvPr id="219" name="Oval 218">
+              <a:extLst>
+                <a:ext uri="{FF2B5EF4-FFF2-40B4-BE49-F238E27FC236}">
+                  <a16:creationId xmlns:a16="http://schemas.microsoft.com/office/drawing/2014/main" id="{948E2187-93A9-7AA8-33B4-AE0219C480AD}"/>
+                </a:ext>
+              </a:extLst>
+            </p:cNvPr>
+            <p:cNvSpPr/>
+            <p:nvPr/>
+          </p:nvSpPr>
+          <p:spPr>
+            <a:xfrm>
+              <a:off x="2820762" y="2979085"/>
+              <a:ext cx="88682" cy="88682"/>
+            </a:xfrm>
+            <a:prstGeom prst="ellipse">
+              <a:avLst/>
+            </a:prstGeom>
+            <a:solidFill>
+              <a:schemeClr val="accent2"/>
+            </a:solidFill>
+            <a:ln>
+              <a:noFill/>
+            </a:ln>
+          </p:spPr>
+          <p:style>
+            <a:lnRef idx="2">
+              <a:schemeClr val="accent1">
+                <a:shade val="15000"/>
+              </a:schemeClr>
+            </a:lnRef>
+            <a:fillRef idx="1">
+              <a:schemeClr val="accent1"/>
+            </a:fillRef>
+            <a:effectRef idx="0">
+              <a:schemeClr val="accent1"/>
+            </a:effectRef>
+            <a:fontRef idx="minor">
+              <a:schemeClr val="lt1"/>
+            </a:fontRef>
+          </p:style>
+          <p:txBody>
+            <a:bodyPr rtlCol="0" anchor="ctr"/>
+            <a:lstStyle/>
+            <a:p>
+              <a:pPr algn="ctr"/>
+              <a:endParaRPr lang="en-US"/>
+            </a:p>
+          </p:txBody>
+        </p:sp>
+        <p:sp>
+          <p:nvSpPr>
+            <p:cNvPr id="220" name="Oval 219">
+              <a:extLst>
+                <a:ext uri="{FF2B5EF4-FFF2-40B4-BE49-F238E27FC236}">
+                  <a16:creationId xmlns:a16="http://schemas.microsoft.com/office/drawing/2014/main" id="{FE2C2377-AA00-E711-8A7F-823D0D3C2456}"/>
+                </a:ext>
+              </a:extLst>
+            </p:cNvPr>
+            <p:cNvSpPr/>
+            <p:nvPr/>
+          </p:nvSpPr>
+          <p:spPr>
+            <a:xfrm>
+              <a:off x="2418857" y="3603058"/>
+              <a:ext cx="88682" cy="88682"/>
+            </a:xfrm>
+            <a:prstGeom prst="ellipse">
+              <a:avLst/>
+            </a:prstGeom>
+            <a:solidFill>
+              <a:schemeClr val="accent2"/>
+            </a:solidFill>
+            <a:ln>
+              <a:noFill/>
+            </a:ln>
+          </p:spPr>
+          <p:style>
+            <a:lnRef idx="2">
+              <a:schemeClr val="accent1">
+                <a:shade val="15000"/>
+              </a:schemeClr>
+            </a:lnRef>
+            <a:fillRef idx="1">
+              <a:schemeClr val="accent1"/>
+            </a:fillRef>
+            <a:effectRef idx="0">
+              <a:schemeClr val="accent1"/>
+            </a:effectRef>
+            <a:fontRef idx="minor">
+              <a:schemeClr val="lt1"/>
+            </a:fontRef>
+          </p:style>
+          <p:txBody>
+            <a:bodyPr rtlCol="0" anchor="ctr"/>
+            <a:lstStyle/>
+            <a:p>
+              <a:pPr algn="ctr"/>
+              <a:endParaRPr lang="en-US"/>
+            </a:p>
+          </p:txBody>
+        </p:sp>
+        <p:sp>
+          <p:nvSpPr>
+            <p:cNvPr id="221" name="Oval 220">
+              <a:extLst>
+                <a:ext uri="{FF2B5EF4-FFF2-40B4-BE49-F238E27FC236}">
+                  <a16:creationId xmlns:a16="http://schemas.microsoft.com/office/drawing/2014/main" id="{D41FAFCE-BD2D-DF5C-A502-0A68A4248F01}"/>
+                </a:ext>
+              </a:extLst>
+            </p:cNvPr>
+            <p:cNvSpPr/>
+            <p:nvPr/>
+          </p:nvSpPr>
+          <p:spPr>
+            <a:xfrm>
+              <a:off x="1446716" y="2176880"/>
+              <a:ext cx="88682" cy="88682"/>
+            </a:xfrm>
+            <a:prstGeom prst="ellipse">
+              <a:avLst/>
+            </a:prstGeom>
+            <a:solidFill>
+              <a:schemeClr val="accent2"/>
+            </a:solidFill>
+            <a:ln>
+              <a:noFill/>
+            </a:ln>
+          </p:spPr>
+          <p:style>
+            <a:lnRef idx="2">
+              <a:schemeClr val="accent1">
+                <a:shade val="15000"/>
+              </a:schemeClr>
+            </a:lnRef>
+            <a:fillRef idx="1">
+              <a:schemeClr val="accent1"/>
+            </a:fillRef>
+            <a:effectRef idx="0">
+              <a:schemeClr val="accent1"/>
+            </a:effectRef>
+            <a:fontRef idx="minor">
+              <a:schemeClr val="lt1"/>
+            </a:fontRef>
+          </p:style>
+          <p:txBody>
+            <a:bodyPr rtlCol="0" anchor="ctr"/>
+            <a:lstStyle/>
+            <a:p>
+              <a:pPr algn="ctr"/>
+              <a:endParaRPr lang="en-US"/>
+            </a:p>
+          </p:txBody>
+        </p:sp>
+        <p:sp>
+          <p:nvSpPr>
+            <p:cNvPr id="222" name="Oval 221">
+              <a:extLst>
+                <a:ext uri="{FF2B5EF4-FFF2-40B4-BE49-F238E27FC236}">
+                  <a16:creationId xmlns:a16="http://schemas.microsoft.com/office/drawing/2014/main" id="{B7CE5821-C5A0-8CC8-DCAC-2DFE82F1BA83}"/>
+                </a:ext>
+              </a:extLst>
+            </p:cNvPr>
+            <p:cNvSpPr/>
+            <p:nvPr/>
+          </p:nvSpPr>
+          <p:spPr>
+            <a:xfrm>
+              <a:off x="1218229" y="4024199"/>
+              <a:ext cx="88682" cy="88682"/>
+            </a:xfrm>
+            <a:prstGeom prst="ellipse">
+              <a:avLst/>
+            </a:prstGeom>
+            <a:solidFill>
+              <a:schemeClr val="accent2"/>
+            </a:solidFill>
+            <a:ln>
+              <a:noFill/>
+            </a:ln>
+          </p:spPr>
+          <p:style>
+            <a:lnRef idx="2">
+              <a:schemeClr val="accent1">
+                <a:shade val="15000"/>
+              </a:schemeClr>
+            </a:lnRef>
+            <a:fillRef idx="1">
+              <a:schemeClr val="accent1"/>
+            </a:fillRef>
+            <a:effectRef idx="0">
+              <a:schemeClr val="accent1"/>
+            </a:effectRef>
+            <a:fontRef idx="minor">
+              <a:schemeClr val="lt1"/>
+            </a:fontRef>
+          </p:style>
+          <p:txBody>
+            <a:bodyPr rtlCol="0" anchor="ctr"/>
+            <a:lstStyle/>
+            <a:p>
+              <a:pPr algn="ctr"/>
+              <a:endParaRPr lang="en-US"/>
+            </a:p>
+          </p:txBody>
+        </p:sp>
+        <p:sp>
+          <p:nvSpPr>
+            <p:cNvPr id="223" name="Oval 222">
+              <a:extLst>
+                <a:ext uri="{FF2B5EF4-FFF2-40B4-BE49-F238E27FC236}">
+                  <a16:creationId xmlns:a16="http://schemas.microsoft.com/office/drawing/2014/main" id="{C989B62B-8236-41C7-8A85-57444E0690FE}"/>
+                </a:ext>
+              </a:extLst>
+            </p:cNvPr>
+            <p:cNvSpPr/>
+            <p:nvPr/>
+          </p:nvSpPr>
+          <p:spPr>
+            <a:xfrm>
+              <a:off x="1703145" y="3321307"/>
+              <a:ext cx="88682" cy="88682"/>
+            </a:xfrm>
+            <a:prstGeom prst="ellipse">
+              <a:avLst/>
+            </a:prstGeom>
+            <a:solidFill>
+              <a:schemeClr val="accent2"/>
+            </a:solidFill>
+            <a:ln>
+              <a:noFill/>
+            </a:ln>
+          </p:spPr>
+          <p:style>
+            <a:lnRef idx="2">
+              <a:schemeClr val="accent1">
+                <a:shade val="15000"/>
+              </a:schemeClr>
+            </a:lnRef>
+            <a:fillRef idx="1">
+              <a:schemeClr val="accent1"/>
+            </a:fillRef>
+            <a:effectRef idx="0">
+              <a:schemeClr val="accent1"/>
+            </a:effectRef>
+            <a:fontRef idx="minor">
+              <a:schemeClr val="lt1"/>
+            </a:fontRef>
+          </p:style>
+          <p:txBody>
+            <a:bodyPr rtlCol="0" anchor="ctr"/>
+            <a:lstStyle/>
+            <a:p>
+              <a:pPr algn="ctr"/>
+              <a:endParaRPr lang="en-US"/>
+            </a:p>
+          </p:txBody>
+        </p:sp>
+        <p:sp>
+          <p:nvSpPr>
+            <p:cNvPr id="224" name="Oval 223">
+              <a:extLst>
+                <a:ext uri="{FF2B5EF4-FFF2-40B4-BE49-F238E27FC236}">
+                  <a16:creationId xmlns:a16="http://schemas.microsoft.com/office/drawing/2014/main" id="{4E62298B-762D-AC61-1131-F41405293E8D}"/>
+                </a:ext>
+              </a:extLst>
+            </p:cNvPr>
+            <p:cNvSpPr/>
+            <p:nvPr/>
+          </p:nvSpPr>
+          <p:spPr>
+            <a:xfrm>
+              <a:off x="3810903" y="2616702"/>
+              <a:ext cx="88682" cy="88682"/>
+            </a:xfrm>
+            <a:prstGeom prst="ellipse">
+              <a:avLst/>
+            </a:prstGeom>
+            <a:solidFill>
+              <a:schemeClr val="accent2"/>
+            </a:solidFill>
+            <a:ln>
+              <a:noFill/>
+            </a:ln>
+          </p:spPr>
+          <p:style>
+            <a:lnRef idx="2">
+              <a:schemeClr val="accent1">
+                <a:shade val="15000"/>
+              </a:schemeClr>
+            </a:lnRef>
+            <a:fillRef idx="1">
+              <a:schemeClr val="accent1"/>
+            </a:fillRef>
+            <a:effectRef idx="0">
+              <a:schemeClr val="accent1"/>
+            </a:effectRef>
+            <a:fontRef idx="minor">
+              <a:schemeClr val="lt1"/>
+            </a:fontRef>
+          </p:style>
+          <p:txBody>
+            <a:bodyPr rtlCol="0" anchor="ctr"/>
+            <a:lstStyle/>
+            <a:p>
+              <a:pPr algn="ctr"/>
+              <a:endParaRPr lang="en-US"/>
+            </a:p>
+          </p:txBody>
+        </p:sp>
+        <p:sp>
+          <p:nvSpPr>
+            <p:cNvPr id="225" name="Oval 224">
+              <a:extLst>
+                <a:ext uri="{FF2B5EF4-FFF2-40B4-BE49-F238E27FC236}">
+                  <a16:creationId xmlns:a16="http://schemas.microsoft.com/office/drawing/2014/main" id="{884D53DF-316D-0913-FE67-518F5543DFDF}"/>
+                </a:ext>
+              </a:extLst>
+            </p:cNvPr>
+            <p:cNvSpPr/>
+            <p:nvPr/>
+          </p:nvSpPr>
+          <p:spPr>
+            <a:xfrm>
+              <a:off x="572024" y="2185073"/>
+              <a:ext cx="88682" cy="88682"/>
+            </a:xfrm>
+            <a:prstGeom prst="ellipse">
+              <a:avLst/>
+            </a:prstGeom>
+            <a:solidFill>
+              <a:schemeClr val="accent2"/>
+            </a:solidFill>
+            <a:ln>
+              <a:noFill/>
+            </a:ln>
+          </p:spPr>
+          <p:style>
+            <a:lnRef idx="2">
+              <a:schemeClr val="accent1">
+                <a:shade val="15000"/>
+              </a:schemeClr>
+            </a:lnRef>
+            <a:fillRef idx="1">
+              <a:schemeClr val="accent1"/>
+            </a:fillRef>
+            <a:effectRef idx="0">
+              <a:schemeClr val="accent1"/>
+            </a:effectRef>
+            <a:fontRef idx="minor">
+              <a:schemeClr val="lt1"/>
+            </a:fontRef>
+          </p:style>
+          <p:txBody>
+            <a:bodyPr rtlCol="0" anchor="ctr"/>
+            <a:lstStyle/>
+            <a:p>
+              <a:pPr algn="ctr"/>
+              <a:endParaRPr lang="en-US"/>
+            </a:p>
+          </p:txBody>
+        </p:sp>
+        <p:sp>
+          <p:nvSpPr>
+            <p:cNvPr id="226" name="Oval 225">
+              <a:extLst>
+                <a:ext uri="{FF2B5EF4-FFF2-40B4-BE49-F238E27FC236}">
+                  <a16:creationId xmlns:a16="http://schemas.microsoft.com/office/drawing/2014/main" id="{466813D0-E652-7D88-CBF8-2941D1AB6C28}"/>
+                </a:ext>
+              </a:extLst>
+            </p:cNvPr>
+            <p:cNvSpPr/>
+            <p:nvPr/>
+          </p:nvSpPr>
+          <p:spPr>
+            <a:xfrm>
+              <a:off x="589636" y="2949457"/>
+              <a:ext cx="88682" cy="88682"/>
+            </a:xfrm>
+            <a:prstGeom prst="ellipse">
+              <a:avLst/>
+            </a:prstGeom>
+            <a:solidFill>
+              <a:schemeClr val="accent2"/>
+            </a:solidFill>
+            <a:ln>
+              <a:noFill/>
+            </a:ln>
+          </p:spPr>
+          <p:style>
+            <a:lnRef idx="2">
+              <a:schemeClr val="accent1">
+                <a:shade val="15000"/>
+              </a:schemeClr>
+            </a:lnRef>
+            <a:fillRef idx="1">
+              <a:schemeClr val="accent1"/>
+            </a:fillRef>
+            <a:effectRef idx="0">
+              <a:schemeClr val="accent1"/>
+            </a:effectRef>
+            <a:fontRef idx="minor">
+              <a:schemeClr val="lt1"/>
+            </a:fontRef>
+          </p:style>
+          <p:txBody>
+            <a:bodyPr rtlCol="0" anchor="ctr"/>
+            <a:lstStyle/>
+            <a:p>
+              <a:pPr algn="ctr"/>
+              <a:endParaRPr lang="en-US"/>
+            </a:p>
+          </p:txBody>
+        </p:sp>
+      </p:grpSp>
     </p:spTree>
     <p:extLst>
       <p:ext uri="{BB962C8B-B14F-4D97-AF65-F5344CB8AC3E}">
@@ -11291,6 +11915,437 @@
   <p:clrMapOvr>
     <a:masterClrMapping/>
   </p:clrMapOvr>
+  <p:timing>
+    <p:tnLst>
+      <p:par>
+        <p:cTn id="1" dur="indefinite" restart="never" nodeType="tmRoot">
+          <p:childTnLst>
+            <p:seq concurrent="1" nextAc="seek">
+              <p:cTn id="2" dur="indefinite" nodeType="mainSeq">
+                <p:childTnLst>
+                  <p:par>
+                    <p:cTn id="3" fill="hold">
+                      <p:stCondLst>
+                        <p:cond delay="indefinite"/>
+                      </p:stCondLst>
+                      <p:childTnLst>
+                        <p:par>
+                          <p:cTn id="4" fill="hold">
+                            <p:stCondLst>
+                              <p:cond delay="0"/>
+                            </p:stCondLst>
+                            <p:childTnLst>
+                              <p:par>
+                                <p:cTn id="5" presetID="1" presetClass="entr" presetSubtype="0" fill="hold" nodeType="clickEffect">
+                                  <p:stCondLst>
+                                    <p:cond delay="0"/>
+                                  </p:stCondLst>
+                                  <p:childTnLst>
+                                    <p:set>
+                                      <p:cBhvr>
+                                        <p:cTn id="6" dur="1" fill="hold">
+                                          <p:stCondLst>
+                                            <p:cond delay="0"/>
+                                          </p:stCondLst>
+                                        </p:cTn>
+                                        <p:tgtEl>
+                                          <p:spTgt spid="85">
+                                            <p:txEl>
+                                              <p:pRg st="1" end="1"/>
+                                            </p:txEl>
+                                          </p:spTgt>
+                                        </p:tgtEl>
+                                        <p:attrNameLst>
+                                          <p:attrName>style.visibility</p:attrName>
+                                        </p:attrNameLst>
+                                      </p:cBhvr>
+                                      <p:to>
+                                        <p:strVal val="visible"/>
+                                      </p:to>
+                                    </p:set>
+                                  </p:childTnLst>
+                                </p:cTn>
+                              </p:par>
+                              <p:par>
+                                <p:cTn id="7" presetID="1" presetClass="entr" presetSubtype="0" fill="hold" nodeType="withEffect">
+                                  <p:stCondLst>
+                                    <p:cond delay="0"/>
+                                  </p:stCondLst>
+                                  <p:childTnLst>
+                                    <p:set>
+                                      <p:cBhvr>
+                                        <p:cTn id="8" dur="1" fill="hold">
+                                          <p:stCondLst>
+                                            <p:cond delay="0"/>
+                                          </p:stCondLst>
+                                        </p:cTn>
+                                        <p:tgtEl>
+                                          <p:spTgt spid="122"/>
+                                        </p:tgtEl>
+                                        <p:attrNameLst>
+                                          <p:attrName>style.visibility</p:attrName>
+                                        </p:attrNameLst>
+                                      </p:cBhvr>
+                                      <p:to>
+                                        <p:strVal val="visible"/>
+                                      </p:to>
+                                    </p:set>
+                                  </p:childTnLst>
+                                </p:cTn>
+                              </p:par>
+                            </p:childTnLst>
+                          </p:cTn>
+                        </p:par>
+                      </p:childTnLst>
+                    </p:cTn>
+                  </p:par>
+                  <p:par>
+                    <p:cTn id="9" fill="hold">
+                      <p:stCondLst>
+                        <p:cond delay="indefinite"/>
+                      </p:stCondLst>
+                      <p:childTnLst>
+                        <p:par>
+                          <p:cTn id="10" fill="hold">
+                            <p:stCondLst>
+                              <p:cond delay="0"/>
+                            </p:stCondLst>
+                            <p:childTnLst>
+                              <p:par>
+                                <p:cTn id="11" presetID="1" presetClass="entr" presetSubtype="0" fill="hold" nodeType="clickEffect">
+                                  <p:stCondLst>
+                                    <p:cond delay="0"/>
+                                  </p:stCondLst>
+                                  <p:childTnLst>
+                                    <p:set>
+                                      <p:cBhvr>
+                                        <p:cTn id="12" dur="1" fill="hold">
+                                          <p:stCondLst>
+                                            <p:cond delay="0"/>
+                                          </p:stCondLst>
+                                        </p:cTn>
+                                        <p:tgtEl>
+                                          <p:spTgt spid="85">
+                                            <p:txEl>
+                                              <p:pRg st="2" end="2"/>
+                                            </p:txEl>
+                                          </p:spTgt>
+                                        </p:tgtEl>
+                                        <p:attrNameLst>
+                                          <p:attrName>style.visibility</p:attrName>
+                                        </p:attrNameLst>
+                                      </p:cBhvr>
+                                      <p:to>
+                                        <p:strVal val="visible"/>
+                                      </p:to>
+                                    </p:set>
+                                  </p:childTnLst>
+                                </p:cTn>
+                              </p:par>
+                              <p:par>
+                                <p:cTn id="13" presetID="1" presetClass="entr" presetSubtype="0" fill="hold" nodeType="withEffect">
+                                  <p:stCondLst>
+                                    <p:cond delay="0"/>
+                                  </p:stCondLst>
+                                  <p:childTnLst>
+                                    <p:set>
+                                      <p:cBhvr>
+                                        <p:cTn id="14" dur="1" fill="hold">
+                                          <p:stCondLst>
+                                            <p:cond delay="0"/>
+                                          </p:stCondLst>
+                                        </p:cTn>
+                                        <p:tgtEl>
+                                          <p:spTgt spid="85">
+                                            <p:txEl>
+                                              <p:pRg st="3" end="3"/>
+                                            </p:txEl>
+                                          </p:spTgt>
+                                        </p:tgtEl>
+                                        <p:attrNameLst>
+                                          <p:attrName>style.visibility</p:attrName>
+                                        </p:attrNameLst>
+                                      </p:cBhvr>
+                                      <p:to>
+                                        <p:strVal val="visible"/>
+                                      </p:to>
+                                    </p:set>
+                                  </p:childTnLst>
+                                </p:cTn>
+                              </p:par>
+                              <p:par>
+                                <p:cTn id="15" presetID="1" presetClass="entr" presetSubtype="0" fill="hold" nodeType="withEffect">
+                                  <p:stCondLst>
+                                    <p:cond delay="0"/>
+                                  </p:stCondLst>
+                                  <p:childTnLst>
+                                    <p:set>
+                                      <p:cBhvr>
+                                        <p:cTn id="16" dur="1" fill="hold">
+                                          <p:stCondLst>
+                                            <p:cond delay="0"/>
+                                          </p:stCondLst>
+                                        </p:cTn>
+                                        <p:tgtEl>
+                                          <p:spTgt spid="227"/>
+                                        </p:tgtEl>
+                                        <p:attrNameLst>
+                                          <p:attrName>style.visibility</p:attrName>
+                                        </p:attrNameLst>
+                                      </p:cBhvr>
+                                      <p:to>
+                                        <p:strVal val="visible"/>
+                                      </p:to>
+                                    </p:set>
+                                  </p:childTnLst>
+                                </p:cTn>
+                              </p:par>
+                            </p:childTnLst>
+                          </p:cTn>
+                        </p:par>
+                      </p:childTnLst>
+                    </p:cTn>
+                  </p:par>
+                  <p:par>
+                    <p:cTn id="17" fill="hold">
+                      <p:stCondLst>
+                        <p:cond delay="indefinite"/>
+                      </p:stCondLst>
+                      <p:childTnLst>
+                        <p:par>
+                          <p:cTn id="18" fill="hold">
+                            <p:stCondLst>
+                              <p:cond delay="0"/>
+                            </p:stCondLst>
+                            <p:childTnLst>
+                              <p:par>
+                                <p:cTn id="19" presetID="1" presetClass="entr" presetSubtype="0" fill="hold" nodeType="clickEffect">
+                                  <p:stCondLst>
+                                    <p:cond delay="0"/>
+                                  </p:stCondLst>
+                                  <p:childTnLst>
+                                    <p:set>
+                                      <p:cBhvr>
+                                        <p:cTn id="20" dur="1" fill="hold">
+                                          <p:stCondLst>
+                                            <p:cond delay="0"/>
+                                          </p:stCondLst>
+                                        </p:cTn>
+                                        <p:tgtEl>
+                                          <p:spTgt spid="85">
+                                            <p:txEl>
+                                              <p:pRg st="4" end="4"/>
+                                            </p:txEl>
+                                          </p:spTgt>
+                                        </p:tgtEl>
+                                        <p:attrNameLst>
+                                          <p:attrName>style.visibility</p:attrName>
+                                        </p:attrNameLst>
+                                      </p:cBhvr>
+                                      <p:to>
+                                        <p:strVal val="visible"/>
+                                      </p:to>
+                                    </p:set>
+                                  </p:childTnLst>
+                                </p:cTn>
+                              </p:par>
+                              <p:par>
+                                <p:cTn id="21" presetID="1" presetClass="entr" presetSubtype="0" fill="hold" nodeType="withEffect">
+                                  <p:stCondLst>
+                                    <p:cond delay="0"/>
+                                  </p:stCondLst>
+                                  <p:childTnLst>
+                                    <p:set>
+                                      <p:cBhvr>
+                                        <p:cTn id="22" dur="1" fill="hold">
+                                          <p:stCondLst>
+                                            <p:cond delay="0"/>
+                                          </p:stCondLst>
+                                        </p:cTn>
+                                        <p:tgtEl>
+                                          <p:spTgt spid="178"/>
+                                        </p:tgtEl>
+                                        <p:attrNameLst>
+                                          <p:attrName>style.visibility</p:attrName>
+                                        </p:attrNameLst>
+                                      </p:cBhvr>
+                                      <p:to>
+                                        <p:strVal val="visible"/>
+                                      </p:to>
+                                    </p:set>
+                                  </p:childTnLst>
+                                </p:cTn>
+                              </p:par>
+                            </p:childTnLst>
+                          </p:cTn>
+                        </p:par>
+                      </p:childTnLst>
+                    </p:cTn>
+                  </p:par>
+                  <p:par>
+                    <p:cTn id="23" fill="hold">
+                      <p:stCondLst>
+                        <p:cond delay="indefinite"/>
+                      </p:stCondLst>
+                      <p:childTnLst>
+                        <p:par>
+                          <p:cTn id="24" fill="hold">
+                            <p:stCondLst>
+                              <p:cond delay="0"/>
+                            </p:stCondLst>
+                            <p:childTnLst>
+                              <p:par>
+                                <p:cTn id="25" presetID="1" presetClass="entr" presetSubtype="0" fill="hold" nodeType="clickEffect">
+                                  <p:stCondLst>
+                                    <p:cond delay="0"/>
+                                  </p:stCondLst>
+                                  <p:childTnLst>
+                                    <p:set>
+                                      <p:cBhvr>
+                                        <p:cTn id="26" dur="1" fill="hold">
+                                          <p:stCondLst>
+                                            <p:cond delay="0"/>
+                                          </p:stCondLst>
+                                        </p:cTn>
+                                        <p:tgtEl>
+                                          <p:spTgt spid="85">
+                                            <p:txEl>
+                                              <p:pRg st="5" end="5"/>
+                                            </p:txEl>
+                                          </p:spTgt>
+                                        </p:tgtEl>
+                                        <p:attrNameLst>
+                                          <p:attrName>style.visibility</p:attrName>
+                                        </p:attrNameLst>
+                                      </p:cBhvr>
+                                      <p:to>
+                                        <p:strVal val="visible"/>
+                                      </p:to>
+                                    </p:set>
+                                  </p:childTnLst>
+                                </p:cTn>
+                              </p:par>
+                              <p:par>
+                                <p:cTn id="27" presetID="1" presetClass="entr" presetSubtype="0" fill="hold" nodeType="withEffect">
+                                  <p:stCondLst>
+                                    <p:cond delay="0"/>
+                                  </p:stCondLst>
+                                  <p:childTnLst>
+                                    <p:set>
+                                      <p:cBhvr>
+                                        <p:cTn id="28" dur="1" fill="hold">
+                                          <p:stCondLst>
+                                            <p:cond delay="0"/>
+                                          </p:stCondLst>
+                                        </p:cTn>
+                                        <p:tgtEl>
+                                          <p:spTgt spid="85">
+                                            <p:txEl>
+                                              <p:pRg st="6" end="6"/>
+                                            </p:txEl>
+                                          </p:spTgt>
+                                        </p:tgtEl>
+                                        <p:attrNameLst>
+                                          <p:attrName>style.visibility</p:attrName>
+                                        </p:attrNameLst>
+                                      </p:cBhvr>
+                                      <p:to>
+                                        <p:strVal val="visible"/>
+                                      </p:to>
+                                    </p:set>
+                                  </p:childTnLst>
+                                </p:cTn>
+                              </p:par>
+                              <p:par>
+                                <p:cTn id="29" presetID="1" presetClass="entr" presetSubtype="0" fill="hold" nodeType="withEffect">
+                                  <p:stCondLst>
+                                    <p:cond delay="0"/>
+                                  </p:stCondLst>
+                                  <p:childTnLst>
+                                    <p:set>
+                                      <p:cBhvr>
+                                        <p:cTn id="30" dur="1" fill="hold">
+                                          <p:stCondLst>
+                                            <p:cond delay="0"/>
+                                          </p:stCondLst>
+                                        </p:cTn>
+                                        <p:tgtEl>
+                                          <p:spTgt spid="85">
+                                            <p:txEl>
+                                              <p:pRg st="7" end="7"/>
+                                            </p:txEl>
+                                          </p:spTgt>
+                                        </p:tgtEl>
+                                        <p:attrNameLst>
+                                          <p:attrName>style.visibility</p:attrName>
+                                        </p:attrNameLst>
+                                      </p:cBhvr>
+                                      <p:to>
+                                        <p:strVal val="visible"/>
+                                      </p:to>
+                                    </p:set>
+                                  </p:childTnLst>
+                                </p:cTn>
+                              </p:par>
+                              <p:par>
+                                <p:cTn id="31" presetID="1" presetClass="entr" presetSubtype="0" fill="hold" nodeType="withEffect">
+                                  <p:stCondLst>
+                                    <p:cond delay="0"/>
+                                  </p:stCondLst>
+                                  <p:childTnLst>
+                                    <p:set>
+                                      <p:cBhvr>
+                                        <p:cTn id="32" dur="1" fill="hold">
+                                          <p:stCondLst>
+                                            <p:cond delay="0"/>
+                                          </p:stCondLst>
+                                        </p:cTn>
+                                        <p:tgtEl>
+                                          <p:spTgt spid="85">
+                                            <p:txEl>
+                                              <p:pRg st="8" end="8"/>
+                                            </p:txEl>
+                                          </p:spTgt>
+                                        </p:tgtEl>
+                                        <p:attrNameLst>
+                                          <p:attrName>style.visibility</p:attrName>
+                                        </p:attrNameLst>
+                                      </p:cBhvr>
+                                      <p:to>
+                                        <p:strVal val="visible"/>
+                                      </p:to>
+                                    </p:set>
+                                  </p:childTnLst>
+                                </p:cTn>
+                              </p:par>
+                            </p:childTnLst>
+                          </p:cTn>
+                        </p:par>
+                      </p:childTnLst>
+                    </p:cTn>
+                  </p:par>
+                </p:childTnLst>
+              </p:cTn>
+              <p:prevCondLst>
+                <p:cond evt="onPrev" delay="0">
+                  <p:tgtEl>
+                    <p:sldTgt/>
+                  </p:tgtEl>
+                </p:cond>
+              </p:prevCondLst>
+              <p:nextCondLst>
+                <p:cond evt="onNext" delay="0">
+                  <p:tgtEl>
+                    <p:sldTgt/>
+                  </p:tgtEl>
+                </p:cond>
+              </p:nextCondLst>
+            </p:seq>
+          </p:childTnLst>
+        </p:cTn>
+      </p:par>
+    </p:tnLst>
+  </p:timing>
 </p:sld>
 </file>
 
@@ -17543,39 +18598,21 @@
                                   </p:childTnLst>
                                 </p:cTn>
                               </p:par>
-                            </p:childTnLst>
-                          </p:cTn>
-                        </p:par>
-                      </p:childTnLst>
-                    </p:cTn>
-                  </p:par>
-                  <p:par>
-                    <p:cTn id="9" fill="hold">
-                      <p:stCondLst>
-                        <p:cond delay="indefinite"/>
-                      </p:stCondLst>
-                      <p:childTnLst>
-                        <p:par>
-                          <p:cTn id="10" fill="hold">
-                            <p:stCondLst>
-                              <p:cond delay="0"/>
-                            </p:stCondLst>
-                            <p:childTnLst>
                               <p:par>
-                                <p:cTn id="11" presetID="1" presetClass="entr" presetSubtype="0" fill="hold" nodeType="clickEffect">
+                                <p:cTn id="9" presetID="1" presetClass="entr" presetSubtype="0" fill="hold" grpId="0" nodeType="withEffect">
                                   <p:stCondLst>
                                     <p:cond delay="0"/>
                                   </p:stCondLst>
                                   <p:childTnLst>
                                     <p:set>
                                       <p:cBhvr>
-                                        <p:cTn id="12" dur="1" fill="hold">
+                                        <p:cTn id="10" dur="1" fill="hold">
                                           <p:stCondLst>
                                             <p:cond delay="0"/>
                                           </p:stCondLst>
                                         </p:cTn>
                                         <p:tgtEl>
-                                          <p:spTgt spid="88"/>
+                                          <p:spTgt spid="19"/>
                                         </p:tgtEl>
                                         <p:attrNameLst>
                                           <p:attrName>style.visibility</p:attrName>
@@ -17588,8 +18625,26 @@
                                   </p:childTnLst>
                                 </p:cTn>
                               </p:par>
+                            </p:childTnLst>
+                          </p:cTn>
+                        </p:par>
+                      </p:childTnLst>
+                    </p:cTn>
+                  </p:par>
+                  <p:par>
+                    <p:cTn id="11" fill="hold">
+                      <p:stCondLst>
+                        <p:cond delay="indefinite"/>
+                      </p:stCondLst>
+                      <p:childTnLst>
+                        <p:par>
+                          <p:cTn id="12" fill="hold">
+                            <p:stCondLst>
+                              <p:cond delay="0"/>
+                            </p:stCondLst>
+                            <p:childTnLst>
                               <p:par>
-                                <p:cTn id="13" presetID="1" presetClass="entr" presetSubtype="0" fill="hold" nodeType="withEffect">
+                                <p:cTn id="13" presetID="1" presetClass="entr" presetSubtype="0" fill="hold" nodeType="clickEffect">
                                   <p:stCondLst>
                                     <p:cond delay="0"/>
                                   </p:stCondLst>
@@ -17602,7 +18657,7 @@
                                           </p:stCondLst>
                                         </p:cTn>
                                         <p:tgtEl>
-                                          <p:spTgt spid="87"/>
+                                          <p:spTgt spid="88"/>
                                         </p:tgtEl>
                                         <p:attrNameLst>
                                           <p:attrName>style.visibility</p:attrName>
@@ -17629,7 +18684,61 @@
                                           </p:stCondLst>
                                         </p:cTn>
                                         <p:tgtEl>
+                                          <p:spTgt spid="87"/>
+                                        </p:tgtEl>
+                                        <p:attrNameLst>
+                                          <p:attrName>style.visibility</p:attrName>
+                                        </p:attrNameLst>
+                                      </p:cBhvr>
+                                      <p:to>
+                                        <p:strVal val="visible"/>
+                                      </p:to>
+                                    </p:set>
+                                  </p:childTnLst>
+                                </p:cTn>
+                              </p:par>
+                              <p:par>
+                                <p:cTn id="17" presetID="1" presetClass="entr" presetSubtype="0" fill="hold" nodeType="withEffect">
+                                  <p:stCondLst>
+                                    <p:cond delay="0"/>
+                                  </p:stCondLst>
+                                  <p:childTnLst>
+                                    <p:set>
+                                      <p:cBhvr>
+                                        <p:cTn id="18" dur="1" fill="hold">
+                                          <p:stCondLst>
+                                            <p:cond delay="0"/>
+                                          </p:stCondLst>
+                                        </p:cTn>
+                                        <p:tgtEl>
                                           <p:spTgt spid="89"/>
+                                        </p:tgtEl>
+                                        <p:attrNameLst>
+                                          <p:attrName>style.visibility</p:attrName>
+                                        </p:attrNameLst>
+                                      </p:cBhvr>
+                                      <p:to>
+                                        <p:strVal val="visible"/>
+                                      </p:to>
+                                    </p:set>
+                                  </p:childTnLst>
+                                </p:cTn>
+                              </p:par>
+                              <p:par>
+                                <p:cTn id="19" presetID="1" presetClass="entr" presetSubtype="0" fill="hold" grpId="0" nodeType="withEffect">
+                                  <p:stCondLst>
+                                    <p:cond delay="0"/>
+                                  </p:stCondLst>
+                                  <p:childTnLst>
+                                    <p:set>
+                                      <p:cBhvr>
+                                        <p:cTn id="20" dur="1" fill="hold">
+                                          <p:stCondLst>
+                                            <p:cond delay="0"/>
+                                          </p:stCondLst>
+                                        </p:cTn>
+                                        <p:tgtEl>
+                                          <p:spTgt spid="21"/>
                                         </p:tgtEl>
                                         <p:attrNameLst>
                                           <p:attrName>style.visibility</p:attrName>
@@ -17649,26 +18758,26 @@
                     </p:cTn>
                   </p:par>
                   <p:par>
-                    <p:cTn id="17" fill="hold">
+                    <p:cTn id="21" fill="hold">
                       <p:stCondLst>
                         <p:cond delay="indefinite"/>
                       </p:stCondLst>
                       <p:childTnLst>
                         <p:par>
-                          <p:cTn id="18" fill="hold">
+                          <p:cTn id="22" fill="hold">
                             <p:stCondLst>
                               <p:cond delay="0"/>
                             </p:stCondLst>
                             <p:childTnLst>
                               <p:par>
-                                <p:cTn id="19" presetID="1" presetClass="entr" presetSubtype="0" fill="hold" nodeType="clickEffect">
+                                <p:cTn id="23" presetID="1" presetClass="entr" presetSubtype="0" fill="hold" nodeType="clickEffect">
                                   <p:stCondLst>
                                     <p:cond delay="0"/>
                                   </p:stCondLst>
                                   <p:childTnLst>
                                     <p:set>
                                       <p:cBhvr>
-                                        <p:cTn id="20" dur="1" fill="hold">
+                                        <p:cTn id="24" dur="1" fill="hold">
                                           <p:stCondLst>
                                             <p:cond delay="0"/>
                                           </p:stCondLst>
@@ -17688,14 +18797,14 @@
                                 </p:cTn>
                               </p:par>
                               <p:par>
-                                <p:cTn id="21" presetID="1" presetClass="entr" presetSubtype="0" fill="hold" nodeType="withEffect">
+                                <p:cTn id="25" presetID="1" presetClass="entr" presetSubtype="0" fill="hold" nodeType="withEffect">
                                   <p:stCondLst>
                                     <p:cond delay="0"/>
                                   </p:stCondLst>
                                   <p:childTnLst>
                                     <p:set>
                                       <p:cBhvr>
-                                        <p:cTn id="22" dur="1" fill="hold">
+                                        <p:cTn id="26" dur="1" fill="hold">
                                           <p:stCondLst>
                                             <p:cond delay="0"/>
                                           </p:stCondLst>
@@ -17715,20 +18824,92 @@
                                 </p:cTn>
                               </p:par>
                               <p:par>
-                                <p:cTn id="23" presetID="1" presetClass="entr" presetSubtype="0" fill="hold" nodeType="withEffect">
+                                <p:cTn id="27" presetID="1" presetClass="entr" presetSubtype="0" fill="hold" nodeType="withEffect">
                                   <p:stCondLst>
                                     <p:cond delay="0"/>
                                   </p:stCondLst>
                                   <p:childTnLst>
                                     <p:set>
                                       <p:cBhvr>
-                                        <p:cTn id="24" dur="1" fill="hold">
+                                        <p:cTn id="28" dur="1" fill="hold">
                                           <p:stCondLst>
                                             <p:cond delay="0"/>
                                           </p:stCondLst>
                                         </p:cTn>
                                         <p:tgtEl>
                                           <p:spTgt spid="68"/>
+                                        </p:tgtEl>
+                                        <p:attrNameLst>
+                                          <p:attrName>style.visibility</p:attrName>
+                                        </p:attrNameLst>
+                                      </p:cBhvr>
+                                      <p:to>
+                                        <p:strVal val="visible"/>
+                                      </p:to>
+                                    </p:set>
+                                  </p:childTnLst>
+                                </p:cTn>
+                              </p:par>
+                              <p:par>
+                                <p:cTn id="29" presetID="1" presetClass="entr" presetSubtype="0" fill="hold" grpId="0" nodeType="withEffect">
+                                  <p:stCondLst>
+                                    <p:cond delay="0"/>
+                                  </p:stCondLst>
+                                  <p:childTnLst>
+                                    <p:set>
+                                      <p:cBhvr>
+                                        <p:cTn id="30" dur="1" fill="hold">
+                                          <p:stCondLst>
+                                            <p:cond delay="0"/>
+                                          </p:stCondLst>
+                                        </p:cTn>
+                                        <p:tgtEl>
+                                          <p:spTgt spid="17"/>
+                                        </p:tgtEl>
+                                        <p:attrNameLst>
+                                          <p:attrName>style.visibility</p:attrName>
+                                        </p:attrNameLst>
+                                      </p:cBhvr>
+                                      <p:to>
+                                        <p:strVal val="visible"/>
+                                      </p:to>
+                                    </p:set>
+                                  </p:childTnLst>
+                                </p:cTn>
+                              </p:par>
+                            </p:childTnLst>
+                          </p:cTn>
+                        </p:par>
+                      </p:childTnLst>
+                    </p:cTn>
+                  </p:par>
+                  <p:par>
+                    <p:cTn id="31" fill="hold">
+                      <p:stCondLst>
+                        <p:cond delay="indefinite"/>
+                      </p:stCondLst>
+                      <p:childTnLst>
+                        <p:par>
+                          <p:cTn id="32" fill="hold">
+                            <p:stCondLst>
+                              <p:cond delay="0"/>
+                            </p:stCondLst>
+                            <p:childTnLst>
+                              <p:par>
+                                <p:cTn id="33" presetID="1" presetClass="entr" presetSubtype="0" fill="hold" grpId="0" nodeType="clickEffect">
+                                  <p:stCondLst>
+                                    <p:cond delay="0"/>
+                                  </p:stCondLst>
+                                  <p:childTnLst>
+                                    <p:set>
+                                      <p:cBhvr>
+                                        <p:cTn id="34" dur="1" fill="hold">
+                                          <p:stCondLst>
+                                            <p:cond delay="0"/>
+                                          </p:stCondLst>
+                                        </p:cTn>
+                                        <p:tgtEl>
+                                          <p:spTgt spid="83"/>
                                         </p:tgtEl>
                                         <p:attrNameLst>
                                           <p:attrName>style.visibility</p:attrName>
@@ -17768,6 +18949,12 @@
         </p:cTn>
       </p:par>
     </p:tnLst>
+    <p:bldLst>
+      <p:bldP spid="17" grpId="0"/>
+      <p:bldP spid="19" grpId="0"/>
+      <p:bldP spid="21" grpId="0"/>
+      <p:bldP spid="83" grpId="0"/>
+    </p:bldLst>
   </p:timing>
 </p:sld>
 </file>

--- a/20240722 NAF Intro.pptx
+++ b/20240722 NAF Intro.pptx
@@ -13707,7 +13707,7 @@
               <a:t> et al. </a:t>
             </a:r>
             <a:r>
-              <a:rPr lang="fr-FR" sz="1000" dirty="0" err="1">
+              <a:rPr lang="fr-FR" sz="1000" i="1" dirty="0" err="1">
                 <a:latin typeface="Lucida grande" panose="020B0502040204020203"/>
               </a:rPr>
               <a:t>Macromolecules</a:t>
@@ -13731,10 +13731,16 @@
               <a:t> et al. </a:t>
             </a:r>
             <a:r>
+              <a:rPr lang="nl-NL" sz="1000" i="1" dirty="0">
+                <a:latin typeface="Lucida grande" panose="020B0502040204020203"/>
+              </a:rPr>
+              <a:t>Adv. Funct. Mater</a:t>
+            </a:r>
+            <a:r>
               <a:rPr lang="nl-NL" sz="1000" dirty="0">
                 <a:latin typeface="Lucida grande" panose="020B0502040204020203"/>
               </a:rPr>
-              <a:t>Adv. Funct. Mater. 2016, 26, 4961–4975; </a:t>
+              <a:t>. 2016, 26, 4961–4975; </a:t>
             </a:r>
             <a:r>
               <a:rPr lang="fr-FR" sz="1000" dirty="0">
@@ -13743,16 +13749,22 @@
               <a:t>K. Kodama et al. </a:t>
             </a:r>
             <a:r>
-              <a:rPr lang="fr-FR" sz="1000" dirty="0" err="1">
+              <a:rPr lang="fr-FR" sz="1000" i="1" dirty="0" err="1">
                 <a:latin typeface="Lucida grande" panose="020B0502040204020203"/>
               </a:rPr>
               <a:t>Electrochemistry</a:t>
             </a:r>
             <a:r>
+              <a:rPr lang="fr-FR" sz="1000" i="1" dirty="0">
+                <a:latin typeface="Lucida grande" panose="020B0502040204020203"/>
+              </a:rPr>
+              <a:t> Communications </a:t>
+            </a:r>
+            <a:r>
               <a:rPr lang="fr-FR" sz="1000" dirty="0">
                 <a:latin typeface="Lucida grande" panose="020B0502040204020203"/>
               </a:rPr>
-              <a:t> Communications 36 (2013) 26–28</a:t>
+              <a:t>36 (2013) 26–28</a:t>
             </a:r>
             <a:endParaRPr lang="en-US" sz="1000" dirty="0">
               <a:latin typeface="Lucida grande" panose="020B0502040204020203"/>

--- a/20240722 NAF Intro.pptx
+++ b/20240722 NAF Intro.pptx
@@ -217,7 +217,7 @@
           <a:p>
             <a:fld id="{4299902A-6DB3-4A13-9B91-BEABFDA2FC16}" type="datetimeFigureOut">
               <a:rPr lang="en-US" smtClean="0"/>
-              <a:t>7/22/2024</a:t>
+              <a:t>7/24/2024</a:t>
             </a:fld>
             <a:endParaRPr lang="en-US"/>
           </a:p>
@@ -14598,6 +14598,53 @@
           </a:extLst>
         </p:spPr>
       </p:pic>
+      <p:sp>
+        <p:nvSpPr>
+          <p:cNvPr id="8" name="TextBox 7">
+            <a:extLst>
+              <a:ext uri="{FF2B5EF4-FFF2-40B4-BE49-F238E27FC236}">
+                <a16:creationId xmlns:a16="http://schemas.microsoft.com/office/drawing/2014/main" id="{77BCCE4C-4861-08FF-3CA0-88D85601EABB}"/>
+              </a:ext>
+            </a:extLst>
+          </p:cNvPr>
+          <p:cNvSpPr txBox="1"/>
+          <p:nvPr/>
+        </p:nvSpPr>
+        <p:spPr>
+          <a:xfrm>
+            <a:off x="0" y="6553199"/>
+            <a:ext cx="6591301" cy="246221"/>
+          </a:xfrm>
+          <a:prstGeom prst="rect">
+            <a:avLst/>
+          </a:prstGeom>
+          <a:noFill/>
+        </p:spPr>
+        <p:txBody>
+          <a:bodyPr wrap="square" rtlCol="0">
+            <a:spAutoFit/>
+          </a:bodyPr>
+          <a:lstStyle/>
+          <a:p>
+            <a:pPr algn="l"/>
+            <a:r>
+              <a:rPr lang="en-US" sz="1000" dirty="0">
+                <a:latin typeface="Lucida grande" panose="020B0502040204020203"/>
+              </a:rPr>
+              <a:t>Yokokura, Duan, Wang. </a:t>
+            </a:r>
+            <a:r>
+              <a:rPr lang="en-US" sz="1000" i="1" dirty="0">
+                <a:latin typeface="Lucida grande" panose="020B0502040204020203"/>
+              </a:rPr>
+              <a:t>In progress</a:t>
+            </a:r>
+            <a:endParaRPr lang="en-US" sz="1000" dirty="0">
+              <a:latin typeface="Lucida grande" panose="020B0502040204020203"/>
+            </a:endParaRPr>
+          </a:p>
+        </p:txBody>
+      </p:sp>
     </p:spTree>
     <p:extLst>
       <p:ext uri="{BB962C8B-B14F-4D97-AF65-F5344CB8AC3E}">
@@ -20251,6 +20298,65 @@
           </p:spPr>
         </p:pic>
       </p:grpSp>
+      <p:sp>
+        <p:nvSpPr>
+          <p:cNvPr id="9" name="TextBox 8">
+            <a:extLst>
+              <a:ext uri="{FF2B5EF4-FFF2-40B4-BE49-F238E27FC236}">
+                <a16:creationId xmlns:a16="http://schemas.microsoft.com/office/drawing/2014/main" id="{6AFC41C2-8851-941F-861F-6D6E415CF287}"/>
+              </a:ext>
+            </a:extLst>
+          </p:cNvPr>
+          <p:cNvSpPr txBox="1"/>
+          <p:nvPr/>
+        </p:nvSpPr>
+        <p:spPr>
+          <a:xfrm>
+            <a:off x="0" y="6553199"/>
+            <a:ext cx="6591301" cy="246221"/>
+          </a:xfrm>
+          <a:prstGeom prst="rect">
+            <a:avLst/>
+          </a:prstGeom>
+          <a:noFill/>
+        </p:spPr>
+        <p:txBody>
+          <a:bodyPr wrap="square" rtlCol="0">
+            <a:spAutoFit/>
+          </a:bodyPr>
+          <a:lstStyle/>
+          <a:p>
+            <a:pPr algn="l"/>
+            <a:r>
+              <a:rPr lang="en-US" sz="1000" dirty="0">
+                <a:latin typeface="Lucida grande" panose="020B0502040204020203"/>
+              </a:rPr>
+              <a:t>Yokokura, Duan, Wang. 2024. </a:t>
+            </a:r>
+            <a:r>
+              <a:rPr lang="en-US" sz="1000" i="1" dirty="0">
+                <a:latin typeface="Lucida grande" panose="020B0502040204020203"/>
+              </a:rPr>
+              <a:t>In preparation, will be put on </a:t>
+            </a:r>
+            <a:r>
+              <a:rPr lang="en-US" sz="1000" i="1" dirty="0" err="1">
+                <a:latin typeface="Lucida grande" panose="020B0502040204020203"/>
+              </a:rPr>
+              <a:t>Arxiv</a:t>
+            </a:r>
+            <a:r>
+              <a:rPr lang="en-US" sz="1000" i="1" dirty="0">
+                <a:latin typeface="Lucida grande" panose="020B0502040204020203"/>
+              </a:rPr>
+              <a:t> very soon</a:t>
+            </a:r>
+            <a:endParaRPr lang="en-US" sz="1000" dirty="0">
+              <a:latin typeface="Lucida grande" panose="020B0502040204020203"/>
+            </a:endParaRPr>
+          </a:p>
+        </p:txBody>
+      </p:sp>
     </p:spTree>
     <p:extLst>
       <p:ext uri="{BB962C8B-B14F-4D97-AF65-F5344CB8AC3E}">
@@ -20531,8 +20637,8 @@
           </a:p>
         </p:txBody>
       </p:sp>
-      <mc:AlternateContent xmlns:mc="http://schemas.openxmlformats.org/markup-compatibility/2006">
-        <mc:Choice xmlns:a14="http://schemas.microsoft.com/office/drawing/2010/main" Requires="a14">
+      <mc:AlternateContent xmlns:mc="http://schemas.openxmlformats.org/markup-compatibility/2006" xmlns:a14="http://schemas.microsoft.com/office/drawing/2010/main">
+        <mc:Choice Requires="a14">
           <p:sp>
             <p:nvSpPr>
               <p:cNvPr id="45" name="TextBox 44">
@@ -20588,7 +20694,7 @@
             </p:txBody>
           </p:sp>
         </mc:Choice>
-        <mc:Fallback>
+        <mc:Fallback xmlns="">
           <p:sp>
             <p:nvSpPr>
               <p:cNvPr id="45" name="TextBox 44">
